--- a/Praktikum/poster_power_point/poster_qm_a/qm_a_meinschad.pptx
+++ b/Praktikum/poster_power_point/poster_qm_a/qm_a_meinschad.pptx
@@ -259,7 +259,7 @@
           <a:p>
             <a:fld id="{8C3BDDA7-5E33-DA47-8AF0-E5C223F202AD}" type="datetimeFigureOut">
               <a:rPr lang="de-DE" smtClean="0"/>
-              <a:t>11.11.24</a:t>
+              <a:t>16.11.24</a:t>
             </a:fld>
             <a:endParaRPr lang="de-DE"/>
           </a:p>
@@ -741,7 +741,7 @@
           <a:p>
             <a:fld id="{EF3E90B6-A121-0A49-A325-CBA152FDFCFA}" type="datetimeFigureOut">
               <a:rPr lang="de-DE" smtClean="0"/>
-              <a:t>11.11.24</a:t>
+              <a:t>16.11.24</a:t>
             </a:fld>
             <a:endParaRPr lang="de-DE"/>
           </a:p>
@@ -911,7 +911,7 @@
           <a:p>
             <a:fld id="{EF3E90B6-A121-0A49-A325-CBA152FDFCFA}" type="datetimeFigureOut">
               <a:rPr lang="de-DE" smtClean="0"/>
-              <a:t>11.11.24</a:t>
+              <a:t>16.11.24</a:t>
             </a:fld>
             <a:endParaRPr lang="de-DE"/>
           </a:p>
@@ -1091,7 +1091,7 @@
           <a:p>
             <a:fld id="{EF3E90B6-A121-0A49-A325-CBA152FDFCFA}" type="datetimeFigureOut">
               <a:rPr lang="de-DE" smtClean="0"/>
-              <a:t>11.11.24</a:t>
+              <a:t>16.11.24</a:t>
             </a:fld>
             <a:endParaRPr lang="de-DE"/>
           </a:p>
@@ -1261,7 +1261,7 @@
           <a:p>
             <a:fld id="{EF3E90B6-A121-0A49-A325-CBA152FDFCFA}" type="datetimeFigureOut">
               <a:rPr lang="de-DE" smtClean="0"/>
-              <a:t>11.11.24</a:t>
+              <a:t>16.11.24</a:t>
             </a:fld>
             <a:endParaRPr lang="de-DE"/>
           </a:p>
@@ -1507,7 +1507,7 @@
           <a:p>
             <a:fld id="{EF3E90B6-A121-0A49-A325-CBA152FDFCFA}" type="datetimeFigureOut">
               <a:rPr lang="de-DE" smtClean="0"/>
-              <a:t>11.11.24</a:t>
+              <a:t>16.11.24</a:t>
             </a:fld>
             <a:endParaRPr lang="de-DE"/>
           </a:p>
@@ -1739,7 +1739,7 @@
           <a:p>
             <a:fld id="{EF3E90B6-A121-0A49-A325-CBA152FDFCFA}" type="datetimeFigureOut">
               <a:rPr lang="de-DE" smtClean="0"/>
-              <a:t>11.11.24</a:t>
+              <a:t>16.11.24</a:t>
             </a:fld>
             <a:endParaRPr lang="de-DE"/>
           </a:p>
@@ -2106,7 +2106,7 @@
           <a:p>
             <a:fld id="{EF3E90B6-A121-0A49-A325-CBA152FDFCFA}" type="datetimeFigureOut">
               <a:rPr lang="de-DE" smtClean="0"/>
-              <a:t>11.11.24</a:t>
+              <a:t>16.11.24</a:t>
             </a:fld>
             <a:endParaRPr lang="de-DE"/>
           </a:p>
@@ -2224,7 +2224,7 @@
           <a:p>
             <a:fld id="{EF3E90B6-A121-0A49-A325-CBA152FDFCFA}" type="datetimeFigureOut">
               <a:rPr lang="de-DE" smtClean="0"/>
-              <a:t>11.11.24</a:t>
+              <a:t>16.11.24</a:t>
             </a:fld>
             <a:endParaRPr lang="de-DE"/>
           </a:p>
@@ -2319,7 +2319,7 @@
           <a:p>
             <a:fld id="{EF3E90B6-A121-0A49-A325-CBA152FDFCFA}" type="datetimeFigureOut">
               <a:rPr lang="de-DE" smtClean="0"/>
-              <a:t>11.11.24</a:t>
+              <a:t>16.11.24</a:t>
             </a:fld>
             <a:endParaRPr lang="de-DE"/>
           </a:p>
@@ -2596,7 +2596,7 @@
           <a:p>
             <a:fld id="{EF3E90B6-A121-0A49-A325-CBA152FDFCFA}" type="datetimeFigureOut">
               <a:rPr lang="de-DE" smtClean="0"/>
-              <a:t>11.11.24</a:t>
+              <a:t>16.11.24</a:t>
             </a:fld>
             <a:endParaRPr lang="de-DE"/>
           </a:p>
@@ -2853,7 +2853,7 @@
           <a:p>
             <a:fld id="{EF3E90B6-A121-0A49-A325-CBA152FDFCFA}" type="datetimeFigureOut">
               <a:rPr lang="de-DE" smtClean="0"/>
-              <a:t>11.11.24</a:t>
+              <a:t>16.11.24</a:t>
             </a:fld>
             <a:endParaRPr lang="de-DE"/>
           </a:p>
@@ -3066,7 +3066,7 @@
           <a:p>
             <a:fld id="{EF3E90B6-A121-0A49-A325-CBA152FDFCFA}" type="datetimeFigureOut">
               <a:rPr lang="de-DE" smtClean="0"/>
-              <a:t>11.11.24</a:t>
+              <a:t>16.11.24</a:t>
             </a:fld>
             <a:endParaRPr lang="de-DE"/>
           </a:p>
@@ -3677,15 +3677,15 @@
           <a:p>
             <a:pPr algn="ctr"/>
             <a:r>
-              <a:rPr lang="en-US" sz="5400" b="1" noProof="1"/>
+              <a:rPr lang="en-US" sz="4400" b="1" noProof="1"/>
               <a:t>Introduction</a:t>
             </a:r>
-            <a:endParaRPr lang="en-US" sz="6000" b="1" noProof="1"/>
+            <a:endParaRPr lang="en-US" sz="4800" b="1" noProof="1"/>
           </a:p>
         </p:txBody>
       </p:sp>
-      <mc:AlternateContent xmlns:mc="http://schemas.openxmlformats.org/markup-compatibility/2006" xmlns:a14="http://schemas.microsoft.com/office/drawing/2010/main">
-        <mc:Choice Requires="a14">
+      <mc:AlternateContent xmlns:mc="http://schemas.openxmlformats.org/markup-compatibility/2006">
+        <mc:Choice xmlns:a14="http://schemas.microsoft.com/office/drawing/2010/main" Requires="a14">
           <p:sp>
             <p:nvSpPr>
               <p:cNvPr id="25" name="Textfeld 24">
@@ -3701,7 +3701,7 @@
             <p:spPr>
               <a:xfrm>
                 <a:off x="540202" y="4773766"/>
-                <a:ext cx="11628620" cy="2677656"/>
+                <a:ext cx="11628620" cy="1938992"/>
               </a:xfrm>
               <a:prstGeom prst="rect">
                 <a:avLst/>
@@ -3720,13 +3720,13 @@
               <a:lstStyle/>
               <a:p>
                 <a:r>
-                  <a:rPr lang="en-US" sz="2800" noProof="1"/>
-                  <a:t>This poster shows the results of the second part of QM calculation from the advanced practical course. For difluor </a:t>
+                  <a:rPr lang="en-US" sz="2400" noProof="1"/>
+                  <a:t>This poster shows the results of the first part of QM calculations from the advanced practical course. For difluor </a:t>
                 </a:r>
                 <a14:m>
                   <m:oMath xmlns:m="http://schemas.openxmlformats.org/officeDocument/2006/math">
                     <m:r>
-                      <a:rPr lang="de-AT" sz="2800" b="0" i="0" noProof="1" smtClean="0">
+                      <a:rPr lang="de-AT" sz="2400" b="0" i="0" noProof="1" smtClean="0">
                         <a:latin typeface="Cambria Math" panose="02040503050406030204" pitchFamily="18" charset="0"/>
                       </a:rPr>
                       <m:t>(</m:t>
@@ -3734,7 +3734,7 @@
                     <m:sSub>
                       <m:sSubPr>
                         <m:ctrlPr>
-                          <a:rPr lang="de-AT" sz="2800" b="0" i="1" noProof="1" smtClean="0">
+                          <a:rPr lang="de-AT" sz="2400" b="0" i="1" noProof="1" smtClean="0">
                             <a:latin typeface="Cambria Math" panose="02040503050406030204" pitchFamily="18" charset="0"/>
                           </a:rPr>
                         </m:ctrlPr>
@@ -3744,7 +3744,7 @@
                           <m:rPr>
                             <m:sty m:val="p"/>
                           </m:rPr>
-                          <a:rPr lang="de-AT" sz="2800" b="0" i="0" noProof="1" smtClean="0">
+                          <a:rPr lang="de-AT" sz="2400" b="0" i="0" noProof="1" smtClean="0">
                             <a:latin typeface="Cambria Math" panose="02040503050406030204" pitchFamily="18" charset="0"/>
                           </a:rPr>
                           <m:t>F</m:t>
@@ -3752,7 +3752,7 @@
                       </m:e>
                       <m:sub>
                         <m:r>
-                          <a:rPr lang="de-AT" sz="2800" b="0" i="0" noProof="1" smtClean="0">
+                          <a:rPr lang="de-AT" sz="2400" b="0" i="0" noProof="1" smtClean="0">
                             <a:latin typeface="Cambria Math" panose="02040503050406030204" pitchFamily="18" charset="0"/>
                           </a:rPr>
                           <m:t>2</m:t>
@@ -3760,7 +3760,7 @@
                       </m:sub>
                     </m:sSub>
                     <m:r>
-                      <a:rPr lang="de-AT" sz="2800" b="0" i="0" noProof="1" smtClean="0">
+                      <a:rPr lang="de-AT" sz="2400" b="0" i="0" noProof="1" smtClean="0">
                         <a:latin typeface="Cambria Math" panose="02040503050406030204" pitchFamily="18" charset="0"/>
                       </a:rPr>
                       <m:t>)</m:t>
@@ -3768,11 +3768,11 @@
                   </m:oMath>
                 </a14:m>
                 <a:r>
-                  <a:rPr lang="en-US" sz="2800" b="1" noProof="1"/>
+                  <a:rPr lang="en-US" sz="2400" b="1" noProof="1"/>
                   <a:t> </a:t>
                 </a:r>
                 <a:r>
-                  <a:rPr lang="en-US" sz="2800" noProof="1"/>
+                  <a:rPr lang="en-US" sz="2400" noProof="1"/>
                   <a:t>and trans-acetic acid (</a:t>
                 </a:r>
                 <a14:m>
@@ -3781,7 +3781,7 @@
                       <m:rPr>
                         <m:sty m:val="p"/>
                       </m:rPr>
-                      <a:rPr lang="de-AT" sz="2800" b="0" i="0" noProof="1" smtClean="0">
+                      <a:rPr lang="de-AT" sz="2400" b="0" i="0" noProof="1" smtClean="0">
                         <a:latin typeface="Cambria Math" panose="02040503050406030204" pitchFamily="18" charset="0"/>
                       </a:rPr>
                       <m:t>C</m:t>
@@ -3789,7 +3789,7 @@
                     <m:sSub>
                       <m:sSubPr>
                         <m:ctrlPr>
-                          <a:rPr lang="de-AT" sz="2800" b="0" i="1" noProof="1" smtClean="0">
+                          <a:rPr lang="de-AT" sz="2400" b="0" i="1" noProof="1" smtClean="0">
                             <a:latin typeface="Cambria Math" panose="02040503050406030204" pitchFamily="18" charset="0"/>
                           </a:rPr>
                         </m:ctrlPr>
@@ -3799,7 +3799,7 @@
                           <m:rPr>
                             <m:sty m:val="p"/>
                           </m:rPr>
-                          <a:rPr lang="de-AT" sz="2800" b="0" i="0" noProof="1" smtClean="0">
+                          <a:rPr lang="de-AT" sz="2400" b="0" i="0" noProof="1" smtClean="0">
                             <a:latin typeface="Cambria Math" panose="02040503050406030204" pitchFamily="18" charset="0"/>
                           </a:rPr>
                           <m:t>H</m:t>
@@ -3807,7 +3807,7 @@
                       </m:e>
                       <m:sub>
                         <m:r>
-                          <a:rPr lang="de-AT" sz="2800" b="0" i="0" noProof="1" smtClean="0">
+                          <a:rPr lang="de-AT" sz="2400" b="0" i="0" noProof="1" smtClean="0">
                             <a:latin typeface="Cambria Math" panose="02040503050406030204" pitchFamily="18" charset="0"/>
                           </a:rPr>
                           <m:t>3</m:t>
@@ -3818,13 +3818,13 @@
                       <m:rPr>
                         <m:sty m:val="p"/>
                       </m:rPr>
-                      <a:rPr lang="de-AT" sz="2800" b="0" i="0" noProof="1" smtClean="0">
+                      <a:rPr lang="de-AT" sz="2400" b="0" i="0" noProof="1" smtClean="0">
                         <a:latin typeface="Cambria Math" panose="02040503050406030204" pitchFamily="18" charset="0"/>
                       </a:rPr>
                       <m:t>COOH</m:t>
                     </m:r>
                     <m:r>
-                      <a:rPr lang="de-AT" sz="2800" b="0" i="0" noProof="1" smtClean="0">
+                      <a:rPr lang="de-AT" sz="2400" b="0" i="0" noProof="1" smtClean="0">
                         <a:latin typeface="Cambria Math" panose="02040503050406030204" pitchFamily="18" charset="0"/>
                       </a:rPr>
                       <m:t>)</m:t>
@@ -3832,35 +3832,35 @@
                   </m:oMath>
                 </a14:m>
                 <a:r>
-                  <a:rPr lang="en-US" sz="2800" b="1" noProof="1"/>
+                  <a:rPr lang="en-US" sz="2400" b="1" noProof="1"/>
                   <a:t> </a:t>
                 </a:r>
                 <a:r>
-                  <a:rPr lang="en-US" sz="2800" noProof="1"/>
-                  <a:t>a geometry optimization and harmonic frequency calculation were performed.  Further, a bond scan along F-F and O-H was calculated and the potential energies were used to numerically solve the </a:t>
-                </a:r>
-                <a:r>
-                  <a:rPr lang="en-US" sz="2800" b="1" i="1" noProof="1"/>
+                  <a:rPr lang="en-US" sz="2400" noProof="1"/>
+                  <a:t>a geometry optimization and harmonic frequency calculation were performed.  Further, a bond scan along F-F and O-H was carried out and the potential energies were used to numerically solve the </a:t>
+                </a:r>
+                <a:r>
+                  <a:rPr lang="en-US" sz="2400" b="1" i="1" noProof="1"/>
                   <a:t>Schrödinger equation </a:t>
                 </a:r>
                 <a:r>
-                  <a:rPr lang="en-US" sz="2800" noProof="1"/>
+                  <a:rPr lang="en-US" sz="2400" noProof="1"/>
                   <a:t>using </a:t>
                 </a:r>
                 <a:r>
-                  <a:rPr lang="en-US" sz="2800" b="1" i="1" noProof="1"/>
+                  <a:rPr lang="en-US" sz="2400" b="1" i="1" noProof="1"/>
                   <a:t>Numervo’s </a:t>
                 </a:r>
                 <a:r>
-                  <a:rPr lang="en-US" sz="2800" noProof="1"/>
-                  <a:t>method.</a:t>
-                </a:r>
-                <a:endParaRPr lang="en-US" sz="2800" b="1" noProof="1"/>
+                  <a:rPr lang="en-US" sz="2400" noProof="1"/>
+                  <a:t>method. </a:t>
+                </a:r>
+                <a:endParaRPr lang="en-US" sz="2400" b="1" noProof="1"/>
               </a:p>
             </p:txBody>
           </p:sp>
         </mc:Choice>
-        <mc:Fallback xmlns="">
+        <mc:Fallback>
           <p:sp>
             <p:nvSpPr>
               <p:cNvPr id="25" name="Textfeld 24">
@@ -3878,7 +3878,7 @@
             <p:spPr>
               <a:xfrm>
                 <a:off x="540202" y="4773766"/>
-                <a:ext cx="11628620" cy="2677656"/>
+                <a:ext cx="11628620" cy="1938992"/>
               </a:xfrm>
               <a:prstGeom prst="rect">
                 <a:avLst/>
@@ -3886,7 +3886,7 @@
               <a:blipFill>
                 <a:blip r:embed="rId4"/>
                 <a:stretch>
-                  <a:fillRect l="-1091" t="-2347" r="-1636" b="-5164"/>
+                  <a:fillRect l="-763" t="-1948" b="-6494"/>
                 </a:stretch>
               </a:blipFill>
               <a:ln>
@@ -3982,8 +3982,8 @@
         </p:nvSpPr>
         <p:spPr>
           <a:xfrm>
-            <a:off x="563629" y="8830603"/>
-            <a:ext cx="11628621" cy="6401753"/>
+            <a:off x="563629" y="8736474"/>
+            <a:ext cx="11628621" cy="5139869"/>
           </a:xfrm>
           <a:prstGeom prst="rect">
             <a:avLst/>
@@ -4017,17 +4017,15 @@
           </a:p>
           <a:p>
             <a:r>
-              <a:rPr lang="en-US" sz="2800" noProof="1"/>
-              <a:t>The geometries of both structures were optimized with B3LYP exchange-correlation function using the 6-311++G(3df,3pd) basis set. Further a frequency calculation and a bond scan was performed. For the bond scan the coordinate was </a:t>
-            </a:r>
-          </a:p>
-          <a:p>
-            <a:endParaRPr lang="en-US" sz="5400" noProof="1"/>
+              <a:rPr lang="en-US" sz="2400" noProof="1"/>
+              <a:t>The geometries of both structures were optimized with the B3LYP functional using the 6-311++G(3df,3pd) basis set. Further, a frequency calculation and a bond scan was performed. </a:t>
+            </a:r>
+            <a:endParaRPr lang="en-US" sz="4800" noProof="1"/>
           </a:p>
         </p:txBody>
       </p:sp>
-      <mc:AlternateContent xmlns:mc="http://schemas.openxmlformats.org/markup-compatibility/2006" xmlns:a14="http://schemas.microsoft.com/office/drawing/2010/main">
-        <mc:Choice Requires="a14">
+      <mc:AlternateContent xmlns:mc="http://schemas.openxmlformats.org/markup-compatibility/2006">
+        <mc:Choice xmlns:a14="http://schemas.microsoft.com/office/drawing/2010/main" Requires="a14">
           <p:sp>
             <p:nvSpPr>
               <p:cNvPr id="33" name="Textfeld 32">
@@ -4043,7 +4041,7 @@
             <p:spPr>
               <a:xfrm>
                 <a:off x="854632" y="11942318"/>
-                <a:ext cx="10999759" cy="523220"/>
+                <a:ext cx="10999759" cy="461665"/>
               </a:xfrm>
               <a:prstGeom prst="rect">
                 <a:avLst/>
@@ -4057,7 +4055,7 @@
               <a:lstStyle/>
               <a:p>
                 <a:r>
-                  <a:rPr lang="en-US" sz="2800" b="1" noProof="1"/>
+                  <a:rPr lang="en-US" sz="2400" b="1" noProof="1"/>
                   <a:t>Fig 1: </a:t>
                 </a:r>
                 <a14:m>
@@ -4065,7 +4063,7 @@
                     <m:sSub>
                       <m:sSubPr>
                         <m:ctrlPr>
-                          <a:rPr lang="en-US" sz="2800" i="1" noProof="1" dirty="0" smtClean="0">
+                          <a:rPr lang="en-US" sz="2400" i="1" noProof="1" dirty="0" smtClean="0">
                             <a:latin typeface="Cambria Math" panose="02040503050406030204" pitchFamily="18" charset="0"/>
                           </a:rPr>
                         </m:ctrlPr>
@@ -4075,7 +4073,7 @@
                           <m:rPr>
                             <m:sty m:val="p"/>
                           </m:rPr>
-                          <a:rPr lang="en-US" sz="2800" b="0" i="0" noProof="1" dirty="0" smtClean="0">
+                          <a:rPr lang="en-US" sz="2400" b="0" i="0" noProof="1" dirty="0" smtClean="0">
                             <a:latin typeface="Cambria Math" panose="02040503050406030204" pitchFamily="18" charset="0"/>
                           </a:rPr>
                           <m:t>F</m:t>
@@ -4083,7 +4081,7 @@
                       </m:e>
                       <m:sub>
                         <m:r>
-                          <a:rPr lang="en-US" sz="2800" b="0" i="0" noProof="1" dirty="0" smtClean="0">
+                          <a:rPr lang="en-US" sz="2400" b="0" i="0" noProof="1" dirty="0" smtClean="0">
                             <a:latin typeface="Cambria Math" panose="02040503050406030204" pitchFamily="18" charset="0"/>
                           </a:rPr>
                           <m:t>2</m:t>
@@ -4093,7 +4091,7 @@
                   </m:oMath>
                 </a14:m>
                 <a:r>
-                  <a:rPr lang="en-US" sz="2800" noProof="1"/>
+                  <a:rPr lang="en-US" sz="2400" noProof="1"/>
                   <a:t> and </a:t>
                 </a:r>
                 <a14:m>
@@ -4102,7 +4100,7 @@
                       <m:rPr>
                         <m:sty m:val="p"/>
                       </m:rPr>
-                      <a:rPr lang="en-US" sz="2800" b="0" i="0" noProof="1" dirty="0" smtClean="0">
+                      <a:rPr lang="en-US" sz="2400" b="0" i="0" noProof="1" dirty="0" smtClean="0">
                         <a:latin typeface="Cambria Math" panose="02040503050406030204" pitchFamily="18" charset="0"/>
                       </a:rPr>
                       <m:t>C</m:t>
@@ -4110,7 +4108,7 @@
                     <m:sSub>
                       <m:sSubPr>
                         <m:ctrlPr>
-                          <a:rPr lang="en-US" sz="2800" b="0" i="1" noProof="1" dirty="0" smtClean="0">
+                          <a:rPr lang="en-US" sz="2400" b="0" i="1" noProof="1" dirty="0" smtClean="0">
                             <a:latin typeface="Cambria Math" panose="02040503050406030204" pitchFamily="18" charset="0"/>
                           </a:rPr>
                         </m:ctrlPr>
@@ -4120,7 +4118,7 @@
                           <m:rPr>
                             <m:sty m:val="p"/>
                           </m:rPr>
-                          <a:rPr lang="en-US" sz="2800" b="0" i="0" noProof="1" dirty="0" smtClean="0">
+                          <a:rPr lang="en-US" sz="2400" b="0" i="0" noProof="1" dirty="0" smtClean="0">
                             <a:latin typeface="Cambria Math" panose="02040503050406030204" pitchFamily="18" charset="0"/>
                           </a:rPr>
                           <m:t>H</m:t>
@@ -4128,7 +4126,7 @@
                       </m:e>
                       <m:sub>
                         <m:r>
-                          <a:rPr lang="en-US" sz="2800" b="0" i="0" noProof="1" dirty="0" smtClean="0">
+                          <a:rPr lang="en-US" sz="2400" b="0" i="0" noProof="1" dirty="0" smtClean="0">
                             <a:latin typeface="Cambria Math" panose="02040503050406030204" pitchFamily="18" charset="0"/>
                           </a:rPr>
                           <m:t>3</m:t>
@@ -4139,7 +4137,7 @@
                       <m:rPr>
                         <m:sty m:val="p"/>
                       </m:rPr>
-                      <a:rPr lang="en-US" sz="2800" b="0" i="0" noProof="1" dirty="0" smtClean="0">
+                      <a:rPr lang="en-US" sz="2400" b="0" i="0" noProof="1" dirty="0" smtClean="0">
                         <a:latin typeface="Cambria Math" panose="02040503050406030204" pitchFamily="18" charset="0"/>
                       </a:rPr>
                       <m:t>COOH</m:t>
@@ -4147,14 +4145,14 @@
                   </m:oMath>
                 </a14:m>
                 <a:r>
-                  <a:rPr lang="en-US" sz="2800" noProof="1"/>
+                  <a:rPr lang="en-US" sz="2400" noProof="1"/>
                   <a:t> optimized with  B3LYP/6-311++G(3df,3pd)</a:t>
                 </a:r>
               </a:p>
             </p:txBody>
           </p:sp>
         </mc:Choice>
-        <mc:Fallback xmlns="">
+        <mc:Fallback>
           <p:sp>
             <p:nvSpPr>
               <p:cNvPr id="33" name="Textfeld 32">
@@ -4172,7 +4170,7 @@
             <p:spPr>
               <a:xfrm>
                 <a:off x="854632" y="11942318"/>
-                <a:ext cx="10999759" cy="523220"/>
+                <a:ext cx="10999759" cy="461665"/>
               </a:xfrm>
               <a:prstGeom prst="rect">
                 <a:avLst/>
@@ -4180,7 +4178,7 @@
               <a:blipFill>
                 <a:blip r:embed="rId5"/>
                 <a:stretch>
-                  <a:fillRect l="-1153" t="-11905" b="-33333"/>
+                  <a:fillRect l="-923" t="-10811" b="-29730"/>
                 </a:stretch>
               </a:blipFill>
             </p:spPr>
@@ -4213,8 +4211,8 @@
         </p:nvSpPr>
         <p:spPr>
           <a:xfrm>
-            <a:off x="565253" y="15463261"/>
-            <a:ext cx="11628621" cy="1699633"/>
+            <a:off x="565253" y="14279925"/>
+            <a:ext cx="11628621" cy="1795136"/>
           </a:xfrm>
           <a:prstGeom prst="rect">
             <a:avLst/>
@@ -4257,8 +4255,8 @@
           </a:p>
         </p:txBody>
       </p:sp>
-      <mc:AlternateContent xmlns:mc="http://schemas.openxmlformats.org/markup-compatibility/2006" xmlns:a14="http://schemas.microsoft.com/office/drawing/2010/main">
-        <mc:Choice Requires="a14">
+      <mc:AlternateContent xmlns:mc="http://schemas.openxmlformats.org/markup-compatibility/2006">
+        <mc:Choice xmlns:a14="http://schemas.microsoft.com/office/drawing/2010/main" Requires="a14">
           <p:sp>
             <p:nvSpPr>
               <p:cNvPr id="35" name="Textfeld 34">
@@ -4273,8 +4271,8 @@
             </p:nvSpPr>
             <p:spPr>
               <a:xfrm>
-                <a:off x="565252" y="17191487"/>
-                <a:ext cx="11628621" cy="12085168"/>
+                <a:off x="565252" y="16008151"/>
+                <a:ext cx="11628621" cy="11049179"/>
               </a:xfrm>
               <a:prstGeom prst="rect">
                 <a:avLst/>
@@ -4293,15 +4291,15 @@
               <a:lstStyle/>
               <a:p>
                 <a:r>
-                  <a:rPr lang="en-US" sz="2800" noProof="1">
+                  <a:rPr lang="en-US" sz="2400" noProof="1">
                     <a:latin typeface="Arial" panose="020B0604020202020204" pitchFamily="34" charset="0"/>
                     <a:cs typeface="Arial" panose="020B0604020202020204" pitchFamily="34" charset="0"/>
                   </a:rPr>
-                  <a:t>The force constant can be calculated using finite differences from the potential energy curve of the bond scan</a:t>
+                  <a:t>The force constant can be calculated using finite differences from the potential energy curve of the bond scan:</a:t>
                 </a:r>
               </a:p>
               <a:p>
-                <a:endParaRPr lang="en-US" sz="2800" noProof="1">
+                <a:endParaRPr lang="en-US" sz="2400" noProof="1">
                   <a:latin typeface="Arial" panose="020B0604020202020204" pitchFamily="34" charset="0"/>
                   <a:cs typeface="Arial" panose="020B0604020202020204" pitchFamily="34" charset="0"/>
                 </a:endParaRPr>
@@ -4315,14 +4313,14 @@
                     </m:oMathParaPr>
                     <m:oMath xmlns:m="http://schemas.openxmlformats.org/officeDocument/2006/math">
                       <m:r>
-                        <a:rPr lang="en-US" sz="2800" b="0" i="1" noProof="1" dirty="0" smtClean="0">
+                        <a:rPr lang="en-US" sz="2400" b="0" i="1" noProof="1" dirty="0" smtClean="0">
                           <a:latin typeface="Cambria Math" panose="02040503050406030204" pitchFamily="18" charset="0"/>
                           <a:cs typeface="Arial" panose="020B0604020202020204" pitchFamily="34" charset="0"/>
                         </a:rPr>
                         <m:t>𝑘</m:t>
                       </m:r>
                       <m:r>
-                        <a:rPr lang="en-US" sz="2800" b="0" i="1" noProof="1" dirty="0" smtClean="0">
+                        <a:rPr lang="en-US" sz="2400" b="0" i="1" noProof="1" dirty="0" smtClean="0">
                           <a:latin typeface="Cambria Math" panose="02040503050406030204" pitchFamily="18" charset="0"/>
                           <a:cs typeface="Arial" panose="020B0604020202020204" pitchFamily="34" charset="0"/>
                         </a:rPr>
@@ -4331,7 +4329,7 @@
                       <m:f>
                         <m:fPr>
                           <m:ctrlPr>
-                            <a:rPr lang="en-US" sz="2800" b="0" i="1" noProof="1" dirty="0" smtClean="0">
+                            <a:rPr lang="en-US" sz="2400" b="0" i="1" noProof="1" dirty="0" smtClean="0">
                               <a:latin typeface="Cambria Math" panose="02040503050406030204" pitchFamily="18" charset="0"/>
                               <a:cs typeface="Arial" panose="020B0604020202020204" pitchFamily="34" charset="0"/>
                             </a:rPr>
@@ -4341,7 +4339,7 @@
                           <m:sSub>
                             <m:sSubPr>
                               <m:ctrlPr>
-                                <a:rPr lang="en-US" sz="2800" b="0" i="1" noProof="1" dirty="0" smtClean="0">
+                                <a:rPr lang="en-US" sz="2400" b="0" i="1" noProof="1" dirty="0" smtClean="0">
                                   <a:latin typeface="Cambria Math" panose="02040503050406030204" pitchFamily="18" charset="0"/>
                                   <a:cs typeface="Arial" panose="020B0604020202020204" pitchFamily="34" charset="0"/>
                                 </a:rPr>
@@ -4349,7 +4347,7 @@
                             </m:sSubPr>
                             <m:e>
                               <m:r>
-                                <a:rPr lang="en-US" sz="2800" b="0" i="1" noProof="1" dirty="0" smtClean="0">
+                                <a:rPr lang="en-US" sz="2400" b="0" i="1" noProof="1" dirty="0" smtClean="0">
                                   <a:latin typeface="Cambria Math" panose="02040503050406030204" pitchFamily="18" charset="0"/>
                                   <a:cs typeface="Arial" panose="020B0604020202020204" pitchFamily="34" charset="0"/>
                                 </a:rPr>
@@ -4358,14 +4356,14 @@
                             </m:e>
                             <m:sub>
                               <m:r>
-                                <a:rPr lang="en-US" sz="2800" b="0" i="1" noProof="1" dirty="0" smtClean="0">
+                                <a:rPr lang="en-US" sz="2400" b="0" i="1" noProof="1" dirty="0" smtClean="0">
                                   <a:latin typeface="Cambria Math" panose="02040503050406030204" pitchFamily="18" charset="0"/>
                                   <a:cs typeface="Arial" panose="020B0604020202020204" pitchFamily="34" charset="0"/>
                                 </a:rPr>
                                 <m:t>𝑚𝑖𝑛</m:t>
                               </m:r>
                               <m:r>
-                                <a:rPr lang="en-US" sz="2800" b="0" i="1" noProof="1" dirty="0" smtClean="0">
+                                <a:rPr lang="en-US" sz="2400" b="0" i="1" noProof="1" dirty="0" smtClean="0">
                                   <a:latin typeface="Cambria Math" panose="02040503050406030204" pitchFamily="18" charset="0"/>
                                   <a:cs typeface="Arial" panose="020B0604020202020204" pitchFamily="34" charset="0"/>
                                 </a:rPr>
@@ -4374,7 +4372,7 @@
                             </m:sub>
                           </m:sSub>
                           <m:r>
-                            <a:rPr lang="en-US" sz="2800" b="0" i="1" noProof="1" dirty="0" smtClean="0">
+                            <a:rPr lang="en-US" sz="2400" b="0" i="1" noProof="1" dirty="0" smtClean="0">
                               <a:latin typeface="Cambria Math" panose="02040503050406030204" pitchFamily="18" charset="0"/>
                               <a:cs typeface="Arial" panose="020B0604020202020204" pitchFamily="34" charset="0"/>
                             </a:rPr>
@@ -4383,7 +4381,7 @@
                           <m:sSub>
                             <m:sSubPr>
                               <m:ctrlPr>
-                                <a:rPr lang="en-US" sz="2800" b="0" i="1" noProof="1" dirty="0" smtClean="0">
+                                <a:rPr lang="en-US" sz="2400" b="0" i="1" noProof="1" dirty="0" smtClean="0">
                                   <a:latin typeface="Cambria Math" panose="02040503050406030204" pitchFamily="18" charset="0"/>
                                   <a:cs typeface="Arial" panose="020B0604020202020204" pitchFamily="34" charset="0"/>
                                 </a:rPr>
@@ -4391,7 +4389,7 @@
                             </m:sSubPr>
                             <m:e>
                               <m:r>
-                                <a:rPr lang="en-US" sz="2800" b="0" i="1" noProof="1" dirty="0" smtClean="0">
+                                <a:rPr lang="en-US" sz="2400" b="0" i="1" noProof="1" dirty="0" smtClean="0">
                                   <a:latin typeface="Cambria Math" panose="02040503050406030204" pitchFamily="18" charset="0"/>
                                   <a:cs typeface="Arial" panose="020B0604020202020204" pitchFamily="34" charset="0"/>
                                 </a:rPr>
@@ -4400,7 +4398,7 @@
                             </m:e>
                             <m:sub>
                               <m:r>
-                                <a:rPr lang="en-US" sz="2800" b="0" i="1" noProof="1" dirty="0" smtClean="0">
+                                <a:rPr lang="en-US" sz="2400" b="0" i="1" noProof="1" dirty="0" smtClean="0">
                                   <a:latin typeface="Cambria Math" panose="02040503050406030204" pitchFamily="18" charset="0"/>
                                   <a:cs typeface="Arial" panose="020B0604020202020204" pitchFamily="34" charset="0"/>
                                 </a:rPr>
@@ -4409,7 +4407,7 @@
                             </m:sub>
                           </m:sSub>
                           <m:r>
-                            <a:rPr lang="en-US" sz="2800" b="0" i="1" noProof="1" dirty="0" smtClean="0">
+                            <a:rPr lang="en-US" sz="2400" b="0" i="1" noProof="1" dirty="0" smtClean="0">
                               <a:latin typeface="Cambria Math" panose="02040503050406030204" pitchFamily="18" charset="0"/>
                               <a:cs typeface="Arial" panose="020B0604020202020204" pitchFamily="34" charset="0"/>
                             </a:rPr>
@@ -4418,7 +4416,7 @@
                           <m:sSub>
                             <m:sSubPr>
                               <m:ctrlPr>
-                                <a:rPr lang="en-US" sz="2800" b="0" i="1" noProof="1" dirty="0" smtClean="0">
+                                <a:rPr lang="en-US" sz="2400" b="0" i="1" noProof="1" dirty="0" smtClean="0">
                                   <a:latin typeface="Cambria Math" panose="02040503050406030204" pitchFamily="18" charset="0"/>
                                   <a:cs typeface="Arial" panose="020B0604020202020204" pitchFamily="34" charset="0"/>
                                 </a:rPr>
@@ -4426,7 +4424,7 @@
                             </m:sSubPr>
                             <m:e>
                               <m:r>
-                                <a:rPr lang="en-US" sz="2800" b="0" i="1" noProof="1" dirty="0" smtClean="0">
+                                <a:rPr lang="en-US" sz="2400" b="0" i="1" noProof="1" dirty="0" smtClean="0">
                                   <a:latin typeface="Cambria Math" panose="02040503050406030204" pitchFamily="18" charset="0"/>
                                   <a:cs typeface="Arial" panose="020B0604020202020204" pitchFamily="34" charset="0"/>
                                 </a:rPr>
@@ -4435,14 +4433,14 @@
                             </m:e>
                             <m:sub>
                               <m:r>
-                                <a:rPr lang="en-US" sz="2800" b="0" i="1" noProof="1" dirty="0" smtClean="0">
+                                <a:rPr lang="en-US" sz="2400" b="0" i="1" noProof="1" dirty="0" smtClean="0">
                                   <a:latin typeface="Cambria Math" panose="02040503050406030204" pitchFamily="18" charset="0"/>
                                   <a:cs typeface="Arial" panose="020B0604020202020204" pitchFamily="34" charset="0"/>
                                 </a:rPr>
                                 <m:t>𝑚𝑖𝑛</m:t>
                               </m:r>
                               <m:r>
-                                <a:rPr lang="en-US" sz="2800" b="0" i="1" noProof="1" dirty="0" smtClean="0">
+                                <a:rPr lang="en-US" sz="2400" b="0" i="1" noProof="1" dirty="0" smtClean="0">
                                   <a:latin typeface="Cambria Math" panose="02040503050406030204" pitchFamily="18" charset="0"/>
                                   <a:cs typeface="Arial" panose="020B0604020202020204" pitchFamily="34" charset="0"/>
                                 </a:rPr>
@@ -4456,7 +4454,7 @@
                             <m:rPr>
                               <m:sty m:val="p"/>
                             </m:rPr>
-                            <a:rPr lang="en-US" sz="2800" b="0" i="0" noProof="1" dirty="0" smtClean="0">
+                            <a:rPr lang="en-US" sz="2400" b="0" i="0" noProof="1" dirty="0" smtClean="0">
                               <a:latin typeface="Cambria Math" panose="02040503050406030204" pitchFamily="18" charset="0"/>
                               <a:cs typeface="Arial" panose="020B0604020202020204" pitchFamily="34" charset="0"/>
                             </a:rPr>
@@ -4465,7 +4463,7 @@
                           <m:sSup>
                             <m:sSupPr>
                               <m:ctrlPr>
-                                <a:rPr lang="en-US" sz="2800" b="0" i="1" noProof="1" dirty="0" smtClean="0">
+                                <a:rPr lang="en-US" sz="2400" b="0" i="1" noProof="1" dirty="0" smtClean="0">
                                   <a:latin typeface="Cambria Math" panose="02040503050406030204" pitchFamily="18" charset="0"/>
                                   <a:cs typeface="Arial" panose="020B0604020202020204" pitchFamily="34" charset="0"/>
                                 </a:rPr>
@@ -4473,7 +4471,7 @@
                             </m:sSupPr>
                             <m:e>
                               <m:r>
-                                <a:rPr lang="en-US" sz="2800" b="0" i="1" noProof="1" dirty="0" smtClean="0">
+                                <a:rPr lang="en-US" sz="2400" b="0" i="1" noProof="1" dirty="0" smtClean="0">
                                   <a:latin typeface="Cambria Math" panose="02040503050406030204" pitchFamily="18" charset="0"/>
                                   <a:cs typeface="Arial" panose="020B0604020202020204" pitchFamily="34" charset="0"/>
                                 </a:rPr>
@@ -4482,7 +4480,7 @@
                             </m:e>
                             <m:sup>
                               <m:r>
-                                <a:rPr lang="en-US" sz="2800" b="0" i="1" noProof="1" dirty="0" smtClean="0">
+                                <a:rPr lang="en-US" sz="2400" b="0" i="1" noProof="1" dirty="0" smtClean="0">
                                   <a:latin typeface="Cambria Math" panose="02040503050406030204" pitchFamily="18" charset="0"/>
                                   <a:cs typeface="Arial" panose="020B0604020202020204" pitchFamily="34" charset="0"/>
                                 </a:rPr>
@@ -4495,20 +4493,20 @@
                     </m:oMath>
                   </m:oMathPara>
                 </a14:m>
-                <a:endParaRPr lang="en-US" sz="2800" noProof="1">
+                <a:endParaRPr lang="en-US" sz="2400" noProof="1">
                   <a:latin typeface="Arial" panose="020B0604020202020204" pitchFamily="34" charset="0"/>
                   <a:cs typeface="Arial" panose="020B0604020202020204" pitchFamily="34" charset="0"/>
                 </a:endParaRPr>
               </a:p>
               <a:p>
-                <a:endParaRPr lang="en-US" sz="2800" noProof="1">
+                <a:endParaRPr lang="en-US" sz="2400" noProof="1">
                   <a:latin typeface="Arial" panose="020B0604020202020204" pitchFamily="34" charset="0"/>
                   <a:cs typeface="Arial" panose="020B0604020202020204" pitchFamily="34" charset="0"/>
                 </a:endParaRPr>
               </a:p>
               <a:p>
                 <a:r>
-                  <a:rPr lang="en-US" sz="2800" noProof="1">
+                  <a:rPr lang="en-US" sz="2400" noProof="1">
                     <a:latin typeface="Arial" panose="020B0604020202020204" pitchFamily="34" charset="0"/>
                     <a:cs typeface="Arial" panose="020B0604020202020204" pitchFamily="34" charset="0"/>
                   </a:rPr>
@@ -4517,7 +4515,7 @@
                 <a14:m>
                   <m:oMath xmlns:m="http://schemas.openxmlformats.org/officeDocument/2006/math">
                     <m:r>
-                      <a:rPr lang="en-US" sz="2800" b="0" i="1" noProof="1" dirty="0" smtClean="0">
+                      <a:rPr lang="en-US" sz="2400" b="0" i="1" noProof="1" dirty="0" smtClean="0">
                         <a:latin typeface="Cambria Math" panose="02040503050406030204" pitchFamily="18" charset="0"/>
                         <a:cs typeface="Arial" panose="020B0604020202020204" pitchFamily="34" charset="0"/>
                       </a:rPr>
@@ -4526,7 +4524,7 @@
                   </m:oMath>
                 </a14:m>
                 <a:r>
-                  <a:rPr lang="en-US" sz="2800" noProof="1">
+                  <a:rPr lang="en-US" sz="2400" noProof="1">
                     <a:latin typeface="Arial" panose="020B0604020202020204" pitchFamily="34" charset="0"/>
                     <a:cs typeface="Arial" panose="020B0604020202020204" pitchFamily="34" charset="0"/>
                   </a:rPr>
@@ -4538,7 +4536,7 @@
                       <m:accPr>
                         <m:chr m:val="̅"/>
                         <m:ctrlPr>
-                          <a:rPr lang="en-US" sz="2800" b="0" i="1" noProof="1" dirty="0" smtClean="0">
+                          <a:rPr lang="en-US" sz="2400" b="0" i="1" noProof="1" dirty="0" smtClean="0">
                             <a:latin typeface="Cambria Math" panose="02040503050406030204" pitchFamily="18" charset="0"/>
                             <a:cs typeface="Arial" panose="020B0604020202020204" pitchFamily="34" charset="0"/>
                           </a:rPr>
@@ -4546,7 +4544,7 @@
                       </m:accPr>
                       <m:e>
                         <m:r>
-                          <a:rPr lang="en-US" sz="2800" b="0" i="1" noProof="1" dirty="0" smtClean="0">
+                          <a:rPr lang="en-US" sz="2400" b="0" i="1" noProof="1" dirty="0" smtClean="0">
                             <a:latin typeface="Cambria Math" panose="02040503050406030204" pitchFamily="18" charset="0"/>
                             <a:cs typeface="Arial" panose="020B0604020202020204" pitchFamily="34" charset="0"/>
                           </a:rPr>
@@ -4557,18 +4555,12 @@
                   </m:oMath>
                 </a14:m>
                 <a:r>
-                  <a:rPr lang="en-US" sz="2800" noProof="1">
+                  <a:rPr lang="en-US" sz="2400" noProof="1">
                     <a:latin typeface="Arial" panose="020B0604020202020204" pitchFamily="34" charset="0"/>
                     <a:cs typeface="Arial" panose="020B0604020202020204" pitchFamily="34" charset="0"/>
                   </a:rPr>
-                  <a:t> can be calculates</a:t>
-                </a:r>
-              </a:p>
-              <a:p>
-                <a:endParaRPr lang="en-US" sz="2800" noProof="1">
-                  <a:latin typeface="Arial" panose="020B0604020202020204" pitchFamily="34" charset="0"/>
-                  <a:cs typeface="Arial" panose="020B0604020202020204" pitchFamily="34" charset="0"/>
-                </a:endParaRPr>
+                  <a:t> are determined with:</a:t>
+                </a:r>
               </a:p>
               <a:p>
                 <a:pPr/>
@@ -4579,21 +4571,21 @@
                     </m:oMathParaPr>
                     <m:oMath xmlns:m="http://schemas.openxmlformats.org/officeDocument/2006/math">
                       <m:r>
-                        <a:rPr lang="de-AT" sz="2800" b="0" i="1" noProof="1" dirty="0" smtClean="0">
+                        <a:rPr lang="de-AT" sz="2400" b="0" i="1" noProof="1" dirty="0" smtClean="0">
                           <a:latin typeface="Cambria Math" panose="02040503050406030204" pitchFamily="18" charset="0"/>
                           <a:cs typeface="Arial" panose="020B0604020202020204" pitchFamily="34" charset="0"/>
                         </a:rPr>
                         <m:t> </m:t>
                       </m:r>
                       <m:r>
-                        <a:rPr lang="de-AT" sz="2800" b="0" i="1" noProof="1" dirty="0" smtClean="0">
+                        <a:rPr lang="de-AT" sz="2400" b="0" i="1" noProof="1" dirty="0" smtClean="0">
                           <a:latin typeface="Cambria Math" panose="02040503050406030204" pitchFamily="18" charset="0"/>
                           <a:cs typeface="Arial" panose="020B0604020202020204" pitchFamily="34" charset="0"/>
                         </a:rPr>
                         <m:t>𝜇</m:t>
                       </m:r>
                       <m:r>
-                        <a:rPr lang="de-AT" sz="2800" b="0" i="1" noProof="1" dirty="0" smtClean="0">
+                        <a:rPr lang="de-AT" sz="2400" b="0" i="1" noProof="1" dirty="0" smtClean="0">
                           <a:latin typeface="Cambria Math" panose="02040503050406030204" pitchFamily="18" charset="0"/>
                           <a:cs typeface="Arial" panose="020B0604020202020204" pitchFamily="34" charset="0"/>
                         </a:rPr>
@@ -4602,7 +4594,7 @@
                       <m:f>
                         <m:fPr>
                           <m:ctrlPr>
-                            <a:rPr lang="de-AT" sz="2800" b="0" i="1" noProof="1" dirty="0" smtClean="0">
+                            <a:rPr lang="de-AT" sz="2400" b="0" i="1" noProof="1" dirty="0" smtClean="0">
                               <a:latin typeface="Cambria Math" panose="02040503050406030204" pitchFamily="18" charset="0"/>
                               <a:cs typeface="Arial" panose="020B0604020202020204" pitchFamily="34" charset="0"/>
                             </a:rPr>
@@ -4612,7 +4604,7 @@
                           <m:sSub>
                             <m:sSubPr>
                               <m:ctrlPr>
-                                <a:rPr lang="de-AT" sz="2800" b="0" i="1" noProof="1" dirty="0" smtClean="0">
+                                <a:rPr lang="de-AT" sz="2400" b="0" i="1" noProof="1" dirty="0" smtClean="0">
                                   <a:latin typeface="Cambria Math" panose="02040503050406030204" pitchFamily="18" charset="0"/>
                                   <a:cs typeface="Arial" panose="020B0604020202020204" pitchFamily="34" charset="0"/>
                                 </a:rPr>
@@ -4620,7 +4612,7 @@
                             </m:sSubPr>
                             <m:e>
                               <m:r>
-                                <a:rPr lang="de-AT" sz="2800" b="0" i="1" noProof="1" dirty="0" smtClean="0">
+                                <a:rPr lang="de-AT" sz="2400" b="0" i="1" noProof="1" dirty="0" smtClean="0">
                                   <a:latin typeface="Cambria Math" panose="02040503050406030204" pitchFamily="18" charset="0"/>
                                   <a:cs typeface="Arial" panose="020B0604020202020204" pitchFamily="34" charset="0"/>
                                 </a:rPr>
@@ -4629,7 +4621,7 @@
                             </m:e>
                             <m:sub>
                               <m:r>
-                                <a:rPr lang="de-AT" sz="2800" b="0" i="1" noProof="1" dirty="0" smtClean="0">
+                                <a:rPr lang="de-AT" sz="2400" b="0" i="1" noProof="1" dirty="0" smtClean="0">
                                   <a:latin typeface="Cambria Math" panose="02040503050406030204" pitchFamily="18" charset="0"/>
                                   <a:cs typeface="Arial" panose="020B0604020202020204" pitchFamily="34" charset="0"/>
                                 </a:rPr>
@@ -4640,7 +4632,7 @@
                           <m:sSub>
                             <m:sSubPr>
                               <m:ctrlPr>
-                                <a:rPr lang="de-AT" sz="2800" b="0" i="1" noProof="1" dirty="0" smtClean="0">
+                                <a:rPr lang="de-AT" sz="2400" b="0" i="1" noProof="1" dirty="0" smtClean="0">
                                   <a:latin typeface="Cambria Math" panose="02040503050406030204" pitchFamily="18" charset="0"/>
                                   <a:cs typeface="Arial" panose="020B0604020202020204" pitchFamily="34" charset="0"/>
                                 </a:rPr>
@@ -4648,7 +4640,7 @@
                             </m:sSubPr>
                             <m:e>
                               <m:r>
-                                <a:rPr lang="de-AT" sz="2800" b="0" i="1" noProof="1" dirty="0" smtClean="0">
+                                <a:rPr lang="de-AT" sz="2400" b="0" i="1" noProof="1" dirty="0" smtClean="0">
                                   <a:latin typeface="Cambria Math" panose="02040503050406030204" pitchFamily="18" charset="0"/>
                                   <a:cs typeface="Arial" panose="020B0604020202020204" pitchFamily="34" charset="0"/>
                                 </a:rPr>
@@ -4657,7 +4649,7 @@
                             </m:e>
                             <m:sub>
                               <m:r>
-                                <a:rPr lang="de-AT" sz="2800" b="0" i="1" noProof="1" dirty="0" smtClean="0">
+                                <a:rPr lang="de-AT" sz="2400" b="0" i="1" noProof="1" dirty="0" smtClean="0">
                                   <a:latin typeface="Cambria Math" panose="02040503050406030204" pitchFamily="18" charset="0"/>
                                   <a:cs typeface="Arial" panose="020B0604020202020204" pitchFamily="34" charset="0"/>
                                 </a:rPr>
@@ -4670,7 +4662,7 @@
                           <m:sSub>
                             <m:sSubPr>
                               <m:ctrlPr>
-                                <a:rPr lang="de-AT" sz="2800" b="0" i="1" noProof="1" dirty="0" smtClean="0">
+                                <a:rPr lang="de-AT" sz="2400" b="0" i="1" noProof="1" dirty="0" smtClean="0">
                                   <a:latin typeface="Cambria Math" panose="02040503050406030204" pitchFamily="18" charset="0"/>
                                   <a:cs typeface="Arial" panose="020B0604020202020204" pitchFamily="34" charset="0"/>
                                 </a:rPr>
@@ -4678,7 +4670,7 @@
                             </m:sSubPr>
                             <m:e>
                               <m:r>
-                                <a:rPr lang="de-AT" sz="2800" b="0" i="1" noProof="1" dirty="0" smtClean="0">
+                                <a:rPr lang="de-AT" sz="2400" b="0" i="1" noProof="1" dirty="0" smtClean="0">
                                   <a:latin typeface="Cambria Math" panose="02040503050406030204" pitchFamily="18" charset="0"/>
                                   <a:cs typeface="Arial" panose="020B0604020202020204" pitchFamily="34" charset="0"/>
                                 </a:rPr>
@@ -4687,7 +4679,7 @@
                             </m:e>
                             <m:sub>
                               <m:r>
-                                <a:rPr lang="de-AT" sz="2800" b="0" i="1" noProof="1" dirty="0" smtClean="0">
+                                <a:rPr lang="de-AT" sz="2400" b="0" i="1" noProof="1" dirty="0" smtClean="0">
                                   <a:latin typeface="Cambria Math" panose="02040503050406030204" pitchFamily="18" charset="0"/>
                                   <a:cs typeface="Arial" panose="020B0604020202020204" pitchFamily="34" charset="0"/>
                                 </a:rPr>
@@ -4696,7 +4688,7 @@
                             </m:sub>
                           </m:sSub>
                           <m:r>
-                            <a:rPr lang="de-AT" sz="2800" b="0" i="1" noProof="1" dirty="0" smtClean="0">
+                            <a:rPr lang="de-AT" sz="2400" b="0" i="1" noProof="1" dirty="0" smtClean="0">
                               <a:latin typeface="Cambria Math" panose="02040503050406030204" pitchFamily="18" charset="0"/>
                               <a:cs typeface="Arial" panose="020B0604020202020204" pitchFamily="34" charset="0"/>
                             </a:rPr>
@@ -4705,7 +4697,7 @@
                           <m:sSub>
                             <m:sSubPr>
                               <m:ctrlPr>
-                                <a:rPr lang="de-AT" sz="2800" b="0" i="1" noProof="1" dirty="0" smtClean="0">
+                                <a:rPr lang="de-AT" sz="2400" b="0" i="1" noProof="1" dirty="0" smtClean="0">
                                   <a:latin typeface="Cambria Math" panose="02040503050406030204" pitchFamily="18" charset="0"/>
                                   <a:cs typeface="Arial" panose="020B0604020202020204" pitchFamily="34" charset="0"/>
                                 </a:rPr>
@@ -4713,7 +4705,7 @@
                             </m:sSubPr>
                             <m:e>
                               <m:r>
-                                <a:rPr lang="de-AT" sz="2800" b="0" i="1" noProof="1" dirty="0" smtClean="0">
+                                <a:rPr lang="de-AT" sz="2400" b="0" i="1" noProof="1" dirty="0" smtClean="0">
                                   <a:latin typeface="Cambria Math" panose="02040503050406030204" pitchFamily="18" charset="0"/>
                                   <a:cs typeface="Arial" panose="020B0604020202020204" pitchFamily="34" charset="0"/>
                                 </a:rPr>
@@ -4722,7 +4714,7 @@
                             </m:e>
                             <m:sub>
                               <m:r>
-                                <a:rPr lang="de-AT" sz="2800" b="0" i="1" noProof="1" dirty="0" smtClean="0">
+                                <a:rPr lang="de-AT" sz="2400" b="0" i="1" noProof="1" dirty="0" smtClean="0">
                                   <a:latin typeface="Cambria Math" panose="02040503050406030204" pitchFamily="18" charset="0"/>
                                   <a:cs typeface="Arial" panose="020B0604020202020204" pitchFamily="34" charset="0"/>
                                 </a:rPr>
@@ -4733,21 +4725,35 @@
                         </m:den>
                       </m:f>
                       <m:r>
-                        <a:rPr lang="de-AT" sz="2800" b="0" i="1" noProof="1" dirty="0" smtClean="0">
+                        <a:rPr lang="de-AT" sz="2400" b="0" i="1" noProof="1" dirty="0" smtClean="0">
                           <a:latin typeface="Cambria Math" panose="02040503050406030204" pitchFamily="18" charset="0"/>
                           <a:cs typeface="Arial" panose="020B0604020202020204" pitchFamily="34" charset="0"/>
                         </a:rPr>
-                        <m:t>      </m:t>
+                        <m:t>    </m:t>
                       </m:r>
                       <m:r>
-                        <a:rPr lang="en-US" sz="2800" b="0" i="1" noProof="1" dirty="0" smtClean="0">
+                        <a:rPr lang="de-AT" sz="2400" b="0" i="1" noProof="1" dirty="0" smtClean="0">
+                          <a:latin typeface="Cambria Math" panose="02040503050406030204" pitchFamily="18" charset="0"/>
+                          <a:cs typeface="Arial" panose="020B0604020202020204" pitchFamily="34" charset="0"/>
+                        </a:rPr>
+                        <m:t>          </m:t>
+                      </m:r>
+                      <m:r>
+                        <a:rPr lang="de-AT" sz="2400" b="0" i="1" noProof="1" dirty="0" smtClean="0">
+                          <a:latin typeface="Cambria Math" panose="02040503050406030204" pitchFamily="18" charset="0"/>
+                          <a:cs typeface="Arial" panose="020B0604020202020204" pitchFamily="34" charset="0"/>
+                        </a:rPr>
+                        <m:t>  </m:t>
+                      </m:r>
+                      <m:r>
+                        <a:rPr lang="en-US" sz="2400" b="0" i="1" noProof="1" dirty="0" smtClean="0">
                           <a:latin typeface="Cambria Math" panose="02040503050406030204" pitchFamily="18" charset="0"/>
                           <a:cs typeface="Arial" panose="020B0604020202020204" pitchFamily="34" charset="0"/>
                         </a:rPr>
                         <m:t>𝜈</m:t>
                       </m:r>
                       <m:r>
-                        <a:rPr lang="en-US" sz="2800" b="0" i="1" noProof="1" dirty="0" smtClean="0">
+                        <a:rPr lang="en-US" sz="2400" b="0" i="1" noProof="1" dirty="0" smtClean="0">
                           <a:latin typeface="Cambria Math" panose="02040503050406030204" pitchFamily="18" charset="0"/>
                           <a:cs typeface="Arial" panose="020B0604020202020204" pitchFamily="34" charset="0"/>
                         </a:rPr>
@@ -4756,7 +4762,7 @@
                       <m:f>
                         <m:fPr>
                           <m:ctrlPr>
-                            <a:rPr lang="en-US" sz="2800" b="0" i="1" noProof="1" dirty="0" smtClean="0">
+                            <a:rPr lang="en-US" sz="2400" b="0" i="1" noProof="1" dirty="0" smtClean="0">
                               <a:latin typeface="Cambria Math" panose="02040503050406030204" pitchFamily="18" charset="0"/>
                               <a:cs typeface="Arial" panose="020B0604020202020204" pitchFamily="34" charset="0"/>
                             </a:rPr>
@@ -4764,7 +4770,7 @@
                         </m:fPr>
                         <m:num>
                           <m:r>
-                            <a:rPr lang="en-US" sz="2800" b="0" i="1" noProof="1" dirty="0" smtClean="0">
+                            <a:rPr lang="en-US" sz="2400" b="0" i="1" noProof="1" dirty="0" smtClean="0">
                               <a:latin typeface="Cambria Math" panose="02040503050406030204" pitchFamily="18" charset="0"/>
                               <a:cs typeface="Arial" panose="020B0604020202020204" pitchFamily="34" charset="0"/>
                             </a:rPr>
@@ -4773,14 +4779,14 @@
                         </m:num>
                         <m:den>
                           <m:r>
-                            <a:rPr lang="en-US" sz="2800" b="0" i="1" noProof="1" dirty="0" smtClean="0">
+                            <a:rPr lang="en-US" sz="2400" b="0" i="1" noProof="1" dirty="0" smtClean="0">
                               <a:latin typeface="Cambria Math" panose="02040503050406030204" pitchFamily="18" charset="0"/>
                               <a:cs typeface="Arial" panose="020B0604020202020204" pitchFamily="34" charset="0"/>
                             </a:rPr>
                             <m:t>2</m:t>
                           </m:r>
                           <m:r>
-                            <a:rPr lang="en-US" sz="2800" b="0" i="1" noProof="1" dirty="0" smtClean="0">
+                            <a:rPr lang="en-US" sz="2400" b="0" i="1" noProof="1" dirty="0" smtClean="0">
                               <a:latin typeface="Cambria Math" panose="02040503050406030204" pitchFamily="18" charset="0"/>
                               <a:cs typeface="Arial" panose="020B0604020202020204" pitchFamily="34" charset="0"/>
                             </a:rPr>
@@ -4792,7 +4798,7 @@
                         <m:radPr>
                           <m:degHide m:val="on"/>
                           <m:ctrlPr>
-                            <a:rPr lang="en-US" sz="2800" b="0" i="1" noProof="1" dirty="0" smtClean="0">
+                            <a:rPr lang="en-US" sz="2400" b="0" i="1" noProof="1" dirty="0" smtClean="0">
                               <a:latin typeface="Cambria Math" panose="02040503050406030204" pitchFamily="18" charset="0"/>
                               <a:cs typeface="Arial" panose="020B0604020202020204" pitchFamily="34" charset="0"/>
                             </a:rPr>
@@ -4803,7 +4809,7 @@
                           <m:f>
                             <m:fPr>
                               <m:ctrlPr>
-                                <a:rPr lang="en-US" sz="2800" b="0" i="1" noProof="1" dirty="0" smtClean="0">
+                                <a:rPr lang="en-US" sz="2400" b="0" i="1" noProof="1" dirty="0" smtClean="0">
                                   <a:latin typeface="Cambria Math" panose="02040503050406030204" pitchFamily="18" charset="0"/>
                                   <a:cs typeface="Arial" panose="020B0604020202020204" pitchFamily="34" charset="0"/>
                                 </a:rPr>
@@ -4811,7 +4817,7 @@
                             </m:fPr>
                             <m:num>
                               <m:r>
-                                <a:rPr lang="en-US" sz="2800" b="0" i="1" noProof="1" dirty="0" smtClean="0">
+                                <a:rPr lang="en-US" sz="2400" b="0" i="1" noProof="1" dirty="0" smtClean="0">
                                   <a:latin typeface="Cambria Math" panose="02040503050406030204" pitchFamily="18" charset="0"/>
                                   <a:cs typeface="Arial" panose="020B0604020202020204" pitchFamily="34" charset="0"/>
                                 </a:rPr>
@@ -4820,7 +4826,7 @@
                             </m:num>
                             <m:den>
                               <m:r>
-                                <a:rPr lang="de-AT" sz="2800" b="0" i="1" noProof="1" dirty="0" smtClean="0">
+                                <a:rPr lang="de-AT" sz="2400" b="0" i="1" noProof="1" dirty="0" smtClean="0">
                                   <a:latin typeface="Cambria Math" panose="02040503050406030204" pitchFamily="18" charset="0"/>
                                   <a:cs typeface="Arial" panose="020B0604020202020204" pitchFamily="34" charset="0"/>
                                 </a:rPr>
@@ -4829,7 +4835,7 @@
                             </m:den>
                           </m:f>
                           <m:r>
-                            <a:rPr lang="en-US" sz="2800" b="0" i="1" noProof="1" dirty="0" smtClean="0">
+                            <a:rPr lang="en-US" sz="2400" b="0" i="1" noProof="1" dirty="0" smtClean="0">
                               <a:latin typeface="Cambria Math" panose="02040503050406030204" pitchFamily="18" charset="0"/>
                               <a:cs typeface="Arial" panose="020B0604020202020204" pitchFamily="34" charset="0"/>
                             </a:rPr>
@@ -4838,17 +4844,31 @@
                         </m:e>
                       </m:rad>
                       <m:r>
-                        <a:rPr lang="de-AT" sz="2800" b="0" i="0" noProof="1" dirty="0" smtClean="0">
+                        <a:rPr lang="de-AT" sz="2400" b="0" i="0" noProof="1" dirty="0" smtClean="0">
                           <a:latin typeface="Cambria Math" panose="02040503050406030204" pitchFamily="18" charset="0"/>
                           <a:cs typeface="Arial" panose="020B0604020202020204" pitchFamily="34" charset="0"/>
                         </a:rPr>
-                        <m:t>         </m:t>
+                        <m:t>        </m:t>
+                      </m:r>
+                      <m:r>
+                        <a:rPr lang="de-AT" sz="2400" b="0" i="0" noProof="1" dirty="0" smtClean="0">
+                          <a:latin typeface="Cambria Math" panose="02040503050406030204" pitchFamily="18" charset="0"/>
+                          <a:cs typeface="Arial" panose="020B0604020202020204" pitchFamily="34" charset="0"/>
+                        </a:rPr>
+                        <m:t>          </m:t>
+                      </m:r>
+                      <m:r>
+                        <a:rPr lang="de-AT" sz="2400" b="0" i="0" noProof="1" dirty="0" smtClean="0">
+                          <a:latin typeface="Cambria Math" panose="02040503050406030204" pitchFamily="18" charset="0"/>
+                          <a:cs typeface="Arial" panose="020B0604020202020204" pitchFamily="34" charset="0"/>
+                        </a:rPr>
+                        <m:t> </m:t>
                       </m:r>
                       <m:acc>
                         <m:accPr>
                           <m:chr m:val="̅"/>
                           <m:ctrlPr>
-                            <a:rPr lang="de-AT" sz="2800" b="0" i="1" noProof="1" dirty="0" smtClean="0">
+                            <a:rPr lang="de-AT" sz="2400" b="0" i="1" noProof="1" dirty="0" smtClean="0">
                               <a:latin typeface="Cambria Math" panose="02040503050406030204" pitchFamily="18" charset="0"/>
                               <a:cs typeface="Arial" panose="020B0604020202020204" pitchFamily="34" charset="0"/>
                             </a:rPr>
@@ -4856,7 +4876,7 @@
                         </m:accPr>
                         <m:e>
                           <m:r>
-                            <a:rPr lang="de-AT" sz="2800" b="0" i="1" noProof="1" dirty="0" smtClean="0">
+                            <a:rPr lang="de-AT" sz="2400" b="0" i="1" noProof="1" dirty="0" smtClean="0">
                               <a:latin typeface="Cambria Math" panose="02040503050406030204" pitchFamily="18" charset="0"/>
                               <a:cs typeface="Arial" panose="020B0604020202020204" pitchFamily="34" charset="0"/>
                             </a:rPr>
@@ -4865,7 +4885,7 @@
                         </m:e>
                       </m:acc>
                       <m:r>
-                        <a:rPr lang="de-AT" sz="2800" b="0" i="1" noProof="1" dirty="0" smtClean="0">
+                        <a:rPr lang="de-AT" sz="2400" b="0" i="1" noProof="1" dirty="0" smtClean="0">
                           <a:latin typeface="Cambria Math" panose="02040503050406030204" pitchFamily="18" charset="0"/>
                           <a:cs typeface="Arial" panose="020B0604020202020204" pitchFamily="34" charset="0"/>
                         </a:rPr>
@@ -4874,7 +4894,7 @@
                       <m:f>
                         <m:fPr>
                           <m:ctrlPr>
-                            <a:rPr lang="de-AT" sz="2800" b="0" i="1" noProof="1" dirty="0" smtClean="0">
+                            <a:rPr lang="de-AT" sz="2400" b="0" i="1" noProof="1" dirty="0" smtClean="0">
                               <a:latin typeface="Cambria Math" panose="02040503050406030204" pitchFamily="18" charset="0"/>
                               <a:cs typeface="Arial" panose="020B0604020202020204" pitchFamily="34" charset="0"/>
                             </a:rPr>
@@ -4882,7 +4902,7 @@
                         </m:fPr>
                         <m:num>
                           <m:r>
-                            <a:rPr lang="de-AT" sz="2800" b="0" i="1" noProof="1" dirty="0" smtClean="0">
+                            <a:rPr lang="de-AT" sz="2400" b="0" i="1" noProof="1" dirty="0" smtClean="0">
                               <a:latin typeface="Cambria Math" panose="02040503050406030204" pitchFamily="18" charset="0"/>
                               <a:cs typeface="Arial" panose="020B0604020202020204" pitchFamily="34" charset="0"/>
                             </a:rPr>
@@ -4891,7 +4911,7 @@
                         </m:num>
                         <m:den>
                           <m:r>
-                            <a:rPr lang="de-AT" sz="2800" b="0" i="1" noProof="1" dirty="0" smtClean="0">
+                            <a:rPr lang="de-AT" sz="2400" b="0" i="1" noProof="1" dirty="0" smtClean="0">
                               <a:latin typeface="Cambria Math" panose="02040503050406030204" pitchFamily="18" charset="0"/>
                               <a:cs typeface="Arial" panose="020B0604020202020204" pitchFamily="34" charset="0"/>
                             </a:rPr>
@@ -4902,13 +4922,13 @@
                     </m:oMath>
                   </m:oMathPara>
                 </a14:m>
-                <a:endParaRPr lang="en-US" sz="2800" noProof="1">
+                <a:endParaRPr lang="en-US" sz="2400" noProof="1">
                   <a:latin typeface="Arial" panose="020B0604020202020204" pitchFamily="34" charset="0"/>
                   <a:cs typeface="Arial" panose="020B0604020202020204" pitchFamily="34" charset="0"/>
                 </a:endParaRPr>
               </a:p>
               <a:p>
-                <a:endParaRPr lang="en-US" sz="2800" noProof="1">
+                <a:endParaRPr lang="en-US" sz="2400" noProof="1">
                   <a:latin typeface="Arial" panose="020B0604020202020204" pitchFamily="34" charset="0"/>
                   <a:cs typeface="Arial" panose="020B0604020202020204" pitchFamily="34" charset="0"/>
                 </a:endParaRPr>
@@ -4921,7 +4941,7 @@
                 <a14:m>
                   <m:oMath xmlns:m="http://schemas.openxmlformats.org/officeDocument/2006/math">
                     <m:r>
-                      <a:rPr lang="de-AT" sz="2800" b="0" i="1" noProof="1" smtClean="0">
+                      <a:rPr lang="de-AT" sz="2400" b="0" i="1" noProof="1" smtClean="0">
                         <a:latin typeface="Cambria Math" panose="02040503050406030204" pitchFamily="18" charset="0"/>
                         <a:cs typeface="Arial" panose="020B0604020202020204" pitchFamily="34" charset="0"/>
                       </a:rPr>
@@ -4930,21 +4950,21 @@
                   </m:oMath>
                 </a14:m>
                 <a:r>
-                  <a:rPr lang="en-US" sz="2800" noProof="1">
+                  <a:rPr lang="en-US" sz="2400" noProof="1">
                     <a:latin typeface="Arial" panose="020B0604020202020204" pitchFamily="34" charset="0"/>
                     <a:cs typeface="Arial" panose="020B0604020202020204" pitchFamily="34" charset="0"/>
                   </a:rPr>
                   <a:t>… reduced mass in (g mol</a:t>
                 </a:r>
                 <a:r>
-                  <a:rPr lang="en-US" sz="2800" baseline="30000" noProof="1">
+                  <a:rPr lang="en-US" sz="2400" baseline="30000" noProof="1">
                     <a:latin typeface="Arial" panose="020B0604020202020204" pitchFamily="34" charset="0"/>
                     <a:cs typeface="Arial" panose="020B0604020202020204" pitchFamily="34" charset="0"/>
                   </a:rPr>
                   <a:t>-1</a:t>
                 </a:r>
                 <a:r>
-                  <a:rPr lang="en-US" sz="2800" noProof="1">
+                  <a:rPr lang="en-US" sz="2400" noProof="1">
                     <a:latin typeface="Arial" panose="020B0604020202020204" pitchFamily="34" charset="0"/>
                     <a:cs typeface="Arial" panose="020B0604020202020204" pitchFamily="34" charset="0"/>
                   </a:rPr>
@@ -4961,7 +4981,7 @@
                     <m:sSub>
                       <m:sSubPr>
                         <m:ctrlPr>
-                          <a:rPr lang="de-AT" sz="2800" b="0" i="1" noProof="1" smtClean="0">
+                          <a:rPr lang="de-AT" sz="2400" b="0" i="1" noProof="1" smtClean="0">
                             <a:latin typeface="Cambria Math" panose="02040503050406030204" pitchFamily="18" charset="0"/>
                             <a:cs typeface="Arial" panose="020B0604020202020204" pitchFamily="34" charset="0"/>
                           </a:rPr>
@@ -4969,7 +4989,7 @@
                       </m:sSubPr>
                       <m:e>
                         <m:r>
-                          <a:rPr lang="de-AT" sz="2800" b="0" i="1" noProof="1" smtClean="0">
+                          <a:rPr lang="de-AT" sz="2400" b="0" i="1" noProof="1" smtClean="0">
                             <a:latin typeface="Cambria Math" panose="02040503050406030204" pitchFamily="18" charset="0"/>
                             <a:cs typeface="Arial" panose="020B0604020202020204" pitchFamily="34" charset="0"/>
                           </a:rPr>
@@ -4978,7 +4998,7 @@
                       </m:e>
                       <m:sub>
                         <m:r>
-                          <a:rPr lang="de-AT" sz="2800" b="0" i="1" noProof="1" smtClean="0">
+                          <a:rPr lang="de-AT" sz="2400" b="0" i="1" noProof="1" smtClean="0">
                             <a:latin typeface="Cambria Math" panose="02040503050406030204" pitchFamily="18" charset="0"/>
                             <a:cs typeface="Arial" panose="020B0604020202020204" pitchFamily="34" charset="0"/>
                           </a:rPr>
@@ -4987,7 +5007,7 @@
                       </m:sub>
                     </m:sSub>
                     <m:r>
-                      <a:rPr lang="de-AT" sz="2800" b="0" i="1" noProof="1" smtClean="0">
+                      <a:rPr lang="de-AT" sz="2400" b="0" i="1" noProof="1" smtClean="0">
                         <a:latin typeface="Cambria Math" panose="02040503050406030204" pitchFamily="18" charset="0"/>
                         <a:cs typeface="Arial" panose="020B0604020202020204" pitchFamily="34" charset="0"/>
                       </a:rPr>
@@ -4996,7 +5016,7 @@
                     <m:sSub>
                       <m:sSubPr>
                         <m:ctrlPr>
-                          <a:rPr lang="de-AT" sz="2800" b="0" i="1" noProof="1" smtClean="0">
+                          <a:rPr lang="de-AT" sz="2400" b="0" i="1" noProof="1" smtClean="0">
                             <a:latin typeface="Cambria Math" panose="02040503050406030204" pitchFamily="18" charset="0"/>
                             <a:cs typeface="Arial" panose="020B0604020202020204" pitchFamily="34" charset="0"/>
                           </a:rPr>
@@ -5004,7 +5024,7 @@
                       </m:sSubPr>
                       <m:e>
                         <m:r>
-                          <a:rPr lang="de-AT" sz="2800" b="0" i="1" noProof="1" smtClean="0">
+                          <a:rPr lang="de-AT" sz="2400" b="0" i="1" noProof="1" smtClean="0">
                             <a:latin typeface="Cambria Math" panose="02040503050406030204" pitchFamily="18" charset="0"/>
                             <a:cs typeface="Arial" panose="020B0604020202020204" pitchFamily="34" charset="0"/>
                           </a:rPr>
@@ -5013,7 +5033,7 @@
                       </m:e>
                       <m:sub>
                         <m:r>
-                          <a:rPr lang="de-AT" sz="2800" b="0" i="1" noProof="1" smtClean="0">
+                          <a:rPr lang="de-AT" sz="2400" b="0" i="1" noProof="1" smtClean="0">
                             <a:latin typeface="Cambria Math" panose="02040503050406030204" pitchFamily="18" charset="0"/>
                             <a:cs typeface="Arial" panose="020B0604020202020204" pitchFamily="34" charset="0"/>
                           </a:rPr>
@@ -5024,21 +5044,21 @@
                   </m:oMath>
                 </a14:m>
                 <a:r>
-                  <a:rPr lang="en-US" sz="2800" noProof="1">
+                  <a:rPr lang="en-US" sz="2400" noProof="1">
                     <a:latin typeface="Arial" panose="020B0604020202020204" pitchFamily="34" charset="0"/>
                     <a:cs typeface="Arial" panose="020B0604020202020204" pitchFamily="34" charset="0"/>
                   </a:rPr>
                   <a:t>… mass of first and second atom (g mol</a:t>
                 </a:r>
                 <a:r>
-                  <a:rPr lang="en-US" sz="2800" baseline="30000" noProof="1">
+                  <a:rPr lang="en-US" sz="2400" baseline="30000" noProof="1">
                     <a:latin typeface="Arial" panose="020B0604020202020204" pitchFamily="34" charset="0"/>
                     <a:cs typeface="Arial" panose="020B0604020202020204" pitchFamily="34" charset="0"/>
                   </a:rPr>
                   <a:t>-1</a:t>
                 </a:r>
                 <a:r>
-                  <a:rPr lang="en-US" sz="2800" noProof="1">
+                  <a:rPr lang="en-US" sz="2400" noProof="1">
                     <a:latin typeface="Arial" panose="020B0604020202020204" pitchFamily="34" charset="0"/>
                     <a:cs typeface="Arial" panose="020B0604020202020204" pitchFamily="34" charset="0"/>
                   </a:rPr>
@@ -5053,7 +5073,7 @@
                 <a14:m>
                   <m:oMath xmlns:m="http://schemas.openxmlformats.org/officeDocument/2006/math">
                     <m:r>
-                      <a:rPr lang="de-AT" sz="2800" b="0" i="1" noProof="1" smtClean="0">
+                      <a:rPr lang="de-AT" sz="2400" b="0" i="1" noProof="1" smtClean="0">
                         <a:latin typeface="Cambria Math" panose="02040503050406030204" pitchFamily="18" charset="0"/>
                         <a:cs typeface="Arial" panose="020B0604020202020204" pitchFamily="34" charset="0"/>
                       </a:rPr>
@@ -5062,21 +5082,21 @@
                   </m:oMath>
                 </a14:m>
                 <a:r>
-                  <a:rPr lang="en-US" sz="2800" noProof="1">
+                  <a:rPr lang="en-US" sz="2400" noProof="1">
                     <a:latin typeface="Arial" panose="020B0604020202020204" pitchFamily="34" charset="0"/>
                     <a:cs typeface="Arial" panose="020B0604020202020204" pitchFamily="34" charset="0"/>
                   </a:rPr>
                   <a:t>… frequency in (cm</a:t>
                 </a:r>
                 <a:r>
-                  <a:rPr lang="en-US" sz="2800" baseline="30000" noProof="1">
+                  <a:rPr lang="en-US" sz="2400" baseline="30000" noProof="1">
                     <a:latin typeface="Arial" panose="020B0604020202020204" pitchFamily="34" charset="0"/>
                     <a:cs typeface="Arial" panose="020B0604020202020204" pitchFamily="34" charset="0"/>
                   </a:rPr>
                   <a:t>-1</a:t>
                 </a:r>
                 <a:r>
-                  <a:rPr lang="en-US" sz="2800" noProof="1">
+                  <a:rPr lang="en-US" sz="2400" noProof="1">
                     <a:latin typeface="Arial" panose="020B0604020202020204" pitchFamily="34" charset="0"/>
                     <a:cs typeface="Arial" panose="020B0604020202020204" pitchFamily="34" charset="0"/>
                   </a:rPr>
@@ -5091,7 +5111,7 @@
                 <a14:m>
                   <m:oMath xmlns:m="http://schemas.openxmlformats.org/officeDocument/2006/math">
                     <m:r>
-                      <a:rPr lang="de-AT" sz="2800" b="0" i="1" noProof="1" smtClean="0">
+                      <a:rPr lang="de-AT" sz="2400" b="0" i="1" noProof="1" smtClean="0">
                         <a:latin typeface="Cambria Math" panose="02040503050406030204" pitchFamily="18" charset="0"/>
                         <a:cs typeface="Arial" panose="020B0604020202020204" pitchFamily="34" charset="0"/>
                       </a:rPr>
@@ -5100,42 +5120,42 @@
                   </m:oMath>
                 </a14:m>
                 <a:r>
-                  <a:rPr lang="en-US" sz="2800" noProof="1">
+                  <a:rPr lang="en-US" sz="2400" noProof="1">
                     <a:latin typeface="Arial" panose="020B0604020202020204" pitchFamily="34" charset="0"/>
                     <a:cs typeface="Arial" panose="020B0604020202020204" pitchFamily="34" charset="0"/>
                   </a:rPr>
                   <a:t>… force constant in  (kcal mol</a:t>
                 </a:r>
                 <a:r>
-                  <a:rPr lang="en-US" sz="2800" baseline="30000" noProof="1">
+                  <a:rPr lang="en-US" sz="2400" baseline="30000" noProof="1">
                     <a:latin typeface="Arial" panose="020B0604020202020204" pitchFamily="34" charset="0"/>
                     <a:cs typeface="Arial" panose="020B0604020202020204" pitchFamily="34" charset="0"/>
                   </a:rPr>
                   <a:t>-1</a:t>
                 </a:r>
                 <a:r>
-                  <a:rPr lang="en-US" sz="2800" noProof="1">
+                  <a:rPr lang="en-US" sz="2400" noProof="1">
                     <a:latin typeface="Arial" panose="020B0604020202020204" pitchFamily="34" charset="0"/>
                     <a:cs typeface="Arial" panose="020B0604020202020204" pitchFamily="34" charset="0"/>
                   </a:rPr>
                   <a:t> Å</a:t>
                 </a:r>
                 <a:r>
-                  <a:rPr lang="en-US" sz="2800" baseline="30000" noProof="1">
+                  <a:rPr lang="en-US" sz="2400" baseline="30000" noProof="1">
                     <a:latin typeface="Arial" panose="020B0604020202020204" pitchFamily="34" charset="0"/>
                     <a:cs typeface="Arial" panose="020B0604020202020204" pitchFamily="34" charset="0"/>
                   </a:rPr>
                   <a:t>-1</a:t>
                 </a:r>
                 <a:r>
-                  <a:rPr lang="en-US" sz="2800" noProof="1">
+                  <a:rPr lang="en-US" sz="2400" noProof="1">
                     <a:latin typeface="Arial" panose="020B0604020202020204" pitchFamily="34" charset="0"/>
                     <a:cs typeface="Arial" panose="020B0604020202020204" pitchFamily="34" charset="0"/>
                   </a:rPr>
                   <a:t>)</a:t>
                 </a:r>
                 <a:r>
-                  <a:rPr lang="en-US" sz="2800" baseline="30000" noProof="1">
+                  <a:rPr lang="en-US" sz="2400" baseline="30000" noProof="1">
                     <a:latin typeface="Arial" panose="020B0604020202020204" pitchFamily="34" charset="0"/>
                     <a:cs typeface="Arial" panose="020B0604020202020204" pitchFamily="34" charset="0"/>
                   </a:rPr>
@@ -5150,7 +5170,7 @@
                 <a14:m>
                   <m:oMath xmlns:m="http://schemas.openxmlformats.org/officeDocument/2006/math">
                     <m:r>
-                      <a:rPr lang="de-AT" sz="2800" b="0" i="1" noProof="1" smtClean="0">
+                      <a:rPr lang="de-AT" sz="2400" b="0" i="1" noProof="1" smtClean="0">
                         <a:latin typeface="Cambria Math" panose="02040503050406030204" pitchFamily="18" charset="0"/>
                         <a:cs typeface="Arial" panose="020B0604020202020204" pitchFamily="34" charset="0"/>
                       </a:rPr>
@@ -5159,11 +5179,11 @@
                   </m:oMath>
                 </a14:m>
                 <a:r>
-                  <a:rPr lang="en-US" sz="2800" noProof="1">
+                  <a:rPr lang="en-US" sz="2400" noProof="1">
                     <a:latin typeface="Arial" panose="020B0604020202020204" pitchFamily="34" charset="0"/>
                     <a:cs typeface="Arial" panose="020B0604020202020204" pitchFamily="34" charset="0"/>
                   </a:rPr>
-                  <a:t>… conversion factor </a:t>
+                  <a:t>… conversion factor  </a:t>
                 </a:r>
               </a:p>
               <a:p>
@@ -5234,10 +5254,16 @@
                   <a:cs typeface="Arial" panose="020B0604020202020204" pitchFamily="34" charset="0"/>
                 </a:endParaRPr>
               </a:p>
+              <a:p>
+                <a:endParaRPr lang="en-US" sz="2800" noProof="1">
+                  <a:latin typeface="Arial" panose="020B0604020202020204" pitchFamily="34" charset="0"/>
+                  <a:cs typeface="Arial" panose="020B0604020202020204" pitchFamily="34" charset="0"/>
+                </a:endParaRPr>
+              </a:p>
             </p:txBody>
           </p:sp>
         </mc:Choice>
-        <mc:Fallback xmlns="">
+        <mc:Fallback>
           <p:sp>
             <p:nvSpPr>
               <p:cNvPr id="35" name="Textfeld 34">
@@ -5254,8 +5280,8 @@
             </p:nvSpPr>
             <p:spPr>
               <a:xfrm>
-                <a:off x="565252" y="17191487"/>
-                <a:ext cx="11628621" cy="12085168"/>
+                <a:off x="565252" y="16008151"/>
+                <a:ext cx="11628621" cy="11049179"/>
               </a:xfrm>
               <a:prstGeom prst="rect">
                 <a:avLst/>
@@ -5263,7 +5289,7 @@
               <a:blipFill>
                 <a:blip r:embed="rId6"/>
                 <a:stretch>
-                  <a:fillRect l="-1091" t="-525"/>
+                  <a:fillRect l="-872" t="-459" r="-1091"/>
                 </a:stretch>
               </a:blipFill>
               <a:ln>
@@ -5287,8 +5313,8 @@
           </p:sp>
         </mc:Fallback>
       </mc:AlternateContent>
-      <mc:AlternateContent xmlns:mc="http://schemas.openxmlformats.org/markup-compatibility/2006" xmlns:a14="http://schemas.microsoft.com/office/drawing/2010/main">
-        <mc:Choice Requires="a14">
+      <mc:AlternateContent xmlns:mc="http://schemas.openxmlformats.org/markup-compatibility/2006">
+        <mc:Choice xmlns:a14="http://schemas.microsoft.com/office/drawing/2010/main" Requires="a14">
           <p:graphicFrame>
             <p:nvGraphicFramePr>
               <p:cNvPr id="37" name="Tabelle 36">
@@ -5304,13 +5330,13 @@
               <p:nvPr>
                 <p:extLst>
                   <p:ext uri="{D42A27DB-BD31-4B8C-83A1-F6EECF244321}">
-                    <p14:modId xmlns:p14="http://schemas.microsoft.com/office/powerpoint/2010/main" val="3593587813"/>
+                    <p14:modId xmlns:p14="http://schemas.microsoft.com/office/powerpoint/2010/main" val="22844444"/>
                   </p:ext>
                 </p:extLst>
               </p:nvPr>
             </p:nvGraphicFramePr>
             <p:xfrm>
-              <a:off x="956762" y="25501447"/>
+              <a:off x="956762" y="24170194"/>
               <a:ext cx="10639846" cy="1695136"/>
             </p:xfrm>
             <a:graphic>
@@ -5913,7 +5939,7 @@
             </a:graphic>
           </p:graphicFrame>
         </mc:Choice>
-        <mc:Fallback xmlns="">
+        <mc:Fallback>
           <p:graphicFrame>
             <p:nvGraphicFramePr>
               <p:cNvPr id="37" name="Tabelle 36">
@@ -5929,13 +5955,13 @@
               <p:nvPr>
                 <p:extLst>
                   <p:ext uri="{D42A27DB-BD31-4B8C-83A1-F6EECF244321}">
-                    <p14:modId xmlns:p14="http://schemas.microsoft.com/office/powerpoint/2010/main" val="3593587813"/>
+                    <p14:modId xmlns:p14="http://schemas.microsoft.com/office/powerpoint/2010/main" val="22844444"/>
                   </p:ext>
                 </p:extLst>
               </p:nvPr>
             </p:nvGraphicFramePr>
             <p:xfrm>
-              <a:off x="956762" y="25501447"/>
+              <a:off x="956762" y="24170194"/>
               <a:ext cx="10639846" cy="1695136"/>
             </p:xfrm>
             <a:graphic>
@@ -6011,7 +6037,7 @@
                         <a:blipFill>
                           <a:blip r:embed="rId7"/>
                           <a:stretch>
-                            <a:fillRect l="-195833" t="-6250" r="-404167" b="-334375"/>
+                            <a:fillRect l="-195833" t="-9677" r="-404167" b="-345161"/>
                           </a:stretch>
                         </a:blipFill>
                       </a:tcPr>
@@ -6028,7 +6054,7 @@
                         <a:blipFill>
                           <a:blip r:embed="rId7"/>
                           <a:stretch>
-                            <a:fillRect l="-155022" t="-6250" r="-111790" b="-334375"/>
+                            <a:fillRect l="-155022" t="-9677" r="-111790" b="-345161"/>
                           </a:stretch>
                         </a:blipFill>
                       </a:tcPr>
@@ -6487,8 +6513,8 @@
         </p:nvSpPr>
         <p:spPr>
           <a:xfrm>
-            <a:off x="12911205" y="3704593"/>
-            <a:ext cx="13722918" cy="1057275"/>
+            <a:off x="12911204" y="3704593"/>
+            <a:ext cx="14238573" cy="1057275"/>
           </a:xfrm>
           <a:prstGeom prst="rect">
             <a:avLst/>
@@ -6524,15 +6550,15 @@
           <a:p>
             <a:pPr algn="ctr"/>
             <a:r>
-              <a:rPr lang="en-US" sz="5400" b="1" noProof="1"/>
+              <a:rPr lang="en-US" sz="4400" b="1" noProof="1"/>
               <a:t>Numerov Procedure</a:t>
             </a:r>
-            <a:endParaRPr lang="en-US" sz="6000" b="1" noProof="1"/>
+            <a:endParaRPr lang="en-US" sz="4800" b="1" noProof="1"/>
           </a:p>
         </p:txBody>
       </p:sp>
-      <mc:AlternateContent xmlns:mc="http://schemas.openxmlformats.org/markup-compatibility/2006" xmlns:a14="http://schemas.microsoft.com/office/drawing/2010/main">
-        <mc:Choice Requires="a14">
+      <mc:AlternateContent xmlns:mc="http://schemas.openxmlformats.org/markup-compatibility/2006">
+        <mc:Choice xmlns:a14="http://schemas.microsoft.com/office/drawing/2010/main" Requires="a14">
           <p:sp>
             <p:nvSpPr>
               <p:cNvPr id="41" name="Textfeld 40">
@@ -6548,7 +6574,7 @@
             <p:spPr>
               <a:xfrm>
                 <a:off x="12911204" y="4797113"/>
-                <a:ext cx="13722919" cy="8282011"/>
+                <a:ext cx="14141646" cy="8282011"/>
               </a:xfrm>
               <a:prstGeom prst="rect">
                 <a:avLst/>
@@ -6567,28 +6593,22 @@
               <a:lstStyle/>
               <a:p>
                 <a:r>
-                  <a:rPr lang="en-US" sz="2800" noProof="1"/>
-                  <a:t>Numerov method is a numerical method to solve differential equa-</a:t>
-                </a:r>
-              </a:p>
-              <a:p>
-                <a:r>
-                  <a:rPr lang="en-US" sz="2800" noProof="1"/>
-                  <a:t>tions. This method can be to obtain the energy eigenvalues </a:t>
+                  <a:rPr lang="en-US" sz="2400" noProof="1"/>
+                  <a:t>Numerov method is a numerical method to solve differential equations. This method can be to obtain the energy eigenvalues </a:t>
                 </a:r>
                 <a14:m>
                   <m:oMath xmlns:m="http://schemas.openxmlformats.org/officeDocument/2006/math">
                     <m:sSub>
                       <m:sSubPr>
                         <m:ctrlPr>
-                          <a:rPr lang="en-US" sz="2800" b="0" i="1" noProof="1" dirty="0" smtClean="0">
+                          <a:rPr lang="en-US" sz="2400" b="0" i="1" noProof="1" dirty="0" smtClean="0">
                             <a:latin typeface="Cambria Math" panose="02040503050406030204" pitchFamily="18" charset="0"/>
                           </a:rPr>
                         </m:ctrlPr>
                       </m:sSubPr>
                       <m:e>
                         <m:r>
-                          <a:rPr lang="en-US" sz="2800" b="0" i="1" noProof="1" dirty="0" smtClean="0">
+                          <a:rPr lang="en-US" sz="2400" b="0" i="1" noProof="1" dirty="0" smtClean="0">
                             <a:latin typeface="Cambria Math" panose="02040503050406030204" pitchFamily="18" charset="0"/>
                           </a:rPr>
                           <m:t>𝐸</m:t>
@@ -6596,7 +6616,7 @@
                       </m:e>
                       <m:sub>
                         <m:r>
-                          <a:rPr lang="en-US" sz="2800" b="0" i="1" noProof="1" dirty="0" smtClean="0">
+                          <a:rPr lang="en-US" sz="2400" b="0" i="1" noProof="1" dirty="0" smtClean="0">
                             <a:latin typeface="Cambria Math" panose="02040503050406030204" pitchFamily="18" charset="0"/>
                           </a:rPr>
                           <m:t>𝑛</m:t>
@@ -6606,7 +6626,7 @@
                   </m:oMath>
                 </a14:m>
                 <a:r>
-                  <a:rPr lang="en-US" sz="2800" noProof="1"/>
+                  <a:rPr lang="en-US" sz="2400" noProof="1"/>
                   <a:t> and the wave functions </a:t>
                 </a:r>
                 <a14:m>
@@ -6615,14 +6635,17 @@
                       <m:rPr>
                         <m:sty m:val="p"/>
                       </m:rPr>
-                      <a:rPr lang="en-US" sz="2800" b="0" i="0" noProof="1" dirty="0" smtClean="0">
+                      <a:rPr lang="en-US" sz="2400" b="0" i="0" noProof="1" dirty="0" smtClean="0">
                         <a:latin typeface="Cambria Math" panose="02040503050406030204" pitchFamily="18" charset="0"/>
                       </a:rPr>
                       <m:t>Ψ</m:t>
                     </m:r>
                   </m:oMath>
                 </a14:m>
-                <a:endParaRPr lang="en-US" sz="2800" noProof="1"/>
+                <a:r>
+                  <a:rPr lang="en-US" sz="2400" noProof="1"/>
+                  <a:t>:</a:t>
+                </a:r>
               </a:p>
               <a:p>
                 <a:pPr/>
@@ -6635,7 +6658,7 @@
                       <m:f>
                         <m:fPr>
                           <m:ctrlPr>
-                            <a:rPr lang="en-US" sz="2800" i="1" noProof="1" dirty="0" smtClean="0">
+                            <a:rPr lang="en-US" sz="2400" i="1" noProof="1" dirty="0" smtClean="0">
                               <a:latin typeface="Cambria Math" panose="02040503050406030204" pitchFamily="18" charset="0"/>
                             </a:rPr>
                           </m:ctrlPr>
@@ -6644,14 +6667,14 @@
                           <m:sSup>
                             <m:sSupPr>
                               <m:ctrlPr>
-                                <a:rPr lang="en-US" sz="2800" b="0" i="1" noProof="1" dirty="0" smtClean="0">
+                                <a:rPr lang="en-US" sz="2400" b="0" i="1" noProof="1" dirty="0" smtClean="0">
                                   <a:latin typeface="Cambria Math" panose="02040503050406030204" pitchFamily="18" charset="0"/>
                                 </a:rPr>
                               </m:ctrlPr>
                             </m:sSupPr>
                             <m:e>
                               <m:r>
-                                <a:rPr lang="en-US" sz="2800" b="0" i="1" noProof="1" dirty="0" smtClean="0">
+                                <a:rPr lang="en-US" sz="2400" b="0" i="1" noProof="1" dirty="0" smtClean="0">
                                   <a:latin typeface="Cambria Math" panose="02040503050406030204" pitchFamily="18" charset="0"/>
                                 </a:rPr>
                                 <m:t>𝜕</m:t>
@@ -6659,7 +6682,7 @@
                             </m:e>
                             <m:sup>
                               <m:r>
-                                <a:rPr lang="en-US" sz="2800" b="0" i="1" noProof="1" dirty="0" smtClean="0">
+                                <a:rPr lang="en-US" sz="2400" b="0" i="1" noProof="1" dirty="0" smtClean="0">
                                   <a:latin typeface="Cambria Math" panose="02040503050406030204" pitchFamily="18" charset="0"/>
                                 </a:rPr>
                                 <m:t>2</m:t>
@@ -6670,13 +6693,13 @@
                             <m:rPr>
                               <m:sty m:val="p"/>
                             </m:rPr>
-                            <a:rPr lang="en-US" sz="2800" b="0" i="0" noProof="1" dirty="0" smtClean="0">
+                            <a:rPr lang="en-US" sz="2400" b="0" i="0" noProof="1" dirty="0" smtClean="0">
                               <a:latin typeface="Cambria Math" panose="02040503050406030204" pitchFamily="18" charset="0"/>
                             </a:rPr>
                             <m:t>Ψ</m:t>
                           </m:r>
                           <m:r>
-                            <a:rPr lang="en-US" sz="2800" b="0" i="1" noProof="1" dirty="0" smtClean="0">
+                            <a:rPr lang="en-US" sz="2400" b="0" i="1" noProof="1" dirty="0" smtClean="0">
                               <a:latin typeface="Cambria Math" panose="02040503050406030204" pitchFamily="18" charset="0"/>
                             </a:rPr>
                             <m:t> </m:t>
@@ -6684,7 +6707,7 @@
                         </m:num>
                         <m:den>
                           <m:r>
-                            <a:rPr lang="en-US" sz="2800" b="0" i="1" noProof="1" dirty="0" smtClean="0">
+                            <a:rPr lang="en-US" sz="2400" b="0" i="1" noProof="1" dirty="0" smtClean="0">
                               <a:latin typeface="Cambria Math" panose="02040503050406030204" pitchFamily="18" charset="0"/>
                             </a:rPr>
                             <m:t>𝜕</m:t>
@@ -6692,14 +6715,14 @@
                           <m:sSup>
                             <m:sSupPr>
                               <m:ctrlPr>
-                                <a:rPr lang="en-US" sz="2800" b="0" i="1" noProof="1" dirty="0" smtClean="0">
+                                <a:rPr lang="en-US" sz="2400" b="0" i="1" noProof="1" dirty="0" smtClean="0">
                                   <a:latin typeface="Cambria Math" panose="02040503050406030204" pitchFamily="18" charset="0"/>
                                 </a:rPr>
                               </m:ctrlPr>
                             </m:sSupPr>
                             <m:e>
                               <m:r>
-                                <a:rPr lang="en-US" sz="2800" b="0" i="1" noProof="1" dirty="0" smtClean="0">
+                                <a:rPr lang="en-US" sz="2400" b="0" i="1" noProof="1" dirty="0" smtClean="0">
                                   <a:latin typeface="Cambria Math" panose="02040503050406030204" pitchFamily="18" charset="0"/>
                                 </a:rPr>
                                 <m:t>𝑥</m:t>
@@ -6707,7 +6730,7 @@
                             </m:e>
                             <m:sup>
                               <m:r>
-                                <a:rPr lang="en-US" sz="2800" b="0" i="1" noProof="1" dirty="0" smtClean="0">
+                                <a:rPr lang="en-US" sz="2400" b="0" i="1" noProof="1" dirty="0" smtClean="0">
                                   <a:latin typeface="Cambria Math" panose="02040503050406030204" pitchFamily="18" charset="0"/>
                                 </a:rPr>
                                 <m:t>2</m:t>
@@ -6717,7 +6740,7 @@
                         </m:den>
                       </m:f>
                       <m:r>
-                        <a:rPr lang="en-US" sz="2800" b="0" i="1" noProof="1" dirty="0" smtClean="0">
+                        <a:rPr lang="en-US" sz="2400" b="0" i="1" noProof="1" dirty="0" smtClean="0">
                           <a:latin typeface="Cambria Math" panose="02040503050406030204" pitchFamily="18" charset="0"/>
                         </a:rPr>
                         <m:t>= </m:t>
@@ -6725,20 +6748,20 @@
                       <m:f>
                         <m:fPr>
                           <m:ctrlPr>
-                            <a:rPr lang="en-US" sz="2800" b="0" i="1" noProof="1" dirty="0" smtClean="0">
+                            <a:rPr lang="en-US" sz="2400" b="0" i="1" noProof="1" dirty="0" smtClean="0">
                               <a:latin typeface="Cambria Math" panose="02040503050406030204" pitchFamily="18" charset="0"/>
                             </a:rPr>
                           </m:ctrlPr>
                         </m:fPr>
                         <m:num>
                           <m:r>
-                            <a:rPr lang="en-US" sz="2800" b="0" i="1" noProof="1" dirty="0" smtClean="0">
+                            <a:rPr lang="en-US" sz="2400" b="0" i="1" noProof="1" dirty="0" smtClean="0">
                               <a:latin typeface="Cambria Math" panose="02040503050406030204" pitchFamily="18" charset="0"/>
                             </a:rPr>
                             <m:t>2</m:t>
                           </m:r>
                           <m:r>
-                            <a:rPr lang="en-US" sz="2800" b="0" i="1" noProof="1" dirty="0" smtClean="0">
+                            <a:rPr lang="en-US" sz="2400" b="0" i="1" noProof="1" dirty="0" smtClean="0">
                               <a:latin typeface="Cambria Math" panose="02040503050406030204" pitchFamily="18" charset="0"/>
                             </a:rPr>
                             <m:t>𝑚</m:t>
@@ -6746,7 +6769,7 @@
                         </m:num>
                         <m:den>
                           <m:r>
-                            <a:rPr lang="en-US" sz="2800" b="0" i="1" noProof="1" dirty="0" smtClean="0">
+                            <a:rPr lang="en-US" sz="2400" b="0" i="1" noProof="1" dirty="0" smtClean="0">
                               <a:latin typeface="Cambria Math" panose="02040503050406030204" pitchFamily="18" charset="0"/>
                               <a:ea typeface="Cambria Math" panose="02040503050406030204" pitchFamily="18" charset="0"/>
                             </a:rPr>
@@ -6757,26 +6780,26 @@
                       <m:d>
                         <m:dPr>
                           <m:ctrlPr>
-                            <a:rPr lang="en-US" sz="2800" b="0" i="1" noProof="1" dirty="0" smtClean="0">
+                            <a:rPr lang="en-US" sz="2400" b="0" i="1" noProof="1" dirty="0" smtClean="0">
                               <a:latin typeface="Cambria Math" panose="02040503050406030204" pitchFamily="18" charset="0"/>
                             </a:rPr>
                           </m:ctrlPr>
                         </m:dPr>
                         <m:e>
                           <m:r>
-                            <a:rPr lang="en-US" sz="2800" b="0" i="1" noProof="1" dirty="0" smtClean="0">
+                            <a:rPr lang="en-US" sz="2400" b="0" i="1" noProof="1" dirty="0" smtClean="0">
                               <a:latin typeface="Cambria Math" panose="02040503050406030204" pitchFamily="18" charset="0"/>
                             </a:rPr>
                             <m:t>𝑉</m:t>
                           </m:r>
                           <m:r>
-                            <a:rPr lang="en-US" sz="2800" b="0" i="1" noProof="1" dirty="0" smtClean="0">
+                            <a:rPr lang="en-US" sz="2400" b="0" i="1" noProof="1" dirty="0" smtClean="0">
                               <a:latin typeface="Cambria Math" panose="02040503050406030204" pitchFamily="18" charset="0"/>
                             </a:rPr>
                             <m:t>−</m:t>
                           </m:r>
                           <m:r>
-                            <a:rPr lang="en-US" sz="2800" b="0" i="1" noProof="1" dirty="0" smtClean="0">
+                            <a:rPr lang="en-US" sz="2400" b="0" i="1" noProof="1" dirty="0" smtClean="0">
                               <a:latin typeface="Cambria Math" panose="02040503050406030204" pitchFamily="18" charset="0"/>
                             </a:rPr>
                             <m:t>𝐸</m:t>
@@ -6787,13 +6810,13 @@
                         <m:rPr>
                           <m:sty m:val="p"/>
                         </m:rPr>
-                        <a:rPr lang="en-US" sz="2800" b="0" i="0" noProof="1" dirty="0" smtClean="0">
+                        <a:rPr lang="en-US" sz="2400" b="0" i="0" noProof="1" dirty="0" smtClean="0">
                           <a:latin typeface="Cambria Math" panose="02040503050406030204" pitchFamily="18" charset="0"/>
                         </a:rPr>
                         <m:t>Ψ</m:t>
                       </m:r>
                       <m:r>
-                        <a:rPr lang="en-US" sz="2800" b="0" i="1" noProof="1" dirty="0" smtClean="0">
+                        <a:rPr lang="en-US" sz="2400" b="0" i="1" noProof="1" dirty="0" smtClean="0">
                           <a:latin typeface="Cambria Math" panose="02040503050406030204" pitchFamily="18" charset="0"/>
                         </a:rPr>
                         <m:t>⇒</m:t>
@@ -6801,7 +6824,7 @@
                       <m:f>
                         <m:fPr>
                           <m:ctrlPr>
-                            <a:rPr lang="en-US" sz="2800" i="1" noProof="1" dirty="0" smtClean="0">
+                            <a:rPr lang="en-US" sz="2400" i="1" noProof="1" dirty="0" smtClean="0">
                               <a:latin typeface="Cambria Math" panose="02040503050406030204" pitchFamily="18" charset="0"/>
                             </a:rPr>
                           </m:ctrlPr>
@@ -6810,14 +6833,14 @@
                           <m:sSup>
                             <m:sSupPr>
                               <m:ctrlPr>
-                                <a:rPr lang="en-US" sz="2800" i="1" noProof="1" dirty="0" smtClean="0">
+                                <a:rPr lang="en-US" sz="2400" i="1" noProof="1" dirty="0" smtClean="0">
                                   <a:latin typeface="Cambria Math" panose="02040503050406030204" pitchFamily="18" charset="0"/>
                                 </a:rPr>
                               </m:ctrlPr>
                             </m:sSupPr>
                             <m:e>
                               <m:r>
-                                <a:rPr lang="en-US" sz="2800" i="1" noProof="1" dirty="0" smtClean="0">
+                                <a:rPr lang="en-US" sz="2400" i="1" noProof="1" dirty="0" smtClean="0">
                                   <a:latin typeface="Cambria Math" panose="02040503050406030204" pitchFamily="18" charset="0"/>
                                 </a:rPr>
                                 <m:t>𝜕</m:t>
@@ -6825,7 +6848,7 @@
                             </m:e>
                             <m:sup>
                               <m:r>
-                                <a:rPr lang="en-US" sz="2800" i="1" noProof="1" dirty="0" smtClean="0">
+                                <a:rPr lang="en-US" sz="2400" i="1" noProof="1" dirty="0" smtClean="0">
                                   <a:latin typeface="Cambria Math" panose="02040503050406030204" pitchFamily="18" charset="0"/>
                                 </a:rPr>
                                 <m:t>2</m:t>
@@ -6836,13 +6859,13 @@
                             <m:rPr>
                               <m:sty m:val="p"/>
                             </m:rPr>
-                            <a:rPr lang="en-US" sz="2800" noProof="1" dirty="0" smtClean="0">
+                            <a:rPr lang="en-US" sz="2400" noProof="1" dirty="0" smtClean="0">
                               <a:latin typeface="Cambria Math" panose="02040503050406030204" pitchFamily="18" charset="0"/>
                             </a:rPr>
                             <m:t>Ψ</m:t>
                           </m:r>
                           <m:r>
-                            <a:rPr lang="en-US" sz="2800" i="1" noProof="1" dirty="0" smtClean="0">
+                            <a:rPr lang="en-US" sz="2400" i="1" noProof="1" dirty="0" smtClean="0">
                               <a:latin typeface="Cambria Math" panose="02040503050406030204" pitchFamily="18" charset="0"/>
                             </a:rPr>
                             <m:t> </m:t>
@@ -6850,7 +6873,7 @@
                         </m:num>
                         <m:den>
                           <m:r>
-                            <a:rPr lang="en-US" sz="2800" i="1" noProof="1" dirty="0" smtClean="0">
+                            <a:rPr lang="en-US" sz="2400" i="1" noProof="1" dirty="0" smtClean="0">
                               <a:latin typeface="Cambria Math" panose="02040503050406030204" pitchFamily="18" charset="0"/>
                             </a:rPr>
                             <m:t>𝜕</m:t>
@@ -6858,14 +6881,14 @@
                           <m:sSup>
                             <m:sSupPr>
                               <m:ctrlPr>
-                                <a:rPr lang="en-US" sz="2800" i="1" noProof="1" dirty="0" smtClean="0">
+                                <a:rPr lang="en-US" sz="2400" i="1" noProof="1" dirty="0" smtClean="0">
                                   <a:latin typeface="Cambria Math" panose="02040503050406030204" pitchFamily="18" charset="0"/>
                                 </a:rPr>
                               </m:ctrlPr>
                             </m:sSupPr>
                             <m:e>
                               <m:r>
-                                <a:rPr lang="en-US" sz="2800" i="1" noProof="1" dirty="0" smtClean="0">
+                                <a:rPr lang="en-US" sz="2400" i="1" noProof="1" dirty="0" smtClean="0">
                                   <a:latin typeface="Cambria Math" panose="02040503050406030204" pitchFamily="18" charset="0"/>
                                 </a:rPr>
                                 <m:t>𝑥</m:t>
@@ -6873,7 +6896,7 @@
                             </m:e>
                             <m:sup>
                               <m:r>
-                                <a:rPr lang="en-US" sz="2800" i="1" noProof="1" dirty="0" smtClean="0">
+                                <a:rPr lang="en-US" sz="2400" i="1" noProof="1" dirty="0" smtClean="0">
                                   <a:latin typeface="Cambria Math" panose="02040503050406030204" pitchFamily="18" charset="0"/>
                                 </a:rPr>
                                 <m:t>2</m:t>
@@ -6883,7 +6906,7 @@
                         </m:den>
                       </m:f>
                       <m:r>
-                        <a:rPr lang="en-US" sz="2800" b="0" i="1" noProof="1" dirty="0" smtClean="0">
+                        <a:rPr lang="en-US" sz="2400" b="0" i="1" noProof="1" dirty="0" smtClean="0">
                           <a:latin typeface="Cambria Math" panose="02040503050406030204" pitchFamily="18" charset="0"/>
                         </a:rPr>
                         <m:t>≈</m:t>
@@ -6891,7 +6914,7 @@
                       <m:f>
                         <m:fPr>
                           <m:ctrlPr>
-                            <a:rPr lang="en-US" sz="2800" b="0" i="1" noProof="1" dirty="0" smtClean="0">
+                            <a:rPr lang="en-US" sz="2400" b="0" i="1" noProof="1" dirty="0" smtClean="0">
                               <a:latin typeface="Cambria Math" panose="02040503050406030204" pitchFamily="18" charset="0"/>
                             </a:rPr>
                           </m:ctrlPr>
@@ -6901,13 +6924,13 @@
                             <m:rPr>
                               <m:sty m:val="p"/>
                             </m:rPr>
-                            <a:rPr lang="en-US" sz="2800" b="0" i="0" noProof="1" dirty="0" smtClean="0">
+                            <a:rPr lang="en-US" sz="2400" b="0" i="0" noProof="1" dirty="0" smtClean="0">
                               <a:latin typeface="Cambria Math" panose="02040503050406030204" pitchFamily="18" charset="0"/>
                             </a:rPr>
                             <m:t>Δ</m:t>
                           </m:r>
                           <m:r>
-                            <a:rPr lang="en-US" sz="2800" b="0" i="1" noProof="1" dirty="0" smtClean="0">
+                            <a:rPr lang="en-US" sz="2400" b="0" i="1" noProof="1" dirty="0" smtClean="0">
                               <a:latin typeface="Cambria Math" panose="02040503050406030204" pitchFamily="18" charset="0"/>
                             </a:rPr>
                             <m:t>𝑔</m:t>
@@ -6918,13 +6941,13 @@
                             <m:rPr>
                               <m:sty m:val="p"/>
                             </m:rPr>
-                            <a:rPr lang="en-US" sz="2800" b="0" i="0" noProof="1" dirty="0" smtClean="0">
+                            <a:rPr lang="en-US" sz="2400" b="0" i="0" noProof="1" dirty="0" smtClean="0">
                               <a:latin typeface="Cambria Math" panose="02040503050406030204" pitchFamily="18" charset="0"/>
                             </a:rPr>
                             <m:t>Δ</m:t>
                           </m:r>
                           <m:r>
-                            <a:rPr lang="en-US" sz="2800" b="0" i="1" noProof="1" dirty="0" smtClean="0">
+                            <a:rPr lang="en-US" sz="2400" b="0" i="1" noProof="1" dirty="0" smtClean="0">
                               <a:latin typeface="Cambria Math" panose="02040503050406030204" pitchFamily="18" charset="0"/>
                             </a:rPr>
                             <m:t>𝑥</m:t>
@@ -6984,7 +7007,7 @@
             </p:txBody>
           </p:sp>
         </mc:Choice>
-        <mc:Fallback xmlns="">
+        <mc:Fallback>
           <p:sp>
             <p:nvSpPr>
               <p:cNvPr id="41" name="Textfeld 40">
@@ -7002,7 +7025,7 @@
             <p:spPr>
               <a:xfrm>
                 <a:off x="12911204" y="4797113"/>
-                <a:ext cx="13722919" cy="8282011"/>
+                <a:ext cx="14141646" cy="8282011"/>
               </a:xfrm>
               <a:prstGeom prst="rect">
                 <a:avLst/>
@@ -7010,7 +7033,7 @@
               <a:blipFill>
                 <a:blip r:embed="rId8"/>
                 <a:stretch>
-                  <a:fillRect l="-924" t="-765"/>
+                  <a:fillRect l="-717" t="-612"/>
                 </a:stretch>
               </a:blipFill>
               <a:ln>
@@ -7167,10 +7190,7 @@
             <a:endParaRPr lang="en-US" sz="2800" noProof="1"/>
           </a:p>
           <a:p>
-            <a:r>
-              <a:rPr lang="en-US" sz="2800" noProof="1"/>
-              <a:t>With the oscillator strength [3] the probability of a transition between two states can be predicted</a:t>
-            </a:r>
+            <a:endParaRPr lang="en-US" sz="2800" noProof="1"/>
           </a:p>
           <a:p>
             <a:endParaRPr lang="en-US" sz="2800" noProof="1"/>
@@ -7189,36 +7209,6 @@
           </a:p>
         </p:txBody>
       </p:sp>
-      <p:pic>
-        <p:nvPicPr>
-          <p:cNvPr id="45" name="Grafik 44" descr="Ein Bild, das Text, Reihe, Diagramm, Screenshot enthält.&#10;&#10;Automatisch generierte Beschreibung">
-            <a:extLst>
-              <a:ext uri="{FF2B5EF4-FFF2-40B4-BE49-F238E27FC236}">
-                <a16:creationId xmlns:a16="http://schemas.microsoft.com/office/drawing/2014/main" id="{DC2B7A11-21FA-5856-1604-2B1FCF0F3876}"/>
-              </a:ext>
-            </a:extLst>
-          </p:cNvPr>
-          <p:cNvPicPr>
-            <a:picLocks noChangeAspect="1"/>
-          </p:cNvPicPr>
-          <p:nvPr/>
-        </p:nvPicPr>
-        <p:blipFill>
-          <a:blip r:embed="rId9"/>
-          <a:stretch>
-            <a:fillRect/>
-          </a:stretch>
-        </p:blipFill>
-        <p:spPr>
-          <a:xfrm>
-            <a:off x="27857353" y="5012049"/>
-            <a:ext cx="5711633" cy="3854191"/>
-          </a:xfrm>
-          <a:prstGeom prst="rect">
-            <a:avLst/>
-          </a:prstGeom>
-        </p:spPr>
-      </p:pic>
       <p:sp>
         <p:nvSpPr>
           <p:cNvPr id="51" name="Textfeld 50">
@@ -7233,7 +7223,7 @@
         </p:nvSpPr>
         <p:spPr>
           <a:xfrm>
-            <a:off x="15218662" y="10909362"/>
+            <a:off x="15178906" y="10829850"/>
             <a:ext cx="8961986" cy="523220"/>
           </a:xfrm>
           <a:prstGeom prst="rect">
@@ -7359,7 +7349,7 @@
             <a:pPr algn="ctr"/>
             <a:r>
               <a:rPr lang="en-US" sz="5400" b="1" noProof="1"/>
-              <a:t>Potential Energy</a:t>
+              <a:t>Potential Energy Curves</a:t>
             </a:r>
             <a:endParaRPr lang="en-US" sz="6000" b="1" noProof="1"/>
           </a:p>
@@ -7379,7 +7369,7 @@
         </p:nvSpPr>
         <p:spPr>
           <a:xfrm>
-            <a:off x="12911204" y="14852649"/>
+            <a:off x="12911204" y="14873310"/>
             <a:ext cx="29623538" cy="13880723"/>
           </a:xfrm>
           <a:prstGeom prst="rect">
@@ -7490,10 +7480,13 @@
           <a:p>
             <a:endParaRPr lang="en-US" sz="2800" noProof="1"/>
           </a:p>
+          <a:p>
+            <a:endParaRPr lang="en-US" sz="2800" noProof="1"/>
+          </a:p>
         </p:txBody>
       </p:sp>
-      <mc:AlternateContent xmlns:mc="http://schemas.openxmlformats.org/markup-compatibility/2006" xmlns:a14="http://schemas.microsoft.com/office/drawing/2010/main">
-        <mc:Choice Requires="a14">
+      <mc:AlternateContent xmlns:mc="http://schemas.openxmlformats.org/markup-compatibility/2006">
+        <mc:Choice xmlns:a14="http://schemas.microsoft.com/office/drawing/2010/main" Requires="a14">
           <p:graphicFrame>
             <p:nvGraphicFramePr>
               <p:cNvPr id="63" name="Tabelle 62">
@@ -7509,13 +7502,13 @@
               <p:nvPr>
                 <p:extLst>
                   <p:ext uri="{D42A27DB-BD31-4B8C-83A1-F6EECF244321}">
-                    <p14:modId xmlns:p14="http://schemas.microsoft.com/office/powerpoint/2010/main" val="4026977610"/>
+                    <p14:modId xmlns:p14="http://schemas.microsoft.com/office/powerpoint/2010/main" val="953624260"/>
                   </p:ext>
                 </p:extLst>
               </p:nvPr>
             </p:nvGraphicFramePr>
             <p:xfrm>
-              <a:off x="36454169" y="25450787"/>
+              <a:off x="20981710" y="7010714"/>
               <a:ext cx="5814168" cy="3108960"/>
             </p:xfrm>
             <a:graphic>
@@ -8530,7 +8523,7 @@
             </a:graphic>
           </p:graphicFrame>
         </mc:Choice>
-        <mc:Fallback xmlns="">
+        <mc:Fallback>
           <p:graphicFrame>
             <p:nvGraphicFramePr>
               <p:cNvPr id="63" name="Tabelle 62">
@@ -8546,13 +8539,13 @@
               <p:nvPr>
                 <p:extLst>
                   <p:ext uri="{D42A27DB-BD31-4B8C-83A1-F6EECF244321}">
-                    <p14:modId xmlns:p14="http://schemas.microsoft.com/office/powerpoint/2010/main" val="4026977610"/>
+                    <p14:modId xmlns:p14="http://schemas.microsoft.com/office/powerpoint/2010/main" val="953624260"/>
                   </p:ext>
                 </p:extLst>
               </p:nvPr>
             </p:nvGraphicFramePr>
             <p:xfrm>
-              <a:off x="36454169" y="25450787"/>
+              <a:off x="20981710" y="7010714"/>
               <a:ext cx="5814168" cy="3108960"/>
             </p:xfrm>
             <a:graphic>
@@ -8626,9 +8619,9 @@
                       </a:txBody>
                       <a:tcPr>
                         <a:blipFill>
-                          <a:blip r:embed="rId10"/>
+                          <a:blip r:embed="rId9"/>
                           <a:stretch>
-                            <a:fillRect l="-101316" r="-402632" b="-534146"/>
+                            <a:fillRect l="-100000" t="-2439" r="-397403" b="-531707"/>
                           </a:stretch>
                         </a:blipFill>
                       </a:tcPr>
@@ -8643,9 +8636,9 @@
                       </a:txBody>
                       <a:tcPr>
                         <a:blipFill>
-                          <a:blip r:embed="rId10"/>
+                          <a:blip r:embed="rId9"/>
                           <a:stretch>
-                            <a:fillRect l="-198701" r="-297403" b="-534146"/>
+                            <a:fillRect l="-202632" t="-2439" r="-302632" b="-531707"/>
                           </a:stretch>
                         </a:blipFill>
                       </a:tcPr>
@@ -8660,9 +8653,9 @@
                       </a:txBody>
                       <a:tcPr>
                         <a:blipFill>
-                          <a:blip r:embed="rId10"/>
+                          <a:blip r:embed="rId9"/>
                           <a:stretch>
-                            <a:fillRect l="-302632" r="-201316" b="-534146"/>
+                            <a:fillRect l="-302632" t="-2439" r="-202632" b="-531707"/>
                           </a:stretch>
                         </a:blipFill>
                       </a:tcPr>
@@ -8677,9 +8670,9 @@
                       </a:txBody>
                       <a:tcPr>
                         <a:blipFill>
-                          <a:blip r:embed="rId10"/>
+                          <a:blip r:embed="rId9"/>
                           <a:stretch>
-                            <a:fillRect l="-397403" r="-98701" b="-534146"/>
+                            <a:fillRect l="-397403" t="-2439" r="-100000" b="-531707"/>
                           </a:stretch>
                         </a:blipFill>
                       </a:tcPr>
@@ -8694,9 +8687,9 @@
                       </a:txBody>
                       <a:tcPr>
                         <a:blipFill>
-                          <a:blip r:embed="rId10"/>
+                          <a:blip r:embed="rId9"/>
                           <a:stretch>
-                            <a:fillRect l="-503947" b="-534146"/>
+                            <a:fillRect l="-503947" t="-2439" r="-1316" b="-531707"/>
                           </a:stretch>
                         </a:blipFill>
                       </a:tcPr>
@@ -8718,9 +8711,9 @@
                       </a:txBody>
                       <a:tcPr>
                         <a:blipFill>
-                          <a:blip r:embed="rId10"/>
+                          <a:blip r:embed="rId9"/>
                           <a:stretch>
-                            <a:fillRect t="-100000" r="-496104" b="-434146"/>
+                            <a:fillRect l="-1316" t="-102439" r="-503947" b="-431707"/>
                           </a:stretch>
                         </a:blipFill>
                       </a:tcPr>
@@ -8829,9 +8822,9 @@
                       </a:txBody>
                       <a:tcPr>
                         <a:blipFill>
-                          <a:blip r:embed="rId10"/>
+                          <a:blip r:embed="rId9"/>
                           <a:stretch>
-                            <a:fillRect t="-200000" r="-496104" b="-334146"/>
+                            <a:fillRect l="-1316" t="-202439" r="-503947" b="-331707"/>
                           </a:stretch>
                         </a:blipFill>
                       </a:tcPr>
@@ -8940,9 +8933,9 @@
                       </a:txBody>
                       <a:tcPr>
                         <a:blipFill>
-                          <a:blip r:embed="rId10"/>
+                          <a:blip r:embed="rId9"/>
                           <a:stretch>
-                            <a:fillRect t="-300000" r="-496104" b="-234146"/>
+                            <a:fillRect l="-1316" t="-310000" r="-503947" b="-240000"/>
                           </a:stretch>
                         </a:blipFill>
                       </a:tcPr>
@@ -9051,9 +9044,9 @@
                       </a:txBody>
                       <a:tcPr>
                         <a:blipFill>
-                          <a:blip r:embed="rId10"/>
+                          <a:blip r:embed="rId9"/>
                           <a:stretch>
-                            <a:fillRect t="-400000" r="-496104" b="-134146"/>
+                            <a:fillRect l="-1316" t="-400000" r="-503947" b="-134146"/>
                           </a:stretch>
                         </a:blipFill>
                       </a:tcPr>
@@ -9162,9 +9155,9 @@
                       </a:txBody>
                       <a:tcPr>
                         <a:blipFill>
-                          <a:blip r:embed="rId10"/>
+                          <a:blip r:embed="rId9"/>
                           <a:stretch>
-                            <a:fillRect t="-500000" r="-496104" b="-34146"/>
+                            <a:fillRect l="-1316" t="-500000" r="-503947" b="-34146"/>
                           </a:stretch>
                         </a:blipFill>
                       </a:tcPr>
@@ -9283,15 +9276,15 @@
           <p:nvPr/>
         </p:nvPicPr>
         <p:blipFill>
-          <a:blip r:embed="rId11"/>
+          <a:blip r:embed="rId10"/>
           <a:stretch>
             <a:fillRect/>
           </a:stretch>
         </p:blipFill>
         <p:spPr>
           <a:xfrm>
-            <a:off x="15218662" y="6854737"/>
-            <a:ext cx="9191264" cy="3985717"/>
+            <a:off x="13259698" y="6989464"/>
+            <a:ext cx="7177066" cy="3112276"/>
           </a:xfrm>
           <a:prstGeom prst="rect">
             <a:avLst/>
@@ -9318,7 +9311,7 @@
           <p:nvPr/>
         </p:nvPicPr>
         <p:blipFill rotWithShape="1">
-          <a:blip r:embed="rId12">
+          <a:blip r:embed="rId11">
             <a:extLst>
               <a:ext uri="{28A0092B-C50C-407E-A947-70E740481C1C}">
                 <a14:useLocalDpi xmlns:a14="http://schemas.microsoft.com/office/drawing/2010/main" val="0"/>
@@ -9363,14 +9356,14 @@
           <p:nvPr/>
         </p:nvPicPr>
         <p:blipFill>
-          <a:blip r:embed="rId13"/>
+          <a:blip r:embed="rId12"/>
           <a:stretch>
             <a:fillRect/>
           </a:stretch>
         </p:blipFill>
         <p:spPr>
           <a:xfrm>
-            <a:off x="1509319" y="9372166"/>
+            <a:off x="1509319" y="9257866"/>
             <a:ext cx="3642059" cy="2516133"/>
           </a:xfrm>
           <a:prstGeom prst="rect">
@@ -9393,13 +9386,13 @@
           <p:nvPr/>
         </p:nvPicPr>
         <p:blipFill>
-          <a:blip r:embed="rId14"/>
+          <a:blip r:embed="rId13"/>
           <a:srcRect t="26735" b="14291"/>
           <a:stretch/>
         </p:blipFill>
         <p:spPr>
           <a:xfrm>
-            <a:off x="6552823" y="9253014"/>
+            <a:off x="6552823" y="9157764"/>
             <a:ext cx="4309761" cy="2662904"/>
           </a:xfrm>
           <a:prstGeom prst="rect">
@@ -9475,14 +9468,14 @@
           <p:nvPr/>
         </p:nvPicPr>
         <p:blipFill>
-          <a:blip r:embed="rId15"/>
+          <a:blip r:embed="rId14"/>
           <a:stretch>
             <a:fillRect/>
           </a:stretch>
         </p:blipFill>
         <p:spPr>
           <a:xfrm>
-            <a:off x="13200449" y="15153694"/>
+            <a:off x="13664349" y="17013935"/>
             <a:ext cx="8381962" cy="5511874"/>
           </a:xfrm>
           <a:prstGeom prst="rect">
@@ -9505,51 +9498,51 @@
           <p:nvPr>
             <p:extLst>
               <p:ext uri="{D42A27DB-BD31-4B8C-83A1-F6EECF244321}">
-                <p14:modId xmlns:p14="http://schemas.microsoft.com/office/powerpoint/2010/main" val="681839012"/>
+                <p14:modId xmlns:p14="http://schemas.microsoft.com/office/powerpoint/2010/main" val="1819631804"/>
               </p:ext>
             </p:extLst>
           </p:nvPr>
         </p:nvGraphicFramePr>
         <p:xfrm>
-          <a:off x="13200449" y="21959161"/>
-          <a:ext cx="8837780" cy="2924990"/>
+          <a:off x="12996725" y="24015605"/>
+          <a:ext cx="9518578" cy="2610974"/>
         </p:xfrm>
         <a:graphic>
           <a:graphicData uri="http://schemas.openxmlformats.org/drawingml/2006/table">
             <a:tbl>
               <a:tblPr firstRow="1" bandRow="1">
-                <a:tableStyleId>{616DA210-FB5B-4158-B5E0-FEB733F419BA}</a:tableStyleId>
+                <a:tableStyleId>{2D5ABB26-0587-4C30-8999-92F81FD0307C}</a:tableStyleId>
               </a:tblPr>
               <a:tblGrid>
-                <a:gridCol w="1767556">
+                <a:gridCol w="1752116">
                   <a:extLst>
                     <a:ext uri="{9D8B030D-6E8A-4147-A177-3AD203B41FA5}">
                       <a16:colId xmlns:a16="http://schemas.microsoft.com/office/drawing/2014/main" val="591601184"/>
                     </a:ext>
                   </a:extLst>
                 </a:gridCol>
-                <a:gridCol w="1767556">
+                <a:gridCol w="1325971">
                   <a:extLst>
                     <a:ext uri="{9D8B030D-6E8A-4147-A177-3AD203B41FA5}">
                       <a16:colId xmlns:a16="http://schemas.microsoft.com/office/drawing/2014/main" val="3679959660"/>
                     </a:ext>
                   </a:extLst>
                 </a:gridCol>
-                <a:gridCol w="1767556">
+                <a:gridCol w="2117873">
                   <a:extLst>
                     <a:ext uri="{9D8B030D-6E8A-4147-A177-3AD203B41FA5}">
                       <a16:colId xmlns:a16="http://schemas.microsoft.com/office/drawing/2014/main" val="2414671271"/>
                     </a:ext>
                   </a:extLst>
                 </a:gridCol>
-                <a:gridCol w="1767556">
+                <a:gridCol w="2185060">
                   <a:extLst>
                     <a:ext uri="{9D8B030D-6E8A-4147-A177-3AD203B41FA5}">
                       <a16:colId xmlns:a16="http://schemas.microsoft.com/office/drawing/2014/main" val="722653628"/>
                     </a:ext>
                   </a:extLst>
                 </a:gridCol>
-                <a:gridCol w="1767556">
+                <a:gridCol w="2137558">
                   <a:extLst>
                     <a:ext uri="{9D8B030D-6E8A-4147-A177-3AD203B41FA5}">
                       <a16:colId xmlns:a16="http://schemas.microsoft.com/office/drawing/2014/main" val="2008064467"/>
@@ -9557,16 +9550,35 @@
                   </a:extLst>
                 </a:gridCol>
               </a:tblGrid>
-              <a:tr h="584998">
+              <a:tr h="444595">
                 <a:tc>
                   <a:txBody>
                     <a:bodyPr/>
                     <a:lstStyle/>
                     <a:p>
-                      <a:endParaRPr lang="de-DE" sz="2000" dirty="0"/>
+                      <a:endParaRPr lang="de-DE" sz="1800" dirty="0"/>
                     </a:p>
                   </a:txBody>
-                  <a:tcPr/>
+                  <a:tcPr>
+                    <a:lnT w="12700" cap="flat" cmpd="sng" algn="ctr">
+                      <a:solidFill>
+                        <a:schemeClr val="tx1"/>
+                      </a:solidFill>
+                      <a:prstDash val="solid"/>
+                      <a:round/>
+                      <a:headEnd type="none" w="med" len="med"/>
+                      <a:tailEnd type="none" w="med" len="med"/>
+                    </a:lnT>
+                    <a:lnB w="12700" cap="flat" cmpd="sng" algn="ctr">
+                      <a:solidFill>
+                        <a:schemeClr val="tx1"/>
+                      </a:solidFill>
+                      <a:prstDash val="solid"/>
+                      <a:round/>
+                      <a:headEnd type="none" w="med" len="med"/>
+                      <a:tailEnd type="none" w="med" len="med"/>
+                    </a:lnB>
+                  </a:tcPr>
                 </a:tc>
                 <a:tc>
                   <a:txBody>
@@ -9574,13 +9586,44 @@
                     <a:lstStyle/>
                     <a:p>
                       <a:r>
-                        <a:rPr lang="de-DE" sz="2000" dirty="0" err="1"/>
+                        <a:rPr lang="de-DE" sz="1800" b="1" dirty="0" err="1"/>
                         <a:t>base</a:t>
                       </a:r>
-                      <a:endParaRPr lang="de-DE" sz="2000" dirty="0"/>
+                      <a:r>
+                        <a:rPr lang="de-DE" sz="1800" b="1" dirty="0"/>
+                        <a:t> (cm</a:t>
+                      </a:r>
+                      <a:r>
+                        <a:rPr lang="de-DE" sz="1800" b="1" baseline="30000" dirty="0"/>
+                        <a:t>-1</a:t>
+                      </a:r>
+                      <a:r>
+                        <a:rPr lang="de-DE" sz="1800" b="1" baseline="0" dirty="0"/>
+                        <a:t>)</a:t>
+                      </a:r>
+                      <a:endParaRPr lang="de-DE" sz="1800" b="1" dirty="0"/>
                     </a:p>
                   </a:txBody>
-                  <a:tcPr/>
+                  <a:tcPr>
+                    <a:lnT w="12700" cap="flat" cmpd="sng" algn="ctr">
+                      <a:solidFill>
+                        <a:schemeClr val="tx1"/>
+                      </a:solidFill>
+                      <a:prstDash val="solid"/>
+                      <a:round/>
+                      <a:headEnd type="none" w="med" len="med"/>
+                      <a:tailEnd type="none" w="med" len="med"/>
+                    </a:lnT>
+                    <a:lnB w="12700" cap="flat" cmpd="sng" algn="ctr">
+                      <a:solidFill>
+                        <a:schemeClr val="tx1"/>
+                      </a:solidFill>
+                      <a:prstDash val="solid"/>
+                      <a:round/>
+                      <a:headEnd type="none" w="med" len="med"/>
+                      <a:tailEnd type="none" w="med" len="med"/>
+                    </a:lnB>
+                  </a:tcPr>
                 </a:tc>
                 <a:tc>
                   <a:txBody>
@@ -9588,17 +9631,48 @@
                     <a:lstStyle/>
                     <a:p>
                       <a:r>
-                        <a:rPr lang="de-DE" sz="2000" dirty="0"/>
+                        <a:rPr lang="de-DE" sz="1800" b="1" dirty="0"/>
                         <a:t>1st </a:t>
                       </a:r>
                       <a:r>
-                        <a:rPr lang="de-DE" sz="2000" dirty="0" err="1"/>
+                        <a:rPr lang="de-DE" sz="1800" b="1" dirty="0" err="1"/>
                         <a:t>overtone</a:t>
                       </a:r>
-                      <a:endParaRPr lang="de-DE" sz="2000" dirty="0"/>
+                      <a:r>
+                        <a:rPr lang="de-DE" sz="1800" b="1" dirty="0"/>
+                        <a:t> (cm</a:t>
+                      </a:r>
+                      <a:r>
+                        <a:rPr lang="de-DE" sz="1800" b="1" baseline="30000" dirty="0"/>
+                        <a:t>-1</a:t>
+                      </a:r>
+                      <a:r>
+                        <a:rPr lang="de-DE" sz="1800" b="1" baseline="0" dirty="0"/>
+                        <a:t>)</a:t>
+                      </a:r>
+                      <a:endParaRPr lang="de-DE" sz="1800" b="1" dirty="0"/>
                     </a:p>
                   </a:txBody>
-                  <a:tcPr/>
+                  <a:tcPr>
+                    <a:lnT w="12700" cap="flat" cmpd="sng" algn="ctr">
+                      <a:solidFill>
+                        <a:schemeClr val="tx1"/>
+                      </a:solidFill>
+                      <a:prstDash val="solid"/>
+                      <a:round/>
+                      <a:headEnd type="none" w="med" len="med"/>
+                      <a:tailEnd type="none" w="med" len="med"/>
+                    </a:lnT>
+                    <a:lnB w="12700" cap="flat" cmpd="sng" algn="ctr">
+                      <a:solidFill>
+                        <a:schemeClr val="tx1"/>
+                      </a:solidFill>
+                      <a:prstDash val="solid"/>
+                      <a:round/>
+                      <a:headEnd type="none" w="med" len="med"/>
+                      <a:tailEnd type="none" w="med" len="med"/>
+                    </a:lnB>
+                  </a:tcPr>
                 </a:tc>
                 <a:tc>
                   <a:txBody>
@@ -9606,17 +9680,48 @@
                     <a:lstStyle/>
                     <a:p>
                       <a:r>
-                        <a:rPr lang="de-DE" sz="2000" dirty="0"/>
+                        <a:rPr lang="de-DE" sz="1800" b="1" dirty="0"/>
                         <a:t>2nd </a:t>
                       </a:r>
                       <a:r>
-                        <a:rPr lang="de-DE" sz="2000" dirty="0" err="1"/>
+                        <a:rPr lang="de-DE" sz="1800" b="1" dirty="0" err="1"/>
                         <a:t>overtone</a:t>
                       </a:r>
-                      <a:endParaRPr lang="de-DE" sz="2000" dirty="0"/>
+                      <a:r>
+                        <a:rPr lang="de-DE" sz="1800" b="1" dirty="0"/>
+                        <a:t> (cm</a:t>
+                      </a:r>
+                      <a:r>
+                        <a:rPr lang="de-DE" sz="1800" b="1" baseline="30000" dirty="0"/>
+                        <a:t>-1</a:t>
+                      </a:r>
+                      <a:r>
+                        <a:rPr lang="de-DE" sz="1800" b="1" baseline="0" dirty="0"/>
+                        <a:t>)</a:t>
+                      </a:r>
+                      <a:endParaRPr lang="de-DE" sz="1800" b="1" dirty="0"/>
                     </a:p>
                   </a:txBody>
-                  <a:tcPr/>
+                  <a:tcPr>
+                    <a:lnT w="12700" cap="flat" cmpd="sng" algn="ctr">
+                      <a:solidFill>
+                        <a:schemeClr val="tx1"/>
+                      </a:solidFill>
+                      <a:prstDash val="solid"/>
+                      <a:round/>
+                      <a:headEnd type="none" w="med" len="med"/>
+                      <a:tailEnd type="none" w="med" len="med"/>
+                    </a:lnT>
+                    <a:lnB w="12700" cap="flat" cmpd="sng" algn="ctr">
+                      <a:solidFill>
+                        <a:schemeClr val="tx1"/>
+                      </a:solidFill>
+                      <a:prstDash val="solid"/>
+                      <a:round/>
+                      <a:headEnd type="none" w="med" len="med"/>
+                      <a:tailEnd type="none" w="med" len="med"/>
+                    </a:lnB>
+                  </a:tcPr>
                 </a:tc>
                 <a:tc>
                   <a:txBody>
@@ -9624,17 +9729,48 @@
                     <a:lstStyle/>
                     <a:p>
                       <a:r>
-                        <a:rPr lang="de-DE" sz="2000" dirty="0"/>
+                        <a:rPr lang="de-DE" sz="1800" b="1" dirty="0"/>
                         <a:t>3rd </a:t>
                       </a:r>
                       <a:r>
-                        <a:rPr lang="de-DE" sz="2000" dirty="0" err="1"/>
+                        <a:rPr lang="de-DE" sz="1800" b="1" dirty="0" err="1"/>
                         <a:t>overtone</a:t>
                       </a:r>
-                      <a:endParaRPr lang="de-DE" sz="2000" dirty="0"/>
+                      <a:r>
+                        <a:rPr lang="de-DE" sz="1800" b="1" dirty="0"/>
+                        <a:t> (cm</a:t>
+                      </a:r>
+                      <a:r>
+                        <a:rPr lang="de-DE" sz="1800" b="1" baseline="30000" dirty="0"/>
+                        <a:t>-1</a:t>
+                      </a:r>
+                      <a:r>
+                        <a:rPr lang="de-DE" sz="1800" b="1" baseline="0" dirty="0"/>
+                        <a:t>)</a:t>
+                      </a:r>
+                      <a:endParaRPr lang="de-DE" sz="1800" b="1" dirty="0"/>
                     </a:p>
                   </a:txBody>
-                  <a:tcPr/>
+                  <a:tcPr>
+                    <a:lnT w="12700" cap="flat" cmpd="sng" algn="ctr">
+                      <a:solidFill>
+                        <a:schemeClr val="tx1"/>
+                      </a:solidFill>
+                      <a:prstDash val="solid"/>
+                      <a:round/>
+                      <a:headEnd type="none" w="med" len="med"/>
+                      <a:tailEnd type="none" w="med" len="med"/>
+                    </a:lnT>
+                    <a:lnB w="12700" cap="flat" cmpd="sng" algn="ctr">
+                      <a:solidFill>
+                        <a:schemeClr val="tx1"/>
+                      </a:solidFill>
+                      <a:prstDash val="solid"/>
+                      <a:round/>
+                      <a:headEnd type="none" w="med" len="med"/>
+                      <a:tailEnd type="none" w="med" len="med"/>
+                    </a:lnB>
+                  </a:tcPr>
                 </a:tc>
                 <a:extLst>
                   <a:ext uri="{0D108BD9-81ED-4DB2-BD59-A6C34878D82A}">
@@ -9649,13 +9785,23 @@
                     <a:lstStyle/>
                     <a:p>
                       <a:r>
-                        <a:rPr lang="de-DE" sz="2000" dirty="0" err="1"/>
+                        <a:rPr lang="de-DE" sz="1800" dirty="0" err="1"/>
                         <a:t>Gaussian</a:t>
                       </a:r>
-                      <a:endParaRPr lang="de-DE" sz="2000" dirty="0"/>
+                      <a:endParaRPr lang="de-DE" sz="1800" dirty="0"/>
                     </a:p>
                   </a:txBody>
-                  <a:tcPr/>
+                  <a:tcPr>
+                    <a:lnT w="12700" cap="flat" cmpd="sng" algn="ctr">
+                      <a:solidFill>
+                        <a:schemeClr val="tx1"/>
+                      </a:solidFill>
+                      <a:prstDash val="solid"/>
+                      <a:round/>
+                      <a:headEnd type="none" w="med" len="med"/>
+                      <a:tailEnd type="none" w="med" len="med"/>
+                    </a:lnT>
+                  </a:tcPr>
                 </a:tc>
                 <a:tc>
                   <a:txBody>
@@ -9663,12 +9809,22 @@
                     <a:lstStyle/>
                     <a:p>
                       <a:r>
-                        <a:rPr lang="de-DE" sz="2000" dirty="0"/>
+                        <a:rPr lang="de-DE" sz="1800" dirty="0"/>
                         <a:t>1042.04</a:t>
                       </a:r>
                     </a:p>
                   </a:txBody>
-                  <a:tcPr/>
+                  <a:tcPr>
+                    <a:lnT w="12700" cap="flat" cmpd="sng" algn="ctr">
+                      <a:solidFill>
+                        <a:schemeClr val="tx1"/>
+                      </a:solidFill>
+                      <a:prstDash val="solid"/>
+                      <a:round/>
+                      <a:headEnd type="none" w="med" len="med"/>
+                      <a:tailEnd type="none" w="med" len="med"/>
+                    </a:lnT>
+                  </a:tcPr>
                 </a:tc>
                 <a:tc>
                   <a:txBody>
@@ -9676,12 +9832,22 @@
                     <a:lstStyle/>
                     <a:p>
                       <a:r>
-                        <a:rPr lang="de-DE" sz="2000" dirty="0"/>
+                        <a:rPr lang="de-DE" sz="1800" dirty="0"/>
                         <a:t>2084.35</a:t>
                       </a:r>
                     </a:p>
                   </a:txBody>
-                  <a:tcPr/>
+                  <a:tcPr>
+                    <a:lnT w="12700" cap="flat" cmpd="sng" algn="ctr">
+                      <a:solidFill>
+                        <a:schemeClr val="tx1"/>
+                      </a:solidFill>
+                      <a:prstDash val="solid"/>
+                      <a:round/>
+                      <a:headEnd type="none" w="med" len="med"/>
+                      <a:tailEnd type="none" w="med" len="med"/>
+                    </a:lnT>
+                  </a:tcPr>
                 </a:tc>
                 <a:tc>
                   <a:txBody>
@@ -9689,12 +9855,22 @@
                     <a:lstStyle/>
                     <a:p>
                       <a:r>
-                        <a:rPr lang="de-DE" sz="2000" dirty="0"/>
+                        <a:rPr lang="de-DE" sz="1800" dirty="0"/>
                         <a:t>3126.53</a:t>
                       </a:r>
                     </a:p>
                   </a:txBody>
-                  <a:tcPr/>
+                  <a:tcPr>
+                    <a:lnT w="12700" cap="flat" cmpd="sng" algn="ctr">
+                      <a:solidFill>
+                        <a:schemeClr val="tx1"/>
+                      </a:solidFill>
+                      <a:prstDash val="solid"/>
+                      <a:round/>
+                      <a:headEnd type="none" w="med" len="med"/>
+                      <a:tailEnd type="none" w="med" len="med"/>
+                    </a:lnT>
+                  </a:tcPr>
                 </a:tc>
                 <a:tc>
                   <a:txBody>
@@ -9702,12 +9878,22 @@
                     <a:lstStyle/>
                     <a:p>
                       <a:r>
-                        <a:rPr lang="de-DE" sz="2000" dirty="0"/>
+                        <a:rPr lang="de-DE" sz="1800" dirty="0"/>
                         <a:t>4168.71</a:t>
                       </a:r>
                     </a:p>
                   </a:txBody>
-                  <a:tcPr/>
+                  <a:tcPr>
+                    <a:lnT w="12700" cap="flat" cmpd="sng" algn="ctr">
+                      <a:solidFill>
+                        <a:schemeClr val="tx1"/>
+                      </a:solidFill>
+                      <a:prstDash val="solid"/>
+                      <a:round/>
+                      <a:headEnd type="none" w="med" len="med"/>
+                      <a:tailEnd type="none" w="med" len="med"/>
+                    </a:lnT>
+                  </a:tcPr>
                 </a:tc>
                 <a:extLst>
                   <a:ext uri="{0D108BD9-81ED-4DB2-BD59-A6C34878D82A}">
@@ -9722,7 +9908,7 @@
                     <a:lstStyle/>
                     <a:p>
                       <a:r>
-                        <a:rPr lang="de-DE" sz="2000" dirty="0"/>
+                        <a:rPr lang="de-DE" sz="1800" dirty="0"/>
                         <a:t>Harmonic</a:t>
                       </a:r>
                     </a:p>
@@ -9735,18 +9921,15 @@
                     <a:lstStyle/>
                     <a:p>
                       <a:r>
-                        <a:rPr lang="de-AT" sz="2000" b="0" i="0" kern="1200" dirty="0">
+                        <a:rPr lang="de-AT" sz="1800" b="0" kern="1200" dirty="0">
                           <a:solidFill>
                             <a:schemeClr val="tx1"/>
                           </a:solidFill>
                           <a:effectLst/>
-                          <a:latin typeface="+mn-lt"/>
-                          <a:ea typeface="+mn-ea"/>
-                          <a:cs typeface="+mn-cs"/>
                         </a:rPr>
                         <a:t>1042.18</a:t>
                       </a:r>
-                      <a:endParaRPr lang="de-DE" sz="2000" dirty="0"/>
+                      <a:endParaRPr lang="de-DE" sz="1800" dirty="0"/>
                     </a:p>
                   </a:txBody>
                   <a:tcPr/>
@@ -9757,7 +9940,7 @@
                     <a:lstStyle/>
                     <a:p>
                       <a:r>
-                        <a:rPr lang="de-DE" sz="2000" dirty="0"/>
+                        <a:rPr lang="de-DE" sz="1800" dirty="0"/>
                         <a:t>2084.35</a:t>
                       </a:r>
                     </a:p>
@@ -9770,7 +9953,7 @@
                     <a:lstStyle/>
                     <a:p>
                       <a:r>
-                        <a:rPr lang="de-DE" sz="2000" dirty="0"/>
+                        <a:rPr lang="de-DE" sz="1800" dirty="0"/>
                         <a:t>3126.53</a:t>
                       </a:r>
                     </a:p>
@@ -9783,7 +9966,7 @@
                     <a:lstStyle/>
                     <a:p>
                       <a:r>
-                        <a:rPr lang="de-DE" sz="2000" dirty="0"/>
+                        <a:rPr lang="de-DE" sz="1800" dirty="0"/>
                         <a:t>4168.71</a:t>
                       </a:r>
                     </a:p>
@@ -9803,10 +9986,10 @@
                     <a:lstStyle/>
                     <a:p>
                       <a:r>
-                        <a:rPr lang="de-DE" sz="2000" dirty="0" err="1"/>
+                        <a:rPr lang="de-DE" sz="1800" dirty="0" err="1"/>
                         <a:t>Numerov</a:t>
                       </a:r>
-                      <a:endParaRPr lang="de-DE" sz="2000" dirty="0"/>
+                      <a:endParaRPr lang="de-DE" sz="1800" dirty="0"/>
                     </a:p>
                   </a:txBody>
                   <a:tcPr/>
@@ -9817,7 +10000,7 @@
                     <a:lstStyle/>
                     <a:p>
                       <a:r>
-                        <a:rPr lang="de-DE" sz="2000" dirty="0"/>
+                        <a:rPr lang="de-DE" sz="1800" dirty="0"/>
                         <a:t>1027.70</a:t>
                       </a:r>
                     </a:p>
@@ -9830,7 +10013,7 @@
                     <a:lstStyle/>
                     <a:p>
                       <a:r>
-                        <a:rPr lang="de-DE" sz="2000" dirty="0"/>
+                        <a:rPr lang="de-DE" sz="1800" dirty="0"/>
                         <a:t>2041.15</a:t>
                       </a:r>
                     </a:p>
@@ -9843,7 +10026,7 @@
                     <a:lstStyle/>
                     <a:p>
                       <a:r>
-                        <a:rPr lang="de-DE" sz="2000" dirty="0"/>
+                        <a:rPr lang="de-DE" sz="1800" dirty="0"/>
                         <a:t>3040.47</a:t>
                       </a:r>
                     </a:p>
@@ -9856,7 +10039,7 @@
                     <a:lstStyle/>
                     <a:p>
                       <a:r>
-                        <a:rPr lang="de-DE" sz="2000" dirty="0"/>
+                        <a:rPr lang="de-DE" sz="1800" dirty="0"/>
                         <a:t>4025.77</a:t>
                       </a:r>
                     </a:p>
@@ -9869,23 +10052,33 @@
                   </a:ext>
                 </a:extLst>
               </a:tr>
-              <a:tr h="584998">
+              <a:tr h="411385">
                 <a:tc>
                   <a:txBody>
                     <a:bodyPr/>
                     <a:lstStyle/>
                     <a:p>
                       <a:r>
-                        <a:rPr lang="de-DE" sz="2000" dirty="0" err="1"/>
+                        <a:rPr lang="de-DE" sz="1800" dirty="0" err="1"/>
                         <a:t>Literature</a:t>
                       </a:r>
                       <a:r>
-                        <a:rPr lang="de-DE" sz="2000" dirty="0"/>
+                        <a:rPr lang="de-DE" sz="1800" dirty="0"/>
                         <a:t> [1]</a:t>
                       </a:r>
                     </a:p>
                   </a:txBody>
-                  <a:tcPr/>
+                  <a:tcPr>
+                    <a:lnB w="12700" cap="flat" cmpd="sng" algn="ctr">
+                      <a:solidFill>
+                        <a:schemeClr val="tx1"/>
+                      </a:solidFill>
+                      <a:prstDash val="solid"/>
+                      <a:round/>
+                      <a:headEnd type="none" w="med" len="med"/>
+                      <a:tailEnd type="none" w="med" len="med"/>
+                    </a:lnB>
+                  </a:tcPr>
                 </a:tc>
                 <a:tc>
                   <a:txBody>
@@ -9893,12 +10086,22 @@
                     <a:lstStyle/>
                     <a:p>
                       <a:r>
-                        <a:rPr lang="de-DE" sz="2000" dirty="0"/>
-                        <a:t>916.929</a:t>
+                        <a:rPr lang="de-DE" sz="1800" dirty="0"/>
+                        <a:t>1012.5</a:t>
                       </a:r>
                     </a:p>
                   </a:txBody>
-                  <a:tcPr/>
+                  <a:tcPr>
+                    <a:lnB w="12700" cap="flat" cmpd="sng" algn="ctr">
+                      <a:solidFill>
+                        <a:schemeClr val="tx1"/>
+                      </a:solidFill>
+                      <a:prstDash val="solid"/>
+                      <a:round/>
+                      <a:headEnd type="none" w="med" len="med"/>
+                      <a:tailEnd type="none" w="med" len="med"/>
+                    </a:lnB>
+                  </a:tcPr>
                 </a:tc>
                 <a:tc>
                   <a:txBody>
@@ -9906,12 +10109,22 @@
                     <a:lstStyle/>
                     <a:p>
                       <a:r>
-                        <a:rPr lang="de-DE" sz="2000" dirty="0"/>
+                        <a:rPr lang="de-DE" sz="1800" dirty="0"/>
                         <a:t>--</a:t>
                       </a:r>
                     </a:p>
                   </a:txBody>
-                  <a:tcPr/>
+                  <a:tcPr>
+                    <a:lnB w="12700" cap="flat" cmpd="sng" algn="ctr">
+                      <a:solidFill>
+                        <a:schemeClr val="tx1"/>
+                      </a:solidFill>
+                      <a:prstDash val="solid"/>
+                      <a:round/>
+                      <a:headEnd type="none" w="med" len="med"/>
+                      <a:tailEnd type="none" w="med" len="med"/>
+                    </a:lnB>
+                  </a:tcPr>
                 </a:tc>
                 <a:tc>
                   <a:txBody>
@@ -9919,12 +10132,22 @@
                     <a:lstStyle/>
                     <a:p>
                       <a:r>
-                        <a:rPr lang="de-DE" sz="2000" dirty="0"/>
+                        <a:rPr lang="de-DE" sz="1800" dirty="0"/>
                         <a:t>--</a:t>
                       </a:r>
                     </a:p>
                   </a:txBody>
-                  <a:tcPr/>
+                  <a:tcPr>
+                    <a:lnB w="12700" cap="flat" cmpd="sng" algn="ctr">
+                      <a:solidFill>
+                        <a:schemeClr val="tx1"/>
+                      </a:solidFill>
+                      <a:prstDash val="solid"/>
+                      <a:round/>
+                      <a:headEnd type="none" w="med" len="med"/>
+                      <a:tailEnd type="none" w="med" len="med"/>
+                    </a:lnB>
+                  </a:tcPr>
                 </a:tc>
                 <a:tc>
                   <a:txBody>
@@ -9932,12 +10155,22 @@
                     <a:lstStyle/>
                     <a:p>
                       <a:r>
-                        <a:rPr lang="de-DE" sz="2000" dirty="0"/>
+                        <a:rPr lang="de-DE" sz="1800" dirty="0"/>
                         <a:t>--</a:t>
                       </a:r>
                     </a:p>
                   </a:txBody>
-                  <a:tcPr/>
+                  <a:tcPr>
+                    <a:lnB w="12700" cap="flat" cmpd="sng" algn="ctr">
+                      <a:solidFill>
+                        <a:schemeClr val="tx1"/>
+                      </a:solidFill>
+                      <a:prstDash val="solid"/>
+                      <a:round/>
+                      <a:headEnd type="none" w="med" len="med"/>
+                      <a:tailEnd type="none" w="med" len="med"/>
+                    </a:lnB>
+                  </a:tcPr>
                 </a:tc>
                 <a:extLst>
                   <a:ext uri="{0D108BD9-81ED-4DB2-BD59-A6C34878D82A}">
@@ -9985,19 +10218,11 @@
           <a:p>
             <a:r>
               <a:rPr lang="de-AT" sz="2400" dirty="0"/>
-              <a:t>[1] Experimental </a:t>
+              <a:t>[1] </a:t>
             </a:r>
             <a:r>
               <a:rPr lang="de-AT" sz="2400" dirty="0" err="1"/>
-              <a:t>Vibrational</a:t>
-            </a:r>
-            <a:r>
-              <a:rPr lang="de-AT" sz="2400" dirty="0"/>
-              <a:t> Zero-Point Energies: </a:t>
-            </a:r>
-            <a:r>
-              <a:rPr lang="de-AT" sz="2400" dirty="0" err="1"/>
-              <a:t>Diatomic</a:t>
+              <a:t>Accuracy</a:t>
             </a:r>
             <a:r>
               <a:rPr lang="de-AT" sz="2400" dirty="0"/>
@@ -10005,25 +10230,81 @@
             </a:r>
             <a:r>
               <a:rPr lang="de-AT" sz="2400" dirty="0" err="1"/>
-              <a:t>Molecules</a:t>
+              <a:t>of</a:t>
             </a:r>
             <a:r>
               <a:rPr lang="de-AT" sz="2400" dirty="0"/>
-              <a:t> (2007), Karl K. </a:t>
+              <a:t> </a:t>
             </a:r>
             <a:r>
               <a:rPr lang="de-AT" sz="2400" dirty="0" err="1"/>
-              <a:t>Irikura</a:t>
+              <a:t>spectroscopic</a:t>
             </a:r>
             <a:r>
               <a:rPr lang="de-AT" sz="2400" dirty="0"/>
-              <a:t>; DOI: </a:t>
+              <a:t> </a:t>
+            </a:r>
+            <a:r>
+              <a:rPr lang="de-AT" sz="2400" dirty="0" err="1"/>
+              <a:t>constants</a:t>
+            </a:r>
+            <a:r>
+              <a:rPr lang="de-AT" sz="2400" dirty="0"/>
+              <a:t> </a:t>
+            </a:r>
+            <a:r>
+              <a:rPr lang="de-AT" sz="2400" dirty="0" err="1"/>
+              <a:t>of</a:t>
+            </a:r>
+            <a:r>
+              <a:rPr lang="de-AT" sz="2400" dirty="0"/>
+              <a:t> </a:t>
+            </a:r>
+            <a:r>
+              <a:rPr lang="de-AT" sz="2400" dirty="0" err="1"/>
+              <a:t>diatomic</a:t>
+            </a:r>
+            <a:r>
+              <a:rPr lang="de-AT" sz="2400" dirty="0"/>
+              <a:t> </a:t>
+            </a:r>
+            <a:r>
+              <a:rPr lang="de-AT" sz="2400" dirty="0" err="1"/>
+              <a:t>molecules</a:t>
+            </a:r>
+            <a:r>
+              <a:rPr lang="de-AT" sz="2400" dirty="0"/>
+              <a:t> </a:t>
+            </a:r>
+            <a:r>
+              <a:rPr lang="de-AT" sz="2400" dirty="0" err="1"/>
+              <a:t>from</a:t>
+            </a:r>
+            <a:r>
+              <a:rPr lang="de-AT" sz="2400" dirty="0"/>
+              <a:t> ab initio </a:t>
+            </a:r>
+            <a:r>
+              <a:rPr lang="de-AT" sz="2400" dirty="0" err="1"/>
+              <a:t>calculations</a:t>
+            </a:r>
+            <a:r>
+              <a:rPr lang="de-AT" sz="2400" dirty="0"/>
+              <a:t> (2003); </a:t>
+            </a:r>
+            <a:r>
+              <a:rPr lang="de-AT" sz="2400" dirty="0" err="1"/>
+              <a:t>Pawloski</a:t>
+            </a:r>
+            <a:r>
+              <a:rPr lang="de-AT" sz="2400" dirty="0"/>
+              <a:t> et al. </a:t>
             </a:r>
             <a:r>
               <a:rPr lang="de-AT" sz="2400" dirty="0">
-                <a:hlinkClick r:id="rId16"/>
+                <a:hlinkClick r:id="rId15"/>
               </a:rPr>
-              <a:t>https://doi.org/10.1063/1.2436891</a:t>
+              <a:t>https://doi.org/10.1063/1.1533032</a:t>
             </a:r>
             <a:endParaRPr lang="de-AT" sz="2400" dirty="0"/>
           </a:p>
@@ -10155,7 +10436,7 @@
               <a:rPr lang="de-AT" sz="2400" b="0" i="0" u="sng" dirty="0">
                 <a:effectLst/>
                 <a:latin typeface="Roboto" panose="02000000000000000000" pitchFamily="2" charset="0"/>
-                <a:hlinkClick r:id="rId17" tooltip="DOI URL"/>
+                <a:hlinkClick r:id="rId16" tooltip="DOI URL"/>
               </a:rPr>
               <a:t>https://doi.org/10.1021/jp003277u</a:t>
             </a:r>
@@ -10216,7 +10497,7 @@
               <a:rPr lang="de-AT" sz="2400" b="0" i="0" u="none" strike="noStrike" dirty="0">
                 <a:effectLst/>
                 <a:latin typeface="ElsevierSans"/>
-                <a:hlinkClick r:id="rId18"/>
+                <a:hlinkClick r:id="rId17"/>
               </a:rPr>
               <a:t>https://doi.org/10.1016/B978-0-12-091841-6.X5000-2</a:t>
             </a:r>
@@ -10249,15 +10530,15 @@
           <p:nvPr/>
         </p:nvPicPr>
         <p:blipFill>
-          <a:blip r:embed="rId19"/>
+          <a:blip r:embed="rId18"/>
           <a:stretch>
             <a:fillRect/>
           </a:stretch>
         </p:blipFill>
         <p:spPr>
           <a:xfrm>
-            <a:off x="23017395" y="15153694"/>
-            <a:ext cx="8381962" cy="5511874"/>
+            <a:off x="23582611" y="16954395"/>
+            <a:ext cx="8151931" cy="5360608"/>
           </a:xfrm>
           <a:prstGeom prst="rect">
             <a:avLst/>
@@ -10279,51 +10560,51 @@
           <p:nvPr>
             <p:extLst>
               <p:ext uri="{D42A27DB-BD31-4B8C-83A1-F6EECF244321}">
-                <p14:modId xmlns:p14="http://schemas.microsoft.com/office/powerpoint/2010/main" val="2419626832"/>
+                <p14:modId xmlns:p14="http://schemas.microsoft.com/office/powerpoint/2010/main" val="3925103717"/>
               </p:ext>
             </p:extLst>
           </p:nvPr>
         </p:nvGraphicFramePr>
         <p:xfrm>
-          <a:off x="23092793" y="21731532"/>
-          <a:ext cx="8837780" cy="2924990"/>
+          <a:off x="23073984" y="24014915"/>
+          <a:ext cx="9351062" cy="2628550"/>
         </p:xfrm>
         <a:graphic>
           <a:graphicData uri="http://schemas.openxmlformats.org/drawingml/2006/table">
             <a:tbl>
               <a:tblPr firstRow="1" bandRow="1">
-                <a:tableStyleId>{616DA210-FB5B-4158-B5E0-FEB733F419BA}</a:tableStyleId>
+                <a:tableStyleId>{2D5ABB26-0587-4C30-8999-92F81FD0307C}</a:tableStyleId>
               </a:tblPr>
               <a:tblGrid>
-                <a:gridCol w="1767556">
+                <a:gridCol w="1495218">
                   <a:extLst>
                     <a:ext uri="{9D8B030D-6E8A-4147-A177-3AD203B41FA5}">
                       <a16:colId xmlns:a16="http://schemas.microsoft.com/office/drawing/2014/main" val="591601184"/>
                     </a:ext>
                   </a:extLst>
                 </a:gridCol>
-                <a:gridCol w="1767556">
+                <a:gridCol w="1371600">
                   <a:extLst>
                     <a:ext uri="{9D8B030D-6E8A-4147-A177-3AD203B41FA5}">
                       <a16:colId xmlns:a16="http://schemas.microsoft.com/office/drawing/2014/main" val="3679959660"/>
                     </a:ext>
                   </a:extLst>
                 </a:gridCol>
-                <a:gridCol w="1767556">
+                <a:gridCol w="2145324">
                   <a:extLst>
                     <a:ext uri="{9D8B030D-6E8A-4147-A177-3AD203B41FA5}">
                       <a16:colId xmlns:a16="http://schemas.microsoft.com/office/drawing/2014/main" val="2414671271"/>
                     </a:ext>
                   </a:extLst>
                 </a:gridCol>
-                <a:gridCol w="1767556">
+                <a:gridCol w="2198076">
                   <a:extLst>
                     <a:ext uri="{9D8B030D-6E8A-4147-A177-3AD203B41FA5}">
                       <a16:colId xmlns:a16="http://schemas.microsoft.com/office/drawing/2014/main" val="722653628"/>
                     </a:ext>
                   </a:extLst>
                 </a:gridCol>
-                <a:gridCol w="1767556">
+                <a:gridCol w="2140844">
                   <a:extLst>
                     <a:ext uri="{9D8B030D-6E8A-4147-A177-3AD203B41FA5}">
                       <a16:colId xmlns:a16="http://schemas.microsoft.com/office/drawing/2014/main" val="2008064467"/>
@@ -10331,13 +10612,560 @@
                   </a:extLst>
                 </a:gridCol>
               </a:tblGrid>
-              <a:tr h="584998">
+              <a:tr h="529106">
                 <a:tc>
                   <a:txBody>
                     <a:bodyPr/>
                     <a:lstStyle/>
                     <a:p>
-                      <a:endParaRPr lang="de-DE" sz="2000" dirty="0"/>
+                      <a:pPr marL="0" algn="l" defTabSz="4036710" rtl="0" eaLnBrk="1" latinLnBrk="0" hangingPunct="1"/>
+                      <a:endParaRPr lang="de-DE" sz="1800" kern="1200" dirty="0">
+                        <a:solidFill>
+                          <a:schemeClr val="tx1"/>
+                        </a:solidFill>
+                        <a:latin typeface="+mn-lt"/>
+                        <a:ea typeface="+mn-ea"/>
+                        <a:cs typeface="+mn-cs"/>
+                      </a:endParaRPr>
+                    </a:p>
+                  </a:txBody>
+                  <a:tcPr>
+                    <a:lnT w="12700" cap="flat" cmpd="sng" algn="ctr">
+                      <a:solidFill>
+                        <a:schemeClr val="tx1"/>
+                      </a:solidFill>
+                      <a:prstDash val="solid"/>
+                      <a:round/>
+                      <a:headEnd type="none" w="med" len="med"/>
+                      <a:tailEnd type="none" w="med" len="med"/>
+                    </a:lnT>
+                    <a:lnB w="12700" cap="flat" cmpd="sng" algn="ctr">
+                      <a:solidFill>
+                        <a:schemeClr val="tx1"/>
+                      </a:solidFill>
+                      <a:prstDash val="solid"/>
+                      <a:round/>
+                      <a:headEnd type="none" w="med" len="med"/>
+                      <a:tailEnd type="none" w="med" len="med"/>
+                    </a:lnB>
+                  </a:tcPr>
+                </a:tc>
+                <a:tc>
+                  <a:txBody>
+                    <a:bodyPr/>
+                    <a:lstStyle/>
+                    <a:p>
+                      <a:pPr marL="0" algn="l" defTabSz="4036710" rtl="0" eaLnBrk="1" latinLnBrk="0" hangingPunct="1"/>
+                      <a:r>
+                        <a:rPr lang="de-DE" sz="1800" b="1" kern="1200" dirty="0" err="1">
+                          <a:solidFill>
+                            <a:schemeClr val="tx1"/>
+                          </a:solidFill>
+                        </a:rPr>
+                        <a:t>base</a:t>
+                      </a:r>
+                      <a:r>
+                        <a:rPr lang="de-DE" sz="1800" b="1" kern="1200" dirty="0">
+                          <a:solidFill>
+                            <a:schemeClr val="tx1"/>
+                          </a:solidFill>
+                        </a:rPr>
+                        <a:t> (cm</a:t>
+                      </a:r>
+                      <a:r>
+                        <a:rPr lang="de-DE" sz="1800" b="1" kern="1200" baseline="30000" dirty="0">
+                          <a:solidFill>
+                            <a:schemeClr val="tx1"/>
+                          </a:solidFill>
+                        </a:rPr>
+                        <a:t>-1</a:t>
+                      </a:r>
+                      <a:r>
+                        <a:rPr lang="de-DE" sz="1800" b="1" kern="1200" baseline="0" dirty="0">
+                          <a:solidFill>
+                            <a:schemeClr val="tx1"/>
+                          </a:solidFill>
+                        </a:rPr>
+                        <a:t>)</a:t>
+                      </a:r>
+                      <a:endParaRPr lang="de-DE" sz="1800" b="1" kern="1200" dirty="0">
+                        <a:solidFill>
+                          <a:schemeClr val="tx1"/>
+                        </a:solidFill>
+                        <a:latin typeface="+mn-lt"/>
+                        <a:ea typeface="+mn-ea"/>
+                        <a:cs typeface="+mn-cs"/>
+                      </a:endParaRPr>
+                    </a:p>
+                  </a:txBody>
+                  <a:tcPr>
+                    <a:lnT w="12700" cap="flat" cmpd="sng" algn="ctr">
+                      <a:solidFill>
+                        <a:schemeClr val="tx1"/>
+                      </a:solidFill>
+                      <a:prstDash val="solid"/>
+                      <a:round/>
+                      <a:headEnd type="none" w="med" len="med"/>
+                      <a:tailEnd type="none" w="med" len="med"/>
+                    </a:lnT>
+                    <a:lnB w="12700" cap="flat" cmpd="sng" algn="ctr">
+                      <a:solidFill>
+                        <a:schemeClr val="tx1"/>
+                      </a:solidFill>
+                      <a:prstDash val="solid"/>
+                      <a:round/>
+                      <a:headEnd type="none" w="med" len="med"/>
+                      <a:tailEnd type="none" w="med" len="med"/>
+                    </a:lnB>
+                  </a:tcPr>
+                </a:tc>
+                <a:tc>
+                  <a:txBody>
+                    <a:bodyPr/>
+                    <a:lstStyle/>
+                    <a:p>
+                      <a:pPr marL="0" algn="l" defTabSz="4036710" rtl="0" eaLnBrk="1" latinLnBrk="0" hangingPunct="1"/>
+                      <a:r>
+                        <a:rPr lang="de-DE" sz="1800" b="1" kern="1200" dirty="0">
+                          <a:solidFill>
+                            <a:schemeClr val="tx1"/>
+                          </a:solidFill>
+                        </a:rPr>
+                        <a:t>1st </a:t>
+                      </a:r>
+                      <a:r>
+                        <a:rPr lang="de-DE" sz="1800" b="1" kern="1200" dirty="0" err="1">
+                          <a:solidFill>
+                            <a:schemeClr val="tx1"/>
+                          </a:solidFill>
+                        </a:rPr>
+                        <a:t>overtone</a:t>
+                      </a:r>
+                      <a:r>
+                        <a:rPr lang="de-DE" sz="1800" b="1" kern="1200" dirty="0">
+                          <a:solidFill>
+                            <a:schemeClr val="tx1"/>
+                          </a:solidFill>
+                        </a:rPr>
+                        <a:t> (cm</a:t>
+                      </a:r>
+                      <a:r>
+                        <a:rPr lang="de-DE" sz="1800" b="1" kern="1200" baseline="30000" dirty="0">
+                          <a:solidFill>
+                            <a:schemeClr val="tx1"/>
+                          </a:solidFill>
+                        </a:rPr>
+                        <a:t>-1</a:t>
+                      </a:r>
+                      <a:r>
+                        <a:rPr lang="de-DE" sz="1800" b="1" kern="1200" baseline="0" dirty="0">
+                          <a:solidFill>
+                            <a:schemeClr val="tx1"/>
+                          </a:solidFill>
+                        </a:rPr>
+                        <a:t>)</a:t>
+                      </a:r>
+                      <a:endParaRPr lang="de-DE" sz="1800" b="1" kern="1200" dirty="0">
+                        <a:solidFill>
+                          <a:schemeClr val="tx1"/>
+                        </a:solidFill>
+                        <a:latin typeface="+mn-lt"/>
+                        <a:ea typeface="+mn-ea"/>
+                        <a:cs typeface="+mn-cs"/>
+                      </a:endParaRPr>
+                    </a:p>
+                  </a:txBody>
+                  <a:tcPr>
+                    <a:lnT w="12700" cap="flat" cmpd="sng" algn="ctr">
+                      <a:solidFill>
+                        <a:schemeClr val="tx1"/>
+                      </a:solidFill>
+                      <a:prstDash val="solid"/>
+                      <a:round/>
+                      <a:headEnd type="none" w="med" len="med"/>
+                      <a:tailEnd type="none" w="med" len="med"/>
+                    </a:lnT>
+                    <a:lnB w="12700" cap="flat" cmpd="sng" algn="ctr">
+                      <a:solidFill>
+                        <a:schemeClr val="tx1"/>
+                      </a:solidFill>
+                      <a:prstDash val="solid"/>
+                      <a:round/>
+                      <a:headEnd type="none" w="med" len="med"/>
+                      <a:tailEnd type="none" w="med" len="med"/>
+                    </a:lnB>
+                  </a:tcPr>
+                </a:tc>
+                <a:tc>
+                  <a:txBody>
+                    <a:bodyPr/>
+                    <a:lstStyle/>
+                    <a:p>
+                      <a:pPr marL="0" algn="l" defTabSz="4036710" rtl="0" eaLnBrk="1" latinLnBrk="0" hangingPunct="1"/>
+                      <a:r>
+                        <a:rPr lang="de-DE" sz="1800" b="1" kern="1200" dirty="0">
+                          <a:solidFill>
+                            <a:schemeClr val="tx1"/>
+                          </a:solidFill>
+                        </a:rPr>
+                        <a:t>2nd </a:t>
+                      </a:r>
+                      <a:r>
+                        <a:rPr lang="de-DE" sz="1800" b="1" kern="1200" dirty="0" err="1">
+                          <a:solidFill>
+                            <a:schemeClr val="tx1"/>
+                          </a:solidFill>
+                        </a:rPr>
+                        <a:t>overtone</a:t>
+                      </a:r>
+                      <a:r>
+                        <a:rPr lang="de-DE" sz="1800" b="1" kern="1200" dirty="0">
+                          <a:solidFill>
+                            <a:schemeClr val="tx1"/>
+                          </a:solidFill>
+                        </a:rPr>
+                        <a:t> (cm</a:t>
+                      </a:r>
+                      <a:r>
+                        <a:rPr lang="de-DE" sz="1800" b="1" kern="1200" baseline="30000" dirty="0">
+                          <a:solidFill>
+                            <a:schemeClr val="tx1"/>
+                          </a:solidFill>
+                        </a:rPr>
+                        <a:t>-1</a:t>
+                      </a:r>
+                      <a:r>
+                        <a:rPr lang="de-DE" sz="1800" b="1" kern="1200" baseline="0" dirty="0">
+                          <a:solidFill>
+                            <a:schemeClr val="tx1"/>
+                          </a:solidFill>
+                        </a:rPr>
+                        <a:t>)</a:t>
+                      </a:r>
+                      <a:endParaRPr lang="de-DE" sz="1800" b="1" kern="1200" dirty="0">
+                        <a:solidFill>
+                          <a:schemeClr val="tx1"/>
+                        </a:solidFill>
+                        <a:latin typeface="+mn-lt"/>
+                        <a:ea typeface="+mn-ea"/>
+                        <a:cs typeface="+mn-cs"/>
+                      </a:endParaRPr>
+                    </a:p>
+                  </a:txBody>
+                  <a:tcPr>
+                    <a:lnT w="12700" cap="flat" cmpd="sng" algn="ctr">
+                      <a:solidFill>
+                        <a:schemeClr val="tx1"/>
+                      </a:solidFill>
+                      <a:prstDash val="solid"/>
+                      <a:round/>
+                      <a:headEnd type="none" w="med" len="med"/>
+                      <a:tailEnd type="none" w="med" len="med"/>
+                    </a:lnT>
+                    <a:lnB w="12700" cap="flat" cmpd="sng" algn="ctr">
+                      <a:solidFill>
+                        <a:schemeClr val="tx1"/>
+                      </a:solidFill>
+                      <a:prstDash val="solid"/>
+                      <a:round/>
+                      <a:headEnd type="none" w="med" len="med"/>
+                      <a:tailEnd type="none" w="med" len="med"/>
+                    </a:lnB>
+                  </a:tcPr>
+                </a:tc>
+                <a:tc>
+                  <a:txBody>
+                    <a:bodyPr/>
+                    <a:lstStyle/>
+                    <a:p>
+                      <a:pPr marL="0" algn="l" defTabSz="4036710" rtl="0" eaLnBrk="1" latinLnBrk="0" hangingPunct="1"/>
+                      <a:r>
+                        <a:rPr lang="de-DE" sz="1800" b="1" kern="1200" dirty="0">
+                          <a:solidFill>
+                            <a:schemeClr val="tx1"/>
+                          </a:solidFill>
+                        </a:rPr>
+                        <a:t>3rd </a:t>
+                      </a:r>
+                      <a:r>
+                        <a:rPr lang="de-DE" sz="1800" b="1" kern="1200" dirty="0" err="1">
+                          <a:solidFill>
+                            <a:schemeClr val="tx1"/>
+                          </a:solidFill>
+                        </a:rPr>
+                        <a:t>overtone</a:t>
+                      </a:r>
+                      <a:r>
+                        <a:rPr lang="de-DE" sz="1800" b="1" kern="1200" dirty="0">
+                          <a:solidFill>
+                            <a:schemeClr val="tx1"/>
+                          </a:solidFill>
+                        </a:rPr>
+                        <a:t> (cm</a:t>
+                      </a:r>
+                      <a:r>
+                        <a:rPr lang="de-DE" sz="1800" b="1" kern="1200" baseline="30000" dirty="0">
+                          <a:solidFill>
+                            <a:schemeClr val="tx1"/>
+                          </a:solidFill>
+                        </a:rPr>
+                        <a:t>-1</a:t>
+                      </a:r>
+                      <a:r>
+                        <a:rPr lang="de-DE" sz="1800" b="1" kern="1200" baseline="0" dirty="0">
+                          <a:solidFill>
+                            <a:schemeClr val="tx1"/>
+                          </a:solidFill>
+                        </a:rPr>
+                        <a:t>)</a:t>
+                      </a:r>
+                      <a:endParaRPr lang="de-DE" sz="1800" b="1" kern="1200" dirty="0">
+                        <a:solidFill>
+                          <a:schemeClr val="tx1"/>
+                        </a:solidFill>
+                        <a:latin typeface="+mn-lt"/>
+                        <a:ea typeface="+mn-ea"/>
+                        <a:cs typeface="+mn-cs"/>
+                      </a:endParaRPr>
+                    </a:p>
+                  </a:txBody>
+                  <a:tcPr>
+                    <a:lnT w="12700" cap="flat" cmpd="sng" algn="ctr">
+                      <a:solidFill>
+                        <a:schemeClr val="tx1"/>
+                      </a:solidFill>
+                      <a:prstDash val="solid"/>
+                      <a:round/>
+                      <a:headEnd type="none" w="med" len="med"/>
+                      <a:tailEnd type="none" w="med" len="med"/>
+                    </a:lnT>
+                    <a:lnB w="12700" cap="flat" cmpd="sng" algn="ctr">
+                      <a:solidFill>
+                        <a:schemeClr val="tx1"/>
+                      </a:solidFill>
+                      <a:prstDash val="solid"/>
+                      <a:round/>
+                      <a:headEnd type="none" w="med" len="med"/>
+                      <a:tailEnd type="none" w="med" len="med"/>
+                    </a:lnB>
+                  </a:tcPr>
+                </a:tc>
+                <a:extLst>
+                  <a:ext uri="{0D108BD9-81ED-4DB2-BD59-A6C34878D82A}">
+                    <a16:rowId xmlns:a16="http://schemas.microsoft.com/office/drawing/2014/main" val="3134343070"/>
+                  </a:ext>
+                </a:extLst>
+              </a:tr>
+              <a:tr h="524861">
+                <a:tc>
+                  <a:txBody>
+                    <a:bodyPr/>
+                    <a:lstStyle/>
+                    <a:p>
+                      <a:pPr marL="0" algn="l" defTabSz="4036710" rtl="0" eaLnBrk="1" latinLnBrk="0" hangingPunct="1"/>
+                      <a:r>
+                        <a:rPr lang="de-DE" sz="1800" kern="1200" dirty="0" err="1">
+                          <a:solidFill>
+                            <a:schemeClr val="tx1"/>
+                          </a:solidFill>
+                        </a:rPr>
+                        <a:t>Gaussian</a:t>
+                      </a:r>
+                      <a:endParaRPr lang="de-DE" sz="1800" kern="1200" dirty="0">
+                        <a:solidFill>
+                          <a:schemeClr val="tx1"/>
+                        </a:solidFill>
+                        <a:latin typeface="+mn-lt"/>
+                        <a:ea typeface="+mn-ea"/>
+                        <a:cs typeface="+mn-cs"/>
+                      </a:endParaRPr>
+                    </a:p>
+                  </a:txBody>
+                  <a:tcPr>
+                    <a:lnT w="12700" cap="flat" cmpd="sng" algn="ctr">
+                      <a:solidFill>
+                        <a:schemeClr val="tx1"/>
+                      </a:solidFill>
+                      <a:prstDash val="solid"/>
+                      <a:round/>
+                      <a:headEnd type="none" w="med" len="med"/>
+                      <a:tailEnd type="none" w="med" len="med"/>
+                    </a:lnT>
+                  </a:tcPr>
+                </a:tc>
+                <a:tc>
+                  <a:txBody>
+                    <a:bodyPr/>
+                    <a:lstStyle/>
+                    <a:p>
+                      <a:pPr marL="0" algn="l" defTabSz="4036710" rtl="0" eaLnBrk="1" latinLnBrk="0" hangingPunct="1"/>
+                      <a:r>
+                        <a:rPr lang="de-DE" sz="1800" kern="1200" dirty="0">
+                          <a:solidFill>
+                            <a:schemeClr val="tx1"/>
+                          </a:solidFill>
+                        </a:rPr>
+                        <a:t>3753.12</a:t>
+                      </a:r>
+                      <a:endParaRPr lang="de-DE" sz="1800" kern="1200" dirty="0">
+                        <a:solidFill>
+                          <a:schemeClr val="tx1"/>
+                        </a:solidFill>
+                        <a:latin typeface="+mn-lt"/>
+                        <a:ea typeface="+mn-ea"/>
+                        <a:cs typeface="+mn-cs"/>
+                      </a:endParaRPr>
+                    </a:p>
+                  </a:txBody>
+                  <a:tcPr>
+                    <a:lnT w="12700" cap="flat" cmpd="sng" algn="ctr">
+                      <a:solidFill>
+                        <a:schemeClr val="tx1"/>
+                      </a:solidFill>
+                      <a:prstDash val="solid"/>
+                      <a:round/>
+                      <a:headEnd type="none" w="med" len="med"/>
+                      <a:tailEnd type="none" w="med" len="med"/>
+                    </a:lnT>
+                  </a:tcPr>
+                </a:tc>
+                <a:tc>
+                  <a:txBody>
+                    <a:bodyPr/>
+                    <a:lstStyle/>
+                    <a:p>
+                      <a:pPr marL="0" algn="l" defTabSz="4036710" rtl="0" eaLnBrk="1" latinLnBrk="0" hangingPunct="1"/>
+                      <a:r>
+                        <a:rPr lang="de-DE" sz="1800" kern="1200" dirty="0">
+                          <a:solidFill>
+                            <a:schemeClr val="tx1"/>
+                          </a:solidFill>
+                        </a:rPr>
+                        <a:t>7506.24</a:t>
+                      </a:r>
+                      <a:endParaRPr lang="de-DE" sz="1800" kern="1200" dirty="0">
+                        <a:solidFill>
+                          <a:schemeClr val="tx1"/>
+                        </a:solidFill>
+                        <a:latin typeface="+mn-lt"/>
+                        <a:ea typeface="+mn-ea"/>
+                        <a:cs typeface="+mn-cs"/>
+                      </a:endParaRPr>
+                    </a:p>
+                  </a:txBody>
+                  <a:tcPr>
+                    <a:lnT w="12700" cap="flat" cmpd="sng" algn="ctr">
+                      <a:solidFill>
+                        <a:schemeClr val="tx1"/>
+                      </a:solidFill>
+                      <a:prstDash val="solid"/>
+                      <a:round/>
+                      <a:headEnd type="none" w="med" len="med"/>
+                      <a:tailEnd type="none" w="med" len="med"/>
+                    </a:lnT>
+                  </a:tcPr>
+                </a:tc>
+                <a:tc>
+                  <a:txBody>
+                    <a:bodyPr/>
+                    <a:lstStyle/>
+                    <a:p>
+                      <a:pPr marL="0" algn="l" defTabSz="4036710" rtl="0" eaLnBrk="1" latinLnBrk="0" hangingPunct="1"/>
+                      <a:r>
+                        <a:rPr lang="de-DE" sz="1800" kern="1200" dirty="0">
+                          <a:solidFill>
+                            <a:schemeClr val="tx1"/>
+                          </a:solidFill>
+                        </a:rPr>
+                        <a:t>11259.36</a:t>
+                      </a:r>
+                      <a:endParaRPr lang="de-DE" sz="1800" kern="1200" dirty="0">
+                        <a:solidFill>
+                          <a:schemeClr val="tx1"/>
+                        </a:solidFill>
+                        <a:latin typeface="+mn-lt"/>
+                        <a:ea typeface="+mn-ea"/>
+                        <a:cs typeface="+mn-cs"/>
+                      </a:endParaRPr>
+                    </a:p>
+                  </a:txBody>
+                  <a:tcPr>
+                    <a:lnT w="12700" cap="flat" cmpd="sng" algn="ctr">
+                      <a:solidFill>
+                        <a:schemeClr val="tx1"/>
+                      </a:solidFill>
+                      <a:prstDash val="solid"/>
+                      <a:round/>
+                      <a:headEnd type="none" w="med" len="med"/>
+                      <a:tailEnd type="none" w="med" len="med"/>
+                    </a:lnT>
+                  </a:tcPr>
+                </a:tc>
+                <a:tc>
+                  <a:txBody>
+                    <a:bodyPr/>
+                    <a:lstStyle/>
+                    <a:p>
+                      <a:pPr marL="0" algn="l" defTabSz="4036710" rtl="0" eaLnBrk="1" latinLnBrk="0" hangingPunct="1"/>
+                      <a:r>
+                        <a:rPr lang="de-DE" sz="1800" kern="1200" dirty="0">
+                          <a:solidFill>
+                            <a:schemeClr val="tx1"/>
+                          </a:solidFill>
+                        </a:rPr>
+                        <a:t>15012.48</a:t>
+                      </a:r>
+                      <a:endParaRPr lang="de-DE" sz="1800" kern="1200" dirty="0">
+                        <a:solidFill>
+                          <a:schemeClr val="tx1"/>
+                        </a:solidFill>
+                        <a:latin typeface="+mn-lt"/>
+                        <a:ea typeface="+mn-ea"/>
+                        <a:cs typeface="+mn-cs"/>
+                      </a:endParaRPr>
+                    </a:p>
+                  </a:txBody>
+                  <a:tcPr>
+                    <a:lnT w="12700" cap="flat" cmpd="sng" algn="ctr">
+                      <a:solidFill>
+                        <a:schemeClr val="tx1"/>
+                      </a:solidFill>
+                      <a:prstDash val="solid"/>
+                      <a:round/>
+                      <a:headEnd type="none" w="med" len="med"/>
+                      <a:tailEnd type="none" w="med" len="med"/>
+                    </a:lnT>
+                  </a:tcPr>
+                </a:tc>
+                <a:extLst>
+                  <a:ext uri="{0D108BD9-81ED-4DB2-BD59-A6C34878D82A}">
+                    <a16:rowId xmlns:a16="http://schemas.microsoft.com/office/drawing/2014/main" val="2897091027"/>
+                  </a:ext>
+                </a:extLst>
+              </a:tr>
+              <a:tr h="524861">
+                <a:tc>
+                  <a:txBody>
+                    <a:bodyPr/>
+                    <a:lstStyle/>
+                    <a:p>
+                      <a:pPr marL="0" algn="l" defTabSz="4036710" rtl="0" eaLnBrk="1" latinLnBrk="0" hangingPunct="1"/>
+                      <a:r>
+                        <a:rPr lang="de-DE" sz="1800" kern="1200" dirty="0">
+                          <a:solidFill>
+                            <a:schemeClr val="tx1"/>
+                          </a:solidFill>
+                        </a:rPr>
+                        <a:t>Harmonic</a:t>
+                      </a:r>
+                      <a:endParaRPr lang="de-DE" sz="1800" kern="1200" dirty="0">
+                        <a:solidFill>
+                          <a:schemeClr val="tx1"/>
+                        </a:solidFill>
+                        <a:latin typeface="+mn-lt"/>
+                        <a:ea typeface="+mn-ea"/>
+                        <a:cs typeface="+mn-cs"/>
+                      </a:endParaRPr>
                     </a:p>
                   </a:txBody>
                   <a:tcPr/>
@@ -10347,11 +11175,23 @@
                     <a:bodyPr/>
                     <a:lstStyle/>
                     <a:p>
+                      <a:pPr marL="0" algn="l" defTabSz="4036710" rtl="0" eaLnBrk="1" latinLnBrk="0" hangingPunct="1"/>
                       <a:r>
-                        <a:rPr lang="de-DE" sz="2000" dirty="0" err="1"/>
-                        <a:t>base</a:t>
+                        <a:rPr lang="de-AT" sz="1800" kern="1200" dirty="0">
+                          <a:solidFill>
+                            <a:schemeClr val="tx1"/>
+                          </a:solidFill>
+                        </a:rPr>
+                        <a:t>3548.54</a:t>
                       </a:r>
-                      <a:endParaRPr lang="de-DE" sz="2000" dirty="0"/>
+                      <a:endParaRPr lang="de-DE" sz="1800" kern="1200" dirty="0">
+                        <a:solidFill>
+                          <a:schemeClr val="tx1"/>
+                        </a:solidFill>
+                        <a:latin typeface="+mn-lt"/>
+                        <a:ea typeface="+mn-ea"/>
+                        <a:cs typeface="+mn-cs"/>
+                      </a:endParaRPr>
                     </a:p>
                   </a:txBody>
                   <a:tcPr/>
@@ -10361,15 +11201,23 @@
                     <a:bodyPr/>
                     <a:lstStyle/>
                     <a:p>
+                      <a:pPr marL="0" algn="l" defTabSz="4036710" rtl="0" eaLnBrk="1" latinLnBrk="0" hangingPunct="1"/>
                       <a:r>
-                        <a:rPr lang="de-DE" sz="2000" dirty="0"/>
-                        <a:t>1st </a:t>
+                        <a:rPr lang="de-DE" sz="1800" kern="1200" dirty="0">
+                          <a:solidFill>
+                            <a:schemeClr val="tx1"/>
+                          </a:solidFill>
+                        </a:rPr>
+                        <a:t>7097.08</a:t>
                       </a:r>
-                      <a:r>
-                        <a:rPr lang="de-DE" sz="2000" dirty="0" err="1"/>
-                        <a:t>overtone</a:t>
-                      </a:r>
-                      <a:endParaRPr lang="de-DE" sz="2000" dirty="0"/>
+                      <a:endParaRPr lang="de-DE" sz="1800" kern="1200" dirty="0">
+                        <a:solidFill>
+                          <a:schemeClr val="tx1"/>
+                        </a:solidFill>
+                        <a:latin typeface="+mn-lt"/>
+                        <a:ea typeface="+mn-ea"/>
+                        <a:cs typeface="+mn-cs"/>
+                      </a:endParaRPr>
                     </a:p>
                   </a:txBody>
                   <a:tcPr/>
@@ -10379,15 +11227,23 @@
                     <a:bodyPr/>
                     <a:lstStyle/>
                     <a:p>
+                      <a:pPr marL="0" algn="l" defTabSz="4036710" rtl="0" eaLnBrk="1" latinLnBrk="0" hangingPunct="1"/>
                       <a:r>
-                        <a:rPr lang="de-DE" sz="2000" dirty="0"/>
-                        <a:t>2nd </a:t>
+                        <a:rPr lang="de-DE" sz="1800" kern="1200" dirty="0">
+                          <a:solidFill>
+                            <a:schemeClr val="tx1"/>
+                          </a:solidFill>
+                        </a:rPr>
+                        <a:t>10645.61</a:t>
                       </a:r>
-                      <a:r>
-                        <a:rPr lang="de-DE" sz="2000" dirty="0" err="1"/>
-                        <a:t>overtone</a:t>
-                      </a:r>
-                      <a:endParaRPr lang="de-DE" sz="2000" dirty="0"/>
+                      <a:endParaRPr lang="de-DE" sz="1800" kern="1200" dirty="0">
+                        <a:solidFill>
+                          <a:schemeClr val="tx1"/>
+                        </a:solidFill>
+                        <a:latin typeface="+mn-lt"/>
+                        <a:ea typeface="+mn-ea"/>
+                        <a:cs typeface="+mn-cs"/>
+                      </a:endParaRPr>
                     </a:p>
                   </a:txBody>
                   <a:tcPr/>
@@ -10397,169 +11253,23 @@
                     <a:bodyPr/>
                     <a:lstStyle/>
                     <a:p>
+                      <a:pPr marL="0" algn="l" defTabSz="4036710" rtl="0" eaLnBrk="1" latinLnBrk="0" hangingPunct="1"/>
                       <a:r>
-                        <a:rPr lang="de-DE" sz="2000" dirty="0"/>
-                        <a:t>3rd </a:t>
-                      </a:r>
-                      <a:r>
-                        <a:rPr lang="de-DE" sz="2000" dirty="0" err="1"/>
-                        <a:t>overtone</a:t>
-                      </a:r>
-                      <a:endParaRPr lang="de-DE" sz="2000" dirty="0"/>
-                    </a:p>
-                  </a:txBody>
-                  <a:tcPr/>
-                </a:tc>
-                <a:extLst>
-                  <a:ext uri="{0D108BD9-81ED-4DB2-BD59-A6C34878D82A}">
-                    <a16:rowId xmlns:a16="http://schemas.microsoft.com/office/drawing/2014/main" val="3134343070"/>
-                  </a:ext>
-                </a:extLst>
-              </a:tr>
-              <a:tr h="584998">
-                <a:tc>
-                  <a:txBody>
-                    <a:bodyPr/>
-                    <a:lstStyle/>
-                    <a:p>
-                      <a:r>
-                        <a:rPr lang="de-DE" sz="2000" dirty="0" err="1"/>
-                        <a:t>Gaussian</a:t>
-                      </a:r>
-                      <a:endParaRPr lang="de-DE" sz="2000" dirty="0"/>
-                    </a:p>
-                  </a:txBody>
-                  <a:tcPr/>
-                </a:tc>
-                <a:tc>
-                  <a:txBody>
-                    <a:bodyPr/>
-                    <a:lstStyle/>
-                    <a:p>
-                      <a:r>
-                        <a:rPr lang="de-DE" sz="2000" dirty="0"/>
-                        <a:t>3753.12</a:t>
-                      </a:r>
-                    </a:p>
-                  </a:txBody>
-                  <a:tcPr/>
-                </a:tc>
-                <a:tc>
-                  <a:txBody>
-                    <a:bodyPr/>
-                    <a:lstStyle/>
-                    <a:p>
-                      <a:r>
-                        <a:rPr lang="de-DE" sz="2000" dirty="0"/>
-                        <a:t>7506.24</a:t>
-                      </a:r>
-                    </a:p>
-                  </a:txBody>
-                  <a:tcPr/>
-                </a:tc>
-                <a:tc>
-                  <a:txBody>
-                    <a:bodyPr/>
-                    <a:lstStyle/>
-                    <a:p>
-                      <a:r>
-                        <a:rPr lang="de-DE" sz="2000" dirty="0"/>
-                        <a:t>11259.36</a:t>
-                      </a:r>
-                    </a:p>
-                  </a:txBody>
-                  <a:tcPr/>
-                </a:tc>
-                <a:tc>
-                  <a:txBody>
-                    <a:bodyPr/>
-                    <a:lstStyle/>
-                    <a:p>
-                      <a:r>
-                        <a:rPr lang="de-DE" sz="2000" dirty="0"/>
-                        <a:t>15012.48</a:t>
-                      </a:r>
-                    </a:p>
-                  </a:txBody>
-                  <a:tcPr/>
-                </a:tc>
-                <a:extLst>
-                  <a:ext uri="{0D108BD9-81ED-4DB2-BD59-A6C34878D82A}">
-                    <a16:rowId xmlns:a16="http://schemas.microsoft.com/office/drawing/2014/main" val="2897091027"/>
-                  </a:ext>
-                </a:extLst>
-              </a:tr>
-              <a:tr h="584998">
-                <a:tc>
-                  <a:txBody>
-                    <a:bodyPr/>
-                    <a:lstStyle/>
-                    <a:p>
-                      <a:r>
-                        <a:rPr lang="de-DE" sz="2000" dirty="0"/>
-                        <a:t>Harmonic</a:t>
-                      </a:r>
-                    </a:p>
-                  </a:txBody>
-                  <a:tcPr/>
-                </a:tc>
-                <a:tc>
-                  <a:txBody>
-                    <a:bodyPr/>
-                    <a:lstStyle/>
-                    <a:p>
-                      <a:r>
-                        <a:rPr lang="de-AT" sz="2000" b="0" i="0" kern="1200" dirty="0">
+                        <a:rPr lang="de-DE" sz="1800" kern="1200" dirty="0">
                           <a:solidFill>
                             <a:schemeClr val="tx1"/>
                           </a:solidFill>
-                          <a:effectLst/>
-                          <a:latin typeface="+mn-lt"/>
-                          <a:ea typeface="+mn-ea"/>
-                          <a:cs typeface="+mn-cs"/>
                         </a:rPr>
-                        <a:t>3548.54</a:t>
-                      </a:r>
-                      <a:endParaRPr lang="de-DE" sz="2000" dirty="0"/>
-                    </a:p>
-                  </a:txBody>
-                  <a:tcPr/>
-                </a:tc>
-                <a:tc>
-                  <a:txBody>
-                    <a:bodyPr/>
-                    <a:lstStyle/>
-                    <a:p>
-                      <a:r>
-                        <a:rPr lang="de-DE" sz="2000" dirty="0"/>
-                        <a:t>7097.08</a:t>
-                      </a:r>
-                    </a:p>
-                  </a:txBody>
-                  <a:tcPr/>
-                </a:tc>
-                <a:tc>
-                  <a:txBody>
-                    <a:bodyPr/>
-                    <a:lstStyle/>
-                    <a:p>
-                      <a:r>
-                        <a:rPr lang="de-DE" sz="2000" dirty="0"/>
-                        <a:t>10645.61</a:t>
-                      </a:r>
-                    </a:p>
-                  </a:txBody>
-                  <a:tcPr/>
-                </a:tc>
-                <a:tc>
-                  <a:txBody>
-                    <a:bodyPr/>
-                    <a:lstStyle/>
-                    <a:p>
-                      <a:r>
-                        <a:rPr lang="de-DE" sz="2000" dirty="0"/>
                         <a:t>14194.15</a:t>
                       </a:r>
+                      <a:endParaRPr lang="de-DE" sz="1800" kern="1200" dirty="0">
+                        <a:solidFill>
+                          <a:schemeClr val="tx1"/>
+                        </a:solidFill>
+                        <a:latin typeface="+mn-lt"/>
+                        <a:ea typeface="+mn-ea"/>
+                        <a:cs typeface="+mn-cs"/>
+                      </a:endParaRPr>
                     </a:p>
                   </a:txBody>
                   <a:tcPr/>
@@ -10570,17 +11280,29 @@
                   </a:ext>
                 </a:extLst>
               </a:tr>
-              <a:tr h="584998">
+              <a:tr h="524861">
                 <a:tc>
                   <a:txBody>
                     <a:bodyPr/>
                     <a:lstStyle/>
                     <a:p>
+                      <a:pPr marL="0" algn="l" defTabSz="4036710" rtl="0" eaLnBrk="1" latinLnBrk="0" hangingPunct="1"/>
                       <a:r>
-                        <a:rPr lang="de-DE" sz="2000" dirty="0" err="1"/>
+                        <a:rPr lang="de-DE" sz="1800" kern="1200" dirty="0" err="1">
+                          <a:solidFill>
+                            <a:schemeClr val="tx1"/>
+                          </a:solidFill>
+                        </a:rPr>
                         <a:t>Numerov</a:t>
                       </a:r>
-                      <a:endParaRPr lang="de-DE" sz="2000" dirty="0"/>
+                      <a:endParaRPr lang="de-DE" sz="1800" kern="1200" dirty="0">
+                        <a:solidFill>
+                          <a:schemeClr val="tx1"/>
+                        </a:solidFill>
+                        <a:latin typeface="+mn-lt"/>
+                        <a:ea typeface="+mn-ea"/>
+                        <a:cs typeface="+mn-cs"/>
+                      </a:endParaRPr>
                     </a:p>
                   </a:txBody>
                   <a:tcPr/>
@@ -10590,10 +11312,23 @@
                     <a:bodyPr/>
                     <a:lstStyle/>
                     <a:p>
+                      <a:pPr marL="0" algn="l" defTabSz="4036710" rtl="0" eaLnBrk="1" latinLnBrk="0" hangingPunct="1"/>
                       <a:r>
-                        <a:rPr lang="de-DE" sz="2000" dirty="0"/>
+                        <a:rPr lang="de-DE" sz="1800" kern="1200" dirty="0">
+                          <a:solidFill>
+                            <a:schemeClr val="tx1"/>
+                          </a:solidFill>
+                        </a:rPr>
                         <a:t>3596.88</a:t>
                       </a:r>
+                      <a:endParaRPr lang="de-DE" sz="1800" kern="1200" dirty="0">
+                        <a:solidFill>
+                          <a:schemeClr val="tx1"/>
+                        </a:solidFill>
+                        <a:latin typeface="+mn-lt"/>
+                        <a:ea typeface="+mn-ea"/>
+                        <a:cs typeface="+mn-cs"/>
+                      </a:endParaRPr>
                     </a:p>
                   </a:txBody>
                   <a:tcPr/>
@@ -10603,10 +11338,23 @@
                     <a:bodyPr/>
                     <a:lstStyle/>
                     <a:p>
+                      <a:pPr marL="0" algn="l" defTabSz="4036710" rtl="0" eaLnBrk="1" latinLnBrk="0" hangingPunct="1"/>
                       <a:r>
-                        <a:rPr lang="de-DE" sz="2000" dirty="0"/>
+                        <a:rPr lang="de-DE" sz="1800" kern="1200" dirty="0">
+                          <a:solidFill>
+                            <a:schemeClr val="tx1"/>
+                          </a:solidFill>
+                        </a:rPr>
                         <a:t>7036.90</a:t>
                       </a:r>
+                      <a:endParaRPr lang="de-DE" sz="1800" kern="1200" dirty="0">
+                        <a:solidFill>
+                          <a:schemeClr val="tx1"/>
+                        </a:solidFill>
+                        <a:latin typeface="+mn-lt"/>
+                        <a:ea typeface="+mn-ea"/>
+                        <a:cs typeface="+mn-cs"/>
+                      </a:endParaRPr>
                     </a:p>
                   </a:txBody>
                   <a:tcPr/>
@@ -10616,10 +11364,23 @@
                     <a:bodyPr/>
                     <a:lstStyle/>
                     <a:p>
+                      <a:pPr marL="0" algn="l" defTabSz="4036710" rtl="0" eaLnBrk="1" latinLnBrk="0" hangingPunct="1"/>
                       <a:r>
-                        <a:rPr lang="de-DE" sz="2000" dirty="0"/>
+                        <a:rPr lang="de-DE" sz="1800" kern="1200" dirty="0">
+                          <a:solidFill>
+                            <a:schemeClr val="tx1"/>
+                          </a:solidFill>
+                        </a:rPr>
                         <a:t>10325.04</a:t>
                       </a:r>
+                      <a:endParaRPr lang="de-DE" sz="1800" kern="1200" dirty="0">
+                        <a:solidFill>
+                          <a:schemeClr val="tx1"/>
+                        </a:solidFill>
+                        <a:latin typeface="+mn-lt"/>
+                        <a:ea typeface="+mn-ea"/>
+                        <a:cs typeface="+mn-cs"/>
+                      </a:endParaRPr>
                     </a:p>
                   </a:txBody>
                   <a:tcPr/>
@@ -10629,10 +11390,23 @@
                     <a:bodyPr/>
                     <a:lstStyle/>
                     <a:p>
+                      <a:pPr marL="0" algn="l" defTabSz="4036710" rtl="0" eaLnBrk="1" latinLnBrk="0" hangingPunct="1"/>
                       <a:r>
-                        <a:rPr lang="de-DE" sz="2000" dirty="0"/>
+                        <a:rPr lang="de-DE" sz="1800" kern="1200" dirty="0">
+                          <a:solidFill>
+                            <a:schemeClr val="tx1"/>
+                          </a:solidFill>
+                        </a:rPr>
                         <a:t>13466.99</a:t>
                       </a:r>
+                      <a:endParaRPr lang="de-DE" sz="1800" kern="1200" dirty="0">
+                        <a:solidFill>
+                          <a:schemeClr val="tx1"/>
+                        </a:solidFill>
+                        <a:latin typeface="+mn-lt"/>
+                        <a:ea typeface="+mn-ea"/>
+                        <a:cs typeface="+mn-cs"/>
+                      </a:endParaRPr>
                     </a:p>
                   </a:txBody>
                   <a:tcPr/>
@@ -10643,75 +11417,194 @@
                   </a:ext>
                 </a:extLst>
               </a:tr>
-              <a:tr h="584998">
+              <a:tr h="524861">
                 <a:tc>
                   <a:txBody>
                     <a:bodyPr/>
                     <a:lstStyle/>
                     <a:p>
+                      <a:pPr marL="0" algn="l" defTabSz="4036710" rtl="0" eaLnBrk="1" latinLnBrk="0" hangingPunct="1"/>
                       <a:r>
-                        <a:rPr lang="de-DE" sz="2000" dirty="0" err="1"/>
+                        <a:rPr lang="de-DE" sz="1800" kern="1200" dirty="0" err="1">
+                          <a:solidFill>
+                            <a:schemeClr val="tx1"/>
+                          </a:solidFill>
+                        </a:rPr>
                         <a:t>Literature</a:t>
                       </a:r>
                       <a:r>
-                        <a:rPr lang="de-DE" sz="2000" dirty="0"/>
+                        <a:rPr lang="de-DE" sz="1800" kern="1200" dirty="0">
+                          <a:solidFill>
+                            <a:schemeClr val="tx1"/>
+                          </a:solidFill>
+                        </a:rPr>
                         <a:t> [2]</a:t>
                       </a:r>
+                      <a:endParaRPr lang="de-DE" sz="1800" kern="1200" dirty="0">
+                        <a:solidFill>
+                          <a:schemeClr val="tx1"/>
+                        </a:solidFill>
+                        <a:latin typeface="+mn-lt"/>
+                        <a:ea typeface="+mn-ea"/>
+                        <a:cs typeface="+mn-cs"/>
+                      </a:endParaRPr>
                     </a:p>
                   </a:txBody>
-                  <a:tcPr/>
+                  <a:tcPr>
+                    <a:lnB w="12700" cap="flat" cmpd="sng" algn="ctr">
+                      <a:solidFill>
+                        <a:schemeClr val="tx1"/>
+                      </a:solidFill>
+                      <a:prstDash val="solid"/>
+                      <a:round/>
+                      <a:headEnd type="none" w="med" len="med"/>
+                      <a:tailEnd type="none" w="med" len="med"/>
+                    </a:lnB>
+                  </a:tcPr>
                 </a:tc>
                 <a:tc>
                   <a:txBody>
                     <a:bodyPr/>
                     <a:lstStyle/>
                     <a:p>
+                      <a:pPr marL="0" algn="l" defTabSz="4036710" rtl="0" eaLnBrk="1" latinLnBrk="0" hangingPunct="1"/>
                       <a:r>
-                        <a:rPr lang="de-DE" sz="2000" dirty="0"/>
+                        <a:rPr lang="de-DE" sz="1800" kern="1200" dirty="0">
+                          <a:solidFill>
+                            <a:schemeClr val="tx1"/>
+                          </a:solidFill>
+                        </a:rPr>
                         <a:t>3581(8)</a:t>
                       </a:r>
+                      <a:endParaRPr lang="de-DE" sz="1800" kern="1200" dirty="0">
+                        <a:solidFill>
+                          <a:schemeClr val="tx1"/>
+                        </a:solidFill>
+                        <a:latin typeface="+mn-lt"/>
+                        <a:ea typeface="+mn-ea"/>
+                        <a:cs typeface="+mn-cs"/>
+                      </a:endParaRPr>
                     </a:p>
                   </a:txBody>
-                  <a:tcPr/>
+                  <a:tcPr>
+                    <a:lnB w="12700" cap="flat" cmpd="sng" algn="ctr">
+                      <a:solidFill>
+                        <a:schemeClr val="tx1"/>
+                      </a:solidFill>
+                      <a:prstDash val="solid"/>
+                      <a:round/>
+                      <a:headEnd type="none" w="med" len="med"/>
+                      <a:tailEnd type="none" w="med" len="med"/>
+                    </a:lnB>
+                  </a:tcPr>
                 </a:tc>
                 <a:tc>
                   <a:txBody>
                     <a:bodyPr/>
                     <a:lstStyle/>
                     <a:p>
+                      <a:pPr marL="0" algn="l" defTabSz="4036710" rtl="0" eaLnBrk="1" latinLnBrk="0" hangingPunct="1"/>
                       <a:r>
-                        <a:rPr lang="de-DE" sz="2000" dirty="0"/>
+                        <a:rPr lang="de-DE" sz="1800" kern="1200" dirty="0">
+                          <a:solidFill>
+                            <a:schemeClr val="tx1"/>
+                          </a:solidFill>
+                        </a:rPr>
                         <a:t>6991(30)</a:t>
                       </a:r>
+                      <a:endParaRPr lang="de-DE" sz="1800" kern="1200" dirty="0">
+                        <a:solidFill>
+                          <a:schemeClr val="tx1"/>
+                        </a:solidFill>
+                        <a:latin typeface="+mn-lt"/>
+                        <a:ea typeface="+mn-ea"/>
+                        <a:cs typeface="+mn-cs"/>
+                      </a:endParaRPr>
                     </a:p>
                   </a:txBody>
-                  <a:tcPr/>
+                  <a:tcPr>
+                    <a:lnB w="12700" cap="flat" cmpd="sng" algn="ctr">
+                      <a:solidFill>
+                        <a:schemeClr val="tx1"/>
+                      </a:solidFill>
+                      <a:prstDash val="solid"/>
+                      <a:round/>
+                      <a:headEnd type="none" w="med" len="med"/>
+                      <a:tailEnd type="none" w="med" len="med"/>
+                    </a:lnB>
+                  </a:tcPr>
                 </a:tc>
                 <a:tc>
                   <a:txBody>
                     <a:bodyPr/>
                     <a:lstStyle/>
                     <a:p>
+                      <a:pPr marL="0" algn="l" defTabSz="4036710" rtl="0" eaLnBrk="1" latinLnBrk="0" hangingPunct="1"/>
                       <a:r>
-                        <a:rPr lang="de-DE" sz="2000" dirty="0"/>
+                        <a:rPr lang="de-DE" sz="1800" kern="1200" dirty="0">
+                          <a:solidFill>
+                            <a:schemeClr val="tx1"/>
+                          </a:solidFill>
+                        </a:rPr>
                         <a:t>10246(32)</a:t>
                       </a:r>
+                      <a:endParaRPr lang="de-DE" sz="1800" kern="1200" dirty="0">
+                        <a:solidFill>
+                          <a:schemeClr val="tx1"/>
+                        </a:solidFill>
+                        <a:latin typeface="+mn-lt"/>
+                        <a:ea typeface="+mn-ea"/>
+                        <a:cs typeface="+mn-cs"/>
+                      </a:endParaRPr>
                     </a:p>
                   </a:txBody>
-                  <a:tcPr/>
+                  <a:tcPr>
+                    <a:lnB w="12700" cap="flat" cmpd="sng" algn="ctr">
+                      <a:solidFill>
+                        <a:schemeClr val="tx1"/>
+                      </a:solidFill>
+                      <a:prstDash val="solid"/>
+                      <a:round/>
+                      <a:headEnd type="none" w="med" len="med"/>
+                      <a:tailEnd type="none" w="med" len="med"/>
+                    </a:lnB>
+                  </a:tcPr>
                 </a:tc>
                 <a:tc>
                   <a:txBody>
                     <a:bodyPr/>
                     <a:lstStyle/>
                     <a:p>
+                      <a:pPr marL="0" algn="l" defTabSz="4036710" rtl="0" eaLnBrk="1" latinLnBrk="0" hangingPunct="1"/>
                       <a:r>
-                        <a:rPr lang="de-DE" sz="2000" dirty="0"/>
+                        <a:rPr lang="de-DE" sz="1800" kern="1200" dirty="0">
+                          <a:solidFill>
+                            <a:schemeClr val="tx1"/>
+                          </a:solidFill>
+                        </a:rPr>
                         <a:t>--</a:t>
                       </a:r>
+                      <a:endParaRPr lang="de-DE" sz="1800" kern="1200" dirty="0">
+                        <a:solidFill>
+                          <a:schemeClr val="tx1"/>
+                        </a:solidFill>
+                        <a:latin typeface="+mn-lt"/>
+                        <a:ea typeface="+mn-ea"/>
+                        <a:cs typeface="+mn-cs"/>
+                      </a:endParaRPr>
                     </a:p>
                   </a:txBody>
-                  <a:tcPr/>
+                  <a:tcPr>
+                    <a:lnB w="12700" cap="flat" cmpd="sng" algn="ctr">
+                      <a:solidFill>
+                        <a:schemeClr val="tx1"/>
+                      </a:solidFill>
+                      <a:prstDash val="solid"/>
+                      <a:round/>
+                      <a:headEnd type="none" w="med" len="med"/>
+                      <a:tailEnd type="none" w="med" len="med"/>
+                    </a:lnB>
+                  </a:tcPr>
                 </a:tc>
                 <a:extLst>
                   <a:ext uri="{0D108BD9-81ED-4DB2-BD59-A6C34878D82A}">
@@ -10738,14 +11631,14 @@
           <p:nvPr/>
         </p:nvPicPr>
         <p:blipFill>
-          <a:blip r:embed="rId20"/>
+          <a:blip r:embed="rId19"/>
           <a:stretch>
             <a:fillRect/>
           </a:stretch>
         </p:blipFill>
         <p:spPr>
           <a:xfrm>
-            <a:off x="32891084" y="15145637"/>
+            <a:off x="33252045" y="16883691"/>
             <a:ext cx="8151931" cy="5360608"/>
           </a:xfrm>
           <a:prstGeom prst="rect">
@@ -10768,51 +11661,51 @@
           <p:nvPr>
             <p:extLst>
               <p:ext uri="{D42A27DB-BD31-4B8C-83A1-F6EECF244321}">
-                <p14:modId xmlns:p14="http://schemas.microsoft.com/office/powerpoint/2010/main" val="1316338340"/>
+                <p14:modId xmlns:p14="http://schemas.microsoft.com/office/powerpoint/2010/main" val="304445623"/>
               </p:ext>
             </p:extLst>
           </p:nvPr>
         </p:nvGraphicFramePr>
         <p:xfrm>
-          <a:off x="32891084" y="21704755"/>
-          <a:ext cx="8837780" cy="2924990"/>
+          <a:off x="32891083" y="24022129"/>
+          <a:ext cx="9461595" cy="2621336"/>
         </p:xfrm>
         <a:graphic>
           <a:graphicData uri="http://schemas.openxmlformats.org/drawingml/2006/table">
             <a:tbl>
               <a:tblPr firstRow="1" bandRow="1">
-                <a:tableStyleId>{616DA210-FB5B-4158-B5E0-FEB733F419BA}</a:tableStyleId>
+                <a:tableStyleId>{2D5ABB26-0587-4C30-8999-92F81FD0307C}</a:tableStyleId>
               </a:tblPr>
               <a:tblGrid>
-                <a:gridCol w="1767556">
+                <a:gridCol w="1536803">
                   <a:extLst>
                     <a:ext uri="{9D8B030D-6E8A-4147-A177-3AD203B41FA5}">
                       <a16:colId xmlns:a16="http://schemas.microsoft.com/office/drawing/2014/main" val="591601184"/>
                     </a:ext>
                   </a:extLst>
                 </a:gridCol>
-                <a:gridCol w="1767556">
+                <a:gridCol w="1436914">
                   <a:extLst>
                     <a:ext uri="{9D8B030D-6E8A-4147-A177-3AD203B41FA5}">
                       <a16:colId xmlns:a16="http://schemas.microsoft.com/office/drawing/2014/main" val="3679959660"/>
                     </a:ext>
                   </a:extLst>
                 </a:gridCol>
-                <a:gridCol w="1767556">
+                <a:gridCol w="2119086">
                   <a:extLst>
                     <a:ext uri="{9D8B030D-6E8A-4147-A177-3AD203B41FA5}">
                       <a16:colId xmlns:a16="http://schemas.microsoft.com/office/drawing/2014/main" val="2414671271"/>
                     </a:ext>
                   </a:extLst>
                 </a:gridCol>
-                <a:gridCol w="1767556">
+                <a:gridCol w="2206171">
                   <a:extLst>
                     <a:ext uri="{9D8B030D-6E8A-4147-A177-3AD203B41FA5}">
                       <a16:colId xmlns:a16="http://schemas.microsoft.com/office/drawing/2014/main" val="722653628"/>
                     </a:ext>
                   </a:extLst>
                 </a:gridCol>
-                <a:gridCol w="1767556">
+                <a:gridCol w="2162621">
                   <a:extLst>
                     <a:ext uri="{9D8B030D-6E8A-4147-A177-3AD203B41FA5}">
                       <a16:colId xmlns:a16="http://schemas.microsoft.com/office/drawing/2014/main" val="2008064467"/>
@@ -10820,16 +11713,35 @@
                   </a:extLst>
                 </a:gridCol>
               </a:tblGrid>
-              <a:tr h="584998">
+              <a:tr h="526000">
                 <a:tc>
                   <a:txBody>
                     <a:bodyPr/>
                     <a:lstStyle/>
                     <a:p>
-                      <a:endParaRPr lang="de-DE" sz="2000" dirty="0"/>
+                      <a:endParaRPr lang="de-DE" sz="1800" dirty="0"/>
                     </a:p>
                   </a:txBody>
-                  <a:tcPr/>
+                  <a:tcPr>
+                    <a:lnT w="12700" cap="flat" cmpd="sng" algn="ctr">
+                      <a:solidFill>
+                        <a:schemeClr val="tx1"/>
+                      </a:solidFill>
+                      <a:prstDash val="solid"/>
+                      <a:round/>
+                      <a:headEnd type="none" w="med" len="med"/>
+                      <a:tailEnd type="none" w="med" len="med"/>
+                    </a:lnT>
+                    <a:lnB w="12700" cap="flat" cmpd="sng" algn="ctr">
+                      <a:solidFill>
+                        <a:schemeClr val="tx1"/>
+                      </a:solidFill>
+                      <a:prstDash val="solid"/>
+                      <a:round/>
+                      <a:headEnd type="none" w="med" len="med"/>
+                      <a:tailEnd type="none" w="med" len="med"/>
+                    </a:lnB>
+                  </a:tcPr>
                 </a:tc>
                 <a:tc>
                   <a:txBody>
@@ -10837,13 +11749,44 @@
                     <a:lstStyle/>
                     <a:p>
                       <a:r>
-                        <a:rPr lang="de-DE" sz="2000" dirty="0" err="1"/>
+                        <a:rPr lang="de-DE" sz="1800" b="1" dirty="0" err="1"/>
                         <a:t>base</a:t>
                       </a:r>
-                      <a:endParaRPr lang="de-DE" sz="2000" dirty="0"/>
+                      <a:r>
+                        <a:rPr lang="de-DE" sz="1800" b="1" dirty="0"/>
+                        <a:t> (cm</a:t>
+                      </a:r>
+                      <a:r>
+                        <a:rPr lang="de-DE" sz="1800" b="1" baseline="30000" dirty="0"/>
+                        <a:t>-1</a:t>
+                      </a:r>
+                      <a:r>
+                        <a:rPr lang="de-DE" sz="1800" b="1" baseline="0" dirty="0"/>
+                        <a:t>)</a:t>
+                      </a:r>
+                      <a:endParaRPr lang="de-DE" sz="1800" b="1" dirty="0"/>
                     </a:p>
                   </a:txBody>
-                  <a:tcPr/>
+                  <a:tcPr>
+                    <a:lnT w="12700" cap="flat" cmpd="sng" algn="ctr">
+                      <a:solidFill>
+                        <a:schemeClr val="tx1"/>
+                      </a:solidFill>
+                      <a:prstDash val="solid"/>
+                      <a:round/>
+                      <a:headEnd type="none" w="med" len="med"/>
+                      <a:tailEnd type="none" w="med" len="med"/>
+                    </a:lnT>
+                    <a:lnB w="12700" cap="flat" cmpd="sng" algn="ctr">
+                      <a:solidFill>
+                        <a:schemeClr val="tx1"/>
+                      </a:solidFill>
+                      <a:prstDash val="solid"/>
+                      <a:round/>
+                      <a:headEnd type="none" w="med" len="med"/>
+                      <a:tailEnd type="none" w="med" len="med"/>
+                    </a:lnB>
+                  </a:tcPr>
                 </a:tc>
                 <a:tc>
                   <a:txBody>
@@ -10851,17 +11794,48 @@
                     <a:lstStyle/>
                     <a:p>
                       <a:r>
-                        <a:rPr lang="de-DE" sz="2000" dirty="0"/>
+                        <a:rPr lang="de-DE" sz="1800" b="1" dirty="0"/>
                         <a:t>1st </a:t>
                       </a:r>
                       <a:r>
-                        <a:rPr lang="de-DE" sz="2000" dirty="0" err="1"/>
+                        <a:rPr lang="de-DE" sz="1800" b="1" dirty="0" err="1"/>
                         <a:t>overtone</a:t>
                       </a:r>
-                      <a:endParaRPr lang="de-DE" sz="2000" dirty="0"/>
+                      <a:r>
+                        <a:rPr lang="de-DE" sz="1800" b="1" dirty="0"/>
+                        <a:t> (cm</a:t>
+                      </a:r>
+                      <a:r>
+                        <a:rPr lang="de-DE" sz="1800" b="1" baseline="30000" dirty="0"/>
+                        <a:t>-1</a:t>
+                      </a:r>
+                      <a:r>
+                        <a:rPr lang="de-DE" sz="1800" b="1" baseline="0" dirty="0"/>
+                        <a:t>)</a:t>
+                      </a:r>
+                      <a:endParaRPr lang="de-DE" sz="1800" b="1" dirty="0"/>
                     </a:p>
                   </a:txBody>
-                  <a:tcPr/>
+                  <a:tcPr>
+                    <a:lnT w="12700" cap="flat" cmpd="sng" algn="ctr">
+                      <a:solidFill>
+                        <a:schemeClr val="tx1"/>
+                      </a:solidFill>
+                      <a:prstDash val="solid"/>
+                      <a:round/>
+                      <a:headEnd type="none" w="med" len="med"/>
+                      <a:tailEnd type="none" w="med" len="med"/>
+                    </a:lnT>
+                    <a:lnB w="12700" cap="flat" cmpd="sng" algn="ctr">
+                      <a:solidFill>
+                        <a:schemeClr val="tx1"/>
+                      </a:solidFill>
+                      <a:prstDash val="solid"/>
+                      <a:round/>
+                      <a:headEnd type="none" w="med" len="med"/>
+                      <a:tailEnd type="none" w="med" len="med"/>
+                    </a:lnB>
+                  </a:tcPr>
                 </a:tc>
                 <a:tc>
                   <a:txBody>
@@ -10869,17 +11843,48 @@
                     <a:lstStyle/>
                     <a:p>
                       <a:r>
-                        <a:rPr lang="de-DE" sz="2000" dirty="0"/>
+                        <a:rPr lang="de-DE" sz="1800" b="1" dirty="0"/>
                         <a:t>2nd </a:t>
                       </a:r>
                       <a:r>
-                        <a:rPr lang="de-DE" sz="2000" dirty="0" err="1"/>
+                        <a:rPr lang="de-DE" sz="1800" b="1" dirty="0" err="1"/>
                         <a:t>overtone</a:t>
                       </a:r>
-                      <a:endParaRPr lang="de-DE" sz="2000" dirty="0"/>
+                      <a:r>
+                        <a:rPr lang="de-DE" sz="1800" b="1" dirty="0"/>
+                        <a:t> (cm</a:t>
+                      </a:r>
+                      <a:r>
+                        <a:rPr lang="de-DE" sz="1800" b="1" baseline="30000" dirty="0"/>
+                        <a:t>-1</a:t>
+                      </a:r>
+                      <a:r>
+                        <a:rPr lang="de-DE" sz="1800" b="1" baseline="0" dirty="0"/>
+                        <a:t>)</a:t>
+                      </a:r>
+                      <a:endParaRPr lang="de-DE" sz="1800" b="1" dirty="0"/>
                     </a:p>
                   </a:txBody>
-                  <a:tcPr/>
+                  <a:tcPr>
+                    <a:lnT w="12700" cap="flat" cmpd="sng" algn="ctr">
+                      <a:solidFill>
+                        <a:schemeClr val="tx1"/>
+                      </a:solidFill>
+                      <a:prstDash val="solid"/>
+                      <a:round/>
+                      <a:headEnd type="none" w="med" len="med"/>
+                      <a:tailEnd type="none" w="med" len="med"/>
+                    </a:lnT>
+                    <a:lnB w="12700" cap="flat" cmpd="sng" algn="ctr">
+                      <a:solidFill>
+                        <a:schemeClr val="tx1"/>
+                      </a:solidFill>
+                      <a:prstDash val="solid"/>
+                      <a:round/>
+                      <a:headEnd type="none" w="med" len="med"/>
+                      <a:tailEnd type="none" w="med" len="med"/>
+                    </a:lnB>
+                  </a:tcPr>
                 </a:tc>
                 <a:tc>
                   <a:txBody>
@@ -10887,17 +11892,48 @@
                     <a:lstStyle/>
                     <a:p>
                       <a:r>
-                        <a:rPr lang="de-DE" sz="2000" dirty="0"/>
+                        <a:rPr lang="de-DE" sz="1800" b="1" dirty="0"/>
                         <a:t>3rd </a:t>
                       </a:r>
                       <a:r>
-                        <a:rPr lang="de-DE" sz="2000" dirty="0" err="1"/>
+                        <a:rPr lang="de-DE" sz="1800" b="1" dirty="0" err="1"/>
                         <a:t>overtone</a:t>
                       </a:r>
-                      <a:endParaRPr lang="de-DE" sz="2000" dirty="0"/>
+                      <a:r>
+                        <a:rPr lang="de-DE" sz="1800" b="1" dirty="0"/>
+                        <a:t> (cm</a:t>
+                      </a:r>
+                      <a:r>
+                        <a:rPr lang="de-DE" sz="1800" b="1" baseline="30000" dirty="0"/>
+                        <a:t>-1</a:t>
+                      </a:r>
+                      <a:r>
+                        <a:rPr lang="de-DE" sz="1800" b="1" baseline="0" dirty="0"/>
+                        <a:t>)</a:t>
+                      </a:r>
+                      <a:endParaRPr lang="de-DE" sz="1800" b="1" dirty="0"/>
                     </a:p>
                   </a:txBody>
-                  <a:tcPr/>
+                  <a:tcPr>
+                    <a:lnT w="12700" cap="flat" cmpd="sng" algn="ctr">
+                      <a:solidFill>
+                        <a:schemeClr val="tx1"/>
+                      </a:solidFill>
+                      <a:prstDash val="solid"/>
+                      <a:round/>
+                      <a:headEnd type="none" w="med" len="med"/>
+                      <a:tailEnd type="none" w="med" len="med"/>
+                    </a:lnT>
+                    <a:lnB w="12700" cap="flat" cmpd="sng" algn="ctr">
+                      <a:solidFill>
+                        <a:schemeClr val="tx1"/>
+                      </a:solidFill>
+                      <a:prstDash val="solid"/>
+                      <a:round/>
+                      <a:headEnd type="none" w="med" len="med"/>
+                      <a:tailEnd type="none" w="med" len="med"/>
+                    </a:lnB>
+                  </a:tcPr>
                 </a:tc>
                 <a:extLst>
                   <a:ext uri="{0D108BD9-81ED-4DB2-BD59-A6C34878D82A}">
@@ -10905,20 +11941,30 @@
                   </a:ext>
                 </a:extLst>
               </a:tr>
-              <a:tr h="584998">
+              <a:tr h="548545">
                 <a:tc>
                   <a:txBody>
                     <a:bodyPr/>
                     <a:lstStyle/>
                     <a:p>
                       <a:r>
-                        <a:rPr lang="de-DE" sz="2000" dirty="0" err="1"/>
+                        <a:rPr lang="de-DE" sz="1800" dirty="0" err="1"/>
                         <a:t>Gaussian</a:t>
                       </a:r>
-                      <a:endParaRPr lang="de-DE" sz="2000" dirty="0"/>
+                      <a:endParaRPr lang="de-DE" sz="1800" dirty="0"/>
                     </a:p>
                   </a:txBody>
-                  <a:tcPr/>
+                  <a:tcPr>
+                    <a:lnT w="12700" cap="flat" cmpd="sng" algn="ctr">
+                      <a:solidFill>
+                        <a:schemeClr val="tx1"/>
+                      </a:solidFill>
+                      <a:prstDash val="solid"/>
+                      <a:round/>
+                      <a:headEnd type="none" w="med" len="med"/>
+                      <a:tailEnd type="none" w="med" len="med"/>
+                    </a:lnT>
+                  </a:tcPr>
                 </a:tc>
                 <a:tc>
                   <a:txBody>
@@ -10926,12 +11972,22 @@
                     <a:lstStyle/>
                     <a:p>
                       <a:r>
-                        <a:rPr lang="de-DE" sz="2000" dirty="0"/>
+                        <a:rPr lang="de-DE" sz="1800" dirty="0"/>
                         <a:t>2729.98</a:t>
                       </a:r>
                     </a:p>
                   </a:txBody>
-                  <a:tcPr/>
+                  <a:tcPr>
+                    <a:lnT w="12700" cap="flat" cmpd="sng" algn="ctr">
+                      <a:solidFill>
+                        <a:schemeClr val="tx1"/>
+                      </a:solidFill>
+                      <a:prstDash val="solid"/>
+                      <a:round/>
+                      <a:headEnd type="none" w="med" len="med"/>
+                      <a:tailEnd type="none" w="med" len="med"/>
+                    </a:lnT>
+                  </a:tcPr>
                 </a:tc>
                 <a:tc>
                   <a:txBody>
@@ -10939,12 +11995,22 @@
                     <a:lstStyle/>
                     <a:p>
                       <a:r>
-                        <a:rPr lang="de-DE" sz="2000" dirty="0"/>
+                        <a:rPr lang="de-DE" sz="1800" dirty="0"/>
                         <a:t>5459.96</a:t>
                       </a:r>
                     </a:p>
                   </a:txBody>
-                  <a:tcPr/>
+                  <a:tcPr>
+                    <a:lnT w="12700" cap="flat" cmpd="sng" algn="ctr">
+                      <a:solidFill>
+                        <a:schemeClr val="tx1"/>
+                      </a:solidFill>
+                      <a:prstDash val="solid"/>
+                      <a:round/>
+                      <a:headEnd type="none" w="med" len="med"/>
+                      <a:tailEnd type="none" w="med" len="med"/>
+                    </a:lnT>
+                  </a:tcPr>
                 </a:tc>
                 <a:tc>
                   <a:txBody>
@@ -10952,12 +12018,22 @@
                     <a:lstStyle/>
                     <a:p>
                       <a:r>
-                        <a:rPr lang="de-DE" sz="2000" dirty="0"/>
+                        <a:rPr lang="de-DE" sz="1800" dirty="0"/>
                         <a:t>8189.95</a:t>
                       </a:r>
                     </a:p>
                   </a:txBody>
-                  <a:tcPr/>
+                  <a:tcPr>
+                    <a:lnT w="12700" cap="flat" cmpd="sng" algn="ctr">
+                      <a:solidFill>
+                        <a:schemeClr val="tx1"/>
+                      </a:solidFill>
+                      <a:prstDash val="solid"/>
+                      <a:round/>
+                      <a:headEnd type="none" w="med" len="med"/>
+                      <a:tailEnd type="none" w="med" len="med"/>
+                    </a:lnT>
+                  </a:tcPr>
                 </a:tc>
                 <a:tc>
                   <a:txBody>
@@ -10965,12 +12041,22 @@
                     <a:lstStyle/>
                     <a:p>
                       <a:r>
-                        <a:rPr lang="de-DE" sz="2000" dirty="0"/>
+                        <a:rPr lang="de-DE" sz="1800" dirty="0"/>
                         <a:t>10919.93</a:t>
                       </a:r>
                     </a:p>
                   </a:txBody>
-                  <a:tcPr/>
+                  <a:tcPr>
+                    <a:lnT w="12700" cap="flat" cmpd="sng" algn="ctr">
+                      <a:solidFill>
+                        <a:schemeClr val="tx1"/>
+                      </a:solidFill>
+                      <a:prstDash val="solid"/>
+                      <a:round/>
+                      <a:headEnd type="none" w="med" len="med"/>
+                      <a:tailEnd type="none" w="med" len="med"/>
+                    </a:lnT>
+                  </a:tcPr>
                 </a:tc>
                 <a:extLst>
                   <a:ext uri="{0D108BD9-81ED-4DB2-BD59-A6C34878D82A}">
@@ -10978,14 +12064,14 @@
                   </a:ext>
                 </a:extLst>
               </a:tr>
-              <a:tr h="584998">
+              <a:tr h="548545">
                 <a:tc>
                   <a:txBody>
                     <a:bodyPr/>
                     <a:lstStyle/>
                     <a:p>
                       <a:r>
-                        <a:rPr lang="de-DE" sz="2000" dirty="0"/>
+                        <a:rPr lang="de-DE" sz="1800" dirty="0"/>
                         <a:t>Harmonic</a:t>
                       </a:r>
                     </a:p>
@@ -10998,18 +12084,15 @@
                     <a:lstStyle/>
                     <a:p>
                       <a:r>
-                        <a:rPr lang="de-AT" sz="2000" b="0" i="0" kern="1200" dirty="0">
+                        <a:rPr lang="de-AT" sz="1800" b="0" kern="1200" dirty="0">
                           <a:solidFill>
                             <a:schemeClr val="tx1"/>
                           </a:solidFill>
                           <a:effectLst/>
-                          <a:latin typeface="+mn-lt"/>
-                          <a:ea typeface="+mn-ea"/>
-                          <a:cs typeface="+mn-cs"/>
                         </a:rPr>
                         <a:t>2452.89</a:t>
                       </a:r>
-                      <a:endParaRPr lang="de-DE" sz="2000" dirty="0"/>
+                      <a:endParaRPr lang="de-DE" sz="1800" dirty="0"/>
                     </a:p>
                   </a:txBody>
                   <a:tcPr/>
@@ -11020,7 +12103,7 @@
                     <a:lstStyle/>
                     <a:p>
                       <a:r>
-                        <a:rPr lang="de-DE" sz="2000" dirty="0"/>
+                        <a:rPr lang="de-DE" sz="1800" dirty="0"/>
                         <a:t>4905.78</a:t>
                       </a:r>
                     </a:p>
@@ -11033,7 +12116,7 @@
                     <a:lstStyle/>
                     <a:p>
                       <a:r>
-                        <a:rPr lang="de-DE" sz="2000" dirty="0"/>
+                        <a:rPr lang="de-DE" sz="1800" dirty="0"/>
                         <a:t>7358.66</a:t>
                       </a:r>
                     </a:p>
@@ -11046,7 +12129,7 @@
                     <a:lstStyle/>
                     <a:p>
                       <a:r>
-                        <a:rPr lang="de-DE" sz="2000" dirty="0"/>
+                        <a:rPr lang="de-DE" sz="1800" dirty="0"/>
                         <a:t>9811.55</a:t>
                       </a:r>
                     </a:p>
@@ -11059,17 +12142,17 @@
                   </a:ext>
                 </a:extLst>
               </a:tr>
-              <a:tr h="584998">
+              <a:tr h="548545">
                 <a:tc>
                   <a:txBody>
                     <a:bodyPr/>
                     <a:lstStyle/>
                     <a:p>
                       <a:r>
-                        <a:rPr lang="de-DE" sz="2000" dirty="0" err="1"/>
+                        <a:rPr lang="de-DE" sz="1800" dirty="0" err="1"/>
                         <a:t>Numerov</a:t>
                       </a:r>
-                      <a:endParaRPr lang="de-DE" sz="2000" dirty="0"/>
+                      <a:endParaRPr lang="de-DE" sz="1800" dirty="0"/>
                     </a:p>
                   </a:txBody>
                   <a:tcPr/>
@@ -11080,7 +12163,7 @@
                     <a:lstStyle/>
                     <a:p>
                       <a:r>
-                        <a:rPr lang="de-DE" sz="2000" dirty="0"/>
+                        <a:rPr lang="de-DE" sz="1800" dirty="0"/>
                         <a:t>2382.38</a:t>
                       </a:r>
                     </a:p>
@@ -11093,7 +12176,7 @@
                     <a:lstStyle/>
                     <a:p>
                       <a:r>
-                        <a:rPr lang="de-DE" sz="2000" dirty="0"/>
+                        <a:rPr lang="de-DE" sz="1800" dirty="0"/>
                         <a:t>4696.81</a:t>
                       </a:r>
                     </a:p>
@@ -11106,7 +12189,7 @@
                     <a:lstStyle/>
                     <a:p>
                       <a:r>
-                        <a:rPr lang="de-DE" sz="2000" dirty="0"/>
+                        <a:rPr lang="de-DE" sz="1800" dirty="0"/>
                         <a:t>6944.72</a:t>
                       </a:r>
                     </a:p>
@@ -11119,7 +12202,7 @@
                     <a:lstStyle/>
                     <a:p>
                       <a:r>
-                        <a:rPr lang="de-DE" sz="2000" dirty="0"/>
+                        <a:rPr lang="de-DE" sz="1800" dirty="0"/>
                         <a:t>9127.60</a:t>
                       </a:r>
                     </a:p>
@@ -11132,23 +12215,33 @@
                   </a:ext>
                 </a:extLst>
               </a:tr>
-              <a:tr h="584998">
+              <a:tr h="449701">
                 <a:tc>
                   <a:txBody>
                     <a:bodyPr/>
                     <a:lstStyle/>
                     <a:p>
                       <a:r>
-                        <a:rPr lang="de-DE" sz="2000" dirty="0" err="1"/>
+                        <a:rPr lang="de-DE" sz="1800" dirty="0" err="1"/>
                         <a:t>Literature</a:t>
                       </a:r>
                       <a:r>
-                        <a:rPr lang="de-DE" sz="2000" dirty="0"/>
+                        <a:rPr lang="de-DE" sz="1800" dirty="0"/>
                         <a:t> [2]</a:t>
                       </a:r>
                     </a:p>
                   </a:txBody>
-                  <a:tcPr/>
+                  <a:tcPr>
+                    <a:lnB w="12700" cap="flat" cmpd="sng" algn="ctr">
+                      <a:solidFill>
+                        <a:schemeClr val="tx1"/>
+                      </a:solidFill>
+                      <a:prstDash val="solid"/>
+                      <a:round/>
+                      <a:headEnd type="none" w="med" len="med"/>
+                      <a:tailEnd type="none" w="med" len="med"/>
+                    </a:lnB>
+                  </a:tcPr>
                 </a:tc>
                 <a:tc>
                   <a:txBody>
@@ -11156,12 +12249,22 @@
                     <a:lstStyle/>
                     <a:p>
                       <a:r>
-                        <a:rPr lang="de-DE" sz="2000" dirty="0"/>
+                        <a:rPr lang="de-DE" sz="1800" dirty="0"/>
                         <a:t>3581(8)</a:t>
                       </a:r>
                     </a:p>
                   </a:txBody>
-                  <a:tcPr/>
+                  <a:tcPr>
+                    <a:lnB w="12700" cap="flat" cmpd="sng" algn="ctr">
+                      <a:solidFill>
+                        <a:schemeClr val="tx1"/>
+                      </a:solidFill>
+                      <a:prstDash val="solid"/>
+                      <a:round/>
+                      <a:headEnd type="none" w="med" len="med"/>
+                      <a:tailEnd type="none" w="med" len="med"/>
+                    </a:lnB>
+                  </a:tcPr>
                 </a:tc>
                 <a:tc>
                   <a:txBody>
@@ -11169,12 +12272,22 @@
                     <a:lstStyle/>
                     <a:p>
                       <a:r>
-                        <a:rPr lang="de-DE" sz="2000" dirty="0"/>
+                        <a:rPr lang="de-DE" sz="1800" dirty="0"/>
                         <a:t>6991(30)</a:t>
                       </a:r>
                     </a:p>
                   </a:txBody>
-                  <a:tcPr/>
+                  <a:tcPr>
+                    <a:lnB w="12700" cap="flat" cmpd="sng" algn="ctr">
+                      <a:solidFill>
+                        <a:schemeClr val="tx1"/>
+                      </a:solidFill>
+                      <a:prstDash val="solid"/>
+                      <a:round/>
+                      <a:headEnd type="none" w="med" len="med"/>
+                      <a:tailEnd type="none" w="med" len="med"/>
+                    </a:lnB>
+                  </a:tcPr>
                 </a:tc>
                 <a:tc>
                   <a:txBody>
@@ -11182,12 +12295,22 @@
                     <a:lstStyle/>
                     <a:p>
                       <a:r>
-                        <a:rPr lang="de-DE" sz="2000" dirty="0"/>
+                        <a:rPr lang="de-DE" sz="1800" dirty="0"/>
                         <a:t>10246(32)</a:t>
                       </a:r>
                     </a:p>
                   </a:txBody>
-                  <a:tcPr/>
+                  <a:tcPr>
+                    <a:lnB w="12700" cap="flat" cmpd="sng" algn="ctr">
+                      <a:solidFill>
+                        <a:schemeClr val="tx1"/>
+                      </a:solidFill>
+                      <a:prstDash val="solid"/>
+                      <a:round/>
+                      <a:headEnd type="none" w="med" len="med"/>
+                      <a:tailEnd type="none" w="med" len="med"/>
+                    </a:lnB>
+                  </a:tcPr>
                 </a:tc>
                 <a:tc>
                   <a:txBody>
@@ -11195,12 +12318,22 @@
                     <a:lstStyle/>
                     <a:p>
                       <a:r>
-                        <a:rPr lang="de-DE" sz="2000" dirty="0"/>
+                        <a:rPr lang="de-DE" sz="1800" dirty="0"/>
                         <a:t>--</a:t>
                       </a:r>
                     </a:p>
                   </a:txBody>
-                  <a:tcPr/>
+                  <a:tcPr>
+                    <a:lnB w="12700" cap="flat" cmpd="sng" algn="ctr">
+                      <a:solidFill>
+                        <a:schemeClr val="tx1"/>
+                      </a:solidFill>
+                      <a:prstDash val="solid"/>
+                      <a:round/>
+                      <a:headEnd type="none" w="med" len="med"/>
+                      <a:tailEnd type="none" w="med" len="med"/>
+                    </a:lnB>
+                  </a:tcPr>
                 </a:tc>
                 <a:extLst>
                   <a:ext uri="{0D108BD9-81ED-4DB2-BD59-A6C34878D82A}">
@@ -11212,8 +12345,8 @@
           </a:graphicData>
         </a:graphic>
       </p:graphicFrame>
-      <mc:AlternateContent xmlns:mc="http://schemas.openxmlformats.org/markup-compatibility/2006" xmlns:a14="http://schemas.microsoft.com/office/drawing/2010/main">
-        <mc:Choice Requires="a14">
+      <mc:AlternateContent xmlns:mc="http://schemas.openxmlformats.org/markup-compatibility/2006">
+        <mc:Choice xmlns:a14="http://schemas.microsoft.com/office/drawing/2010/main" Requires="a14">
           <p:sp>
             <p:nvSpPr>
               <p:cNvPr id="49" name="Textfeld 48">
@@ -11228,8 +12361,8 @@
             </p:nvSpPr>
             <p:spPr>
               <a:xfrm>
-                <a:off x="13202046" y="20506245"/>
-                <a:ext cx="8961986" cy="830997"/>
+                <a:off x="13447081" y="22503382"/>
+                <a:ext cx="8961986" cy="707886"/>
               </a:xfrm>
               <a:prstGeom prst="rect">
                 <a:avLst/>
@@ -11243,11 +12376,11 @@
               <a:lstStyle/>
               <a:p>
                 <a:r>
-                  <a:rPr lang="en-US" sz="2400" b="1" noProof="1"/>
+                  <a:rPr lang="en-US" sz="2000" b="1" noProof="1"/>
                   <a:t>Fig 3: </a:t>
                 </a:r>
                 <a:r>
-                  <a:rPr lang="en-US" sz="2400" noProof="1"/>
+                  <a:rPr lang="en-US" sz="2000" noProof="1"/>
                   <a:t>Potential energy surface of the bond scan of </a:t>
                 </a:r>
                 <a14:m>
@@ -11255,7 +12388,7 @@
                     <m:sSub>
                       <m:sSubPr>
                         <m:ctrlPr>
-                          <a:rPr lang="de-AT" sz="2400" b="0" i="1" noProof="1" smtClean="0">
+                          <a:rPr lang="de-AT" sz="2000" b="0" i="1" noProof="1" smtClean="0">
                             <a:latin typeface="Cambria Math" panose="02040503050406030204" pitchFamily="18" charset="0"/>
                           </a:rPr>
                         </m:ctrlPr>
@@ -11265,7 +12398,7 @@
                           <m:rPr>
                             <m:sty m:val="p"/>
                           </m:rPr>
-                          <a:rPr lang="de-AT" sz="2400" b="0" i="0" noProof="1" smtClean="0">
+                          <a:rPr lang="de-AT" sz="2000" b="0" i="0" noProof="1" smtClean="0">
                             <a:latin typeface="Cambria Math" panose="02040503050406030204" pitchFamily="18" charset="0"/>
                           </a:rPr>
                           <m:t>F</m:t>
@@ -11273,7 +12406,7 @@
                       </m:e>
                       <m:sub>
                         <m:r>
-                          <a:rPr lang="de-AT" sz="2400" b="0" i="0" noProof="1" smtClean="0">
+                          <a:rPr lang="de-AT" sz="2000" b="0" i="0" noProof="1" smtClean="0">
                             <a:latin typeface="Cambria Math" panose="02040503050406030204" pitchFamily="18" charset="0"/>
                           </a:rPr>
                           <m:t>2</m:t>
@@ -11283,14 +12416,14 @@
                   </m:oMath>
                 </a14:m>
                 <a:r>
-                  <a:rPr lang="en-US" sz="2400" noProof="1"/>
-                  <a:t> and the first five wave functions shifted by their respective eigenenergies. </a:t>
+                  <a:rPr lang="en-US" sz="2000" noProof="1"/>
+                  <a:t>(black dots), the harmonic fit (red) and the first five wave functions shifted by their respective eigenenergies. </a:t>
                 </a:r>
               </a:p>
             </p:txBody>
           </p:sp>
         </mc:Choice>
-        <mc:Fallback xmlns="">
+        <mc:Fallback>
           <p:sp>
             <p:nvSpPr>
               <p:cNvPr id="49" name="Textfeld 48">
@@ -11307,16 +12440,16 @@
             </p:nvSpPr>
             <p:spPr>
               <a:xfrm>
-                <a:off x="13202046" y="20506245"/>
-                <a:ext cx="8961986" cy="830997"/>
+                <a:off x="13447081" y="22503382"/>
+                <a:ext cx="8961986" cy="707886"/>
               </a:xfrm>
               <a:prstGeom prst="rect">
                 <a:avLst/>
               </a:prstGeom>
               <a:blipFill>
-                <a:blip r:embed="rId21"/>
+                <a:blip r:embed="rId20"/>
                 <a:stretch>
-                  <a:fillRect l="-990" t="-5970" b="-16418"/>
+                  <a:fillRect l="-707" t="-1754" r="-1273" b="-14035"/>
                 </a:stretch>
               </a:blipFill>
             </p:spPr>
@@ -11335,8 +12468,8 @@
           </p:sp>
         </mc:Fallback>
       </mc:AlternateContent>
-      <mc:AlternateContent xmlns:mc="http://schemas.openxmlformats.org/markup-compatibility/2006" xmlns:a14="http://schemas.microsoft.com/office/drawing/2010/main">
-        <mc:Choice Requires="a14">
+      <mc:AlternateContent xmlns:mc="http://schemas.openxmlformats.org/markup-compatibility/2006">
+        <mc:Choice xmlns:a14="http://schemas.microsoft.com/office/drawing/2010/main" Requires="a14">
           <p:sp>
             <p:nvSpPr>
               <p:cNvPr id="50" name="Textfeld 49">
@@ -11351,8 +12484,8 @@
             </p:nvSpPr>
             <p:spPr>
               <a:xfrm>
-                <a:off x="23017395" y="20499474"/>
-                <a:ext cx="8961986" cy="1200329"/>
+                <a:off x="22968712" y="22184284"/>
+                <a:ext cx="9152567" cy="1015663"/>
               </a:xfrm>
               <a:prstGeom prst="rect">
                 <a:avLst/>
@@ -11366,11 +12499,11 @@
               <a:lstStyle/>
               <a:p>
                 <a:r>
-                  <a:rPr lang="en-US" sz="2400" b="1" noProof="1"/>
+                  <a:rPr lang="en-US" sz="2000" b="1" noProof="1"/>
                   <a:t>Fig 4: </a:t>
                 </a:r>
                 <a:r>
-                  <a:rPr lang="en-US" sz="2400" noProof="1"/>
+                  <a:rPr lang="en-US" sz="2000" noProof="1"/>
                   <a:t>Potential energy surface of the bond scan of trans-</a:t>
                 </a:r>
                 <a14:m>
@@ -11379,7 +12512,7 @@
                       <m:rPr>
                         <m:sty m:val="p"/>
                       </m:rPr>
-                      <a:rPr lang="de-AT" sz="2400" b="0" i="0" noProof="1" smtClean="0">
+                      <a:rPr lang="de-AT" sz="2000" b="0" i="0" noProof="1" smtClean="0">
                         <a:latin typeface="Cambria Math" panose="02040503050406030204" pitchFamily="18" charset="0"/>
                       </a:rPr>
                       <m:t>C</m:t>
@@ -11387,7 +12520,7 @@
                     <m:sSub>
                       <m:sSubPr>
                         <m:ctrlPr>
-                          <a:rPr lang="de-AT" sz="2400" b="0" i="1" noProof="1" smtClean="0">
+                          <a:rPr lang="de-AT" sz="2000" b="0" i="1" noProof="1" smtClean="0">
                             <a:latin typeface="Cambria Math" panose="02040503050406030204" pitchFamily="18" charset="0"/>
                           </a:rPr>
                         </m:ctrlPr>
@@ -11397,7 +12530,7 @@
                           <m:rPr>
                             <m:sty m:val="p"/>
                           </m:rPr>
-                          <a:rPr lang="de-AT" sz="2400" b="0" i="0" noProof="1" smtClean="0">
+                          <a:rPr lang="de-AT" sz="2000" b="0" i="0" noProof="1" smtClean="0">
                             <a:latin typeface="Cambria Math" panose="02040503050406030204" pitchFamily="18" charset="0"/>
                           </a:rPr>
                           <m:t>H</m:t>
@@ -11405,7 +12538,7 @@
                       </m:e>
                       <m:sub>
                         <m:r>
-                          <a:rPr lang="de-AT" sz="2400" b="0" i="0" noProof="1" smtClean="0">
+                          <a:rPr lang="de-AT" sz="2000" b="0" i="0" noProof="1" smtClean="0">
                             <a:latin typeface="Cambria Math" panose="02040503050406030204" pitchFamily="18" charset="0"/>
                           </a:rPr>
                           <m:t>3</m:t>
@@ -11416,7 +12549,7 @@
                       <m:rPr>
                         <m:sty m:val="p"/>
                       </m:rPr>
-                      <a:rPr lang="de-AT" sz="2400" b="0" i="0" noProof="1" smtClean="0">
+                      <a:rPr lang="de-AT" sz="2000" b="0" i="0" noProof="1" smtClean="0">
                         <a:latin typeface="Cambria Math" panose="02040503050406030204" pitchFamily="18" charset="0"/>
                       </a:rPr>
                       <m:t>COOH</m:t>
@@ -11424,14 +12557,14 @@
                   </m:oMath>
                 </a14:m>
                 <a:r>
-                  <a:rPr lang="en-US" sz="2400" noProof="1"/>
-                  <a:t> and the first five wave functions shifted by their respective eigenenergies. </a:t>
+                  <a:rPr lang="en-US" sz="2000" noProof="1"/>
+                  <a:t> (black dots), the harmonic fit (red)  and the first five wave functions shifted by their respective eigenenergies. </a:t>
                 </a:r>
               </a:p>
             </p:txBody>
           </p:sp>
         </mc:Choice>
-        <mc:Fallback xmlns="">
+        <mc:Fallback>
           <p:sp>
             <p:nvSpPr>
               <p:cNvPr id="50" name="Textfeld 49">
@@ -11448,16 +12581,16 @@
             </p:nvSpPr>
             <p:spPr>
               <a:xfrm>
-                <a:off x="23017395" y="20499474"/>
-                <a:ext cx="8961986" cy="1200329"/>
+                <a:off x="22968712" y="22184284"/>
+                <a:ext cx="9152567" cy="1015663"/>
               </a:xfrm>
               <a:prstGeom prst="rect">
                 <a:avLst/>
               </a:prstGeom>
               <a:blipFill>
-                <a:blip r:embed="rId22"/>
+                <a:blip r:embed="rId21"/>
                 <a:stretch>
-                  <a:fillRect l="-1132" t="-4211" b="-11579"/>
+                  <a:fillRect l="-693" t="-1235" b="-9877"/>
                 </a:stretch>
               </a:blipFill>
             </p:spPr>
@@ -11476,8 +12609,8 @@
           </p:sp>
         </mc:Fallback>
       </mc:AlternateContent>
-      <mc:AlternateContent xmlns:mc="http://schemas.openxmlformats.org/markup-compatibility/2006" xmlns:a14="http://schemas.microsoft.com/office/drawing/2010/main">
-        <mc:Choice Requires="a14">
+      <mc:AlternateContent xmlns:mc="http://schemas.openxmlformats.org/markup-compatibility/2006">
+        <mc:Choice xmlns:a14="http://schemas.microsoft.com/office/drawing/2010/main" Requires="a14">
           <p:sp>
             <p:nvSpPr>
               <p:cNvPr id="52" name="Textfeld 51">
@@ -11492,8 +12625,8 @@
             </p:nvSpPr>
             <p:spPr>
               <a:xfrm>
-                <a:off x="34548630" y="4977632"/>
-                <a:ext cx="7719707" cy="4004301"/>
+                <a:off x="34199802" y="4997758"/>
+                <a:ext cx="7719707" cy="3105337"/>
               </a:xfrm>
               <a:prstGeom prst="rect">
                 <a:avLst/>
@@ -11507,183 +12640,183 @@
               <a:lstStyle/>
               <a:p>
                 <a:r>
-                  <a:rPr lang="de-DE" sz="2800" dirty="0"/>
+                  <a:rPr lang="de-DE" sz="2400" dirty="0"/>
                   <a:t>In </a:t>
                 </a:r>
                 <a:r>
-                  <a:rPr lang="de-DE" sz="2800" dirty="0" err="1"/>
+                  <a:rPr lang="de-DE" sz="2400" dirty="0" err="1"/>
                   <a:t>order</a:t>
                 </a:r>
                 <a:r>
-                  <a:rPr lang="de-DE" sz="2800" dirty="0"/>
+                  <a:rPr lang="de-DE" sz="2400" dirty="0"/>
                   <a:t> </a:t>
                 </a:r>
                 <a:r>
-                  <a:rPr lang="de-DE" sz="2800" dirty="0" err="1"/>
+                  <a:rPr lang="de-DE" sz="2400" dirty="0" err="1"/>
                   <a:t>for</a:t>
                 </a:r>
                 <a:r>
-                  <a:rPr lang="de-DE" sz="2800" dirty="0"/>
+                  <a:rPr lang="de-DE" sz="2400" dirty="0"/>
                   <a:t> a </a:t>
                 </a:r>
                 <a:r>
-                  <a:rPr lang="de-DE" sz="2800" dirty="0" err="1"/>
+                  <a:rPr lang="de-DE" sz="2400" dirty="0" err="1"/>
                   <a:t>vibration</a:t>
                 </a:r>
                 <a:r>
-                  <a:rPr lang="de-DE" sz="2800" dirty="0"/>
+                  <a:rPr lang="de-DE" sz="2400" dirty="0"/>
                   <a:t> </a:t>
                 </a:r>
                 <a:r>
-                  <a:rPr lang="de-DE" sz="2800" dirty="0" err="1"/>
+                  <a:rPr lang="de-DE" sz="2400" dirty="0" err="1"/>
                   <a:t>to</a:t>
                 </a:r>
                 <a:r>
-                  <a:rPr lang="de-DE" sz="2800" dirty="0"/>
+                  <a:rPr lang="de-DE" sz="2400" dirty="0"/>
                   <a:t> </a:t>
                 </a:r>
                 <a:r>
-                  <a:rPr lang="de-DE" sz="2800" dirty="0" err="1"/>
+                  <a:rPr lang="de-DE" sz="2400" dirty="0" err="1"/>
                   <a:t>be</a:t>
                 </a:r>
                 <a:r>
-                  <a:rPr lang="de-DE" sz="2800" dirty="0"/>
+                  <a:rPr lang="de-DE" sz="2400" dirty="0"/>
                   <a:t> IR </a:t>
                 </a:r>
                 <a:r>
-                  <a:rPr lang="de-DE" sz="2800" dirty="0" err="1"/>
+                  <a:rPr lang="de-DE" sz="2400" dirty="0" err="1"/>
                   <a:t>active</a:t>
                 </a:r>
                 <a:r>
-                  <a:rPr lang="de-DE" sz="2800" dirty="0"/>
+                  <a:rPr lang="de-DE" sz="2400" dirty="0"/>
                   <a:t> </a:t>
                 </a:r>
                 <a:r>
-                  <a:rPr lang="de-DE" sz="2800" dirty="0" err="1"/>
+                  <a:rPr lang="de-DE" sz="2400" dirty="0" err="1"/>
                   <a:t>the</a:t>
                 </a:r>
                 <a:r>
-                  <a:rPr lang="de-DE" sz="2800" dirty="0"/>
+                  <a:rPr lang="de-DE" sz="2400" dirty="0"/>
                   <a:t> </a:t>
                 </a:r>
                 <a:r>
-                  <a:rPr lang="de-DE" sz="2800" dirty="0" err="1"/>
+                  <a:rPr lang="de-DE" sz="2400" dirty="0" err="1"/>
                   <a:t>dipole</a:t>
                 </a:r>
                 <a:r>
-                  <a:rPr lang="de-DE" sz="2800" dirty="0"/>
+                  <a:rPr lang="de-DE" sz="2400" dirty="0"/>
                   <a:t> </a:t>
                 </a:r>
                 <a:r>
-                  <a:rPr lang="de-DE" sz="2800" dirty="0" err="1"/>
+                  <a:rPr lang="de-DE" sz="2400" dirty="0" err="1"/>
                   <a:t>moment</a:t>
                 </a:r>
                 <a:r>
-                  <a:rPr lang="de-DE" sz="2800" dirty="0"/>
+                  <a:rPr lang="de-DE" sz="2400" dirty="0"/>
                   <a:t> </a:t>
                 </a:r>
                 <a:r>
-                  <a:rPr lang="de-DE" sz="2800" dirty="0" err="1"/>
+                  <a:rPr lang="de-DE" sz="2400" dirty="0" err="1"/>
                   <a:t>must</a:t>
                 </a:r>
                 <a:r>
-                  <a:rPr lang="de-DE" sz="2800" dirty="0"/>
+                  <a:rPr lang="de-DE" sz="2400" dirty="0"/>
                   <a:t> </a:t>
                 </a:r>
                 <a:r>
-                  <a:rPr lang="de-DE" sz="2800" dirty="0" err="1"/>
+                  <a:rPr lang="de-DE" sz="2400" dirty="0" err="1"/>
                   <a:t>change</a:t>
                 </a:r>
                 <a:r>
-                  <a:rPr lang="de-DE" sz="2800" dirty="0"/>
+                  <a:rPr lang="de-DE" sz="2400" dirty="0"/>
                   <a:t>. The </a:t>
                 </a:r>
                 <a:r>
-                  <a:rPr lang="de-DE" sz="2800" dirty="0" err="1"/>
+                  <a:rPr lang="de-DE" sz="2400" dirty="0" err="1"/>
                   <a:t>plot</a:t>
                 </a:r>
                 <a:r>
-                  <a:rPr lang="de-DE" sz="2800" dirty="0"/>
+                  <a:rPr lang="de-DE" sz="2400" dirty="0"/>
                   <a:t> on </a:t>
                 </a:r>
                 <a:r>
-                  <a:rPr lang="de-DE" sz="2800" dirty="0" err="1"/>
+                  <a:rPr lang="de-DE" sz="2400" dirty="0" err="1"/>
                   <a:t>the</a:t>
                 </a:r>
                 <a:r>
-                  <a:rPr lang="de-DE" sz="2800" dirty="0"/>
+                  <a:rPr lang="de-DE" sz="2400" dirty="0"/>
                   <a:t> </a:t>
                 </a:r>
                 <a:r>
-                  <a:rPr lang="de-DE" sz="2800" dirty="0" err="1"/>
+                  <a:rPr lang="de-DE" sz="2400" dirty="0" err="1"/>
                   <a:t>left</a:t>
                 </a:r>
                 <a:r>
-                  <a:rPr lang="de-DE" sz="2800" dirty="0"/>
+                  <a:rPr lang="de-DE" sz="2400" dirty="0"/>
                   <a:t> </a:t>
                 </a:r>
                 <a:r>
-                  <a:rPr lang="de-DE" sz="2800" dirty="0" err="1"/>
+                  <a:rPr lang="de-DE" sz="2400" dirty="0" err="1"/>
                   <a:t>side</a:t>
                 </a:r>
                 <a:r>
-                  <a:rPr lang="de-DE" sz="2800" dirty="0"/>
+                  <a:rPr lang="de-DE" sz="2400" dirty="0"/>
                   <a:t> </a:t>
                 </a:r>
                 <a:r>
-                  <a:rPr lang="de-DE" sz="2800" dirty="0" err="1"/>
+                  <a:rPr lang="de-DE" sz="2400" dirty="0" err="1"/>
                   <a:t>displays</a:t>
                 </a:r>
                 <a:r>
-                  <a:rPr lang="de-DE" sz="2800" dirty="0"/>
+                  <a:rPr lang="de-DE" sz="2400" dirty="0"/>
                   <a:t> </a:t>
                 </a:r>
                 <a:r>
-                  <a:rPr lang="de-DE" sz="2800" dirty="0" err="1"/>
+                  <a:rPr lang="de-DE" sz="2400" dirty="0" err="1"/>
                   <a:t>the</a:t>
                 </a:r>
                 <a:r>
-                  <a:rPr lang="de-DE" sz="2800" dirty="0"/>
+                  <a:rPr lang="de-DE" sz="2400" dirty="0"/>
                   <a:t> </a:t>
                 </a:r>
                 <a:r>
-                  <a:rPr lang="de-DE" sz="2800" dirty="0" err="1"/>
+                  <a:rPr lang="de-DE" sz="2400" dirty="0" err="1"/>
                   <a:t>change</a:t>
                 </a:r>
                 <a:r>
-                  <a:rPr lang="de-DE" sz="2800" dirty="0"/>
+                  <a:rPr lang="de-DE" sz="2400" dirty="0"/>
                   <a:t> in </a:t>
                 </a:r>
                 <a:r>
-                  <a:rPr lang="de-DE" sz="2800" dirty="0" err="1"/>
+                  <a:rPr lang="de-DE" sz="2400" dirty="0" err="1"/>
                   <a:t>the</a:t>
                 </a:r>
                 <a:r>
-                  <a:rPr lang="de-DE" sz="2800" dirty="0"/>
+                  <a:rPr lang="de-DE" sz="2400" dirty="0"/>
                   <a:t> </a:t>
                 </a:r>
                 <a:r>
-                  <a:rPr lang="de-DE" sz="2800" dirty="0" err="1"/>
+                  <a:rPr lang="de-DE" sz="2400" dirty="0" err="1"/>
                   <a:t>dipole</a:t>
                 </a:r>
                 <a:r>
-                  <a:rPr lang="de-DE" sz="2800" dirty="0"/>
+                  <a:rPr lang="de-DE" sz="2400" dirty="0"/>
                   <a:t> </a:t>
                 </a:r>
                 <a:r>
-                  <a:rPr lang="de-DE" sz="2800" dirty="0" err="1"/>
+                  <a:rPr lang="de-DE" sz="2400" dirty="0" err="1"/>
                   <a:t>moment</a:t>
                 </a:r>
                 <a:r>
-                  <a:rPr lang="de-DE" sz="2800" dirty="0"/>
+                  <a:rPr lang="de-DE" sz="2400" dirty="0"/>
                   <a:t> </a:t>
                 </a:r>
                 <a:r>
-                  <a:rPr lang="de-DE" sz="2800" dirty="0" err="1"/>
+                  <a:rPr lang="de-DE" sz="2400" dirty="0" err="1"/>
                   <a:t>components</a:t>
                 </a:r>
                 <a:r>
-                  <a:rPr lang="de-DE" sz="2800" dirty="0"/>
+                  <a:rPr lang="de-DE" sz="2400" dirty="0"/>
                   <a:t> </a:t>
                 </a:r>
                 <a14:m>
@@ -11691,14 +12824,14 @@
                     <m:sSub>
                       <m:sSubPr>
                         <m:ctrlPr>
-                          <a:rPr lang="de-AT" sz="2800" b="0" i="1" smtClean="0">
+                          <a:rPr lang="de-AT" sz="2400" b="0" i="1" smtClean="0">
                             <a:latin typeface="Cambria Math" panose="02040503050406030204" pitchFamily="18" charset="0"/>
                           </a:rPr>
                         </m:ctrlPr>
                       </m:sSubPr>
                       <m:e>
                         <m:r>
-                          <a:rPr lang="de-AT" sz="2800" b="0" i="1" smtClean="0">
+                          <a:rPr lang="de-AT" sz="2400" b="0" i="1" smtClean="0">
                             <a:latin typeface="Cambria Math" panose="02040503050406030204" pitchFamily="18" charset="0"/>
                           </a:rPr>
                           <m:t>𝜇</m:t>
@@ -11706,7 +12839,7 @@
                       </m:e>
                       <m:sub>
                         <m:r>
-                          <a:rPr lang="de-AT" sz="2800" b="0" i="1" smtClean="0">
+                          <a:rPr lang="de-AT" sz="2400" b="0" i="1" smtClean="0">
                             <a:latin typeface="Cambria Math" panose="02040503050406030204" pitchFamily="18" charset="0"/>
                           </a:rPr>
                           <m:t>𝑥</m:t>
@@ -11714,7 +12847,7 @@
                       </m:sub>
                     </m:sSub>
                     <m:r>
-                      <a:rPr lang="de-AT" sz="2800" b="0" i="1" smtClean="0">
+                      <a:rPr lang="de-AT" sz="2400" b="0" i="1" smtClean="0">
                         <a:latin typeface="Cambria Math" panose="02040503050406030204" pitchFamily="18" charset="0"/>
                       </a:rPr>
                       <m:t>,</m:t>
@@ -11722,14 +12855,14 @@
                     <m:sSub>
                       <m:sSubPr>
                         <m:ctrlPr>
-                          <a:rPr lang="de-AT" sz="2800" b="0" i="1" smtClean="0">
+                          <a:rPr lang="de-AT" sz="2400" b="0" i="1" smtClean="0">
                             <a:latin typeface="Cambria Math" panose="02040503050406030204" pitchFamily="18" charset="0"/>
                           </a:rPr>
                         </m:ctrlPr>
                       </m:sSubPr>
                       <m:e>
                         <m:r>
-                          <a:rPr lang="de-AT" sz="2800" b="0" i="1" smtClean="0">
+                          <a:rPr lang="de-AT" sz="2400" b="0" i="1" smtClean="0">
                             <a:latin typeface="Cambria Math" panose="02040503050406030204" pitchFamily="18" charset="0"/>
                           </a:rPr>
                           <m:t>𝜇</m:t>
@@ -11737,7 +12870,7 @@
                       </m:e>
                       <m:sub>
                         <m:r>
-                          <a:rPr lang="de-AT" sz="2800" b="0" i="1" smtClean="0">
+                          <a:rPr lang="de-AT" sz="2400" b="0" i="1" smtClean="0">
                             <a:latin typeface="Cambria Math" panose="02040503050406030204" pitchFamily="18" charset="0"/>
                           </a:rPr>
                           <m:t>𝑦</m:t>
@@ -11745,7 +12878,7 @@
                       </m:sub>
                     </m:sSub>
                     <m:r>
-                      <a:rPr lang="de-AT" sz="2800" b="0" i="1" smtClean="0">
+                      <a:rPr lang="de-AT" sz="2400" b="0" i="1" smtClean="0">
                         <a:latin typeface="Cambria Math" panose="02040503050406030204" pitchFamily="18" charset="0"/>
                       </a:rPr>
                       <m:t>,</m:t>
@@ -11753,14 +12886,14 @@
                     <m:sSub>
                       <m:sSubPr>
                         <m:ctrlPr>
-                          <a:rPr lang="de-AT" sz="2800" b="0" i="1" smtClean="0">
+                          <a:rPr lang="de-AT" sz="2400" b="0" i="1" smtClean="0">
                             <a:latin typeface="Cambria Math" panose="02040503050406030204" pitchFamily="18" charset="0"/>
                           </a:rPr>
                         </m:ctrlPr>
                       </m:sSubPr>
                       <m:e>
                         <m:r>
-                          <a:rPr lang="de-AT" sz="2800" b="0" i="1" smtClean="0">
+                          <a:rPr lang="de-AT" sz="2400" b="0" i="1" smtClean="0">
                             <a:latin typeface="Cambria Math" panose="02040503050406030204" pitchFamily="18" charset="0"/>
                           </a:rPr>
                           <m:t>𝜇</m:t>
@@ -11768,7 +12901,7 @@
                       </m:e>
                       <m:sub>
                         <m:r>
-                          <a:rPr lang="de-AT" sz="2800" b="0" i="1" smtClean="0">
+                          <a:rPr lang="de-AT" sz="2400" b="0" i="1" smtClean="0">
                             <a:latin typeface="Cambria Math" panose="02040503050406030204" pitchFamily="18" charset="0"/>
                           </a:rPr>
                           <m:t>𝑧</m:t>
@@ -11778,15 +12911,15 @@
                   </m:oMath>
                 </a14:m>
                 <a:r>
-                  <a:rPr lang="de-DE" sz="2800" dirty="0"/>
+                  <a:rPr lang="de-DE" sz="2400" dirty="0"/>
                   <a:t>. The </a:t>
                 </a:r>
                 <a:r>
-                  <a:rPr lang="de-DE" sz="2800" dirty="0" err="1"/>
+                  <a:rPr lang="de-DE" sz="2400" dirty="0" err="1"/>
                   <a:t>component</a:t>
                 </a:r>
                 <a:r>
-                  <a:rPr lang="de-DE" sz="2800" dirty="0"/>
+                  <a:rPr lang="de-DE" sz="2400" dirty="0"/>
                   <a:t> </a:t>
                 </a:r>
                 <a14:m>
@@ -11794,14 +12927,14 @@
                     <m:sSub>
                       <m:sSubPr>
                         <m:ctrlPr>
-                          <a:rPr lang="de-AT" sz="2800" b="0" i="1" smtClean="0">
+                          <a:rPr lang="de-AT" sz="2400" b="0" i="1" smtClean="0">
                             <a:latin typeface="Cambria Math" panose="02040503050406030204" pitchFamily="18" charset="0"/>
                           </a:rPr>
                         </m:ctrlPr>
                       </m:sSubPr>
                       <m:e>
                         <m:r>
-                          <a:rPr lang="de-AT" sz="2800" b="0" i="1" smtClean="0">
+                          <a:rPr lang="de-AT" sz="2400" b="0" i="1" smtClean="0">
                             <a:latin typeface="Cambria Math" panose="02040503050406030204" pitchFamily="18" charset="0"/>
                           </a:rPr>
                           <m:t>𝜇</m:t>
@@ -11809,7 +12942,7 @@
                       </m:e>
                       <m:sub>
                         <m:r>
-                          <a:rPr lang="de-AT" sz="2800" b="0" i="1" smtClean="0">
+                          <a:rPr lang="de-AT" sz="2400" b="0" i="1" smtClean="0">
                             <a:latin typeface="Cambria Math" panose="02040503050406030204" pitchFamily="18" charset="0"/>
                           </a:rPr>
                           <m:t>𝑦</m:t>
@@ -11819,212 +12952,321 @@
                   </m:oMath>
                 </a14:m>
                 <a:r>
-                  <a:rPr lang="de-DE" sz="2800" dirty="0"/>
+                  <a:rPr lang="de-DE" sz="2400" dirty="0"/>
                   <a:t> </a:t>
                 </a:r>
                 <a:r>
-                  <a:rPr lang="de-DE" sz="2800" dirty="0" err="1"/>
+                  <a:rPr lang="de-DE" sz="2400" dirty="0" err="1"/>
                   <a:t>is</a:t>
                 </a:r>
                 <a:r>
-                  <a:rPr lang="de-DE" sz="2800" dirty="0"/>
+                  <a:rPr lang="de-DE" sz="2400" dirty="0"/>
                   <a:t> </a:t>
                 </a:r>
                 <a:r>
-                  <a:rPr lang="de-DE" sz="2800" dirty="0" err="1"/>
+                  <a:rPr lang="de-DE" sz="2400" dirty="0" err="1"/>
                   <a:t>zero</a:t>
                 </a:r>
                 <a:r>
-                  <a:rPr lang="de-DE" sz="2800" dirty="0"/>
+                  <a:rPr lang="de-DE" sz="2400" dirty="0"/>
                   <a:t> </a:t>
                 </a:r>
                 <a:r>
-                  <a:rPr lang="de-DE" sz="2800" dirty="0" err="1"/>
+                  <a:rPr lang="de-DE" sz="2400" dirty="0" err="1"/>
                   <a:t>this</a:t>
                 </a:r>
                 <a:r>
-                  <a:rPr lang="de-DE" sz="2800" dirty="0"/>
+                  <a:rPr lang="de-DE" sz="2400" dirty="0"/>
                   <a:t> </a:t>
                 </a:r>
                 <a:r>
-                  <a:rPr lang="de-DE" sz="2800" dirty="0" err="1"/>
+                  <a:rPr lang="de-DE" sz="2400" dirty="0" err="1"/>
                   <a:t>is</a:t>
                 </a:r>
                 <a:r>
-                  <a:rPr lang="de-DE" sz="2800" dirty="0"/>
+                  <a:rPr lang="de-DE" sz="2400" dirty="0"/>
                   <a:t> a </a:t>
                 </a:r>
                 <a:r>
-                  <a:rPr lang="de-DE" sz="2800" dirty="0" err="1"/>
+                  <a:rPr lang="de-DE" sz="2400" dirty="0" err="1"/>
                   <a:t>result</a:t>
                 </a:r>
                 <a:r>
-                  <a:rPr lang="de-DE" sz="2800" dirty="0"/>
+                  <a:rPr lang="de-DE" sz="2400" dirty="0"/>
                   <a:t> </a:t>
                 </a:r>
                 <a:r>
-                  <a:rPr lang="de-DE" sz="2800" dirty="0" err="1"/>
+                  <a:rPr lang="de-DE" sz="2400" dirty="0" err="1"/>
                   <a:t>of</a:t>
                 </a:r>
                 <a:r>
-                  <a:rPr lang="de-DE" sz="2800" dirty="0"/>
+                  <a:rPr lang="de-DE" sz="2400" dirty="0"/>
                   <a:t> </a:t>
                 </a:r>
                 <a:r>
-                  <a:rPr lang="de-DE" sz="2800" dirty="0" err="1"/>
+                  <a:rPr lang="de-DE" sz="2400" dirty="0" err="1"/>
                   <a:t>the</a:t>
                 </a:r>
                 <a:r>
-                  <a:rPr lang="de-DE" sz="2800" dirty="0"/>
+                  <a:rPr lang="de-DE" sz="2400" dirty="0"/>
                   <a:t> </a:t>
                 </a:r>
                 <a:r>
-                  <a:rPr lang="de-DE" sz="2800" dirty="0" err="1"/>
+                  <a:rPr lang="de-DE" sz="2400" dirty="0" err="1"/>
                   <a:t>orientation</a:t>
                 </a:r>
                 <a:r>
-                  <a:rPr lang="de-DE" sz="2800" dirty="0"/>
+                  <a:rPr lang="de-DE" sz="2400" dirty="0"/>
                   <a:t> </a:t>
                 </a:r>
                 <a:r>
-                  <a:rPr lang="de-DE" sz="2800" dirty="0" err="1"/>
+                  <a:rPr lang="de-DE" sz="2400" dirty="0" err="1"/>
                   <a:t>of</a:t>
                 </a:r>
                 <a:r>
-                  <a:rPr lang="de-DE" sz="2800" dirty="0"/>
+                  <a:rPr lang="de-DE" sz="2400" dirty="0"/>
                   <a:t> </a:t>
                 </a:r>
                 <a:r>
-                  <a:rPr lang="de-DE" sz="2800" dirty="0" err="1"/>
+                  <a:rPr lang="de-DE" sz="2400" dirty="0" err="1"/>
                   <a:t>the</a:t>
                 </a:r>
                 <a:r>
-                  <a:rPr lang="de-DE" sz="2800" dirty="0"/>
+                  <a:rPr lang="de-DE" sz="2400" dirty="0"/>
                   <a:t> </a:t>
                 </a:r>
                 <a:r>
-                  <a:rPr lang="de-DE" sz="2800" dirty="0" err="1"/>
+                  <a:rPr lang="de-DE" sz="2400" dirty="0" err="1"/>
                   <a:t>molecule</a:t>
                 </a:r>
                 <a:r>
-                  <a:rPr lang="de-DE" sz="2800" dirty="0"/>
+                  <a:rPr lang="de-DE" sz="2400" dirty="0"/>
                   <a:t> in </a:t>
                 </a:r>
                 <a:r>
-                  <a:rPr lang="de-DE" sz="2800" dirty="0" err="1"/>
+                  <a:rPr lang="de-DE" sz="2400" dirty="0" err="1"/>
                   <a:t>the</a:t>
                 </a:r>
                 <a:r>
-                  <a:rPr lang="de-DE" sz="2800" dirty="0"/>
+                  <a:rPr lang="de-DE" sz="2400" dirty="0"/>
                   <a:t> </a:t>
                 </a:r>
                 <a:r>
-                  <a:rPr lang="de-DE" sz="2800" dirty="0" err="1"/>
+                  <a:rPr lang="de-DE" sz="2400" dirty="0" err="1"/>
                   <a:t>coordinate</a:t>
                 </a:r>
                 <a:r>
-                  <a:rPr lang="de-DE" sz="2800" dirty="0"/>
+                  <a:rPr lang="de-DE" sz="2400" dirty="0"/>
                   <a:t> </a:t>
                 </a:r>
                 <a:r>
-                  <a:rPr lang="de-DE" sz="2800" dirty="0" err="1"/>
+                  <a:rPr lang="de-DE" sz="2400" dirty="0" err="1"/>
                   <a:t>system</a:t>
                 </a:r>
                 <a:r>
-                  <a:rPr lang="de-DE" sz="2800" dirty="0"/>
+                  <a:rPr lang="de-DE" sz="2400" dirty="0"/>
                   <a:t>.</a:t>
                 </a:r>
               </a:p>
               <a:p>
-                <a:endParaRPr lang="de-DE" sz="2800" dirty="0"/>
-              </a:p>
-              <a:p>
-                <a:r>
-                  <a:rPr lang="de-AT" sz="2800" dirty="0"/>
-                  <a:t>As a </a:t>
-                </a:r>
-                <a:r>
-                  <a:rPr lang="de-AT" sz="2800" dirty="0" err="1"/>
+                <a14:m>
+                  <m:oMath xmlns:m="http://schemas.openxmlformats.org/officeDocument/2006/math">
+                    <m:sSub>
+                      <m:sSubPr>
+                        <m:ctrlPr>
+                          <a:rPr lang="de-AT" sz="2400" b="0" i="1" smtClean="0">
+                            <a:latin typeface="Cambria Math" panose="02040503050406030204" pitchFamily="18" charset="0"/>
+                          </a:rPr>
+                        </m:ctrlPr>
+                      </m:sSubPr>
+                      <m:e>
+                        <m:r>
+                          <a:rPr lang="de-AT" sz="2400" b="0" i="1" smtClean="0">
+                            <a:latin typeface="Cambria Math" panose="02040503050406030204" pitchFamily="18" charset="0"/>
+                          </a:rPr>
+                          <m:t>𝜇</m:t>
+                        </m:r>
+                      </m:e>
+                      <m:sub>
+                        <m:r>
+                          <a:rPr lang="de-AT" sz="2400" b="0" i="1" smtClean="0">
+                            <a:latin typeface="Cambria Math" panose="02040503050406030204" pitchFamily="18" charset="0"/>
+                          </a:rPr>
+                          <m:t>𝑡𝑜𝑡𝑎𝑙</m:t>
+                        </m:r>
+                      </m:sub>
+                    </m:sSub>
+                  </m:oMath>
+                </a14:m>
+                <a:r>
+                  <a:rPr lang="de-DE" sz="2400" dirty="0"/>
+                  <a:t> </a:t>
+                </a:r>
+                <a:r>
+                  <a:rPr lang="de-DE" sz="2400" dirty="0" err="1"/>
+                  <a:t>shows</a:t>
+                </a:r>
+                <a:r>
+                  <a:rPr lang="de-DE" sz="2400" dirty="0"/>
+                  <a:t> a </a:t>
+                </a:r>
+                <a:r>
+                  <a:rPr lang="de-DE" sz="2400" dirty="0" err="1"/>
                   <a:t>overall</a:t>
                 </a:r>
                 <a:r>
-                  <a:rPr lang="de-AT" sz="2800" dirty="0"/>
+                  <a:rPr lang="de-DE" sz="2400" dirty="0"/>
                   <a:t> </a:t>
                 </a:r>
                 <a:r>
-                  <a:rPr lang="de-AT" sz="2800" dirty="0" err="1"/>
-                  <a:t>trend</a:t>
-                </a:r>
-                <a:r>
-                  <a:rPr lang="de-AT" sz="2800" dirty="0"/>
+                  <a:rPr lang="de-DE" sz="2400" dirty="0" err="1"/>
+                  <a:t>change</a:t>
+                </a:r>
+                <a:r>
+                  <a:rPr lang="de-DE" sz="2400" dirty="0"/>
+                  <a:t> in </a:t>
+                </a:r>
+                <a:r>
+                  <a:rPr lang="de-DE" sz="2400" dirty="0" err="1"/>
+                  <a:t>the</a:t>
+                </a:r>
+                <a:r>
+                  <a:rPr lang="de-DE" sz="2400" dirty="0"/>
                   <a:t> </a:t>
                 </a:r>
                 <a:r>
-                  <a:rPr lang="de-AT" sz="2800" dirty="0" err="1"/>
+                  <a:rPr lang="de-DE" sz="2400" dirty="0" err="1"/>
+                  <a:t>dipole</a:t>
+                </a:r>
+                <a:r>
+                  <a:rPr lang="de-DE" sz="2400" dirty="0"/>
+                  <a:t> </a:t>
+                </a:r>
+                <a:r>
+                  <a:rPr lang="de-DE" sz="2400" dirty="0" err="1"/>
+                  <a:t>moment</a:t>
+                </a:r>
+                <a:r>
+                  <a:rPr lang="de-DE" sz="2400" dirty="0"/>
+                  <a:t> </a:t>
+                </a:r>
+                <a:r>
+                  <a:rPr lang="de-DE" sz="2400" dirty="0" err="1"/>
+                  <a:t>which</a:t>
+                </a:r>
+                <a:r>
+                  <a:rPr lang="de-DE" sz="2400" dirty="0"/>
+                  <a:t> </a:t>
+                </a:r>
+                <a:r>
+                  <a:rPr lang="de-DE" sz="2400" dirty="0" err="1"/>
+                  <a:t>is</a:t>
+                </a:r>
+                <a:r>
+                  <a:rPr lang="de-DE" sz="2400" dirty="0"/>
+                  <a:t> </a:t>
+                </a:r>
+                <a:r>
+                  <a:rPr lang="de-DE" sz="2400" dirty="0" err="1"/>
+                  <a:t>expected</a:t>
+                </a:r>
+                <a:r>
+                  <a:rPr lang="de-DE" sz="2400" dirty="0"/>
+                  <a:t> </a:t>
+                </a:r>
+                <a:r>
+                  <a:rPr lang="de-DE" sz="2400" dirty="0" err="1"/>
+                  <a:t>as</a:t>
+                </a:r>
+                <a:r>
+                  <a:rPr lang="de-DE" sz="2400" dirty="0"/>
+                  <a:t> </a:t>
+                </a:r>
+                <a:r>
+                  <a:rPr lang="de-DE" sz="2400" dirty="0" err="1"/>
                   <a:t>the</a:t>
                 </a:r>
                 <a:r>
-                  <a:rPr lang="de-AT" sz="2800" dirty="0"/>
+                  <a:rPr lang="de-DE" sz="2400" dirty="0"/>
                   <a:t> </a:t>
                 </a:r>
                 <a:r>
-                  <a:rPr lang="de-AT" sz="2800" dirty="0" err="1"/>
-                  <a:t>dipole</a:t>
-                </a:r>
-                <a:r>
-                  <a:rPr lang="de-AT" sz="2800" dirty="0"/>
+                  <a:rPr lang="de-DE" sz="2400" dirty="0" err="1"/>
+                  <a:t>change</a:t>
+                </a:r>
+                <a:r>
+                  <a:rPr lang="de-DE" sz="2400" dirty="0"/>
+                  <a:t> in </a:t>
+                </a:r>
+                <a:r>
+                  <a:rPr lang="de-DE" sz="2400" dirty="0" err="1"/>
+                  <a:t>the</a:t>
+                </a:r>
+                <a:r>
+                  <a:rPr lang="de-DE" sz="2400" dirty="0"/>
                   <a:t> </a:t>
                 </a:r>
                 <a:r>
-                  <a:rPr lang="de-AT" sz="2800" dirty="0" err="1"/>
-                  <a:t>moment</a:t>
-                </a:r>
-                <a:r>
-                  <a:rPr lang="de-AT" sz="2800" dirty="0"/>
+                  <a:rPr lang="de-DE" sz="2400" dirty="0" err="1"/>
+                  <a:t>bond</a:t>
+                </a:r>
+                <a:r>
+                  <a:rPr lang="de-DE" sz="2400" dirty="0"/>
                   <a:t> </a:t>
                 </a:r>
                 <a:r>
-                  <a:rPr lang="de-AT" sz="2800" dirty="0" err="1"/>
-                  <a:t>decreases</a:t>
-                </a:r>
-                <a:r>
-                  <a:rPr lang="de-AT" sz="2800" dirty="0"/>
+                  <a:rPr lang="de-DE" sz="2400" dirty="0" err="1"/>
+                  <a:t>length</a:t>
+                </a:r>
+                <a:r>
+                  <a:rPr lang="de-DE" sz="2400" dirty="0"/>
+                  <a:t> alters </a:t>
+                </a:r>
+                <a:r>
+                  <a:rPr lang="de-DE" sz="2400" dirty="0" err="1"/>
+                  <a:t>the</a:t>
+                </a:r>
+                <a:r>
+                  <a:rPr lang="de-DE" sz="2400" dirty="0"/>
                   <a:t> </a:t>
                 </a:r>
                 <a:r>
-                  <a:rPr lang="de-AT" sz="2800" dirty="0" err="1"/>
-                  <a:t>with</a:t>
-                </a:r>
-                <a:r>
-                  <a:rPr lang="de-AT" sz="2800" dirty="0"/>
+                  <a:rPr lang="de-DE" sz="2400" dirty="0" err="1"/>
+                  <a:t>distribution</a:t>
+                </a:r>
+                <a:r>
+                  <a:rPr lang="de-DE" sz="2400" dirty="0"/>
                   <a:t> </a:t>
                 </a:r>
                 <a:r>
-                  <a:rPr lang="de-AT" sz="2800" dirty="0" err="1"/>
-                  <a:t>increasing</a:t>
-                </a:r>
-                <a:r>
-                  <a:rPr lang="de-AT" sz="2800" dirty="0"/>
+                  <a:rPr lang="de-DE" sz="2400" dirty="0" err="1"/>
+                  <a:t>of</a:t>
+                </a:r>
+                <a:r>
+                  <a:rPr lang="de-DE" sz="2400" dirty="0"/>
                   <a:t> </a:t>
                 </a:r>
                 <a:r>
-                  <a:rPr lang="de-AT" sz="2800" dirty="0" err="1"/>
-                  <a:t>bond</a:t>
-                </a:r>
-                <a:r>
-                  <a:rPr lang="de-AT" sz="2800" dirty="0"/>
+                  <a:rPr lang="de-DE" sz="2400" dirty="0" err="1"/>
+                  <a:t>electron</a:t>
+                </a:r>
+                <a:r>
+                  <a:rPr lang="de-DE" sz="2400" dirty="0"/>
                   <a:t> </a:t>
                 </a:r>
                 <a:r>
-                  <a:rPr lang="de-AT" sz="2800" dirty="0" err="1"/>
-                  <a:t>distance</a:t>
-                </a:r>
-                <a:endParaRPr lang="de-DE" sz="2800" dirty="0"/>
+                  <a:rPr lang="de-DE" sz="2400" dirty="0" err="1"/>
+                  <a:t>density</a:t>
+                </a:r>
+                <a:r>
+                  <a:rPr lang="de-DE" sz="2400" dirty="0"/>
+                  <a:t>.</a:t>
+                </a:r>
               </a:p>
             </p:txBody>
           </p:sp>
         </mc:Choice>
-        <mc:Fallback xmlns="">
+        <mc:Fallback>
           <p:sp>
             <p:nvSpPr>
               <p:cNvPr id="52" name="Textfeld 51">
@@ -12041,16 +13283,16 @@
             </p:nvSpPr>
             <p:spPr>
               <a:xfrm>
-                <a:off x="34548630" y="4977632"/>
-                <a:ext cx="7719707" cy="4004301"/>
+                <a:off x="34199802" y="4997758"/>
+                <a:ext cx="7719707" cy="3105337"/>
               </a:xfrm>
               <a:prstGeom prst="rect">
                 <a:avLst/>
               </a:prstGeom>
               <a:blipFill>
-                <a:blip r:embed="rId23"/>
+                <a:blip r:embed="rId22"/>
                 <a:stretch>
-                  <a:fillRect l="-1642" t="-1899" r="-821" b="-3165"/>
+                  <a:fillRect l="-1149" t="-1633" r="-1314" b="-4082"/>
                 </a:stretch>
               </a:blipFill>
             </p:spPr>
@@ -12069,8 +13311,8 @@
           </p:sp>
         </mc:Fallback>
       </mc:AlternateContent>
-      <mc:AlternateContent xmlns:mc="http://schemas.openxmlformats.org/markup-compatibility/2006" xmlns:a14="http://schemas.microsoft.com/office/drawing/2010/main">
-        <mc:Choice Requires="a14">
+      <mc:AlternateContent xmlns:mc="http://schemas.openxmlformats.org/markup-compatibility/2006">
+        <mc:Choice xmlns:a14="http://schemas.microsoft.com/office/drawing/2010/main" Requires="a14">
           <p:sp>
             <p:nvSpPr>
               <p:cNvPr id="53" name="Textfeld 52">
@@ -12085,8 +13327,8 @@
             </p:nvSpPr>
             <p:spPr>
               <a:xfrm>
-                <a:off x="32798783" y="20443604"/>
-                <a:ext cx="8961986" cy="1200329"/>
+                <a:off x="32891083" y="22184283"/>
+                <a:ext cx="8961986" cy="1015663"/>
               </a:xfrm>
               <a:prstGeom prst="rect">
                 <a:avLst/>
@@ -12100,11 +13342,11 @@
               <a:lstStyle/>
               <a:p>
                 <a:r>
-                  <a:rPr lang="en-US" sz="2400" b="1" noProof="1"/>
+                  <a:rPr lang="en-US" sz="2000" b="1" noProof="1"/>
                   <a:t>Fig 5: </a:t>
                 </a:r>
                 <a:r>
-                  <a:rPr lang="en-US" sz="2400" noProof="1"/>
+                  <a:rPr lang="en-US" sz="2000" noProof="1"/>
                   <a:t>Potential energy surface of the bond scan of trans-</a:t>
                 </a:r>
                 <a14:m>
@@ -12113,7 +13355,7 @@
                       <m:rPr>
                         <m:sty m:val="p"/>
                       </m:rPr>
-                      <a:rPr lang="de-AT" sz="2400" b="0" i="0" noProof="1" smtClean="0">
+                      <a:rPr lang="de-AT" sz="2000" b="0" i="0" noProof="1" smtClean="0">
                         <a:latin typeface="Cambria Math" panose="02040503050406030204" pitchFamily="18" charset="0"/>
                       </a:rPr>
                       <m:t>C</m:t>
@@ -12121,7 +13363,7 @@
                     <m:sSub>
                       <m:sSubPr>
                         <m:ctrlPr>
-                          <a:rPr lang="de-AT" sz="2400" b="0" i="1" noProof="1" smtClean="0">
+                          <a:rPr lang="de-AT" sz="2000" b="0" i="1" noProof="1" smtClean="0">
                             <a:latin typeface="Cambria Math" panose="02040503050406030204" pitchFamily="18" charset="0"/>
                           </a:rPr>
                         </m:ctrlPr>
@@ -12131,7 +13373,7 @@
                           <m:rPr>
                             <m:sty m:val="p"/>
                           </m:rPr>
-                          <a:rPr lang="de-AT" sz="2400" b="0" i="0" noProof="1" smtClean="0">
+                          <a:rPr lang="de-AT" sz="2000" b="0" i="0" noProof="1" smtClean="0">
                             <a:latin typeface="Cambria Math" panose="02040503050406030204" pitchFamily="18" charset="0"/>
                           </a:rPr>
                           <m:t>H</m:t>
@@ -12139,7 +13381,7 @@
                       </m:e>
                       <m:sub>
                         <m:r>
-                          <a:rPr lang="de-AT" sz="2400" b="0" i="0" noProof="1" smtClean="0">
+                          <a:rPr lang="de-AT" sz="2000" b="0" i="0" noProof="1" smtClean="0">
                             <a:latin typeface="Cambria Math" panose="02040503050406030204" pitchFamily="18" charset="0"/>
                           </a:rPr>
                           <m:t>3</m:t>
@@ -12150,22 +13392,31 @@
                       <m:rPr>
                         <m:sty m:val="p"/>
                       </m:rPr>
-                      <a:rPr lang="de-AT" sz="2400" b="0" i="0" noProof="1" smtClean="0">
+                      <a:rPr lang="de-AT" sz="2000" b="0" i="0" noProof="1" smtClean="0">
                         <a:latin typeface="Cambria Math" panose="02040503050406030204" pitchFamily="18" charset="0"/>
                       </a:rPr>
-                      <m:t>COOH</m:t>
+                      <m:t>COO</m:t>
+                    </m:r>
+                    <m:r>
+                      <m:rPr>
+                        <m:sty m:val="p"/>
+                      </m:rPr>
+                      <a:rPr lang="de-AT" sz="2000" b="0" i="0" noProof="1" smtClean="0">
+                        <a:latin typeface="Cambria Math" panose="02040503050406030204" pitchFamily="18" charset="0"/>
+                      </a:rPr>
+                      <m:t>D</m:t>
                     </m:r>
                   </m:oMath>
                 </a14:m>
                 <a:r>
-                  <a:rPr lang="en-US" sz="2400" noProof="1"/>
-                  <a:t> and the first five wave functions shifted by their respective eigenenergies. </a:t>
+                  <a:rPr lang="en-US" sz="2000" noProof="1"/>
+                  <a:t> (black dots), the harmonic fit (red) and the first five wave functions shifted by their respective eigenenergies</a:t>
                 </a:r>
               </a:p>
             </p:txBody>
           </p:sp>
         </mc:Choice>
-        <mc:Fallback xmlns="">
+        <mc:Fallback>
           <p:sp>
             <p:nvSpPr>
               <p:cNvPr id="53" name="Textfeld 52">
@@ -12182,16 +13433,16 @@
             </p:nvSpPr>
             <p:spPr>
               <a:xfrm>
-                <a:off x="32798783" y="20443604"/>
-                <a:ext cx="8961986" cy="1200329"/>
+                <a:off x="32891083" y="22184283"/>
+                <a:ext cx="8961986" cy="1015663"/>
               </a:xfrm>
               <a:prstGeom prst="rect">
                 <a:avLst/>
               </a:prstGeom>
               <a:blipFill>
-                <a:blip r:embed="rId24"/>
+                <a:blip r:embed="rId23"/>
                 <a:stretch>
-                  <a:fillRect l="-990" t="-3125" b="-11458"/>
+                  <a:fillRect l="-850" t="-1235" b="-9877"/>
                 </a:stretch>
               </a:blipFill>
             </p:spPr>
@@ -12210,144 +13461,45 @@
           </p:sp>
         </mc:Fallback>
       </mc:AlternateContent>
-      <mc:AlternateContent xmlns:mc="http://schemas.openxmlformats.org/markup-compatibility/2006" xmlns:a14="http://schemas.microsoft.com/office/drawing/2010/main">
-        <mc:Choice Requires="a14">
-          <p:sp>
-            <p:nvSpPr>
-              <p:cNvPr id="57" name="Textfeld 56">
-                <a:extLst>
-                  <a:ext uri="{FF2B5EF4-FFF2-40B4-BE49-F238E27FC236}">
-                    <a16:creationId xmlns:a16="http://schemas.microsoft.com/office/drawing/2014/main" id="{E8F68F66-16FA-18E6-1A3C-89F518F2D920}"/>
-                  </a:ext>
-                </a:extLst>
-              </p:cNvPr>
-              <p:cNvSpPr txBox="1"/>
-              <p:nvPr/>
-            </p:nvSpPr>
-            <p:spPr>
-              <a:xfrm>
-                <a:off x="27851794" y="8904138"/>
-                <a:ext cx="5717192" cy="1200329"/>
-              </a:xfrm>
-              <a:prstGeom prst="rect">
-                <a:avLst/>
-              </a:prstGeom>
-              <a:noFill/>
-            </p:spPr>
-            <p:txBody>
-              <a:bodyPr wrap="square" rtlCol="0">
-                <a:spAutoFit/>
-              </a:bodyPr>
-              <a:lstStyle/>
-              <a:p>
-                <a:r>
-                  <a:rPr lang="en-US" sz="2400" b="1" noProof="1"/>
-                  <a:t>Fig 6: </a:t>
-                </a:r>
-                <a:r>
-                  <a:rPr lang="en-US" sz="2400" noProof="1"/>
-                  <a:t>Components of the dipole moment in x,y,z direction as a function of the distance between O-H in trans-</a:t>
-                </a:r>
-                <a14:m>
-                  <m:oMath xmlns:m="http://schemas.openxmlformats.org/officeDocument/2006/math">
-                    <m:r>
-                      <m:rPr>
-                        <m:sty m:val="p"/>
-                      </m:rPr>
-                      <a:rPr lang="de-AT" sz="2400" b="0" i="0" noProof="1" smtClean="0">
-                        <a:latin typeface="Cambria Math" panose="02040503050406030204" pitchFamily="18" charset="0"/>
-                      </a:rPr>
-                      <m:t>C</m:t>
-                    </m:r>
-                    <m:sSub>
-                      <m:sSubPr>
-                        <m:ctrlPr>
-                          <a:rPr lang="de-AT" sz="2400" b="0" i="1" noProof="1" smtClean="0">
-                            <a:latin typeface="Cambria Math" panose="02040503050406030204" pitchFamily="18" charset="0"/>
-                          </a:rPr>
-                        </m:ctrlPr>
-                      </m:sSubPr>
-                      <m:e>
-                        <m:r>
-                          <m:rPr>
-                            <m:sty m:val="p"/>
-                          </m:rPr>
-                          <a:rPr lang="de-AT" sz="2400" b="0" i="0" noProof="1" smtClean="0">
-                            <a:latin typeface="Cambria Math" panose="02040503050406030204" pitchFamily="18" charset="0"/>
-                          </a:rPr>
-                          <m:t>H</m:t>
-                        </m:r>
-                      </m:e>
-                      <m:sub>
-                        <m:r>
-                          <a:rPr lang="de-AT" sz="2400" b="0" i="0" noProof="1" smtClean="0">
-                            <a:latin typeface="Cambria Math" panose="02040503050406030204" pitchFamily="18" charset="0"/>
-                          </a:rPr>
-                          <m:t>3</m:t>
-                        </m:r>
-                      </m:sub>
-                    </m:sSub>
-                    <m:r>
-                      <m:rPr>
-                        <m:sty m:val="p"/>
-                      </m:rPr>
-                      <a:rPr lang="de-AT" sz="2400" b="0" i="0" noProof="1" smtClean="0">
-                        <a:latin typeface="Cambria Math" panose="02040503050406030204" pitchFamily="18" charset="0"/>
-                      </a:rPr>
-                      <m:t>COOH</m:t>
-                    </m:r>
-                  </m:oMath>
-                </a14:m>
-                <a:endParaRPr lang="en-US" sz="2400" noProof="1"/>
-              </a:p>
-            </p:txBody>
-          </p:sp>
-        </mc:Choice>
-        <mc:Fallback xmlns="">
-          <p:sp>
-            <p:nvSpPr>
-              <p:cNvPr id="57" name="Textfeld 56">
-                <a:extLst>
-                  <a:ext uri="{FF2B5EF4-FFF2-40B4-BE49-F238E27FC236}">
-                    <a16:creationId xmlns:a16="http://schemas.microsoft.com/office/drawing/2014/main" id="{E8F68F66-16FA-18E6-1A3C-89F518F2D920}"/>
-                  </a:ext>
-                </a:extLst>
-              </p:cNvPr>
-              <p:cNvSpPr txBox="1">
-                <a:spLocks noRot="1" noChangeAspect="1" noMove="1" noResize="1" noEditPoints="1" noAdjustHandles="1" noChangeArrowheads="1" noChangeShapeType="1" noTextEdit="1"/>
-              </p:cNvSpPr>
-              <p:nvPr/>
-            </p:nvSpPr>
-            <p:spPr>
-              <a:xfrm>
-                <a:off x="27851794" y="8904138"/>
-                <a:ext cx="5717192" cy="1200329"/>
-              </a:xfrm>
-              <a:prstGeom prst="rect">
-                <a:avLst/>
-              </a:prstGeom>
-              <a:blipFill>
-                <a:blip r:embed="rId25"/>
-                <a:stretch>
-                  <a:fillRect l="-1774" t="-4211" b="-11579"/>
-                </a:stretch>
-              </a:blipFill>
-            </p:spPr>
-            <p:txBody>
-              <a:bodyPr/>
-              <a:lstStyle/>
-              <a:p>
-                <a:r>
-                  <a:rPr lang="de-DE">
-                    <a:noFill/>
-                  </a:rPr>
-                  <a:t> </a:t>
-                </a:r>
-              </a:p>
-            </p:txBody>
-          </p:sp>
-        </mc:Fallback>
-      </mc:AlternateContent>
+      <p:sp>
+        <p:nvSpPr>
+          <p:cNvPr id="57" name="Textfeld 56">
+            <a:extLst>
+              <a:ext uri="{FF2B5EF4-FFF2-40B4-BE49-F238E27FC236}">
+                <a16:creationId xmlns:a16="http://schemas.microsoft.com/office/drawing/2014/main" id="{E8F68F66-16FA-18E6-1A3C-89F518F2D920}"/>
+              </a:ext>
+            </a:extLst>
+          </p:cNvPr>
+          <p:cNvSpPr txBox="1"/>
+          <p:nvPr/>
+        </p:nvSpPr>
+        <p:spPr>
+          <a:xfrm>
+            <a:off x="27851794" y="8904138"/>
+            <a:ext cx="5717192" cy="1015663"/>
+          </a:xfrm>
+          <a:prstGeom prst="rect">
+            <a:avLst/>
+          </a:prstGeom>
+          <a:noFill/>
+        </p:spPr>
+        <p:txBody>
+          <a:bodyPr wrap="square" rtlCol="0">
+            <a:spAutoFit/>
+          </a:bodyPr>
+          <a:lstStyle/>
+          <a:p>
+            <a:r>
+              <a:rPr lang="en-US" sz="2000" b="1" noProof="1"/>
+              <a:t>Fig 6: </a:t>
+            </a:r>
+            <a:r>
+              <a:rPr lang="en-US" sz="2000" noProof="1"/>
+              <a:t>The total dipole moment as well the components along x,y,z plotted against the distance</a:t>
+            </a:r>
+          </a:p>
+        </p:txBody>
+      </p:sp>
       <p:cxnSp>
         <p:nvCxnSpPr>
           <p:cNvPr id="70" name="Gerade Verbindung 69">
@@ -12400,7 +13552,7 @@
         </p:nvSpPr>
         <p:spPr>
           <a:xfrm>
-            <a:off x="955739" y="24921169"/>
+            <a:off x="955739" y="23670598"/>
             <a:ext cx="10639846" cy="461665"/>
           </a:xfrm>
           <a:prstGeom prst="rect">
@@ -12426,46 +13578,8 @@
           </a:p>
         </p:txBody>
       </p:sp>
-      <p:cxnSp>
-        <p:nvCxnSpPr>
-          <p:cNvPr id="74" name="Gerade Verbindung 73">
-            <a:extLst>
-              <a:ext uri="{FF2B5EF4-FFF2-40B4-BE49-F238E27FC236}">
-                <a16:creationId xmlns:a16="http://schemas.microsoft.com/office/drawing/2014/main" id="{98322FB5-7CE7-70D2-465E-F5D637A08F97}"/>
-              </a:ext>
-            </a:extLst>
-          </p:cNvPr>
-          <p:cNvCxnSpPr>
-            <a:cxnSpLocks/>
-          </p:cNvCxnSpPr>
-          <p:nvPr/>
-        </p:nvCxnSpPr>
-        <p:spPr>
-          <a:xfrm>
-            <a:off x="27454208" y="10282739"/>
-            <a:ext cx="15074975" cy="0"/>
-          </a:xfrm>
-          <a:prstGeom prst="line">
-            <a:avLst/>
-          </a:prstGeom>
-        </p:spPr>
-        <p:style>
-          <a:lnRef idx="2">
-            <a:schemeClr val="dk1"/>
-          </a:lnRef>
-          <a:fillRef idx="0">
-            <a:schemeClr val="dk1"/>
-          </a:fillRef>
-          <a:effectRef idx="1">
-            <a:schemeClr val="dk1"/>
-          </a:effectRef>
-          <a:fontRef idx="minor">
-            <a:schemeClr val="tx1"/>
-          </a:fontRef>
-        </p:style>
-      </p:cxnSp>
-      <mc:AlternateContent xmlns:mc="http://schemas.openxmlformats.org/markup-compatibility/2006" xmlns:a14="http://schemas.microsoft.com/office/drawing/2010/main">
-        <mc:Choice Requires="a14">
+      <mc:AlternateContent xmlns:mc="http://schemas.openxmlformats.org/markup-compatibility/2006">
+        <mc:Choice xmlns:a14="http://schemas.microsoft.com/office/drawing/2010/main" Requires="a14">
           <p:graphicFrame>
             <p:nvGraphicFramePr>
               <p:cNvPr id="77" name="Tabelle 76">
@@ -12481,14 +13595,14 @@
               <p:nvPr>
                 <p:extLst>
                   <p:ext uri="{D42A27DB-BD31-4B8C-83A1-F6EECF244321}">
-                    <p14:modId xmlns:p14="http://schemas.microsoft.com/office/powerpoint/2010/main" val="1144653561"/>
+                    <p14:modId xmlns:p14="http://schemas.microsoft.com/office/powerpoint/2010/main" val="2217188554"/>
                   </p:ext>
                 </p:extLst>
               </p:nvPr>
             </p:nvGraphicFramePr>
             <p:xfrm>
-              <a:off x="31297048" y="11091661"/>
-              <a:ext cx="10943086" cy="1630506"/>
+              <a:off x="27662524" y="11623643"/>
+              <a:ext cx="10024752" cy="1304521"/>
             </p:xfrm>
             <a:graphic>
               <a:graphicData uri="http://schemas.openxmlformats.org/drawingml/2006/table">
@@ -12497,42 +13611,42 @@
                     <a:tableStyleId>{9D7B26C5-4107-4FEC-AEDC-1716B250A1EF}</a:tableStyleId>
                   </a:tblPr>
                   <a:tblGrid>
-                    <a:gridCol w="1755542">
+                    <a:gridCol w="1604262">
                       <a:extLst>
                         <a:ext uri="{9D8B030D-6E8A-4147-A177-3AD203B41FA5}">
                           <a16:colId xmlns:a16="http://schemas.microsoft.com/office/drawing/2014/main" val="3984983364"/>
                         </a:ext>
                       </a:extLst>
                     </a:gridCol>
-                    <a:gridCol w="1959368">
+                    <a:gridCol w="2039044">
                       <a:extLst>
                         <a:ext uri="{9D8B030D-6E8A-4147-A177-3AD203B41FA5}">
                           <a16:colId xmlns:a16="http://schemas.microsoft.com/office/drawing/2014/main" val="1369939448"/>
                         </a:ext>
                       </a:extLst>
                     </a:gridCol>
-                    <a:gridCol w="2307832">
+                    <a:gridCol w="1860440">
                       <a:extLst>
                         <a:ext uri="{9D8B030D-6E8A-4147-A177-3AD203B41FA5}">
                           <a16:colId xmlns:a16="http://schemas.microsoft.com/office/drawing/2014/main" val="210049231"/>
                         </a:ext>
                       </a:extLst>
                     </a:gridCol>
-                    <a:gridCol w="2215216">
+                    <a:gridCol w="2024325">
                       <a:extLst>
                         <a:ext uri="{9D8B030D-6E8A-4147-A177-3AD203B41FA5}">
                           <a16:colId xmlns:a16="http://schemas.microsoft.com/office/drawing/2014/main" val="1579727772"/>
                         </a:ext>
                       </a:extLst>
                     </a:gridCol>
-                    <a:gridCol w="208280">
+                    <a:gridCol w="583898">
                       <a:extLst>
                         <a:ext uri="{9D8B030D-6E8A-4147-A177-3AD203B41FA5}">
                           <a16:colId xmlns:a16="http://schemas.microsoft.com/office/drawing/2014/main" val="2597547519"/>
                         </a:ext>
                       </a:extLst>
                     </a:gridCol>
-                    <a:gridCol w="2496848">
+                    <a:gridCol w="1912783">
                       <a:extLst>
                         <a:ext uri="{9D8B030D-6E8A-4147-A177-3AD203B41FA5}">
                           <a16:colId xmlns:a16="http://schemas.microsoft.com/office/drawing/2014/main" val="3821344120"/>
@@ -12540,14 +13654,14 @@
                       </a:extLst>
                     </a:gridCol>
                   </a:tblGrid>
-                  <a:tr h="324492">
+                  <a:tr h="378348">
                     <a:tc>
                       <a:txBody>
                         <a:bodyPr/>
                         <a:lstStyle/>
                         <a:p>
                           <a:r>
-                            <a:rPr lang="en-US" sz="2000" noProof="1"/>
+                            <a:rPr lang="en-US" sz="1800" noProof="1"/>
                             <a:t>Excitation</a:t>
                           </a:r>
                         </a:p>
@@ -12565,14 +13679,14 @@
                                 <m:accPr>
                                   <m:chr m:val="̅"/>
                                   <m:ctrlPr>
-                                    <a:rPr lang="de-AT" sz="2000" b="1" i="1" noProof="1" smtClean="0">
+                                    <a:rPr lang="de-AT" sz="1800" b="1" i="1" noProof="1" smtClean="0">
                                       <a:latin typeface="Cambria Math" panose="02040503050406030204" pitchFamily="18" charset="0"/>
                                     </a:rPr>
                                   </m:ctrlPr>
                                 </m:accPr>
                                 <m:e>
                                   <m:r>
-                                    <a:rPr lang="de-AT" sz="2000" b="1" i="1" noProof="1" smtClean="0">
+                                    <a:rPr lang="de-AT" sz="1800" b="1" i="1" noProof="1" smtClean="0">
                                       <a:latin typeface="Cambria Math" panose="02040503050406030204" pitchFamily="18" charset="0"/>
                                     </a:rPr>
                                     <m:t>𝝂</m:t>
@@ -12582,15 +13696,15 @@
                             </m:oMath>
                           </a14:m>
                           <a:r>
-                            <a:rPr lang="en-US" sz="2000" i="0" noProof="1"/>
+                            <a:rPr lang="en-US" sz="1800" i="0" noProof="1"/>
                             <a:t> Harmonic / cm</a:t>
                           </a:r>
                           <a:r>
-                            <a:rPr lang="en-US" sz="2000" i="0" baseline="30000" noProof="1"/>
+                            <a:rPr lang="en-US" sz="1800" i="0" baseline="30000" noProof="1"/>
                             <a:t>-1</a:t>
                           </a:r>
                           <a:r>
-                            <a:rPr lang="en-US" sz="2000" i="0" noProof="1"/>
+                            <a:rPr lang="en-US" sz="1800" i="0" noProof="1"/>
                             <a:t> </a:t>
                           </a:r>
                         </a:p>
@@ -12605,7 +13719,7 @@
                           <a14:m>
                             <m:oMath xmlns:m="http://schemas.openxmlformats.org/officeDocument/2006/math">
                               <m:r>
-                                <a:rPr lang="de-AT" sz="2000" b="1" i="1" noProof="1" smtClean="0">
+                                <a:rPr lang="de-AT" sz="1800" b="1" i="1" noProof="1" smtClean="0">
                                   <a:latin typeface="Cambria Math" panose="02040503050406030204" pitchFamily="18" charset="0"/>
                                 </a:rPr>
                                 <m:t>𝒇</m:t>
@@ -12613,14 +13727,14 @@
                             </m:oMath>
                           </a14:m>
                           <a:r>
-                            <a:rPr lang="en-US" sz="2000" i="0" noProof="1"/>
+                            <a:rPr lang="en-US" sz="1800" i="0" noProof="1"/>
                             <a:t> Harmonic / (</a:t>
                           </a:r>
                           <a:r>
-                            <a:rPr lang="en-US" sz="2000" i="0" baseline="0" noProof="1"/>
+                            <a:rPr lang="en-US" sz="1800" i="0" baseline="0" noProof="1"/>
                             <a:t>  )</a:t>
                           </a:r>
-                          <a:endParaRPr lang="en-US" sz="2000" i="0" noProof="1"/>
+                          <a:endParaRPr lang="en-US" sz="1800" i="0" noProof="1"/>
                         </a:p>
                       </a:txBody>
                       <a:tcPr/>
@@ -12636,14 +13750,14 @@
                                 <m:accPr>
                                   <m:chr m:val="̅"/>
                                   <m:ctrlPr>
-                                    <a:rPr lang="de-AT" sz="2000" b="1" i="1" noProof="1" smtClean="0">
+                                    <a:rPr lang="de-AT" sz="1800" b="1" i="1" noProof="1" smtClean="0">
                                       <a:latin typeface="Cambria Math" panose="02040503050406030204" pitchFamily="18" charset="0"/>
                                     </a:rPr>
                                   </m:ctrlPr>
                                 </m:accPr>
                                 <m:e>
                                   <m:r>
-                                    <a:rPr lang="de-AT" sz="2000" b="1" i="1" noProof="1" smtClean="0">
+                                    <a:rPr lang="de-AT" sz="1800" b="1" i="1" noProof="1" smtClean="0">
                                       <a:latin typeface="Cambria Math" panose="02040503050406030204" pitchFamily="18" charset="0"/>
                                     </a:rPr>
                                     <m:t>𝝂</m:t>
@@ -12653,14 +13767,14 @@
                             </m:oMath>
                           </a14:m>
                           <a:r>
-                            <a:rPr lang="en-US" sz="2000" i="0" noProof="1"/>
+                            <a:rPr lang="en-US" sz="1800" i="0" noProof="1"/>
                             <a:t> Numerov / cm</a:t>
                           </a:r>
                           <a:r>
-                            <a:rPr lang="en-US" sz="2000" i="0" baseline="30000" noProof="1"/>
+                            <a:rPr lang="en-US" sz="1800" i="0" baseline="30000" noProof="1"/>
                             <a:t>-1</a:t>
                           </a:r>
-                          <a:endParaRPr lang="en-US" sz="2000" i="0" noProof="1"/>
+                          <a:endParaRPr lang="en-US" sz="1800" i="0" noProof="1"/>
                         </a:p>
                       </a:txBody>
                       <a:tcPr/>
@@ -12683,7 +13797,7 @@
                           <a14:m>
                             <m:oMath xmlns:m="http://schemas.openxmlformats.org/officeDocument/2006/math">
                               <m:r>
-                                <a:rPr lang="de-AT" sz="2000" b="1" i="1" noProof="1" smtClean="0">
+                                <a:rPr lang="de-AT" sz="1800" b="1" i="1" noProof="1" smtClean="0">
                                   <a:latin typeface="Cambria Math" panose="02040503050406030204" pitchFamily="18" charset="0"/>
                                 </a:rPr>
                                 <m:t>𝒇</m:t>
@@ -12691,14 +13805,14 @@
                             </m:oMath>
                           </a14:m>
                           <a:r>
-                            <a:rPr lang="en-US" sz="2000" i="0" noProof="1"/>
+                            <a:rPr lang="en-US" sz="1800" i="0" noProof="1"/>
                             <a:t> Numerov</a:t>
                           </a:r>
                           <a:r>
-                            <a:rPr lang="en-US" sz="2000" i="0" baseline="0" noProof="1"/>
+                            <a:rPr lang="en-US" sz="1800" i="0" baseline="0" noProof="1"/>
                             <a:t> / (  )</a:t>
                           </a:r>
-                          <a:endParaRPr lang="en-US" sz="2000" i="0" noProof="1"/>
+                          <a:endParaRPr lang="en-US" sz="1800" i="0" noProof="1"/>
                         </a:p>
                       </a:txBody>
                       <a:tcPr/>
@@ -12709,16 +13823,28 @@
                       </a:ext>
                     </a:extLst>
                   </a:tr>
-                  <a:tr h="478138">
+                  <a:tr h="476444">
                     <a:tc>
                       <a:txBody>
                         <a:bodyPr/>
                         <a:lstStyle/>
                         <a:p>
-                          <a:r>
-                            <a:rPr lang="en-US" sz="2000" b="0" noProof="1"/>
-                            <a:t>ground</a:t>
-                          </a:r>
+                          <a14:m>
+                            <m:oMathPara xmlns:m="http://schemas.openxmlformats.org/officeDocument/2006/math">
+                              <m:oMathParaPr>
+                                <m:jc m:val="centerGroup"/>
+                              </m:oMathParaPr>
+                              <m:oMath xmlns:m="http://schemas.openxmlformats.org/officeDocument/2006/math">
+                                <m:r>
+                                  <a:rPr lang="de-AT" sz="1800" b="0" i="1" noProof="1" smtClean="0">
+                                    <a:latin typeface="Cambria Math" panose="02040503050406030204" pitchFamily="18" charset="0"/>
+                                  </a:rPr>
+                                  <m:t>0→1</m:t>
+                                </m:r>
+                              </m:oMath>
+                            </m:oMathPara>
+                          </a14:m>
+                          <a:endParaRPr lang="en-US" sz="1800" b="0" noProof="1"/>
                         </a:p>
                       </a:txBody>
                       <a:tcPr>
@@ -12750,7 +13876,7 @@
                             <a:defRPr/>
                           </a:pPr>
                           <a:r>
-                            <a:rPr lang="de-DE" sz="2000" dirty="0"/>
+                            <a:rPr lang="de-DE" sz="1800" dirty="0"/>
                             <a:t>3548.54</a:t>
                           </a:r>
                         </a:p>
@@ -12767,7 +13893,7 @@
                         <a:lstStyle/>
                         <a:p>
                           <a:r>
-                            <a:rPr lang="en-US" sz="2000" noProof="1"/>
+                            <a:rPr lang="en-US" sz="1800" noProof="1"/>
                             <a:t>1</a:t>
                           </a:r>
                         </a:p>
@@ -12801,7 +13927,7 @@
                             <a:defRPr/>
                           </a:pPr>
                           <a:r>
-                            <a:rPr lang="de-DE" sz="2000" dirty="0"/>
+                            <a:rPr lang="de-DE" sz="1800" dirty="0"/>
                             <a:t>3596.88</a:t>
                           </a:r>
                         </a:p>
@@ -12832,8 +13958,8 @@
                         <a:lstStyle/>
                         <a:p>
                           <a:r>
-                            <a:rPr lang="en-US" sz="2000" noProof="1"/>
-                            <a:t>1</a:t>
+                            <a:rPr lang="en-US" sz="1800" noProof="1"/>
+                            <a:t>8.337E-06</a:t>
                           </a:r>
                         </a:p>
                       </a:txBody>
@@ -12849,16 +13975,28 @@
                       </a:ext>
                     </a:extLst>
                   </a:tr>
-                  <a:tr h="451328">
+                  <a:tr h="449729">
                     <a:tc>
                       <a:txBody>
                         <a:bodyPr/>
                         <a:lstStyle/>
                         <a:p>
-                          <a:r>
-                            <a:rPr lang="en-US" sz="2000" noProof="1"/>
-                            <a:t>1st overtone</a:t>
-                          </a:r>
+                          <a14:m>
+                            <m:oMathPara xmlns:m="http://schemas.openxmlformats.org/officeDocument/2006/math">
+                              <m:oMathParaPr>
+                                <m:jc m:val="centerGroup"/>
+                              </m:oMathParaPr>
+                              <m:oMath xmlns:m="http://schemas.openxmlformats.org/officeDocument/2006/math">
+                                <m:r>
+                                  <a:rPr lang="de-AT" sz="1800" b="0" i="1" noProof="1" smtClean="0">
+                                    <a:latin typeface="Cambria Math" panose="02040503050406030204" pitchFamily="18" charset="0"/>
+                                  </a:rPr>
+                                  <m:t>0→2</m:t>
+                                </m:r>
+                              </m:oMath>
+                            </m:oMathPara>
+                          </a14:m>
+                          <a:endParaRPr lang="en-US" sz="1800" noProof="1"/>
                         </a:p>
                       </a:txBody>
                       <a:tcPr>
@@ -12873,7 +14011,7 @@
                         <a:lstStyle/>
                         <a:p>
                           <a:r>
-                            <a:rPr lang="en-US" sz="2000" noProof="1"/>
+                            <a:rPr lang="en-US" sz="1800" noProof="1"/>
                             <a:t>7097.08</a:t>
                           </a:r>
                         </a:p>
@@ -12890,7 +14028,7 @@
                         <a:lstStyle/>
                         <a:p>
                           <a:r>
-                            <a:rPr lang="en-US" sz="2000" noProof="1"/>
+                            <a:rPr lang="en-US" sz="1800" noProof="1"/>
                             <a:t>0</a:t>
                           </a:r>
                         </a:p>
@@ -12924,7 +14062,7 @@
                             <a:defRPr/>
                           </a:pPr>
                           <a:r>
-                            <a:rPr lang="en-US" sz="2000" noProof="1"/>
+                            <a:rPr lang="en-US" sz="1800" noProof="1"/>
                             <a:t>7036.90</a:t>
                           </a:r>
                         </a:p>
@@ -12940,7 +14078,7 @@
                         <a:bodyPr/>
                         <a:lstStyle/>
                         <a:p>
-                          <a:endParaRPr lang="en-US" sz="2000" noProof="1"/>
+                          <a:endParaRPr lang="en-US" sz="1800" noProof="1"/>
                         </a:p>
                       </a:txBody>
                       <a:tcPr>
@@ -12955,8 +14093,8 @@
                         <a:lstStyle/>
                         <a:p>
                           <a:r>
-                            <a:rPr lang="en-US" sz="2000" noProof="1"/>
-                            <a:t>8.347E-06</a:t>
+                            <a:rPr lang="en-US" sz="1800" noProof="1"/>
+                            <a:t>5.591E-07</a:t>
                           </a:r>
                         </a:p>
                       </a:txBody>
@@ -12977,7 +14115,7 @@
             </a:graphic>
           </p:graphicFrame>
         </mc:Choice>
-        <mc:Fallback xmlns="">
+        <mc:Fallback>
           <p:graphicFrame>
             <p:nvGraphicFramePr>
               <p:cNvPr id="77" name="Tabelle 76">
@@ -12993,14 +14131,14 @@
               <p:nvPr>
                 <p:extLst>
                   <p:ext uri="{D42A27DB-BD31-4B8C-83A1-F6EECF244321}">
-                    <p14:modId xmlns:p14="http://schemas.microsoft.com/office/powerpoint/2010/main" val="1144653561"/>
+                    <p14:modId xmlns:p14="http://schemas.microsoft.com/office/powerpoint/2010/main" val="2217188554"/>
                   </p:ext>
                 </p:extLst>
               </p:nvPr>
             </p:nvGraphicFramePr>
             <p:xfrm>
-              <a:off x="31297048" y="11091661"/>
-              <a:ext cx="10943086" cy="1630506"/>
+              <a:off x="27662524" y="11623643"/>
+              <a:ext cx="10024752" cy="1304521"/>
             </p:xfrm>
             <a:graphic>
               <a:graphicData uri="http://schemas.openxmlformats.org/drawingml/2006/table">
@@ -13009,42 +14147,42 @@
                     <a:tableStyleId>{9D7B26C5-4107-4FEC-AEDC-1716B250A1EF}</a:tableStyleId>
                   </a:tblPr>
                   <a:tblGrid>
-                    <a:gridCol w="1755542">
+                    <a:gridCol w="1604262">
                       <a:extLst>
                         <a:ext uri="{9D8B030D-6E8A-4147-A177-3AD203B41FA5}">
                           <a16:colId xmlns:a16="http://schemas.microsoft.com/office/drawing/2014/main" val="3984983364"/>
                         </a:ext>
                       </a:extLst>
                     </a:gridCol>
-                    <a:gridCol w="1959368">
+                    <a:gridCol w="2039044">
                       <a:extLst>
                         <a:ext uri="{9D8B030D-6E8A-4147-A177-3AD203B41FA5}">
                           <a16:colId xmlns:a16="http://schemas.microsoft.com/office/drawing/2014/main" val="1369939448"/>
                         </a:ext>
                       </a:extLst>
                     </a:gridCol>
-                    <a:gridCol w="2307832">
+                    <a:gridCol w="1860440">
                       <a:extLst>
                         <a:ext uri="{9D8B030D-6E8A-4147-A177-3AD203B41FA5}">
                           <a16:colId xmlns:a16="http://schemas.microsoft.com/office/drawing/2014/main" val="210049231"/>
                         </a:ext>
                       </a:extLst>
                     </a:gridCol>
-                    <a:gridCol w="2215216">
+                    <a:gridCol w="2024325">
                       <a:extLst>
                         <a:ext uri="{9D8B030D-6E8A-4147-A177-3AD203B41FA5}">
                           <a16:colId xmlns:a16="http://schemas.microsoft.com/office/drawing/2014/main" val="1579727772"/>
                         </a:ext>
                       </a:extLst>
                     </a:gridCol>
-                    <a:gridCol w="208280">
+                    <a:gridCol w="583898">
                       <a:extLst>
                         <a:ext uri="{9D8B030D-6E8A-4147-A177-3AD203B41FA5}">
                           <a16:colId xmlns:a16="http://schemas.microsoft.com/office/drawing/2014/main" val="2597547519"/>
                         </a:ext>
                       </a:extLst>
                     </a:gridCol>
-                    <a:gridCol w="2496848">
+                    <a:gridCol w="1912783">
                       <a:extLst>
                         <a:ext uri="{9D8B030D-6E8A-4147-A177-3AD203B41FA5}">
                           <a16:colId xmlns:a16="http://schemas.microsoft.com/office/drawing/2014/main" val="3821344120"/>
@@ -13052,14 +14190,14 @@
                       </a:extLst>
                     </a:gridCol>
                   </a:tblGrid>
-                  <a:tr h="701040">
+                  <a:tr h="378348">
                     <a:tc>
                       <a:txBody>
                         <a:bodyPr/>
                         <a:lstStyle/>
                         <a:p>
                           <a:r>
-                            <a:rPr lang="en-US" sz="2000" noProof="1"/>
+                            <a:rPr lang="en-US" sz="1800" noProof="1"/>
                             <a:t>Excitation</a:t>
                           </a:r>
                         </a:p>
@@ -13076,9 +14214,9 @@
                       </a:txBody>
                       <a:tcPr>
                         <a:blipFill>
-                          <a:blip r:embed="rId26"/>
+                          <a:blip r:embed="rId24"/>
                           <a:stretch>
-                            <a:fillRect l="-89032" t="-5455" r="-367742" b="-143636"/>
+                            <a:fillRect l="-78882" t="-10000" r="-313043" b="-250000"/>
                           </a:stretch>
                         </a:blipFill>
                       </a:tcPr>
@@ -13093,9 +14231,9 @@
                       </a:txBody>
                       <a:tcPr>
                         <a:blipFill>
-                          <a:blip r:embed="rId26"/>
+                          <a:blip r:embed="rId24"/>
                           <a:stretch>
-                            <a:fillRect l="-161878" t="-5455" r="-214917" b="-143636"/>
+                            <a:fillRect l="-195918" t="-10000" r="-242857" b="-250000"/>
                           </a:stretch>
                         </a:blipFill>
                       </a:tcPr>
@@ -13110,9 +14248,9 @@
                       </a:txBody>
                       <a:tcPr>
                         <a:blipFill>
-                          <a:blip r:embed="rId26"/>
+                          <a:blip r:embed="rId24"/>
                           <a:stretch>
-                            <a:fillRect l="-248168" t="-5455" r="-103665" b="-143636"/>
+                            <a:fillRect l="-212195" t="-10000" r="-74146" b="-250000"/>
                           </a:stretch>
                         </a:blipFill>
                       </a:tcPr>
@@ -13137,9 +14275,9 @@
                       </a:txBody>
                       <a:tcPr>
                         <a:blipFill>
-                          <a:blip r:embed="rId26"/>
+                          <a:blip r:embed="rId24"/>
                           <a:stretch>
-                            <a:fillRect l="-337563" t="-5455" r="-508" b="-143636"/>
+                            <a:fillRect l="-423841" t="-10000" r="-662" b="-250000"/>
                           </a:stretch>
                         </a:blipFill>
                       </a:tcPr>
@@ -13150,22 +14288,22 @@
                       </a:ext>
                     </a:extLst>
                   </a:tr>
-                  <a:tr h="478138">
+                  <a:tr h="476444">
                     <a:tc>
                       <a:txBody>
                         <a:bodyPr/>
                         <a:lstStyle/>
                         <a:p>
-                          <a:r>
-                            <a:rPr lang="en-US" sz="2000" b="0" noProof="1"/>
-                            <a:t>ground</a:t>
-                          </a:r>
+                          <a:endParaRPr lang="de-DE"/>
                         </a:p>
                       </a:txBody>
                       <a:tcPr>
-                        <a:solidFill>
-                          <a:schemeClr val="bg1"/>
-                        </a:solidFill>
+                        <a:blipFill>
+                          <a:blip r:embed="rId24"/>
+                          <a:stretch>
+                            <a:fillRect l="-794" t="-89189" r="-527778" b="-102703"/>
+                          </a:stretch>
+                        </a:blipFill>
                       </a:tcPr>
                     </a:tc>
                     <a:tc>
@@ -13191,7 +14329,7 @@
                             <a:defRPr/>
                           </a:pPr>
                           <a:r>
-                            <a:rPr lang="de-DE" sz="2000" dirty="0"/>
+                            <a:rPr lang="de-DE" sz="1800" dirty="0"/>
                             <a:t>3548.54</a:t>
                           </a:r>
                         </a:p>
@@ -13208,7 +14346,7 @@
                         <a:lstStyle/>
                         <a:p>
                           <a:r>
-                            <a:rPr lang="en-US" sz="2000" noProof="1"/>
+                            <a:rPr lang="en-US" sz="1800" noProof="1"/>
                             <a:t>1</a:t>
                           </a:r>
                         </a:p>
@@ -13242,7 +14380,7 @@
                             <a:defRPr/>
                           </a:pPr>
                           <a:r>
-                            <a:rPr lang="de-DE" sz="2000" dirty="0"/>
+                            <a:rPr lang="de-DE" sz="1800" dirty="0"/>
                             <a:t>3596.88</a:t>
                           </a:r>
                         </a:p>
@@ -13273,8 +14411,8 @@
                         <a:lstStyle/>
                         <a:p>
                           <a:r>
-                            <a:rPr lang="en-US" sz="2000" noProof="1"/>
-                            <a:t>1</a:t>
+                            <a:rPr lang="en-US" sz="1800" noProof="1"/>
+                            <a:t>8.337E-06</a:t>
                           </a:r>
                         </a:p>
                       </a:txBody>
@@ -13290,22 +14428,22 @@
                       </a:ext>
                     </a:extLst>
                   </a:tr>
-                  <a:tr h="451328">
+                  <a:tr h="449729">
                     <a:tc>
                       <a:txBody>
                         <a:bodyPr/>
                         <a:lstStyle/>
                         <a:p>
-                          <a:r>
-                            <a:rPr lang="en-US" sz="2000" noProof="1"/>
-                            <a:t>1st overtone</a:t>
-                          </a:r>
+                          <a:endParaRPr lang="de-DE"/>
                         </a:p>
                       </a:txBody>
                       <a:tcPr>
-                        <a:solidFill>
-                          <a:schemeClr val="bg1"/>
-                        </a:solidFill>
+                        <a:blipFill>
+                          <a:blip r:embed="rId24"/>
+                          <a:stretch>
+                            <a:fillRect l="-794" t="-194444" r="-527778" b="-5556"/>
+                          </a:stretch>
+                        </a:blipFill>
                       </a:tcPr>
                     </a:tc>
                     <a:tc>
@@ -13314,7 +14452,7 @@
                         <a:lstStyle/>
                         <a:p>
                           <a:r>
-                            <a:rPr lang="en-US" sz="2000" noProof="1"/>
+                            <a:rPr lang="en-US" sz="1800" noProof="1"/>
                             <a:t>7097.08</a:t>
                           </a:r>
                         </a:p>
@@ -13331,7 +14469,7 @@
                         <a:lstStyle/>
                         <a:p>
                           <a:r>
-                            <a:rPr lang="en-US" sz="2000" noProof="1"/>
+                            <a:rPr lang="en-US" sz="1800" noProof="1"/>
                             <a:t>0</a:t>
                           </a:r>
                         </a:p>
@@ -13365,7 +14503,7 @@
                             <a:defRPr/>
                           </a:pPr>
                           <a:r>
-                            <a:rPr lang="en-US" sz="2000" noProof="1"/>
+                            <a:rPr lang="en-US" sz="1800" noProof="1"/>
                             <a:t>7036.90</a:t>
                           </a:r>
                         </a:p>
@@ -13381,7 +14519,7 @@
                         <a:bodyPr/>
                         <a:lstStyle/>
                         <a:p>
-                          <a:endParaRPr lang="en-US" sz="2000" noProof="1"/>
+                          <a:endParaRPr lang="en-US" sz="1800" noProof="1"/>
                         </a:p>
                       </a:txBody>
                       <a:tcPr>
@@ -13396,8 +14534,8 @@
                         <a:lstStyle/>
                         <a:p>
                           <a:r>
-                            <a:rPr lang="en-US" sz="2000" noProof="1"/>
-                            <a:t>8.347E-06</a:t>
+                            <a:rPr lang="en-US" sz="1800" noProof="1"/>
+                            <a:t>5.591E-07</a:t>
                           </a:r>
                         </a:p>
                       </a:txBody>
@@ -13419,6 +14557,1984 @@
           </p:graphicFrame>
         </mc:Fallback>
       </mc:AlternateContent>
+      <p:sp>
+        <p:nvSpPr>
+          <p:cNvPr id="8" name="Textfeld 7">
+            <a:extLst>
+              <a:ext uri="{FF2B5EF4-FFF2-40B4-BE49-F238E27FC236}">
+                <a16:creationId xmlns:a16="http://schemas.microsoft.com/office/drawing/2014/main" id="{4B431302-0341-3931-A7C4-0193EBBFC0C6}"/>
+              </a:ext>
+            </a:extLst>
+          </p:cNvPr>
+          <p:cNvSpPr txBox="1"/>
+          <p:nvPr/>
+        </p:nvSpPr>
+        <p:spPr>
+          <a:xfrm>
+            <a:off x="13351148" y="14995562"/>
+            <a:ext cx="8600281" cy="646331"/>
+          </a:xfrm>
+          <a:prstGeom prst="rect">
+            <a:avLst/>
+          </a:prstGeom>
+          <a:noFill/>
+        </p:spPr>
+        <p:txBody>
+          <a:bodyPr wrap="square" rtlCol="0">
+            <a:spAutoFit/>
+          </a:bodyPr>
+          <a:lstStyle/>
+          <a:p>
+            <a:pPr algn="ctr"/>
+            <a:r>
+              <a:rPr lang="de-DE" sz="3600" u="sng" dirty="0"/>
+              <a:t>Bond Scan </a:t>
+            </a:r>
+            <a:r>
+              <a:rPr lang="de-DE" sz="3600" u="sng" dirty="0" err="1"/>
+              <a:t>along</a:t>
+            </a:r>
+            <a:r>
+              <a:rPr lang="de-DE" sz="3600" u="sng" dirty="0"/>
+              <a:t> F-F</a:t>
+            </a:r>
+          </a:p>
+        </p:txBody>
+      </p:sp>
+      <mc:AlternateContent xmlns:mc="http://schemas.openxmlformats.org/markup-compatibility/2006">
+        <mc:Choice xmlns:a14="http://schemas.microsoft.com/office/drawing/2010/main" Requires="a14">
+          <p:sp>
+            <p:nvSpPr>
+              <p:cNvPr id="9" name="Textfeld 8">
+                <a:extLst>
+                  <a:ext uri="{FF2B5EF4-FFF2-40B4-BE49-F238E27FC236}">
+                    <a16:creationId xmlns:a16="http://schemas.microsoft.com/office/drawing/2014/main" id="{C99123FE-8858-7193-A2C0-500589BCB19D}"/>
+                  </a:ext>
+                </a:extLst>
+              </p:cNvPr>
+              <p:cNvSpPr txBox="1"/>
+              <p:nvPr/>
+            </p:nvSpPr>
+            <p:spPr>
+              <a:xfrm>
+                <a:off x="13150429" y="15766792"/>
+                <a:ext cx="9106127" cy="1200329"/>
+              </a:xfrm>
+              <a:prstGeom prst="rect">
+                <a:avLst/>
+              </a:prstGeom>
+              <a:noFill/>
+            </p:spPr>
+            <p:txBody>
+              <a:bodyPr wrap="square" rtlCol="0">
+                <a:spAutoFit/>
+              </a:bodyPr>
+              <a:lstStyle/>
+              <a:p>
+                <a:r>
+                  <a:rPr lang="de-DE" sz="2400" dirty="0"/>
+                  <a:t>The </a:t>
+                </a:r>
+                <a:r>
+                  <a:rPr lang="de-DE" sz="2400" dirty="0" err="1"/>
+                  <a:t>figure</a:t>
+                </a:r>
+                <a:r>
+                  <a:rPr lang="de-DE" sz="2400" dirty="0"/>
+                  <a:t> </a:t>
+                </a:r>
+                <a:r>
+                  <a:rPr lang="de-DE" sz="2400" dirty="0" err="1"/>
+                  <a:t>below</a:t>
+                </a:r>
+                <a:r>
+                  <a:rPr lang="de-DE" sz="2400" dirty="0"/>
+                  <a:t> </a:t>
+                </a:r>
+                <a:r>
+                  <a:rPr lang="de-DE" sz="2400" dirty="0" err="1"/>
+                  <a:t>shows</a:t>
+                </a:r>
+                <a:r>
+                  <a:rPr lang="de-DE" sz="2400" dirty="0"/>
+                  <a:t> </a:t>
+                </a:r>
+                <a:r>
+                  <a:rPr lang="de-DE" sz="2400" dirty="0" err="1"/>
+                  <a:t>the</a:t>
+                </a:r>
+                <a:r>
+                  <a:rPr lang="de-DE" sz="2400" dirty="0"/>
+                  <a:t> potential </a:t>
+                </a:r>
+                <a:r>
+                  <a:rPr lang="de-DE" sz="2400" dirty="0" err="1"/>
+                  <a:t>energy</a:t>
+                </a:r>
+                <a:r>
+                  <a:rPr lang="de-DE" sz="2400" dirty="0"/>
+                  <a:t> </a:t>
+                </a:r>
+                <a:r>
+                  <a:rPr lang="de-DE" sz="2400" dirty="0" err="1"/>
+                  <a:t>against</a:t>
+                </a:r>
+                <a:r>
+                  <a:rPr lang="de-DE" sz="2400" dirty="0"/>
+                  <a:t> </a:t>
+                </a:r>
+                <a:r>
+                  <a:rPr lang="de-DE" sz="2400" dirty="0" err="1"/>
+                  <a:t>the</a:t>
+                </a:r>
+                <a:r>
+                  <a:rPr lang="de-DE" sz="2400" dirty="0"/>
+                  <a:t> </a:t>
+                </a:r>
+                <a:r>
+                  <a:rPr lang="de-DE" sz="2400" dirty="0" err="1"/>
+                  <a:t>bond</a:t>
+                </a:r>
+                <a:r>
+                  <a:rPr lang="de-DE" sz="2400" dirty="0"/>
+                  <a:t> </a:t>
+                </a:r>
+                <a:r>
+                  <a:rPr lang="de-DE" sz="2400" dirty="0" err="1"/>
+                  <a:t>distance</a:t>
+                </a:r>
+                <a:r>
+                  <a:rPr lang="de-DE" sz="2400" dirty="0"/>
+                  <a:t>. The </a:t>
+                </a:r>
+                <a:r>
+                  <a:rPr lang="de-DE" sz="2400" dirty="0" err="1"/>
+                  <a:t>red</a:t>
+                </a:r>
+                <a:r>
+                  <a:rPr lang="de-DE" sz="2400" dirty="0"/>
+                  <a:t> </a:t>
+                </a:r>
+                <a:r>
+                  <a:rPr lang="de-DE" sz="2400" dirty="0" err="1"/>
+                  <a:t>curve</a:t>
+                </a:r>
+                <a:r>
+                  <a:rPr lang="de-DE" sz="2400" dirty="0"/>
+                  <a:t> </a:t>
+                </a:r>
+                <a:r>
+                  <a:rPr lang="de-DE" sz="2400" dirty="0" err="1"/>
+                  <a:t>shows</a:t>
+                </a:r>
+                <a:r>
+                  <a:rPr lang="de-DE" sz="2400" dirty="0"/>
+                  <a:t> </a:t>
+                </a:r>
+                <a:r>
+                  <a:rPr lang="de-DE" sz="2400" dirty="0" err="1"/>
+                  <a:t>the</a:t>
+                </a:r>
+                <a:r>
+                  <a:rPr lang="de-DE" sz="2400" dirty="0"/>
+                  <a:t> </a:t>
+                </a:r>
+                <a:r>
+                  <a:rPr lang="de-DE" sz="2400" dirty="0" err="1"/>
+                  <a:t>harmonic</a:t>
+                </a:r>
+                <a:r>
+                  <a:rPr lang="de-DE" sz="2400" dirty="0"/>
+                  <a:t> fit, </a:t>
+                </a:r>
+                <a:r>
+                  <a:rPr lang="de-DE" sz="2400" dirty="0" err="1"/>
+                  <a:t>the</a:t>
+                </a:r>
+                <a:r>
+                  <a:rPr lang="de-DE" sz="2400" dirty="0"/>
+                  <a:t> </a:t>
+                </a:r>
+                <a:r>
+                  <a:rPr lang="de-DE" sz="2400" dirty="0" err="1"/>
+                  <a:t>wave</a:t>
+                </a:r>
+                <a:r>
+                  <a:rPr lang="de-DE" sz="2400" dirty="0"/>
+                  <a:t> </a:t>
+                </a:r>
+                <a:r>
+                  <a:rPr lang="de-DE" sz="2400" dirty="0" err="1"/>
+                  <a:t>functions</a:t>
+                </a:r>
+                <a:r>
+                  <a:rPr lang="de-DE" sz="2400" dirty="0"/>
+                  <a:t>  </a:t>
+                </a:r>
+                <a14:m>
+                  <m:oMath xmlns:m="http://schemas.openxmlformats.org/officeDocument/2006/math">
+                    <m:sSub>
+                      <m:sSubPr>
+                        <m:ctrlPr>
+                          <a:rPr lang="de-AT" sz="2400" b="0" i="1" smtClean="0">
+                            <a:latin typeface="Cambria Math" panose="02040503050406030204" pitchFamily="18" charset="0"/>
+                          </a:rPr>
+                        </m:ctrlPr>
+                      </m:sSubPr>
+                      <m:e>
+                        <m:r>
+                          <a:rPr lang="de-AT" sz="2400" b="0" i="1" smtClean="0">
+                            <a:latin typeface="Cambria Math" panose="02040503050406030204" pitchFamily="18" charset="0"/>
+                          </a:rPr>
+                          <m:t>𝜓</m:t>
+                        </m:r>
+                      </m:e>
+                      <m:sub>
+                        <m:r>
+                          <a:rPr lang="de-AT" sz="2400" b="0" i="1" smtClean="0">
+                            <a:latin typeface="Cambria Math" panose="02040503050406030204" pitchFamily="18" charset="0"/>
+                          </a:rPr>
+                          <m:t>0</m:t>
+                        </m:r>
+                      </m:sub>
+                    </m:sSub>
+                    <m:r>
+                      <a:rPr lang="de-AT" sz="2400" b="0" i="1" smtClean="0">
+                        <a:latin typeface="Cambria Math" panose="02040503050406030204" pitchFamily="18" charset="0"/>
+                      </a:rPr>
+                      <m:t>−</m:t>
+                    </m:r>
+                    <m:sSub>
+                      <m:sSubPr>
+                        <m:ctrlPr>
+                          <a:rPr lang="de-AT" sz="2400" b="0" i="1" smtClean="0">
+                            <a:latin typeface="Cambria Math" panose="02040503050406030204" pitchFamily="18" charset="0"/>
+                          </a:rPr>
+                        </m:ctrlPr>
+                      </m:sSubPr>
+                      <m:e>
+                        <m:r>
+                          <a:rPr lang="de-AT" sz="2400" b="0" i="1" smtClean="0">
+                            <a:latin typeface="Cambria Math" panose="02040503050406030204" pitchFamily="18" charset="0"/>
+                          </a:rPr>
+                          <m:t>𝜓</m:t>
+                        </m:r>
+                      </m:e>
+                      <m:sub>
+                        <m:r>
+                          <a:rPr lang="de-AT" sz="2400" b="0" i="1" smtClean="0">
+                            <a:latin typeface="Cambria Math" panose="02040503050406030204" pitchFamily="18" charset="0"/>
+                          </a:rPr>
+                          <m:t>4</m:t>
+                        </m:r>
+                      </m:sub>
+                    </m:sSub>
+                  </m:oMath>
+                </a14:m>
+                <a:r>
+                  <a:rPr lang="de-DE" sz="2400" dirty="0"/>
+                  <a:t> </a:t>
+                </a:r>
+                <a:r>
+                  <a:rPr lang="de-DE" sz="2400" dirty="0" err="1"/>
+                  <a:t>are</a:t>
+                </a:r>
+                <a:r>
+                  <a:rPr lang="de-DE" sz="2400" dirty="0"/>
+                  <a:t> </a:t>
+                </a:r>
+                <a:r>
+                  <a:rPr lang="de-DE" sz="2400" dirty="0" err="1"/>
+                  <a:t>the</a:t>
+                </a:r>
+                <a:r>
+                  <a:rPr lang="de-DE" sz="2400" dirty="0"/>
+                  <a:t> </a:t>
+                </a:r>
+                <a:r>
+                  <a:rPr lang="de-DE" sz="2400" dirty="0" err="1"/>
+                  <a:t>eigenstates</a:t>
+                </a:r>
+                <a:r>
+                  <a:rPr lang="de-DE" sz="2400" dirty="0"/>
+                  <a:t> </a:t>
+                </a:r>
+                <a:r>
+                  <a:rPr lang="de-DE" sz="2400" dirty="0" err="1"/>
+                  <a:t>obtained</a:t>
+                </a:r>
+                <a:r>
+                  <a:rPr lang="de-DE" sz="2400" dirty="0"/>
+                  <a:t> </a:t>
+                </a:r>
+                <a:r>
+                  <a:rPr lang="de-DE" sz="2400" dirty="0" err="1"/>
+                  <a:t>by</a:t>
+                </a:r>
+                <a:r>
+                  <a:rPr lang="de-DE" sz="2400" dirty="0"/>
+                  <a:t> </a:t>
+                </a:r>
+                <a:r>
+                  <a:rPr lang="de-DE" sz="2400" dirty="0" err="1"/>
+                  <a:t>the</a:t>
+                </a:r>
+                <a:r>
+                  <a:rPr lang="de-DE" sz="2400" dirty="0"/>
+                  <a:t> </a:t>
+                </a:r>
+                <a:r>
+                  <a:rPr lang="de-DE" sz="2400" dirty="0" err="1"/>
+                  <a:t>numerov</a:t>
+                </a:r>
+                <a:r>
+                  <a:rPr lang="de-DE" sz="2400" dirty="0"/>
+                  <a:t> </a:t>
+                </a:r>
+                <a:r>
+                  <a:rPr lang="de-DE" sz="2400" dirty="0" err="1"/>
+                  <a:t>method</a:t>
+                </a:r>
+                <a:r>
+                  <a:rPr lang="de-DE" sz="2400" dirty="0"/>
+                  <a:t>.</a:t>
+                </a:r>
+              </a:p>
+            </p:txBody>
+          </p:sp>
+        </mc:Choice>
+        <mc:Fallback>
+          <p:sp>
+            <p:nvSpPr>
+              <p:cNvPr id="9" name="Textfeld 8">
+                <a:extLst>
+                  <a:ext uri="{FF2B5EF4-FFF2-40B4-BE49-F238E27FC236}">
+                    <a16:creationId xmlns:a16="http://schemas.microsoft.com/office/drawing/2014/main" id="{C99123FE-8858-7193-A2C0-500589BCB19D}"/>
+                  </a:ext>
+                </a:extLst>
+              </p:cNvPr>
+              <p:cNvSpPr txBox="1">
+                <a:spLocks noRot="1" noChangeAspect="1" noMove="1" noResize="1" noEditPoints="1" noAdjustHandles="1" noChangeArrowheads="1" noChangeShapeType="1" noTextEdit="1"/>
+              </p:cNvSpPr>
+              <p:nvPr/>
+            </p:nvSpPr>
+            <p:spPr>
+              <a:xfrm>
+                <a:off x="13150429" y="15766792"/>
+                <a:ext cx="9106127" cy="1200329"/>
+              </a:xfrm>
+              <a:prstGeom prst="rect">
+                <a:avLst/>
+              </a:prstGeom>
+              <a:blipFill>
+                <a:blip r:embed="rId25"/>
+                <a:stretch>
+                  <a:fillRect l="-975" t="-4211" b="-11579"/>
+                </a:stretch>
+              </a:blipFill>
+            </p:spPr>
+            <p:txBody>
+              <a:bodyPr/>
+              <a:lstStyle/>
+              <a:p>
+                <a:r>
+                  <a:rPr lang="de-DE">
+                    <a:noFill/>
+                  </a:rPr>
+                  <a:t> </a:t>
+                </a:r>
+              </a:p>
+            </p:txBody>
+          </p:sp>
+        </mc:Fallback>
+      </mc:AlternateContent>
+      <p:sp>
+        <p:nvSpPr>
+          <p:cNvPr id="15" name="Textfeld 14">
+            <a:extLst>
+              <a:ext uri="{FF2B5EF4-FFF2-40B4-BE49-F238E27FC236}">
+                <a16:creationId xmlns:a16="http://schemas.microsoft.com/office/drawing/2014/main" id="{C43E7688-C450-1D19-2174-E773B612151E}"/>
+              </a:ext>
+            </a:extLst>
+          </p:cNvPr>
+          <p:cNvSpPr txBox="1"/>
+          <p:nvPr/>
+        </p:nvSpPr>
+        <p:spPr>
+          <a:xfrm>
+            <a:off x="13170296" y="23323889"/>
+            <a:ext cx="8961986" cy="707886"/>
+          </a:xfrm>
+          <a:prstGeom prst="rect">
+            <a:avLst/>
+          </a:prstGeom>
+          <a:noFill/>
+        </p:spPr>
+        <p:txBody>
+          <a:bodyPr wrap="square" rtlCol="0">
+            <a:spAutoFit/>
+          </a:bodyPr>
+          <a:lstStyle/>
+          <a:p>
+            <a:r>
+              <a:rPr lang="en-US" sz="2000" b="1" noProof="1"/>
+              <a:t>Tab 2: </a:t>
+            </a:r>
+            <a:r>
+              <a:rPr lang="en-US" sz="2000" noProof="1"/>
+              <a:t>Comparison of the frequencies obtained by Gaussian, the harmonic fit, and the Numervo’s method with literature calculations (CCSD/cc-pVXZ) </a:t>
+            </a:r>
+          </a:p>
+        </p:txBody>
+      </p:sp>
+      <p:sp>
+        <p:nvSpPr>
+          <p:cNvPr id="17" name="Textfeld 16">
+            <a:extLst>
+              <a:ext uri="{FF2B5EF4-FFF2-40B4-BE49-F238E27FC236}">
+                <a16:creationId xmlns:a16="http://schemas.microsoft.com/office/drawing/2014/main" id="{DDFDA228-6AFB-0329-56ED-24510F091E39}"/>
+              </a:ext>
+            </a:extLst>
+          </p:cNvPr>
+          <p:cNvSpPr txBox="1"/>
+          <p:nvPr/>
+        </p:nvSpPr>
+        <p:spPr>
+          <a:xfrm>
+            <a:off x="12996725" y="26687050"/>
+            <a:ext cx="9106127" cy="1569660"/>
+          </a:xfrm>
+          <a:prstGeom prst="rect">
+            <a:avLst/>
+          </a:prstGeom>
+          <a:noFill/>
+        </p:spPr>
+        <p:txBody>
+          <a:bodyPr wrap="square" rtlCol="0">
+            <a:spAutoFit/>
+          </a:bodyPr>
+          <a:lstStyle/>
+          <a:p>
+            <a:r>
+              <a:rPr lang="de-DE" sz="2400" dirty="0"/>
+              <a:t>With 14.5 cm</a:t>
+            </a:r>
+            <a:r>
+              <a:rPr lang="de-DE" sz="2400" baseline="30000" dirty="0"/>
+              <a:t>-1</a:t>
+            </a:r>
+            <a:r>
+              <a:rPr lang="de-DE" sz="2400" dirty="0"/>
+              <a:t> (1,43 %) </a:t>
+            </a:r>
+            <a:r>
+              <a:rPr lang="de-DE" sz="2400" dirty="0" err="1"/>
+              <a:t>Numerov‘s</a:t>
+            </a:r>
+            <a:r>
+              <a:rPr lang="de-DE" sz="2400" dirty="0"/>
+              <a:t> </a:t>
+            </a:r>
+            <a:r>
+              <a:rPr lang="de-DE" sz="2400" dirty="0" err="1"/>
+              <a:t>method</a:t>
+            </a:r>
+            <a:r>
+              <a:rPr lang="de-DE" sz="2400" dirty="0"/>
+              <a:t> </a:t>
+            </a:r>
+            <a:r>
+              <a:rPr lang="de-DE" sz="2400" dirty="0" err="1"/>
+              <a:t>has</a:t>
+            </a:r>
+            <a:r>
+              <a:rPr lang="de-DE" sz="2400" dirty="0"/>
+              <a:t> </a:t>
+            </a:r>
+            <a:r>
+              <a:rPr lang="de-DE" sz="2400" dirty="0" err="1"/>
+              <a:t>the</a:t>
+            </a:r>
+            <a:r>
+              <a:rPr lang="de-DE" sz="2400" dirty="0"/>
+              <a:t> </a:t>
+            </a:r>
+            <a:r>
+              <a:rPr lang="de-DE" sz="2400" dirty="0" err="1"/>
+              <a:t>smallest</a:t>
+            </a:r>
+            <a:r>
+              <a:rPr lang="de-DE" sz="2400" dirty="0"/>
+              <a:t> </a:t>
+            </a:r>
+            <a:r>
+              <a:rPr lang="de-DE" sz="2400" dirty="0" err="1"/>
+              <a:t>deviation</a:t>
+            </a:r>
+            <a:r>
+              <a:rPr lang="de-DE" sz="2400" dirty="0"/>
+              <a:t> </a:t>
+            </a:r>
+            <a:r>
+              <a:rPr lang="de-DE" sz="2400" dirty="0" err="1"/>
+              <a:t>compared</a:t>
+            </a:r>
+            <a:r>
+              <a:rPr lang="de-DE" sz="2400" dirty="0"/>
+              <a:t> </a:t>
+            </a:r>
+            <a:r>
+              <a:rPr lang="de-DE" sz="2400" dirty="0" err="1"/>
+              <a:t>to</a:t>
+            </a:r>
+            <a:r>
+              <a:rPr lang="de-DE" sz="2400" dirty="0"/>
+              <a:t> </a:t>
+            </a:r>
+            <a:r>
+              <a:rPr lang="de-DE" sz="2400" dirty="0" err="1"/>
+              <a:t>the</a:t>
+            </a:r>
+            <a:r>
+              <a:rPr lang="de-DE" sz="2400" dirty="0"/>
+              <a:t> </a:t>
+            </a:r>
+            <a:r>
+              <a:rPr lang="de-DE" sz="2400" dirty="0" err="1"/>
+              <a:t>literature</a:t>
+            </a:r>
+            <a:r>
+              <a:rPr lang="de-DE" sz="2400" dirty="0"/>
+              <a:t>. </a:t>
+            </a:r>
+            <a:r>
+              <a:rPr lang="de-DE" sz="2400" dirty="0" err="1"/>
+              <a:t>Because</a:t>
+            </a:r>
+            <a:r>
+              <a:rPr lang="de-DE" sz="2400" dirty="0"/>
+              <a:t> </a:t>
+            </a:r>
+            <a:r>
+              <a:rPr lang="de-DE" sz="2400" dirty="0" err="1"/>
+              <a:t>Numervo‘s</a:t>
+            </a:r>
+            <a:r>
+              <a:rPr lang="de-DE" sz="2400" dirty="0"/>
+              <a:t> </a:t>
+            </a:r>
+            <a:r>
+              <a:rPr lang="de-DE" sz="2400" dirty="0" err="1"/>
+              <a:t>method</a:t>
+            </a:r>
+            <a:r>
+              <a:rPr lang="de-DE" sz="2400" dirty="0"/>
+              <a:t> </a:t>
+            </a:r>
+            <a:r>
+              <a:rPr lang="de-DE" sz="2400" dirty="0" err="1"/>
+              <a:t>numerically</a:t>
+            </a:r>
+            <a:r>
+              <a:rPr lang="de-DE" sz="2400" dirty="0"/>
+              <a:t> </a:t>
+            </a:r>
+            <a:r>
+              <a:rPr lang="de-DE" sz="2400" dirty="0" err="1"/>
+              <a:t>calculates</a:t>
+            </a:r>
+            <a:r>
+              <a:rPr lang="de-DE" sz="2400" dirty="0"/>
+              <a:t> </a:t>
+            </a:r>
+            <a:r>
+              <a:rPr lang="de-DE" sz="2400" dirty="0" err="1"/>
+              <a:t>points</a:t>
+            </a:r>
+            <a:r>
+              <a:rPr lang="de-DE" sz="2400" dirty="0"/>
+              <a:t> on </a:t>
+            </a:r>
+            <a:r>
+              <a:rPr lang="de-DE" sz="2400" dirty="0" err="1"/>
+              <a:t>the</a:t>
+            </a:r>
+            <a:r>
+              <a:rPr lang="de-DE" sz="2400" dirty="0"/>
+              <a:t> PES </a:t>
+            </a:r>
+            <a:r>
+              <a:rPr lang="de-DE" sz="2400" dirty="0" err="1"/>
+              <a:t>it</a:t>
+            </a:r>
+            <a:r>
+              <a:rPr lang="de-DE" sz="2400" dirty="0"/>
+              <a:t> </a:t>
+            </a:r>
+            <a:r>
+              <a:rPr lang="de-DE" sz="2400" dirty="0" err="1"/>
+              <a:t>takes</a:t>
+            </a:r>
+            <a:r>
+              <a:rPr lang="de-DE" sz="2400" dirty="0"/>
+              <a:t> </a:t>
+            </a:r>
+            <a:r>
+              <a:rPr lang="de-DE" sz="2400" dirty="0" err="1"/>
+              <a:t>anharmonicity</a:t>
+            </a:r>
+            <a:r>
+              <a:rPr lang="de-DE" sz="2400" dirty="0"/>
+              <a:t> </a:t>
+            </a:r>
+            <a:r>
+              <a:rPr lang="de-DE" sz="2400" dirty="0" err="1"/>
+              <a:t>into</a:t>
+            </a:r>
+            <a:r>
+              <a:rPr lang="de-DE" sz="2400" dirty="0"/>
+              <a:t> </a:t>
+            </a:r>
+            <a:r>
+              <a:rPr lang="de-DE" sz="2400" dirty="0" err="1"/>
+              <a:t>account</a:t>
+            </a:r>
+            <a:r>
+              <a:rPr lang="de-DE" sz="2400" dirty="0"/>
+              <a:t>, </a:t>
+            </a:r>
+            <a:r>
+              <a:rPr lang="de-DE" sz="2400" dirty="0" err="1"/>
+              <a:t>leading</a:t>
+            </a:r>
+            <a:r>
+              <a:rPr lang="de-DE" sz="2400" dirty="0"/>
+              <a:t> </a:t>
+            </a:r>
+            <a:r>
+              <a:rPr lang="de-DE" sz="2400" dirty="0" err="1"/>
+              <a:t>to</a:t>
+            </a:r>
+            <a:r>
+              <a:rPr lang="de-DE" sz="2400" dirty="0"/>
+              <a:t> </a:t>
+            </a:r>
+            <a:r>
+              <a:rPr lang="de-DE" sz="2400" dirty="0" err="1"/>
+              <a:t>overall</a:t>
+            </a:r>
+            <a:r>
+              <a:rPr lang="de-DE" sz="2400" dirty="0"/>
+              <a:t> </a:t>
+            </a:r>
+            <a:r>
+              <a:rPr lang="de-DE" sz="2400" dirty="0" err="1"/>
+              <a:t>more</a:t>
+            </a:r>
+            <a:r>
+              <a:rPr lang="de-DE" sz="2400" dirty="0"/>
+              <a:t> </a:t>
+            </a:r>
+            <a:r>
+              <a:rPr lang="de-DE" sz="2400" dirty="0" err="1"/>
+              <a:t>precise</a:t>
+            </a:r>
+            <a:r>
+              <a:rPr lang="de-DE" sz="2400" dirty="0"/>
+              <a:t> </a:t>
+            </a:r>
+            <a:r>
+              <a:rPr lang="de-DE" sz="2400" dirty="0" err="1"/>
+              <a:t>performance</a:t>
+            </a:r>
+            <a:r>
+              <a:rPr lang="de-DE" sz="2400" dirty="0"/>
+              <a:t>.</a:t>
+            </a:r>
+          </a:p>
+        </p:txBody>
+      </p:sp>
+      <p:sp>
+        <p:nvSpPr>
+          <p:cNvPr id="18" name="Textfeld 17">
+            <a:extLst>
+              <a:ext uri="{FF2B5EF4-FFF2-40B4-BE49-F238E27FC236}">
+                <a16:creationId xmlns:a16="http://schemas.microsoft.com/office/drawing/2014/main" id="{560C245C-C90A-B10C-62FA-8E2D044D5C4F}"/>
+              </a:ext>
+            </a:extLst>
+          </p:cNvPr>
+          <p:cNvSpPr txBox="1"/>
+          <p:nvPr/>
+        </p:nvSpPr>
+        <p:spPr>
+          <a:xfrm>
+            <a:off x="25976288" y="15004876"/>
+            <a:ext cx="13219141" cy="646331"/>
+          </a:xfrm>
+          <a:prstGeom prst="rect">
+            <a:avLst/>
+          </a:prstGeom>
+          <a:noFill/>
+        </p:spPr>
+        <p:txBody>
+          <a:bodyPr wrap="square" rtlCol="0">
+            <a:spAutoFit/>
+          </a:bodyPr>
+          <a:lstStyle/>
+          <a:p>
+            <a:pPr algn="ctr"/>
+            <a:r>
+              <a:rPr lang="de-DE" sz="3600" u="sng" dirty="0"/>
+              <a:t>Determination </a:t>
+            </a:r>
+            <a:r>
+              <a:rPr lang="de-DE" sz="3600" u="sng" dirty="0" err="1"/>
+              <a:t>of</a:t>
+            </a:r>
+            <a:r>
+              <a:rPr lang="de-DE" sz="3600" u="sng" dirty="0"/>
+              <a:t> </a:t>
+            </a:r>
+            <a:r>
+              <a:rPr lang="de-DE" sz="3600" u="sng" dirty="0" err="1"/>
+              <a:t>the</a:t>
+            </a:r>
+            <a:r>
+              <a:rPr lang="de-DE" sz="3600" u="sng" dirty="0"/>
+              <a:t> </a:t>
+            </a:r>
+            <a:r>
+              <a:rPr lang="de-DE" sz="3600" u="sng" dirty="0" err="1"/>
+              <a:t>effect</a:t>
+            </a:r>
+            <a:r>
+              <a:rPr lang="de-DE" sz="3600" u="sng" dirty="0"/>
+              <a:t> </a:t>
+            </a:r>
+            <a:r>
+              <a:rPr lang="de-DE" sz="3600" u="sng" dirty="0" err="1"/>
+              <a:t>of</a:t>
+            </a:r>
+            <a:r>
+              <a:rPr lang="de-DE" sz="3600" u="sng" dirty="0"/>
+              <a:t> </a:t>
+            </a:r>
+            <a:r>
+              <a:rPr lang="de-DE" sz="3600" u="sng" dirty="0" err="1"/>
+              <a:t>deuteration</a:t>
+            </a:r>
+            <a:r>
+              <a:rPr lang="de-DE" sz="3600" u="sng" dirty="0"/>
+              <a:t> </a:t>
+            </a:r>
+            <a:r>
+              <a:rPr lang="de-DE" sz="3600" u="sng" dirty="0" err="1"/>
+              <a:t>of</a:t>
+            </a:r>
+            <a:r>
+              <a:rPr lang="de-DE" sz="3600" u="sng" dirty="0"/>
+              <a:t> trans-</a:t>
+            </a:r>
+            <a:r>
+              <a:rPr lang="de-DE" sz="3600" u="sng" dirty="0" err="1"/>
+              <a:t>acetic</a:t>
+            </a:r>
+            <a:r>
+              <a:rPr lang="de-DE" sz="3600" u="sng" dirty="0"/>
+              <a:t>-</a:t>
+            </a:r>
+            <a:r>
+              <a:rPr lang="de-DE" sz="3600" u="sng" dirty="0" err="1"/>
+              <a:t>acid</a:t>
+            </a:r>
+            <a:endParaRPr lang="de-DE" sz="3600" u="sng" dirty="0"/>
+          </a:p>
+        </p:txBody>
+      </p:sp>
+      <p:pic>
+        <p:nvPicPr>
+          <p:cNvPr id="31" name="Grafik 30" descr="Ein Bild, das Text, Reihe, Diagramm, Zahl enthält.&#10;&#10;Automatisch generierte Beschreibung">
+            <a:extLst>
+              <a:ext uri="{FF2B5EF4-FFF2-40B4-BE49-F238E27FC236}">
+                <a16:creationId xmlns:a16="http://schemas.microsoft.com/office/drawing/2014/main" id="{BBABA38A-EE62-7ECF-590B-6328F744C13B}"/>
+              </a:ext>
+            </a:extLst>
+          </p:cNvPr>
+          <p:cNvPicPr>
+            <a:picLocks noChangeAspect="1"/>
+          </p:cNvPicPr>
+          <p:nvPr/>
+        </p:nvPicPr>
+        <p:blipFill>
+          <a:blip r:embed="rId26"/>
+          <a:stretch>
+            <a:fillRect/>
+          </a:stretch>
+        </p:blipFill>
+        <p:spPr>
+          <a:xfrm>
+            <a:off x="27846235" y="4969261"/>
+            <a:ext cx="5717192" cy="3967989"/>
+          </a:xfrm>
+          <a:prstGeom prst="rect">
+            <a:avLst/>
+          </a:prstGeom>
+        </p:spPr>
+      </p:pic>
+      <mc:AlternateContent xmlns:mc="http://schemas.openxmlformats.org/markup-compatibility/2006">
+        <mc:Choice xmlns:a14="http://schemas.microsoft.com/office/drawing/2010/main" Requires="a14">
+          <p:sp>
+            <p:nvSpPr>
+              <p:cNvPr id="32" name="Textfeld 31">
+                <a:extLst>
+                  <a:ext uri="{FF2B5EF4-FFF2-40B4-BE49-F238E27FC236}">
+                    <a16:creationId xmlns:a16="http://schemas.microsoft.com/office/drawing/2014/main" id="{957A8A89-B413-33FF-850E-61E8C34A5A03}"/>
+                  </a:ext>
+                </a:extLst>
+              </p:cNvPr>
+              <p:cNvSpPr txBox="1"/>
+              <p:nvPr/>
+            </p:nvSpPr>
+            <p:spPr>
+              <a:xfrm>
+                <a:off x="34199802" y="8091429"/>
+                <a:ext cx="8298520" cy="2366545"/>
+              </a:xfrm>
+              <a:prstGeom prst="rect">
+                <a:avLst/>
+              </a:prstGeom>
+              <a:noFill/>
+            </p:spPr>
+            <p:txBody>
+              <a:bodyPr wrap="square" rtlCol="0">
+                <a:spAutoFit/>
+              </a:bodyPr>
+              <a:lstStyle/>
+              <a:p>
+                <a:r>
+                  <a:rPr lang="en-US" sz="2400" noProof="1"/>
+                  <a:t>The oscillator strength [3] provides insights into the probability and intensity of transitions between vibrational energy levels. The selection rules are determined by the transition moment integral:</a:t>
+                </a:r>
+              </a:p>
+              <a:p>
+                <a14:m>
+                  <m:oMathPara xmlns:m="http://schemas.openxmlformats.org/officeDocument/2006/math">
+                    <m:oMathParaPr>
+                      <m:jc m:val="centerGroup"/>
+                    </m:oMathParaPr>
+                    <m:oMath xmlns:m="http://schemas.openxmlformats.org/officeDocument/2006/math">
+                      <m:sSub>
+                        <m:sSubPr>
+                          <m:ctrlPr>
+                            <a:rPr lang="de-AT" sz="2400" b="0" i="1" noProof="1" smtClean="0">
+                              <a:latin typeface="Cambria Math" panose="02040503050406030204" pitchFamily="18" charset="0"/>
+                            </a:rPr>
+                          </m:ctrlPr>
+                        </m:sSubPr>
+                        <m:e>
+                          <m:r>
+                            <a:rPr lang="de-AT" sz="2400" b="0" i="1" noProof="1" smtClean="0">
+                              <a:latin typeface="Cambria Math" panose="02040503050406030204" pitchFamily="18" charset="0"/>
+                            </a:rPr>
+                            <m:t>𝜇</m:t>
+                          </m:r>
+                        </m:e>
+                        <m:sub>
+                          <m:r>
+                            <a:rPr lang="de-AT" sz="2400" b="0" i="1" noProof="1" smtClean="0">
+                              <a:latin typeface="Cambria Math" panose="02040503050406030204" pitchFamily="18" charset="0"/>
+                            </a:rPr>
+                            <m:t>𝑛</m:t>
+                          </m:r>
+                          <m:r>
+                            <a:rPr lang="de-AT" sz="2400" b="0" i="1" noProof="1" smtClean="0">
+                              <a:latin typeface="Cambria Math" panose="02040503050406030204" pitchFamily="18" charset="0"/>
+                            </a:rPr>
+                            <m:t>→</m:t>
+                          </m:r>
+                          <m:r>
+                            <a:rPr lang="de-AT" sz="2400" b="0" i="1" noProof="1" smtClean="0">
+                              <a:latin typeface="Cambria Math" panose="02040503050406030204" pitchFamily="18" charset="0"/>
+                            </a:rPr>
+                            <m:t>𝑛</m:t>
+                          </m:r>
+                          <m:r>
+                            <a:rPr lang="de-AT" sz="2400" b="0" i="1" noProof="1" smtClean="0">
+                              <a:latin typeface="Cambria Math" panose="02040503050406030204" pitchFamily="18" charset="0"/>
+                            </a:rPr>
+                            <m:t>+1</m:t>
+                          </m:r>
+                        </m:sub>
+                      </m:sSub>
+                      <m:r>
+                        <a:rPr lang="de-AT" sz="2400" b="0" i="1" noProof="1" smtClean="0">
+                          <a:latin typeface="Cambria Math" panose="02040503050406030204" pitchFamily="18" charset="0"/>
+                        </a:rPr>
+                        <m:t>=</m:t>
+                      </m:r>
+                      <m:nary>
+                        <m:naryPr>
+                          <m:ctrlPr>
+                            <a:rPr lang="de-AT" sz="2400" b="0" i="1" noProof="1" smtClean="0">
+                              <a:latin typeface="Cambria Math" panose="02040503050406030204" pitchFamily="18" charset="0"/>
+                            </a:rPr>
+                          </m:ctrlPr>
+                        </m:naryPr>
+                        <m:sub>
+                          <m:r>
+                            <m:rPr>
+                              <m:brk m:alnAt="23"/>
+                            </m:rPr>
+                            <a:rPr lang="de-AT" sz="2400" b="0" i="1" noProof="1" smtClean="0">
+                              <a:latin typeface="Cambria Math" panose="02040503050406030204" pitchFamily="18" charset="0"/>
+                            </a:rPr>
+                            <m:t>−</m:t>
+                          </m:r>
+                          <m:r>
+                            <a:rPr lang="de-AT" sz="2400" b="0" i="1" noProof="1" smtClean="0">
+                              <a:latin typeface="Cambria Math" panose="02040503050406030204" pitchFamily="18" charset="0"/>
+                            </a:rPr>
+                            <m:t>∞</m:t>
+                          </m:r>
+                        </m:sub>
+                        <m:sup>
+                          <m:r>
+                            <a:rPr lang="de-AT" sz="2400" b="0" i="1" noProof="1" smtClean="0">
+                              <a:latin typeface="Cambria Math" panose="02040503050406030204" pitchFamily="18" charset="0"/>
+                            </a:rPr>
+                            <m:t>∞</m:t>
+                          </m:r>
+                        </m:sup>
+                        <m:e>
+                          <m:sSubSup>
+                            <m:sSubSupPr>
+                              <m:ctrlPr>
+                                <a:rPr lang="de-AT" sz="2400" b="0" i="1" noProof="1" smtClean="0">
+                                  <a:latin typeface="Cambria Math" panose="02040503050406030204" pitchFamily="18" charset="0"/>
+                                </a:rPr>
+                              </m:ctrlPr>
+                            </m:sSubSupPr>
+                            <m:e>
+                              <m:r>
+                                <a:rPr lang="de-AT" sz="2400" b="0" i="1" noProof="1" smtClean="0">
+                                  <a:latin typeface="Cambria Math" panose="02040503050406030204" pitchFamily="18" charset="0"/>
+                                </a:rPr>
+                                <m:t>𝜓</m:t>
+                              </m:r>
+                            </m:e>
+                            <m:sub>
+                              <m:r>
+                                <a:rPr lang="de-AT" sz="2400" b="0" i="1" noProof="1" smtClean="0">
+                                  <a:latin typeface="Cambria Math" panose="02040503050406030204" pitchFamily="18" charset="0"/>
+                                </a:rPr>
+                                <m:t>𝑛</m:t>
+                              </m:r>
+                            </m:sub>
+                            <m:sup>
+                              <m:r>
+                                <a:rPr lang="de-AT" sz="2400" b="0" i="1" noProof="1" smtClean="0">
+                                  <a:latin typeface="Cambria Math" panose="02040503050406030204" pitchFamily="18" charset="0"/>
+                                </a:rPr>
+                                <m:t>∗</m:t>
+                              </m:r>
+                            </m:sup>
+                          </m:sSubSup>
+                          <m:acc>
+                            <m:accPr>
+                              <m:chr m:val="̂"/>
+                              <m:ctrlPr>
+                                <a:rPr lang="de-AT" sz="2400" b="0" i="1" noProof="1" smtClean="0">
+                                  <a:latin typeface="Cambria Math" panose="02040503050406030204" pitchFamily="18" charset="0"/>
+                                </a:rPr>
+                              </m:ctrlPr>
+                            </m:accPr>
+                            <m:e>
+                              <m:r>
+                                <a:rPr lang="de-AT" sz="2400" b="0" i="1" noProof="1" smtClean="0">
+                                  <a:latin typeface="Cambria Math" panose="02040503050406030204" pitchFamily="18" charset="0"/>
+                                </a:rPr>
+                                <m:t>𝜇</m:t>
+                              </m:r>
+                            </m:e>
+                          </m:acc>
+                          <m:sSub>
+                            <m:sSubPr>
+                              <m:ctrlPr>
+                                <a:rPr lang="de-AT" sz="2400" b="0" i="1" noProof="1" smtClean="0">
+                                  <a:latin typeface="Cambria Math" panose="02040503050406030204" pitchFamily="18" charset="0"/>
+                                </a:rPr>
+                              </m:ctrlPr>
+                            </m:sSubPr>
+                            <m:e>
+                              <m:r>
+                                <a:rPr lang="de-AT" sz="2400" b="0" i="1" noProof="1" smtClean="0">
+                                  <a:latin typeface="Cambria Math" panose="02040503050406030204" pitchFamily="18" charset="0"/>
+                                </a:rPr>
+                                <m:t>𝜓</m:t>
+                              </m:r>
+                            </m:e>
+                            <m:sub>
+                              <m:r>
+                                <a:rPr lang="de-AT" sz="2400" b="0" i="1" noProof="1" smtClean="0">
+                                  <a:latin typeface="Cambria Math" panose="02040503050406030204" pitchFamily="18" charset="0"/>
+                                </a:rPr>
+                                <m:t>𝑛</m:t>
+                              </m:r>
+                              <m:r>
+                                <a:rPr lang="de-AT" sz="2400" b="0" i="1" noProof="1" smtClean="0">
+                                  <a:latin typeface="Cambria Math" panose="02040503050406030204" pitchFamily="18" charset="0"/>
+                                </a:rPr>
+                                <m:t>+1</m:t>
+                              </m:r>
+                            </m:sub>
+                          </m:sSub>
+                        </m:e>
+                      </m:nary>
+                    </m:oMath>
+                  </m:oMathPara>
+                </a14:m>
+                <a:br>
+                  <a:rPr lang="en-US" sz="2400" noProof="1"/>
+                </a:br>
+                <a:endParaRPr lang="de-DE" sz="2400" dirty="0"/>
+              </a:p>
+            </p:txBody>
+          </p:sp>
+        </mc:Choice>
+        <mc:Fallback>
+          <p:sp>
+            <p:nvSpPr>
+              <p:cNvPr id="32" name="Textfeld 31">
+                <a:extLst>
+                  <a:ext uri="{FF2B5EF4-FFF2-40B4-BE49-F238E27FC236}">
+                    <a16:creationId xmlns:a16="http://schemas.microsoft.com/office/drawing/2014/main" id="{957A8A89-B413-33FF-850E-61E8C34A5A03}"/>
+                  </a:ext>
+                </a:extLst>
+              </p:cNvPr>
+              <p:cNvSpPr txBox="1">
+                <a:spLocks noRot="1" noChangeAspect="1" noMove="1" noResize="1" noEditPoints="1" noAdjustHandles="1" noChangeArrowheads="1" noChangeShapeType="1" noTextEdit="1"/>
+              </p:cNvSpPr>
+              <p:nvPr/>
+            </p:nvSpPr>
+            <p:spPr>
+              <a:xfrm>
+                <a:off x="34199802" y="8091429"/>
+                <a:ext cx="8298520" cy="2366545"/>
+              </a:xfrm>
+              <a:prstGeom prst="rect">
+                <a:avLst/>
+              </a:prstGeom>
+              <a:blipFill>
+                <a:blip r:embed="rId27"/>
+                <a:stretch>
+                  <a:fillRect l="-1069" t="-2128" b="-92021"/>
+                </a:stretch>
+              </a:blipFill>
+            </p:spPr>
+            <p:txBody>
+              <a:bodyPr/>
+              <a:lstStyle/>
+              <a:p>
+                <a:r>
+                  <a:rPr lang="de-DE">
+                    <a:noFill/>
+                  </a:rPr>
+                  <a:t> </a:t>
+                </a:r>
+              </a:p>
+            </p:txBody>
+          </p:sp>
+        </mc:Fallback>
+      </mc:AlternateContent>
+      <mc:AlternateContent xmlns:mc="http://schemas.openxmlformats.org/markup-compatibility/2006">
+        <mc:Choice xmlns:a14="http://schemas.microsoft.com/office/drawing/2010/main" Requires="a14">
+          <p:sp>
+            <p:nvSpPr>
+              <p:cNvPr id="36" name="Textfeld 35">
+                <a:extLst>
+                  <a:ext uri="{FF2B5EF4-FFF2-40B4-BE49-F238E27FC236}">
+                    <a16:creationId xmlns:a16="http://schemas.microsoft.com/office/drawing/2014/main" id="{880885FE-A128-8D1B-76C5-FD90998A70CA}"/>
+                  </a:ext>
+                </a:extLst>
+              </p:cNvPr>
+              <p:cNvSpPr txBox="1"/>
+              <p:nvPr/>
+            </p:nvSpPr>
+            <p:spPr>
+              <a:xfrm>
+                <a:off x="27662524" y="10815762"/>
+                <a:ext cx="10024752" cy="707886"/>
+              </a:xfrm>
+              <a:prstGeom prst="rect">
+                <a:avLst/>
+              </a:prstGeom>
+              <a:noFill/>
+            </p:spPr>
+            <p:txBody>
+              <a:bodyPr wrap="square" rtlCol="0">
+                <a:spAutoFit/>
+              </a:bodyPr>
+              <a:lstStyle/>
+              <a:p>
+                <a:r>
+                  <a:rPr lang="en-US" sz="2000" b="1" noProof="1"/>
+                  <a:t>Tab 4: </a:t>
+                </a:r>
+                <a:r>
+                  <a:rPr lang="en-US" sz="2000" noProof="1"/>
+                  <a:t>Comparison of the osscilator strength </a:t>
+                </a:r>
+                <a14:m>
+                  <m:oMath xmlns:m="http://schemas.openxmlformats.org/officeDocument/2006/math">
+                    <m:r>
+                      <a:rPr lang="de-AT" sz="2000" b="0" i="1" noProof="1" smtClean="0">
+                        <a:latin typeface="Cambria Math" panose="02040503050406030204" pitchFamily="18" charset="0"/>
+                      </a:rPr>
+                      <m:t>𝑓</m:t>
+                    </m:r>
+                  </m:oMath>
+                </a14:m>
+                <a:r>
+                  <a:rPr lang="en-US" sz="2000" noProof="1"/>
+                  <a:t> in the harmonic oscillator framework and the Numerov’ Method.</a:t>
+                </a:r>
+              </a:p>
+            </p:txBody>
+          </p:sp>
+        </mc:Choice>
+        <mc:Fallback>
+          <p:sp>
+            <p:nvSpPr>
+              <p:cNvPr id="36" name="Textfeld 35">
+                <a:extLst>
+                  <a:ext uri="{FF2B5EF4-FFF2-40B4-BE49-F238E27FC236}">
+                    <a16:creationId xmlns:a16="http://schemas.microsoft.com/office/drawing/2014/main" id="{880885FE-A128-8D1B-76C5-FD90998A70CA}"/>
+                  </a:ext>
+                </a:extLst>
+              </p:cNvPr>
+              <p:cNvSpPr txBox="1">
+                <a:spLocks noRot="1" noChangeAspect="1" noMove="1" noResize="1" noEditPoints="1" noAdjustHandles="1" noChangeArrowheads="1" noChangeShapeType="1" noTextEdit="1"/>
+              </p:cNvSpPr>
+              <p:nvPr/>
+            </p:nvSpPr>
+            <p:spPr>
+              <a:xfrm>
+                <a:off x="27662524" y="10815762"/>
+                <a:ext cx="10024752" cy="707886"/>
+              </a:xfrm>
+              <a:prstGeom prst="rect">
+                <a:avLst/>
+              </a:prstGeom>
+              <a:blipFill>
+                <a:blip r:embed="rId28"/>
+                <a:stretch>
+                  <a:fillRect l="-759" t="-1754" b="-14035"/>
+                </a:stretch>
+              </a:blipFill>
+            </p:spPr>
+            <p:txBody>
+              <a:bodyPr/>
+              <a:lstStyle/>
+              <a:p>
+                <a:r>
+                  <a:rPr lang="de-DE">
+                    <a:noFill/>
+                  </a:rPr>
+                  <a:t> </a:t>
+                </a:r>
+              </a:p>
+            </p:txBody>
+          </p:sp>
+        </mc:Fallback>
+      </mc:AlternateContent>
+      <mc:AlternateContent xmlns:mc="http://schemas.openxmlformats.org/markup-compatibility/2006">
+        <mc:Choice xmlns:a14="http://schemas.microsoft.com/office/drawing/2010/main" Requires="a14">
+          <p:sp>
+            <p:nvSpPr>
+              <p:cNvPr id="38" name="Textfeld 37">
+                <a:extLst>
+                  <a:ext uri="{FF2B5EF4-FFF2-40B4-BE49-F238E27FC236}">
+                    <a16:creationId xmlns:a16="http://schemas.microsoft.com/office/drawing/2014/main" id="{93BFFE54-7F7B-B494-AE7A-2D10D546E151}"/>
+                  </a:ext>
+                </a:extLst>
+              </p:cNvPr>
+              <p:cNvSpPr txBox="1"/>
+              <p:nvPr/>
+            </p:nvSpPr>
+            <p:spPr>
+              <a:xfrm>
+                <a:off x="37895592" y="10834128"/>
+                <a:ext cx="4638530" cy="2308324"/>
+              </a:xfrm>
+              <a:prstGeom prst="rect">
+                <a:avLst/>
+              </a:prstGeom>
+              <a:noFill/>
+            </p:spPr>
+            <p:txBody>
+              <a:bodyPr wrap="square" rtlCol="0">
+                <a:spAutoFit/>
+              </a:bodyPr>
+              <a:lstStyle/>
+              <a:p>
+                <a:r>
+                  <a:rPr lang="en-US" sz="2400" noProof="1"/>
+                  <a:t>The harmonic osscilator allows only transitions with </a:t>
+                </a:r>
+                <a14:m>
+                  <m:oMath xmlns:m="http://schemas.openxmlformats.org/officeDocument/2006/math">
+                    <m:r>
+                      <m:rPr>
+                        <m:sty m:val="p"/>
+                      </m:rPr>
+                      <a:rPr lang="de-AT" sz="2400" b="0" i="0" noProof="1" smtClean="0">
+                        <a:latin typeface="Cambria Math" panose="02040503050406030204" pitchFamily="18" charset="0"/>
+                      </a:rPr>
+                      <m:t>Δ</m:t>
+                    </m:r>
+                    <m:r>
+                      <a:rPr lang="de-AT" sz="2400" b="0" i="1" noProof="1" smtClean="0">
+                        <a:latin typeface="Cambria Math" panose="02040503050406030204" pitchFamily="18" charset="0"/>
+                      </a:rPr>
+                      <m:t>𝑛</m:t>
+                    </m:r>
+                    <m:r>
+                      <a:rPr lang="de-AT" sz="2400" b="0" i="1" noProof="1" smtClean="0">
+                        <a:latin typeface="Cambria Math" panose="02040503050406030204" pitchFamily="18" charset="0"/>
+                      </a:rPr>
+                      <m:t>±1</m:t>
+                    </m:r>
+                  </m:oMath>
+                </a14:m>
+                <a:r>
+                  <a:rPr lang="en-US" sz="2400" noProof="1"/>
+                  <a:t>, in reality, anharmonicity introduces non-zero oscillator strength also for higher transitions</a:t>
+                </a:r>
+                <a:br>
+                  <a:rPr lang="en-US" sz="2400" noProof="1"/>
+                </a:br>
+                <a:endParaRPr lang="de-DE" sz="2400" dirty="0"/>
+              </a:p>
+            </p:txBody>
+          </p:sp>
+        </mc:Choice>
+        <mc:Fallback>
+          <p:sp>
+            <p:nvSpPr>
+              <p:cNvPr id="38" name="Textfeld 37">
+                <a:extLst>
+                  <a:ext uri="{FF2B5EF4-FFF2-40B4-BE49-F238E27FC236}">
+                    <a16:creationId xmlns:a16="http://schemas.microsoft.com/office/drawing/2014/main" id="{93BFFE54-7F7B-B494-AE7A-2D10D546E151}"/>
+                  </a:ext>
+                </a:extLst>
+              </p:cNvPr>
+              <p:cNvSpPr txBox="1">
+                <a:spLocks noRot="1" noChangeAspect="1" noMove="1" noResize="1" noEditPoints="1" noAdjustHandles="1" noChangeArrowheads="1" noChangeShapeType="1" noTextEdit="1"/>
+              </p:cNvSpPr>
+              <p:nvPr/>
+            </p:nvSpPr>
+            <p:spPr>
+              <a:xfrm>
+                <a:off x="37895592" y="10834128"/>
+                <a:ext cx="4638530" cy="2308324"/>
+              </a:xfrm>
+              <a:prstGeom prst="rect">
+                <a:avLst/>
+              </a:prstGeom>
+              <a:blipFill>
+                <a:blip r:embed="rId29"/>
+                <a:stretch>
+                  <a:fillRect l="-1913" t="-1639" r="-546"/>
+                </a:stretch>
+              </a:blipFill>
+            </p:spPr>
+            <p:txBody>
+              <a:bodyPr/>
+              <a:lstStyle/>
+              <a:p>
+                <a:r>
+                  <a:rPr lang="de-DE">
+                    <a:noFill/>
+                  </a:rPr>
+                  <a:t> </a:t>
+                </a:r>
+              </a:p>
+            </p:txBody>
+          </p:sp>
+        </mc:Fallback>
+      </mc:AlternateContent>
+      <p:sp>
+        <p:nvSpPr>
+          <p:cNvPr id="39" name="Textfeld 38">
+            <a:extLst>
+              <a:ext uri="{FF2B5EF4-FFF2-40B4-BE49-F238E27FC236}">
+                <a16:creationId xmlns:a16="http://schemas.microsoft.com/office/drawing/2014/main" id="{BED430F6-B534-B022-ADF1-13CBCB5CE576}"/>
+              </a:ext>
+            </a:extLst>
+          </p:cNvPr>
+          <p:cNvSpPr txBox="1"/>
+          <p:nvPr/>
+        </p:nvSpPr>
+        <p:spPr>
+          <a:xfrm>
+            <a:off x="23375627" y="15761202"/>
+            <a:ext cx="18353233" cy="830997"/>
+          </a:xfrm>
+          <a:prstGeom prst="rect">
+            <a:avLst/>
+          </a:prstGeom>
+          <a:noFill/>
+        </p:spPr>
+        <p:txBody>
+          <a:bodyPr wrap="square" rtlCol="0">
+            <a:spAutoFit/>
+          </a:bodyPr>
+          <a:lstStyle/>
+          <a:p>
+            <a:r>
+              <a:rPr lang="de-DE" sz="2400" dirty="0"/>
+              <a:t>The </a:t>
+            </a:r>
+            <a:r>
+              <a:rPr lang="de-DE" sz="2400" dirty="0" err="1"/>
+              <a:t>figures</a:t>
+            </a:r>
+            <a:r>
+              <a:rPr lang="de-DE" sz="2400" dirty="0"/>
+              <a:t> </a:t>
+            </a:r>
+            <a:r>
+              <a:rPr lang="de-DE" sz="2400" dirty="0" err="1"/>
+              <a:t>below</a:t>
+            </a:r>
+            <a:r>
+              <a:rPr lang="de-DE" sz="2400" dirty="0"/>
+              <a:t> </a:t>
+            </a:r>
+            <a:r>
+              <a:rPr lang="de-DE" sz="2400" dirty="0" err="1"/>
+              <a:t>show</a:t>
+            </a:r>
+            <a:r>
+              <a:rPr lang="de-DE" sz="2400" dirty="0"/>
+              <a:t> </a:t>
+            </a:r>
+            <a:r>
+              <a:rPr lang="de-DE" sz="2400" dirty="0" err="1"/>
+              <a:t>the</a:t>
+            </a:r>
+            <a:r>
+              <a:rPr lang="de-DE" sz="2400" dirty="0"/>
+              <a:t> </a:t>
+            </a:r>
+            <a:r>
+              <a:rPr lang="de-DE" sz="2400" dirty="0" err="1"/>
+              <a:t>effect</a:t>
+            </a:r>
+            <a:r>
+              <a:rPr lang="de-DE" sz="2400" dirty="0"/>
+              <a:t> </a:t>
+            </a:r>
+            <a:r>
+              <a:rPr lang="de-DE" sz="2400" dirty="0" err="1"/>
+              <a:t>of</a:t>
+            </a:r>
+            <a:r>
+              <a:rPr lang="de-DE" sz="2400" dirty="0"/>
+              <a:t> </a:t>
+            </a:r>
+            <a:r>
+              <a:rPr lang="de-DE" sz="2400" dirty="0" err="1"/>
+              <a:t>deuteration</a:t>
+            </a:r>
+            <a:r>
+              <a:rPr lang="de-DE" sz="2400" dirty="0"/>
+              <a:t> </a:t>
+            </a:r>
+            <a:r>
+              <a:rPr lang="de-DE" sz="2400" dirty="0" err="1"/>
+              <a:t>to</a:t>
+            </a:r>
+            <a:r>
+              <a:rPr lang="de-DE" sz="2400" dirty="0"/>
+              <a:t> </a:t>
+            </a:r>
+            <a:r>
+              <a:rPr lang="de-DE" sz="2400" dirty="0" err="1"/>
+              <a:t>the</a:t>
+            </a:r>
+            <a:r>
+              <a:rPr lang="de-DE" sz="2400" dirty="0"/>
+              <a:t> </a:t>
+            </a:r>
+            <a:r>
+              <a:rPr lang="de-DE" sz="2400" dirty="0" err="1"/>
+              <a:t>bond</a:t>
+            </a:r>
+            <a:r>
+              <a:rPr lang="de-DE" sz="2400" dirty="0"/>
+              <a:t> </a:t>
+            </a:r>
+            <a:r>
+              <a:rPr lang="de-DE" sz="2400" dirty="0" err="1"/>
+              <a:t>scan</a:t>
+            </a:r>
+            <a:r>
+              <a:rPr lang="de-DE" sz="2400" dirty="0"/>
+              <a:t> </a:t>
+            </a:r>
+            <a:r>
+              <a:rPr lang="de-DE" sz="2400" dirty="0" err="1"/>
+              <a:t>between</a:t>
+            </a:r>
+            <a:r>
+              <a:rPr lang="de-DE" sz="2400" dirty="0"/>
+              <a:t> O-H and O-D. </a:t>
+            </a:r>
+            <a:r>
+              <a:rPr lang="de-DE" sz="2400" dirty="0" err="1"/>
+              <a:t>For</a:t>
+            </a:r>
+            <a:r>
+              <a:rPr lang="de-DE" sz="2400" dirty="0"/>
+              <a:t> trans-CH</a:t>
+            </a:r>
+            <a:r>
+              <a:rPr lang="de-DE" sz="2400" baseline="-25000" dirty="0"/>
+              <a:t>3</a:t>
+            </a:r>
+            <a:r>
+              <a:rPr lang="de-DE" sz="2400" dirty="0"/>
+              <a:t>COOD </a:t>
+            </a:r>
+            <a:r>
+              <a:rPr lang="de-DE" sz="2400" dirty="0" err="1"/>
+              <a:t>the</a:t>
+            </a:r>
+            <a:r>
+              <a:rPr lang="de-DE" sz="2400" dirty="0"/>
+              <a:t> </a:t>
+            </a:r>
+            <a:r>
+              <a:rPr lang="de-DE" sz="2400" dirty="0" err="1"/>
+              <a:t>substitution</a:t>
+            </a:r>
+            <a:r>
+              <a:rPr lang="de-DE" sz="2400" dirty="0"/>
+              <a:t> was </a:t>
+            </a:r>
+            <a:r>
+              <a:rPr lang="de-DE" sz="2400" dirty="0" err="1"/>
+              <a:t>carried</a:t>
+            </a:r>
+            <a:r>
+              <a:rPr lang="de-DE" sz="2400" dirty="0"/>
+              <a:t> out in </a:t>
+            </a:r>
+            <a:r>
+              <a:rPr lang="de-DE" sz="2400" dirty="0" err="1"/>
+              <a:t>Gaussian</a:t>
+            </a:r>
+            <a:r>
+              <a:rPr lang="de-DE" sz="2400" dirty="0"/>
+              <a:t> </a:t>
+            </a:r>
+            <a:r>
+              <a:rPr lang="de-DE" sz="2400" dirty="0" err="1"/>
+              <a:t>using</a:t>
+            </a:r>
+            <a:r>
+              <a:rPr lang="de-DE" sz="2400" dirty="0"/>
+              <a:t> </a:t>
+            </a:r>
+            <a:r>
+              <a:rPr lang="de-DE" sz="2400" dirty="0" err="1"/>
+              <a:t>the</a:t>
+            </a:r>
+            <a:r>
+              <a:rPr lang="de-DE" sz="2400" b="1" dirty="0"/>
+              <a:t> </a:t>
+            </a:r>
+            <a:r>
+              <a:rPr lang="de-DE" sz="2400" b="1" i="1" dirty="0" err="1"/>
+              <a:t>iso</a:t>
+            </a:r>
+            <a:r>
+              <a:rPr lang="de-DE" sz="2400" b="1" i="1" dirty="0"/>
+              <a:t> </a:t>
+            </a:r>
+            <a:r>
+              <a:rPr lang="de-DE" sz="2400" dirty="0" err="1"/>
+              <a:t>keyword</a:t>
+            </a:r>
+            <a:r>
+              <a:rPr lang="de-DE" sz="2400" dirty="0"/>
+              <a:t> in </a:t>
+            </a:r>
+            <a:r>
+              <a:rPr lang="de-DE" sz="2400" dirty="0" err="1"/>
+              <a:t>the</a:t>
+            </a:r>
+            <a:r>
+              <a:rPr lang="de-DE" sz="2400" dirty="0"/>
+              <a:t> Z-matrix </a:t>
+            </a:r>
+            <a:r>
+              <a:rPr lang="de-DE" sz="2400" dirty="0" err="1"/>
+              <a:t>coordinates</a:t>
+            </a:r>
+            <a:r>
+              <a:rPr lang="de-DE" sz="2400" dirty="0"/>
+              <a:t>. </a:t>
+            </a:r>
+          </a:p>
+        </p:txBody>
+      </p:sp>
+      <p:sp>
+        <p:nvSpPr>
+          <p:cNvPr id="44" name="Textfeld 43">
+            <a:extLst>
+              <a:ext uri="{FF2B5EF4-FFF2-40B4-BE49-F238E27FC236}">
+                <a16:creationId xmlns:a16="http://schemas.microsoft.com/office/drawing/2014/main" id="{8ACC70DB-8119-EAE2-72C1-80E852F4D073}"/>
+              </a:ext>
+            </a:extLst>
+          </p:cNvPr>
+          <p:cNvSpPr txBox="1"/>
+          <p:nvPr/>
+        </p:nvSpPr>
+        <p:spPr>
+          <a:xfrm>
+            <a:off x="22981340" y="23307029"/>
+            <a:ext cx="8961986" cy="707886"/>
+          </a:xfrm>
+          <a:prstGeom prst="rect">
+            <a:avLst/>
+          </a:prstGeom>
+          <a:noFill/>
+        </p:spPr>
+        <p:txBody>
+          <a:bodyPr wrap="square" rtlCol="0">
+            <a:spAutoFit/>
+          </a:bodyPr>
+          <a:lstStyle/>
+          <a:p>
+            <a:r>
+              <a:rPr lang="en-US" sz="2000" b="1" noProof="1"/>
+              <a:t>Tab 3: </a:t>
+            </a:r>
+            <a:r>
+              <a:rPr lang="en-US" sz="2000" noProof="1"/>
+              <a:t>Comparison of the frequencies obtained by Gaussian, the harmonic fit, and the Numervo’s method with experimental date (FTIR) for trans-CH</a:t>
+            </a:r>
+            <a:r>
+              <a:rPr lang="en-US" sz="2000" baseline="-25000" noProof="1"/>
+              <a:t>3</a:t>
+            </a:r>
+            <a:r>
+              <a:rPr lang="en-US" sz="2000" noProof="1"/>
+              <a:t>COOH</a:t>
+            </a:r>
+          </a:p>
+        </p:txBody>
+      </p:sp>
+      <p:sp>
+        <p:nvSpPr>
+          <p:cNvPr id="46" name="Textfeld 45">
+            <a:extLst>
+              <a:ext uri="{FF2B5EF4-FFF2-40B4-BE49-F238E27FC236}">
+                <a16:creationId xmlns:a16="http://schemas.microsoft.com/office/drawing/2014/main" id="{B39DBFD6-E5AC-96D5-2B47-17F03C390EC5}"/>
+              </a:ext>
+            </a:extLst>
+          </p:cNvPr>
+          <p:cNvSpPr txBox="1"/>
+          <p:nvPr/>
+        </p:nvSpPr>
+        <p:spPr>
+          <a:xfrm>
+            <a:off x="22968712" y="26687050"/>
+            <a:ext cx="9106127" cy="1938992"/>
+          </a:xfrm>
+          <a:prstGeom prst="rect">
+            <a:avLst/>
+          </a:prstGeom>
+          <a:noFill/>
+        </p:spPr>
+        <p:txBody>
+          <a:bodyPr wrap="square" rtlCol="0">
+            <a:spAutoFit/>
+          </a:bodyPr>
+          <a:lstStyle/>
+          <a:p>
+            <a:r>
+              <a:rPr lang="de-DE" sz="2400" dirty="0" err="1"/>
+              <a:t>Regarding</a:t>
+            </a:r>
+            <a:r>
+              <a:rPr lang="de-DE" sz="2400" dirty="0"/>
+              <a:t> </a:t>
+            </a:r>
+            <a:r>
+              <a:rPr lang="de-DE" sz="2400" dirty="0" err="1"/>
+              <a:t>the</a:t>
+            </a:r>
+            <a:r>
+              <a:rPr lang="de-DE" sz="2400" dirty="0"/>
+              <a:t> </a:t>
+            </a:r>
+            <a:r>
+              <a:rPr lang="de-DE" sz="2400" dirty="0" err="1"/>
+              <a:t>fundamential</a:t>
+            </a:r>
+            <a:r>
+              <a:rPr lang="de-DE" sz="2400" dirty="0"/>
+              <a:t> </a:t>
+            </a:r>
+            <a:r>
+              <a:rPr lang="de-DE" sz="2400" dirty="0" err="1"/>
+              <a:t>frequency</a:t>
+            </a:r>
+            <a:r>
+              <a:rPr lang="de-DE" sz="2400" dirty="0"/>
+              <a:t> </a:t>
+            </a:r>
+            <a:r>
+              <a:rPr lang="de-DE" sz="2400" dirty="0" err="1"/>
+              <a:t>again</a:t>
+            </a:r>
+            <a:r>
+              <a:rPr lang="de-DE" sz="2400" dirty="0"/>
+              <a:t> </a:t>
+            </a:r>
+            <a:r>
+              <a:rPr lang="de-DE" sz="2400" dirty="0" err="1"/>
+              <a:t>the</a:t>
+            </a:r>
+            <a:r>
+              <a:rPr lang="de-DE" sz="2400" dirty="0"/>
+              <a:t> </a:t>
+            </a:r>
+            <a:r>
+              <a:rPr lang="de-DE" sz="2400" dirty="0" err="1"/>
+              <a:t>Numerov</a:t>
+            </a:r>
+            <a:r>
+              <a:rPr lang="de-DE" sz="2400" dirty="0"/>
+              <a:t> </a:t>
+            </a:r>
+            <a:r>
+              <a:rPr lang="de-DE" sz="2400" dirty="0" err="1"/>
+              <a:t>method</a:t>
+            </a:r>
+            <a:r>
+              <a:rPr lang="de-DE" sz="2400" dirty="0"/>
+              <a:t>  </a:t>
+            </a:r>
+            <a:r>
+              <a:rPr lang="de-DE" sz="2400" dirty="0" err="1"/>
+              <a:t>with</a:t>
+            </a:r>
+            <a:r>
+              <a:rPr lang="de-DE" sz="2400" dirty="0"/>
+              <a:t> 15.88 cm</a:t>
+            </a:r>
+            <a:r>
+              <a:rPr lang="de-DE" sz="2400" baseline="30000" dirty="0"/>
+              <a:t>-1 </a:t>
+            </a:r>
+            <a:r>
+              <a:rPr lang="de-DE" sz="2400" dirty="0"/>
+              <a:t>(0,44 %) </a:t>
+            </a:r>
+            <a:r>
+              <a:rPr lang="de-DE" sz="2400" dirty="0" err="1"/>
+              <a:t>shows</a:t>
+            </a:r>
+            <a:r>
+              <a:rPr lang="de-DE" sz="2400" dirty="0"/>
+              <a:t> </a:t>
+            </a:r>
+            <a:r>
+              <a:rPr lang="de-DE" sz="2400" dirty="0" err="1"/>
+              <a:t>the</a:t>
+            </a:r>
+            <a:r>
+              <a:rPr lang="de-DE" sz="2400" dirty="0"/>
+              <a:t> </a:t>
+            </a:r>
+            <a:r>
+              <a:rPr lang="de-DE" sz="2400" dirty="0" err="1"/>
+              <a:t>smallest</a:t>
+            </a:r>
+            <a:r>
+              <a:rPr lang="de-DE" sz="2400" dirty="0"/>
+              <a:t> </a:t>
+            </a:r>
+            <a:r>
+              <a:rPr lang="de-DE" sz="2400" dirty="0" err="1"/>
+              <a:t>derivation</a:t>
+            </a:r>
+            <a:r>
+              <a:rPr lang="de-DE" sz="2400" dirty="0"/>
+              <a:t> </a:t>
+            </a:r>
+            <a:r>
+              <a:rPr lang="de-DE" sz="2400" dirty="0" err="1"/>
+              <a:t>to</a:t>
+            </a:r>
+            <a:r>
+              <a:rPr lang="de-DE" sz="2400" dirty="0"/>
+              <a:t> </a:t>
+            </a:r>
+            <a:r>
+              <a:rPr lang="de-DE" sz="2400" dirty="0" err="1"/>
+              <a:t>the</a:t>
+            </a:r>
+            <a:r>
+              <a:rPr lang="de-DE" sz="2400" dirty="0"/>
+              <a:t> </a:t>
+            </a:r>
+            <a:r>
+              <a:rPr lang="de-DE" sz="2400" dirty="0" err="1"/>
+              <a:t>literature</a:t>
+            </a:r>
+            <a:r>
+              <a:rPr lang="de-DE" sz="2400" dirty="0"/>
+              <a:t> </a:t>
+            </a:r>
+            <a:r>
+              <a:rPr lang="de-DE" sz="2400" dirty="0" err="1"/>
+              <a:t>data</a:t>
+            </a:r>
+            <a:r>
+              <a:rPr lang="de-DE" sz="2400" dirty="0"/>
+              <a:t>. Fig 4 </a:t>
+            </a:r>
+            <a:r>
+              <a:rPr lang="de-DE" sz="2400" dirty="0" err="1"/>
+              <a:t>shows</a:t>
+            </a:r>
+            <a:r>
+              <a:rPr lang="de-DE" sz="2400" dirty="0"/>
+              <a:t> </a:t>
+            </a:r>
+            <a:r>
+              <a:rPr lang="de-DE" sz="2400" dirty="0" err="1"/>
+              <a:t>that</a:t>
+            </a:r>
+            <a:r>
+              <a:rPr lang="de-DE" sz="2400" dirty="0"/>
+              <a:t> </a:t>
+            </a:r>
+            <a:r>
+              <a:rPr lang="de-DE" sz="2400" dirty="0" err="1"/>
+              <a:t>the</a:t>
+            </a:r>
+            <a:r>
+              <a:rPr lang="de-DE" sz="2400" dirty="0"/>
+              <a:t> PES </a:t>
+            </a:r>
+            <a:r>
+              <a:rPr lang="de-DE" sz="2400" dirty="0" err="1"/>
+              <a:t>is</a:t>
+            </a:r>
+            <a:r>
+              <a:rPr lang="de-DE" sz="2400" dirty="0"/>
+              <a:t> </a:t>
+            </a:r>
+            <a:r>
+              <a:rPr lang="de-DE" sz="2400" dirty="0" err="1"/>
+              <a:t>anharmonic</a:t>
+            </a:r>
+            <a:r>
+              <a:rPr lang="de-DE" sz="2400" dirty="0"/>
+              <a:t>, </a:t>
+            </a:r>
+            <a:r>
+              <a:rPr lang="de-DE" sz="2400" dirty="0" err="1"/>
+              <a:t>which</a:t>
+            </a:r>
+            <a:r>
+              <a:rPr lang="de-DE" sz="2400" dirty="0"/>
+              <a:t> </a:t>
+            </a:r>
+            <a:r>
+              <a:rPr lang="de-DE" sz="2400" dirty="0" err="1"/>
+              <a:t>is</a:t>
+            </a:r>
+            <a:r>
+              <a:rPr lang="de-DE" sz="2400" dirty="0"/>
+              <a:t> </a:t>
+            </a:r>
+            <a:r>
+              <a:rPr lang="de-DE" sz="2400" dirty="0" err="1"/>
+              <a:t>reflected</a:t>
+            </a:r>
+            <a:r>
+              <a:rPr lang="de-DE" sz="2400" dirty="0"/>
+              <a:t> in </a:t>
+            </a:r>
+            <a:r>
+              <a:rPr lang="de-DE" sz="2400" dirty="0" err="1"/>
+              <a:t>higher</a:t>
+            </a:r>
+            <a:r>
+              <a:rPr lang="de-DE" sz="2400" dirty="0"/>
+              <a:t> </a:t>
+            </a:r>
+            <a:r>
+              <a:rPr lang="de-DE" sz="2400" dirty="0" err="1"/>
+              <a:t>deviations</a:t>
+            </a:r>
+            <a:r>
+              <a:rPr lang="de-DE" sz="2400" dirty="0"/>
+              <a:t> </a:t>
+            </a:r>
+            <a:r>
+              <a:rPr lang="de-DE" sz="2400" dirty="0" err="1"/>
+              <a:t>of</a:t>
+            </a:r>
+            <a:r>
+              <a:rPr lang="de-DE" sz="2400" dirty="0"/>
+              <a:t> </a:t>
+            </a:r>
+            <a:r>
+              <a:rPr lang="de-DE" sz="2400" dirty="0" err="1"/>
+              <a:t>the</a:t>
+            </a:r>
+            <a:r>
+              <a:rPr lang="de-DE" sz="2400" dirty="0"/>
+              <a:t> </a:t>
+            </a:r>
+            <a:r>
+              <a:rPr lang="de-DE" sz="2400" dirty="0" err="1"/>
+              <a:t>harmonic</a:t>
+            </a:r>
+            <a:r>
+              <a:rPr lang="de-DE" sz="2400" dirty="0"/>
+              <a:t> </a:t>
+            </a:r>
+            <a:r>
+              <a:rPr lang="de-DE" sz="2400" dirty="0" err="1"/>
+              <a:t>wavenumbers</a:t>
+            </a:r>
+            <a:r>
+              <a:rPr lang="de-DE" sz="2400" dirty="0"/>
+              <a:t> </a:t>
+            </a:r>
+            <a:r>
+              <a:rPr lang="de-DE" sz="2400" dirty="0" err="1"/>
+              <a:t>with</a:t>
+            </a:r>
+            <a:r>
+              <a:rPr lang="de-DE" sz="2400" dirty="0"/>
+              <a:t> </a:t>
+            </a:r>
+            <a:r>
+              <a:rPr lang="de-DE" sz="2400" dirty="0" err="1"/>
+              <a:t>the</a:t>
+            </a:r>
+            <a:r>
+              <a:rPr lang="de-DE" sz="2400" dirty="0"/>
+              <a:t> experimental </a:t>
+            </a:r>
+            <a:r>
+              <a:rPr lang="de-DE" sz="2400" dirty="0" err="1"/>
+              <a:t>data</a:t>
+            </a:r>
+            <a:r>
+              <a:rPr lang="de-DE" sz="2400" dirty="0"/>
+              <a:t>.</a:t>
+            </a:r>
+          </a:p>
+        </p:txBody>
+      </p:sp>
+      <p:sp>
+        <p:nvSpPr>
+          <p:cNvPr id="58" name="Textfeld 57">
+            <a:extLst>
+              <a:ext uri="{FF2B5EF4-FFF2-40B4-BE49-F238E27FC236}">
+                <a16:creationId xmlns:a16="http://schemas.microsoft.com/office/drawing/2014/main" id="{59396DCC-50F4-23AA-ED61-7C0D4615004F}"/>
+              </a:ext>
+            </a:extLst>
+          </p:cNvPr>
+          <p:cNvSpPr txBox="1"/>
+          <p:nvPr/>
+        </p:nvSpPr>
+        <p:spPr>
+          <a:xfrm>
+            <a:off x="32847017" y="23307029"/>
+            <a:ext cx="8961986" cy="707886"/>
+          </a:xfrm>
+          <a:prstGeom prst="rect">
+            <a:avLst/>
+          </a:prstGeom>
+          <a:noFill/>
+        </p:spPr>
+        <p:txBody>
+          <a:bodyPr wrap="square" rtlCol="0">
+            <a:spAutoFit/>
+          </a:bodyPr>
+          <a:lstStyle/>
+          <a:p>
+            <a:r>
+              <a:rPr lang="en-US" sz="2000" b="1" noProof="1"/>
+              <a:t>Tab 4: </a:t>
+            </a:r>
+            <a:r>
+              <a:rPr lang="en-US" sz="2000" noProof="1"/>
+              <a:t>Comparison of the frequencies obtained by Gaussian, the harmonic fit, and the Numervo’s method with experimental date (FTIR) for trans-CH</a:t>
+            </a:r>
+            <a:r>
+              <a:rPr lang="en-US" sz="2000" baseline="-25000" noProof="1"/>
+              <a:t>3</a:t>
+            </a:r>
+            <a:r>
+              <a:rPr lang="en-US" sz="2000" noProof="1"/>
+              <a:t>COOD</a:t>
+            </a:r>
+          </a:p>
+        </p:txBody>
+      </p:sp>
+      <p:sp>
+        <p:nvSpPr>
+          <p:cNvPr id="61" name="Textfeld 60">
+            <a:extLst>
+              <a:ext uri="{FF2B5EF4-FFF2-40B4-BE49-F238E27FC236}">
+                <a16:creationId xmlns:a16="http://schemas.microsoft.com/office/drawing/2014/main" id="{069CEA35-9F7E-4F6B-6D45-92622830196C}"/>
+              </a:ext>
+            </a:extLst>
+          </p:cNvPr>
+          <p:cNvSpPr txBox="1"/>
+          <p:nvPr/>
+        </p:nvSpPr>
+        <p:spPr>
+          <a:xfrm>
+            <a:off x="32792169" y="26760223"/>
+            <a:ext cx="9106127" cy="461665"/>
+          </a:xfrm>
+          <a:prstGeom prst="rect">
+            <a:avLst/>
+          </a:prstGeom>
+          <a:noFill/>
+        </p:spPr>
+        <p:txBody>
+          <a:bodyPr wrap="square" rtlCol="0">
+            <a:spAutoFit/>
+          </a:bodyPr>
+          <a:lstStyle/>
+          <a:p>
+            <a:r>
+              <a:rPr lang="de-DE" sz="2400" dirty="0"/>
+              <a:t>Add </a:t>
+            </a:r>
+            <a:r>
+              <a:rPr lang="de-DE" sz="2400"/>
+              <a:t>text</a:t>
+            </a:r>
+            <a:endParaRPr lang="de-DE" sz="2400" dirty="0"/>
+          </a:p>
+        </p:txBody>
+      </p:sp>
     </p:spTree>
     <p:extLst>
       <p:ext uri="{BB962C8B-B14F-4D97-AF65-F5344CB8AC3E}">

--- a/Praktikum/poster_power_point/poster_qm_a/qm_a_meinschad.pptx
+++ b/Praktikum/poster_power_point/poster_qm_a/qm_a_meinschad.pptx
@@ -121,62 +121,6 @@
 </p188:authorLst>
 </file>
 
-<file path=ppt/comments/modernComment_100_DED3FB62.xml><?xml version="1.0" encoding="utf-8"?>
-<p188:cmLst xmlns:a="http://schemas.openxmlformats.org/drawingml/2006/main" xmlns:r="http://schemas.openxmlformats.org/officeDocument/2006/relationships" xmlns:p188="http://schemas.microsoft.com/office/powerpoint/2018/8/main">
-  <p188:cm id="{AEB6C883-ACA7-F442-83B4-735C4AA18DCB}" authorId="{4092C615-5922-DF13-DE42-AFDE07E7D2CB}" created="2024-11-09T00:05:51.335">
-    <ac:deMkLst xmlns:ac="http://schemas.microsoft.com/office/drawing/2013/main/command">
-      <pc:docMk xmlns:pc="http://schemas.microsoft.com/office/powerpoint/2013/main/command"/>
-      <pc:sldMk xmlns:pc="http://schemas.microsoft.com/office/powerpoint/2013/main/command" cId="3738434402" sldId="256"/>
-      <ac:picMk id="45" creationId="{DC2B7A11-21FA-5856-1604-2B1FCF0F3876}"/>
-    </ac:deMkLst>
-    <p188:txBody>
-      <a:bodyPr/>
-      <a:lstStyle/>
-      <a:p>
-        <a:r>
-          <a:rPr lang="de-DE"/>
-          <a:t>Here maybe the total thing</a:t>
-        </a:r>
-      </a:p>
-    </p188:txBody>
-  </p188:cm>
-  <p188:cm id="{E59D2FDB-440E-2841-86AE-3C1661E7179E}" authorId="{4092C615-5922-DF13-DE42-AFDE07E7D2CB}" created="2024-11-09T00:06:03.576">
-    <ac:deMkLst xmlns:ac="http://schemas.microsoft.com/office/drawing/2013/main/command">
-      <pc:docMk xmlns:pc="http://schemas.microsoft.com/office/powerpoint/2013/main/command"/>
-      <pc:sldMk xmlns:pc="http://schemas.microsoft.com/office/powerpoint/2013/main/command" cId="3738434402" sldId="256"/>
-      <ac:graphicFrameMk id="48" creationId="{09CB0D97-A60E-24E1-A7AA-482B3254A2F0}"/>
-    </ac:deMkLst>
-    <p188:txBody>
-      <a:bodyPr/>
-      <a:lstStyle/>
-      <a:p>
-        <a:r>
-          <a:rPr lang="de-DE"/>
-          <a:t>Check if those frequencies are right</a:t>
-        </a:r>
-      </a:p>
-    </p188:txBody>
-  </p188:cm>
-  <p188:cm id="{9ADAC641-A34C-B94C-9131-1D2324CF1AA9}" authorId="{4092C615-5922-DF13-DE42-AFDE07E7D2CB}" created="2024-11-09T00:06:17.214">
-    <ac:deMkLst xmlns:ac="http://schemas.microsoft.com/office/drawing/2013/main/command">
-      <pc:docMk xmlns:pc="http://schemas.microsoft.com/office/powerpoint/2013/main/command"/>
-      <pc:sldMk xmlns:pc="http://schemas.microsoft.com/office/powerpoint/2013/main/command" cId="3738434402" sldId="256"/>
-      <ac:spMk id="40" creationId="{EA6E2D9B-2E8D-DB28-37C2-C5F1747ABF08}"/>
-    </ac:deMkLst>
-    <p188:txBody>
-      <a:bodyPr/>
-      <a:lstStyle/>
-      <a:p>
-        <a:r>
-          <a:rPr lang="de-DE"/>
-          <a:t>Figure out what to do with this block</a:t>
-        </a:r>
-      </a:p>
-    </p188:txBody>
-  </p188:cm>
-</p188:cmLst>
-</file>
-
 <file path=ppt/notesMasters/notesMaster1.xml><?xml version="1.0" encoding="utf-8"?>
 <p:notesMaster xmlns:a="http://schemas.openxmlformats.org/drawingml/2006/main" xmlns:r="http://schemas.openxmlformats.org/officeDocument/2006/relationships" xmlns:p="http://schemas.openxmlformats.org/presentationml/2006/main">
   <p:cSld>
@@ -259,7 +203,7 @@
           <a:p>
             <a:fld id="{8C3BDDA7-5E33-DA47-8AF0-E5C223F202AD}" type="datetimeFigureOut">
               <a:rPr lang="de-DE" smtClean="0"/>
-              <a:t>16.11.24</a:t>
+              <a:t>18.11.24</a:t>
             </a:fld>
             <a:endParaRPr lang="de-DE"/>
           </a:p>
@@ -741,7 +685,7 @@
           <a:p>
             <a:fld id="{EF3E90B6-A121-0A49-A325-CBA152FDFCFA}" type="datetimeFigureOut">
               <a:rPr lang="de-DE" smtClean="0"/>
-              <a:t>16.11.24</a:t>
+              <a:t>18.11.24</a:t>
             </a:fld>
             <a:endParaRPr lang="de-DE"/>
           </a:p>
@@ -911,7 +855,7 @@
           <a:p>
             <a:fld id="{EF3E90B6-A121-0A49-A325-CBA152FDFCFA}" type="datetimeFigureOut">
               <a:rPr lang="de-DE" smtClean="0"/>
-              <a:t>16.11.24</a:t>
+              <a:t>18.11.24</a:t>
             </a:fld>
             <a:endParaRPr lang="de-DE"/>
           </a:p>
@@ -1091,7 +1035,7 @@
           <a:p>
             <a:fld id="{EF3E90B6-A121-0A49-A325-CBA152FDFCFA}" type="datetimeFigureOut">
               <a:rPr lang="de-DE" smtClean="0"/>
-              <a:t>16.11.24</a:t>
+              <a:t>18.11.24</a:t>
             </a:fld>
             <a:endParaRPr lang="de-DE"/>
           </a:p>
@@ -1261,7 +1205,7 @@
           <a:p>
             <a:fld id="{EF3E90B6-A121-0A49-A325-CBA152FDFCFA}" type="datetimeFigureOut">
               <a:rPr lang="de-DE" smtClean="0"/>
-              <a:t>16.11.24</a:t>
+              <a:t>18.11.24</a:t>
             </a:fld>
             <a:endParaRPr lang="de-DE"/>
           </a:p>
@@ -1507,7 +1451,7 @@
           <a:p>
             <a:fld id="{EF3E90B6-A121-0A49-A325-CBA152FDFCFA}" type="datetimeFigureOut">
               <a:rPr lang="de-DE" smtClean="0"/>
-              <a:t>16.11.24</a:t>
+              <a:t>18.11.24</a:t>
             </a:fld>
             <a:endParaRPr lang="de-DE"/>
           </a:p>
@@ -1739,7 +1683,7 @@
           <a:p>
             <a:fld id="{EF3E90B6-A121-0A49-A325-CBA152FDFCFA}" type="datetimeFigureOut">
               <a:rPr lang="de-DE" smtClean="0"/>
-              <a:t>16.11.24</a:t>
+              <a:t>18.11.24</a:t>
             </a:fld>
             <a:endParaRPr lang="de-DE"/>
           </a:p>
@@ -2106,7 +2050,7 @@
           <a:p>
             <a:fld id="{EF3E90B6-A121-0A49-A325-CBA152FDFCFA}" type="datetimeFigureOut">
               <a:rPr lang="de-DE" smtClean="0"/>
-              <a:t>16.11.24</a:t>
+              <a:t>18.11.24</a:t>
             </a:fld>
             <a:endParaRPr lang="de-DE"/>
           </a:p>
@@ -2224,7 +2168,7 @@
           <a:p>
             <a:fld id="{EF3E90B6-A121-0A49-A325-CBA152FDFCFA}" type="datetimeFigureOut">
               <a:rPr lang="de-DE" smtClean="0"/>
-              <a:t>16.11.24</a:t>
+              <a:t>18.11.24</a:t>
             </a:fld>
             <a:endParaRPr lang="de-DE"/>
           </a:p>
@@ -2319,7 +2263,7 @@
           <a:p>
             <a:fld id="{EF3E90B6-A121-0A49-A325-CBA152FDFCFA}" type="datetimeFigureOut">
               <a:rPr lang="de-DE" smtClean="0"/>
-              <a:t>16.11.24</a:t>
+              <a:t>18.11.24</a:t>
             </a:fld>
             <a:endParaRPr lang="de-DE"/>
           </a:p>
@@ -2596,7 +2540,7 @@
           <a:p>
             <a:fld id="{EF3E90B6-A121-0A49-A325-CBA152FDFCFA}" type="datetimeFigureOut">
               <a:rPr lang="de-DE" smtClean="0"/>
-              <a:t>16.11.24</a:t>
+              <a:t>18.11.24</a:t>
             </a:fld>
             <a:endParaRPr lang="de-DE"/>
           </a:p>
@@ -2853,7 +2797,7 @@
           <a:p>
             <a:fld id="{EF3E90B6-A121-0A49-A325-CBA152FDFCFA}" type="datetimeFigureOut">
               <a:rPr lang="de-DE" smtClean="0"/>
-              <a:t>16.11.24</a:t>
+              <a:t>18.11.24</a:t>
             </a:fld>
             <a:endParaRPr lang="de-DE"/>
           </a:p>
@@ -3066,7 +3010,7 @@
           <a:p>
             <a:fld id="{EF3E90B6-A121-0A49-A325-CBA152FDFCFA}" type="datetimeFigureOut">
               <a:rPr lang="de-DE" smtClean="0"/>
-              <a:t>16.11.24</a:t>
+              <a:t>18.11.24</a:t>
             </a:fld>
             <a:endParaRPr lang="de-DE"/>
           </a:p>
@@ -3684,8 +3628,8 @@
           </a:p>
         </p:txBody>
       </p:sp>
-      <mc:AlternateContent xmlns:mc="http://schemas.openxmlformats.org/markup-compatibility/2006">
-        <mc:Choice xmlns:a14="http://schemas.microsoft.com/office/drawing/2010/main" Requires="a14">
+      <mc:AlternateContent xmlns:mc="http://schemas.openxmlformats.org/markup-compatibility/2006" xmlns:a14="http://schemas.microsoft.com/office/drawing/2010/main">
+        <mc:Choice Requires="a14">
           <p:sp>
             <p:nvSpPr>
               <p:cNvPr id="25" name="Textfeld 24">
@@ -3860,7 +3804,7 @@
             </p:txBody>
           </p:sp>
         </mc:Choice>
-        <mc:Fallback>
+        <mc:Fallback xmlns="">
           <p:sp>
             <p:nvSpPr>
               <p:cNvPr id="25" name="Textfeld 24">
@@ -4024,8 +3968,8 @@
           </a:p>
         </p:txBody>
       </p:sp>
-      <mc:AlternateContent xmlns:mc="http://schemas.openxmlformats.org/markup-compatibility/2006">
-        <mc:Choice xmlns:a14="http://schemas.microsoft.com/office/drawing/2010/main" Requires="a14">
+      <mc:AlternateContent xmlns:mc="http://schemas.openxmlformats.org/markup-compatibility/2006" xmlns:a14="http://schemas.microsoft.com/office/drawing/2010/main">
+        <mc:Choice Requires="a14">
           <p:sp>
             <p:nvSpPr>
               <p:cNvPr id="33" name="Textfeld 32">
@@ -4152,7 +4096,7 @@
             </p:txBody>
           </p:sp>
         </mc:Choice>
-        <mc:Fallback>
+        <mc:Fallback xmlns="">
           <p:sp>
             <p:nvSpPr>
               <p:cNvPr id="33" name="Textfeld 32">
@@ -4255,8 +4199,8 @@
           </a:p>
         </p:txBody>
       </p:sp>
-      <mc:AlternateContent xmlns:mc="http://schemas.openxmlformats.org/markup-compatibility/2006">
-        <mc:Choice xmlns:a14="http://schemas.microsoft.com/office/drawing/2010/main" Requires="a14">
+      <mc:AlternateContent xmlns:mc="http://schemas.openxmlformats.org/markup-compatibility/2006" xmlns:a14="http://schemas.microsoft.com/office/drawing/2010/main">
+        <mc:Choice Requires="a14">
           <p:sp>
             <p:nvSpPr>
               <p:cNvPr id="35" name="Textfeld 34">
@@ -4729,21 +4673,7 @@
                           <a:latin typeface="Cambria Math" panose="02040503050406030204" pitchFamily="18" charset="0"/>
                           <a:cs typeface="Arial" panose="020B0604020202020204" pitchFamily="34" charset="0"/>
                         </a:rPr>
-                        <m:t>    </m:t>
-                      </m:r>
-                      <m:r>
-                        <a:rPr lang="de-AT" sz="2400" b="0" i="1" noProof="1" dirty="0" smtClean="0">
-                          <a:latin typeface="Cambria Math" panose="02040503050406030204" pitchFamily="18" charset="0"/>
-                          <a:cs typeface="Arial" panose="020B0604020202020204" pitchFamily="34" charset="0"/>
-                        </a:rPr>
-                        <m:t>          </m:t>
-                      </m:r>
-                      <m:r>
-                        <a:rPr lang="de-AT" sz="2400" b="0" i="1" noProof="1" dirty="0" smtClean="0">
-                          <a:latin typeface="Cambria Math" panose="02040503050406030204" pitchFamily="18" charset="0"/>
-                          <a:cs typeface="Arial" panose="020B0604020202020204" pitchFamily="34" charset="0"/>
-                        </a:rPr>
-                        <m:t>  </m:t>
+                        <m:t>                </m:t>
                       </m:r>
                       <m:r>
                         <a:rPr lang="en-US" sz="2400" b="0" i="1" noProof="1" dirty="0" smtClean="0">
@@ -4848,21 +4778,7 @@
                           <a:latin typeface="Cambria Math" panose="02040503050406030204" pitchFamily="18" charset="0"/>
                           <a:cs typeface="Arial" panose="020B0604020202020204" pitchFamily="34" charset="0"/>
                         </a:rPr>
-                        <m:t>        </m:t>
-                      </m:r>
-                      <m:r>
-                        <a:rPr lang="de-AT" sz="2400" b="0" i="0" noProof="1" dirty="0" smtClean="0">
-                          <a:latin typeface="Cambria Math" panose="02040503050406030204" pitchFamily="18" charset="0"/>
-                          <a:cs typeface="Arial" panose="020B0604020202020204" pitchFamily="34" charset="0"/>
-                        </a:rPr>
-                        <m:t>          </m:t>
-                      </m:r>
-                      <m:r>
-                        <a:rPr lang="de-AT" sz="2400" b="0" i="0" noProof="1" dirty="0" smtClean="0">
-                          <a:latin typeface="Cambria Math" panose="02040503050406030204" pitchFamily="18" charset="0"/>
-                          <a:cs typeface="Arial" panose="020B0604020202020204" pitchFamily="34" charset="0"/>
-                        </a:rPr>
-                        <m:t> </m:t>
+                        <m:t>                   </m:t>
                       </m:r>
                       <m:acc>
                         <m:accPr>
@@ -5263,7 +5179,7 @@
             </p:txBody>
           </p:sp>
         </mc:Choice>
-        <mc:Fallback>
+        <mc:Fallback xmlns="">
           <p:sp>
             <p:nvSpPr>
               <p:cNvPr id="35" name="Textfeld 34">
@@ -5313,8 +5229,8 @@
           </p:sp>
         </mc:Fallback>
       </mc:AlternateContent>
-      <mc:AlternateContent xmlns:mc="http://schemas.openxmlformats.org/markup-compatibility/2006">
-        <mc:Choice xmlns:a14="http://schemas.microsoft.com/office/drawing/2010/main" Requires="a14">
+      <mc:AlternateContent xmlns:mc="http://schemas.openxmlformats.org/markup-compatibility/2006" xmlns:a14="http://schemas.microsoft.com/office/drawing/2010/main">
+        <mc:Choice Requires="a14">
           <p:graphicFrame>
             <p:nvGraphicFramePr>
               <p:cNvPr id="37" name="Tabelle 36">
@@ -5939,7 +5855,7 @@
             </a:graphic>
           </p:graphicFrame>
         </mc:Choice>
-        <mc:Fallback>
+        <mc:Fallback xmlns="">
           <p:graphicFrame>
             <p:nvGraphicFramePr>
               <p:cNvPr id="37" name="Tabelle 36">
@@ -6573,8 +6489,8 @@
             </p:nvSpPr>
             <p:spPr>
               <a:xfrm>
-                <a:off x="12911204" y="4797113"/>
-                <a:ext cx="14141646" cy="8282011"/>
+                <a:off x="12911203" y="4797113"/>
+                <a:ext cx="14238573" cy="8282011"/>
               </a:xfrm>
               <a:prstGeom prst="rect">
                 <a:avLst/>
@@ -7024,8 +6940,8 @@
             </p:nvSpPr>
             <p:spPr>
               <a:xfrm>
-                <a:off x="12911204" y="4797113"/>
-                <a:ext cx="14141646" cy="8282011"/>
+                <a:off x="12911203" y="4797113"/>
+                <a:ext cx="14238573" cy="8282011"/>
               </a:xfrm>
               <a:prstGeom prst="rect">
                 <a:avLst/>
@@ -7033,7 +6949,7 @@
               <a:blipFill>
                 <a:blip r:embed="rId8"/>
                 <a:stretch>
-                  <a:fillRect l="-717" t="-612"/>
+                  <a:fillRect l="-712" t="-612"/>
                 </a:stretch>
               </a:blipFill>
               <a:ln>
@@ -7223,8 +7139,8 @@
         </p:nvSpPr>
         <p:spPr>
           <a:xfrm>
-            <a:off x="15178906" y="10829850"/>
-            <a:ext cx="8961986" cy="523220"/>
+            <a:off x="13139222" y="9071953"/>
+            <a:ext cx="6192539" cy="400110"/>
           </a:xfrm>
           <a:prstGeom prst="rect">
             <a:avLst/>
@@ -7238,11 +7154,11 @@
           <a:lstStyle/>
           <a:p>
             <a:r>
-              <a:rPr lang="en-US" sz="2800" b="1" noProof="1"/>
+              <a:rPr lang="en-US" sz="2000" b="1" noProof="1"/>
               <a:t>Fig 2: </a:t>
             </a:r>
             <a:r>
-              <a:rPr lang="en-US" sz="2800" noProof="1"/>
+              <a:rPr lang="en-US" sz="2000" noProof="1"/>
               <a:t>Python implementation for Numerov‘s algorithm</a:t>
             </a:r>
           </a:p>
@@ -7369,7 +7285,7 @@
         </p:nvSpPr>
         <p:spPr>
           <a:xfrm>
-            <a:off x="12911204" y="14873310"/>
+            <a:off x="12898588" y="14864316"/>
             <a:ext cx="29623538" cy="13880723"/>
           </a:xfrm>
           <a:prstGeom prst="rect">
@@ -7502,14 +7418,14 @@
               <p:nvPr>
                 <p:extLst>
                   <p:ext uri="{D42A27DB-BD31-4B8C-83A1-F6EECF244321}">
-                    <p14:modId xmlns:p14="http://schemas.microsoft.com/office/powerpoint/2010/main" val="953624260"/>
+                    <p14:modId xmlns:p14="http://schemas.microsoft.com/office/powerpoint/2010/main" val="40285175"/>
                   </p:ext>
                 </p:extLst>
               </p:nvPr>
             </p:nvGraphicFramePr>
             <p:xfrm>
-              <a:off x="20981710" y="7010714"/>
-              <a:ext cx="5814168" cy="3108960"/>
+              <a:off x="13170296" y="9878461"/>
+              <a:ext cx="6891199" cy="3038868"/>
             </p:xfrm>
             <a:graphic>
               <a:graphicData uri="http://schemas.openxmlformats.org/drawingml/2006/table">
@@ -7518,42 +7434,42 @@
                     <a:tableStyleId>{9D7B26C5-4107-4FEC-AEDC-1716B250A1EF}</a:tableStyleId>
                   </a:tblPr>
                   <a:tblGrid>
-                    <a:gridCol w="969028">
+                    <a:gridCol w="689139">
                       <a:extLst>
                         <a:ext uri="{9D8B030D-6E8A-4147-A177-3AD203B41FA5}">
                           <a16:colId xmlns:a16="http://schemas.microsoft.com/office/drawing/2014/main" val="979508158"/>
                         </a:ext>
                       </a:extLst>
                     </a:gridCol>
-                    <a:gridCol w="969028">
+                    <a:gridCol w="1219200">
                       <a:extLst>
                         <a:ext uri="{9D8B030D-6E8A-4147-A177-3AD203B41FA5}">
                           <a16:colId xmlns:a16="http://schemas.microsoft.com/office/drawing/2014/main" val="2839578664"/>
                         </a:ext>
                       </a:extLst>
                     </a:gridCol>
-                    <a:gridCol w="969028">
+                    <a:gridCol w="1212152">
                       <a:extLst>
                         <a:ext uri="{9D8B030D-6E8A-4147-A177-3AD203B41FA5}">
                           <a16:colId xmlns:a16="http://schemas.microsoft.com/office/drawing/2014/main" val="427621495"/>
                         </a:ext>
                       </a:extLst>
                     </a:gridCol>
-                    <a:gridCol w="969028">
+                    <a:gridCol w="1175008">
                       <a:extLst>
                         <a:ext uri="{9D8B030D-6E8A-4147-A177-3AD203B41FA5}">
                           <a16:colId xmlns:a16="http://schemas.microsoft.com/office/drawing/2014/main" val="586868843"/>
                         </a:ext>
                       </a:extLst>
                     </a:gridCol>
-                    <a:gridCol w="969028">
+                    <a:gridCol w="1356600">
                       <a:extLst>
                         <a:ext uri="{9D8B030D-6E8A-4147-A177-3AD203B41FA5}">
                           <a16:colId xmlns:a16="http://schemas.microsoft.com/office/drawing/2014/main" val="180023404"/>
                         </a:ext>
                       </a:extLst>
                     </a:gridCol>
-                    <a:gridCol w="969028">
+                    <a:gridCol w="1239100">
                       <a:extLst>
                         <a:ext uri="{9D8B030D-6E8A-4147-A177-3AD203B41FA5}">
                           <a16:colId xmlns:a16="http://schemas.microsoft.com/office/drawing/2014/main" val="2098031944"/>
@@ -7561,13 +7477,13 @@
                       </a:extLst>
                     </a:gridCol>
                   </a:tblGrid>
-                  <a:tr h="510139">
-                    <a:tc>
-                      <a:txBody>
-                        <a:bodyPr/>
-                        <a:lstStyle/>
-                        <a:p>
-                          <a:endParaRPr lang="de-DE" sz="2800" dirty="0"/>
+                  <a:tr h="329621">
+                    <a:tc>
+                      <a:txBody>
+                        <a:bodyPr/>
+                        <a:lstStyle/>
+                        <a:p>
+                          <a:endParaRPr lang="de-DE" sz="1800" dirty="0"/>
                         </a:p>
                       </a:txBody>
                       <a:tcPr/>
@@ -7587,14 +7503,14 @@
                                 <m:sSub>
                                   <m:sSubPr>
                                     <m:ctrlPr>
-                                      <a:rPr lang="de-AT" sz="2800" b="0" i="1" smtClean="0">
+                                      <a:rPr lang="de-AT" sz="1800" b="0" i="1" smtClean="0">
                                         <a:latin typeface="Cambria Math" panose="02040503050406030204" pitchFamily="18" charset="0"/>
                                       </a:rPr>
                                     </m:ctrlPr>
                                   </m:sSubPr>
                                   <m:e>
                                     <m:r>
-                                      <a:rPr lang="de-AT" sz="2800" b="0" i="1" smtClean="0">
+                                      <a:rPr lang="de-AT" sz="1800" b="0" i="1" smtClean="0">
                                         <a:latin typeface="Cambria Math" panose="02040503050406030204" pitchFamily="18" charset="0"/>
                                       </a:rPr>
                                       <m:t>𝜓</m:t>
@@ -7602,7 +7518,7 @@
                                   </m:e>
                                   <m:sub>
                                     <m:r>
-                                      <a:rPr lang="de-AT" sz="2800" b="0" i="1" smtClean="0">
+                                      <a:rPr lang="de-AT" sz="1800" b="0" i="1" smtClean="0">
                                         <a:latin typeface="Cambria Math" panose="02040503050406030204" pitchFamily="18" charset="0"/>
                                       </a:rPr>
                                       <m:t>0</m:t>
@@ -7612,7 +7528,7 @@
                               </m:oMath>
                             </m:oMathPara>
                           </a14:m>
-                          <a:endParaRPr lang="de-DE" sz="2800" b="0" dirty="0"/>
+                          <a:endParaRPr lang="de-DE" sz="1800" b="0" dirty="0"/>
                         </a:p>
                       </a:txBody>
                       <a:tcPr/>
@@ -7632,14 +7548,14 @@
                                 <m:sSub>
                                   <m:sSubPr>
                                     <m:ctrlPr>
-                                      <a:rPr lang="de-AT" sz="2800" b="0" i="1" smtClean="0">
+                                      <a:rPr lang="de-AT" sz="1800" b="0" i="1" smtClean="0">
                                         <a:latin typeface="Cambria Math" panose="02040503050406030204" pitchFamily="18" charset="0"/>
                                       </a:rPr>
                                     </m:ctrlPr>
                                   </m:sSubPr>
                                   <m:e>
                                     <m:r>
-                                      <a:rPr lang="de-AT" sz="2800" b="0" i="1" smtClean="0">
+                                      <a:rPr lang="de-AT" sz="1800" b="0" i="1" smtClean="0">
                                         <a:latin typeface="Cambria Math" panose="02040503050406030204" pitchFamily="18" charset="0"/>
                                       </a:rPr>
                                       <m:t>𝜓</m:t>
@@ -7647,7 +7563,7 @@
                                   </m:e>
                                   <m:sub>
                                     <m:r>
-                                      <a:rPr lang="de-AT" sz="2800" b="0" i="1" smtClean="0">
+                                      <a:rPr lang="de-AT" sz="1800" b="0" i="1" smtClean="0">
                                         <a:latin typeface="Cambria Math" panose="02040503050406030204" pitchFamily="18" charset="0"/>
                                       </a:rPr>
                                       <m:t>1</m:t>
@@ -7657,7 +7573,7 @@
                               </m:oMath>
                             </m:oMathPara>
                           </a14:m>
-                          <a:endParaRPr lang="de-DE" sz="2800" b="0" dirty="0"/>
+                          <a:endParaRPr lang="de-DE" sz="1800" b="0" dirty="0"/>
                         </a:p>
                       </a:txBody>
                       <a:tcPr/>
@@ -7677,14 +7593,14 @@
                                 <m:sSub>
                                   <m:sSubPr>
                                     <m:ctrlPr>
-                                      <a:rPr lang="de-AT" sz="2800" b="0" i="1" smtClean="0">
+                                      <a:rPr lang="de-AT" sz="1800" b="0" i="1" smtClean="0">
                                         <a:latin typeface="Cambria Math" panose="02040503050406030204" pitchFamily="18" charset="0"/>
                                       </a:rPr>
                                     </m:ctrlPr>
                                   </m:sSubPr>
                                   <m:e>
                                     <m:r>
-                                      <a:rPr lang="de-AT" sz="2800" b="0" i="1" smtClean="0">
+                                      <a:rPr lang="de-AT" sz="1800" b="0" i="1" smtClean="0">
                                         <a:latin typeface="Cambria Math" panose="02040503050406030204" pitchFamily="18" charset="0"/>
                                       </a:rPr>
                                       <m:t>𝜓</m:t>
@@ -7692,7 +7608,7 @@
                                   </m:e>
                                   <m:sub>
                                     <m:r>
-                                      <a:rPr lang="de-AT" sz="2800" b="0" i="1" smtClean="0">
+                                      <a:rPr lang="de-AT" sz="1800" b="0" i="1" smtClean="0">
                                         <a:latin typeface="Cambria Math" panose="02040503050406030204" pitchFamily="18" charset="0"/>
                                       </a:rPr>
                                       <m:t>2</m:t>
@@ -7702,7 +7618,7 @@
                               </m:oMath>
                             </m:oMathPara>
                           </a14:m>
-                          <a:endParaRPr lang="de-DE" sz="2800" b="0" dirty="0"/>
+                          <a:endParaRPr lang="de-DE" sz="1800" b="0" dirty="0"/>
                         </a:p>
                       </a:txBody>
                       <a:tcPr/>
@@ -7722,14 +7638,14 @@
                                 <m:sSub>
                                   <m:sSubPr>
                                     <m:ctrlPr>
-                                      <a:rPr lang="de-AT" sz="2800" b="0" i="1" smtClean="0">
+                                      <a:rPr lang="de-AT" sz="1800" b="0" i="1" smtClean="0">
                                         <a:latin typeface="Cambria Math" panose="02040503050406030204" pitchFamily="18" charset="0"/>
                                       </a:rPr>
                                     </m:ctrlPr>
                                   </m:sSubPr>
                                   <m:e>
                                     <m:r>
-                                      <a:rPr lang="de-AT" sz="2800" b="0" i="1" smtClean="0">
+                                      <a:rPr lang="de-AT" sz="1800" b="0" i="1" smtClean="0">
                                         <a:latin typeface="Cambria Math" panose="02040503050406030204" pitchFamily="18" charset="0"/>
                                       </a:rPr>
                                       <m:t>𝜓</m:t>
@@ -7737,7 +7653,7 @@
                                   </m:e>
                                   <m:sub>
                                     <m:r>
-                                      <a:rPr lang="de-AT" sz="2800" b="0" i="1" smtClean="0">
+                                      <a:rPr lang="de-AT" sz="1800" b="0" i="1" smtClean="0">
                                         <a:latin typeface="Cambria Math" panose="02040503050406030204" pitchFamily="18" charset="0"/>
                                       </a:rPr>
                                       <m:t>3</m:t>
@@ -7747,7 +7663,7 @@
                               </m:oMath>
                             </m:oMathPara>
                           </a14:m>
-                          <a:endParaRPr lang="de-DE" sz="2800" b="0" dirty="0"/>
+                          <a:endParaRPr lang="de-DE" sz="1800" b="0" dirty="0"/>
                         </a:p>
                       </a:txBody>
                       <a:tcPr/>
@@ -7767,14 +7683,14 @@
                                 <m:sSub>
                                   <m:sSubPr>
                                     <m:ctrlPr>
-                                      <a:rPr lang="de-AT" sz="2800" b="0" i="1" smtClean="0">
+                                      <a:rPr lang="de-AT" sz="1800" b="0" i="1" smtClean="0">
                                         <a:latin typeface="Cambria Math" panose="02040503050406030204" pitchFamily="18" charset="0"/>
                                       </a:rPr>
                                     </m:ctrlPr>
                                   </m:sSubPr>
                                   <m:e>
                                     <m:r>
-                                      <a:rPr lang="de-AT" sz="2800" b="0" i="1" smtClean="0">
+                                      <a:rPr lang="de-AT" sz="1800" b="0" i="1" smtClean="0">
                                         <a:latin typeface="Cambria Math" panose="02040503050406030204" pitchFamily="18" charset="0"/>
                                       </a:rPr>
                                       <m:t>𝜓</m:t>
@@ -7782,7 +7698,7 @@
                                   </m:e>
                                   <m:sub>
                                     <m:r>
-                                      <a:rPr lang="de-AT" sz="2800" b="0" i="1" smtClean="0">
+                                      <a:rPr lang="de-AT" sz="1800" b="0" i="1" smtClean="0">
                                         <a:latin typeface="Cambria Math" panose="02040503050406030204" pitchFamily="18" charset="0"/>
                                       </a:rPr>
                                       <m:t>4</m:t>
@@ -7792,7 +7708,7 @@
                               </m:oMath>
                             </m:oMathPara>
                           </a14:m>
-                          <a:endParaRPr lang="de-DE" sz="2800" b="0" dirty="0"/>
+                          <a:endParaRPr lang="de-DE" sz="1800" b="0" dirty="0"/>
                         </a:p>
                       </a:txBody>
                       <a:tcPr/>
@@ -7803,7 +7719,7 @@
                       </a:ext>
                     </a:extLst>
                   </a:tr>
-                  <a:tr h="462022">
+                  <a:tr h="576837">
                     <a:tc>
                       <a:txBody>
                         <a:bodyPr/>
@@ -7819,14 +7735,14 @@
                                 <m:sSub>
                                   <m:sSubPr>
                                     <m:ctrlPr>
-                                      <a:rPr lang="de-AT" sz="2800" b="0" i="1" smtClean="0">
+                                      <a:rPr lang="de-AT" sz="1800" b="0" i="1" smtClean="0">
                                         <a:latin typeface="Cambria Math" panose="02040503050406030204" pitchFamily="18" charset="0"/>
                                       </a:rPr>
                                     </m:ctrlPr>
                                   </m:sSubPr>
                                   <m:e>
                                     <m:r>
-                                      <a:rPr lang="de-AT" sz="2800" b="0" i="1" smtClean="0">
+                                      <a:rPr lang="de-AT" sz="1800" b="0" i="1" smtClean="0">
                                         <a:latin typeface="Cambria Math" panose="02040503050406030204" pitchFamily="18" charset="0"/>
                                       </a:rPr>
                                       <m:t>𝜓</m:t>
@@ -7834,7 +7750,7 @@
                                   </m:e>
                                   <m:sub>
                                     <m:r>
-                                      <a:rPr lang="de-AT" sz="2800" b="0" i="1" smtClean="0">
+                                      <a:rPr lang="de-AT" sz="1800" b="0" i="1" smtClean="0">
                                         <a:latin typeface="Cambria Math" panose="02040503050406030204" pitchFamily="18" charset="0"/>
                                       </a:rPr>
                                       <m:t>0</m:t>
@@ -7844,7 +7760,7 @@
                               </m:oMath>
                             </m:oMathPara>
                           </a14:m>
-                          <a:endParaRPr lang="de-DE" sz="2800" dirty="0"/>
+                          <a:endParaRPr lang="de-DE" sz="1800" dirty="0"/>
                         </a:p>
                       </a:txBody>
                       <a:tcPr>
@@ -7859,7 +7775,7 @@
                         <a:lstStyle/>
                         <a:p>
                           <a:r>
-                            <a:rPr lang="de-DE" sz="2800" dirty="0"/>
+                            <a:rPr lang="de-DE" sz="1800" dirty="0"/>
                             <a:t>1.0</a:t>
                           </a:r>
                         </a:p>
@@ -7878,8 +7794,8 @@
                         <a:lstStyle/>
                         <a:p>
                           <a:r>
-                            <a:rPr lang="de-DE" sz="2800" dirty="0"/>
-                            <a:t>0.0</a:t>
+                            <a:rPr lang="de-DE" sz="1800" dirty="0"/>
+                            <a:t>3.15E-14</a:t>
                           </a:r>
                         </a:p>
                       </a:txBody>
@@ -7895,8 +7811,8 @@
                         <a:lstStyle/>
                         <a:p>
                           <a:r>
-                            <a:rPr lang="de-DE" sz="2800" dirty="0"/>
-                            <a:t>0.0</a:t>
+                            <a:rPr lang="de-DE" sz="1800" dirty="0"/>
+                            <a:t>1.11E-14</a:t>
                           </a:r>
                         </a:p>
                       </a:txBody>
@@ -7912,8 +7828,8 @@
                         <a:lstStyle/>
                         <a:p>
                           <a:r>
-                            <a:rPr lang="de-DE" sz="2800" dirty="0"/>
-                            <a:t>0.0</a:t>
+                            <a:rPr lang="de-DE" sz="1800" dirty="0"/>
+                            <a:t>2.24E-14</a:t>
                           </a:r>
                         </a:p>
                       </a:txBody>
@@ -7929,8 +7845,8 @@
                         <a:lstStyle/>
                         <a:p>
                           <a:r>
-                            <a:rPr lang="de-DE" sz="2800" dirty="0"/>
-                            <a:t>0.0</a:t>
+                            <a:rPr lang="de-DE" sz="1800" dirty="0"/>
+                            <a:t>-1.19E-14</a:t>
                           </a:r>
                         </a:p>
                       </a:txBody>
@@ -7946,7 +7862,7 @@
                       </a:ext>
                     </a:extLst>
                   </a:tr>
-                  <a:tr h="462022">
+                  <a:tr h="576837">
                     <a:tc>
                       <a:txBody>
                         <a:bodyPr/>
@@ -7962,14 +7878,14 @@
                                 <m:sSub>
                                   <m:sSubPr>
                                     <m:ctrlPr>
-                                      <a:rPr lang="de-AT" sz="2800" b="0" i="1" smtClean="0">
+                                      <a:rPr lang="de-AT" sz="1800" b="0" i="1" smtClean="0">
                                         <a:latin typeface="Cambria Math" panose="02040503050406030204" pitchFamily="18" charset="0"/>
                                       </a:rPr>
                                     </m:ctrlPr>
                                   </m:sSubPr>
                                   <m:e>
                                     <m:r>
-                                      <a:rPr lang="de-AT" sz="2800" b="0" i="1" smtClean="0">
+                                      <a:rPr lang="de-AT" sz="1800" b="0" i="1" smtClean="0">
                                         <a:latin typeface="Cambria Math" panose="02040503050406030204" pitchFamily="18" charset="0"/>
                                       </a:rPr>
                                       <m:t>𝜓</m:t>
@@ -7977,7 +7893,7 @@
                                   </m:e>
                                   <m:sub>
                                     <m:r>
-                                      <a:rPr lang="de-AT" sz="2800" b="0" i="1" smtClean="0">
+                                      <a:rPr lang="de-AT" sz="1800" b="0" i="1" smtClean="0">
                                         <a:latin typeface="Cambria Math" panose="02040503050406030204" pitchFamily="18" charset="0"/>
                                       </a:rPr>
                                       <m:t>1</m:t>
@@ -7987,7 +7903,7 @@
                               </m:oMath>
                             </m:oMathPara>
                           </a14:m>
-                          <a:endParaRPr lang="de-DE" sz="2800" dirty="0"/>
+                          <a:endParaRPr lang="de-DE" sz="1800" dirty="0"/>
                         </a:p>
                       </a:txBody>
                       <a:tcPr>
@@ -8002,8 +7918,8 @@
                         <a:lstStyle/>
                         <a:p>
                           <a:r>
-                            <a:rPr lang="de-DE" sz="2800" dirty="0"/>
-                            <a:t>0.0</a:t>
+                            <a:rPr lang="de-DE" sz="1800" dirty="0"/>
+                            <a:t>-3.17E-14</a:t>
                           </a:r>
                         </a:p>
                       </a:txBody>
@@ -8019,7 +7935,7 @@
                         <a:lstStyle/>
                         <a:p>
                           <a:r>
-                            <a:rPr lang="de-DE" sz="2800" dirty="0"/>
+                            <a:rPr lang="de-DE" sz="1800" dirty="0"/>
                             <a:t>1.0</a:t>
                           </a:r>
                         </a:p>
@@ -8038,8 +7954,8 @@
                         <a:lstStyle/>
                         <a:p>
                           <a:r>
-                            <a:rPr lang="de-DE" sz="2800" dirty="0"/>
-                            <a:t>0.0</a:t>
+                            <a:rPr lang="de-DE" sz="1800" dirty="0"/>
+                            <a:t>-1.70E-14</a:t>
                           </a:r>
                         </a:p>
                       </a:txBody>
@@ -8055,8 +7971,8 @@
                         <a:lstStyle/>
                         <a:p>
                           <a:r>
-                            <a:rPr lang="de-DE" sz="2800" dirty="0"/>
-                            <a:t>0.0</a:t>
+                            <a:rPr lang="de-DE" sz="1800" dirty="0"/>
+                            <a:t>9.93E-15</a:t>
                           </a:r>
                         </a:p>
                       </a:txBody>
@@ -8072,8 +7988,8 @@
                         <a:lstStyle/>
                         <a:p>
                           <a:r>
-                            <a:rPr lang="de-DE" sz="2800" dirty="0"/>
-                            <a:t>0.0</a:t>
+                            <a:rPr lang="de-DE" sz="1800" dirty="0"/>
+                            <a:t>-8.65E-16</a:t>
                           </a:r>
                         </a:p>
                       </a:txBody>
@@ -8089,7 +8005,7 @@
                       </a:ext>
                     </a:extLst>
                   </a:tr>
-                  <a:tr h="462022">
+                  <a:tr h="576837">
                     <a:tc>
                       <a:txBody>
                         <a:bodyPr/>
@@ -8105,14 +8021,14 @@
                                 <m:sSub>
                                   <m:sSubPr>
                                     <m:ctrlPr>
-                                      <a:rPr lang="de-AT" sz="2800" b="0" i="1" smtClean="0">
+                                      <a:rPr lang="de-AT" sz="1800" b="0" i="1" smtClean="0">
                                         <a:latin typeface="Cambria Math" panose="02040503050406030204" pitchFamily="18" charset="0"/>
                                       </a:rPr>
                                     </m:ctrlPr>
                                   </m:sSubPr>
                                   <m:e>
                                     <m:r>
-                                      <a:rPr lang="de-AT" sz="2800" b="0" i="1" smtClean="0">
+                                      <a:rPr lang="de-AT" sz="1800" b="0" i="1" smtClean="0">
                                         <a:latin typeface="Cambria Math" panose="02040503050406030204" pitchFamily="18" charset="0"/>
                                       </a:rPr>
                                       <m:t>𝜓</m:t>
@@ -8120,7 +8036,7 @@
                                   </m:e>
                                   <m:sub>
                                     <m:r>
-                                      <a:rPr lang="de-AT" sz="2800" b="0" i="1" smtClean="0">
+                                      <a:rPr lang="de-AT" sz="1800" b="0" i="1" smtClean="0">
                                         <a:latin typeface="Cambria Math" panose="02040503050406030204" pitchFamily="18" charset="0"/>
                                       </a:rPr>
                                       <m:t>2</m:t>
@@ -8130,7 +8046,7 @@
                               </m:oMath>
                             </m:oMathPara>
                           </a14:m>
-                          <a:endParaRPr lang="de-DE" sz="2800" dirty="0"/>
+                          <a:endParaRPr lang="de-DE" sz="1800" dirty="0"/>
                         </a:p>
                       </a:txBody>
                       <a:tcPr>
@@ -8145,8 +8061,8 @@
                         <a:lstStyle/>
                         <a:p>
                           <a:r>
-                            <a:rPr lang="de-DE" sz="2800" dirty="0"/>
-                            <a:t>0.0</a:t>
+                            <a:rPr lang="de-DE" sz="1800" dirty="0"/>
+                            <a:t>2.25E-14</a:t>
                           </a:r>
                         </a:p>
                       </a:txBody>
@@ -8162,8 +8078,8 @@
                         <a:lstStyle/>
                         <a:p>
                           <a:r>
-                            <a:rPr lang="de-DE" sz="2800" dirty="0"/>
-                            <a:t>0.0</a:t>
+                            <a:rPr lang="de-DE" sz="1800" dirty="0"/>
+                            <a:t>9.35E-15</a:t>
                           </a:r>
                         </a:p>
                       </a:txBody>
@@ -8179,7 +8095,7 @@
                         <a:lstStyle/>
                         <a:p>
                           <a:r>
-                            <a:rPr lang="de-DE" sz="2800" dirty="0"/>
+                            <a:rPr lang="de-DE" sz="1800" dirty="0"/>
                             <a:t>1.0</a:t>
                           </a:r>
                         </a:p>
@@ -8198,8 +8114,8 @@
                         <a:lstStyle/>
                         <a:p>
                           <a:r>
-                            <a:rPr lang="de-DE" sz="2800" dirty="0"/>
-                            <a:t>0.0</a:t>
+                            <a:rPr lang="de-DE" sz="1800" dirty="0"/>
+                            <a:t>-3.29E-14</a:t>
                           </a:r>
                         </a:p>
                       </a:txBody>
@@ -8215,8 +8131,8 @@
                         <a:lstStyle/>
                         <a:p>
                           <a:r>
-                            <a:rPr lang="de-DE" sz="2800" dirty="0"/>
-                            <a:t>0.0</a:t>
+                            <a:rPr lang="de-DE" sz="1800" dirty="0"/>
+                            <a:t>2.03E-14</a:t>
                           </a:r>
                         </a:p>
                       </a:txBody>
@@ -8232,7 +8148,7 @@
                       </a:ext>
                     </a:extLst>
                   </a:tr>
-                  <a:tr h="462022">
+                  <a:tr h="576837">
                     <a:tc>
                       <a:txBody>
                         <a:bodyPr/>
@@ -8248,14 +8164,14 @@
                                 <m:sSub>
                                   <m:sSubPr>
                                     <m:ctrlPr>
-                                      <a:rPr lang="de-AT" sz="2800" b="0" i="1" smtClean="0">
+                                      <a:rPr lang="de-AT" sz="1800" b="0" i="1" smtClean="0">
                                         <a:latin typeface="Cambria Math" panose="02040503050406030204" pitchFamily="18" charset="0"/>
                                       </a:rPr>
                                     </m:ctrlPr>
                                   </m:sSubPr>
                                   <m:e>
                                     <m:r>
-                                      <a:rPr lang="de-AT" sz="2800" b="0" i="1" smtClean="0">
+                                      <a:rPr lang="de-AT" sz="1800" b="0" i="1" smtClean="0">
                                         <a:latin typeface="Cambria Math" panose="02040503050406030204" pitchFamily="18" charset="0"/>
                                       </a:rPr>
                                       <m:t>𝜓</m:t>
@@ -8263,7 +8179,7 @@
                                   </m:e>
                                   <m:sub>
                                     <m:r>
-                                      <a:rPr lang="de-AT" sz="2800" b="0" i="1" smtClean="0">
+                                      <a:rPr lang="de-AT" sz="1800" b="0" i="1" smtClean="0">
                                         <a:latin typeface="Cambria Math" panose="02040503050406030204" pitchFamily="18" charset="0"/>
                                       </a:rPr>
                                       <m:t>3</m:t>
@@ -8273,7 +8189,7 @@
                               </m:oMath>
                             </m:oMathPara>
                           </a14:m>
-                          <a:endParaRPr lang="de-DE" sz="2800" dirty="0"/>
+                          <a:endParaRPr lang="de-DE" sz="1800" dirty="0"/>
                         </a:p>
                       </a:txBody>
                       <a:tcPr>
@@ -8288,8 +8204,8 @@
                         <a:lstStyle/>
                         <a:p>
                           <a:r>
-                            <a:rPr lang="de-DE" sz="2800" dirty="0"/>
-                            <a:t>0.0</a:t>
+                            <a:rPr lang="de-DE" sz="1800" dirty="0"/>
+                            <a:t>2.25E-14</a:t>
                           </a:r>
                         </a:p>
                       </a:txBody>
@@ -8305,8 +8221,8 @@
                         <a:lstStyle/>
                         <a:p>
                           <a:r>
-                            <a:rPr lang="de-DE" sz="2800" dirty="0"/>
-                            <a:t>0.0</a:t>
+                            <a:rPr lang="de-DE" sz="1800" dirty="0"/>
+                            <a:t>9.35E-15</a:t>
                           </a:r>
                         </a:p>
                       </a:txBody>
@@ -8322,8 +8238,8 @@
                         <a:lstStyle/>
                         <a:p>
                           <a:r>
-                            <a:rPr lang="de-DE" sz="2800" dirty="0"/>
-                            <a:t>0.0</a:t>
+                            <a:rPr lang="de-DE" sz="1800" dirty="0"/>
+                            <a:t>-3.29E-14</a:t>
                           </a:r>
                         </a:p>
                       </a:txBody>
@@ -8339,7 +8255,7 @@
                         <a:lstStyle/>
                         <a:p>
                           <a:r>
-                            <a:rPr lang="de-DE" sz="2800" dirty="0"/>
+                            <a:rPr lang="de-DE" sz="1800" dirty="0"/>
                             <a:t>1.0</a:t>
                           </a:r>
                         </a:p>
@@ -8358,8 +8274,8 @@
                         <a:lstStyle/>
                         <a:p>
                           <a:r>
-                            <a:rPr lang="de-DE" sz="2800" dirty="0"/>
-                            <a:t>0.0</a:t>
+                            <a:rPr lang="de-DE" sz="1800" dirty="0"/>
+                            <a:t>-4.45E-14</a:t>
                           </a:r>
                         </a:p>
                       </a:txBody>
@@ -8375,7 +8291,7 @@
                       </a:ext>
                     </a:extLst>
                   </a:tr>
-                  <a:tr h="462022">
+                  <a:tr h="0">
                     <a:tc>
                       <a:txBody>
                         <a:bodyPr/>
@@ -8391,14 +8307,14 @@
                                 <m:sSub>
                                   <m:sSubPr>
                                     <m:ctrlPr>
-                                      <a:rPr lang="de-AT" sz="2800" b="0" i="1" smtClean="0">
+                                      <a:rPr lang="de-AT" sz="1800" b="0" i="1" smtClean="0">
                                         <a:latin typeface="Cambria Math" panose="02040503050406030204" pitchFamily="18" charset="0"/>
                                       </a:rPr>
                                     </m:ctrlPr>
                                   </m:sSubPr>
                                   <m:e>
                                     <m:r>
-                                      <a:rPr lang="de-AT" sz="2800" b="0" i="1" smtClean="0">
+                                      <a:rPr lang="de-AT" sz="1800" b="0" i="1" smtClean="0">
                                         <a:latin typeface="Cambria Math" panose="02040503050406030204" pitchFamily="18" charset="0"/>
                                       </a:rPr>
                                       <m:t>𝜓</m:t>
@@ -8406,7 +8322,7 @@
                                   </m:e>
                                   <m:sub>
                                     <m:r>
-                                      <a:rPr lang="de-AT" sz="2800" b="0" i="1" smtClean="0">
+                                      <a:rPr lang="de-AT" sz="1800" b="0" i="1" smtClean="0">
                                         <a:latin typeface="Cambria Math" panose="02040503050406030204" pitchFamily="18" charset="0"/>
                                       </a:rPr>
                                       <m:t>4</m:t>
@@ -8416,7 +8332,7 @@
                               </m:oMath>
                             </m:oMathPara>
                           </a14:m>
-                          <a:endParaRPr lang="de-DE" sz="2800" dirty="0"/>
+                          <a:endParaRPr lang="de-DE" sz="1800" dirty="0"/>
                         </a:p>
                       </a:txBody>
                       <a:tcPr>
@@ -8431,8 +8347,8 @@
                         <a:lstStyle/>
                         <a:p>
                           <a:r>
-                            <a:rPr lang="de-DE" sz="2800" dirty="0"/>
-                            <a:t>0.0</a:t>
+                            <a:rPr lang="de-DE" sz="1800" dirty="0"/>
+                            <a:t>-1.88E-14</a:t>
                           </a:r>
                         </a:p>
                       </a:txBody>
@@ -8448,8 +8364,8 @@
                         <a:lstStyle/>
                         <a:p>
                           <a:r>
-                            <a:rPr lang="de-DE" sz="2800" dirty="0"/>
-                            <a:t>0.0</a:t>
+                            <a:rPr lang="de-DE" sz="1800" dirty="0"/>
+                            <a:t>-8.65E-15</a:t>
                           </a:r>
                         </a:p>
                       </a:txBody>
@@ -8465,8 +8381,8 @@
                         <a:lstStyle/>
                         <a:p>
                           <a:r>
-                            <a:rPr lang="de-DE" sz="2800" dirty="0"/>
-                            <a:t>0.0</a:t>
+                            <a:rPr lang="de-DE" sz="1800" dirty="0"/>
+                            <a:t>2.03E-14</a:t>
                           </a:r>
                         </a:p>
                       </a:txBody>
@@ -8482,8 +8398,8 @@
                         <a:lstStyle/>
                         <a:p>
                           <a:r>
-                            <a:rPr lang="de-DE" sz="2800" dirty="0"/>
-                            <a:t>0.0</a:t>
+                            <a:rPr lang="de-DE" sz="1800" dirty="0"/>
+                            <a:t>-4.45E-14</a:t>
                           </a:r>
                         </a:p>
                       </a:txBody>
@@ -8499,7 +8415,7 @@
                         <a:lstStyle/>
                         <a:p>
                           <a:r>
-                            <a:rPr lang="de-DE" sz="2800" dirty="0"/>
+                            <a:rPr lang="de-DE" sz="1800" dirty="0"/>
                             <a:t>1.0</a:t>
                           </a:r>
                         </a:p>
@@ -8539,14 +8455,14 @@
               <p:nvPr>
                 <p:extLst>
                   <p:ext uri="{D42A27DB-BD31-4B8C-83A1-F6EECF244321}">
-                    <p14:modId xmlns:p14="http://schemas.microsoft.com/office/powerpoint/2010/main" val="953624260"/>
+                    <p14:modId xmlns:p14="http://schemas.microsoft.com/office/powerpoint/2010/main" val="40285175"/>
                   </p:ext>
                 </p:extLst>
               </p:nvPr>
             </p:nvGraphicFramePr>
             <p:xfrm>
-              <a:off x="20981710" y="7010714"/>
-              <a:ext cx="5814168" cy="3108960"/>
+              <a:off x="13170296" y="9878461"/>
+              <a:ext cx="6891199" cy="3038868"/>
             </p:xfrm>
             <a:graphic>
               <a:graphicData uri="http://schemas.openxmlformats.org/drawingml/2006/table">
@@ -8555,42 +8471,42 @@
                     <a:tableStyleId>{9D7B26C5-4107-4FEC-AEDC-1716B250A1EF}</a:tableStyleId>
                   </a:tblPr>
                   <a:tblGrid>
-                    <a:gridCol w="969028">
+                    <a:gridCol w="689139">
                       <a:extLst>
                         <a:ext uri="{9D8B030D-6E8A-4147-A177-3AD203B41FA5}">
                           <a16:colId xmlns:a16="http://schemas.microsoft.com/office/drawing/2014/main" val="979508158"/>
                         </a:ext>
                       </a:extLst>
                     </a:gridCol>
-                    <a:gridCol w="969028">
+                    <a:gridCol w="1219200">
                       <a:extLst>
                         <a:ext uri="{9D8B030D-6E8A-4147-A177-3AD203B41FA5}">
                           <a16:colId xmlns:a16="http://schemas.microsoft.com/office/drawing/2014/main" val="2839578664"/>
                         </a:ext>
                       </a:extLst>
                     </a:gridCol>
-                    <a:gridCol w="969028">
+                    <a:gridCol w="1212152">
                       <a:extLst>
                         <a:ext uri="{9D8B030D-6E8A-4147-A177-3AD203B41FA5}">
                           <a16:colId xmlns:a16="http://schemas.microsoft.com/office/drawing/2014/main" val="427621495"/>
                         </a:ext>
                       </a:extLst>
                     </a:gridCol>
-                    <a:gridCol w="969028">
+                    <a:gridCol w="1175008">
                       <a:extLst>
                         <a:ext uri="{9D8B030D-6E8A-4147-A177-3AD203B41FA5}">
                           <a16:colId xmlns:a16="http://schemas.microsoft.com/office/drawing/2014/main" val="586868843"/>
                         </a:ext>
                       </a:extLst>
                     </a:gridCol>
-                    <a:gridCol w="969028">
+                    <a:gridCol w="1356600">
                       <a:extLst>
                         <a:ext uri="{9D8B030D-6E8A-4147-A177-3AD203B41FA5}">
                           <a16:colId xmlns:a16="http://schemas.microsoft.com/office/drawing/2014/main" val="180023404"/>
                         </a:ext>
                       </a:extLst>
                     </a:gridCol>
-                    <a:gridCol w="969028">
+                    <a:gridCol w="1239100">
                       <a:extLst>
                         <a:ext uri="{9D8B030D-6E8A-4147-A177-3AD203B41FA5}">
                           <a16:colId xmlns:a16="http://schemas.microsoft.com/office/drawing/2014/main" val="2098031944"/>
@@ -8598,13 +8514,13 @@
                       </a:extLst>
                     </a:gridCol>
                   </a:tblGrid>
-                  <a:tr h="518160">
-                    <a:tc>
-                      <a:txBody>
-                        <a:bodyPr/>
-                        <a:lstStyle/>
-                        <a:p>
-                          <a:endParaRPr lang="de-DE" sz="2800" dirty="0"/>
+                  <a:tr h="365760">
+                    <a:tc>
+                      <a:txBody>
+                        <a:bodyPr/>
+                        <a:lstStyle/>
+                        <a:p>
+                          <a:endParaRPr lang="de-DE" sz="1800" dirty="0"/>
                         </a:p>
                       </a:txBody>
                       <a:tcPr/>
@@ -8621,7 +8537,7 @@
                         <a:blipFill>
                           <a:blip r:embed="rId9"/>
                           <a:stretch>
-                            <a:fillRect l="-100000" t="-2439" r="-397403" b="-531707"/>
+                            <a:fillRect l="-57292" r="-410417" b="-758621"/>
                           </a:stretch>
                         </a:blipFill>
                       </a:tcPr>
@@ -8638,7 +8554,7 @@
                         <a:blipFill>
                           <a:blip r:embed="rId9"/>
                           <a:stretch>
-                            <a:fillRect l="-202632" t="-2439" r="-302632" b="-531707"/>
+                            <a:fillRect l="-157292" r="-310417" b="-758621"/>
                           </a:stretch>
                         </a:blipFill>
                       </a:tcPr>
@@ -8655,7 +8571,7 @@
                         <a:blipFill>
                           <a:blip r:embed="rId9"/>
                           <a:stretch>
-                            <a:fillRect l="-302632" t="-2439" r="-202632" b="-531707"/>
+                            <a:fillRect l="-268478" r="-223913" b="-758621"/>
                           </a:stretch>
                         </a:blipFill>
                       </a:tcPr>
@@ -8672,7 +8588,7 @@
                         <a:blipFill>
                           <a:blip r:embed="rId9"/>
                           <a:stretch>
-                            <a:fillRect l="-397403" t="-2439" r="-100000" b="-531707"/>
+                            <a:fillRect l="-316822" r="-92523" b="-758621"/>
                           </a:stretch>
                         </a:blipFill>
                       </a:tcPr>
@@ -8689,7 +8605,7 @@
                         <a:blipFill>
                           <a:blip r:embed="rId9"/>
                           <a:stretch>
-                            <a:fillRect l="-503947" t="-2439" r="-1316" b="-531707"/>
+                            <a:fillRect l="-455102" r="-1020" b="-758621"/>
                           </a:stretch>
                         </a:blipFill>
                       </a:tcPr>
@@ -8700,7 +8616,7 @@
                       </a:ext>
                     </a:extLst>
                   </a:tr>
-                  <a:tr h="518160">
+                  <a:tr h="576837">
                     <a:tc>
                       <a:txBody>
                         <a:bodyPr/>
@@ -8713,7 +8629,7 @@
                         <a:blipFill>
                           <a:blip r:embed="rId9"/>
                           <a:stretch>
-                            <a:fillRect l="-1316" t="-102439" r="-503947" b="-431707"/>
+                            <a:fillRect l="-1852" t="-63043" r="-907407" b="-378261"/>
                           </a:stretch>
                         </a:blipFill>
                       </a:tcPr>
@@ -8724,7 +8640,7 @@
                         <a:lstStyle/>
                         <a:p>
                           <a:r>
-                            <a:rPr lang="de-DE" sz="2800" dirty="0"/>
+                            <a:rPr lang="de-DE" sz="1800" dirty="0"/>
                             <a:t>1.0</a:t>
                           </a:r>
                         </a:p>
@@ -8743,8 +8659,8 @@
                         <a:lstStyle/>
                         <a:p>
                           <a:r>
-                            <a:rPr lang="de-DE" sz="2800" dirty="0"/>
-                            <a:t>0.0</a:t>
+                            <a:rPr lang="de-DE" sz="1800" dirty="0"/>
+                            <a:t>3.15E-14</a:t>
                           </a:r>
                         </a:p>
                       </a:txBody>
@@ -8760,8 +8676,8 @@
                         <a:lstStyle/>
                         <a:p>
                           <a:r>
-                            <a:rPr lang="de-DE" sz="2800" dirty="0"/>
-                            <a:t>0.0</a:t>
+                            <a:rPr lang="de-DE" sz="1800" dirty="0"/>
+                            <a:t>1.11E-14</a:t>
                           </a:r>
                         </a:p>
                       </a:txBody>
@@ -8777,8 +8693,8 @@
                         <a:lstStyle/>
                         <a:p>
                           <a:r>
-                            <a:rPr lang="de-DE" sz="2800" dirty="0"/>
-                            <a:t>0.0</a:t>
+                            <a:rPr lang="de-DE" sz="1800" dirty="0"/>
+                            <a:t>2.24E-14</a:t>
                           </a:r>
                         </a:p>
                       </a:txBody>
@@ -8794,8 +8710,8 @@
                         <a:lstStyle/>
                         <a:p>
                           <a:r>
-                            <a:rPr lang="de-DE" sz="2800" dirty="0"/>
-                            <a:t>0.0</a:t>
+                            <a:rPr lang="de-DE" sz="1800" dirty="0"/>
+                            <a:t>-1.19E-14</a:t>
                           </a:r>
                         </a:p>
                       </a:txBody>
@@ -8811,7 +8727,7 @@
                       </a:ext>
                     </a:extLst>
                   </a:tr>
-                  <a:tr h="518160">
+                  <a:tr h="576837">
                     <a:tc>
                       <a:txBody>
                         <a:bodyPr/>
@@ -8824,7 +8740,7 @@
                         <a:blipFill>
                           <a:blip r:embed="rId9"/>
                           <a:stretch>
-                            <a:fillRect l="-1316" t="-202439" r="-503947" b="-331707"/>
+                            <a:fillRect l="-1852" t="-163043" r="-907407" b="-278261"/>
                           </a:stretch>
                         </a:blipFill>
                       </a:tcPr>
@@ -8835,8 +8751,8 @@
                         <a:lstStyle/>
                         <a:p>
                           <a:r>
-                            <a:rPr lang="de-DE" sz="2800" dirty="0"/>
-                            <a:t>0.0</a:t>
+                            <a:rPr lang="de-DE" sz="1800" dirty="0"/>
+                            <a:t>-3.17E-14</a:t>
                           </a:r>
                         </a:p>
                       </a:txBody>
@@ -8852,7 +8768,7 @@
                         <a:lstStyle/>
                         <a:p>
                           <a:r>
-                            <a:rPr lang="de-DE" sz="2800" dirty="0"/>
+                            <a:rPr lang="de-DE" sz="1800" dirty="0"/>
                             <a:t>1.0</a:t>
                           </a:r>
                         </a:p>
@@ -8871,8 +8787,8 @@
                         <a:lstStyle/>
                         <a:p>
                           <a:r>
-                            <a:rPr lang="de-DE" sz="2800" dirty="0"/>
-                            <a:t>0.0</a:t>
+                            <a:rPr lang="de-DE" sz="1800" dirty="0"/>
+                            <a:t>-1.70E-14</a:t>
                           </a:r>
                         </a:p>
                       </a:txBody>
@@ -8888,8 +8804,8 @@
                         <a:lstStyle/>
                         <a:p>
                           <a:r>
-                            <a:rPr lang="de-DE" sz="2800" dirty="0"/>
-                            <a:t>0.0</a:t>
+                            <a:rPr lang="de-DE" sz="1800" dirty="0"/>
+                            <a:t>9.93E-15</a:t>
                           </a:r>
                         </a:p>
                       </a:txBody>
@@ -8905,8 +8821,8 @@
                         <a:lstStyle/>
                         <a:p>
                           <a:r>
-                            <a:rPr lang="de-DE" sz="2800" dirty="0"/>
-                            <a:t>0.0</a:t>
+                            <a:rPr lang="de-DE" sz="1800" dirty="0"/>
+                            <a:t>-8.65E-16</a:t>
                           </a:r>
                         </a:p>
                       </a:txBody>
@@ -8922,7 +8838,7 @@
                       </a:ext>
                     </a:extLst>
                   </a:tr>
-                  <a:tr h="518160">
+                  <a:tr h="576837">
                     <a:tc>
                       <a:txBody>
                         <a:bodyPr/>
@@ -8935,7 +8851,7 @@
                         <a:blipFill>
                           <a:blip r:embed="rId9"/>
                           <a:stretch>
-                            <a:fillRect l="-1316" t="-310000" r="-503947" b="-240000"/>
+                            <a:fillRect l="-1852" t="-268889" r="-907407" b="-184444"/>
                           </a:stretch>
                         </a:blipFill>
                       </a:tcPr>
@@ -8946,8 +8862,8 @@
                         <a:lstStyle/>
                         <a:p>
                           <a:r>
-                            <a:rPr lang="de-DE" sz="2800" dirty="0"/>
-                            <a:t>0.0</a:t>
+                            <a:rPr lang="de-DE" sz="1800" dirty="0"/>
+                            <a:t>2.25E-14</a:t>
                           </a:r>
                         </a:p>
                       </a:txBody>
@@ -8963,8 +8879,8 @@
                         <a:lstStyle/>
                         <a:p>
                           <a:r>
-                            <a:rPr lang="de-DE" sz="2800" dirty="0"/>
-                            <a:t>0.0</a:t>
+                            <a:rPr lang="de-DE" sz="1800" dirty="0"/>
+                            <a:t>9.35E-15</a:t>
                           </a:r>
                         </a:p>
                       </a:txBody>
@@ -8980,7 +8896,7 @@
                         <a:lstStyle/>
                         <a:p>
                           <a:r>
-                            <a:rPr lang="de-DE" sz="2800" dirty="0"/>
+                            <a:rPr lang="de-DE" sz="1800" dirty="0"/>
                             <a:t>1.0</a:t>
                           </a:r>
                         </a:p>
@@ -8999,8 +8915,8 @@
                         <a:lstStyle/>
                         <a:p>
                           <a:r>
-                            <a:rPr lang="de-DE" sz="2800" dirty="0"/>
-                            <a:t>0.0</a:t>
+                            <a:rPr lang="de-DE" sz="1800" dirty="0"/>
+                            <a:t>-3.29E-14</a:t>
                           </a:r>
                         </a:p>
                       </a:txBody>
@@ -9016,8 +8932,8 @@
                         <a:lstStyle/>
                         <a:p>
                           <a:r>
-                            <a:rPr lang="de-DE" sz="2800" dirty="0"/>
-                            <a:t>0.0</a:t>
+                            <a:rPr lang="de-DE" sz="1800" dirty="0"/>
+                            <a:t>2.03E-14</a:t>
                           </a:r>
                         </a:p>
                       </a:txBody>
@@ -9033,7 +8949,7 @@
                       </a:ext>
                     </a:extLst>
                   </a:tr>
-                  <a:tr h="518160">
+                  <a:tr h="576837">
                     <a:tc>
                       <a:txBody>
                         <a:bodyPr/>
@@ -9046,7 +8962,7 @@
                         <a:blipFill>
                           <a:blip r:embed="rId9"/>
                           <a:stretch>
-                            <a:fillRect l="-1316" t="-400000" r="-503947" b="-134146"/>
+                            <a:fillRect l="-1852" t="-360870" r="-907407" b="-80435"/>
                           </a:stretch>
                         </a:blipFill>
                       </a:tcPr>
@@ -9057,8 +8973,8 @@
                         <a:lstStyle/>
                         <a:p>
                           <a:r>
-                            <a:rPr lang="de-DE" sz="2800" dirty="0"/>
-                            <a:t>0.0</a:t>
+                            <a:rPr lang="de-DE" sz="1800" dirty="0"/>
+                            <a:t>2.25E-14</a:t>
                           </a:r>
                         </a:p>
                       </a:txBody>
@@ -9074,8 +8990,8 @@
                         <a:lstStyle/>
                         <a:p>
                           <a:r>
-                            <a:rPr lang="de-DE" sz="2800" dirty="0"/>
-                            <a:t>0.0</a:t>
+                            <a:rPr lang="de-DE" sz="1800" dirty="0"/>
+                            <a:t>9.35E-15</a:t>
                           </a:r>
                         </a:p>
                       </a:txBody>
@@ -9091,8 +9007,8 @@
                         <a:lstStyle/>
                         <a:p>
                           <a:r>
-                            <a:rPr lang="de-DE" sz="2800" dirty="0"/>
-                            <a:t>0.0</a:t>
+                            <a:rPr lang="de-DE" sz="1800" dirty="0"/>
+                            <a:t>-3.29E-14</a:t>
                           </a:r>
                         </a:p>
                       </a:txBody>
@@ -9108,7 +9024,7 @@
                         <a:lstStyle/>
                         <a:p>
                           <a:r>
-                            <a:rPr lang="de-DE" sz="2800" dirty="0"/>
+                            <a:rPr lang="de-DE" sz="1800" dirty="0"/>
                             <a:t>1.0</a:t>
                           </a:r>
                         </a:p>
@@ -9127,8 +9043,8 @@
                         <a:lstStyle/>
                         <a:p>
                           <a:r>
-                            <a:rPr lang="de-DE" sz="2800" dirty="0"/>
-                            <a:t>0.0</a:t>
+                            <a:rPr lang="de-DE" sz="1800" dirty="0"/>
+                            <a:t>-4.45E-14</a:t>
                           </a:r>
                         </a:p>
                       </a:txBody>
@@ -9144,7 +9060,7 @@
                       </a:ext>
                     </a:extLst>
                   </a:tr>
-                  <a:tr h="518160">
+                  <a:tr h="365760">
                     <a:tc>
                       <a:txBody>
                         <a:bodyPr/>
@@ -9157,7 +9073,7 @@
                         <a:blipFill>
                           <a:blip r:embed="rId9"/>
                           <a:stretch>
-                            <a:fillRect l="-1316" t="-500000" r="-503947" b="-34146"/>
+                            <a:fillRect l="-1852" t="-731034" r="-907407" b="-27586"/>
                           </a:stretch>
                         </a:blipFill>
                       </a:tcPr>
@@ -9168,8 +9084,8 @@
                         <a:lstStyle/>
                         <a:p>
                           <a:r>
-                            <a:rPr lang="de-DE" sz="2800" dirty="0"/>
-                            <a:t>0.0</a:t>
+                            <a:rPr lang="de-DE" sz="1800" dirty="0"/>
+                            <a:t>-1.88E-14</a:t>
                           </a:r>
                         </a:p>
                       </a:txBody>
@@ -9185,8 +9101,8 @@
                         <a:lstStyle/>
                         <a:p>
                           <a:r>
-                            <a:rPr lang="de-DE" sz="2800" dirty="0"/>
-                            <a:t>0.0</a:t>
+                            <a:rPr lang="de-DE" sz="1800" dirty="0"/>
+                            <a:t>-8.65E-15</a:t>
                           </a:r>
                         </a:p>
                       </a:txBody>
@@ -9202,8 +9118,8 @@
                         <a:lstStyle/>
                         <a:p>
                           <a:r>
-                            <a:rPr lang="de-DE" sz="2800" dirty="0"/>
-                            <a:t>0.0</a:t>
+                            <a:rPr lang="de-DE" sz="1800" dirty="0"/>
+                            <a:t>2.03E-14</a:t>
                           </a:r>
                         </a:p>
                       </a:txBody>
@@ -9219,8 +9135,8 @@
                         <a:lstStyle/>
                         <a:p>
                           <a:r>
-                            <a:rPr lang="de-DE" sz="2800" dirty="0"/>
-                            <a:t>0.0</a:t>
+                            <a:rPr lang="de-DE" sz="1800" dirty="0"/>
+                            <a:t>-4.45E-14</a:t>
                           </a:r>
                         </a:p>
                       </a:txBody>
@@ -9236,7 +9152,7 @@
                         <a:lstStyle/>
                         <a:p>
                           <a:r>
-                            <a:rPr lang="de-DE" sz="2800" dirty="0"/>
+                            <a:rPr lang="de-DE" sz="1800" dirty="0"/>
                             <a:t>1.0</a:t>
                           </a:r>
                         </a:p>
@@ -9283,8 +9199,8 @@
         </p:blipFill>
         <p:spPr>
           <a:xfrm>
-            <a:off x="13259698" y="6989464"/>
-            <a:ext cx="7177066" cy="3112276"/>
+            <a:off x="13247956" y="6417819"/>
+            <a:ext cx="6018849" cy="2610025"/>
           </a:xfrm>
           <a:prstGeom prst="rect">
             <a:avLst/>
@@ -10453,53 +10369,92 @@
               <a:t>[3] </a:t>
             </a:r>
             <a:r>
-              <a:rPr lang="de-AT" sz="2400" b="0" i="0" dirty="0" err="1">
+              <a:rPr lang="de-AT" sz="2400" dirty="0" err="1"/>
+              <a:t>Photochemistry</a:t>
+            </a:r>
+            <a:r>
+              <a:rPr lang="de-AT" sz="2400" dirty="0"/>
+              <a:t> and </a:t>
+            </a:r>
+            <a:r>
+              <a:rPr lang="de-AT" sz="2400" dirty="0" err="1"/>
+              <a:t>Vibrational</a:t>
+            </a:r>
+            <a:r>
+              <a:rPr lang="de-AT" sz="2400" dirty="0"/>
+              <a:t> </a:t>
+            </a:r>
+            <a:r>
+              <a:rPr lang="de-AT" sz="2400" dirty="0" err="1"/>
+              <a:t>Spectroscopy</a:t>
+            </a:r>
+            <a:r>
+              <a:rPr lang="de-AT" sz="2400" dirty="0"/>
+              <a:t> </a:t>
+            </a:r>
+            <a:r>
+              <a:rPr lang="de-AT" sz="2400" dirty="0" err="1"/>
+              <a:t>of</a:t>
+            </a:r>
+            <a:r>
+              <a:rPr lang="de-AT" sz="2400" dirty="0"/>
+              <a:t> </a:t>
+            </a:r>
+            <a:r>
+              <a:rPr lang="de-AT" sz="2400" dirty="0" err="1"/>
+              <a:t>the</a:t>
+            </a:r>
+            <a:r>
+              <a:rPr lang="de-AT" sz="2400" dirty="0"/>
+              <a:t> Trans and Cis </a:t>
+            </a:r>
+            <a:r>
+              <a:rPr lang="de-AT" sz="2400" dirty="0" err="1"/>
+              <a:t>Conformers</a:t>
+            </a:r>
+            <a:r>
+              <a:rPr lang="de-AT" sz="2400" dirty="0"/>
+              <a:t> </a:t>
+            </a:r>
+            <a:r>
+              <a:rPr lang="de-AT" sz="2400" dirty="0" err="1"/>
+              <a:t>of</a:t>
+            </a:r>
+            <a:r>
+              <a:rPr lang="de-AT" sz="2400" dirty="0"/>
+              <a:t> </a:t>
+            </a:r>
+            <a:r>
+              <a:rPr lang="de-AT" sz="2400" dirty="0" err="1"/>
+              <a:t>Acetic</a:t>
+            </a:r>
+            <a:r>
+              <a:rPr lang="de-AT" sz="2400" dirty="0"/>
+              <a:t> Acid in Solid Ar (2004), </a:t>
+            </a:r>
+            <a:r>
+              <a:rPr lang="de-AT" sz="2400" dirty="0" err="1"/>
+              <a:t>Macoas</a:t>
+            </a:r>
+            <a:r>
+              <a:rPr lang="de-AT" sz="2400" dirty="0"/>
+              <a:t> et al, </a:t>
+            </a:r>
+            <a:r>
+              <a:rPr lang="de-AT" sz="2400" dirty="0" err="1"/>
+              <a:t>doi</a:t>
+            </a:r>
+            <a:r>
+              <a:rPr lang="de-AT" sz="2400" dirty="0"/>
+              <a:t>: </a:t>
+            </a:r>
+            <a:r>
+              <a:rPr lang="de-AT" sz="2400" b="0" i="0" u="sng" dirty="0">
                 <a:effectLst/>
-                <a:latin typeface="ElsevierSans"/>
+                <a:latin typeface="Roboto" panose="02000000000000000000" pitchFamily="2" charset="0"/>
+                <a:hlinkClick r:id="rId17" tooltip="DOI URL"/>
               </a:rPr>
-              <a:t>Atomic</a:t>
-            </a:r>
-            <a:r>
-              <a:rPr lang="de-AT" sz="2400" b="0" i="0" dirty="0">
-                <a:effectLst/>
-                <a:latin typeface="ElsevierSans"/>
-              </a:rPr>
-              <a:t> and </a:t>
-            </a:r>
-            <a:r>
-              <a:rPr lang="de-AT" sz="2400" b="0" i="0" dirty="0" err="1">
-                <a:effectLst/>
-                <a:latin typeface="ElsevierSans"/>
-              </a:rPr>
-              <a:t>Molecular</a:t>
-            </a:r>
-            <a:r>
-              <a:rPr lang="de-AT" sz="2400" b="0" i="0" dirty="0">
-                <a:effectLst/>
-                <a:latin typeface="ElsevierSans"/>
-              </a:rPr>
-              <a:t> </a:t>
-            </a:r>
-            <a:r>
-              <a:rPr lang="de-AT" sz="2400" b="0" i="0" dirty="0" err="1">
-                <a:effectLst/>
-                <a:latin typeface="ElsevierSans"/>
-              </a:rPr>
-              <a:t>Photoabsorption</a:t>
-            </a:r>
-            <a:r>
-              <a:rPr lang="de-AT" sz="2400" dirty="0">
-                <a:latin typeface="ElsevierSans"/>
-              </a:rPr>
-              <a:t> (2002), Joseph Berkowitz; DOI: </a:t>
-            </a:r>
-            <a:r>
-              <a:rPr lang="de-AT" sz="2400" b="0" i="0" u="none" strike="noStrike" dirty="0">
-                <a:effectLst/>
-                <a:latin typeface="ElsevierSans"/>
-                <a:hlinkClick r:id="rId17"/>
-              </a:rPr>
-              <a:t>https://doi.org/10.1016/B978-0-12-091841-6.X5000-2</a:t>
+              <a:t>https://doi.org/10.1021/jp037840v</a:t>
             </a:r>
             <a:endParaRPr lang="de-AT" sz="2400" b="0" i="0" dirty="0">
               <a:effectLst/>
@@ -11638,7 +11593,7 @@
         </p:blipFill>
         <p:spPr>
           <a:xfrm>
-            <a:off x="33252045" y="16883691"/>
+            <a:off x="33368180" y="16823676"/>
             <a:ext cx="8151931" cy="5360608"/>
           </a:xfrm>
           <a:prstGeom prst="rect">
@@ -11661,7 +11616,7 @@
           <p:nvPr>
             <p:extLst>
               <p:ext uri="{D42A27DB-BD31-4B8C-83A1-F6EECF244321}">
-                <p14:modId xmlns:p14="http://schemas.microsoft.com/office/powerpoint/2010/main" val="304445623"/>
+                <p14:modId xmlns:p14="http://schemas.microsoft.com/office/powerpoint/2010/main" val="2266003030"/>
               </p:ext>
             </p:extLst>
           </p:nvPr>
@@ -12226,8 +12181,12 @@
                         <a:t>Literature</a:t>
                       </a:r>
                       <a:r>
+                        <a:rPr lang="de-DE" sz="1800" baseline="30000" dirty="0"/>
+                        <a:t>*</a:t>
+                      </a:r>
+                      <a:r>
                         <a:rPr lang="de-DE" sz="1800" dirty="0"/>
-                        <a:t> [2]</a:t>
+                        <a:t> [3]</a:t>
                       </a:r>
                     </a:p>
                   </a:txBody>
@@ -12250,7 +12209,7 @@
                     <a:p>
                       <a:r>
                         <a:rPr lang="de-DE" sz="1800" dirty="0"/>
-                        <a:t>3581(8)</a:t>
+                        <a:t>2630.4</a:t>
                       </a:r>
                     </a:p>
                   </a:txBody>
@@ -12273,7 +12232,7 @@
                     <a:p>
                       <a:r>
                         <a:rPr lang="de-DE" sz="1800" dirty="0"/>
-                        <a:t>6991(30)</a:t>
+                        <a:t>-</a:t>
                       </a:r>
                     </a:p>
                   </a:txBody>
@@ -12296,7 +12255,7 @@
                     <a:p>
                       <a:r>
                         <a:rPr lang="de-DE" sz="1800" dirty="0"/>
-                        <a:t>10246(32)</a:t>
+                        <a:t>-</a:t>
                       </a:r>
                     </a:p>
                   </a:txBody>
@@ -12345,8 +12304,8 @@
           </a:graphicData>
         </a:graphic>
       </p:graphicFrame>
-      <mc:AlternateContent xmlns:mc="http://schemas.openxmlformats.org/markup-compatibility/2006">
-        <mc:Choice xmlns:a14="http://schemas.microsoft.com/office/drawing/2010/main" Requires="a14">
+      <mc:AlternateContent xmlns:mc="http://schemas.openxmlformats.org/markup-compatibility/2006" xmlns:a14="http://schemas.microsoft.com/office/drawing/2010/main">
+        <mc:Choice Requires="a14">
           <p:sp>
             <p:nvSpPr>
               <p:cNvPr id="49" name="Textfeld 48">
@@ -12423,7 +12382,7 @@
             </p:txBody>
           </p:sp>
         </mc:Choice>
-        <mc:Fallback>
+        <mc:Fallback xmlns="">
           <p:sp>
             <p:nvSpPr>
               <p:cNvPr id="49" name="Textfeld 48">
@@ -12468,8 +12427,8 @@
           </p:sp>
         </mc:Fallback>
       </mc:AlternateContent>
-      <mc:AlternateContent xmlns:mc="http://schemas.openxmlformats.org/markup-compatibility/2006">
-        <mc:Choice xmlns:a14="http://schemas.microsoft.com/office/drawing/2010/main" Requires="a14">
+      <mc:AlternateContent xmlns:mc="http://schemas.openxmlformats.org/markup-compatibility/2006" xmlns:a14="http://schemas.microsoft.com/office/drawing/2010/main">
+        <mc:Choice Requires="a14">
           <p:sp>
             <p:nvSpPr>
               <p:cNvPr id="50" name="Textfeld 49">
@@ -12564,7 +12523,7 @@
             </p:txBody>
           </p:sp>
         </mc:Choice>
-        <mc:Fallback>
+        <mc:Fallback xmlns="">
           <p:sp>
             <p:nvSpPr>
               <p:cNvPr id="50" name="Textfeld 49">
@@ -12609,8 +12568,8 @@
           </p:sp>
         </mc:Fallback>
       </mc:AlternateContent>
-      <mc:AlternateContent xmlns:mc="http://schemas.openxmlformats.org/markup-compatibility/2006">
-        <mc:Choice xmlns:a14="http://schemas.microsoft.com/office/drawing/2010/main" Requires="a14">
+      <mc:AlternateContent xmlns:mc="http://schemas.openxmlformats.org/markup-compatibility/2006" xmlns:a14="http://schemas.microsoft.com/office/drawing/2010/main">
+        <mc:Choice Requires="a14">
           <p:sp>
             <p:nvSpPr>
               <p:cNvPr id="52" name="Textfeld 51">
@@ -13266,7 +13225,7 @@
             </p:txBody>
           </p:sp>
         </mc:Choice>
-        <mc:Fallback>
+        <mc:Fallback xmlns="">
           <p:sp>
             <p:nvSpPr>
               <p:cNvPr id="52" name="Textfeld 51">
@@ -13327,7 +13286,7 @@
             </p:nvSpPr>
             <p:spPr>
               <a:xfrm>
-                <a:off x="32891083" y="22184283"/>
+                <a:off x="32784010" y="22099139"/>
                 <a:ext cx="8961986" cy="1015663"/>
               </a:xfrm>
               <a:prstGeom prst="rect">
@@ -13395,16 +13354,7 @@
                       <a:rPr lang="de-AT" sz="2000" b="0" i="0" noProof="1" smtClean="0">
                         <a:latin typeface="Cambria Math" panose="02040503050406030204" pitchFamily="18" charset="0"/>
                       </a:rPr>
-                      <m:t>COO</m:t>
-                    </m:r>
-                    <m:r>
-                      <m:rPr>
-                        <m:sty m:val="p"/>
-                      </m:rPr>
-                      <a:rPr lang="de-AT" sz="2000" b="0" i="0" noProof="1" smtClean="0">
-                        <a:latin typeface="Cambria Math" panose="02040503050406030204" pitchFamily="18" charset="0"/>
-                      </a:rPr>
-                      <m:t>D</m:t>
+                      <m:t>COOD</m:t>
                     </m:r>
                   </m:oMath>
                 </a14:m>
@@ -13433,7 +13383,7 @@
             </p:nvSpPr>
             <p:spPr>
               <a:xfrm>
-                <a:off x="32891083" y="22184283"/>
+                <a:off x="32784010" y="22099139"/>
                 <a:ext cx="8961986" cy="1015663"/>
               </a:xfrm>
               <a:prstGeom prst="rect">
@@ -13442,7 +13392,7 @@
               <a:blipFill>
                 <a:blip r:embed="rId23"/>
                 <a:stretch>
-                  <a:fillRect l="-850" t="-1235" b="-9877"/>
+                  <a:fillRect l="-707" t="-2469" b="-8642"/>
                 </a:stretch>
               </a:blipFill>
             </p:spPr>
@@ -13578,8 +13528,8 @@
           </a:p>
         </p:txBody>
       </p:sp>
-      <mc:AlternateContent xmlns:mc="http://schemas.openxmlformats.org/markup-compatibility/2006">
-        <mc:Choice xmlns:a14="http://schemas.microsoft.com/office/drawing/2010/main" Requires="a14">
+      <mc:AlternateContent xmlns:mc="http://schemas.openxmlformats.org/markup-compatibility/2006" xmlns:a14="http://schemas.microsoft.com/office/drawing/2010/main">
+        <mc:Choice Requires="a14">
           <p:graphicFrame>
             <p:nvGraphicFramePr>
               <p:cNvPr id="77" name="Tabelle 76">
@@ -13829,6 +13779,7 @@
                         <a:bodyPr/>
                         <a:lstStyle/>
                         <a:p>
+                          <a:pPr/>
                           <a14:m>
                             <m:oMathPara xmlns:m="http://schemas.openxmlformats.org/officeDocument/2006/math">
                               <m:oMathParaPr>
@@ -13981,6 +13932,7 @@
                         <a:bodyPr/>
                         <a:lstStyle/>
                         <a:p>
+                          <a:pPr/>
                           <a14:m>
                             <m:oMathPara xmlns:m="http://schemas.openxmlformats.org/officeDocument/2006/math">
                               <m:oMathParaPr>
@@ -14115,7 +14067,7 @@
             </a:graphic>
           </p:graphicFrame>
         </mc:Choice>
-        <mc:Fallback>
+        <mc:Fallback xmlns="">
           <p:graphicFrame>
             <p:nvGraphicFramePr>
               <p:cNvPr id="77" name="Tabelle 76">
@@ -14601,8 +14553,8 @@
           </a:p>
         </p:txBody>
       </p:sp>
-      <mc:AlternateContent xmlns:mc="http://schemas.openxmlformats.org/markup-compatibility/2006">
-        <mc:Choice xmlns:a14="http://schemas.microsoft.com/office/drawing/2010/main" Requires="a14">
+      <mc:AlternateContent xmlns:mc="http://schemas.openxmlformats.org/markup-compatibility/2006" xmlns:a14="http://schemas.microsoft.com/office/drawing/2010/main">
+        <mc:Choice Requires="a14">
           <p:sp>
             <p:nvSpPr>
               <p:cNvPr id="9" name="Textfeld 8">
@@ -14903,7 +14855,7 @@
             </p:txBody>
           </p:sp>
         </mc:Choice>
-        <mc:Fallback>
+        <mc:Fallback xmlns="">
           <p:sp>
             <p:nvSpPr>
               <p:cNvPr id="9" name="Textfeld 8">
@@ -15381,8 +15333,8 @@
           </a:prstGeom>
         </p:spPr>
       </p:pic>
-      <mc:AlternateContent xmlns:mc="http://schemas.openxmlformats.org/markup-compatibility/2006">
-        <mc:Choice xmlns:a14="http://schemas.microsoft.com/office/drawing/2010/main" Requires="a14">
+      <mc:AlternateContent xmlns:mc="http://schemas.openxmlformats.org/markup-compatibility/2006" xmlns:a14="http://schemas.microsoft.com/office/drawing/2010/main">
+        <mc:Choice Requires="a14">
           <p:sp>
             <p:nvSpPr>
               <p:cNvPr id="32" name="Textfeld 31">
@@ -15417,6 +15369,7 @@
                 </a:r>
               </a:p>
               <a:p>
+                <a:pPr/>
                 <a14:m>
                   <m:oMathPara xmlns:m="http://schemas.openxmlformats.org/officeDocument/2006/math">
                     <m:oMathParaPr>
@@ -15601,7 +15554,7 @@
             </p:txBody>
           </p:sp>
         </mc:Choice>
-        <mc:Fallback>
+        <mc:Fallback xmlns="">
           <p:sp>
             <p:nvSpPr>
               <p:cNvPr id="32" name="Textfeld 31">
@@ -15678,7 +15631,7 @@
               <a:p>
                 <a:r>
                   <a:rPr lang="en-US" sz="2000" b="1" noProof="1"/>
-                  <a:t>Tab 4: </a:t>
+                  <a:t>Tab 5: </a:t>
                 </a:r>
                 <a:r>
                   <a:rPr lang="en-US" sz="2000" noProof="1"/>
@@ -15747,8 +15700,8 @@
           </p:sp>
         </mc:Fallback>
       </mc:AlternateContent>
-      <mc:AlternateContent xmlns:mc="http://schemas.openxmlformats.org/markup-compatibility/2006">
-        <mc:Choice xmlns:a14="http://schemas.microsoft.com/office/drawing/2010/main" Requires="a14">
+      <mc:AlternateContent xmlns:mc="http://schemas.openxmlformats.org/markup-compatibility/2006" xmlns:a14="http://schemas.microsoft.com/office/drawing/2010/main">
+        <mc:Choice Requires="a14">
           <p:sp>
             <p:nvSpPr>
               <p:cNvPr id="38" name="Textfeld 37">
@@ -15818,7 +15771,7 @@
             </p:txBody>
           </p:sp>
         </mc:Choice>
-        <mc:Fallback>
+        <mc:Fallback xmlns="">
           <p:sp>
             <p:nvSpPr>
               <p:cNvPr id="38" name="Textfeld 37">
@@ -15878,7 +15831,7 @@
         <p:spPr>
           <a:xfrm>
             <a:off x="23375627" y="15761202"/>
-            <a:ext cx="18353233" cy="830997"/>
+            <a:ext cx="18353233" cy="1200329"/>
           </a:xfrm>
           <a:prstGeom prst="rect">
             <a:avLst/>
@@ -16086,6 +16039,214 @@
             <a:r>
               <a:rPr lang="de-DE" sz="2400" dirty="0"/>
               <a:t>. </a:t>
+            </a:r>
+            <a:r>
+              <a:rPr lang="de-DE" sz="2400" dirty="0" err="1"/>
+              <a:t>One</a:t>
+            </a:r>
+            <a:r>
+              <a:rPr lang="de-DE" sz="2400" dirty="0"/>
+              <a:t> </a:t>
+            </a:r>
+            <a:r>
+              <a:rPr lang="de-DE" sz="2400" dirty="0" err="1"/>
+              <a:t>thing</a:t>
+            </a:r>
+            <a:r>
+              <a:rPr lang="de-DE" sz="2400" dirty="0"/>
+              <a:t> </a:t>
+            </a:r>
+            <a:r>
+              <a:rPr lang="de-DE" sz="2400" dirty="0" err="1"/>
+              <a:t>to</a:t>
+            </a:r>
+            <a:r>
+              <a:rPr lang="de-DE" sz="2400" dirty="0"/>
+              <a:t> </a:t>
+            </a:r>
+            <a:r>
+              <a:rPr lang="de-DE" sz="2400" dirty="0" err="1"/>
+              <a:t>note</a:t>
+            </a:r>
+            <a:r>
+              <a:rPr lang="de-DE" sz="2400" dirty="0"/>
+              <a:t> </a:t>
+            </a:r>
+            <a:r>
+              <a:rPr lang="de-DE" sz="2400" dirty="0" err="1"/>
+              <a:t>here</a:t>
+            </a:r>
+            <a:r>
+              <a:rPr lang="de-DE" sz="2400" dirty="0"/>
+              <a:t> </a:t>
+            </a:r>
+            <a:r>
+              <a:rPr lang="de-DE" sz="2400" dirty="0" err="1"/>
+              <a:t>is</a:t>
+            </a:r>
+            <a:r>
+              <a:rPr lang="de-DE" sz="2400" dirty="0"/>
+              <a:t> </a:t>
+            </a:r>
+            <a:r>
+              <a:rPr lang="de-DE" sz="2400" dirty="0" err="1"/>
+              <a:t>the</a:t>
+            </a:r>
+            <a:r>
+              <a:rPr lang="de-DE" sz="2400" dirty="0"/>
+              <a:t> </a:t>
+            </a:r>
+            <a:r>
+              <a:rPr lang="de-DE" sz="2400" dirty="0" err="1"/>
+              <a:t>anharmonicity</a:t>
+            </a:r>
+            <a:r>
+              <a:rPr lang="de-DE" sz="2400" dirty="0"/>
+              <a:t> </a:t>
+            </a:r>
+            <a:r>
+              <a:rPr lang="de-DE" sz="2400" dirty="0" err="1"/>
+              <a:t>of</a:t>
+            </a:r>
+            <a:r>
+              <a:rPr lang="de-DE" sz="2400" dirty="0"/>
+              <a:t> </a:t>
+            </a:r>
+            <a:r>
+              <a:rPr lang="de-DE" sz="2400" dirty="0" err="1"/>
+              <a:t>the</a:t>
+            </a:r>
+            <a:r>
+              <a:rPr lang="de-DE" sz="2400" dirty="0"/>
+              <a:t> PES. </a:t>
+            </a:r>
+            <a:r>
+              <a:rPr lang="de-DE" sz="2400" dirty="0" err="1"/>
+              <a:t>For</a:t>
+            </a:r>
+            <a:r>
+              <a:rPr lang="de-DE" sz="2400" dirty="0"/>
+              <a:t> </a:t>
+            </a:r>
+            <a:r>
+              <a:rPr lang="de-DE" sz="2400" dirty="0" err="1"/>
+              <a:t>more</a:t>
+            </a:r>
+            <a:r>
+              <a:rPr lang="de-DE" sz="2400" dirty="0"/>
+              <a:t> </a:t>
+            </a:r>
+            <a:r>
+              <a:rPr lang="de-DE" sz="2400" dirty="0" err="1"/>
+              <a:t>complicated</a:t>
+            </a:r>
+            <a:r>
+              <a:rPr lang="de-DE" sz="2400" dirty="0"/>
+              <a:t> </a:t>
+            </a:r>
+            <a:r>
+              <a:rPr lang="de-DE" sz="2400" dirty="0" err="1"/>
+              <a:t>chemical</a:t>
+            </a:r>
+            <a:r>
+              <a:rPr lang="de-DE" sz="2400" dirty="0"/>
+              <a:t> </a:t>
+            </a:r>
+            <a:r>
+              <a:rPr lang="de-DE" sz="2400" dirty="0" err="1"/>
+              <a:t>systems</a:t>
+            </a:r>
+            <a:r>
+              <a:rPr lang="de-DE" sz="2400" dirty="0"/>
+              <a:t>, </a:t>
+            </a:r>
+            <a:r>
+              <a:rPr lang="de-DE" sz="2400" dirty="0" err="1"/>
+              <a:t>effect</a:t>
+            </a:r>
+            <a:r>
+              <a:rPr lang="de-DE" sz="2400" dirty="0"/>
+              <a:t> like </a:t>
+            </a:r>
+            <a:r>
+              <a:rPr lang="de-DE" sz="2400" dirty="0" err="1"/>
+              <a:t>mode</a:t>
+            </a:r>
+            <a:r>
+              <a:rPr lang="de-DE" sz="2400" dirty="0"/>
+              <a:t> </a:t>
+            </a:r>
+            <a:r>
+              <a:rPr lang="de-DE" sz="2400" dirty="0" err="1"/>
+              <a:t>coupling</a:t>
+            </a:r>
+            <a:r>
+              <a:rPr lang="de-DE" sz="2400" dirty="0"/>
+              <a:t> </a:t>
+            </a:r>
+            <a:r>
+              <a:rPr lang="de-DE" sz="2400" dirty="0" err="1"/>
+              <a:t>become</a:t>
+            </a:r>
+            <a:r>
+              <a:rPr lang="de-DE" sz="2400" dirty="0"/>
+              <a:t> </a:t>
+            </a:r>
+            <a:r>
+              <a:rPr lang="de-DE" sz="2400" dirty="0" err="1"/>
+              <a:t>more</a:t>
+            </a:r>
+            <a:r>
+              <a:rPr lang="de-DE" sz="2400"/>
+              <a:t> dominant, </a:t>
+            </a:r>
+            <a:r>
+              <a:rPr lang="de-DE" sz="2400" dirty="0" err="1"/>
+              <a:t>making</a:t>
+            </a:r>
+            <a:r>
+              <a:rPr lang="de-DE" sz="2400" dirty="0"/>
+              <a:t> </a:t>
+            </a:r>
+            <a:r>
+              <a:rPr lang="de-DE" sz="2400" dirty="0" err="1"/>
+              <a:t>the</a:t>
+            </a:r>
+            <a:r>
+              <a:rPr lang="de-DE" sz="2400" dirty="0"/>
+              <a:t> </a:t>
+            </a:r>
+            <a:r>
+              <a:rPr lang="de-DE" sz="2400" dirty="0" err="1"/>
+              <a:t>harmonic</a:t>
+            </a:r>
+            <a:r>
+              <a:rPr lang="de-DE" sz="2400" dirty="0"/>
+              <a:t> </a:t>
+            </a:r>
+            <a:r>
+              <a:rPr lang="de-DE" sz="2400" dirty="0" err="1"/>
+              <a:t>approximation</a:t>
+            </a:r>
+            <a:r>
+              <a:rPr lang="de-DE" sz="2400" dirty="0"/>
+              <a:t> </a:t>
+            </a:r>
+            <a:r>
+              <a:rPr lang="de-DE" sz="2400" dirty="0" err="1"/>
+              <a:t>less</a:t>
+            </a:r>
+            <a:r>
+              <a:rPr lang="de-DE" sz="2400" dirty="0"/>
+              <a:t> </a:t>
+            </a:r>
+            <a:r>
+              <a:rPr lang="de-DE" sz="2400" dirty="0" err="1"/>
+              <a:t>precise</a:t>
+            </a:r>
+            <a:r>
+              <a:rPr lang="de-DE" sz="2400" dirty="0"/>
+              <a:t>.</a:t>
             </a:r>
           </a:p>
         </p:txBody>
@@ -16124,7 +16285,7 @@
             </a:r>
             <a:r>
               <a:rPr lang="en-US" sz="2000" noProof="1"/>
-              <a:t>Comparison of the frequencies obtained by Gaussian, the harmonic fit, and the Numervo’s method with experimental date (FTIR) for trans-CH</a:t>
+              <a:t>Comparison of the frequencies obtained by Gaussian, the harmonic fit, and the Numervo’s method with experimental data (FTIR) for trans-CH</a:t>
             </a:r>
             <a:r>
               <a:rPr lang="en-US" sz="2000" baseline="-25000" noProof="1"/>
@@ -16462,8 +16623,8 @@
         </p:nvSpPr>
         <p:spPr>
           <a:xfrm>
-            <a:off x="32847017" y="23307029"/>
-            <a:ext cx="8961986" cy="707886"/>
+            <a:off x="32783738" y="23282817"/>
+            <a:ext cx="10040134" cy="707886"/>
           </a:xfrm>
           <a:prstGeom prst="rect">
             <a:avLst/>
@@ -16482,7 +16643,15 @@
             </a:r>
             <a:r>
               <a:rPr lang="en-US" sz="2000" noProof="1"/>
-              <a:t>Comparison of the frequencies obtained by Gaussian, the harmonic fit, and the Numervo’s method with experimental date (FTIR) for trans-CH</a:t>
+              <a:t>Comparison of the frequencies obtained by Gaussian, the harmonic fit, and the Numervo’s method with experimental data (*FTIR, trans-CD</a:t>
+            </a:r>
+            <a:r>
+              <a:rPr lang="en-US" sz="2000" baseline="-25000" noProof="1"/>
+              <a:t>3</a:t>
+            </a:r>
+            <a:r>
+              <a:rPr lang="en-US" sz="2000" noProof="1"/>
+              <a:t>COOD) for trans-CH</a:t>
             </a:r>
             <a:r>
               <a:rPr lang="en-US" sz="2000" baseline="-25000" noProof="1"/>
@@ -16509,8 +16678,8 @@
         </p:nvSpPr>
         <p:spPr>
           <a:xfrm>
-            <a:off x="32792169" y="26760223"/>
-            <a:ext cx="9106127" cy="461665"/>
+            <a:off x="32891083" y="26687050"/>
+            <a:ext cx="9461589" cy="1938992"/>
           </a:xfrm>
           <a:prstGeom prst="rect">
             <a:avLst/>
@@ -16525,16 +16694,2761 @@
           <a:p>
             <a:r>
               <a:rPr lang="de-DE" sz="2400" dirty="0"/>
-              <a:t>Add </a:t>
-            </a:r>
-            <a:r>
-              <a:rPr lang="de-DE" sz="2400"/>
-              <a:t>text</a:t>
-            </a:r>
-            <a:endParaRPr lang="de-DE" sz="2400" dirty="0"/>
+              <a:t>Here </a:t>
+            </a:r>
+            <a:r>
+              <a:rPr lang="de-DE" sz="2400" dirty="0" err="1"/>
+              <a:t>with</a:t>
+            </a:r>
+            <a:r>
+              <a:rPr lang="de-DE" sz="2400" dirty="0"/>
+              <a:t> a </a:t>
+            </a:r>
+            <a:r>
+              <a:rPr lang="de-DE" sz="2400" dirty="0" err="1"/>
+              <a:t>deviation</a:t>
+            </a:r>
+            <a:r>
+              <a:rPr lang="de-DE" sz="2400" dirty="0"/>
+              <a:t> </a:t>
+            </a:r>
+            <a:r>
+              <a:rPr lang="de-DE" sz="2400" dirty="0" err="1"/>
+              <a:t>of</a:t>
+            </a:r>
+            <a:r>
+              <a:rPr lang="de-DE" sz="2400" dirty="0"/>
+              <a:t> 99.58 cm</a:t>
+            </a:r>
+            <a:r>
+              <a:rPr lang="de-DE" sz="2400" baseline="30000" dirty="0"/>
+              <a:t>-1</a:t>
+            </a:r>
+            <a:r>
+              <a:rPr lang="de-DE" sz="2400" dirty="0"/>
+              <a:t>  (3.79 %) </a:t>
+            </a:r>
+            <a:r>
+              <a:rPr lang="de-DE" sz="2400" dirty="0" err="1"/>
+              <a:t>the</a:t>
+            </a:r>
+            <a:r>
+              <a:rPr lang="de-DE" sz="2400" dirty="0"/>
+              <a:t> </a:t>
+            </a:r>
+            <a:r>
+              <a:rPr lang="de-DE" sz="2400" dirty="0" err="1"/>
+              <a:t>frequencies</a:t>
+            </a:r>
+            <a:r>
+              <a:rPr lang="de-DE" sz="2400" dirty="0"/>
+              <a:t> </a:t>
+            </a:r>
+            <a:r>
+              <a:rPr lang="de-DE" sz="2400" dirty="0" err="1"/>
+              <a:t>obtained</a:t>
+            </a:r>
+            <a:r>
+              <a:rPr lang="de-DE" sz="2400" dirty="0"/>
+              <a:t> </a:t>
+            </a:r>
+            <a:r>
+              <a:rPr lang="de-DE" sz="2400" dirty="0" err="1"/>
+              <a:t>from</a:t>
+            </a:r>
+            <a:r>
+              <a:rPr lang="de-DE" sz="2400" dirty="0"/>
+              <a:t> </a:t>
+            </a:r>
+            <a:r>
+              <a:rPr lang="de-DE" sz="2400" dirty="0" err="1"/>
+              <a:t>Gaussian</a:t>
+            </a:r>
+            <a:r>
+              <a:rPr lang="de-DE" sz="2400" dirty="0"/>
+              <a:t> perform </a:t>
+            </a:r>
+            <a:r>
+              <a:rPr lang="de-DE" sz="2400" dirty="0" err="1"/>
+              <a:t>the</a:t>
+            </a:r>
+            <a:r>
+              <a:rPr lang="de-DE" sz="2400" dirty="0"/>
+              <a:t> </a:t>
+            </a:r>
+            <a:r>
+              <a:rPr lang="de-DE" sz="2400" dirty="0" err="1"/>
+              <a:t>best</a:t>
+            </a:r>
+            <a:r>
+              <a:rPr lang="de-DE" sz="2400" dirty="0"/>
+              <a:t> in </a:t>
+            </a:r>
+            <a:r>
+              <a:rPr lang="de-DE" sz="2400" dirty="0" err="1"/>
+              <a:t>respect</a:t>
+            </a:r>
+            <a:r>
+              <a:rPr lang="de-DE" sz="2400" dirty="0"/>
+              <a:t> </a:t>
+            </a:r>
+            <a:r>
+              <a:rPr lang="de-DE" sz="2400" dirty="0" err="1"/>
+              <a:t>to</a:t>
+            </a:r>
+            <a:r>
+              <a:rPr lang="de-DE" sz="2400" dirty="0"/>
+              <a:t> </a:t>
+            </a:r>
+            <a:r>
+              <a:rPr lang="de-DE" sz="2400" dirty="0" err="1"/>
+              <a:t>the</a:t>
+            </a:r>
+            <a:r>
+              <a:rPr lang="de-DE" sz="2400" dirty="0"/>
+              <a:t> experimental </a:t>
+            </a:r>
+            <a:r>
+              <a:rPr lang="de-DE" sz="2400" dirty="0" err="1"/>
+              <a:t>data</a:t>
+            </a:r>
+            <a:r>
+              <a:rPr lang="de-DE" sz="2400" dirty="0"/>
+              <a:t>. The experimental </a:t>
+            </a:r>
+            <a:r>
+              <a:rPr lang="de-DE" sz="2400" dirty="0" err="1"/>
+              <a:t>data</a:t>
+            </a:r>
+            <a:r>
+              <a:rPr lang="de-DE" sz="2400" dirty="0"/>
+              <a:t> </a:t>
+            </a:r>
+            <a:r>
+              <a:rPr lang="de-DE" sz="2400" dirty="0" err="1"/>
+              <a:t>comes</a:t>
+            </a:r>
+            <a:r>
+              <a:rPr lang="de-DE" sz="2400" dirty="0"/>
+              <a:t> </a:t>
+            </a:r>
+            <a:r>
+              <a:rPr lang="de-DE" sz="2400" dirty="0" err="1"/>
+              <a:t>from</a:t>
+            </a:r>
+            <a:r>
+              <a:rPr lang="de-DE" sz="2400" dirty="0"/>
+              <a:t> a FTIR </a:t>
+            </a:r>
+            <a:r>
+              <a:rPr lang="de-DE" sz="2400" dirty="0" err="1"/>
+              <a:t>measurement</a:t>
+            </a:r>
+            <a:r>
+              <a:rPr lang="de-DE" sz="2400" dirty="0"/>
+              <a:t> in a  Ar </a:t>
+            </a:r>
+            <a:r>
+              <a:rPr lang="de-DE" sz="2400" dirty="0" err="1"/>
+              <a:t>matrix</a:t>
+            </a:r>
+            <a:r>
+              <a:rPr lang="de-DE" sz="2400" dirty="0"/>
+              <a:t> at 8K. The </a:t>
+            </a:r>
+            <a:r>
+              <a:rPr lang="de-DE" sz="2400" dirty="0" err="1"/>
+              <a:t>smaller</a:t>
+            </a:r>
+            <a:r>
+              <a:rPr lang="de-DE" sz="2400" dirty="0"/>
+              <a:t> </a:t>
+            </a:r>
+            <a:r>
+              <a:rPr lang="de-DE" sz="2400" dirty="0" err="1"/>
+              <a:t>deviation</a:t>
+            </a:r>
+            <a:r>
+              <a:rPr lang="de-DE" sz="2400" dirty="0"/>
+              <a:t> </a:t>
+            </a:r>
+            <a:r>
+              <a:rPr lang="de-DE" sz="2400" dirty="0" err="1"/>
+              <a:t>of</a:t>
+            </a:r>
+            <a:r>
+              <a:rPr lang="de-DE" sz="2400" dirty="0"/>
+              <a:t> </a:t>
+            </a:r>
+            <a:r>
+              <a:rPr lang="de-DE" sz="2400" dirty="0" err="1"/>
+              <a:t>the</a:t>
+            </a:r>
+            <a:r>
+              <a:rPr lang="de-DE" sz="2400" dirty="0"/>
+              <a:t> </a:t>
+            </a:r>
+            <a:r>
+              <a:rPr lang="de-DE" sz="2400" dirty="0" err="1"/>
+              <a:t>harmonic</a:t>
+            </a:r>
+            <a:r>
+              <a:rPr lang="de-DE" sz="2400" dirty="0"/>
+              <a:t> </a:t>
+            </a:r>
+            <a:r>
+              <a:rPr lang="de-DE" sz="2400" dirty="0" err="1"/>
+              <a:t>Gaussian</a:t>
+            </a:r>
+            <a:r>
+              <a:rPr lang="de-DE" sz="2400" dirty="0"/>
+              <a:t> </a:t>
+            </a:r>
+            <a:r>
+              <a:rPr lang="de-DE" sz="2400" dirty="0" err="1"/>
+              <a:t>result</a:t>
+            </a:r>
+            <a:r>
+              <a:rPr lang="de-DE" sz="2400" dirty="0"/>
+              <a:t> </a:t>
+            </a:r>
+            <a:r>
+              <a:rPr lang="de-DE" sz="2400" dirty="0" err="1"/>
+              <a:t>could</a:t>
+            </a:r>
+            <a:r>
+              <a:rPr lang="de-DE" sz="2400" dirty="0"/>
+              <a:t> </a:t>
+            </a:r>
+            <a:r>
+              <a:rPr lang="de-DE" sz="2400" dirty="0" err="1"/>
+              <a:t>be</a:t>
+            </a:r>
+            <a:r>
+              <a:rPr lang="de-DE" sz="2400" dirty="0"/>
+              <a:t> a </a:t>
+            </a:r>
+            <a:r>
+              <a:rPr lang="de-DE" sz="2400" dirty="0" err="1"/>
+              <a:t>error</a:t>
+            </a:r>
+            <a:r>
+              <a:rPr lang="de-DE" sz="2400" dirty="0"/>
+              <a:t> </a:t>
+            </a:r>
+            <a:r>
+              <a:rPr lang="de-DE" sz="2400" dirty="0" err="1"/>
+              <a:t>cancellation</a:t>
+            </a:r>
+            <a:r>
+              <a:rPr lang="de-DE" sz="2400" dirty="0"/>
+              <a:t> </a:t>
+            </a:r>
+            <a:r>
+              <a:rPr lang="de-DE" sz="2400" dirty="0" err="1"/>
+              <a:t>of</a:t>
+            </a:r>
+            <a:r>
+              <a:rPr lang="de-DE" sz="2400" dirty="0"/>
+              <a:t> </a:t>
+            </a:r>
+            <a:r>
+              <a:rPr lang="de-DE" sz="2400" dirty="0" err="1"/>
+              <a:t>error</a:t>
+            </a:r>
+            <a:r>
+              <a:rPr lang="de-DE" sz="2400" dirty="0"/>
+              <a:t> </a:t>
+            </a:r>
+            <a:r>
+              <a:rPr lang="de-DE" sz="2400" dirty="0" err="1"/>
+              <a:t>compensation</a:t>
+            </a:r>
+            <a:r>
+              <a:rPr lang="de-DE" sz="2400" dirty="0"/>
+              <a:t>.</a:t>
+            </a:r>
           </a:p>
         </p:txBody>
       </p:sp>
+      <mc:AlternateContent xmlns:mc="http://schemas.openxmlformats.org/markup-compatibility/2006">
+        <mc:Choice xmlns:a14="http://schemas.microsoft.com/office/drawing/2010/main" Requires="a14">
+          <p:graphicFrame>
+            <p:nvGraphicFramePr>
+              <p:cNvPr id="2" name="Tabelle 1">
+                <a:extLst>
+                  <a:ext uri="{FF2B5EF4-FFF2-40B4-BE49-F238E27FC236}">
+                    <a16:creationId xmlns:a16="http://schemas.microsoft.com/office/drawing/2014/main" id="{1EB89687-3C14-8615-54F7-D546E15E2C6B}"/>
+                  </a:ext>
+                </a:extLst>
+              </p:cNvPr>
+              <p:cNvGraphicFramePr>
+                <a:graphicFrameLocks noGrp="1"/>
+              </p:cNvGraphicFramePr>
+              <p:nvPr>
+                <p:extLst>
+                  <p:ext uri="{D42A27DB-BD31-4B8C-83A1-F6EECF244321}">
+                    <p14:modId xmlns:p14="http://schemas.microsoft.com/office/powerpoint/2010/main" val="149713825"/>
+                  </p:ext>
+                </p:extLst>
+              </p:nvPr>
+            </p:nvGraphicFramePr>
+            <p:xfrm>
+              <a:off x="20160036" y="9877025"/>
+              <a:ext cx="6891199" cy="3038868"/>
+            </p:xfrm>
+            <a:graphic>
+              <a:graphicData uri="http://schemas.openxmlformats.org/drawingml/2006/table">
+                <a:tbl>
+                  <a:tblPr firstRow="1" bandRow="1">
+                    <a:tableStyleId>{9D7B26C5-4107-4FEC-AEDC-1716B250A1EF}</a:tableStyleId>
+                  </a:tblPr>
+                  <a:tblGrid>
+                    <a:gridCol w="763588">
+                      <a:extLst>
+                        <a:ext uri="{9D8B030D-6E8A-4147-A177-3AD203B41FA5}">
+                          <a16:colId xmlns:a16="http://schemas.microsoft.com/office/drawing/2014/main" val="979508158"/>
+                        </a:ext>
+                      </a:extLst>
+                    </a:gridCol>
+                    <a:gridCol w="1192575">
+                      <a:extLst>
+                        <a:ext uri="{9D8B030D-6E8A-4147-A177-3AD203B41FA5}">
+                          <a16:colId xmlns:a16="http://schemas.microsoft.com/office/drawing/2014/main" val="2839578664"/>
+                        </a:ext>
+                      </a:extLst>
+                    </a:gridCol>
+                    <a:gridCol w="1164328">
+                      <a:extLst>
+                        <a:ext uri="{9D8B030D-6E8A-4147-A177-3AD203B41FA5}">
+                          <a16:colId xmlns:a16="http://schemas.microsoft.com/office/drawing/2014/main" val="427621495"/>
+                        </a:ext>
+                      </a:extLst>
+                    </a:gridCol>
+                    <a:gridCol w="1175008">
+                      <a:extLst>
+                        <a:ext uri="{9D8B030D-6E8A-4147-A177-3AD203B41FA5}">
+                          <a16:colId xmlns:a16="http://schemas.microsoft.com/office/drawing/2014/main" val="586868843"/>
+                        </a:ext>
+                      </a:extLst>
+                    </a:gridCol>
+                    <a:gridCol w="1356600">
+                      <a:extLst>
+                        <a:ext uri="{9D8B030D-6E8A-4147-A177-3AD203B41FA5}">
+                          <a16:colId xmlns:a16="http://schemas.microsoft.com/office/drawing/2014/main" val="180023404"/>
+                        </a:ext>
+                      </a:extLst>
+                    </a:gridCol>
+                    <a:gridCol w="1239100">
+                      <a:extLst>
+                        <a:ext uri="{9D8B030D-6E8A-4147-A177-3AD203B41FA5}">
+                          <a16:colId xmlns:a16="http://schemas.microsoft.com/office/drawing/2014/main" val="2098031944"/>
+                        </a:ext>
+                      </a:extLst>
+                    </a:gridCol>
+                  </a:tblGrid>
+                  <a:tr h="329621">
+                    <a:tc>
+                      <a:txBody>
+                        <a:bodyPr/>
+                        <a:lstStyle/>
+                        <a:p>
+                          <a:endParaRPr lang="de-DE" sz="1800" dirty="0"/>
+                        </a:p>
+                      </a:txBody>
+                      <a:tcPr/>
+                    </a:tc>
+                    <a:tc>
+                      <a:txBody>
+                        <a:bodyPr/>
+                        <a:lstStyle/>
+                        <a:p>
+                          <a:pPr/>
+                          <a14:m>
+                            <m:oMathPara xmlns:m="http://schemas.openxmlformats.org/officeDocument/2006/math">
+                              <m:oMathParaPr>
+                                <m:jc m:val="centerGroup"/>
+                              </m:oMathParaPr>
+                              <m:oMath xmlns:m="http://schemas.openxmlformats.org/officeDocument/2006/math">
+                                <m:sSub>
+                                  <m:sSubPr>
+                                    <m:ctrlPr>
+                                      <a:rPr lang="de-AT" sz="1800" b="0" i="1" smtClean="0">
+                                        <a:latin typeface="Cambria Math" panose="02040503050406030204" pitchFamily="18" charset="0"/>
+                                      </a:rPr>
+                                    </m:ctrlPr>
+                                  </m:sSubPr>
+                                  <m:e>
+                                    <m:r>
+                                      <a:rPr lang="de-AT" sz="1800" b="0" i="1" smtClean="0">
+                                        <a:latin typeface="Cambria Math" panose="02040503050406030204" pitchFamily="18" charset="0"/>
+                                      </a:rPr>
+                                      <m:t>𝜓</m:t>
+                                    </m:r>
+                                  </m:e>
+                                  <m:sub>
+                                    <m:r>
+                                      <a:rPr lang="de-AT" sz="1800" b="0" i="1" smtClean="0">
+                                        <a:latin typeface="Cambria Math" panose="02040503050406030204" pitchFamily="18" charset="0"/>
+                                      </a:rPr>
+                                      <m:t>0</m:t>
+                                    </m:r>
+                                  </m:sub>
+                                </m:sSub>
+                              </m:oMath>
+                            </m:oMathPara>
+                          </a14:m>
+                          <a:endParaRPr lang="de-DE" sz="1800" b="0" dirty="0"/>
+                        </a:p>
+                      </a:txBody>
+                      <a:tcPr/>
+                    </a:tc>
+                    <a:tc>
+                      <a:txBody>
+                        <a:bodyPr/>
+                        <a:lstStyle/>
+                        <a:p>
+                          <a:pPr/>
+                          <a14:m>
+                            <m:oMathPara xmlns:m="http://schemas.openxmlformats.org/officeDocument/2006/math">
+                              <m:oMathParaPr>
+                                <m:jc m:val="centerGroup"/>
+                              </m:oMathParaPr>
+                              <m:oMath xmlns:m="http://schemas.openxmlformats.org/officeDocument/2006/math">
+                                <m:sSub>
+                                  <m:sSubPr>
+                                    <m:ctrlPr>
+                                      <a:rPr lang="de-AT" sz="1800" b="0" i="1" smtClean="0">
+                                        <a:latin typeface="Cambria Math" panose="02040503050406030204" pitchFamily="18" charset="0"/>
+                                      </a:rPr>
+                                    </m:ctrlPr>
+                                  </m:sSubPr>
+                                  <m:e>
+                                    <m:r>
+                                      <a:rPr lang="de-AT" sz="1800" b="0" i="1" smtClean="0">
+                                        <a:latin typeface="Cambria Math" panose="02040503050406030204" pitchFamily="18" charset="0"/>
+                                      </a:rPr>
+                                      <m:t>𝜓</m:t>
+                                    </m:r>
+                                  </m:e>
+                                  <m:sub>
+                                    <m:r>
+                                      <a:rPr lang="de-AT" sz="1800" b="0" i="1" smtClean="0">
+                                        <a:latin typeface="Cambria Math" panose="02040503050406030204" pitchFamily="18" charset="0"/>
+                                      </a:rPr>
+                                      <m:t>1</m:t>
+                                    </m:r>
+                                  </m:sub>
+                                </m:sSub>
+                              </m:oMath>
+                            </m:oMathPara>
+                          </a14:m>
+                          <a:endParaRPr lang="de-DE" sz="1800" b="0" dirty="0"/>
+                        </a:p>
+                      </a:txBody>
+                      <a:tcPr/>
+                    </a:tc>
+                    <a:tc>
+                      <a:txBody>
+                        <a:bodyPr/>
+                        <a:lstStyle/>
+                        <a:p>
+                          <a:pPr/>
+                          <a14:m>
+                            <m:oMathPara xmlns:m="http://schemas.openxmlformats.org/officeDocument/2006/math">
+                              <m:oMathParaPr>
+                                <m:jc m:val="centerGroup"/>
+                              </m:oMathParaPr>
+                              <m:oMath xmlns:m="http://schemas.openxmlformats.org/officeDocument/2006/math">
+                                <m:sSub>
+                                  <m:sSubPr>
+                                    <m:ctrlPr>
+                                      <a:rPr lang="de-AT" sz="1800" b="0" i="1" smtClean="0">
+                                        <a:latin typeface="Cambria Math" panose="02040503050406030204" pitchFamily="18" charset="0"/>
+                                      </a:rPr>
+                                    </m:ctrlPr>
+                                  </m:sSubPr>
+                                  <m:e>
+                                    <m:r>
+                                      <a:rPr lang="de-AT" sz="1800" b="0" i="1" smtClean="0">
+                                        <a:latin typeface="Cambria Math" panose="02040503050406030204" pitchFamily="18" charset="0"/>
+                                      </a:rPr>
+                                      <m:t>𝜓</m:t>
+                                    </m:r>
+                                  </m:e>
+                                  <m:sub>
+                                    <m:r>
+                                      <a:rPr lang="de-AT" sz="1800" b="0" i="1" smtClean="0">
+                                        <a:latin typeface="Cambria Math" panose="02040503050406030204" pitchFamily="18" charset="0"/>
+                                      </a:rPr>
+                                      <m:t>2</m:t>
+                                    </m:r>
+                                  </m:sub>
+                                </m:sSub>
+                              </m:oMath>
+                            </m:oMathPara>
+                          </a14:m>
+                          <a:endParaRPr lang="de-DE" sz="1800" b="0" dirty="0"/>
+                        </a:p>
+                      </a:txBody>
+                      <a:tcPr/>
+                    </a:tc>
+                    <a:tc>
+                      <a:txBody>
+                        <a:bodyPr/>
+                        <a:lstStyle/>
+                        <a:p>
+                          <a:pPr/>
+                          <a14:m>
+                            <m:oMathPara xmlns:m="http://schemas.openxmlformats.org/officeDocument/2006/math">
+                              <m:oMathParaPr>
+                                <m:jc m:val="centerGroup"/>
+                              </m:oMathParaPr>
+                              <m:oMath xmlns:m="http://schemas.openxmlformats.org/officeDocument/2006/math">
+                                <m:sSub>
+                                  <m:sSubPr>
+                                    <m:ctrlPr>
+                                      <a:rPr lang="de-AT" sz="1800" b="0" i="1" smtClean="0">
+                                        <a:latin typeface="Cambria Math" panose="02040503050406030204" pitchFamily="18" charset="0"/>
+                                      </a:rPr>
+                                    </m:ctrlPr>
+                                  </m:sSubPr>
+                                  <m:e>
+                                    <m:r>
+                                      <a:rPr lang="de-AT" sz="1800" b="0" i="1" smtClean="0">
+                                        <a:latin typeface="Cambria Math" panose="02040503050406030204" pitchFamily="18" charset="0"/>
+                                      </a:rPr>
+                                      <m:t>𝜓</m:t>
+                                    </m:r>
+                                  </m:e>
+                                  <m:sub>
+                                    <m:r>
+                                      <a:rPr lang="de-AT" sz="1800" b="0" i="1" smtClean="0">
+                                        <a:latin typeface="Cambria Math" panose="02040503050406030204" pitchFamily="18" charset="0"/>
+                                      </a:rPr>
+                                      <m:t>3</m:t>
+                                    </m:r>
+                                  </m:sub>
+                                </m:sSub>
+                              </m:oMath>
+                            </m:oMathPara>
+                          </a14:m>
+                          <a:endParaRPr lang="de-DE" sz="1800" b="0" dirty="0"/>
+                        </a:p>
+                      </a:txBody>
+                      <a:tcPr/>
+                    </a:tc>
+                    <a:tc>
+                      <a:txBody>
+                        <a:bodyPr/>
+                        <a:lstStyle/>
+                        <a:p>
+                          <a:pPr/>
+                          <a14:m>
+                            <m:oMathPara xmlns:m="http://schemas.openxmlformats.org/officeDocument/2006/math">
+                              <m:oMathParaPr>
+                                <m:jc m:val="centerGroup"/>
+                              </m:oMathParaPr>
+                              <m:oMath xmlns:m="http://schemas.openxmlformats.org/officeDocument/2006/math">
+                                <m:sSub>
+                                  <m:sSubPr>
+                                    <m:ctrlPr>
+                                      <a:rPr lang="de-AT" sz="1800" b="0" i="1" smtClean="0">
+                                        <a:latin typeface="Cambria Math" panose="02040503050406030204" pitchFamily="18" charset="0"/>
+                                      </a:rPr>
+                                    </m:ctrlPr>
+                                  </m:sSubPr>
+                                  <m:e>
+                                    <m:r>
+                                      <a:rPr lang="de-AT" sz="1800" b="0" i="1" smtClean="0">
+                                        <a:latin typeface="Cambria Math" panose="02040503050406030204" pitchFamily="18" charset="0"/>
+                                      </a:rPr>
+                                      <m:t>𝜓</m:t>
+                                    </m:r>
+                                  </m:e>
+                                  <m:sub>
+                                    <m:r>
+                                      <a:rPr lang="de-AT" sz="1800" b="0" i="1" smtClean="0">
+                                        <a:latin typeface="Cambria Math" panose="02040503050406030204" pitchFamily="18" charset="0"/>
+                                      </a:rPr>
+                                      <m:t>4</m:t>
+                                    </m:r>
+                                  </m:sub>
+                                </m:sSub>
+                              </m:oMath>
+                            </m:oMathPara>
+                          </a14:m>
+                          <a:endParaRPr lang="de-DE" sz="1800" b="0" dirty="0"/>
+                        </a:p>
+                      </a:txBody>
+                      <a:tcPr/>
+                    </a:tc>
+                    <a:extLst>
+                      <a:ext uri="{0D108BD9-81ED-4DB2-BD59-A6C34878D82A}">
+                        <a16:rowId xmlns:a16="http://schemas.microsoft.com/office/drawing/2014/main" val="2436444094"/>
+                      </a:ext>
+                    </a:extLst>
+                  </a:tr>
+                  <a:tr h="576837">
+                    <a:tc>
+                      <a:txBody>
+                        <a:bodyPr/>
+                        <a:lstStyle/>
+                        <a:p>
+                          <a:pPr/>
+                          <a14:m>
+                            <m:oMathPara xmlns:m="http://schemas.openxmlformats.org/officeDocument/2006/math">
+                              <m:oMathParaPr>
+                                <m:jc m:val="centerGroup"/>
+                              </m:oMathParaPr>
+                              <m:oMath xmlns:m="http://schemas.openxmlformats.org/officeDocument/2006/math">
+                                <m:sSub>
+                                  <m:sSubPr>
+                                    <m:ctrlPr>
+                                      <a:rPr lang="de-AT" sz="1800" b="0" i="1" smtClean="0">
+                                        <a:latin typeface="Cambria Math" panose="02040503050406030204" pitchFamily="18" charset="0"/>
+                                      </a:rPr>
+                                    </m:ctrlPr>
+                                  </m:sSubPr>
+                                  <m:e>
+                                    <m:r>
+                                      <a:rPr lang="de-AT" sz="1800" b="0" i="1" smtClean="0">
+                                        <a:latin typeface="Cambria Math" panose="02040503050406030204" pitchFamily="18" charset="0"/>
+                                      </a:rPr>
+                                      <m:t>𝜓</m:t>
+                                    </m:r>
+                                  </m:e>
+                                  <m:sub>
+                                    <m:r>
+                                      <a:rPr lang="de-AT" sz="1800" b="0" i="1" smtClean="0">
+                                        <a:latin typeface="Cambria Math" panose="02040503050406030204" pitchFamily="18" charset="0"/>
+                                      </a:rPr>
+                                      <m:t>0</m:t>
+                                    </m:r>
+                                  </m:sub>
+                                </m:sSub>
+                              </m:oMath>
+                            </m:oMathPara>
+                          </a14:m>
+                          <a:endParaRPr lang="de-DE" sz="1800" dirty="0"/>
+                        </a:p>
+                      </a:txBody>
+                      <a:tcPr>
+                        <a:solidFill>
+                          <a:schemeClr val="bg1"/>
+                        </a:solidFill>
+                      </a:tcPr>
+                    </a:tc>
+                    <a:tc>
+                      <a:txBody>
+                        <a:bodyPr/>
+                        <a:lstStyle/>
+                        <a:p>
+                          <a:r>
+                            <a:rPr lang="de-DE" sz="1800" dirty="0"/>
+                            <a:t>1.0</a:t>
+                          </a:r>
+                        </a:p>
+                      </a:txBody>
+                      <a:tcPr>
+                        <a:solidFill>
+                          <a:schemeClr val="bg1">
+                            <a:lumMod val="75000"/>
+                          </a:schemeClr>
+                        </a:solidFill>
+                      </a:tcPr>
+                    </a:tc>
+                    <a:tc>
+                      <a:txBody>
+                        <a:bodyPr/>
+                        <a:lstStyle/>
+                        <a:p>
+                          <a:r>
+                            <a:rPr lang="de-DE" sz="1800" dirty="0"/>
+                            <a:t>3.69E-14</a:t>
+                          </a:r>
+                        </a:p>
+                      </a:txBody>
+                      <a:tcPr>
+                        <a:solidFill>
+                          <a:schemeClr val="bg1"/>
+                        </a:solidFill>
+                      </a:tcPr>
+                    </a:tc>
+                    <a:tc>
+                      <a:txBody>
+                        <a:bodyPr/>
+                        <a:lstStyle/>
+                        <a:p>
+                          <a:r>
+                            <a:rPr lang="de-DE" sz="1800" dirty="0"/>
+                            <a:t>1.75E-14</a:t>
+                          </a:r>
+                        </a:p>
+                      </a:txBody>
+                      <a:tcPr>
+                        <a:solidFill>
+                          <a:schemeClr val="bg1"/>
+                        </a:solidFill>
+                      </a:tcPr>
+                    </a:tc>
+                    <a:tc>
+                      <a:txBody>
+                        <a:bodyPr/>
+                        <a:lstStyle/>
+                        <a:p>
+                          <a:r>
+                            <a:rPr lang="de-DE" sz="1800" dirty="0"/>
+                            <a:t>-2.28E-14</a:t>
+                          </a:r>
+                        </a:p>
+                      </a:txBody>
+                      <a:tcPr>
+                        <a:solidFill>
+                          <a:schemeClr val="bg1"/>
+                        </a:solidFill>
+                      </a:tcPr>
+                    </a:tc>
+                    <a:tc>
+                      <a:txBody>
+                        <a:bodyPr/>
+                        <a:lstStyle/>
+                        <a:p>
+                          <a:r>
+                            <a:rPr lang="de-DE" sz="1800" dirty="0"/>
+                            <a:t>2.26E-14</a:t>
+                          </a:r>
+                        </a:p>
+                      </a:txBody>
+                      <a:tcPr>
+                        <a:solidFill>
+                          <a:schemeClr val="bg1"/>
+                        </a:solidFill>
+                      </a:tcPr>
+                    </a:tc>
+                    <a:extLst>
+                      <a:ext uri="{0D108BD9-81ED-4DB2-BD59-A6C34878D82A}">
+                        <a16:rowId xmlns:a16="http://schemas.microsoft.com/office/drawing/2014/main" val="2787734363"/>
+                      </a:ext>
+                    </a:extLst>
+                  </a:tr>
+                  <a:tr h="576837">
+                    <a:tc>
+                      <a:txBody>
+                        <a:bodyPr/>
+                        <a:lstStyle/>
+                        <a:p>
+                          <a:pPr/>
+                          <a14:m>
+                            <m:oMathPara xmlns:m="http://schemas.openxmlformats.org/officeDocument/2006/math">
+                              <m:oMathParaPr>
+                                <m:jc m:val="centerGroup"/>
+                              </m:oMathParaPr>
+                              <m:oMath xmlns:m="http://schemas.openxmlformats.org/officeDocument/2006/math">
+                                <m:sSub>
+                                  <m:sSubPr>
+                                    <m:ctrlPr>
+                                      <a:rPr lang="de-AT" sz="1800" b="0" i="1" smtClean="0">
+                                        <a:latin typeface="Cambria Math" panose="02040503050406030204" pitchFamily="18" charset="0"/>
+                                      </a:rPr>
+                                    </m:ctrlPr>
+                                  </m:sSubPr>
+                                  <m:e>
+                                    <m:r>
+                                      <a:rPr lang="de-AT" sz="1800" b="0" i="1" smtClean="0">
+                                        <a:latin typeface="Cambria Math" panose="02040503050406030204" pitchFamily="18" charset="0"/>
+                                      </a:rPr>
+                                      <m:t>𝜓</m:t>
+                                    </m:r>
+                                  </m:e>
+                                  <m:sub>
+                                    <m:r>
+                                      <a:rPr lang="de-AT" sz="1800" b="0" i="1" smtClean="0">
+                                        <a:latin typeface="Cambria Math" panose="02040503050406030204" pitchFamily="18" charset="0"/>
+                                      </a:rPr>
+                                      <m:t>1</m:t>
+                                    </m:r>
+                                  </m:sub>
+                                </m:sSub>
+                              </m:oMath>
+                            </m:oMathPara>
+                          </a14:m>
+                          <a:endParaRPr lang="de-DE" sz="1800" dirty="0"/>
+                        </a:p>
+                      </a:txBody>
+                      <a:tcPr>
+                        <a:solidFill>
+                          <a:schemeClr val="bg1"/>
+                        </a:solidFill>
+                      </a:tcPr>
+                    </a:tc>
+                    <a:tc>
+                      <a:txBody>
+                        <a:bodyPr/>
+                        <a:lstStyle/>
+                        <a:p>
+                          <a:r>
+                            <a:rPr lang="de-DE" sz="1800" dirty="0"/>
+                            <a:t>3.59E-14</a:t>
+                          </a:r>
+                        </a:p>
+                      </a:txBody>
+                      <a:tcPr>
+                        <a:solidFill>
+                          <a:schemeClr val="bg1"/>
+                        </a:solidFill>
+                      </a:tcPr>
+                    </a:tc>
+                    <a:tc>
+                      <a:txBody>
+                        <a:bodyPr/>
+                        <a:lstStyle/>
+                        <a:p>
+                          <a:r>
+                            <a:rPr lang="de-DE" sz="1800" dirty="0"/>
+                            <a:t>1.0</a:t>
+                          </a:r>
+                        </a:p>
+                      </a:txBody>
+                      <a:tcPr>
+                        <a:solidFill>
+                          <a:schemeClr val="bg1">
+                            <a:lumMod val="75000"/>
+                          </a:schemeClr>
+                        </a:solidFill>
+                      </a:tcPr>
+                    </a:tc>
+                    <a:tc>
+                      <a:txBody>
+                        <a:bodyPr/>
+                        <a:lstStyle/>
+                        <a:p>
+                          <a:r>
+                            <a:rPr lang="de-DE" sz="1800" dirty="0"/>
+                            <a:t>-8.89E-15</a:t>
+                          </a:r>
+                        </a:p>
+                      </a:txBody>
+                      <a:tcPr>
+                        <a:solidFill>
+                          <a:schemeClr val="bg1"/>
+                        </a:solidFill>
+                      </a:tcPr>
+                    </a:tc>
+                    <a:tc>
+                      <a:txBody>
+                        <a:bodyPr/>
+                        <a:lstStyle/>
+                        <a:p>
+                          <a:r>
+                            <a:rPr lang="de-DE" sz="1800" dirty="0"/>
+                            <a:t>2.43E-14</a:t>
+                          </a:r>
+                        </a:p>
+                      </a:txBody>
+                      <a:tcPr>
+                        <a:solidFill>
+                          <a:schemeClr val="bg1"/>
+                        </a:solidFill>
+                      </a:tcPr>
+                    </a:tc>
+                    <a:tc>
+                      <a:txBody>
+                        <a:bodyPr/>
+                        <a:lstStyle/>
+                        <a:p>
+                          <a:r>
+                            <a:rPr lang="de-DE" sz="1800" dirty="0"/>
+                            <a:t>5.34E-15</a:t>
+                          </a:r>
+                        </a:p>
+                      </a:txBody>
+                      <a:tcPr>
+                        <a:solidFill>
+                          <a:schemeClr val="bg1"/>
+                        </a:solidFill>
+                      </a:tcPr>
+                    </a:tc>
+                    <a:extLst>
+                      <a:ext uri="{0D108BD9-81ED-4DB2-BD59-A6C34878D82A}">
+                        <a16:rowId xmlns:a16="http://schemas.microsoft.com/office/drawing/2014/main" val="1709506618"/>
+                      </a:ext>
+                    </a:extLst>
+                  </a:tr>
+                  <a:tr h="576837">
+                    <a:tc>
+                      <a:txBody>
+                        <a:bodyPr/>
+                        <a:lstStyle/>
+                        <a:p>
+                          <a:pPr/>
+                          <a14:m>
+                            <m:oMathPara xmlns:m="http://schemas.openxmlformats.org/officeDocument/2006/math">
+                              <m:oMathParaPr>
+                                <m:jc m:val="centerGroup"/>
+                              </m:oMathParaPr>
+                              <m:oMath xmlns:m="http://schemas.openxmlformats.org/officeDocument/2006/math">
+                                <m:sSub>
+                                  <m:sSubPr>
+                                    <m:ctrlPr>
+                                      <a:rPr lang="de-AT" sz="1800" b="0" i="1" smtClean="0">
+                                        <a:latin typeface="Cambria Math" panose="02040503050406030204" pitchFamily="18" charset="0"/>
+                                      </a:rPr>
+                                    </m:ctrlPr>
+                                  </m:sSubPr>
+                                  <m:e>
+                                    <m:r>
+                                      <a:rPr lang="de-AT" sz="1800" b="0" i="1" smtClean="0">
+                                        <a:latin typeface="Cambria Math" panose="02040503050406030204" pitchFamily="18" charset="0"/>
+                                      </a:rPr>
+                                      <m:t>𝜓</m:t>
+                                    </m:r>
+                                  </m:e>
+                                  <m:sub>
+                                    <m:r>
+                                      <a:rPr lang="de-AT" sz="1800" b="0" i="1" smtClean="0">
+                                        <a:latin typeface="Cambria Math" panose="02040503050406030204" pitchFamily="18" charset="0"/>
+                                      </a:rPr>
+                                      <m:t>2</m:t>
+                                    </m:r>
+                                  </m:sub>
+                                </m:sSub>
+                              </m:oMath>
+                            </m:oMathPara>
+                          </a14:m>
+                          <a:endParaRPr lang="de-DE" sz="1800" dirty="0"/>
+                        </a:p>
+                      </a:txBody>
+                      <a:tcPr>
+                        <a:solidFill>
+                          <a:schemeClr val="bg1"/>
+                        </a:solidFill>
+                      </a:tcPr>
+                    </a:tc>
+                    <a:tc>
+                      <a:txBody>
+                        <a:bodyPr/>
+                        <a:lstStyle/>
+                        <a:p>
+                          <a:r>
+                            <a:rPr lang="de-DE" sz="1800" dirty="0"/>
+                            <a:t>-2.89E-14</a:t>
+                          </a:r>
+                        </a:p>
+                      </a:txBody>
+                      <a:tcPr>
+                        <a:solidFill>
+                          <a:schemeClr val="bg1"/>
+                        </a:solidFill>
+                      </a:tcPr>
+                    </a:tc>
+                    <a:tc>
+                      <a:txBody>
+                        <a:bodyPr/>
+                        <a:lstStyle/>
+                        <a:p>
+                          <a:r>
+                            <a:rPr lang="de-DE" sz="1800" dirty="0"/>
+                            <a:t>2.32E-14</a:t>
+                          </a:r>
+                        </a:p>
+                      </a:txBody>
+                      <a:tcPr>
+                        <a:solidFill>
+                          <a:schemeClr val="bg1"/>
+                        </a:solidFill>
+                      </a:tcPr>
+                    </a:tc>
+                    <a:tc>
+                      <a:txBody>
+                        <a:bodyPr/>
+                        <a:lstStyle/>
+                        <a:p>
+                          <a:r>
+                            <a:rPr lang="de-DE" sz="1800" dirty="0"/>
+                            <a:t>1.0</a:t>
+                          </a:r>
+                        </a:p>
+                      </a:txBody>
+                      <a:tcPr>
+                        <a:solidFill>
+                          <a:schemeClr val="bg1">
+                            <a:lumMod val="75000"/>
+                          </a:schemeClr>
+                        </a:solidFill>
+                      </a:tcPr>
+                    </a:tc>
+                    <a:tc>
+                      <a:txBody>
+                        <a:bodyPr/>
+                        <a:lstStyle/>
+                        <a:p>
+                          <a:r>
+                            <a:rPr lang="de-DE" sz="1800" dirty="0"/>
+                            <a:t>3.19E-14</a:t>
+                          </a:r>
+                        </a:p>
+                      </a:txBody>
+                      <a:tcPr>
+                        <a:solidFill>
+                          <a:schemeClr val="bg1"/>
+                        </a:solidFill>
+                      </a:tcPr>
+                    </a:tc>
+                    <a:tc>
+                      <a:txBody>
+                        <a:bodyPr/>
+                        <a:lstStyle/>
+                        <a:p>
+                          <a:r>
+                            <a:rPr lang="de-DE" sz="1800" dirty="0"/>
+                            <a:t>8.91E-15</a:t>
+                          </a:r>
+                        </a:p>
+                      </a:txBody>
+                      <a:tcPr>
+                        <a:solidFill>
+                          <a:schemeClr val="bg1"/>
+                        </a:solidFill>
+                      </a:tcPr>
+                    </a:tc>
+                    <a:extLst>
+                      <a:ext uri="{0D108BD9-81ED-4DB2-BD59-A6C34878D82A}">
+                        <a16:rowId xmlns:a16="http://schemas.microsoft.com/office/drawing/2014/main" val="1255071718"/>
+                      </a:ext>
+                    </a:extLst>
+                  </a:tr>
+                  <a:tr h="576837">
+                    <a:tc>
+                      <a:txBody>
+                        <a:bodyPr/>
+                        <a:lstStyle/>
+                        <a:p>
+                          <a:pPr/>
+                          <a14:m>
+                            <m:oMathPara xmlns:m="http://schemas.openxmlformats.org/officeDocument/2006/math">
+                              <m:oMathParaPr>
+                                <m:jc m:val="centerGroup"/>
+                              </m:oMathParaPr>
+                              <m:oMath xmlns:m="http://schemas.openxmlformats.org/officeDocument/2006/math">
+                                <m:sSub>
+                                  <m:sSubPr>
+                                    <m:ctrlPr>
+                                      <a:rPr lang="de-AT" sz="1800" b="0" i="1" smtClean="0">
+                                        <a:latin typeface="Cambria Math" panose="02040503050406030204" pitchFamily="18" charset="0"/>
+                                      </a:rPr>
+                                    </m:ctrlPr>
+                                  </m:sSubPr>
+                                  <m:e>
+                                    <m:r>
+                                      <a:rPr lang="de-AT" sz="1800" b="0" i="1" smtClean="0">
+                                        <a:latin typeface="Cambria Math" panose="02040503050406030204" pitchFamily="18" charset="0"/>
+                                      </a:rPr>
+                                      <m:t>𝜓</m:t>
+                                    </m:r>
+                                  </m:e>
+                                  <m:sub>
+                                    <m:r>
+                                      <a:rPr lang="de-AT" sz="1800" b="0" i="1" smtClean="0">
+                                        <a:latin typeface="Cambria Math" panose="02040503050406030204" pitchFamily="18" charset="0"/>
+                                      </a:rPr>
+                                      <m:t>3</m:t>
+                                    </m:r>
+                                  </m:sub>
+                                </m:sSub>
+                              </m:oMath>
+                            </m:oMathPara>
+                          </a14:m>
+                          <a:endParaRPr lang="de-DE" sz="1800" dirty="0"/>
+                        </a:p>
+                      </a:txBody>
+                      <a:tcPr>
+                        <a:solidFill>
+                          <a:schemeClr val="bg1"/>
+                        </a:solidFill>
+                      </a:tcPr>
+                    </a:tc>
+                    <a:tc>
+                      <a:txBody>
+                        <a:bodyPr/>
+                        <a:lstStyle/>
+                        <a:p>
+                          <a:r>
+                            <a:rPr lang="de-DE" sz="1800" dirty="0"/>
+                            <a:t>1.745E-14</a:t>
+                          </a:r>
+                        </a:p>
+                      </a:txBody>
+                      <a:tcPr>
+                        <a:solidFill>
+                          <a:schemeClr val="bg1"/>
+                        </a:solidFill>
+                      </a:tcPr>
+                    </a:tc>
+                    <a:tc>
+                      <a:txBody>
+                        <a:bodyPr/>
+                        <a:lstStyle/>
+                        <a:p>
+                          <a:r>
+                            <a:rPr lang="de-DE" sz="1800" dirty="0"/>
+                            <a:t>-8.80E-15</a:t>
+                          </a:r>
+                        </a:p>
+                      </a:txBody>
+                      <a:tcPr>
+                        <a:solidFill>
+                          <a:schemeClr val="bg1"/>
+                        </a:solidFill>
+                      </a:tcPr>
+                    </a:tc>
+                    <a:tc>
+                      <a:txBody>
+                        <a:bodyPr/>
+                        <a:lstStyle/>
+                        <a:p>
+                          <a:r>
+                            <a:rPr lang="de-DE" sz="1800" dirty="0"/>
+                            <a:t>3.29E-14</a:t>
+                          </a:r>
+                        </a:p>
+                      </a:txBody>
+                      <a:tcPr>
+                        <a:solidFill>
+                          <a:schemeClr val="bg1"/>
+                        </a:solidFill>
+                      </a:tcPr>
+                    </a:tc>
+                    <a:tc>
+                      <a:txBody>
+                        <a:bodyPr/>
+                        <a:lstStyle/>
+                        <a:p>
+                          <a:r>
+                            <a:rPr lang="de-DE" sz="1800" dirty="0"/>
+                            <a:t>1.0</a:t>
+                          </a:r>
+                        </a:p>
+                      </a:txBody>
+                      <a:tcPr>
+                        <a:solidFill>
+                          <a:schemeClr val="bg1">
+                            <a:lumMod val="75000"/>
+                          </a:schemeClr>
+                        </a:solidFill>
+                      </a:tcPr>
+                    </a:tc>
+                    <a:tc>
+                      <a:txBody>
+                        <a:bodyPr/>
+                        <a:lstStyle/>
+                        <a:p>
+                          <a:r>
+                            <a:rPr lang="de-DE" sz="1800" dirty="0"/>
+                            <a:t>5.83E-15</a:t>
+                          </a:r>
+                        </a:p>
+                      </a:txBody>
+                      <a:tcPr>
+                        <a:solidFill>
+                          <a:schemeClr val="bg1"/>
+                        </a:solidFill>
+                      </a:tcPr>
+                    </a:tc>
+                    <a:extLst>
+                      <a:ext uri="{0D108BD9-81ED-4DB2-BD59-A6C34878D82A}">
+                        <a16:rowId xmlns:a16="http://schemas.microsoft.com/office/drawing/2014/main" val="3354069674"/>
+                      </a:ext>
+                    </a:extLst>
+                  </a:tr>
+                  <a:tr h="0">
+                    <a:tc>
+                      <a:txBody>
+                        <a:bodyPr/>
+                        <a:lstStyle/>
+                        <a:p>
+                          <a:pPr/>
+                          <a14:m>
+                            <m:oMathPara xmlns:m="http://schemas.openxmlformats.org/officeDocument/2006/math">
+                              <m:oMathParaPr>
+                                <m:jc m:val="centerGroup"/>
+                              </m:oMathParaPr>
+                              <m:oMath xmlns:m="http://schemas.openxmlformats.org/officeDocument/2006/math">
+                                <m:sSub>
+                                  <m:sSubPr>
+                                    <m:ctrlPr>
+                                      <a:rPr lang="de-AT" sz="1800" b="0" i="1" smtClean="0">
+                                        <a:latin typeface="Cambria Math" panose="02040503050406030204" pitchFamily="18" charset="0"/>
+                                      </a:rPr>
+                                    </m:ctrlPr>
+                                  </m:sSubPr>
+                                  <m:e>
+                                    <m:r>
+                                      <a:rPr lang="de-AT" sz="1800" b="0" i="1" smtClean="0">
+                                        <a:latin typeface="Cambria Math" panose="02040503050406030204" pitchFamily="18" charset="0"/>
+                                      </a:rPr>
+                                      <m:t>𝜓</m:t>
+                                    </m:r>
+                                  </m:e>
+                                  <m:sub>
+                                    <m:r>
+                                      <a:rPr lang="de-AT" sz="1800" b="0" i="1" smtClean="0">
+                                        <a:latin typeface="Cambria Math" panose="02040503050406030204" pitchFamily="18" charset="0"/>
+                                      </a:rPr>
+                                      <m:t>4</m:t>
+                                    </m:r>
+                                  </m:sub>
+                                </m:sSub>
+                              </m:oMath>
+                            </m:oMathPara>
+                          </a14:m>
+                          <a:endParaRPr lang="de-DE" sz="1800" dirty="0"/>
+                        </a:p>
+                      </a:txBody>
+                      <a:tcPr>
+                        <a:solidFill>
+                          <a:schemeClr val="bg1"/>
+                        </a:solidFill>
+                      </a:tcPr>
+                    </a:tc>
+                    <a:tc>
+                      <a:txBody>
+                        <a:bodyPr/>
+                        <a:lstStyle/>
+                        <a:p>
+                          <a:r>
+                            <a:rPr lang="de-DE" sz="1800" dirty="0"/>
+                            <a:t>2.26E-14</a:t>
+                          </a:r>
+                        </a:p>
+                      </a:txBody>
+                      <a:tcPr>
+                        <a:solidFill>
+                          <a:schemeClr val="bg1"/>
+                        </a:solidFill>
+                      </a:tcPr>
+                    </a:tc>
+                    <a:tc>
+                      <a:txBody>
+                        <a:bodyPr/>
+                        <a:lstStyle/>
+                        <a:p>
+                          <a:r>
+                            <a:rPr lang="de-DE" sz="1800" dirty="0"/>
+                            <a:t>5.34E-15</a:t>
+                          </a:r>
+                        </a:p>
+                      </a:txBody>
+                      <a:tcPr>
+                        <a:solidFill>
+                          <a:schemeClr val="bg1"/>
+                        </a:solidFill>
+                      </a:tcPr>
+                    </a:tc>
+                    <a:tc>
+                      <a:txBody>
+                        <a:bodyPr/>
+                        <a:lstStyle/>
+                        <a:p>
+                          <a:r>
+                            <a:rPr lang="de-DE" sz="1800" dirty="0"/>
+                            <a:t>8.91E-15</a:t>
+                          </a:r>
+                        </a:p>
+                      </a:txBody>
+                      <a:tcPr>
+                        <a:solidFill>
+                          <a:schemeClr val="bg1"/>
+                        </a:solidFill>
+                      </a:tcPr>
+                    </a:tc>
+                    <a:tc>
+                      <a:txBody>
+                        <a:bodyPr/>
+                        <a:lstStyle/>
+                        <a:p>
+                          <a:r>
+                            <a:rPr lang="de-DE" sz="1800" dirty="0"/>
+                            <a:t>5.83E-15</a:t>
+                          </a:r>
+                        </a:p>
+                      </a:txBody>
+                      <a:tcPr>
+                        <a:solidFill>
+                          <a:schemeClr val="bg1"/>
+                        </a:solidFill>
+                      </a:tcPr>
+                    </a:tc>
+                    <a:tc>
+                      <a:txBody>
+                        <a:bodyPr/>
+                        <a:lstStyle/>
+                        <a:p>
+                          <a:r>
+                            <a:rPr lang="de-DE" sz="1800" dirty="0"/>
+                            <a:t>1.0</a:t>
+                          </a:r>
+                        </a:p>
+                      </a:txBody>
+                      <a:tcPr>
+                        <a:solidFill>
+                          <a:schemeClr val="bg1">
+                            <a:lumMod val="75000"/>
+                          </a:schemeClr>
+                        </a:solidFill>
+                      </a:tcPr>
+                    </a:tc>
+                    <a:extLst>
+                      <a:ext uri="{0D108BD9-81ED-4DB2-BD59-A6C34878D82A}">
+                        <a16:rowId xmlns:a16="http://schemas.microsoft.com/office/drawing/2014/main" val="824425224"/>
+                      </a:ext>
+                    </a:extLst>
+                  </a:tr>
+                </a:tbl>
+              </a:graphicData>
+            </a:graphic>
+          </p:graphicFrame>
+        </mc:Choice>
+        <mc:Fallback>
+          <p:graphicFrame>
+            <p:nvGraphicFramePr>
+              <p:cNvPr id="2" name="Tabelle 1">
+                <a:extLst>
+                  <a:ext uri="{FF2B5EF4-FFF2-40B4-BE49-F238E27FC236}">
+                    <a16:creationId xmlns:a16="http://schemas.microsoft.com/office/drawing/2014/main" id="{1EB89687-3C14-8615-54F7-D546E15E2C6B}"/>
+                  </a:ext>
+                </a:extLst>
+              </p:cNvPr>
+              <p:cNvGraphicFramePr>
+                <a:graphicFrameLocks noGrp="1"/>
+              </p:cNvGraphicFramePr>
+              <p:nvPr>
+                <p:extLst>
+                  <p:ext uri="{D42A27DB-BD31-4B8C-83A1-F6EECF244321}">
+                    <p14:modId xmlns:p14="http://schemas.microsoft.com/office/powerpoint/2010/main" val="149713825"/>
+                  </p:ext>
+                </p:extLst>
+              </p:nvPr>
+            </p:nvGraphicFramePr>
+            <p:xfrm>
+              <a:off x="20160036" y="9877025"/>
+              <a:ext cx="6891199" cy="3038868"/>
+            </p:xfrm>
+            <a:graphic>
+              <a:graphicData uri="http://schemas.openxmlformats.org/drawingml/2006/table">
+                <a:tbl>
+                  <a:tblPr firstRow="1" bandRow="1">
+                    <a:tableStyleId>{9D7B26C5-4107-4FEC-AEDC-1716B250A1EF}</a:tableStyleId>
+                  </a:tblPr>
+                  <a:tblGrid>
+                    <a:gridCol w="763588">
+                      <a:extLst>
+                        <a:ext uri="{9D8B030D-6E8A-4147-A177-3AD203B41FA5}">
+                          <a16:colId xmlns:a16="http://schemas.microsoft.com/office/drawing/2014/main" val="979508158"/>
+                        </a:ext>
+                      </a:extLst>
+                    </a:gridCol>
+                    <a:gridCol w="1192575">
+                      <a:extLst>
+                        <a:ext uri="{9D8B030D-6E8A-4147-A177-3AD203B41FA5}">
+                          <a16:colId xmlns:a16="http://schemas.microsoft.com/office/drawing/2014/main" val="2839578664"/>
+                        </a:ext>
+                      </a:extLst>
+                    </a:gridCol>
+                    <a:gridCol w="1164328">
+                      <a:extLst>
+                        <a:ext uri="{9D8B030D-6E8A-4147-A177-3AD203B41FA5}">
+                          <a16:colId xmlns:a16="http://schemas.microsoft.com/office/drawing/2014/main" val="427621495"/>
+                        </a:ext>
+                      </a:extLst>
+                    </a:gridCol>
+                    <a:gridCol w="1175008">
+                      <a:extLst>
+                        <a:ext uri="{9D8B030D-6E8A-4147-A177-3AD203B41FA5}">
+                          <a16:colId xmlns:a16="http://schemas.microsoft.com/office/drawing/2014/main" val="586868843"/>
+                        </a:ext>
+                      </a:extLst>
+                    </a:gridCol>
+                    <a:gridCol w="1356600">
+                      <a:extLst>
+                        <a:ext uri="{9D8B030D-6E8A-4147-A177-3AD203B41FA5}">
+                          <a16:colId xmlns:a16="http://schemas.microsoft.com/office/drawing/2014/main" val="180023404"/>
+                        </a:ext>
+                      </a:extLst>
+                    </a:gridCol>
+                    <a:gridCol w="1239100">
+                      <a:extLst>
+                        <a:ext uri="{9D8B030D-6E8A-4147-A177-3AD203B41FA5}">
+                          <a16:colId xmlns:a16="http://schemas.microsoft.com/office/drawing/2014/main" val="2098031944"/>
+                        </a:ext>
+                      </a:extLst>
+                    </a:gridCol>
+                  </a:tblGrid>
+                  <a:tr h="365760">
+                    <a:tc>
+                      <a:txBody>
+                        <a:bodyPr/>
+                        <a:lstStyle/>
+                        <a:p>
+                          <a:endParaRPr lang="de-DE" sz="1800" dirty="0"/>
+                        </a:p>
+                      </a:txBody>
+                      <a:tcPr/>
+                    </a:tc>
+                    <a:tc>
+                      <a:txBody>
+                        <a:bodyPr/>
+                        <a:lstStyle/>
+                        <a:p>
+                          <a:endParaRPr lang="de-DE"/>
+                        </a:p>
+                      </a:txBody>
+                      <a:tcPr>
+                        <a:blipFill>
+                          <a:blip r:embed="rId30"/>
+                          <a:stretch>
+                            <a:fillRect l="-63830" r="-414894" b="-755172"/>
+                          </a:stretch>
+                        </a:blipFill>
+                      </a:tcPr>
+                    </a:tc>
+                    <a:tc>
+                      <a:txBody>
+                        <a:bodyPr/>
+                        <a:lstStyle/>
+                        <a:p>
+                          <a:endParaRPr lang="de-DE"/>
+                        </a:p>
+                      </a:txBody>
+                      <a:tcPr>
+                        <a:blipFill>
+                          <a:blip r:embed="rId30"/>
+                          <a:stretch>
+                            <a:fillRect l="-167391" r="-323913" b="-755172"/>
+                          </a:stretch>
+                        </a:blipFill>
+                      </a:tcPr>
+                    </a:tc>
+                    <a:tc>
+                      <a:txBody>
+                        <a:bodyPr/>
+                        <a:lstStyle/>
+                        <a:p>
+                          <a:endParaRPr lang="de-DE"/>
+                        </a:p>
+                      </a:txBody>
+                      <a:tcPr>
+                        <a:blipFill>
+                          <a:blip r:embed="rId30"/>
+                          <a:stretch>
+                            <a:fillRect l="-264516" r="-220430" b="-755172"/>
+                          </a:stretch>
+                        </a:blipFill>
+                      </a:tcPr>
+                    </a:tc>
+                    <a:tc>
+                      <a:txBody>
+                        <a:bodyPr/>
+                        <a:lstStyle/>
+                        <a:p>
+                          <a:endParaRPr lang="de-DE"/>
+                        </a:p>
+                      </a:txBody>
+                      <a:tcPr>
+                        <a:blipFill>
+                          <a:blip r:embed="rId30"/>
+                          <a:stretch>
+                            <a:fillRect l="-316822" r="-91589" b="-755172"/>
+                          </a:stretch>
+                        </a:blipFill>
+                      </a:tcPr>
+                    </a:tc>
+                    <a:tc>
+                      <a:txBody>
+                        <a:bodyPr/>
+                        <a:lstStyle/>
+                        <a:p>
+                          <a:endParaRPr lang="de-DE"/>
+                        </a:p>
+                      </a:txBody>
+                      <a:tcPr>
+                        <a:blipFill>
+                          <a:blip r:embed="rId30"/>
+                          <a:stretch>
+                            <a:fillRect l="-455102" b="-755172"/>
+                          </a:stretch>
+                        </a:blipFill>
+                      </a:tcPr>
+                    </a:tc>
+                    <a:extLst>
+                      <a:ext uri="{0D108BD9-81ED-4DB2-BD59-A6C34878D82A}">
+                        <a16:rowId xmlns:a16="http://schemas.microsoft.com/office/drawing/2014/main" val="2436444094"/>
+                      </a:ext>
+                    </a:extLst>
+                  </a:tr>
+                  <a:tr h="576837">
+                    <a:tc>
+                      <a:txBody>
+                        <a:bodyPr/>
+                        <a:lstStyle/>
+                        <a:p>
+                          <a:endParaRPr lang="de-DE"/>
+                        </a:p>
+                      </a:txBody>
+                      <a:tcPr>
+                        <a:blipFill>
+                          <a:blip r:embed="rId30"/>
+                          <a:stretch>
+                            <a:fillRect t="-64444" r="-806667" b="-386667"/>
+                          </a:stretch>
+                        </a:blipFill>
+                      </a:tcPr>
+                    </a:tc>
+                    <a:tc>
+                      <a:txBody>
+                        <a:bodyPr/>
+                        <a:lstStyle/>
+                        <a:p>
+                          <a:r>
+                            <a:rPr lang="de-DE" sz="1800" dirty="0"/>
+                            <a:t>1.0</a:t>
+                          </a:r>
+                        </a:p>
+                      </a:txBody>
+                      <a:tcPr>
+                        <a:solidFill>
+                          <a:schemeClr val="bg1">
+                            <a:lumMod val="75000"/>
+                          </a:schemeClr>
+                        </a:solidFill>
+                      </a:tcPr>
+                    </a:tc>
+                    <a:tc>
+                      <a:txBody>
+                        <a:bodyPr/>
+                        <a:lstStyle/>
+                        <a:p>
+                          <a:r>
+                            <a:rPr lang="de-DE" sz="1800" dirty="0"/>
+                            <a:t>3.69E-14</a:t>
+                          </a:r>
+                        </a:p>
+                      </a:txBody>
+                      <a:tcPr>
+                        <a:solidFill>
+                          <a:schemeClr val="bg1"/>
+                        </a:solidFill>
+                      </a:tcPr>
+                    </a:tc>
+                    <a:tc>
+                      <a:txBody>
+                        <a:bodyPr/>
+                        <a:lstStyle/>
+                        <a:p>
+                          <a:r>
+                            <a:rPr lang="de-DE" sz="1800" dirty="0"/>
+                            <a:t>1.75E-14</a:t>
+                          </a:r>
+                        </a:p>
+                      </a:txBody>
+                      <a:tcPr>
+                        <a:solidFill>
+                          <a:schemeClr val="bg1"/>
+                        </a:solidFill>
+                      </a:tcPr>
+                    </a:tc>
+                    <a:tc>
+                      <a:txBody>
+                        <a:bodyPr/>
+                        <a:lstStyle/>
+                        <a:p>
+                          <a:r>
+                            <a:rPr lang="de-DE" sz="1800" dirty="0"/>
+                            <a:t>-2.28E-14</a:t>
+                          </a:r>
+                        </a:p>
+                      </a:txBody>
+                      <a:tcPr>
+                        <a:solidFill>
+                          <a:schemeClr val="bg1"/>
+                        </a:solidFill>
+                      </a:tcPr>
+                    </a:tc>
+                    <a:tc>
+                      <a:txBody>
+                        <a:bodyPr/>
+                        <a:lstStyle/>
+                        <a:p>
+                          <a:r>
+                            <a:rPr lang="de-DE" sz="1800" dirty="0"/>
+                            <a:t>2.26E-14</a:t>
+                          </a:r>
+                        </a:p>
+                      </a:txBody>
+                      <a:tcPr>
+                        <a:solidFill>
+                          <a:schemeClr val="bg1"/>
+                        </a:solidFill>
+                      </a:tcPr>
+                    </a:tc>
+                    <a:extLst>
+                      <a:ext uri="{0D108BD9-81ED-4DB2-BD59-A6C34878D82A}">
+                        <a16:rowId xmlns:a16="http://schemas.microsoft.com/office/drawing/2014/main" val="2787734363"/>
+                      </a:ext>
+                    </a:extLst>
+                  </a:tr>
+                  <a:tr h="576837">
+                    <a:tc>
+                      <a:txBody>
+                        <a:bodyPr/>
+                        <a:lstStyle/>
+                        <a:p>
+                          <a:endParaRPr lang="de-DE"/>
+                        </a:p>
+                      </a:txBody>
+                      <a:tcPr>
+                        <a:blipFill>
+                          <a:blip r:embed="rId30"/>
+                          <a:stretch>
+                            <a:fillRect t="-160870" r="-806667" b="-278261"/>
+                          </a:stretch>
+                        </a:blipFill>
+                      </a:tcPr>
+                    </a:tc>
+                    <a:tc>
+                      <a:txBody>
+                        <a:bodyPr/>
+                        <a:lstStyle/>
+                        <a:p>
+                          <a:r>
+                            <a:rPr lang="de-DE" sz="1800" dirty="0"/>
+                            <a:t>3.59E-14</a:t>
+                          </a:r>
+                        </a:p>
+                      </a:txBody>
+                      <a:tcPr>
+                        <a:solidFill>
+                          <a:schemeClr val="bg1"/>
+                        </a:solidFill>
+                      </a:tcPr>
+                    </a:tc>
+                    <a:tc>
+                      <a:txBody>
+                        <a:bodyPr/>
+                        <a:lstStyle/>
+                        <a:p>
+                          <a:r>
+                            <a:rPr lang="de-DE" sz="1800" dirty="0"/>
+                            <a:t>1.0</a:t>
+                          </a:r>
+                        </a:p>
+                      </a:txBody>
+                      <a:tcPr>
+                        <a:solidFill>
+                          <a:schemeClr val="bg1">
+                            <a:lumMod val="75000"/>
+                          </a:schemeClr>
+                        </a:solidFill>
+                      </a:tcPr>
+                    </a:tc>
+                    <a:tc>
+                      <a:txBody>
+                        <a:bodyPr/>
+                        <a:lstStyle/>
+                        <a:p>
+                          <a:r>
+                            <a:rPr lang="de-DE" sz="1800" dirty="0"/>
+                            <a:t>-8.89E-15</a:t>
+                          </a:r>
+                        </a:p>
+                      </a:txBody>
+                      <a:tcPr>
+                        <a:solidFill>
+                          <a:schemeClr val="bg1"/>
+                        </a:solidFill>
+                      </a:tcPr>
+                    </a:tc>
+                    <a:tc>
+                      <a:txBody>
+                        <a:bodyPr/>
+                        <a:lstStyle/>
+                        <a:p>
+                          <a:r>
+                            <a:rPr lang="de-DE" sz="1800" dirty="0"/>
+                            <a:t>2.43E-14</a:t>
+                          </a:r>
+                        </a:p>
+                      </a:txBody>
+                      <a:tcPr>
+                        <a:solidFill>
+                          <a:schemeClr val="bg1"/>
+                        </a:solidFill>
+                      </a:tcPr>
+                    </a:tc>
+                    <a:tc>
+                      <a:txBody>
+                        <a:bodyPr/>
+                        <a:lstStyle/>
+                        <a:p>
+                          <a:r>
+                            <a:rPr lang="de-DE" sz="1800" dirty="0"/>
+                            <a:t>5.34E-15</a:t>
+                          </a:r>
+                        </a:p>
+                      </a:txBody>
+                      <a:tcPr>
+                        <a:solidFill>
+                          <a:schemeClr val="bg1"/>
+                        </a:solidFill>
+                      </a:tcPr>
+                    </a:tc>
+                    <a:extLst>
+                      <a:ext uri="{0D108BD9-81ED-4DB2-BD59-A6C34878D82A}">
+                        <a16:rowId xmlns:a16="http://schemas.microsoft.com/office/drawing/2014/main" val="1709506618"/>
+                      </a:ext>
+                    </a:extLst>
+                  </a:tr>
+                  <a:tr h="576837">
+                    <a:tc>
+                      <a:txBody>
+                        <a:bodyPr/>
+                        <a:lstStyle/>
+                        <a:p>
+                          <a:endParaRPr lang="de-DE"/>
+                        </a:p>
+                      </a:txBody>
+                      <a:tcPr>
+                        <a:blipFill>
+                          <a:blip r:embed="rId30"/>
+                          <a:stretch>
+                            <a:fillRect t="-260870" r="-806667" b="-178261"/>
+                          </a:stretch>
+                        </a:blipFill>
+                      </a:tcPr>
+                    </a:tc>
+                    <a:tc>
+                      <a:txBody>
+                        <a:bodyPr/>
+                        <a:lstStyle/>
+                        <a:p>
+                          <a:r>
+                            <a:rPr lang="de-DE" sz="1800" dirty="0"/>
+                            <a:t>-2.89E-14</a:t>
+                          </a:r>
+                        </a:p>
+                      </a:txBody>
+                      <a:tcPr>
+                        <a:solidFill>
+                          <a:schemeClr val="bg1"/>
+                        </a:solidFill>
+                      </a:tcPr>
+                    </a:tc>
+                    <a:tc>
+                      <a:txBody>
+                        <a:bodyPr/>
+                        <a:lstStyle/>
+                        <a:p>
+                          <a:r>
+                            <a:rPr lang="de-DE" sz="1800" dirty="0"/>
+                            <a:t>2.32E-14</a:t>
+                          </a:r>
+                        </a:p>
+                      </a:txBody>
+                      <a:tcPr>
+                        <a:solidFill>
+                          <a:schemeClr val="bg1"/>
+                        </a:solidFill>
+                      </a:tcPr>
+                    </a:tc>
+                    <a:tc>
+                      <a:txBody>
+                        <a:bodyPr/>
+                        <a:lstStyle/>
+                        <a:p>
+                          <a:r>
+                            <a:rPr lang="de-DE" sz="1800" dirty="0"/>
+                            <a:t>1.0</a:t>
+                          </a:r>
+                        </a:p>
+                      </a:txBody>
+                      <a:tcPr>
+                        <a:solidFill>
+                          <a:schemeClr val="bg1">
+                            <a:lumMod val="75000"/>
+                          </a:schemeClr>
+                        </a:solidFill>
+                      </a:tcPr>
+                    </a:tc>
+                    <a:tc>
+                      <a:txBody>
+                        <a:bodyPr/>
+                        <a:lstStyle/>
+                        <a:p>
+                          <a:r>
+                            <a:rPr lang="de-DE" sz="1800" dirty="0"/>
+                            <a:t>3.19E-14</a:t>
+                          </a:r>
+                        </a:p>
+                      </a:txBody>
+                      <a:tcPr>
+                        <a:solidFill>
+                          <a:schemeClr val="bg1"/>
+                        </a:solidFill>
+                      </a:tcPr>
+                    </a:tc>
+                    <a:tc>
+                      <a:txBody>
+                        <a:bodyPr/>
+                        <a:lstStyle/>
+                        <a:p>
+                          <a:r>
+                            <a:rPr lang="de-DE" sz="1800" dirty="0"/>
+                            <a:t>8.91E-15</a:t>
+                          </a:r>
+                        </a:p>
+                      </a:txBody>
+                      <a:tcPr>
+                        <a:solidFill>
+                          <a:schemeClr val="bg1"/>
+                        </a:solidFill>
+                      </a:tcPr>
+                    </a:tc>
+                    <a:extLst>
+                      <a:ext uri="{0D108BD9-81ED-4DB2-BD59-A6C34878D82A}">
+                        <a16:rowId xmlns:a16="http://schemas.microsoft.com/office/drawing/2014/main" val="1255071718"/>
+                      </a:ext>
+                    </a:extLst>
+                  </a:tr>
+                  <a:tr h="576837">
+                    <a:tc>
+                      <a:txBody>
+                        <a:bodyPr/>
+                        <a:lstStyle/>
+                        <a:p>
+                          <a:endParaRPr lang="de-DE"/>
+                        </a:p>
+                      </a:txBody>
+                      <a:tcPr>
+                        <a:blipFill>
+                          <a:blip r:embed="rId30"/>
+                          <a:stretch>
+                            <a:fillRect t="-368889" r="-806667" b="-82222"/>
+                          </a:stretch>
+                        </a:blipFill>
+                      </a:tcPr>
+                    </a:tc>
+                    <a:tc>
+                      <a:txBody>
+                        <a:bodyPr/>
+                        <a:lstStyle/>
+                        <a:p>
+                          <a:r>
+                            <a:rPr lang="de-DE" sz="1800" dirty="0"/>
+                            <a:t>1.745E-14</a:t>
+                          </a:r>
+                        </a:p>
+                      </a:txBody>
+                      <a:tcPr>
+                        <a:solidFill>
+                          <a:schemeClr val="bg1"/>
+                        </a:solidFill>
+                      </a:tcPr>
+                    </a:tc>
+                    <a:tc>
+                      <a:txBody>
+                        <a:bodyPr/>
+                        <a:lstStyle/>
+                        <a:p>
+                          <a:r>
+                            <a:rPr lang="de-DE" sz="1800" dirty="0"/>
+                            <a:t>-8.80E-15</a:t>
+                          </a:r>
+                        </a:p>
+                      </a:txBody>
+                      <a:tcPr>
+                        <a:solidFill>
+                          <a:schemeClr val="bg1"/>
+                        </a:solidFill>
+                      </a:tcPr>
+                    </a:tc>
+                    <a:tc>
+                      <a:txBody>
+                        <a:bodyPr/>
+                        <a:lstStyle/>
+                        <a:p>
+                          <a:r>
+                            <a:rPr lang="de-DE" sz="1800" dirty="0"/>
+                            <a:t>3.29E-14</a:t>
+                          </a:r>
+                        </a:p>
+                      </a:txBody>
+                      <a:tcPr>
+                        <a:solidFill>
+                          <a:schemeClr val="bg1"/>
+                        </a:solidFill>
+                      </a:tcPr>
+                    </a:tc>
+                    <a:tc>
+                      <a:txBody>
+                        <a:bodyPr/>
+                        <a:lstStyle/>
+                        <a:p>
+                          <a:r>
+                            <a:rPr lang="de-DE" sz="1800" dirty="0"/>
+                            <a:t>1.0</a:t>
+                          </a:r>
+                        </a:p>
+                      </a:txBody>
+                      <a:tcPr>
+                        <a:solidFill>
+                          <a:schemeClr val="bg1">
+                            <a:lumMod val="75000"/>
+                          </a:schemeClr>
+                        </a:solidFill>
+                      </a:tcPr>
+                    </a:tc>
+                    <a:tc>
+                      <a:txBody>
+                        <a:bodyPr/>
+                        <a:lstStyle/>
+                        <a:p>
+                          <a:r>
+                            <a:rPr lang="de-DE" sz="1800" dirty="0"/>
+                            <a:t>5.83E-15</a:t>
+                          </a:r>
+                        </a:p>
+                      </a:txBody>
+                      <a:tcPr>
+                        <a:solidFill>
+                          <a:schemeClr val="bg1"/>
+                        </a:solidFill>
+                      </a:tcPr>
+                    </a:tc>
+                    <a:extLst>
+                      <a:ext uri="{0D108BD9-81ED-4DB2-BD59-A6C34878D82A}">
+                        <a16:rowId xmlns:a16="http://schemas.microsoft.com/office/drawing/2014/main" val="3354069674"/>
+                      </a:ext>
+                    </a:extLst>
+                  </a:tr>
+                  <a:tr h="365760">
+                    <a:tc>
+                      <a:txBody>
+                        <a:bodyPr/>
+                        <a:lstStyle/>
+                        <a:p>
+                          <a:endParaRPr lang="de-DE"/>
+                        </a:p>
+                      </a:txBody>
+                      <a:tcPr>
+                        <a:blipFill>
+                          <a:blip r:embed="rId30"/>
+                          <a:stretch>
+                            <a:fillRect t="-727586" r="-806667" b="-27586"/>
+                          </a:stretch>
+                        </a:blipFill>
+                      </a:tcPr>
+                    </a:tc>
+                    <a:tc>
+                      <a:txBody>
+                        <a:bodyPr/>
+                        <a:lstStyle/>
+                        <a:p>
+                          <a:r>
+                            <a:rPr lang="de-DE" sz="1800" dirty="0"/>
+                            <a:t>2.26E-14</a:t>
+                          </a:r>
+                        </a:p>
+                      </a:txBody>
+                      <a:tcPr>
+                        <a:solidFill>
+                          <a:schemeClr val="bg1"/>
+                        </a:solidFill>
+                      </a:tcPr>
+                    </a:tc>
+                    <a:tc>
+                      <a:txBody>
+                        <a:bodyPr/>
+                        <a:lstStyle/>
+                        <a:p>
+                          <a:r>
+                            <a:rPr lang="de-DE" sz="1800" dirty="0"/>
+                            <a:t>5.34E-15</a:t>
+                          </a:r>
+                        </a:p>
+                      </a:txBody>
+                      <a:tcPr>
+                        <a:solidFill>
+                          <a:schemeClr val="bg1"/>
+                        </a:solidFill>
+                      </a:tcPr>
+                    </a:tc>
+                    <a:tc>
+                      <a:txBody>
+                        <a:bodyPr/>
+                        <a:lstStyle/>
+                        <a:p>
+                          <a:r>
+                            <a:rPr lang="de-DE" sz="1800" dirty="0"/>
+                            <a:t>8.91E-15</a:t>
+                          </a:r>
+                        </a:p>
+                      </a:txBody>
+                      <a:tcPr>
+                        <a:solidFill>
+                          <a:schemeClr val="bg1"/>
+                        </a:solidFill>
+                      </a:tcPr>
+                    </a:tc>
+                    <a:tc>
+                      <a:txBody>
+                        <a:bodyPr/>
+                        <a:lstStyle/>
+                        <a:p>
+                          <a:r>
+                            <a:rPr lang="de-DE" sz="1800" dirty="0"/>
+                            <a:t>5.83E-15</a:t>
+                          </a:r>
+                        </a:p>
+                      </a:txBody>
+                      <a:tcPr>
+                        <a:solidFill>
+                          <a:schemeClr val="bg1"/>
+                        </a:solidFill>
+                      </a:tcPr>
+                    </a:tc>
+                    <a:tc>
+                      <a:txBody>
+                        <a:bodyPr/>
+                        <a:lstStyle/>
+                        <a:p>
+                          <a:r>
+                            <a:rPr lang="de-DE" sz="1800" dirty="0"/>
+                            <a:t>1.0</a:t>
+                          </a:r>
+                        </a:p>
+                      </a:txBody>
+                      <a:tcPr>
+                        <a:solidFill>
+                          <a:schemeClr val="bg1">
+                            <a:lumMod val="75000"/>
+                          </a:schemeClr>
+                        </a:solidFill>
+                      </a:tcPr>
+                    </a:tc>
+                    <a:extLst>
+                      <a:ext uri="{0D108BD9-81ED-4DB2-BD59-A6C34878D82A}">
+                        <a16:rowId xmlns:a16="http://schemas.microsoft.com/office/drawing/2014/main" val="824425224"/>
+                      </a:ext>
+                    </a:extLst>
+                  </a:tr>
+                </a:tbl>
+              </a:graphicData>
+            </a:graphic>
+          </p:graphicFrame>
+        </mc:Fallback>
+      </mc:AlternateContent>
+      <mc:AlternateContent xmlns:mc="http://schemas.openxmlformats.org/markup-compatibility/2006">
+        <mc:Choice xmlns:a14="http://schemas.microsoft.com/office/drawing/2010/main" Requires="a14">
+          <p:sp>
+            <p:nvSpPr>
+              <p:cNvPr id="4" name="Textfeld 3">
+                <a:extLst>
+                  <a:ext uri="{FF2B5EF4-FFF2-40B4-BE49-F238E27FC236}">
+                    <a16:creationId xmlns:a16="http://schemas.microsoft.com/office/drawing/2014/main" id="{160EC634-09E6-982C-D249-4CE4E7B9C51F}"/>
+                  </a:ext>
+                </a:extLst>
+              </p:cNvPr>
+              <p:cNvSpPr txBox="1"/>
+              <p:nvPr/>
+            </p:nvSpPr>
+            <p:spPr>
+              <a:xfrm>
+                <a:off x="13061782" y="9459301"/>
+                <a:ext cx="14600742" cy="400110"/>
+              </a:xfrm>
+              <a:prstGeom prst="rect">
+                <a:avLst/>
+              </a:prstGeom>
+              <a:noFill/>
+            </p:spPr>
+            <p:txBody>
+              <a:bodyPr wrap="square" rtlCol="0">
+                <a:spAutoFit/>
+              </a:bodyPr>
+              <a:lstStyle/>
+              <a:p>
+                <a:r>
+                  <a:rPr lang="de-AT" sz="2000" b="1" noProof="1"/>
+                  <a:t>Tab 2/3: </a:t>
+                </a:r>
+                <a:r>
+                  <a:rPr lang="de-AT" sz="2000" noProof="1"/>
+                  <a:t>Overlap Matrix for </a:t>
+                </a:r>
+                <a14:m>
+                  <m:oMath xmlns:m="http://schemas.openxmlformats.org/officeDocument/2006/math">
+                    <m:sSub>
+                      <m:sSubPr>
+                        <m:ctrlPr>
+                          <a:rPr lang="de-AT" sz="2000" b="0" i="1" noProof="1" smtClean="0">
+                            <a:latin typeface="Cambria Math" panose="02040503050406030204" pitchFamily="18" charset="0"/>
+                          </a:rPr>
+                        </m:ctrlPr>
+                      </m:sSubPr>
+                      <m:e>
+                        <m:r>
+                          <a:rPr lang="de-AT" sz="2000" b="0" i="1" noProof="1" smtClean="0">
+                            <a:latin typeface="Cambria Math" panose="02040503050406030204" pitchFamily="18" charset="0"/>
+                          </a:rPr>
+                          <m:t>𝜓</m:t>
+                        </m:r>
+                      </m:e>
+                      <m:sub>
+                        <m:r>
+                          <a:rPr lang="de-AT" sz="2000" b="0" i="1" noProof="1" smtClean="0">
+                            <a:latin typeface="Cambria Math" panose="02040503050406030204" pitchFamily="18" charset="0"/>
+                          </a:rPr>
+                          <m:t>0</m:t>
+                        </m:r>
+                      </m:sub>
+                    </m:sSub>
+                    <m:r>
+                      <a:rPr lang="de-AT" sz="2000" b="0" i="1" noProof="1" smtClean="0">
+                        <a:latin typeface="Cambria Math" panose="02040503050406030204" pitchFamily="18" charset="0"/>
+                      </a:rPr>
+                      <m:t>−</m:t>
+                    </m:r>
+                    <m:sSub>
+                      <m:sSubPr>
+                        <m:ctrlPr>
+                          <a:rPr lang="de-AT" sz="2000" b="0" i="1" noProof="1" smtClean="0">
+                            <a:latin typeface="Cambria Math" panose="02040503050406030204" pitchFamily="18" charset="0"/>
+                          </a:rPr>
+                        </m:ctrlPr>
+                      </m:sSubPr>
+                      <m:e>
+                        <m:r>
+                          <a:rPr lang="de-AT" sz="2000" b="0" i="1" noProof="1" smtClean="0">
+                            <a:latin typeface="Cambria Math" panose="02040503050406030204" pitchFamily="18" charset="0"/>
+                          </a:rPr>
+                          <m:t>𝜓</m:t>
+                        </m:r>
+                      </m:e>
+                      <m:sub>
+                        <m:r>
+                          <a:rPr lang="de-AT" sz="2000" b="0" i="1" noProof="1" smtClean="0">
+                            <a:latin typeface="Cambria Math" panose="02040503050406030204" pitchFamily="18" charset="0"/>
+                          </a:rPr>
+                          <m:t>4</m:t>
+                        </m:r>
+                      </m:sub>
+                    </m:sSub>
+                  </m:oMath>
+                </a14:m>
+                <a:r>
+                  <a:rPr lang="de-AT" sz="2000" noProof="1"/>
+                  <a:t>, obtained by Numerov‘s method for trans-CH</a:t>
+                </a:r>
+                <a:r>
+                  <a:rPr lang="de-AT" sz="2000" baseline="-25000" noProof="1"/>
+                  <a:t>3</a:t>
+                </a:r>
+                <a:r>
+                  <a:rPr lang="de-AT" sz="2000" noProof="1"/>
+                  <a:t>COOH (right) and trans-CH</a:t>
+                </a:r>
+                <a:r>
+                  <a:rPr lang="de-AT" sz="2000" baseline="-25000" noProof="1"/>
+                  <a:t>3</a:t>
+                </a:r>
+                <a:r>
+                  <a:rPr lang="de-AT" sz="2000" noProof="1"/>
+                  <a:t>COOD (left)</a:t>
+                </a:r>
+                <a:endParaRPr lang="en-US" sz="2000" noProof="1"/>
+              </a:p>
+            </p:txBody>
+          </p:sp>
+        </mc:Choice>
+        <mc:Fallback>
+          <p:sp>
+            <p:nvSpPr>
+              <p:cNvPr id="4" name="Textfeld 3">
+                <a:extLst>
+                  <a:ext uri="{FF2B5EF4-FFF2-40B4-BE49-F238E27FC236}">
+                    <a16:creationId xmlns:a16="http://schemas.microsoft.com/office/drawing/2014/main" id="{160EC634-09E6-982C-D249-4CE4E7B9C51F}"/>
+                  </a:ext>
+                </a:extLst>
+              </p:cNvPr>
+              <p:cNvSpPr txBox="1">
+                <a:spLocks noRot="1" noChangeAspect="1" noMove="1" noResize="1" noEditPoints="1" noAdjustHandles="1" noChangeArrowheads="1" noChangeShapeType="1" noTextEdit="1"/>
+              </p:cNvSpPr>
+              <p:nvPr/>
+            </p:nvSpPr>
+            <p:spPr>
+              <a:xfrm>
+                <a:off x="13061782" y="9459301"/>
+                <a:ext cx="14600742" cy="400110"/>
+              </a:xfrm>
+              <a:prstGeom prst="rect">
+                <a:avLst/>
+              </a:prstGeom>
+              <a:blipFill>
+                <a:blip r:embed="rId31"/>
+                <a:stretch>
+                  <a:fillRect l="-434" t="-3030" b="-27273"/>
+                </a:stretch>
+              </a:blipFill>
+            </p:spPr>
+            <p:txBody>
+              <a:bodyPr/>
+              <a:lstStyle/>
+              <a:p>
+                <a:r>
+                  <a:rPr lang="de-DE">
+                    <a:noFill/>
+                  </a:rPr>
+                  <a:t> </a:t>
+                </a:r>
+              </a:p>
+            </p:txBody>
+          </p:sp>
+        </mc:Fallback>
+      </mc:AlternateContent>
+      <mc:AlternateContent xmlns:mc="http://schemas.openxmlformats.org/markup-compatibility/2006">
+        <mc:Choice xmlns:a14="http://schemas.microsoft.com/office/drawing/2010/main" Requires="a14">
+          <p:sp>
+            <p:nvSpPr>
+              <p:cNvPr id="7" name="Textfeld 6">
+                <a:extLst>
+                  <a:ext uri="{FF2B5EF4-FFF2-40B4-BE49-F238E27FC236}">
+                    <a16:creationId xmlns:a16="http://schemas.microsoft.com/office/drawing/2014/main" id="{C5E9A2F1-3763-F137-94BD-F15C4B2F24A9}"/>
+                  </a:ext>
+                </a:extLst>
+              </p:cNvPr>
+              <p:cNvSpPr txBox="1"/>
+              <p:nvPr/>
+            </p:nvSpPr>
+            <p:spPr>
+              <a:xfrm>
+                <a:off x="19668514" y="6321505"/>
+                <a:ext cx="7331568" cy="3057888"/>
+              </a:xfrm>
+              <a:prstGeom prst="rect">
+                <a:avLst/>
+              </a:prstGeom>
+              <a:noFill/>
+            </p:spPr>
+            <p:txBody>
+              <a:bodyPr wrap="square" rtlCol="0">
+                <a:spAutoFit/>
+              </a:bodyPr>
+              <a:lstStyle/>
+              <a:p>
+                <a:r>
+                  <a:rPr lang="de-DE" sz="2400" dirty="0"/>
+                  <a:t>With </a:t>
+                </a:r>
+                <a:r>
+                  <a:rPr lang="de-DE" sz="2400" dirty="0" err="1"/>
+                  <a:t>the</a:t>
+                </a:r>
+                <a:r>
+                  <a:rPr lang="de-DE" sz="2400" dirty="0"/>
+                  <a:t> </a:t>
+                </a:r>
+                <a:r>
+                  <a:rPr lang="de-DE" sz="2400" dirty="0" err="1"/>
+                  <a:t>energy</a:t>
+                </a:r>
+                <a:r>
+                  <a:rPr lang="de-DE" sz="2400" dirty="0"/>
+                  <a:t> </a:t>
+                </a:r>
+                <a:r>
+                  <a:rPr lang="de-DE" sz="2400" dirty="0" err="1"/>
+                  <a:t>eigenvalues</a:t>
+                </a:r>
+                <a:r>
+                  <a:rPr lang="de-DE" sz="2400" dirty="0"/>
+                  <a:t>, </a:t>
+                </a:r>
+                <a:r>
+                  <a:rPr lang="de-DE" sz="2400" dirty="0" err="1"/>
+                  <a:t>the</a:t>
+                </a:r>
+                <a:r>
+                  <a:rPr lang="de-DE" sz="2400" dirty="0"/>
+                  <a:t> </a:t>
+                </a:r>
+                <a:r>
+                  <a:rPr lang="de-DE" sz="2400" dirty="0" err="1"/>
+                  <a:t>vibrational</a:t>
+                </a:r>
+                <a:r>
+                  <a:rPr lang="de-DE" sz="2400" dirty="0"/>
+                  <a:t> </a:t>
+                </a:r>
+                <a:r>
+                  <a:rPr lang="de-DE" sz="2400" dirty="0" err="1"/>
+                  <a:t>frequencies</a:t>
+                </a:r>
+                <a:r>
+                  <a:rPr lang="de-DE" sz="2400" dirty="0"/>
+                  <a:t> </a:t>
+                </a:r>
+                <a:r>
+                  <a:rPr lang="de-DE" sz="2400" dirty="0" err="1"/>
+                  <a:t>of</a:t>
+                </a:r>
+                <a:r>
+                  <a:rPr lang="de-DE" sz="2400" dirty="0"/>
+                  <a:t> </a:t>
+                </a:r>
+                <a:r>
+                  <a:rPr lang="de-DE" sz="2400" dirty="0" err="1"/>
+                  <a:t>both</a:t>
+                </a:r>
+                <a:r>
+                  <a:rPr lang="de-DE" sz="2400" dirty="0"/>
+                  <a:t> </a:t>
+                </a:r>
+                <a:r>
+                  <a:rPr lang="de-DE" sz="2400" dirty="0" err="1"/>
+                  <a:t>the</a:t>
+                </a:r>
+                <a:r>
+                  <a:rPr lang="de-DE" sz="2400" dirty="0"/>
+                  <a:t> fundamental and </a:t>
+                </a:r>
+                <a:r>
+                  <a:rPr lang="de-DE" sz="2400" dirty="0" err="1"/>
+                  <a:t>overtone</a:t>
+                </a:r>
+                <a:r>
+                  <a:rPr lang="de-DE" sz="2400" dirty="0"/>
+                  <a:t> </a:t>
+                </a:r>
+                <a:r>
+                  <a:rPr lang="de-DE" sz="2400" dirty="0" err="1"/>
+                  <a:t>can</a:t>
+                </a:r>
+                <a:r>
+                  <a:rPr lang="de-DE" sz="2400" dirty="0"/>
+                  <a:t> </a:t>
+                </a:r>
+                <a:r>
+                  <a:rPr lang="de-DE" sz="2400" dirty="0" err="1"/>
+                  <a:t>be</a:t>
+                </a:r>
+                <a:r>
+                  <a:rPr lang="de-DE" sz="2400" dirty="0"/>
+                  <a:t> </a:t>
+                </a:r>
+                <a:r>
+                  <a:rPr lang="de-DE" sz="2400" dirty="0" err="1"/>
+                  <a:t>calculated</a:t>
+                </a:r>
+                <a:r>
+                  <a:rPr lang="de-DE" sz="2400" dirty="0"/>
+                  <a:t>:</a:t>
+                </a:r>
+              </a:p>
+              <a:p>
+                <a14:m>
+                  <m:oMathPara xmlns:m="http://schemas.openxmlformats.org/officeDocument/2006/math">
+                    <m:oMathParaPr>
+                      <m:jc m:val="centerGroup"/>
+                    </m:oMathParaPr>
+                    <m:oMath xmlns:m="http://schemas.openxmlformats.org/officeDocument/2006/math">
+                      <m:sSub>
+                        <m:sSubPr>
+                          <m:ctrlPr>
+                            <a:rPr lang="de-AT" sz="2400" b="0" i="1" smtClean="0">
+                              <a:latin typeface="Cambria Math" panose="02040503050406030204" pitchFamily="18" charset="0"/>
+                            </a:rPr>
+                          </m:ctrlPr>
+                        </m:sSubPr>
+                        <m:e>
+                          <m:r>
+                            <a:rPr lang="de-AT" sz="2400" b="0" i="1" smtClean="0">
+                              <a:latin typeface="Cambria Math" panose="02040503050406030204" pitchFamily="18" charset="0"/>
+                            </a:rPr>
+                            <m:t>𝜈</m:t>
+                          </m:r>
+                        </m:e>
+                        <m:sub>
+                          <m:r>
+                            <a:rPr lang="de-AT" sz="2400" b="0" i="1" smtClean="0">
+                              <a:latin typeface="Cambria Math" panose="02040503050406030204" pitchFamily="18" charset="0"/>
+                            </a:rPr>
+                            <m:t>𝑛</m:t>
+                          </m:r>
+                          <m:r>
+                            <a:rPr lang="de-AT" sz="2400" b="0" i="1" smtClean="0">
+                              <a:latin typeface="Cambria Math" panose="02040503050406030204" pitchFamily="18" charset="0"/>
+                            </a:rPr>
+                            <m:t>0</m:t>
+                          </m:r>
+                        </m:sub>
+                      </m:sSub>
+                      <m:r>
+                        <a:rPr lang="de-AT" sz="2400" b="0" i="1" smtClean="0">
+                          <a:latin typeface="Cambria Math" panose="02040503050406030204" pitchFamily="18" charset="0"/>
+                        </a:rPr>
+                        <m:t>=</m:t>
+                      </m:r>
+                      <m:f>
+                        <m:fPr>
+                          <m:ctrlPr>
+                            <a:rPr lang="de-AT" sz="2400" b="0" i="1" smtClean="0">
+                              <a:latin typeface="Cambria Math" panose="02040503050406030204" pitchFamily="18" charset="0"/>
+                            </a:rPr>
+                          </m:ctrlPr>
+                        </m:fPr>
+                        <m:num>
+                          <m:sSub>
+                            <m:sSubPr>
+                              <m:ctrlPr>
+                                <a:rPr lang="de-AT" sz="2400" b="0" i="1" smtClean="0">
+                                  <a:latin typeface="Cambria Math" panose="02040503050406030204" pitchFamily="18" charset="0"/>
+                                </a:rPr>
+                              </m:ctrlPr>
+                            </m:sSubPr>
+                            <m:e>
+                              <m:r>
+                                <a:rPr lang="de-AT" sz="2400" b="0" i="1" smtClean="0">
+                                  <a:latin typeface="Cambria Math" panose="02040503050406030204" pitchFamily="18" charset="0"/>
+                                </a:rPr>
+                                <m:t>𝐸</m:t>
+                              </m:r>
+                            </m:e>
+                            <m:sub>
+                              <m:r>
+                                <a:rPr lang="de-AT" sz="2400" b="0" i="1" smtClean="0">
+                                  <a:latin typeface="Cambria Math" panose="02040503050406030204" pitchFamily="18" charset="0"/>
+                                </a:rPr>
+                                <m:t>𝑛</m:t>
+                              </m:r>
+                            </m:sub>
+                          </m:sSub>
+                          <m:r>
+                            <a:rPr lang="de-AT" sz="2400" b="0" i="1" smtClean="0">
+                              <a:latin typeface="Cambria Math" panose="02040503050406030204" pitchFamily="18" charset="0"/>
+                            </a:rPr>
+                            <m:t>−</m:t>
+                          </m:r>
+                          <m:sSub>
+                            <m:sSubPr>
+                              <m:ctrlPr>
+                                <a:rPr lang="de-AT" sz="2400" b="0" i="1" smtClean="0">
+                                  <a:latin typeface="Cambria Math" panose="02040503050406030204" pitchFamily="18" charset="0"/>
+                                </a:rPr>
+                              </m:ctrlPr>
+                            </m:sSubPr>
+                            <m:e>
+                              <m:r>
+                                <a:rPr lang="de-AT" sz="2400" b="0" i="1" smtClean="0">
+                                  <a:latin typeface="Cambria Math" panose="02040503050406030204" pitchFamily="18" charset="0"/>
+                                </a:rPr>
+                                <m:t>𝐸</m:t>
+                              </m:r>
+                            </m:e>
+                            <m:sub>
+                              <m:r>
+                                <a:rPr lang="de-AT" sz="2400" b="0" i="1" smtClean="0">
+                                  <a:latin typeface="Cambria Math" panose="02040503050406030204" pitchFamily="18" charset="0"/>
+                                </a:rPr>
+                                <m:t>0</m:t>
+                              </m:r>
+                            </m:sub>
+                          </m:sSub>
+                        </m:num>
+                        <m:den>
+                          <m:r>
+                            <a:rPr lang="de-AT" sz="2400" b="0" i="1" smtClean="0">
+                              <a:latin typeface="Cambria Math" panose="02040503050406030204" pitchFamily="18" charset="0"/>
+                            </a:rPr>
+                            <m:t>h</m:t>
+                          </m:r>
+                        </m:den>
+                      </m:f>
+                    </m:oMath>
+                  </m:oMathPara>
+                </a14:m>
+                <a:endParaRPr lang="de-DE" sz="2400" dirty="0"/>
+              </a:p>
+              <a:p>
+                <a:r>
+                  <a:rPr lang="de-DE" sz="2400" dirty="0"/>
+                  <a:t>The </a:t>
+                </a:r>
+                <a:r>
+                  <a:rPr lang="de-DE" sz="2400" dirty="0" err="1"/>
+                  <a:t>following</a:t>
+                </a:r>
+                <a:r>
+                  <a:rPr lang="de-DE" sz="2400" dirty="0"/>
+                  <a:t> </a:t>
+                </a:r>
+                <a:r>
+                  <a:rPr lang="de-DE" sz="2400" dirty="0" err="1"/>
+                  <a:t>table</a:t>
+                </a:r>
+                <a:r>
+                  <a:rPr lang="de-DE" sz="2400" dirty="0"/>
+                  <a:t> </a:t>
+                </a:r>
+                <a:r>
+                  <a:rPr lang="de-DE" sz="2400" dirty="0" err="1"/>
+                  <a:t>displays</a:t>
+                </a:r>
+                <a:r>
+                  <a:rPr lang="de-DE" sz="2400" dirty="0"/>
+                  <a:t> </a:t>
+                </a:r>
+                <a:r>
+                  <a:rPr lang="de-DE" sz="2400" dirty="0" err="1"/>
+                  <a:t>the</a:t>
+                </a:r>
+                <a:r>
+                  <a:rPr lang="de-DE" sz="2400" dirty="0"/>
+                  <a:t> </a:t>
+                </a:r>
+                <a:r>
+                  <a:rPr lang="de-DE" sz="2400" dirty="0" err="1"/>
+                  <a:t>Overlap</a:t>
+                </a:r>
+                <a:r>
+                  <a:rPr lang="de-DE" sz="2400" dirty="0"/>
+                  <a:t> </a:t>
+                </a:r>
+                <a:r>
+                  <a:rPr lang="de-DE" sz="2400" dirty="0" err="1"/>
+                  <a:t>matrix</a:t>
+                </a:r>
+                <a:r>
+                  <a:rPr lang="de-DE" sz="2400" dirty="0"/>
+                  <a:t>:</a:t>
+                </a:r>
+              </a:p>
+              <a:p>
+                <a14:m>
+                  <m:oMathPara xmlns:m="http://schemas.openxmlformats.org/officeDocument/2006/math">
+                    <m:oMathParaPr>
+                      <m:jc m:val="centerGroup"/>
+                    </m:oMathParaPr>
+                    <m:oMath xmlns:m="http://schemas.openxmlformats.org/officeDocument/2006/math">
+                      <m:sSub>
+                        <m:sSubPr>
+                          <m:ctrlPr>
+                            <a:rPr lang="de-AT" sz="2400" b="0" i="1" smtClean="0">
+                              <a:latin typeface="Cambria Math" panose="02040503050406030204" pitchFamily="18" charset="0"/>
+                            </a:rPr>
+                          </m:ctrlPr>
+                        </m:sSubPr>
+                        <m:e>
+                          <m:r>
+                            <a:rPr lang="de-AT" sz="2400" b="0" i="1" smtClean="0">
+                              <a:latin typeface="Cambria Math" panose="02040503050406030204" pitchFamily="18" charset="0"/>
+                            </a:rPr>
+                            <m:t>𝑆</m:t>
+                          </m:r>
+                        </m:e>
+                        <m:sub>
+                          <m:r>
+                            <a:rPr lang="de-AT" sz="2400" b="0" i="1" smtClean="0">
+                              <a:latin typeface="Cambria Math" panose="02040503050406030204" pitchFamily="18" charset="0"/>
+                            </a:rPr>
+                            <m:t>𝑖𝑗</m:t>
+                          </m:r>
+                        </m:sub>
+                      </m:sSub>
+                      <m:r>
+                        <a:rPr lang="de-AT" sz="2400" b="0" i="1" smtClean="0">
+                          <a:latin typeface="Cambria Math" panose="02040503050406030204" pitchFamily="18" charset="0"/>
+                        </a:rPr>
+                        <m:t>=</m:t>
+                      </m:r>
+                      <m:nary>
+                        <m:naryPr>
+                          <m:ctrlPr>
+                            <a:rPr lang="de-AT" sz="2400" b="0" i="1" smtClean="0">
+                              <a:latin typeface="Cambria Math" panose="02040503050406030204" pitchFamily="18" charset="0"/>
+                            </a:rPr>
+                          </m:ctrlPr>
+                        </m:naryPr>
+                        <m:sub>
+                          <m:r>
+                            <m:rPr>
+                              <m:brk m:alnAt="23"/>
+                            </m:rPr>
+                            <a:rPr lang="de-AT" sz="2400" b="0" i="1" smtClean="0">
+                              <a:latin typeface="Cambria Math" panose="02040503050406030204" pitchFamily="18" charset="0"/>
+                            </a:rPr>
+                            <m:t>−</m:t>
+                          </m:r>
+                          <m:r>
+                            <a:rPr lang="de-AT" sz="2400" b="0" i="1" smtClean="0">
+                              <a:latin typeface="Cambria Math" panose="02040503050406030204" pitchFamily="18" charset="0"/>
+                            </a:rPr>
+                            <m:t>∞</m:t>
+                          </m:r>
+                        </m:sub>
+                        <m:sup>
+                          <m:r>
+                            <a:rPr lang="de-AT" sz="2400" b="0" i="1" smtClean="0">
+                              <a:latin typeface="Cambria Math" panose="02040503050406030204" pitchFamily="18" charset="0"/>
+                            </a:rPr>
+                            <m:t>∞</m:t>
+                          </m:r>
+                        </m:sup>
+                        <m:e>
+                          <m:sSub>
+                            <m:sSubPr>
+                              <m:ctrlPr>
+                                <a:rPr lang="de-AT" sz="2400" b="0" i="1" smtClean="0">
+                                  <a:latin typeface="Cambria Math" panose="02040503050406030204" pitchFamily="18" charset="0"/>
+                                </a:rPr>
+                              </m:ctrlPr>
+                            </m:sSubPr>
+                            <m:e>
+                              <m:r>
+                                <a:rPr lang="de-AT" sz="2400" b="0" i="1" smtClean="0">
+                                  <a:latin typeface="Cambria Math" panose="02040503050406030204" pitchFamily="18" charset="0"/>
+                                </a:rPr>
+                                <m:t>𝜓</m:t>
+                              </m:r>
+                            </m:e>
+                            <m:sub>
+                              <m:r>
+                                <a:rPr lang="de-AT" sz="2400" b="0" i="1" smtClean="0">
+                                  <a:latin typeface="Cambria Math" panose="02040503050406030204" pitchFamily="18" charset="0"/>
+                                </a:rPr>
+                                <m:t>𝑖</m:t>
+                              </m:r>
+                            </m:sub>
+                          </m:sSub>
+                          <m:d>
+                            <m:dPr>
+                              <m:ctrlPr>
+                                <a:rPr lang="de-AT" sz="2400" b="0" i="1" smtClean="0">
+                                  <a:latin typeface="Cambria Math" panose="02040503050406030204" pitchFamily="18" charset="0"/>
+                                </a:rPr>
+                              </m:ctrlPr>
+                            </m:dPr>
+                            <m:e>
+                              <m:r>
+                                <a:rPr lang="de-AT" sz="2400" b="0" i="1" smtClean="0">
+                                  <a:latin typeface="Cambria Math" panose="02040503050406030204" pitchFamily="18" charset="0"/>
+                                </a:rPr>
+                                <m:t>𝑥</m:t>
+                              </m:r>
+                            </m:e>
+                          </m:d>
+                          <m:sSub>
+                            <m:sSubPr>
+                              <m:ctrlPr>
+                                <a:rPr lang="de-AT" sz="2400" b="0" i="1" smtClean="0">
+                                  <a:latin typeface="Cambria Math" panose="02040503050406030204" pitchFamily="18" charset="0"/>
+                                </a:rPr>
+                              </m:ctrlPr>
+                            </m:sSubPr>
+                            <m:e>
+                              <m:r>
+                                <a:rPr lang="de-AT" sz="2400" b="0" i="1" smtClean="0">
+                                  <a:latin typeface="Cambria Math" panose="02040503050406030204" pitchFamily="18" charset="0"/>
+                                </a:rPr>
+                                <m:t>𝜓</m:t>
+                              </m:r>
+                            </m:e>
+                            <m:sub>
+                              <m:r>
+                                <a:rPr lang="de-AT" sz="2400" b="0" i="1" smtClean="0">
+                                  <a:latin typeface="Cambria Math" panose="02040503050406030204" pitchFamily="18" charset="0"/>
+                                </a:rPr>
+                                <m:t>𝑗</m:t>
+                              </m:r>
+                            </m:sub>
+                          </m:sSub>
+                          <m:d>
+                            <m:dPr>
+                              <m:ctrlPr>
+                                <a:rPr lang="de-AT" sz="2400" b="0" i="1" smtClean="0">
+                                  <a:latin typeface="Cambria Math" panose="02040503050406030204" pitchFamily="18" charset="0"/>
+                                </a:rPr>
+                              </m:ctrlPr>
+                            </m:dPr>
+                            <m:e>
+                              <m:r>
+                                <a:rPr lang="de-AT" sz="2400" b="0" i="1" smtClean="0">
+                                  <a:latin typeface="Cambria Math" panose="02040503050406030204" pitchFamily="18" charset="0"/>
+                                </a:rPr>
+                                <m:t>𝑥</m:t>
+                              </m:r>
+                            </m:e>
+                          </m:d>
+                          <m:r>
+                            <a:rPr lang="de-AT" sz="2400" b="0" i="1" smtClean="0">
+                              <a:latin typeface="Cambria Math" panose="02040503050406030204" pitchFamily="18" charset="0"/>
+                            </a:rPr>
+                            <m:t>𝑑𝑥</m:t>
+                          </m:r>
+                        </m:e>
+                      </m:nary>
+                    </m:oMath>
+                  </m:oMathPara>
+                </a14:m>
+                <a:endParaRPr lang="de-DE" sz="2400" dirty="0"/>
+              </a:p>
+            </p:txBody>
+          </p:sp>
+        </mc:Choice>
+        <mc:Fallback>
+          <p:sp>
+            <p:nvSpPr>
+              <p:cNvPr id="7" name="Textfeld 6">
+                <a:extLst>
+                  <a:ext uri="{FF2B5EF4-FFF2-40B4-BE49-F238E27FC236}">
+                    <a16:creationId xmlns:a16="http://schemas.microsoft.com/office/drawing/2014/main" id="{C5E9A2F1-3763-F137-94BD-F15C4B2F24A9}"/>
+                  </a:ext>
+                </a:extLst>
+              </p:cNvPr>
+              <p:cNvSpPr txBox="1">
+                <a:spLocks noRot="1" noChangeAspect="1" noMove="1" noResize="1" noEditPoints="1" noAdjustHandles="1" noChangeArrowheads="1" noChangeShapeType="1" noTextEdit="1"/>
+              </p:cNvSpPr>
+              <p:nvPr/>
+            </p:nvSpPr>
+            <p:spPr>
+              <a:xfrm>
+                <a:off x="19668514" y="6321505"/>
+                <a:ext cx="7331568" cy="3057888"/>
+              </a:xfrm>
+              <a:prstGeom prst="rect">
+                <a:avLst/>
+              </a:prstGeom>
+              <a:blipFill>
+                <a:blip r:embed="rId32"/>
+                <a:stretch>
+                  <a:fillRect l="-1211" t="-1653" r="-1038" b="-71488"/>
+                </a:stretch>
+              </a:blipFill>
+            </p:spPr>
+            <p:txBody>
+              <a:bodyPr/>
+              <a:lstStyle/>
+              <a:p>
+                <a:r>
+                  <a:rPr lang="de-DE">
+                    <a:noFill/>
+                  </a:rPr>
+                  <a:t> </a:t>
+                </a:r>
+              </a:p>
+            </p:txBody>
+          </p:sp>
+        </mc:Fallback>
+      </mc:AlternateContent>
     </p:spTree>
     <p:extLst>
       <p:ext uri="{BB962C8B-B14F-4D97-AF65-F5344CB8AC3E}">
@@ -16545,11 +19459,6 @@
   <p:clrMapOvr>
     <a:masterClrMapping/>
   </p:clrMapOvr>
-  <p:extLst>
-    <p:ext uri="{6950BFC3-D8DA-4A85-94F7-54DA5524770B}">
-      <p188:commentRel xmlns:p188="http://schemas.microsoft.com/office/powerpoint/2018/8/main" r:id="rId3"/>
-    </p:ext>
-  </p:extLst>
 </p:sld>
 </file>
 

--- a/Praktikum/poster_power_point/poster_qm_a/qm_a_meinschad.pptx
+++ b/Praktikum/poster_power_point/poster_qm_a/qm_a_meinschad.pptx
@@ -203,7 +203,7 @@
           <a:p>
             <a:fld id="{8C3BDDA7-5E33-DA47-8AF0-E5C223F202AD}" type="datetimeFigureOut">
               <a:rPr lang="de-DE" smtClean="0"/>
-              <a:t>18.11.24</a:t>
+              <a:t>21.11.24</a:t>
             </a:fld>
             <a:endParaRPr lang="de-DE"/>
           </a:p>
@@ -685,7 +685,7 @@
           <a:p>
             <a:fld id="{EF3E90B6-A121-0A49-A325-CBA152FDFCFA}" type="datetimeFigureOut">
               <a:rPr lang="de-DE" smtClean="0"/>
-              <a:t>18.11.24</a:t>
+              <a:t>21.11.24</a:t>
             </a:fld>
             <a:endParaRPr lang="de-DE"/>
           </a:p>
@@ -855,7 +855,7 @@
           <a:p>
             <a:fld id="{EF3E90B6-A121-0A49-A325-CBA152FDFCFA}" type="datetimeFigureOut">
               <a:rPr lang="de-DE" smtClean="0"/>
-              <a:t>18.11.24</a:t>
+              <a:t>21.11.24</a:t>
             </a:fld>
             <a:endParaRPr lang="de-DE"/>
           </a:p>
@@ -1035,7 +1035,7 @@
           <a:p>
             <a:fld id="{EF3E90B6-A121-0A49-A325-CBA152FDFCFA}" type="datetimeFigureOut">
               <a:rPr lang="de-DE" smtClean="0"/>
-              <a:t>18.11.24</a:t>
+              <a:t>21.11.24</a:t>
             </a:fld>
             <a:endParaRPr lang="de-DE"/>
           </a:p>
@@ -1205,7 +1205,7 @@
           <a:p>
             <a:fld id="{EF3E90B6-A121-0A49-A325-CBA152FDFCFA}" type="datetimeFigureOut">
               <a:rPr lang="de-DE" smtClean="0"/>
-              <a:t>18.11.24</a:t>
+              <a:t>21.11.24</a:t>
             </a:fld>
             <a:endParaRPr lang="de-DE"/>
           </a:p>
@@ -1451,7 +1451,7 @@
           <a:p>
             <a:fld id="{EF3E90B6-A121-0A49-A325-CBA152FDFCFA}" type="datetimeFigureOut">
               <a:rPr lang="de-DE" smtClean="0"/>
-              <a:t>18.11.24</a:t>
+              <a:t>21.11.24</a:t>
             </a:fld>
             <a:endParaRPr lang="de-DE"/>
           </a:p>
@@ -1683,7 +1683,7 @@
           <a:p>
             <a:fld id="{EF3E90B6-A121-0A49-A325-CBA152FDFCFA}" type="datetimeFigureOut">
               <a:rPr lang="de-DE" smtClean="0"/>
-              <a:t>18.11.24</a:t>
+              <a:t>21.11.24</a:t>
             </a:fld>
             <a:endParaRPr lang="de-DE"/>
           </a:p>
@@ -2050,7 +2050,7 @@
           <a:p>
             <a:fld id="{EF3E90B6-A121-0A49-A325-CBA152FDFCFA}" type="datetimeFigureOut">
               <a:rPr lang="de-DE" smtClean="0"/>
-              <a:t>18.11.24</a:t>
+              <a:t>21.11.24</a:t>
             </a:fld>
             <a:endParaRPr lang="de-DE"/>
           </a:p>
@@ -2168,7 +2168,7 @@
           <a:p>
             <a:fld id="{EF3E90B6-A121-0A49-A325-CBA152FDFCFA}" type="datetimeFigureOut">
               <a:rPr lang="de-DE" smtClean="0"/>
-              <a:t>18.11.24</a:t>
+              <a:t>21.11.24</a:t>
             </a:fld>
             <a:endParaRPr lang="de-DE"/>
           </a:p>
@@ -2263,7 +2263,7 @@
           <a:p>
             <a:fld id="{EF3E90B6-A121-0A49-A325-CBA152FDFCFA}" type="datetimeFigureOut">
               <a:rPr lang="de-DE" smtClean="0"/>
-              <a:t>18.11.24</a:t>
+              <a:t>21.11.24</a:t>
             </a:fld>
             <a:endParaRPr lang="de-DE"/>
           </a:p>
@@ -2540,7 +2540,7 @@
           <a:p>
             <a:fld id="{EF3E90B6-A121-0A49-A325-CBA152FDFCFA}" type="datetimeFigureOut">
               <a:rPr lang="de-DE" smtClean="0"/>
-              <a:t>18.11.24</a:t>
+              <a:t>21.11.24</a:t>
             </a:fld>
             <a:endParaRPr lang="de-DE"/>
           </a:p>
@@ -2797,7 +2797,7 @@
           <a:p>
             <a:fld id="{EF3E90B6-A121-0A49-A325-CBA152FDFCFA}" type="datetimeFigureOut">
               <a:rPr lang="de-DE" smtClean="0"/>
-              <a:t>18.11.24</a:t>
+              <a:t>21.11.24</a:t>
             </a:fld>
             <a:endParaRPr lang="de-DE"/>
           </a:p>
@@ -3010,7 +3010,7 @@
           <a:p>
             <a:fld id="{EF3E90B6-A121-0A49-A325-CBA152FDFCFA}" type="datetimeFigureOut">
               <a:rPr lang="de-DE" smtClean="0"/>
-              <a:t>18.11.24</a:t>
+              <a:t>21.11.24</a:t>
             </a:fld>
             <a:endParaRPr lang="de-DE"/>
           </a:p>
@@ -3558,7 +3558,7 @@
                 <a:latin typeface="Arial" panose="020B0604020202020204" pitchFamily="34" charset="0"/>
                 <a:cs typeface="Arial" panose="020B0604020202020204" pitchFamily="34" charset="0"/>
               </a:rPr>
-              <a:t>Advanced Practical in Theoretical Chemistry </a:t>
+              <a:t>Advanced Practical Course in Theoretical Chemistry </a:t>
             </a:r>
             <a:endParaRPr lang="en-US" sz="6000" i="0" noProof="1">
               <a:solidFill>
@@ -3584,8 +3584,8 @@
         </p:nvSpPr>
         <p:spPr>
           <a:xfrm>
-            <a:off x="540203" y="3708612"/>
-            <a:ext cx="11628620" cy="1057275"/>
+            <a:off x="540202" y="3708612"/>
+            <a:ext cx="11628621" cy="1057275"/>
           </a:xfrm>
           <a:prstGeom prst="rect">
             <a:avLst/>
@@ -3645,7 +3645,7 @@
             <p:spPr>
               <a:xfrm>
                 <a:off x="540202" y="4773766"/>
-                <a:ext cx="11628620" cy="1938992"/>
+                <a:ext cx="11628620" cy="4524315"/>
               </a:xfrm>
               <a:prstGeom prst="rect">
                 <a:avLst/>
@@ -3665,16 +3665,43 @@
               <a:p>
                 <a:r>
                   <a:rPr lang="en-US" sz="2400" noProof="1"/>
-                  <a:t>This poster shows the results of the first part of QM calculations from the advanced practical course. For difluor </a:t>
+                  <a:t>Vibrational frequencies obtained through the </a:t>
+                </a:r>
+                <a:r>
+                  <a:rPr lang="en-US" sz="2400" b="1" noProof="1"/>
+                  <a:t>harmonic oscillator framework </a:t>
+                </a:r>
+                <a:r>
+                  <a:rPr lang="en-US" sz="2400" noProof="1"/>
+                  <a:t>provide only quantitative, but no qualitative explanation of observed spectra. Anharmonicity of molecular vibration is responsible for the finer features observed in spectra of molecules, for example the uneven spacings of overtone levels [1].</a:t>
+                </a:r>
+              </a:p>
+              <a:p>
+                <a:endParaRPr lang="en-US" sz="2400" noProof="1"/>
+              </a:p>
+              <a:p>
+                <a:r>
+                  <a:rPr lang="en-US" sz="2400" noProof="1"/>
+                  <a:t>In this part of the practical course, we apply the </a:t>
+                </a:r>
+                <a:r>
+                  <a:rPr lang="en-US" sz="2400" b="1" noProof="1"/>
+                  <a:t>Numerov’s method</a:t>
+                </a:r>
+                <a:r>
+                  <a:rPr lang="en-US" sz="2400" noProof="1"/>
+                  <a:t> to numerically solve the </a:t>
+                </a:r>
+                <a:r>
+                  <a:rPr lang="en-US" sz="2400" b="1" noProof="1"/>
+                  <a:t>nuclear Schrödinger </a:t>
+                </a:r>
+                <a:r>
+                  <a:rPr lang="en-US" sz="2400" noProof="1"/>
+                  <a:t>equation. For the systems </a:t>
                 </a:r>
                 <a14:m>
                   <m:oMath xmlns:m="http://schemas.openxmlformats.org/officeDocument/2006/math">
-                    <m:r>
-                      <a:rPr lang="de-AT" sz="2400" b="0" i="0" noProof="1" smtClean="0">
-                        <a:latin typeface="Cambria Math" panose="02040503050406030204" pitchFamily="18" charset="0"/>
-                      </a:rPr>
-                      <m:t>(</m:t>
-                    </m:r>
                     <m:sSub>
                       <m:sSubPr>
                         <m:ctrlPr>
@@ -3703,21 +3730,11 @@
                         </m:r>
                       </m:sub>
                     </m:sSub>
-                    <m:r>
-                      <a:rPr lang="de-AT" sz="2400" b="0" i="0" noProof="1" smtClean="0">
-                        <a:latin typeface="Cambria Math" panose="02040503050406030204" pitchFamily="18" charset="0"/>
-                      </a:rPr>
-                      <m:t>)</m:t>
-                    </m:r>
                   </m:oMath>
                 </a14:m>
                 <a:r>
-                  <a:rPr lang="en-US" sz="2400" b="1" noProof="1"/>
-                  <a:t> </a:t>
-                </a:r>
-                <a:r>
                   <a:rPr lang="en-US" sz="2400" noProof="1"/>
-                  <a:t>and trans-acetic acid (</a:t>
+                  <a:t> and trans-</a:t>
                 </a:r>
                 <a14:m>
                   <m:oMath xmlns:m="http://schemas.openxmlformats.org/officeDocument/2006/math">
@@ -3767,39 +3784,28 @@
                       </a:rPr>
                       <m:t>COOH</m:t>
                     </m:r>
-                    <m:r>
-                      <a:rPr lang="de-AT" sz="2400" b="0" i="0" noProof="1" smtClean="0">
-                        <a:latin typeface="Cambria Math" panose="02040503050406030204" pitchFamily="18" charset="0"/>
-                      </a:rPr>
-                      <m:t>)</m:t>
-                    </m:r>
                   </m:oMath>
                 </a14:m>
                 <a:r>
+                  <a:rPr lang="en-US" sz="2400" noProof="1"/>
+                  <a:t> we perform a geometry optimization, harmonic frequency calculation and a bond scan of F-F, O-H, and O-D to obtain discrete points on the potential energy surface (PES). By comparison of the results of the </a:t>
+                </a:r>
+                <a:r>
                   <a:rPr lang="en-US" sz="2400" b="1" noProof="1"/>
-                  <a:t> </a:t>
+                  <a:t>harmonic approximation </a:t>
                 </a:r>
                 <a:r>
                   <a:rPr lang="en-US" sz="2400" noProof="1"/>
-                  <a:t>a geometry optimization and harmonic frequency calculation were performed.  Further, a bond scan along F-F and O-H was carried out and the potential energies were used to numerically solve the </a:t>
+                  <a:t>and </a:t>
                 </a:r>
                 <a:r>
-                  <a:rPr lang="en-US" sz="2400" b="1" i="1" noProof="1"/>
-                  <a:t>Schrödinger equation </a:t>
+                  <a:rPr lang="en-US" sz="2400" b="1" noProof="1"/>
+                  <a:t>Numerov’s method </a:t>
                 </a:r>
                 <a:r>
                   <a:rPr lang="en-US" sz="2400" noProof="1"/>
-                  <a:t>using </a:t>
+                  <a:t>we can gain insight of the interplay of anharmonicity and mode coupling to molecular vibrations</a:t>
                 </a:r>
-                <a:r>
-                  <a:rPr lang="en-US" sz="2400" b="1" i="1" noProof="1"/>
-                  <a:t>Numervo’s </a:t>
-                </a:r>
-                <a:r>
-                  <a:rPr lang="en-US" sz="2400" noProof="1"/>
-                  <a:t>method. </a:t>
-                </a:r>
-                <a:endParaRPr lang="en-US" sz="2400" b="1" noProof="1"/>
               </a:p>
             </p:txBody>
           </p:sp>
@@ -3822,15 +3828,15 @@
             <p:spPr>
               <a:xfrm>
                 <a:off x="540202" y="4773766"/>
-                <a:ext cx="11628620" cy="1938992"/>
+                <a:ext cx="11628620" cy="4524315"/>
               </a:xfrm>
               <a:prstGeom prst="rect">
                 <a:avLst/>
               </a:prstGeom>
               <a:blipFill>
-                <a:blip r:embed="rId4"/>
+                <a:blip r:embed="rId3"/>
                 <a:stretch>
-                  <a:fillRect l="-763" t="-1948" b="-6494"/>
+                  <a:fillRect l="-763" t="-838" r="-436" b="-2235"/>
                 </a:stretch>
               </a:blipFill>
               <a:ln>
@@ -3868,8 +3874,8 @@
         </p:nvSpPr>
         <p:spPr>
           <a:xfrm>
-            <a:off x="563629" y="7669058"/>
-            <a:ext cx="11628620" cy="1057275"/>
+            <a:off x="506724" y="9658755"/>
+            <a:ext cx="11669597" cy="1057275"/>
           </a:xfrm>
           <a:prstGeom prst="rect">
             <a:avLst/>
@@ -3926,8 +3932,8 @@
         </p:nvSpPr>
         <p:spPr>
           <a:xfrm>
-            <a:off x="563629" y="8736474"/>
-            <a:ext cx="11628621" cy="5139869"/>
+            <a:off x="506725" y="10726171"/>
+            <a:ext cx="11669598" cy="4955203"/>
           </a:xfrm>
           <a:prstGeom prst="rect">
             <a:avLst/>
@@ -3962,7 +3968,7 @@
           <a:p>
             <a:r>
               <a:rPr lang="en-US" sz="2400" noProof="1"/>
-              <a:t>The geometries of both structures were optimized with the B3LYP functional using the 6-311++G(3df,3pd) basis set. Further, a frequency calculation and a bond scan was performed. </a:t>
+              <a:t>The geometry optimization and frequency calculation of both structures were carried out with the B3LYP functional using the 6-311++G(3df,3pd) basis set and additional convergence criteria. </a:t>
             </a:r>
             <a:endParaRPr lang="en-US" sz="4800" noProof="1"/>
           </a:p>
@@ -3984,7 +3990,7 @@
             </p:nvSpPr>
             <p:spPr>
               <a:xfrm>
-                <a:off x="854632" y="11942318"/>
+                <a:off x="935861" y="13771939"/>
                 <a:ext cx="10999759" cy="461665"/>
               </a:xfrm>
               <a:prstGeom prst="rect">
@@ -4090,7 +4096,7 @@
                 </a14:m>
                 <a:r>
                   <a:rPr lang="en-US" sz="2400" noProof="1"/>
-                  <a:t> optimized with  B3LYP/6-311++G(3df,3pd)</a:t>
+                  <a:t> optimized with  B3LYP/6-311++G(3df,3pd).</a:t>
                 </a:r>
               </a:p>
             </p:txBody>
@@ -4113,16 +4119,16 @@
             </p:nvSpPr>
             <p:spPr>
               <a:xfrm>
-                <a:off x="854632" y="11942318"/>
+                <a:off x="935861" y="13771939"/>
                 <a:ext cx="10999759" cy="461665"/>
               </a:xfrm>
               <a:prstGeom prst="rect">
                 <a:avLst/>
               </a:prstGeom>
               <a:blipFill>
-                <a:blip r:embed="rId5"/>
+                <a:blip r:embed="rId4"/>
                 <a:stretch>
-                  <a:fillRect l="-923" t="-10811" b="-29730"/>
+                  <a:fillRect l="-807" t="-10811" b="-29730"/>
                 </a:stretch>
               </a:blipFill>
             </p:spPr>
@@ -4155,8 +4161,8 @@
         </p:nvSpPr>
         <p:spPr>
           <a:xfrm>
-            <a:off x="565253" y="14279925"/>
-            <a:ext cx="11628621" cy="1795136"/>
+            <a:off x="506724" y="15890065"/>
+            <a:ext cx="11687151" cy="1795136"/>
           </a:xfrm>
           <a:prstGeom prst="rect">
             <a:avLst/>
@@ -4193,7 +4199,7 @@
             <a:pPr algn="ctr"/>
             <a:r>
               <a:rPr lang="en-US" sz="4400" b="1" noProof="1"/>
-              <a:t>Calculation of force Constant  and reduced mass</a:t>
+              <a:t>Calculation of force constants  and reduced masses</a:t>
             </a:r>
             <a:endParaRPr lang="en-US" sz="4800" b="1" noProof="1"/>
           </a:p>
@@ -4215,8 +4221,8 @@
             </p:nvSpPr>
             <p:spPr>
               <a:xfrm>
-                <a:off x="565252" y="16008151"/>
-                <a:ext cx="11628621" cy="11049179"/>
+                <a:off x="506724" y="17701977"/>
+                <a:ext cx="11687150" cy="11849398"/>
               </a:xfrm>
               <a:prstGeom prst="rect">
                 <a:avLst/>
@@ -4235,18 +4241,20 @@
               <a:lstStyle/>
               <a:p>
                 <a:r>
-                  <a:rPr lang="en-US" sz="2400" noProof="1">
-                    <a:latin typeface="Arial" panose="020B0604020202020204" pitchFamily="34" charset="0"/>
-                    <a:cs typeface="Arial" panose="020B0604020202020204" pitchFamily="34" charset="0"/>
-                  </a:rPr>
-                  <a:t>The force constant can be calculated using finite differences from the potential energy curve of the bond scan:</a:t>
+                  <a:rPr lang="en-US" sz="2400" noProof="1"/>
+                  <a:t>The force constant can be calculated using </a:t>
+                </a:r>
+                <a:r>
+                  <a:rPr lang="en-US" sz="2400" b="1" noProof="1"/>
+                  <a:t>finite differences method </a:t>
+                </a:r>
+                <a:r>
+                  <a:rPr lang="en-US" sz="2400" noProof="1"/>
+                  <a:t>from the potential energy curve of the bond scan:</a:t>
                 </a:r>
               </a:p>
               <a:p>
-                <a:endParaRPr lang="en-US" sz="2400" noProof="1">
-                  <a:latin typeface="Arial" panose="020B0604020202020204" pitchFamily="34" charset="0"/>
-                  <a:cs typeface="Arial" panose="020B0604020202020204" pitchFamily="34" charset="0"/>
-                </a:endParaRPr>
+                <a:endParaRPr lang="en-US" sz="2400" noProof="1"/>
               </a:p>
               <a:p>
                 <a:pPr/>
@@ -4257,25 +4265,22 @@
                     </m:oMathParaPr>
                     <m:oMath xmlns:m="http://schemas.openxmlformats.org/officeDocument/2006/math">
                       <m:r>
-                        <a:rPr lang="en-US" sz="2400" b="0" i="1" noProof="1" dirty="0" smtClean="0">
+                        <a:rPr lang="en-US" sz="2400" noProof="1" dirty="0">
                           <a:latin typeface="Cambria Math" panose="02040503050406030204" pitchFamily="18" charset="0"/>
-                          <a:cs typeface="Arial" panose="020B0604020202020204" pitchFamily="34" charset="0"/>
                         </a:rPr>
                         <m:t>𝑘</m:t>
                       </m:r>
                       <m:r>
-                        <a:rPr lang="en-US" sz="2400" b="0" i="1" noProof="1" dirty="0" smtClean="0">
+                        <a:rPr lang="en-US" sz="2400" noProof="1" dirty="0">
                           <a:latin typeface="Cambria Math" panose="02040503050406030204" pitchFamily="18" charset="0"/>
-                          <a:cs typeface="Arial" panose="020B0604020202020204" pitchFamily="34" charset="0"/>
                         </a:rPr>
                         <m:t>≈ </m:t>
                       </m:r>
                       <m:f>
                         <m:fPr>
                           <m:ctrlPr>
-                            <a:rPr lang="en-US" sz="2400" b="0" i="1" noProof="1" dirty="0" smtClean="0">
+                            <a:rPr lang="en-US" sz="2400" i="1" noProof="1" dirty="0">
                               <a:latin typeface="Cambria Math" panose="02040503050406030204" pitchFamily="18" charset="0"/>
-                              <a:cs typeface="Arial" panose="020B0604020202020204" pitchFamily="34" charset="0"/>
                             </a:rPr>
                           </m:ctrlPr>
                         </m:fPr>
@@ -4283,110 +4288,97 @@
                           <m:sSub>
                             <m:sSubPr>
                               <m:ctrlPr>
-                                <a:rPr lang="en-US" sz="2400" b="0" i="1" noProof="1" dirty="0" smtClean="0">
+                                <a:rPr lang="en-US" sz="2400" i="1" noProof="1" dirty="0">
                                   <a:latin typeface="Cambria Math" panose="02040503050406030204" pitchFamily="18" charset="0"/>
-                                  <a:cs typeface="Arial" panose="020B0604020202020204" pitchFamily="34" charset="0"/>
                                 </a:rPr>
                               </m:ctrlPr>
                             </m:sSubPr>
                             <m:e>
                               <m:r>
-                                <a:rPr lang="en-US" sz="2400" b="0" i="1" noProof="1" dirty="0" smtClean="0">
+                                <a:rPr lang="en-US" sz="2400" noProof="1" dirty="0">
                                   <a:latin typeface="Cambria Math" panose="02040503050406030204" pitchFamily="18" charset="0"/>
-                                  <a:cs typeface="Arial" panose="020B0604020202020204" pitchFamily="34" charset="0"/>
                                 </a:rPr>
                                 <m:t>𝐸</m:t>
                               </m:r>
                             </m:e>
                             <m:sub>
                               <m:r>
-                                <a:rPr lang="en-US" sz="2400" b="0" i="1" noProof="1" dirty="0" smtClean="0">
+                                <a:rPr lang="en-US" sz="2400" noProof="1" dirty="0">
                                   <a:latin typeface="Cambria Math" panose="02040503050406030204" pitchFamily="18" charset="0"/>
-                                  <a:cs typeface="Arial" panose="020B0604020202020204" pitchFamily="34" charset="0"/>
                                 </a:rPr>
                                 <m:t>𝑚𝑖𝑛</m:t>
                               </m:r>
                               <m:r>
-                                <a:rPr lang="en-US" sz="2400" b="0" i="1" noProof="1" dirty="0" smtClean="0">
+                                <a:rPr lang="en-US" sz="2400" noProof="1" dirty="0">
                                   <a:latin typeface="Cambria Math" panose="02040503050406030204" pitchFamily="18" charset="0"/>
-                                  <a:cs typeface="Arial" panose="020B0604020202020204" pitchFamily="34" charset="0"/>
                                 </a:rPr>
                                 <m:t>−1</m:t>
                               </m:r>
                             </m:sub>
                           </m:sSub>
                           <m:r>
-                            <a:rPr lang="en-US" sz="2400" b="0" i="1" noProof="1" dirty="0" smtClean="0">
+                            <a:rPr lang="en-US" sz="2400" noProof="1" dirty="0">
                               <a:latin typeface="Cambria Math" panose="02040503050406030204" pitchFamily="18" charset="0"/>
-                              <a:cs typeface="Arial" panose="020B0604020202020204" pitchFamily="34" charset="0"/>
                             </a:rPr>
                             <m:t>+2</m:t>
                           </m:r>
                           <m:sSub>
                             <m:sSubPr>
                               <m:ctrlPr>
-                                <a:rPr lang="en-US" sz="2400" b="0" i="1" noProof="1" dirty="0" smtClean="0">
+                                <a:rPr lang="en-US" sz="2400" i="1" noProof="1" dirty="0">
                                   <a:latin typeface="Cambria Math" panose="02040503050406030204" pitchFamily="18" charset="0"/>
-                                  <a:cs typeface="Arial" panose="020B0604020202020204" pitchFamily="34" charset="0"/>
                                 </a:rPr>
                               </m:ctrlPr>
                             </m:sSubPr>
                             <m:e>
                               <m:r>
-                                <a:rPr lang="en-US" sz="2400" b="0" i="1" noProof="1" dirty="0" smtClean="0">
+                                <a:rPr lang="en-US" sz="2400" noProof="1" dirty="0">
                                   <a:latin typeface="Cambria Math" panose="02040503050406030204" pitchFamily="18" charset="0"/>
-                                  <a:cs typeface="Arial" panose="020B0604020202020204" pitchFamily="34" charset="0"/>
                                 </a:rPr>
                                 <m:t>𝐸</m:t>
                               </m:r>
                             </m:e>
                             <m:sub>
                               <m:r>
-                                <a:rPr lang="en-US" sz="2400" b="0" i="1" noProof="1" dirty="0" smtClean="0">
+                                <a:rPr lang="en-US" sz="2400" noProof="1" dirty="0">
                                   <a:latin typeface="Cambria Math" panose="02040503050406030204" pitchFamily="18" charset="0"/>
-                                  <a:cs typeface="Arial" panose="020B0604020202020204" pitchFamily="34" charset="0"/>
                                 </a:rPr>
                                 <m:t>𝑚𝑖𝑛</m:t>
                               </m:r>
                             </m:sub>
                           </m:sSub>
                           <m:r>
-                            <a:rPr lang="en-US" sz="2400" b="0" i="1" noProof="1" dirty="0" smtClean="0">
+                            <a:rPr lang="en-US" sz="2400" noProof="1" dirty="0">
                               <a:latin typeface="Cambria Math" panose="02040503050406030204" pitchFamily="18" charset="0"/>
-                              <a:cs typeface="Arial" panose="020B0604020202020204" pitchFamily="34" charset="0"/>
                             </a:rPr>
                             <m:t>+</m:t>
                           </m:r>
                           <m:sSub>
                             <m:sSubPr>
                               <m:ctrlPr>
-                                <a:rPr lang="en-US" sz="2400" b="0" i="1" noProof="1" dirty="0" smtClean="0">
+                                <a:rPr lang="en-US" sz="2400" i="1" noProof="1" dirty="0">
                                   <a:latin typeface="Cambria Math" panose="02040503050406030204" pitchFamily="18" charset="0"/>
-                                  <a:cs typeface="Arial" panose="020B0604020202020204" pitchFamily="34" charset="0"/>
                                 </a:rPr>
                               </m:ctrlPr>
                             </m:sSubPr>
                             <m:e>
                               <m:r>
-                                <a:rPr lang="en-US" sz="2400" b="0" i="1" noProof="1" dirty="0" smtClean="0">
+                                <a:rPr lang="en-US" sz="2400" noProof="1" dirty="0">
                                   <a:latin typeface="Cambria Math" panose="02040503050406030204" pitchFamily="18" charset="0"/>
-                                  <a:cs typeface="Arial" panose="020B0604020202020204" pitchFamily="34" charset="0"/>
                                 </a:rPr>
                                 <m:t>𝐸</m:t>
                               </m:r>
                             </m:e>
                             <m:sub>
                               <m:r>
-                                <a:rPr lang="en-US" sz="2400" b="0" i="1" noProof="1" dirty="0" smtClean="0">
+                                <a:rPr lang="en-US" sz="2400" noProof="1" dirty="0">
                                   <a:latin typeface="Cambria Math" panose="02040503050406030204" pitchFamily="18" charset="0"/>
-                                  <a:cs typeface="Arial" panose="020B0604020202020204" pitchFamily="34" charset="0"/>
                                 </a:rPr>
                                 <m:t>𝑚𝑖𝑛</m:t>
                               </m:r>
                               <m:r>
-                                <a:rPr lang="en-US" sz="2400" b="0" i="1" noProof="1" dirty="0" smtClean="0">
+                                <a:rPr lang="en-US" sz="2400" noProof="1" dirty="0">
                                   <a:latin typeface="Cambria Math" panose="02040503050406030204" pitchFamily="18" charset="0"/>
-                                  <a:cs typeface="Arial" panose="020B0604020202020204" pitchFamily="34" charset="0"/>
                                 </a:rPr>
                                 <m:t>+1</m:t>
                               </m:r>
@@ -4398,35 +4390,31 @@
                             <m:rPr>
                               <m:sty m:val="p"/>
                             </m:rPr>
-                            <a:rPr lang="en-US" sz="2400" b="0" i="0" noProof="1" dirty="0" smtClean="0">
+                            <a:rPr lang="en-US" sz="2400" noProof="1" dirty="0">
                               <a:latin typeface="Cambria Math" panose="02040503050406030204" pitchFamily="18" charset="0"/>
-                              <a:cs typeface="Arial" panose="020B0604020202020204" pitchFamily="34" charset="0"/>
                             </a:rPr>
                             <m:t>Δ</m:t>
                           </m:r>
                           <m:sSup>
                             <m:sSupPr>
                               <m:ctrlPr>
-                                <a:rPr lang="en-US" sz="2400" b="0" i="1" noProof="1" dirty="0" smtClean="0">
+                                <a:rPr lang="en-US" sz="2400" i="1" noProof="1" dirty="0">
                                   <a:latin typeface="Cambria Math" panose="02040503050406030204" pitchFamily="18" charset="0"/>
-                                  <a:cs typeface="Arial" panose="020B0604020202020204" pitchFamily="34" charset="0"/>
                                 </a:rPr>
                               </m:ctrlPr>
                             </m:sSupPr>
                             <m:e>
                               <m:r>
-                                <a:rPr lang="en-US" sz="2400" b="0" i="1" noProof="1" dirty="0" smtClean="0">
+                                <a:rPr lang="en-US" sz="2400" noProof="1" dirty="0">
                                   <a:latin typeface="Cambria Math" panose="02040503050406030204" pitchFamily="18" charset="0"/>
-                                  <a:cs typeface="Arial" panose="020B0604020202020204" pitchFamily="34" charset="0"/>
                                 </a:rPr>
                                 <m:t>𝑥</m:t>
                               </m:r>
                             </m:e>
                             <m:sup>
                               <m:r>
-                                <a:rPr lang="en-US" sz="2400" b="0" i="1" noProof="1" dirty="0" smtClean="0">
+                                <a:rPr lang="en-US" sz="2400" noProof="1" dirty="0">
                                   <a:latin typeface="Cambria Math" panose="02040503050406030204" pitchFamily="18" charset="0"/>
-                                  <a:cs typeface="Arial" panose="020B0604020202020204" pitchFamily="34" charset="0"/>
                                 </a:rPr>
                                 <m:t>2</m:t>
                               </m:r>
@@ -4437,42 +4425,15 @@
                     </m:oMath>
                   </m:oMathPara>
                 </a14:m>
-                <a:endParaRPr lang="en-US" sz="2400" noProof="1">
-                  <a:latin typeface="Arial" panose="020B0604020202020204" pitchFamily="34" charset="0"/>
-                  <a:cs typeface="Arial" panose="020B0604020202020204" pitchFamily="34" charset="0"/>
-                </a:endParaRPr>
+                <a:endParaRPr lang="en-US" sz="2400" noProof="1"/>
               </a:p>
               <a:p>
-                <a:endParaRPr lang="en-US" sz="2400" noProof="1">
-                  <a:latin typeface="Arial" panose="020B0604020202020204" pitchFamily="34" charset="0"/>
-                  <a:cs typeface="Arial" panose="020B0604020202020204" pitchFamily="34" charset="0"/>
-                </a:endParaRPr>
+                <a:endParaRPr lang="en-US" sz="2400" noProof="1"/>
               </a:p>
               <a:p>
                 <a:r>
-                  <a:rPr lang="en-US" sz="2400" noProof="1">
-                    <a:latin typeface="Arial" panose="020B0604020202020204" pitchFamily="34" charset="0"/>
-                    <a:cs typeface="Arial" panose="020B0604020202020204" pitchFamily="34" charset="0"/>
-                  </a:rPr>
-                  <a:t>Using the harmonic osscilator framework the frequency </a:t>
-                </a:r>
-                <a14:m>
-                  <m:oMath xmlns:m="http://schemas.openxmlformats.org/officeDocument/2006/math">
-                    <m:r>
-                      <a:rPr lang="en-US" sz="2400" b="0" i="1" noProof="1" dirty="0" smtClean="0">
-                        <a:latin typeface="Cambria Math" panose="02040503050406030204" pitchFamily="18" charset="0"/>
-                        <a:cs typeface="Arial" panose="020B0604020202020204" pitchFamily="34" charset="0"/>
-                      </a:rPr>
-                      <m:t>𝜈</m:t>
-                    </m:r>
-                  </m:oMath>
-                </a14:m>
-                <a:r>
-                  <a:rPr lang="en-US" sz="2400" noProof="1">
-                    <a:latin typeface="Arial" panose="020B0604020202020204" pitchFamily="34" charset="0"/>
-                    <a:cs typeface="Arial" panose="020B0604020202020204" pitchFamily="34" charset="0"/>
-                  </a:rPr>
-                  <a:t> and the wavenumber </a:t>
+                  <a:rPr lang="en-US" sz="2400" noProof="1"/>
+                  <a:t>The harmonic osssiclator framework gives us the frequencies </a:t>
                 </a:r>
                 <a14:m>
                   <m:oMath xmlns:m="http://schemas.openxmlformats.org/officeDocument/2006/math">
@@ -4480,30 +4441,39 @@
                       <m:accPr>
                         <m:chr m:val="̅"/>
                         <m:ctrlPr>
-                          <a:rPr lang="en-US" sz="2400" b="0" i="1" noProof="1" dirty="0" smtClean="0">
+                          <a:rPr lang="de-AT" sz="2400" b="0" i="1" noProof="1" smtClean="0">
                             <a:latin typeface="Cambria Math" panose="02040503050406030204" pitchFamily="18" charset="0"/>
-                            <a:cs typeface="Arial" panose="020B0604020202020204" pitchFamily="34" charset="0"/>
                           </a:rPr>
                         </m:ctrlPr>
                       </m:accPr>
                       <m:e>
                         <m:r>
-                          <a:rPr lang="en-US" sz="2400" b="0" i="1" noProof="1" dirty="0" smtClean="0">
+                          <a:rPr lang="de-AT" sz="2400" b="0" i="1" noProof="1" smtClean="0">
                             <a:latin typeface="Cambria Math" panose="02040503050406030204" pitchFamily="18" charset="0"/>
-                            <a:cs typeface="Arial" panose="020B0604020202020204" pitchFamily="34" charset="0"/>
                           </a:rPr>
-                          <m:t>𝜈</m:t>
+                          <m:t>𝑣</m:t>
                         </m:r>
                       </m:e>
                     </m:acc>
                   </m:oMath>
                 </a14:m>
                 <a:r>
-                  <a:rPr lang="en-US" sz="2400" noProof="1">
-                    <a:latin typeface="Arial" panose="020B0604020202020204" pitchFamily="34" charset="0"/>
-                    <a:cs typeface="Arial" panose="020B0604020202020204" pitchFamily="34" charset="0"/>
-                  </a:rPr>
-                  <a:t> are determined with:</a:t>
+                  <a:rPr lang="en-US" sz="2400" noProof="1"/>
+                  <a:t>, for the calculation one needs to further determine the reduced mass </a:t>
+                </a:r>
+                <a14:m>
+                  <m:oMath xmlns:m="http://schemas.openxmlformats.org/officeDocument/2006/math">
+                    <m:r>
+                      <a:rPr lang="de-AT" sz="2400" b="0" i="1" noProof="1" smtClean="0">
+                        <a:latin typeface="Cambria Math" panose="02040503050406030204" pitchFamily="18" charset="0"/>
+                      </a:rPr>
+                      <m:t>𝜇</m:t>
+                    </m:r>
+                  </m:oMath>
+                </a14:m>
+                <a:r>
+                  <a:rPr lang="en-US" sz="2400" noProof="1"/>
+                  <a:t>:</a:t>
                 </a:r>
               </a:p>
               <a:p>
@@ -4515,32 +4485,28 @@
                     </m:oMathParaPr>
                     <m:oMath xmlns:m="http://schemas.openxmlformats.org/officeDocument/2006/math">
                       <m:r>
-                        <a:rPr lang="de-AT" sz="2400" b="0" i="1" noProof="1" dirty="0" smtClean="0">
+                        <a:rPr lang="de-AT" sz="2400" noProof="1" dirty="0">
                           <a:latin typeface="Cambria Math" panose="02040503050406030204" pitchFamily="18" charset="0"/>
-                          <a:cs typeface="Arial" panose="020B0604020202020204" pitchFamily="34" charset="0"/>
                         </a:rPr>
                         <m:t> </m:t>
                       </m:r>
                       <m:r>
-                        <a:rPr lang="de-AT" sz="2400" b="0" i="1" noProof="1" dirty="0" smtClean="0">
+                        <a:rPr lang="de-AT" sz="2400" noProof="1" dirty="0">
                           <a:latin typeface="Cambria Math" panose="02040503050406030204" pitchFamily="18" charset="0"/>
-                          <a:cs typeface="Arial" panose="020B0604020202020204" pitchFamily="34" charset="0"/>
                         </a:rPr>
                         <m:t>𝜇</m:t>
                       </m:r>
                       <m:r>
-                        <a:rPr lang="de-AT" sz="2400" b="0" i="1" noProof="1" dirty="0" smtClean="0">
+                        <a:rPr lang="de-AT" sz="2400" noProof="1" dirty="0">
                           <a:latin typeface="Cambria Math" panose="02040503050406030204" pitchFamily="18" charset="0"/>
-                          <a:cs typeface="Arial" panose="020B0604020202020204" pitchFamily="34" charset="0"/>
                         </a:rPr>
                         <m:t>=</m:t>
                       </m:r>
                       <m:f>
                         <m:fPr>
                           <m:ctrlPr>
-                            <a:rPr lang="de-AT" sz="2400" b="0" i="1" noProof="1" dirty="0" smtClean="0">
+                            <a:rPr lang="de-AT" sz="2400" i="1" noProof="1" dirty="0">
                               <a:latin typeface="Cambria Math" panose="02040503050406030204" pitchFamily="18" charset="0"/>
-                              <a:cs typeface="Arial" panose="020B0604020202020204" pitchFamily="34" charset="0"/>
                             </a:rPr>
                           </m:ctrlPr>
                         </m:fPr>
@@ -4548,26 +4514,23 @@
                           <m:sSub>
                             <m:sSubPr>
                               <m:ctrlPr>
-                                <a:rPr lang="de-AT" sz="2400" b="0" i="1" noProof="1" dirty="0" smtClean="0">
+                                <a:rPr lang="de-AT" sz="2400" i="1" noProof="1" dirty="0">
                                   <a:latin typeface="Cambria Math" panose="02040503050406030204" pitchFamily="18" charset="0"/>
-                                  <a:cs typeface="Arial" panose="020B0604020202020204" pitchFamily="34" charset="0"/>
                                 </a:rPr>
                               </m:ctrlPr>
                             </m:sSubPr>
                             <m:e>
                               <m:r>
-                                <a:rPr lang="de-AT" sz="2400" b="0" i="1" noProof="1" dirty="0" smtClean="0">
+                                <a:rPr lang="de-AT" sz="2400" noProof="1" dirty="0">
                                   <a:latin typeface="Cambria Math" panose="02040503050406030204" pitchFamily="18" charset="0"/>
-                                  <a:cs typeface="Arial" panose="020B0604020202020204" pitchFamily="34" charset="0"/>
                                 </a:rPr>
                                 <m:t>𝑚</m:t>
                               </m:r>
                             </m:e>
                             <m:sub>
                               <m:r>
-                                <a:rPr lang="de-AT" sz="2400" b="0" i="1" noProof="1" dirty="0" smtClean="0">
+                                <a:rPr lang="de-AT" sz="2400" noProof="1" dirty="0">
                                   <a:latin typeface="Cambria Math" panose="02040503050406030204" pitchFamily="18" charset="0"/>
-                                  <a:cs typeface="Arial" panose="020B0604020202020204" pitchFamily="34" charset="0"/>
                                 </a:rPr>
                                 <m:t>1</m:t>
                               </m:r>
@@ -4576,26 +4539,23 @@
                           <m:sSub>
                             <m:sSubPr>
                               <m:ctrlPr>
-                                <a:rPr lang="de-AT" sz="2400" b="0" i="1" noProof="1" dirty="0" smtClean="0">
+                                <a:rPr lang="de-AT" sz="2400" i="1" noProof="1" dirty="0">
                                   <a:latin typeface="Cambria Math" panose="02040503050406030204" pitchFamily="18" charset="0"/>
-                                  <a:cs typeface="Arial" panose="020B0604020202020204" pitchFamily="34" charset="0"/>
                                 </a:rPr>
                               </m:ctrlPr>
                             </m:sSubPr>
                             <m:e>
                               <m:r>
-                                <a:rPr lang="de-AT" sz="2400" b="0" i="1" noProof="1" dirty="0" smtClean="0">
+                                <a:rPr lang="de-AT" sz="2400" noProof="1" dirty="0">
                                   <a:latin typeface="Cambria Math" panose="02040503050406030204" pitchFamily="18" charset="0"/>
-                                  <a:cs typeface="Arial" panose="020B0604020202020204" pitchFamily="34" charset="0"/>
                                 </a:rPr>
                                 <m:t>𝑚</m:t>
                               </m:r>
                             </m:e>
                             <m:sub>
                               <m:r>
-                                <a:rPr lang="de-AT" sz="2400" b="0" i="1" noProof="1" dirty="0" smtClean="0">
+                                <a:rPr lang="de-AT" sz="2400" noProof="1" dirty="0">
                                   <a:latin typeface="Cambria Math" panose="02040503050406030204" pitchFamily="18" charset="0"/>
-                                  <a:cs typeface="Arial" panose="020B0604020202020204" pitchFamily="34" charset="0"/>
                                 </a:rPr>
                                 <m:t>2</m:t>
                               </m:r>
@@ -4606,61 +4566,54 @@
                           <m:sSub>
                             <m:sSubPr>
                               <m:ctrlPr>
-                                <a:rPr lang="de-AT" sz="2400" b="0" i="1" noProof="1" dirty="0" smtClean="0">
+                                <a:rPr lang="de-AT" sz="2400" i="1" noProof="1" dirty="0">
                                   <a:latin typeface="Cambria Math" panose="02040503050406030204" pitchFamily="18" charset="0"/>
-                                  <a:cs typeface="Arial" panose="020B0604020202020204" pitchFamily="34" charset="0"/>
                                 </a:rPr>
                               </m:ctrlPr>
                             </m:sSubPr>
                             <m:e>
                               <m:r>
-                                <a:rPr lang="de-AT" sz="2400" b="0" i="1" noProof="1" dirty="0" smtClean="0">
+                                <a:rPr lang="de-AT" sz="2400" noProof="1" dirty="0">
                                   <a:latin typeface="Cambria Math" panose="02040503050406030204" pitchFamily="18" charset="0"/>
-                                  <a:cs typeface="Arial" panose="020B0604020202020204" pitchFamily="34" charset="0"/>
                                 </a:rPr>
                                 <m:t>𝑚</m:t>
                               </m:r>
                             </m:e>
                             <m:sub>
                               <m:r>
-                                <a:rPr lang="de-AT" sz="2400" b="0" i="1" noProof="1" dirty="0" smtClean="0">
+                                <a:rPr lang="de-AT" sz="2400" noProof="1" dirty="0">
                                   <a:latin typeface="Cambria Math" panose="02040503050406030204" pitchFamily="18" charset="0"/>
-                                  <a:cs typeface="Arial" panose="020B0604020202020204" pitchFamily="34" charset="0"/>
                                 </a:rPr>
                                 <m:t>1</m:t>
                               </m:r>
                             </m:sub>
                           </m:sSub>
                           <m:r>
-                            <a:rPr lang="de-AT" sz="2400" b="0" i="1" noProof="1" dirty="0" smtClean="0">
+                            <a:rPr lang="de-AT" sz="2400" noProof="1" dirty="0">
                               <a:latin typeface="Cambria Math" panose="02040503050406030204" pitchFamily="18" charset="0"/>
-                              <a:cs typeface="Arial" panose="020B0604020202020204" pitchFamily="34" charset="0"/>
                             </a:rPr>
                             <m:t>+</m:t>
                           </m:r>
                           <m:sSub>
                             <m:sSubPr>
                               <m:ctrlPr>
-                                <a:rPr lang="de-AT" sz="2400" b="0" i="1" noProof="1" dirty="0" smtClean="0">
+                                <a:rPr lang="de-AT" sz="2400" i="1" noProof="1" dirty="0">
                                   <a:latin typeface="Cambria Math" panose="02040503050406030204" pitchFamily="18" charset="0"/>
-                                  <a:cs typeface="Arial" panose="020B0604020202020204" pitchFamily="34" charset="0"/>
                                 </a:rPr>
                               </m:ctrlPr>
                             </m:sSubPr>
                             <m:e>
                               <m:r>
-                                <a:rPr lang="de-AT" sz="2400" b="0" i="1" noProof="1" dirty="0" smtClean="0">
+                                <a:rPr lang="de-AT" sz="2400" noProof="1" dirty="0">
                                   <a:latin typeface="Cambria Math" panose="02040503050406030204" pitchFamily="18" charset="0"/>
-                                  <a:cs typeface="Arial" panose="020B0604020202020204" pitchFamily="34" charset="0"/>
                                 </a:rPr>
                                 <m:t>𝑚</m:t>
                               </m:r>
                             </m:e>
                             <m:sub>
                               <m:r>
-                                <a:rPr lang="de-AT" sz="2400" b="0" i="1" noProof="1" dirty="0" smtClean="0">
+                                <a:rPr lang="de-AT" sz="2400" noProof="1" dirty="0">
                                   <a:latin typeface="Cambria Math" panose="02040503050406030204" pitchFamily="18" charset="0"/>
-                                  <a:cs typeface="Arial" panose="020B0604020202020204" pitchFamily="34" charset="0"/>
                                 </a:rPr>
                                 <m:t>2</m:t>
                               </m:r>
@@ -4669,56 +4622,92 @@
                         </m:den>
                       </m:f>
                       <m:r>
-                        <a:rPr lang="de-AT" sz="2400" b="0" i="1" noProof="1" dirty="0" smtClean="0">
+                        <a:rPr lang="de-AT" sz="2400" noProof="1" dirty="0">
                           <a:latin typeface="Cambria Math" panose="02040503050406030204" pitchFamily="18" charset="0"/>
-                          <a:cs typeface="Arial" panose="020B0604020202020204" pitchFamily="34" charset="0"/>
                         </a:rPr>
                         <m:t>                </m:t>
                       </m:r>
+                      <m:acc>
+                        <m:accPr>
+                          <m:chr m:val="̅"/>
+                          <m:ctrlPr>
+                            <a:rPr lang="de-AT" sz="2400" i="1" noProof="1" dirty="0">
+                              <a:latin typeface="Cambria Math" panose="02040503050406030204" pitchFamily="18" charset="0"/>
+                            </a:rPr>
+                          </m:ctrlPr>
+                        </m:accPr>
+                        <m:e>
+                          <m:r>
+                            <a:rPr lang="de-AT" sz="2400" noProof="1" dirty="0">
+                              <a:latin typeface="Cambria Math" panose="02040503050406030204" pitchFamily="18" charset="0"/>
+                            </a:rPr>
+                            <m:t>𝑣</m:t>
+                          </m:r>
+                        </m:e>
+                      </m:acc>
                       <m:r>
-                        <a:rPr lang="en-US" sz="2400" b="0" i="1" noProof="1" dirty="0" smtClean="0">
+                        <a:rPr lang="en-US" sz="2400" noProof="1" dirty="0">
                           <a:latin typeface="Cambria Math" panose="02040503050406030204" pitchFamily="18" charset="0"/>
-                          <a:cs typeface="Arial" panose="020B0604020202020204" pitchFamily="34" charset="0"/>
                         </a:rPr>
-                        <m:t>𝜈</m:t>
-                      </m:r>
-                      <m:r>
-                        <a:rPr lang="en-US" sz="2400" b="0" i="1" noProof="1" dirty="0" smtClean="0">
-                          <a:latin typeface="Cambria Math" panose="02040503050406030204" pitchFamily="18" charset="0"/>
-                          <a:cs typeface="Arial" panose="020B0604020202020204" pitchFamily="34" charset="0"/>
-                        </a:rPr>
-                        <m:t>= </m:t>
+                        <m:t>=</m:t>
                       </m:r>
                       <m:f>
                         <m:fPr>
                           <m:ctrlPr>
-                            <a:rPr lang="en-US" sz="2400" b="0" i="1" noProof="1" dirty="0" smtClean="0">
+                            <a:rPr lang="en-US" sz="2400" i="1" noProof="1" dirty="0">
                               <a:latin typeface="Cambria Math" panose="02040503050406030204" pitchFamily="18" charset="0"/>
-                              <a:cs typeface="Arial" panose="020B0604020202020204" pitchFamily="34" charset="0"/>
                             </a:rPr>
                           </m:ctrlPr>
                         </m:fPr>
                         <m:num>
                           <m:r>
-                            <a:rPr lang="en-US" sz="2400" b="0" i="1" noProof="1" dirty="0" smtClean="0">
+                            <a:rPr lang="de-AT" sz="2400" noProof="1" dirty="0">
                               <a:latin typeface="Cambria Math" panose="02040503050406030204" pitchFamily="18" charset="0"/>
-                              <a:cs typeface="Arial" panose="020B0604020202020204" pitchFamily="34" charset="0"/>
                             </a:rPr>
                             <m:t>1</m:t>
                           </m:r>
                         </m:num>
                         <m:den>
                           <m:r>
-                            <a:rPr lang="en-US" sz="2400" b="0" i="1" noProof="1" dirty="0" smtClean="0">
+                            <a:rPr lang="de-AT" sz="2400" noProof="1" dirty="0">
                               <a:latin typeface="Cambria Math" panose="02040503050406030204" pitchFamily="18" charset="0"/>
-                              <a:cs typeface="Arial" panose="020B0604020202020204" pitchFamily="34" charset="0"/>
+                            </a:rPr>
+                            <m:t>𝑐</m:t>
+                          </m:r>
+                        </m:den>
+                      </m:f>
+                      <m:r>
+                        <a:rPr lang="en-US" sz="2400" noProof="1" dirty="0">
+                          <a:latin typeface="Cambria Math" panose="02040503050406030204" pitchFamily="18" charset="0"/>
+                        </a:rPr>
+                        <m:t> </m:t>
+                      </m:r>
+                      <m:f>
+                        <m:fPr>
+                          <m:ctrlPr>
+                            <a:rPr lang="en-US" sz="2400" i="1" noProof="1" dirty="0">
+                              <a:latin typeface="Cambria Math" panose="02040503050406030204" pitchFamily="18" charset="0"/>
+                            </a:rPr>
+                          </m:ctrlPr>
+                        </m:fPr>
+                        <m:num>
+                          <m:r>
+                            <a:rPr lang="en-US" sz="2400" noProof="1" dirty="0">
+                              <a:latin typeface="Cambria Math" panose="02040503050406030204" pitchFamily="18" charset="0"/>
+                            </a:rPr>
+                            <m:t>1</m:t>
+                          </m:r>
+                        </m:num>
+                        <m:den>
+                          <m:r>
+                            <a:rPr lang="en-US" sz="2400" noProof="1" dirty="0">
+                              <a:latin typeface="Cambria Math" panose="02040503050406030204" pitchFamily="18" charset="0"/>
                             </a:rPr>
                             <m:t>2</m:t>
                           </m:r>
                           <m:r>
-                            <a:rPr lang="en-US" sz="2400" b="0" i="1" noProof="1" dirty="0" smtClean="0">
+                            <a:rPr lang="en-US" sz="2400" noProof="1" dirty="0">
                               <a:latin typeface="Cambria Math" panose="02040503050406030204" pitchFamily="18" charset="0"/>
-                              <a:cs typeface="Arial" panose="020B0604020202020204" pitchFamily="34" charset="0"/>
                             </a:rPr>
                             <m:t>𝜋</m:t>
                           </m:r>
@@ -4728,9 +4717,8 @@
                         <m:radPr>
                           <m:degHide m:val="on"/>
                           <m:ctrlPr>
-                            <a:rPr lang="en-US" sz="2400" b="0" i="1" noProof="1" dirty="0" smtClean="0">
+                            <a:rPr lang="en-US" sz="2400" i="1" noProof="1" dirty="0">
                               <a:latin typeface="Cambria Math" panose="02040503050406030204" pitchFamily="18" charset="0"/>
-                              <a:cs typeface="Arial" panose="020B0604020202020204" pitchFamily="34" charset="0"/>
                             </a:rPr>
                           </m:ctrlPr>
                         </m:radPr>
@@ -4739,115 +4727,37 @@
                           <m:f>
                             <m:fPr>
                               <m:ctrlPr>
-                                <a:rPr lang="en-US" sz="2400" b="0" i="1" noProof="1" dirty="0" smtClean="0">
+                                <a:rPr lang="en-US" sz="2400" i="1" noProof="1" dirty="0">
                                   <a:latin typeface="Cambria Math" panose="02040503050406030204" pitchFamily="18" charset="0"/>
-                                  <a:cs typeface="Arial" panose="020B0604020202020204" pitchFamily="34" charset="0"/>
                                 </a:rPr>
                               </m:ctrlPr>
                             </m:fPr>
                             <m:num>
                               <m:r>
-                                <a:rPr lang="en-US" sz="2400" b="0" i="1" noProof="1" dirty="0" smtClean="0">
+                                <a:rPr lang="en-US" sz="2400" noProof="1" dirty="0">
                                   <a:latin typeface="Cambria Math" panose="02040503050406030204" pitchFamily="18" charset="0"/>
-                                  <a:cs typeface="Arial" panose="020B0604020202020204" pitchFamily="34" charset="0"/>
                                 </a:rPr>
                                 <m:t>𝑘</m:t>
                               </m:r>
                             </m:num>
                             <m:den>
                               <m:r>
-                                <a:rPr lang="de-AT" sz="2400" b="0" i="1" noProof="1" dirty="0" smtClean="0">
+                                <a:rPr lang="de-AT" sz="2400" noProof="1" dirty="0">
                                   <a:latin typeface="Cambria Math" panose="02040503050406030204" pitchFamily="18" charset="0"/>
-                                  <a:cs typeface="Arial" panose="020B0604020202020204" pitchFamily="34" charset="0"/>
                                 </a:rPr>
                                 <m:t>𝜇</m:t>
                               </m:r>
                             </m:den>
                           </m:f>
-                          <m:r>
-                            <a:rPr lang="en-US" sz="2400" b="0" i="1" noProof="1" dirty="0" smtClean="0">
-                              <a:latin typeface="Cambria Math" panose="02040503050406030204" pitchFamily="18" charset="0"/>
-                              <a:cs typeface="Arial" panose="020B0604020202020204" pitchFamily="34" charset="0"/>
-                            </a:rPr>
-                            <m:t>𝜉</m:t>
-                          </m:r>
                         </m:e>
                       </m:rad>
-                      <m:r>
-                        <a:rPr lang="de-AT" sz="2400" b="0" i="0" noProof="1" dirty="0" smtClean="0">
-                          <a:latin typeface="Cambria Math" panose="02040503050406030204" pitchFamily="18" charset="0"/>
-                          <a:cs typeface="Arial" panose="020B0604020202020204" pitchFamily="34" charset="0"/>
-                        </a:rPr>
-                        <m:t>                   </m:t>
-                      </m:r>
-                      <m:acc>
-                        <m:accPr>
-                          <m:chr m:val="̅"/>
-                          <m:ctrlPr>
-                            <a:rPr lang="de-AT" sz="2400" b="0" i="1" noProof="1" dirty="0" smtClean="0">
-                              <a:latin typeface="Cambria Math" panose="02040503050406030204" pitchFamily="18" charset="0"/>
-                              <a:cs typeface="Arial" panose="020B0604020202020204" pitchFamily="34" charset="0"/>
-                            </a:rPr>
-                          </m:ctrlPr>
-                        </m:accPr>
-                        <m:e>
-                          <m:r>
-                            <a:rPr lang="de-AT" sz="2400" b="0" i="1" noProof="1" dirty="0" smtClean="0">
-                              <a:latin typeface="Cambria Math" panose="02040503050406030204" pitchFamily="18" charset="0"/>
-                              <a:cs typeface="Arial" panose="020B0604020202020204" pitchFamily="34" charset="0"/>
-                            </a:rPr>
-                            <m:t>𝜈</m:t>
-                          </m:r>
-                        </m:e>
-                      </m:acc>
-                      <m:r>
-                        <a:rPr lang="de-AT" sz="2400" b="0" i="1" noProof="1" dirty="0" smtClean="0">
-                          <a:latin typeface="Cambria Math" panose="02040503050406030204" pitchFamily="18" charset="0"/>
-                          <a:cs typeface="Arial" panose="020B0604020202020204" pitchFamily="34" charset="0"/>
-                        </a:rPr>
-                        <m:t>= </m:t>
-                      </m:r>
-                      <m:f>
-                        <m:fPr>
-                          <m:ctrlPr>
-                            <a:rPr lang="de-AT" sz="2400" b="0" i="1" noProof="1" dirty="0" smtClean="0">
-                              <a:latin typeface="Cambria Math" panose="02040503050406030204" pitchFamily="18" charset="0"/>
-                              <a:cs typeface="Arial" panose="020B0604020202020204" pitchFamily="34" charset="0"/>
-                            </a:rPr>
-                          </m:ctrlPr>
-                        </m:fPr>
-                        <m:num>
-                          <m:r>
-                            <a:rPr lang="de-AT" sz="2400" b="0" i="1" noProof="1" dirty="0" smtClean="0">
-                              <a:latin typeface="Cambria Math" panose="02040503050406030204" pitchFamily="18" charset="0"/>
-                              <a:cs typeface="Arial" panose="020B0604020202020204" pitchFamily="34" charset="0"/>
-                            </a:rPr>
-                            <m:t>𝑣</m:t>
-                          </m:r>
-                        </m:num>
-                        <m:den>
-                          <m:r>
-                            <a:rPr lang="de-AT" sz="2400" b="0" i="1" noProof="1" dirty="0" smtClean="0">
-                              <a:latin typeface="Cambria Math" panose="02040503050406030204" pitchFamily="18" charset="0"/>
-                              <a:cs typeface="Arial" panose="020B0604020202020204" pitchFamily="34" charset="0"/>
-                            </a:rPr>
-                            <m:t>𝑐</m:t>
-                          </m:r>
-                        </m:den>
-                      </m:f>
                     </m:oMath>
                   </m:oMathPara>
                 </a14:m>
-                <a:endParaRPr lang="en-US" sz="2400" noProof="1">
-                  <a:latin typeface="Arial" panose="020B0604020202020204" pitchFamily="34" charset="0"/>
-                  <a:cs typeface="Arial" panose="020B0604020202020204" pitchFamily="34" charset="0"/>
-                </a:endParaRPr>
+                <a:endParaRPr lang="en-US" sz="2400" noProof="1"/>
               </a:p>
               <a:p>
-                <a:endParaRPr lang="en-US" sz="2400" noProof="1">
-                  <a:latin typeface="Arial" panose="020B0604020202020204" pitchFamily="34" charset="0"/>
-                  <a:cs typeface="Arial" panose="020B0604020202020204" pitchFamily="34" charset="0"/>
-                </a:endParaRPr>
+                <a:endParaRPr lang="en-US" sz="2400" noProof="1"/>
               </a:p>
               <a:p>
                 <a:pPr marL="457200" indent="-457200">
@@ -4857,33 +4767,51 @@
                 <a14:m>
                   <m:oMath xmlns:m="http://schemas.openxmlformats.org/officeDocument/2006/math">
                     <m:r>
-                      <a:rPr lang="de-AT" sz="2400" b="0" i="1" noProof="1" smtClean="0">
+                      <a:rPr lang="de-AT" sz="2400" noProof="1">
                         <a:latin typeface="Cambria Math" panose="02040503050406030204" pitchFamily="18" charset="0"/>
-                        <a:cs typeface="Arial" panose="020B0604020202020204" pitchFamily="34" charset="0"/>
                       </a:rPr>
                       <m:t>𝜇</m:t>
                     </m:r>
                   </m:oMath>
                 </a14:m>
                 <a:r>
-                  <a:rPr lang="en-US" sz="2400" noProof="1">
-                    <a:latin typeface="Arial" panose="020B0604020202020204" pitchFamily="34" charset="0"/>
-                    <a:cs typeface="Arial" panose="020B0604020202020204" pitchFamily="34" charset="0"/>
-                  </a:rPr>
+                  <a:rPr lang="en-US" sz="2400" noProof="1"/>
                   <a:t>… reduced mass in (g mol</a:t>
                 </a:r>
                 <a:r>
-                  <a:rPr lang="en-US" sz="2400" baseline="30000" noProof="1">
-                    <a:latin typeface="Arial" panose="020B0604020202020204" pitchFamily="34" charset="0"/>
-                    <a:cs typeface="Arial" panose="020B0604020202020204" pitchFamily="34" charset="0"/>
-                  </a:rPr>
+                  <a:rPr lang="en-US" sz="2400" baseline="30000" noProof="1"/>
                   <a:t>-1</a:t>
                 </a:r>
                 <a:r>
-                  <a:rPr lang="en-US" sz="2400" noProof="1">
-                    <a:latin typeface="Arial" panose="020B0604020202020204" pitchFamily="34" charset="0"/>
-                    <a:cs typeface="Arial" panose="020B0604020202020204" pitchFamily="34" charset="0"/>
-                  </a:rPr>
+                  <a:rPr lang="en-US" sz="2400" noProof="1"/>
+                  <a:t>)</a:t>
+                </a:r>
+              </a:p>
+              <a:p>
+                <a:pPr marL="457200" indent="-457200">
+                  <a:buFont typeface="Arial" panose="020B0604020202020204" pitchFamily="34" charset="0"/>
+                  <a:buChar char="•"/>
+                </a:pPr>
+                <a14:m>
+                  <m:oMath xmlns:m="http://schemas.openxmlformats.org/officeDocument/2006/math">
+                    <m:r>
+                      <a:rPr lang="de-AT" sz="2400" noProof="1">
+                        <a:latin typeface="Cambria Math" panose="02040503050406030204" pitchFamily="18" charset="0"/>
+                      </a:rPr>
+                      <m:t>𝑐</m:t>
+                    </m:r>
+                  </m:oMath>
+                </a14:m>
+                <a:r>
+                  <a:rPr lang="en-US" sz="2400" noProof="1"/>
+                  <a:t>… speed of light (m s</a:t>
+                </a:r>
+                <a:r>
+                  <a:rPr lang="en-US" sz="2400" baseline="30000" noProof="1"/>
+                  <a:t>-1</a:t>
+                </a:r>
+                <a:r>
+                  <a:rPr lang="en-US" sz="2400" noProof="1"/>
                   <a:t>)</a:t>
                 </a:r>
               </a:p>
@@ -4897,61 +4825,54 @@
                     <m:sSub>
                       <m:sSubPr>
                         <m:ctrlPr>
-                          <a:rPr lang="de-AT" sz="2400" b="0" i="1" noProof="1" smtClean="0">
+                          <a:rPr lang="de-AT" sz="2400" i="1" noProof="1">
                             <a:latin typeface="Cambria Math" panose="02040503050406030204" pitchFamily="18" charset="0"/>
-                            <a:cs typeface="Arial" panose="020B0604020202020204" pitchFamily="34" charset="0"/>
                           </a:rPr>
                         </m:ctrlPr>
                       </m:sSubPr>
                       <m:e>
                         <m:r>
-                          <a:rPr lang="de-AT" sz="2400" b="0" i="1" noProof="1" smtClean="0">
+                          <a:rPr lang="de-AT" sz="2400" noProof="1">
                             <a:latin typeface="Cambria Math" panose="02040503050406030204" pitchFamily="18" charset="0"/>
-                            <a:cs typeface="Arial" panose="020B0604020202020204" pitchFamily="34" charset="0"/>
                           </a:rPr>
                           <m:t>𝑚</m:t>
                         </m:r>
                       </m:e>
                       <m:sub>
                         <m:r>
-                          <a:rPr lang="de-AT" sz="2400" b="0" i="1" noProof="1" smtClean="0">
+                          <a:rPr lang="de-AT" sz="2400" noProof="1">
                             <a:latin typeface="Cambria Math" panose="02040503050406030204" pitchFamily="18" charset="0"/>
-                            <a:cs typeface="Arial" panose="020B0604020202020204" pitchFamily="34" charset="0"/>
                           </a:rPr>
                           <m:t>1</m:t>
                         </m:r>
                       </m:sub>
                     </m:sSub>
                     <m:r>
-                      <a:rPr lang="de-AT" sz="2400" b="0" i="1" noProof="1" smtClean="0">
+                      <a:rPr lang="de-AT" sz="2400" noProof="1">
                         <a:latin typeface="Cambria Math" panose="02040503050406030204" pitchFamily="18" charset="0"/>
-                        <a:cs typeface="Arial" panose="020B0604020202020204" pitchFamily="34" charset="0"/>
                       </a:rPr>
                       <m:t>,</m:t>
                     </m:r>
                     <m:sSub>
                       <m:sSubPr>
                         <m:ctrlPr>
-                          <a:rPr lang="de-AT" sz="2400" b="0" i="1" noProof="1" smtClean="0">
+                          <a:rPr lang="de-AT" sz="2400" i="1" noProof="1">
                             <a:latin typeface="Cambria Math" panose="02040503050406030204" pitchFamily="18" charset="0"/>
-                            <a:cs typeface="Arial" panose="020B0604020202020204" pitchFamily="34" charset="0"/>
                           </a:rPr>
                         </m:ctrlPr>
                       </m:sSubPr>
                       <m:e>
                         <m:r>
-                          <a:rPr lang="de-AT" sz="2400" b="0" i="1" noProof="1" smtClean="0">
+                          <a:rPr lang="de-AT" sz="2400" noProof="1">
                             <a:latin typeface="Cambria Math" panose="02040503050406030204" pitchFamily="18" charset="0"/>
-                            <a:cs typeface="Arial" panose="020B0604020202020204" pitchFamily="34" charset="0"/>
                           </a:rPr>
                           <m:t>𝑚</m:t>
                         </m:r>
                       </m:e>
                       <m:sub>
                         <m:r>
-                          <a:rPr lang="de-AT" sz="2400" b="0" i="1" noProof="1" smtClean="0">
+                          <a:rPr lang="de-AT" sz="2400" noProof="1">
                             <a:latin typeface="Cambria Math" panose="02040503050406030204" pitchFamily="18" charset="0"/>
-                            <a:cs typeface="Arial" panose="020B0604020202020204" pitchFamily="34" charset="0"/>
                           </a:rPr>
                           <m:t>2</m:t>
                         </m:r>
@@ -4960,24 +4881,15 @@
                   </m:oMath>
                 </a14:m>
                 <a:r>
-                  <a:rPr lang="en-US" sz="2400" noProof="1">
-                    <a:latin typeface="Arial" panose="020B0604020202020204" pitchFamily="34" charset="0"/>
-                    <a:cs typeface="Arial" panose="020B0604020202020204" pitchFamily="34" charset="0"/>
-                  </a:rPr>
+                  <a:rPr lang="en-US" sz="2400" noProof="1"/>
                   <a:t>… mass of first and second atom (g mol</a:t>
                 </a:r>
                 <a:r>
-                  <a:rPr lang="en-US" sz="2400" baseline="30000" noProof="1">
-                    <a:latin typeface="Arial" panose="020B0604020202020204" pitchFamily="34" charset="0"/>
-                    <a:cs typeface="Arial" panose="020B0604020202020204" pitchFamily="34" charset="0"/>
-                  </a:rPr>
+                  <a:rPr lang="en-US" sz="2400" baseline="30000" noProof="1"/>
                   <a:t>-1</a:t>
                 </a:r>
                 <a:r>
-                  <a:rPr lang="en-US" sz="2400" noProof="1">
-                    <a:latin typeface="Arial" panose="020B0604020202020204" pitchFamily="34" charset="0"/>
-                    <a:cs typeface="Arial" panose="020B0604020202020204" pitchFamily="34" charset="0"/>
-                  </a:rPr>
+                  <a:rPr lang="en-US" sz="2400" noProof="1"/>
                   <a:t>) </a:t>
                 </a:r>
               </a:p>
@@ -4988,34 +4900,36 @@
                 </a:pPr>
                 <a14:m>
                   <m:oMath xmlns:m="http://schemas.openxmlformats.org/officeDocument/2006/math">
-                    <m:r>
-                      <a:rPr lang="de-AT" sz="2400" b="0" i="1" noProof="1" smtClean="0">
-                        <a:latin typeface="Cambria Math" panose="02040503050406030204" pitchFamily="18" charset="0"/>
-                        <a:cs typeface="Arial" panose="020B0604020202020204" pitchFamily="34" charset="0"/>
-                      </a:rPr>
-                      <m:t>𝜈</m:t>
-                    </m:r>
+                    <m:acc>
+                      <m:accPr>
+                        <m:chr m:val="̅"/>
+                        <m:ctrlPr>
+                          <a:rPr lang="de-AT" sz="2400" i="1" noProof="1">
+                            <a:latin typeface="Cambria Math" panose="02040503050406030204" pitchFamily="18" charset="0"/>
+                          </a:rPr>
+                        </m:ctrlPr>
+                      </m:accPr>
+                      <m:e>
+                        <m:r>
+                          <a:rPr lang="de-AT" sz="2400" noProof="1">
+                            <a:latin typeface="Cambria Math" panose="02040503050406030204" pitchFamily="18" charset="0"/>
+                          </a:rPr>
+                          <m:t>𝜈</m:t>
+                        </m:r>
+                      </m:e>
+                    </m:acc>
                   </m:oMath>
                 </a14:m>
                 <a:r>
-                  <a:rPr lang="en-US" sz="2400" noProof="1">
-                    <a:latin typeface="Arial" panose="020B0604020202020204" pitchFamily="34" charset="0"/>
-                    <a:cs typeface="Arial" panose="020B0604020202020204" pitchFamily="34" charset="0"/>
-                  </a:rPr>
+                  <a:rPr lang="en-US" sz="2400" noProof="1"/>
                   <a:t>… frequency in (cm</a:t>
                 </a:r>
                 <a:r>
-                  <a:rPr lang="en-US" sz="2400" baseline="30000" noProof="1">
-                    <a:latin typeface="Arial" panose="020B0604020202020204" pitchFamily="34" charset="0"/>
-                    <a:cs typeface="Arial" panose="020B0604020202020204" pitchFamily="34" charset="0"/>
-                  </a:rPr>
+                  <a:rPr lang="en-US" sz="2400" baseline="30000" noProof="1"/>
                   <a:t>-1</a:t>
                 </a:r>
                 <a:r>
-                  <a:rPr lang="en-US" sz="2400" noProof="1">
-                    <a:latin typeface="Arial" panose="020B0604020202020204" pitchFamily="34" charset="0"/>
-                    <a:cs typeface="Arial" panose="020B0604020202020204" pitchFamily="34" charset="0"/>
-                  </a:rPr>
+                  <a:rPr lang="en-US" sz="2400" noProof="1"/>
                   <a:t>)</a:t>
                 </a:r>
               </a:p>
@@ -5027,154 +4941,370 @@
                 <a14:m>
                   <m:oMath xmlns:m="http://schemas.openxmlformats.org/officeDocument/2006/math">
                     <m:r>
-                      <a:rPr lang="de-AT" sz="2400" b="0" i="1" noProof="1" smtClean="0">
+                      <a:rPr lang="de-AT" sz="2400" noProof="1">
                         <a:latin typeface="Cambria Math" panose="02040503050406030204" pitchFamily="18" charset="0"/>
-                        <a:cs typeface="Arial" panose="020B0604020202020204" pitchFamily="34" charset="0"/>
                       </a:rPr>
                       <m:t>𝑘</m:t>
                     </m:r>
                   </m:oMath>
                 </a14:m>
                 <a:r>
-                  <a:rPr lang="en-US" sz="2400" noProof="1">
-                    <a:latin typeface="Arial" panose="020B0604020202020204" pitchFamily="34" charset="0"/>
-                    <a:cs typeface="Arial" panose="020B0604020202020204" pitchFamily="34" charset="0"/>
-                  </a:rPr>
+                  <a:rPr lang="en-US" sz="2400" noProof="1"/>
                   <a:t>… force constant in  (kcal mol</a:t>
                 </a:r>
                 <a:r>
-                  <a:rPr lang="en-US" sz="2400" baseline="30000" noProof="1">
-                    <a:latin typeface="Arial" panose="020B0604020202020204" pitchFamily="34" charset="0"/>
-                    <a:cs typeface="Arial" panose="020B0604020202020204" pitchFamily="34" charset="0"/>
-                  </a:rPr>
+                  <a:rPr lang="en-US" sz="2400" baseline="30000" noProof="1"/>
                   <a:t>-1</a:t>
                 </a:r>
                 <a:r>
-                  <a:rPr lang="en-US" sz="2400" noProof="1">
-                    <a:latin typeface="Arial" panose="020B0604020202020204" pitchFamily="34" charset="0"/>
-                    <a:cs typeface="Arial" panose="020B0604020202020204" pitchFamily="34" charset="0"/>
-                  </a:rPr>
+                  <a:rPr lang="en-US" sz="2400" noProof="1"/>
                   <a:t> Å</a:t>
                 </a:r>
                 <a:r>
-                  <a:rPr lang="en-US" sz="2400" baseline="30000" noProof="1">
-                    <a:latin typeface="Arial" panose="020B0604020202020204" pitchFamily="34" charset="0"/>
-                    <a:cs typeface="Arial" panose="020B0604020202020204" pitchFamily="34" charset="0"/>
-                  </a:rPr>
+                  <a:rPr lang="en-US" sz="2400" baseline="30000" noProof="1"/>
                   <a:t>-1</a:t>
                 </a:r>
                 <a:r>
-                  <a:rPr lang="en-US" sz="2400" noProof="1">
-                    <a:latin typeface="Arial" panose="020B0604020202020204" pitchFamily="34" charset="0"/>
-                    <a:cs typeface="Arial" panose="020B0604020202020204" pitchFamily="34" charset="0"/>
-                  </a:rPr>
-                  <a:t>)</a:t>
+                  <a:rPr lang="en-US" sz="2400" noProof="1"/>
+                  <a:t>) </a:t>
                 </a:r>
+              </a:p>
+              <a:p>
+                <a:endParaRPr lang="en-US" sz="2400" noProof="1"/>
+              </a:p>
+              <a:p>
                 <a:r>
-                  <a:rPr lang="en-US" sz="2400" baseline="30000" noProof="1">
-                    <a:latin typeface="Arial" panose="020B0604020202020204" pitchFamily="34" charset="0"/>
-                    <a:cs typeface="Arial" panose="020B0604020202020204" pitchFamily="34" charset="0"/>
-                  </a:rPr>
-                  <a:t> </a:t>
+                  <a:rPr lang="en-US" sz="2400" noProof="1"/>
+                  <a:t>The table below shows the atomic masses and the reduced masses </a:t>
                 </a:r>
+                <a14:m>
+                  <m:oMath xmlns:m="http://schemas.openxmlformats.org/officeDocument/2006/math">
+                    <m:r>
+                      <a:rPr lang="de-AT" sz="2400" noProof="1">
+                        <a:latin typeface="Cambria Math" panose="02040503050406030204" pitchFamily="18" charset="0"/>
+                      </a:rPr>
+                      <m:t>𝜇</m:t>
+                    </m:r>
+                  </m:oMath>
+                </a14:m>
+                <a:r>
+                  <a:rPr lang="en-US" sz="2400" noProof="1"/>
+                  <a:t> calculated for the atoms involved in the bond stretch vibration.</a:t>
+                </a:r>
+              </a:p>
+              <a:p>
+                <a:endParaRPr lang="en-US" sz="2400" noProof="1"/>
+              </a:p>
+              <a:p>
+                <a:endParaRPr lang="en-US" sz="2400" noProof="1"/>
+              </a:p>
+              <a:p>
+                <a:endParaRPr lang="en-US" sz="2400" noProof="1"/>
+              </a:p>
+              <a:p>
+                <a:endParaRPr lang="en-US" sz="2400" noProof="1"/>
               </a:p>
               <a:p>
                 <a:pPr marL="457200" indent="-457200">
                   <a:buFont typeface="Arial" panose="020B0604020202020204" pitchFamily="34" charset="0"/>
                   <a:buChar char="•"/>
                 </a:pPr>
+                <a:endParaRPr lang="en-US" sz="2400" noProof="1"/>
+              </a:p>
+              <a:p>
+                <a:endParaRPr lang="en-US" sz="2400" noProof="1"/>
+              </a:p>
+              <a:p>
+                <a:endParaRPr lang="en-US" sz="2400" noProof="1"/>
+              </a:p>
+              <a:p>
+                <a:r>
+                  <a:rPr lang="en-US" sz="2400" noProof="1"/>
+                  <a:t>With potential energies of the bond scan the following force constants were determined:</a:t>
+                </a:r>
+              </a:p>
+              <a:p>
+                <a:endParaRPr lang="en-US" sz="2400" noProof="1"/>
+              </a:p>
+              <a:p>
+                <a:pPr marL="342900" indent="-342900">
+                  <a:buFont typeface="Arial" panose="020B0604020202020204" pitchFamily="34" charset="0"/>
+                  <a:buChar char="•"/>
+                </a:pPr>
                 <a14:m>
                   <m:oMath xmlns:m="http://schemas.openxmlformats.org/officeDocument/2006/math">
+                    <m:sSub>
+                      <m:sSubPr>
+                        <m:ctrlPr>
+                          <a:rPr lang="de-AT" sz="2400" i="1" noProof="1">
+                            <a:latin typeface="Cambria Math" panose="02040503050406030204" pitchFamily="18" charset="0"/>
+                          </a:rPr>
+                        </m:ctrlPr>
+                      </m:sSubPr>
+                      <m:e>
+                        <m:r>
+                          <m:rPr>
+                            <m:sty m:val="p"/>
+                          </m:rPr>
+                          <a:rPr lang="de-AT" sz="2400" noProof="1">
+                            <a:latin typeface="Cambria Math" panose="02040503050406030204" pitchFamily="18" charset="0"/>
+                          </a:rPr>
+                          <m:t>F</m:t>
+                        </m:r>
+                      </m:e>
+                      <m:sub>
+                        <m:r>
+                          <a:rPr lang="de-AT" sz="2400" noProof="1">
+                            <a:latin typeface="Cambria Math" panose="02040503050406030204" pitchFamily="18" charset="0"/>
+                          </a:rPr>
+                          <m:t>2</m:t>
+                        </m:r>
+                      </m:sub>
+                    </m:sSub>
                     <m:r>
-                      <a:rPr lang="de-AT" sz="2400" b="0" i="1" noProof="1" smtClean="0">
+                      <a:rPr lang="de-AT" sz="2400" noProof="1">
                         <a:latin typeface="Cambria Math" panose="02040503050406030204" pitchFamily="18" charset="0"/>
-                        <a:cs typeface="Arial" panose="020B0604020202020204" pitchFamily="34" charset="0"/>
                       </a:rPr>
-                      <m:t>𝜉</m:t>
+                      <m:t>:</m:t>
                     </m:r>
                   </m:oMath>
                 </a14:m>
                 <a:r>
-                  <a:rPr lang="en-US" sz="2400" noProof="1">
-                    <a:latin typeface="Arial" panose="020B0604020202020204" pitchFamily="34" charset="0"/>
-                    <a:cs typeface="Arial" panose="020B0604020202020204" pitchFamily="34" charset="0"/>
-                  </a:rPr>
-                  <a:t>… conversion factor  </a:t>
+                  <a:rPr lang="en-US" sz="2400" noProof="1"/>
+                  <a:t> </a:t>
                 </a:r>
+                <a14:m>
+                  <m:oMath xmlns:m="http://schemas.openxmlformats.org/officeDocument/2006/math">
+                    <m:r>
+                      <a:rPr lang="de-AT" sz="2400" noProof="1">
+                        <a:latin typeface="Cambria Math" panose="02040503050406030204" pitchFamily="18" charset="0"/>
+                      </a:rPr>
+                      <m:t>𝑘</m:t>
+                    </m:r>
+                    <m:r>
+                      <a:rPr lang="de-AT" sz="2400" noProof="1">
+                        <a:latin typeface="Cambria Math" panose="02040503050406030204" pitchFamily="18" charset="0"/>
+                      </a:rPr>
+                      <m:t>=</m:t>
+                    </m:r>
+                  </m:oMath>
+                </a14:m>
+                <a:r>
+                  <a:rPr lang="en-US" sz="2400" noProof="1"/>
+                  <a:t> 874.943 kcal mol</a:t>
+                </a:r>
+                <a:r>
+                  <a:rPr lang="en-US" sz="2400" baseline="30000" noProof="1"/>
+                  <a:t>-1</a:t>
+                </a:r>
+                <a:r>
+                  <a:rPr lang="en-US" sz="2400" noProof="1"/>
+                  <a:t> Å</a:t>
+                </a:r>
+                <a:r>
+                  <a:rPr lang="en-US" sz="2400" baseline="30000" noProof="1"/>
+                  <a:t>-1</a:t>
+                </a:r>
+                <a:endParaRPr lang="en-US" sz="2400" noProof="1"/>
               </a:p>
               <a:p>
-                <a:pPr marL="457200" indent="-457200">
+                <a:pPr marL="342900" indent="-342900">
                   <a:buFont typeface="Arial" panose="020B0604020202020204" pitchFamily="34" charset="0"/>
                   <a:buChar char="•"/>
                 </a:pPr>
-                <a:endParaRPr lang="en-US" sz="2800" noProof="1">
-                  <a:latin typeface="Arial" panose="020B0604020202020204" pitchFamily="34" charset="0"/>
-                  <a:cs typeface="Arial" panose="020B0604020202020204" pitchFamily="34" charset="0"/>
-                </a:endParaRPr>
+                <a:r>
+                  <a:rPr lang="en-US" sz="2400" noProof="1"/>
+                  <a:t>Trans-</a:t>
+                </a:r>
+                <a14:m>
+                  <m:oMath xmlns:m="http://schemas.openxmlformats.org/officeDocument/2006/math">
+                    <m:r>
+                      <m:rPr>
+                        <m:sty m:val="p"/>
+                      </m:rPr>
+                      <a:rPr lang="de-AT" sz="2400" noProof="1">
+                        <a:latin typeface="Cambria Math" panose="02040503050406030204" pitchFamily="18" charset="0"/>
+                      </a:rPr>
+                      <m:t>C</m:t>
+                    </m:r>
+                    <m:sSub>
+                      <m:sSubPr>
+                        <m:ctrlPr>
+                          <a:rPr lang="de-AT" sz="2400" i="1" noProof="1">
+                            <a:latin typeface="Cambria Math" panose="02040503050406030204" pitchFamily="18" charset="0"/>
+                          </a:rPr>
+                        </m:ctrlPr>
+                      </m:sSubPr>
+                      <m:e>
+                        <m:r>
+                          <m:rPr>
+                            <m:sty m:val="p"/>
+                          </m:rPr>
+                          <a:rPr lang="de-AT" sz="2400" noProof="1">
+                            <a:latin typeface="Cambria Math" panose="02040503050406030204" pitchFamily="18" charset="0"/>
+                          </a:rPr>
+                          <m:t>H</m:t>
+                        </m:r>
+                      </m:e>
+                      <m:sub>
+                        <m:r>
+                          <a:rPr lang="de-AT" sz="2400" noProof="1">
+                            <a:latin typeface="Cambria Math" panose="02040503050406030204" pitchFamily="18" charset="0"/>
+                          </a:rPr>
+                          <m:t>3</m:t>
+                        </m:r>
+                      </m:sub>
+                    </m:sSub>
+                    <m:r>
+                      <m:rPr>
+                        <m:sty m:val="p"/>
+                      </m:rPr>
+                      <a:rPr lang="de-AT" sz="2400" noProof="1">
+                        <a:latin typeface="Cambria Math" panose="02040503050406030204" pitchFamily="18" charset="0"/>
+                      </a:rPr>
+                      <m:t>COOH</m:t>
+                    </m:r>
+                  </m:oMath>
+                </a14:m>
+                <a:r>
+                  <a:rPr lang="en-US" sz="2400" noProof="1"/>
+                  <a:t>: </a:t>
+                </a:r>
+                <a14:m>
+                  <m:oMath xmlns:m="http://schemas.openxmlformats.org/officeDocument/2006/math">
+                    <m:r>
+                      <a:rPr lang="de-AT" sz="2400" noProof="1">
+                        <a:latin typeface="Cambria Math" panose="02040503050406030204" pitchFamily="18" charset="0"/>
+                      </a:rPr>
+                      <m:t>𝑘</m:t>
+                    </m:r>
+                    <m:r>
+                      <a:rPr lang="de-AT" sz="2400" noProof="1">
+                        <a:latin typeface="Cambria Math" panose="02040503050406030204" pitchFamily="18" charset="0"/>
+                      </a:rPr>
+                      <m:t>= </m:t>
+                    </m:r>
+                  </m:oMath>
+                </a14:m>
+                <a:r>
+                  <a:rPr lang="en-US" sz="2400" noProof="1"/>
+                  <a:t>1136.401 kcal mol</a:t>
+                </a:r>
+                <a:r>
+                  <a:rPr lang="en-US" sz="2400" baseline="30000" noProof="1"/>
+                  <a:t>-1</a:t>
+                </a:r>
+                <a:r>
+                  <a:rPr lang="en-US" sz="2400" noProof="1"/>
+                  <a:t> Å</a:t>
+                </a:r>
+                <a:r>
+                  <a:rPr lang="en-US" sz="2400" baseline="30000" noProof="1"/>
+                  <a:t>-1</a:t>
+                </a:r>
+                <a:endParaRPr lang="en-US" sz="2400" noProof="1"/>
               </a:p>
               <a:p>
-                <a:pPr marL="457200" indent="-457200">
+                <a:pPr marL="342900" indent="-342900">
                   <a:buFont typeface="Arial" panose="020B0604020202020204" pitchFamily="34" charset="0"/>
                   <a:buChar char="•"/>
                 </a:pPr>
-                <a:endParaRPr lang="en-US" sz="2800" noProof="1">
-                  <a:latin typeface="Arial" panose="020B0604020202020204" pitchFamily="34" charset="0"/>
-                  <a:cs typeface="Arial" panose="020B0604020202020204" pitchFamily="34" charset="0"/>
-                </a:endParaRPr>
-              </a:p>
-              <a:p>
-                <a:endParaRPr lang="en-US" sz="2800" noProof="1">
-                  <a:latin typeface="Arial" panose="020B0604020202020204" pitchFamily="34" charset="0"/>
-                  <a:cs typeface="Arial" panose="020B0604020202020204" pitchFamily="34" charset="0"/>
-                </a:endParaRPr>
-              </a:p>
-              <a:p>
-                <a:endParaRPr lang="en-US" sz="2800" noProof="1">
-                  <a:latin typeface="Arial" panose="020B0604020202020204" pitchFamily="34" charset="0"/>
-                  <a:cs typeface="Arial" panose="020B0604020202020204" pitchFamily="34" charset="0"/>
-                </a:endParaRPr>
-              </a:p>
-              <a:p>
-                <a:endParaRPr lang="en-US" sz="2800" noProof="1">
-                  <a:latin typeface="Arial" panose="020B0604020202020204" pitchFamily="34" charset="0"/>
-                  <a:cs typeface="Arial" panose="020B0604020202020204" pitchFamily="34" charset="0"/>
-                </a:endParaRPr>
-              </a:p>
-              <a:p>
-                <a:endParaRPr lang="en-US" sz="2800" noProof="1">
-                  <a:latin typeface="Arial" panose="020B0604020202020204" pitchFamily="34" charset="0"/>
-                  <a:cs typeface="Arial" panose="020B0604020202020204" pitchFamily="34" charset="0"/>
-                </a:endParaRPr>
-              </a:p>
-              <a:p>
-                <a:endParaRPr lang="en-US" sz="2800" noProof="1">
-                  <a:latin typeface="Arial" panose="020B0604020202020204" pitchFamily="34" charset="0"/>
-                  <a:cs typeface="Arial" panose="020B0604020202020204" pitchFamily="34" charset="0"/>
-                </a:endParaRPr>
-              </a:p>
-              <a:p>
-                <a:endParaRPr lang="en-US" sz="2800" noProof="1">
-                  <a:latin typeface="Arial" panose="020B0604020202020204" pitchFamily="34" charset="0"/>
-                  <a:cs typeface="Arial" panose="020B0604020202020204" pitchFamily="34" charset="0"/>
-                </a:endParaRPr>
-              </a:p>
-              <a:p>
-                <a:endParaRPr lang="en-US" sz="2800" noProof="1">
-                  <a:latin typeface="Arial" panose="020B0604020202020204" pitchFamily="34" charset="0"/>
-                  <a:cs typeface="Arial" panose="020B0604020202020204" pitchFamily="34" charset="0"/>
-                </a:endParaRPr>
-              </a:p>
-              <a:p>
-                <a:endParaRPr lang="en-US" sz="2800" noProof="1">
-                  <a:latin typeface="Arial" panose="020B0604020202020204" pitchFamily="34" charset="0"/>
-                  <a:cs typeface="Arial" panose="020B0604020202020204" pitchFamily="34" charset="0"/>
-                </a:endParaRPr>
-              </a:p>
-              <a:p>
-                <a:endParaRPr lang="en-US" sz="2800" noProof="1">
-                  <a:latin typeface="Arial" panose="020B0604020202020204" pitchFamily="34" charset="0"/>
-                  <a:cs typeface="Arial" panose="020B0604020202020204" pitchFamily="34" charset="0"/>
-                </a:endParaRPr>
+                <a:r>
+                  <a:rPr lang="en-US" sz="2400" noProof="1"/>
+                  <a:t>Trans-</a:t>
+                </a:r>
+                <a14:m>
+                  <m:oMath xmlns:m="http://schemas.openxmlformats.org/officeDocument/2006/math">
+                    <m:r>
+                      <m:rPr>
+                        <m:sty m:val="p"/>
+                      </m:rPr>
+                      <a:rPr lang="de-AT" sz="2400" noProof="1">
+                        <a:latin typeface="Cambria Math" panose="02040503050406030204" pitchFamily="18" charset="0"/>
+                      </a:rPr>
+                      <m:t>C</m:t>
+                    </m:r>
+                    <m:sSub>
+                      <m:sSubPr>
+                        <m:ctrlPr>
+                          <a:rPr lang="de-AT" sz="2400" i="1" noProof="1">
+                            <a:latin typeface="Cambria Math" panose="02040503050406030204" pitchFamily="18" charset="0"/>
+                          </a:rPr>
+                        </m:ctrlPr>
+                      </m:sSubPr>
+                      <m:e>
+                        <m:r>
+                          <m:rPr>
+                            <m:sty m:val="p"/>
+                          </m:rPr>
+                          <a:rPr lang="de-AT" sz="2400" noProof="1">
+                            <a:latin typeface="Cambria Math" panose="02040503050406030204" pitchFamily="18" charset="0"/>
+                          </a:rPr>
+                          <m:t>H</m:t>
+                        </m:r>
+                      </m:e>
+                      <m:sub>
+                        <m:r>
+                          <a:rPr lang="de-AT" sz="2400" noProof="1">
+                            <a:latin typeface="Cambria Math" panose="02040503050406030204" pitchFamily="18" charset="0"/>
+                          </a:rPr>
+                          <m:t>3</m:t>
+                        </m:r>
+                      </m:sub>
+                    </m:sSub>
+                    <m:r>
+                      <m:rPr>
+                        <m:sty m:val="p"/>
+                      </m:rPr>
+                      <a:rPr lang="de-AT" sz="2400" noProof="1">
+                        <a:latin typeface="Cambria Math" panose="02040503050406030204" pitchFamily="18" charset="0"/>
+                      </a:rPr>
+                      <m:t>COOD</m:t>
+                    </m:r>
+                  </m:oMath>
+                </a14:m>
+                <a:r>
+                  <a:rPr lang="en-US" sz="2400" noProof="1"/>
+                  <a:t>: </a:t>
+                </a:r>
+                <a14:m>
+                  <m:oMath xmlns:m="http://schemas.openxmlformats.org/officeDocument/2006/math">
+                    <m:r>
+                      <a:rPr lang="de-AT" sz="2400" i="1" noProof="1">
+                        <a:latin typeface="Cambria Math" panose="02040503050406030204" pitchFamily="18" charset="0"/>
+                      </a:rPr>
+                      <m:t>𝑘</m:t>
+                    </m:r>
+                    <m:r>
+                      <a:rPr lang="de-AT" sz="2400" b="0" i="0" noProof="1" smtClean="0">
+                        <a:latin typeface="Cambria Math" panose="02040503050406030204" pitchFamily="18" charset="0"/>
+                      </a:rPr>
+                      <m:t>=</m:t>
+                    </m:r>
+                    <m:r>
+                      <a:rPr lang="de-AT" sz="2400" b="0" i="1" noProof="1" smtClean="0">
+                        <a:latin typeface="Cambria Math" panose="02040503050406030204" pitchFamily="18" charset="0"/>
+                      </a:rPr>
+                      <m:t> </m:t>
+                    </m:r>
+                  </m:oMath>
+                </a14:m>
+                <a:r>
+                  <a:rPr lang="en-US" sz="2400" noProof="1"/>
+                  <a:t>1137.198 kcal mol</a:t>
+                </a:r>
+                <a:r>
+                  <a:rPr lang="en-US" sz="2400" baseline="30000" noProof="1"/>
+                  <a:t>-1</a:t>
+                </a:r>
+                <a:r>
+                  <a:rPr lang="en-US" sz="2400" noProof="1"/>
+                  <a:t> Å</a:t>
+                </a:r>
+                <a:r>
+                  <a:rPr lang="en-US" sz="2400" baseline="30000" noProof="1"/>
+                  <a:t>-1</a:t>
+                </a:r>
               </a:p>
             </p:txBody>
           </p:sp>
@@ -5196,16 +5326,16 @@
             </p:nvSpPr>
             <p:spPr>
               <a:xfrm>
-                <a:off x="565252" y="16008151"/>
-                <a:ext cx="11628621" cy="11049179"/>
+                <a:off x="506724" y="17701977"/>
+                <a:ext cx="11687150" cy="11849398"/>
               </a:xfrm>
               <a:prstGeom prst="rect">
                 <a:avLst/>
               </a:prstGeom>
               <a:blipFill>
-                <a:blip r:embed="rId6"/>
+                <a:blip r:embed="rId5"/>
                 <a:stretch>
-                  <a:fillRect l="-872" t="-459" r="-1091"/>
+                  <a:fillRect l="-759" t="-321" r="-759" b="-107"/>
                 </a:stretch>
               </a:blipFill>
               <a:ln>
@@ -5246,13 +5376,13 @@
               <p:nvPr>
                 <p:extLst>
                   <p:ext uri="{D42A27DB-BD31-4B8C-83A1-F6EECF244321}">
-                    <p14:modId xmlns:p14="http://schemas.microsoft.com/office/powerpoint/2010/main" val="22844444"/>
+                    <p14:modId xmlns:p14="http://schemas.microsoft.com/office/powerpoint/2010/main" val="2717117264"/>
                   </p:ext>
                 </p:extLst>
               </p:nvPr>
             </p:nvGraphicFramePr>
             <p:xfrm>
-              <a:off x="956762" y="24170194"/>
+              <a:off x="956762" y="25681168"/>
               <a:ext cx="10639846" cy="1695136"/>
             </p:xfrm>
             <a:graphic>
@@ -5595,6 +5725,15 @@
                         </a:p>
                       </a:txBody>
                       <a:tcPr>
+                        <a:lnB w="12700" cap="flat" cmpd="sng" algn="ctr">
+                          <a:solidFill>
+                            <a:schemeClr val="tx1"/>
+                          </a:solidFill>
+                          <a:prstDash val="solid"/>
+                          <a:round/>
+                          <a:headEnd type="none" w="med" len="med"/>
+                          <a:tailEnd type="none" w="med" len="med"/>
+                        </a:lnB>
                         <a:solidFill>
                           <a:schemeClr val="bg1"/>
                         </a:solidFill>
@@ -5607,11 +5746,20 @@
                         <a:p>
                           <a:r>
                             <a:rPr lang="en-US" sz="2000" noProof="1"/>
-                            <a:t>18.998403</a:t>
+                            <a:t>18.9984</a:t>
                           </a:r>
                         </a:p>
                       </a:txBody>
                       <a:tcPr>
+                        <a:lnB w="12700" cap="flat" cmpd="sng" algn="ctr">
+                          <a:solidFill>
+                            <a:schemeClr val="tx1"/>
+                          </a:solidFill>
+                          <a:prstDash val="solid"/>
+                          <a:round/>
+                          <a:headEnd type="none" w="med" len="med"/>
+                          <a:tailEnd type="none" w="med" len="med"/>
+                        </a:lnB>
                         <a:solidFill>
                           <a:schemeClr val="bg1"/>
                         </a:solidFill>
@@ -5624,11 +5772,20 @@
                         <a:p>
                           <a:r>
                             <a:rPr lang="en-US" sz="2000" noProof="1"/>
-                            <a:t>15.994915</a:t>
+                            <a:t>15.9949</a:t>
                           </a:r>
                         </a:p>
                       </a:txBody>
                       <a:tcPr>
+                        <a:lnB w="12700" cap="flat" cmpd="sng" algn="ctr">
+                          <a:solidFill>
+                            <a:schemeClr val="tx1"/>
+                          </a:solidFill>
+                          <a:prstDash val="solid"/>
+                          <a:round/>
+                          <a:headEnd type="none" w="med" len="med"/>
+                          <a:tailEnd type="none" w="med" len="med"/>
+                        </a:lnB>
                         <a:solidFill>
                           <a:schemeClr val="bg1"/>
                         </a:solidFill>
@@ -5641,11 +5798,20 @@
                         <a:p>
                           <a:r>
                             <a:rPr lang="en-US" sz="2000" noProof="1"/>
-                            <a:t>1.007825</a:t>
+                            <a:t>1.0078</a:t>
                           </a:r>
                         </a:p>
                       </a:txBody>
                       <a:tcPr>
+                        <a:lnB w="12700" cap="flat" cmpd="sng" algn="ctr">
+                          <a:solidFill>
+                            <a:schemeClr val="tx1"/>
+                          </a:solidFill>
+                          <a:prstDash val="solid"/>
+                          <a:round/>
+                          <a:headEnd type="none" w="med" len="med"/>
+                          <a:tailEnd type="none" w="med" len="med"/>
+                        </a:lnB>
                         <a:solidFill>
                           <a:schemeClr val="bg1"/>
                         </a:solidFill>
@@ -5675,11 +5841,20 @@
                           </a:pPr>
                           <a:r>
                             <a:rPr lang="en-US" sz="2000" noProof="1"/>
-                            <a:t>15.994915</a:t>
+                            <a:t>15.9949</a:t>
                           </a:r>
                         </a:p>
                       </a:txBody>
                       <a:tcPr>
+                        <a:lnB w="12700" cap="flat" cmpd="sng" algn="ctr">
+                          <a:solidFill>
+                            <a:schemeClr val="tx1"/>
+                          </a:solidFill>
+                          <a:prstDash val="solid"/>
+                          <a:round/>
+                          <a:headEnd type="none" w="med" len="med"/>
+                          <a:tailEnd type="none" w="med" len="med"/>
+                        </a:lnB>
                         <a:solidFill>
                           <a:schemeClr val="bg1"/>
                         </a:solidFill>
@@ -5692,11 +5867,20 @@
                         <a:p>
                           <a:r>
                             <a:rPr lang="en-US" sz="2000" noProof="1"/>
-                            <a:t>2.014102</a:t>
+                            <a:t>2.0141</a:t>
                           </a:r>
                         </a:p>
                       </a:txBody>
                       <a:tcPr>
+                        <a:lnB w="12700" cap="flat" cmpd="sng" algn="ctr">
+                          <a:solidFill>
+                            <a:schemeClr val="tx1"/>
+                          </a:solidFill>
+                          <a:prstDash val="solid"/>
+                          <a:round/>
+                          <a:headEnd type="none" w="med" len="med"/>
+                          <a:tailEnd type="none" w="med" len="med"/>
+                        </a:lnB>
                         <a:solidFill>
                           <a:schemeClr val="bg1"/>
                         </a:solidFill>
@@ -5730,6 +5914,15 @@
                         </a:p>
                       </a:txBody>
                       <a:tcPr>
+                        <a:lnT w="12700" cap="flat" cmpd="sng" algn="ctr">
+                          <a:solidFill>
+                            <a:schemeClr val="tx1"/>
+                          </a:solidFill>
+                          <a:prstDash val="solid"/>
+                          <a:round/>
+                          <a:headEnd type="none" w="med" len="med"/>
+                          <a:tailEnd type="none" w="med" len="med"/>
+                        </a:lnT>
                         <a:solidFill>
                           <a:schemeClr val="bg1"/>
                         </a:solidFill>
@@ -5746,7 +5939,7 @@
                                 <a:schemeClr val="tx1"/>
                               </a:solidFill>
                             </a:rPr>
-                            <a:t>9.499202</a:t>
+                            <a:t>9.4992</a:t>
                           </a:r>
                           <a:endParaRPr lang="en-US" sz="2000" kern="1200" noProof="1">
                             <a:solidFill>
@@ -5759,6 +5952,15 @@
                         </a:p>
                       </a:txBody>
                       <a:tcPr>
+                        <a:lnT w="12700" cap="flat" cmpd="sng" algn="ctr">
+                          <a:solidFill>
+                            <a:schemeClr val="tx1"/>
+                          </a:solidFill>
+                          <a:prstDash val="solid"/>
+                          <a:round/>
+                          <a:headEnd type="none" w="med" len="med"/>
+                          <a:tailEnd type="none" w="med" len="med"/>
+                        </a:lnT>
                         <a:solidFill>
                           <a:schemeClr val="bg1"/>
                         </a:solidFill>
@@ -5776,7 +5978,7 @@
                                 <a:schemeClr val="tx1"/>
                               </a:solidFill>
                             </a:rPr>
-                            <a:t>0.948118</a:t>
+                            <a:t>0.9481</a:t>
                           </a:r>
                           <a:endParaRPr lang="en-US" sz="2000" kern="1200" noProof="1">
                             <a:solidFill>
@@ -5789,6 +5991,15 @@
                         </a:p>
                       </a:txBody>
                       <a:tcPr>
+                        <a:lnT w="12700" cap="flat" cmpd="sng" algn="ctr">
+                          <a:solidFill>
+                            <a:schemeClr val="tx1"/>
+                          </a:solidFill>
+                          <a:prstDash val="solid"/>
+                          <a:round/>
+                          <a:headEnd type="none" w="med" len="med"/>
+                          <a:tailEnd type="none" w="med" len="med"/>
+                        </a:lnT>
                         <a:solidFill>
                           <a:schemeClr val="bg1"/>
                         </a:solidFill>
@@ -5829,6 +6040,15 @@
                         </a:p>
                       </a:txBody>
                       <a:tcPr>
+                        <a:lnT w="12700" cap="flat" cmpd="sng" algn="ctr">
+                          <a:solidFill>
+                            <a:schemeClr val="tx1"/>
+                          </a:solidFill>
+                          <a:prstDash val="solid"/>
+                          <a:round/>
+                          <a:headEnd type="none" w="med" len="med"/>
+                          <a:tailEnd type="none" w="med" len="med"/>
+                        </a:lnT>
                         <a:solidFill>
                           <a:schemeClr val="bg1"/>
                         </a:solidFill>
@@ -5871,13 +6091,13 @@
               <p:nvPr>
                 <p:extLst>
                   <p:ext uri="{D42A27DB-BD31-4B8C-83A1-F6EECF244321}">
-                    <p14:modId xmlns:p14="http://schemas.microsoft.com/office/powerpoint/2010/main" val="22844444"/>
+                    <p14:modId xmlns:p14="http://schemas.microsoft.com/office/powerpoint/2010/main" val="2717117264"/>
                   </p:ext>
                 </p:extLst>
               </p:nvPr>
             </p:nvGraphicFramePr>
             <p:xfrm>
-              <a:off x="956762" y="24170194"/>
+              <a:off x="956762" y="25681168"/>
               <a:ext cx="10639846" cy="1695136"/>
             </p:xfrm>
             <a:graphic>
@@ -5951,7 +6171,7 @@
                       </a:txBody>
                       <a:tcPr>
                         <a:blipFill>
-                          <a:blip r:embed="rId7"/>
+                          <a:blip r:embed="rId6"/>
                           <a:stretch>
                             <a:fillRect l="-195833" t="-9677" r="-404167" b="-345161"/>
                           </a:stretch>
@@ -5968,7 +6188,7 @@
                       </a:txBody>
                       <a:tcPr>
                         <a:blipFill>
-                          <a:blip r:embed="rId7"/>
+                          <a:blip r:embed="rId6"/>
                           <a:stretch>
                             <a:fillRect l="-155022" t="-9677" r="-111790" b="-345161"/>
                           </a:stretch>
@@ -6154,6 +6374,15 @@
                         </a:p>
                       </a:txBody>
                       <a:tcPr>
+                        <a:lnB w="12700" cap="flat" cmpd="sng" algn="ctr">
+                          <a:solidFill>
+                            <a:schemeClr val="tx1"/>
+                          </a:solidFill>
+                          <a:prstDash val="solid"/>
+                          <a:round/>
+                          <a:headEnd type="none" w="med" len="med"/>
+                          <a:tailEnd type="none" w="med" len="med"/>
+                        </a:lnB>
                         <a:solidFill>
                           <a:schemeClr val="bg1"/>
                         </a:solidFill>
@@ -6166,11 +6395,20 @@
                         <a:p>
                           <a:r>
                             <a:rPr lang="en-US" sz="2000" noProof="1"/>
-                            <a:t>18.998403</a:t>
+                            <a:t>18.9984</a:t>
                           </a:r>
                         </a:p>
                       </a:txBody>
                       <a:tcPr>
+                        <a:lnB w="12700" cap="flat" cmpd="sng" algn="ctr">
+                          <a:solidFill>
+                            <a:schemeClr val="tx1"/>
+                          </a:solidFill>
+                          <a:prstDash val="solid"/>
+                          <a:round/>
+                          <a:headEnd type="none" w="med" len="med"/>
+                          <a:tailEnd type="none" w="med" len="med"/>
+                        </a:lnB>
                         <a:solidFill>
                           <a:schemeClr val="bg1"/>
                         </a:solidFill>
@@ -6183,11 +6421,20 @@
                         <a:p>
                           <a:r>
                             <a:rPr lang="en-US" sz="2000" noProof="1"/>
-                            <a:t>15.994915</a:t>
+                            <a:t>15.9949</a:t>
                           </a:r>
                         </a:p>
                       </a:txBody>
                       <a:tcPr>
+                        <a:lnB w="12700" cap="flat" cmpd="sng" algn="ctr">
+                          <a:solidFill>
+                            <a:schemeClr val="tx1"/>
+                          </a:solidFill>
+                          <a:prstDash val="solid"/>
+                          <a:round/>
+                          <a:headEnd type="none" w="med" len="med"/>
+                          <a:tailEnd type="none" w="med" len="med"/>
+                        </a:lnB>
                         <a:solidFill>
                           <a:schemeClr val="bg1"/>
                         </a:solidFill>
@@ -6200,11 +6447,20 @@
                         <a:p>
                           <a:r>
                             <a:rPr lang="en-US" sz="2000" noProof="1"/>
-                            <a:t>1.007825</a:t>
+                            <a:t>1.0078</a:t>
                           </a:r>
                         </a:p>
                       </a:txBody>
                       <a:tcPr>
+                        <a:lnB w="12700" cap="flat" cmpd="sng" algn="ctr">
+                          <a:solidFill>
+                            <a:schemeClr val="tx1"/>
+                          </a:solidFill>
+                          <a:prstDash val="solid"/>
+                          <a:round/>
+                          <a:headEnd type="none" w="med" len="med"/>
+                          <a:tailEnd type="none" w="med" len="med"/>
+                        </a:lnB>
                         <a:solidFill>
                           <a:schemeClr val="bg1"/>
                         </a:solidFill>
@@ -6234,11 +6490,20 @@
                           </a:pPr>
                           <a:r>
                             <a:rPr lang="en-US" sz="2000" noProof="1"/>
-                            <a:t>15.994915</a:t>
+                            <a:t>15.9949</a:t>
                           </a:r>
                         </a:p>
                       </a:txBody>
                       <a:tcPr>
+                        <a:lnB w="12700" cap="flat" cmpd="sng" algn="ctr">
+                          <a:solidFill>
+                            <a:schemeClr val="tx1"/>
+                          </a:solidFill>
+                          <a:prstDash val="solid"/>
+                          <a:round/>
+                          <a:headEnd type="none" w="med" len="med"/>
+                          <a:tailEnd type="none" w="med" len="med"/>
+                        </a:lnB>
                         <a:solidFill>
                           <a:schemeClr val="bg1"/>
                         </a:solidFill>
@@ -6251,11 +6516,20 @@
                         <a:p>
                           <a:r>
                             <a:rPr lang="en-US" sz="2000" noProof="1"/>
-                            <a:t>2.014102</a:t>
+                            <a:t>2.0141</a:t>
                           </a:r>
                         </a:p>
                       </a:txBody>
                       <a:tcPr>
+                        <a:lnB w="12700" cap="flat" cmpd="sng" algn="ctr">
+                          <a:solidFill>
+                            <a:schemeClr val="tx1"/>
+                          </a:solidFill>
+                          <a:prstDash val="solid"/>
+                          <a:round/>
+                          <a:headEnd type="none" w="med" len="med"/>
+                          <a:tailEnd type="none" w="med" len="med"/>
+                        </a:lnB>
                         <a:solidFill>
                           <a:schemeClr val="bg1"/>
                         </a:solidFill>
@@ -6289,6 +6563,15 @@
                         </a:p>
                       </a:txBody>
                       <a:tcPr>
+                        <a:lnT w="12700" cap="flat" cmpd="sng" algn="ctr">
+                          <a:solidFill>
+                            <a:schemeClr val="tx1"/>
+                          </a:solidFill>
+                          <a:prstDash val="solid"/>
+                          <a:round/>
+                          <a:headEnd type="none" w="med" len="med"/>
+                          <a:tailEnd type="none" w="med" len="med"/>
+                        </a:lnT>
                         <a:solidFill>
                           <a:schemeClr val="bg1"/>
                         </a:solidFill>
@@ -6305,7 +6588,7 @@
                                 <a:schemeClr val="tx1"/>
                               </a:solidFill>
                             </a:rPr>
-                            <a:t>9.499202</a:t>
+                            <a:t>9.4992</a:t>
                           </a:r>
                           <a:endParaRPr lang="en-US" sz="2000" kern="1200" noProof="1">
                             <a:solidFill>
@@ -6318,6 +6601,15 @@
                         </a:p>
                       </a:txBody>
                       <a:tcPr>
+                        <a:lnT w="12700" cap="flat" cmpd="sng" algn="ctr">
+                          <a:solidFill>
+                            <a:schemeClr val="tx1"/>
+                          </a:solidFill>
+                          <a:prstDash val="solid"/>
+                          <a:round/>
+                          <a:headEnd type="none" w="med" len="med"/>
+                          <a:tailEnd type="none" w="med" len="med"/>
+                        </a:lnT>
                         <a:solidFill>
                           <a:schemeClr val="bg1"/>
                         </a:solidFill>
@@ -6335,7 +6627,7 @@
                                 <a:schemeClr val="tx1"/>
                               </a:solidFill>
                             </a:rPr>
-                            <a:t>0.948118</a:t>
+                            <a:t>0.9481</a:t>
                           </a:r>
                           <a:endParaRPr lang="en-US" sz="2000" kern="1200" noProof="1">
                             <a:solidFill>
@@ -6348,6 +6640,15 @@
                         </a:p>
                       </a:txBody>
                       <a:tcPr>
+                        <a:lnT w="12700" cap="flat" cmpd="sng" algn="ctr">
+                          <a:solidFill>
+                            <a:schemeClr val="tx1"/>
+                          </a:solidFill>
+                          <a:prstDash val="solid"/>
+                          <a:round/>
+                          <a:headEnd type="none" w="med" len="med"/>
+                          <a:tailEnd type="none" w="med" len="med"/>
+                        </a:lnT>
                         <a:solidFill>
                           <a:schemeClr val="bg1"/>
                         </a:solidFill>
@@ -6388,6 +6689,15 @@
                         </a:p>
                       </a:txBody>
                       <a:tcPr>
+                        <a:lnT w="12700" cap="flat" cmpd="sng" algn="ctr">
+                          <a:solidFill>
+                            <a:schemeClr val="tx1"/>
+                          </a:solidFill>
+                          <a:prstDash val="solid"/>
+                          <a:round/>
+                          <a:headEnd type="none" w="med" len="med"/>
+                          <a:tailEnd type="none" w="med" len="med"/>
+                        </a:lnT>
                         <a:solidFill>
                           <a:schemeClr val="bg1"/>
                         </a:solidFill>
@@ -6473,8 +6783,8 @@
           </a:p>
         </p:txBody>
       </p:sp>
-      <mc:AlternateContent xmlns:mc="http://schemas.openxmlformats.org/markup-compatibility/2006">
-        <mc:Choice xmlns:a14="http://schemas.microsoft.com/office/drawing/2010/main" Requires="a14">
+      <mc:AlternateContent xmlns:mc="http://schemas.openxmlformats.org/markup-compatibility/2006" xmlns:a14="http://schemas.microsoft.com/office/drawing/2010/main">
+        <mc:Choice Requires="a14">
           <p:sp>
             <p:nvSpPr>
               <p:cNvPr id="41" name="Textfeld 40">
@@ -6489,7 +6799,7 @@
             </p:nvSpPr>
             <p:spPr>
               <a:xfrm>
-                <a:off x="12911203" y="4797113"/>
+                <a:off x="12911203" y="4782825"/>
                 <a:ext cx="14238573" cy="8282011"/>
               </a:xfrm>
               <a:prstGeom prst="rect">
@@ -6509,8 +6819,12 @@
               <a:lstStyle/>
               <a:p>
                 <a:r>
+                  <a:rPr lang="en-US" sz="2400" b="1" noProof="1"/>
+                  <a:t>Numerov’s method </a:t>
+                </a:r>
+                <a:r>
                   <a:rPr lang="en-US" sz="2400" noProof="1"/>
-                  <a:t>Numerov method is a numerical method to solve differential equations. This method can be to obtain the energy eigenvalues </a:t>
+                  <a:t>is a numerical algorithm to solve differential equations. This method can be used to obtain the energy eigenvalues </a:t>
                 </a:r>
                 <a14:m>
                   <m:oMath xmlns:m="http://schemas.openxmlformats.org/officeDocument/2006/math">
@@ -6548,13 +6862,10 @@
                 <a14:m>
                   <m:oMath xmlns:m="http://schemas.openxmlformats.org/officeDocument/2006/math">
                     <m:r>
-                      <m:rPr>
-                        <m:sty m:val="p"/>
-                      </m:rPr>
-                      <a:rPr lang="en-US" sz="2400" b="0" i="0" noProof="1" dirty="0" smtClean="0">
+                      <a:rPr lang="de-AT" sz="2400" b="0" i="1" noProof="1" smtClean="0">
                         <a:latin typeface="Cambria Math" panose="02040503050406030204" pitchFamily="18" charset="0"/>
                       </a:rPr>
-                      <m:t>Ψ</m:t>
+                      <m:t>𝜓</m:t>
                     </m:r>
                   </m:oMath>
                 </a14:m>
@@ -6923,7 +7234,7 @@
             </p:txBody>
           </p:sp>
         </mc:Choice>
-        <mc:Fallback>
+        <mc:Fallback xmlns="">
           <p:sp>
             <p:nvSpPr>
               <p:cNvPr id="41" name="Textfeld 40">
@@ -6940,14 +7251,14 @@
             </p:nvSpPr>
             <p:spPr>
               <a:xfrm>
-                <a:off x="12911203" y="4797113"/>
+                <a:off x="12911203" y="4782825"/>
                 <a:ext cx="14238573" cy="8282011"/>
               </a:xfrm>
               <a:prstGeom prst="rect">
                 <a:avLst/>
               </a:prstGeom>
               <a:blipFill>
-                <a:blip r:embed="rId8"/>
+                <a:blip r:embed="rId7"/>
                 <a:stretch>
                   <a:fillRect l="-712" t="-612"/>
                 </a:stretch>
@@ -7024,10 +7335,10 @@
           <a:p>
             <a:pPr algn="ctr"/>
             <a:r>
-              <a:rPr lang="en-US" sz="5400" b="1" noProof="1"/>
+              <a:rPr lang="en-US" sz="4400" b="1" noProof="1"/>
               <a:t>Dipole Moment / Oscillator strenght</a:t>
             </a:r>
-            <a:endParaRPr lang="en-US" sz="6000" b="1" noProof="1"/>
+            <a:endParaRPr lang="en-US" sz="4800" b="1" noProof="1"/>
           </a:p>
         </p:txBody>
       </p:sp>
@@ -7139,7 +7450,7 @@
         </p:nvSpPr>
         <p:spPr>
           <a:xfrm>
-            <a:off x="13139222" y="9071953"/>
+            <a:off x="13139222" y="8986225"/>
             <a:ext cx="6192539" cy="400110"/>
           </a:xfrm>
           <a:prstGeom prst="rect">
@@ -7159,7 +7470,11 @@
             </a:r>
             <a:r>
               <a:rPr lang="en-US" sz="2000" noProof="1"/>
-              <a:t>Python implementation for Numerov‘s algorithm</a:t>
+              <a:t>Python implementation for </a:t>
+            </a:r>
+            <a:r>
+              <a:rPr lang="en-US" sz="2000" b="1" noProof="1"/>
+              <a:t>Numerov‘s method.</a:t>
             </a:r>
           </a:p>
         </p:txBody>
@@ -7227,8 +7542,8 @@
         </p:nvSpPr>
         <p:spPr>
           <a:xfrm>
-            <a:off x="12911204" y="13256488"/>
-            <a:ext cx="29623538" cy="1596161"/>
+            <a:off x="12898588" y="13256488"/>
+            <a:ext cx="29636154" cy="1596161"/>
           </a:xfrm>
           <a:prstGeom prst="rect">
             <a:avLst/>
@@ -7264,10 +7579,10 @@
           <a:p>
             <a:pPr algn="ctr"/>
             <a:r>
-              <a:rPr lang="en-US" sz="5400" b="1" noProof="1"/>
+              <a:rPr lang="en-US" sz="4400" b="1" noProof="1"/>
               <a:t>Potential Energy Curves</a:t>
             </a:r>
-            <a:endParaRPr lang="en-US" sz="6000" b="1" noProof="1"/>
+            <a:endParaRPr lang="en-US" sz="4800" b="1" noProof="1"/>
           </a:p>
         </p:txBody>
       </p:sp>
@@ -7401,8 +7716,8 @@
           </a:p>
         </p:txBody>
       </p:sp>
-      <mc:AlternateContent xmlns:mc="http://schemas.openxmlformats.org/markup-compatibility/2006">
-        <mc:Choice xmlns:a14="http://schemas.microsoft.com/office/drawing/2010/main" Requires="a14">
+      <mc:AlternateContent xmlns:mc="http://schemas.openxmlformats.org/markup-compatibility/2006" xmlns:a14="http://schemas.microsoft.com/office/drawing/2010/main">
+        <mc:Choice Requires="a14">
           <p:graphicFrame>
             <p:nvGraphicFramePr>
               <p:cNvPr id="63" name="Tabelle 62">
@@ -7418,13 +7733,13 @@
               <p:nvPr>
                 <p:extLst>
                   <p:ext uri="{D42A27DB-BD31-4B8C-83A1-F6EECF244321}">
-                    <p14:modId xmlns:p14="http://schemas.microsoft.com/office/powerpoint/2010/main" val="40285175"/>
+                    <p14:modId xmlns:p14="http://schemas.microsoft.com/office/powerpoint/2010/main" val="2069981929"/>
                   </p:ext>
                 </p:extLst>
               </p:nvPr>
             </p:nvGraphicFramePr>
             <p:xfrm>
-              <a:off x="13170296" y="9878461"/>
+              <a:off x="13170296" y="9892749"/>
               <a:ext cx="6891199" cy="3038868"/>
             </p:xfrm>
             <a:graphic>
@@ -8439,7 +8754,7 @@
             </a:graphic>
           </p:graphicFrame>
         </mc:Choice>
-        <mc:Fallback>
+        <mc:Fallback xmlns="">
           <p:graphicFrame>
             <p:nvGraphicFramePr>
               <p:cNvPr id="63" name="Tabelle 62">
@@ -8455,13 +8770,13 @@
               <p:nvPr>
                 <p:extLst>
                   <p:ext uri="{D42A27DB-BD31-4B8C-83A1-F6EECF244321}">
-                    <p14:modId xmlns:p14="http://schemas.microsoft.com/office/powerpoint/2010/main" val="40285175"/>
+                    <p14:modId xmlns:p14="http://schemas.microsoft.com/office/powerpoint/2010/main" val="2069981929"/>
                   </p:ext>
                 </p:extLst>
               </p:nvPr>
             </p:nvGraphicFramePr>
             <p:xfrm>
-              <a:off x="13170296" y="9878461"/>
+              <a:off x="13170296" y="9892749"/>
               <a:ext cx="6891199" cy="3038868"/>
             </p:xfrm>
             <a:graphic>
@@ -8535,7 +8850,7 @@
                       </a:txBody>
                       <a:tcPr>
                         <a:blipFill>
-                          <a:blip r:embed="rId9"/>
+                          <a:blip r:embed="rId8"/>
                           <a:stretch>
                             <a:fillRect l="-57292" r="-410417" b="-758621"/>
                           </a:stretch>
@@ -8552,7 +8867,7 @@
                       </a:txBody>
                       <a:tcPr>
                         <a:blipFill>
-                          <a:blip r:embed="rId9"/>
+                          <a:blip r:embed="rId8"/>
                           <a:stretch>
                             <a:fillRect l="-157292" r="-310417" b="-758621"/>
                           </a:stretch>
@@ -8569,7 +8884,7 @@
                       </a:txBody>
                       <a:tcPr>
                         <a:blipFill>
-                          <a:blip r:embed="rId9"/>
+                          <a:blip r:embed="rId8"/>
                           <a:stretch>
                             <a:fillRect l="-268478" r="-223913" b="-758621"/>
                           </a:stretch>
@@ -8586,7 +8901,7 @@
                       </a:txBody>
                       <a:tcPr>
                         <a:blipFill>
-                          <a:blip r:embed="rId9"/>
+                          <a:blip r:embed="rId8"/>
                           <a:stretch>
                             <a:fillRect l="-316822" r="-92523" b="-758621"/>
                           </a:stretch>
@@ -8603,7 +8918,7 @@
                       </a:txBody>
                       <a:tcPr>
                         <a:blipFill>
-                          <a:blip r:embed="rId9"/>
+                          <a:blip r:embed="rId8"/>
                           <a:stretch>
                             <a:fillRect l="-455102" r="-1020" b="-758621"/>
                           </a:stretch>
@@ -8627,7 +8942,7 @@
                       </a:txBody>
                       <a:tcPr>
                         <a:blipFill>
-                          <a:blip r:embed="rId9"/>
+                          <a:blip r:embed="rId8"/>
                           <a:stretch>
                             <a:fillRect l="-1852" t="-63043" r="-907407" b="-378261"/>
                           </a:stretch>
@@ -8738,7 +9053,7 @@
                       </a:txBody>
                       <a:tcPr>
                         <a:blipFill>
-                          <a:blip r:embed="rId9"/>
+                          <a:blip r:embed="rId8"/>
                           <a:stretch>
                             <a:fillRect l="-1852" t="-163043" r="-907407" b="-278261"/>
                           </a:stretch>
@@ -8849,7 +9164,7 @@
                       </a:txBody>
                       <a:tcPr>
                         <a:blipFill>
-                          <a:blip r:embed="rId9"/>
+                          <a:blip r:embed="rId8"/>
                           <a:stretch>
                             <a:fillRect l="-1852" t="-268889" r="-907407" b="-184444"/>
                           </a:stretch>
@@ -8960,7 +9275,7 @@
                       </a:txBody>
                       <a:tcPr>
                         <a:blipFill>
-                          <a:blip r:embed="rId9"/>
+                          <a:blip r:embed="rId8"/>
                           <a:stretch>
                             <a:fillRect l="-1852" t="-360870" r="-907407" b="-80435"/>
                           </a:stretch>
@@ -9071,7 +9386,7 @@
                       </a:txBody>
                       <a:tcPr>
                         <a:blipFill>
-                          <a:blip r:embed="rId9"/>
+                          <a:blip r:embed="rId8"/>
                           <a:stretch>
                             <a:fillRect l="-1852" t="-731034" r="-907407" b="-27586"/>
                           </a:stretch>
@@ -9192,7 +9507,7 @@
           <p:nvPr/>
         </p:nvPicPr>
         <p:blipFill>
-          <a:blip r:embed="rId10"/>
+          <a:blip r:embed="rId9"/>
           <a:stretch>
             <a:fillRect/>
           </a:stretch>
@@ -9200,7 +9515,7 @@
         <p:spPr>
           <a:xfrm>
             <a:off x="13247956" y="6417819"/>
-            <a:ext cx="6018849" cy="2610025"/>
+            <a:ext cx="5841745" cy="2533225"/>
           </a:xfrm>
           <a:prstGeom prst="rect">
             <a:avLst/>
@@ -9227,7 +9542,7 @@
           <p:nvPr/>
         </p:nvPicPr>
         <p:blipFill rotWithShape="1">
-          <a:blip r:embed="rId11">
+          <a:blip r:embed="rId10">
             <a:extLst>
               <a:ext uri="{28A0092B-C50C-407E-A947-70E740481C1C}">
                 <a14:useLocalDpi xmlns:a14="http://schemas.microsoft.com/office/drawing/2010/main" val="0"/>
@@ -9272,14 +9587,14 @@
           <p:nvPr/>
         </p:nvPicPr>
         <p:blipFill>
-          <a:blip r:embed="rId12"/>
+          <a:blip r:embed="rId11"/>
           <a:stretch>
             <a:fillRect/>
           </a:stretch>
         </p:blipFill>
         <p:spPr>
           <a:xfrm>
-            <a:off x="1509319" y="9257866"/>
+            <a:off x="1467383" y="11147450"/>
             <a:ext cx="3642059" cy="2516133"/>
           </a:xfrm>
           <a:prstGeom prst="rect">
@@ -9302,13 +9617,13 @@
           <p:nvPr/>
         </p:nvPicPr>
         <p:blipFill>
-          <a:blip r:embed="rId13"/>
+          <a:blip r:embed="rId12"/>
           <a:srcRect t="26735" b="14291"/>
           <a:stretch/>
         </p:blipFill>
         <p:spPr>
           <a:xfrm>
-            <a:off x="6552823" y="9157764"/>
+            <a:off x="7060018" y="11024313"/>
             <a:ext cx="4309761" cy="2662904"/>
           </a:xfrm>
           <a:prstGeom prst="rect">
@@ -9330,7 +9645,7 @@
         </p:nvSpPr>
         <p:spPr>
           <a:xfrm>
-            <a:off x="956762" y="9022109"/>
+            <a:off x="956762" y="10895615"/>
             <a:ext cx="10578523" cy="2893809"/>
           </a:xfrm>
           <a:prstGeom prst="frame">
@@ -9384,15 +9699,15 @@
           <p:nvPr/>
         </p:nvPicPr>
         <p:blipFill>
-          <a:blip r:embed="rId14"/>
+          <a:blip r:embed="rId13"/>
           <a:stretch>
             <a:fillRect/>
           </a:stretch>
         </p:blipFill>
         <p:spPr>
           <a:xfrm>
-            <a:off x="13664349" y="17013935"/>
-            <a:ext cx="8381962" cy="5511874"/>
+            <a:off x="13607197" y="17013935"/>
+            <a:ext cx="7980304" cy="5247749"/>
           </a:xfrm>
           <a:prstGeom prst="rect">
             <a:avLst/>
@@ -9414,7 +9729,7 @@
           <p:nvPr>
             <p:extLst>
               <p:ext uri="{D42A27DB-BD31-4B8C-83A1-F6EECF244321}">
-                <p14:modId xmlns:p14="http://schemas.microsoft.com/office/powerpoint/2010/main" val="1819631804"/>
+                <p14:modId xmlns:p14="http://schemas.microsoft.com/office/powerpoint/2010/main" val="3461413467"/>
               </p:ext>
             </p:extLst>
           </p:nvPr>
@@ -9980,7 +10295,7 @@
                       </a:r>
                       <a:r>
                         <a:rPr lang="de-DE" sz="1800" dirty="0"/>
-                        <a:t> [1]</a:t>
+                        <a:t> [2]</a:t>
                       </a:r>
                     </a:p>
                   </a:txBody>
@@ -10112,8 +10427,8 @@
         </p:nvSpPr>
         <p:spPr>
           <a:xfrm>
-            <a:off x="12911204" y="28772387"/>
-            <a:ext cx="27038374" cy="1938992"/>
+            <a:off x="24584115" y="28772387"/>
+            <a:ext cx="27038374" cy="2215991"/>
           </a:xfrm>
           <a:prstGeom prst="rect">
             <a:avLst/>
@@ -10127,336 +10442,383 @@
           <a:lstStyle/>
           <a:p>
             <a:r>
-              <a:rPr lang="de-DE" sz="2400" b="1" dirty="0"/>
+              <a:rPr lang="de-DE" sz="2400" b="1" u="sng" dirty="0"/>
               <a:t>References:</a:t>
             </a:r>
           </a:p>
           <a:p>
             <a:r>
-              <a:rPr lang="de-AT" sz="2400" dirty="0"/>
-              <a:t>[1] </a:t>
-            </a:r>
-            <a:r>
-              <a:rPr lang="de-AT" sz="2400" dirty="0" err="1"/>
+              <a:rPr lang="de-DE" dirty="0"/>
+              <a:t>[1] ANHARMONICITY OF </a:t>
+            </a:r>
+            <a:r>
+              <a:rPr lang="de-DE" dirty="0" err="1"/>
+              <a:t>VlBRATION</a:t>
+            </a:r>
+            <a:r>
+              <a:rPr lang="de-DE" dirty="0"/>
+              <a:t> IN MOLECULES, </a:t>
+            </a:r>
+            <a:r>
+              <a:rPr lang="de-AT" dirty="0"/>
+              <a:t>K. S. VISWANATHAN (1957), </a:t>
+            </a:r>
+            <a:r>
+              <a:rPr lang="de-AT" dirty="0">
+                <a:hlinkClick r:id="rId14">
+                  <a:extLst>
+                    <a:ext uri="{A12FA001-AC4F-418D-AE19-62706E023703}">
+                      <ahyp:hlinkClr xmlns:ahyp="http://schemas.microsoft.com/office/drawing/2018/hyperlinkcolor" val="tx"/>
+                    </a:ext>
+                  </a:extLst>
+                </a:hlinkClick>
+              </a:rPr>
+              <a:t>https://doi.org/10.1007/BF03052565</a:t>
+            </a:r>
+            <a:r>
+              <a:rPr lang="de-AT" dirty="0"/>
+              <a:t> </a:t>
+            </a:r>
+            <a:endParaRPr lang="de-DE" dirty="0"/>
+          </a:p>
+          <a:p>
+            <a:r>
+              <a:rPr lang="de-AT" dirty="0"/>
+              <a:t>[2] </a:t>
+            </a:r>
+            <a:r>
+              <a:rPr lang="de-AT" dirty="0" err="1"/>
               <a:t>Accuracy</a:t>
             </a:r>
             <a:r>
-              <a:rPr lang="de-AT" sz="2400" dirty="0"/>
+              <a:rPr lang="de-AT" dirty="0"/>
               <a:t> </a:t>
             </a:r>
             <a:r>
-              <a:rPr lang="de-AT" sz="2400" dirty="0" err="1"/>
+              <a:rPr lang="de-AT" dirty="0" err="1"/>
               <a:t>of</a:t>
             </a:r>
             <a:r>
-              <a:rPr lang="de-AT" sz="2400" dirty="0"/>
+              <a:rPr lang="de-AT" dirty="0"/>
               <a:t> </a:t>
             </a:r>
             <a:r>
-              <a:rPr lang="de-AT" sz="2400" dirty="0" err="1"/>
+              <a:rPr lang="de-AT" dirty="0" err="1"/>
               <a:t>spectroscopic</a:t>
             </a:r>
             <a:r>
-              <a:rPr lang="de-AT" sz="2400" dirty="0"/>
+              <a:rPr lang="de-AT" dirty="0"/>
               <a:t> </a:t>
             </a:r>
             <a:r>
-              <a:rPr lang="de-AT" sz="2400" dirty="0" err="1"/>
+              <a:rPr lang="de-AT" dirty="0" err="1"/>
               <a:t>constants</a:t>
             </a:r>
             <a:r>
-              <a:rPr lang="de-AT" sz="2400" dirty="0"/>
+              <a:rPr lang="de-AT" dirty="0"/>
               <a:t> </a:t>
             </a:r>
             <a:r>
-              <a:rPr lang="de-AT" sz="2400" dirty="0" err="1"/>
+              <a:rPr lang="de-AT" dirty="0" err="1"/>
               <a:t>of</a:t>
             </a:r>
             <a:r>
-              <a:rPr lang="de-AT" sz="2400" dirty="0"/>
+              <a:rPr lang="de-AT" dirty="0"/>
               <a:t> </a:t>
             </a:r>
             <a:r>
-              <a:rPr lang="de-AT" sz="2400" dirty="0" err="1"/>
+              <a:rPr lang="de-AT" dirty="0" err="1"/>
               <a:t>diatomic</a:t>
             </a:r>
             <a:r>
-              <a:rPr lang="de-AT" sz="2400" dirty="0"/>
+              <a:rPr lang="de-AT" dirty="0"/>
               <a:t> </a:t>
             </a:r>
             <a:r>
-              <a:rPr lang="de-AT" sz="2400" dirty="0" err="1"/>
+              <a:rPr lang="de-AT" dirty="0" err="1"/>
               <a:t>molecules</a:t>
             </a:r>
             <a:r>
-              <a:rPr lang="de-AT" sz="2400" dirty="0"/>
+              <a:rPr lang="de-AT" dirty="0"/>
               <a:t> </a:t>
             </a:r>
             <a:r>
-              <a:rPr lang="de-AT" sz="2400" dirty="0" err="1"/>
+              <a:rPr lang="de-AT" dirty="0" err="1"/>
               <a:t>from</a:t>
             </a:r>
             <a:r>
-              <a:rPr lang="de-AT" sz="2400" dirty="0"/>
+              <a:rPr lang="de-AT" dirty="0"/>
               <a:t> ab initio </a:t>
             </a:r>
             <a:r>
-              <a:rPr lang="de-AT" sz="2400" dirty="0" err="1"/>
+              <a:rPr lang="de-AT" dirty="0" err="1"/>
               <a:t>calculations</a:t>
             </a:r>
             <a:r>
-              <a:rPr lang="de-AT" sz="2400" dirty="0"/>
+              <a:rPr lang="de-AT" dirty="0"/>
               <a:t> (2003); </a:t>
             </a:r>
             <a:r>
-              <a:rPr lang="de-AT" sz="2400" dirty="0" err="1"/>
+              <a:rPr lang="de-AT" dirty="0" err="1"/>
               <a:t>Pawloski</a:t>
             </a:r>
             <a:r>
-              <a:rPr lang="de-AT" sz="2400" dirty="0"/>
+              <a:rPr lang="de-AT" dirty="0"/>
               <a:t> et al. </a:t>
             </a:r>
             <a:r>
-              <a:rPr lang="de-AT" sz="2400" dirty="0">
+              <a:rPr lang="de-AT" dirty="0">
                 <a:hlinkClick r:id="rId15"/>
               </a:rPr>
               <a:t>https://doi.org/10.1063/1.1533032</a:t>
             </a:r>
-            <a:endParaRPr lang="de-AT" sz="2400" dirty="0"/>
-          </a:p>
-          <a:p>
-            <a:r>
-              <a:rPr lang="de-AT" sz="2400" b="0" i="0" u="sng" dirty="0">
+            <a:endParaRPr lang="de-AT" dirty="0"/>
+          </a:p>
+          <a:p>
+            <a:r>
+              <a:rPr lang="de-AT" b="0" i="0" u="sng" dirty="0">
                 <a:effectLst/>
                 <a:latin typeface="Roboto" panose="02000000000000000000" pitchFamily="2" charset="0"/>
               </a:rPr>
-              <a:t>[2] </a:t>
-            </a:r>
-            <a:r>
-              <a:rPr lang="de-AT" sz="2400" i="0" dirty="0">
+              <a:t>[3] </a:t>
+            </a:r>
+            <a:r>
+              <a:rPr lang="de-AT" i="0" dirty="0">
                 <a:effectLst/>
                 <a:latin typeface="Roboto" panose="02000000000000000000" pitchFamily="2" charset="0"/>
               </a:rPr>
               <a:t>Integrated </a:t>
             </a:r>
             <a:r>
-              <a:rPr lang="de-AT" sz="2400" i="0" dirty="0" err="1">
+              <a:rPr lang="de-AT" i="0" dirty="0" err="1">
                 <a:effectLst/>
                 <a:latin typeface="Roboto" panose="02000000000000000000" pitchFamily="2" charset="0"/>
               </a:rPr>
               <a:t>Intensities</a:t>
             </a:r>
             <a:r>
-              <a:rPr lang="de-AT" sz="2400" i="0" dirty="0">
+              <a:rPr lang="de-AT" i="0" dirty="0">
                 <a:effectLst/>
                 <a:latin typeface="Roboto" panose="02000000000000000000" pitchFamily="2" charset="0"/>
               </a:rPr>
               <a:t> </a:t>
             </a:r>
             <a:r>
-              <a:rPr lang="de-AT" sz="2400" i="0" dirty="0" err="1">
+              <a:rPr lang="de-AT" i="0" dirty="0" err="1">
                 <a:effectLst/>
                 <a:latin typeface="Roboto" panose="02000000000000000000" pitchFamily="2" charset="0"/>
               </a:rPr>
               <a:t>of</a:t>
             </a:r>
             <a:r>
-              <a:rPr lang="de-AT" sz="2400" i="0" dirty="0">
+              <a:rPr lang="de-AT" i="0" dirty="0">
                 <a:effectLst/>
                 <a:latin typeface="Roboto" panose="02000000000000000000" pitchFamily="2" charset="0"/>
               </a:rPr>
               <a:t> O−H Stretching Bands:  </a:t>
             </a:r>
             <a:r>
-              <a:rPr lang="de-AT" sz="2400" i="0" dirty="0" err="1">
+              <a:rPr lang="de-AT" i="0" dirty="0" err="1">
                 <a:effectLst/>
                 <a:latin typeface="Roboto" panose="02000000000000000000" pitchFamily="2" charset="0"/>
               </a:rPr>
               <a:t>Fundamentals</a:t>
             </a:r>
             <a:r>
-              <a:rPr lang="de-AT" sz="2400" i="0" dirty="0">
+              <a:rPr lang="de-AT" i="0" dirty="0">
                 <a:effectLst/>
                 <a:latin typeface="Roboto" panose="02000000000000000000" pitchFamily="2" charset="0"/>
               </a:rPr>
               <a:t> and </a:t>
             </a:r>
             <a:r>
-              <a:rPr lang="de-AT" sz="2400" i="0" dirty="0" err="1">
+              <a:rPr lang="de-AT" i="0" dirty="0" err="1">
                 <a:effectLst/>
                 <a:latin typeface="Roboto" panose="02000000000000000000" pitchFamily="2" charset="0"/>
               </a:rPr>
               <a:t>Overtones</a:t>
             </a:r>
             <a:r>
-              <a:rPr lang="de-AT" sz="2400" i="0" dirty="0">
+              <a:rPr lang="de-AT" i="0" dirty="0">
                 <a:effectLst/>
                 <a:latin typeface="Roboto" panose="02000000000000000000" pitchFamily="2" charset="0"/>
               </a:rPr>
               <a:t> in </a:t>
             </a:r>
             <a:r>
-              <a:rPr lang="de-AT" sz="2400" i="0" dirty="0" err="1">
+              <a:rPr lang="de-AT" i="0" dirty="0" err="1">
                 <a:effectLst/>
                 <a:latin typeface="Roboto" panose="02000000000000000000" pitchFamily="2" charset="0"/>
               </a:rPr>
               <a:t>Vapor</a:t>
             </a:r>
             <a:r>
-              <a:rPr lang="de-AT" sz="2400" i="0" dirty="0">
+              <a:rPr lang="de-AT" i="0" dirty="0">
                 <a:effectLst/>
                 <a:latin typeface="Roboto" panose="02000000000000000000" pitchFamily="2" charset="0"/>
               </a:rPr>
               <a:t>-Phase </a:t>
             </a:r>
             <a:r>
-              <a:rPr lang="de-AT" sz="2400" i="0" dirty="0" err="1">
+              <a:rPr lang="de-AT" i="0" dirty="0" err="1">
                 <a:effectLst/>
                 <a:latin typeface="Roboto" panose="02000000000000000000" pitchFamily="2" charset="0"/>
               </a:rPr>
               <a:t>Alcohols</a:t>
             </a:r>
             <a:r>
-              <a:rPr lang="de-AT" sz="2400" i="0" dirty="0">
+              <a:rPr lang="de-AT" i="0" dirty="0">
                 <a:effectLst/>
                 <a:latin typeface="Roboto" panose="02000000000000000000" pitchFamily="2" charset="0"/>
               </a:rPr>
               <a:t> and </a:t>
             </a:r>
             <a:r>
-              <a:rPr lang="de-AT" sz="2400" i="0" dirty="0" err="1">
+              <a:rPr lang="de-AT" i="0" dirty="0" err="1">
                 <a:effectLst/>
                 <a:latin typeface="Roboto" panose="02000000000000000000" pitchFamily="2" charset="0"/>
               </a:rPr>
               <a:t>Acids</a:t>
             </a:r>
             <a:r>
-              <a:rPr lang="de-AT" sz="2400" dirty="0">
+              <a:rPr lang="de-AT" dirty="0">
                 <a:latin typeface="Roboto" panose="02000000000000000000" pitchFamily="2" charset="0"/>
               </a:rPr>
               <a:t>  (2001), Lange </a:t>
             </a:r>
             <a:r>
-              <a:rPr lang="de-AT" sz="2400" dirty="0" err="1">
+              <a:rPr lang="de-AT" dirty="0" err="1">
                 <a:latin typeface="Roboto" panose="02000000000000000000" pitchFamily="2" charset="0"/>
               </a:rPr>
               <a:t>et.al</a:t>
             </a:r>
             <a:r>
-              <a:rPr lang="de-AT" sz="2400" dirty="0">
+              <a:rPr lang="de-AT" dirty="0">
                 <a:latin typeface="Roboto" panose="02000000000000000000" pitchFamily="2" charset="0"/>
               </a:rPr>
               <a:t>;  DOI: </a:t>
             </a:r>
             <a:r>
-              <a:rPr lang="de-AT" sz="2400" b="0" i="0" u="sng" dirty="0">
+              <a:rPr lang="de-AT" b="0" i="0" u="sng" dirty="0">
                 <a:effectLst/>
                 <a:latin typeface="Roboto" panose="02000000000000000000" pitchFamily="2" charset="0"/>
                 <a:hlinkClick r:id="rId16" tooltip="DOI URL"/>
               </a:rPr>
               <a:t>https://doi.org/10.1021/jp003277u</a:t>
             </a:r>
-            <a:endParaRPr lang="de-AT" sz="2400" b="0" i="0" u="sng" dirty="0">
+            <a:endParaRPr lang="de-AT" b="0" i="0" u="sng" dirty="0">
               <a:effectLst/>
               <a:latin typeface="Roboto" panose="02000000000000000000" pitchFamily="2" charset="0"/>
             </a:endParaRPr>
           </a:p>
           <a:p>
             <a:r>
-              <a:rPr lang="de-AT" sz="2400" u="sng" dirty="0">
+              <a:rPr lang="de-AT" u="sng" dirty="0">
                 <a:latin typeface="Roboto" panose="02000000000000000000" pitchFamily="2" charset="0"/>
               </a:rPr>
-              <a:t>[3] </a:t>
-            </a:r>
-            <a:r>
-              <a:rPr lang="de-AT" sz="2400" dirty="0" err="1"/>
+              <a:t>[4] </a:t>
+            </a:r>
+            <a:r>
+              <a:rPr lang="de-AT" dirty="0" err="1"/>
               <a:t>Photochemistry</a:t>
             </a:r>
             <a:r>
-              <a:rPr lang="de-AT" sz="2400" dirty="0"/>
+              <a:rPr lang="de-AT" dirty="0"/>
               <a:t> and </a:t>
             </a:r>
             <a:r>
-              <a:rPr lang="de-AT" sz="2400" dirty="0" err="1"/>
+              <a:rPr lang="de-AT" dirty="0" err="1"/>
               <a:t>Vibrational</a:t>
             </a:r>
             <a:r>
-              <a:rPr lang="de-AT" sz="2400" dirty="0"/>
+              <a:rPr lang="de-AT" dirty="0"/>
               <a:t> </a:t>
             </a:r>
             <a:r>
-              <a:rPr lang="de-AT" sz="2400" dirty="0" err="1"/>
+              <a:rPr lang="de-AT" dirty="0" err="1"/>
               <a:t>Spectroscopy</a:t>
             </a:r>
             <a:r>
-              <a:rPr lang="de-AT" sz="2400" dirty="0"/>
+              <a:rPr lang="de-AT" dirty="0"/>
               <a:t> </a:t>
             </a:r>
             <a:r>
-              <a:rPr lang="de-AT" sz="2400" dirty="0" err="1"/>
+              <a:rPr lang="de-AT" dirty="0" err="1"/>
               <a:t>of</a:t>
             </a:r>
             <a:r>
-              <a:rPr lang="de-AT" sz="2400" dirty="0"/>
+              <a:rPr lang="de-AT" dirty="0"/>
               <a:t> </a:t>
             </a:r>
             <a:r>
-              <a:rPr lang="de-AT" sz="2400" dirty="0" err="1"/>
+              <a:rPr lang="de-AT" dirty="0" err="1"/>
               <a:t>the</a:t>
             </a:r>
             <a:r>
-              <a:rPr lang="de-AT" sz="2400" dirty="0"/>
+              <a:rPr lang="de-AT" dirty="0"/>
               <a:t> Trans and Cis </a:t>
             </a:r>
             <a:r>
-              <a:rPr lang="de-AT" sz="2400" dirty="0" err="1"/>
+              <a:rPr lang="de-AT" dirty="0" err="1"/>
               <a:t>Conformers</a:t>
             </a:r>
             <a:r>
-              <a:rPr lang="de-AT" sz="2400" dirty="0"/>
+              <a:rPr lang="de-AT" dirty="0"/>
               <a:t> </a:t>
             </a:r>
             <a:r>
-              <a:rPr lang="de-AT" sz="2400" dirty="0" err="1"/>
+              <a:rPr lang="de-AT" dirty="0" err="1"/>
               <a:t>of</a:t>
             </a:r>
             <a:r>
-              <a:rPr lang="de-AT" sz="2400" dirty="0"/>
+              <a:rPr lang="de-AT" dirty="0"/>
               <a:t> </a:t>
             </a:r>
             <a:r>
-              <a:rPr lang="de-AT" sz="2400" dirty="0" err="1"/>
+              <a:rPr lang="de-AT" dirty="0" err="1"/>
               <a:t>Acetic</a:t>
             </a:r>
             <a:r>
-              <a:rPr lang="de-AT" sz="2400" dirty="0"/>
+              <a:rPr lang="de-AT" dirty="0"/>
               <a:t> Acid in Solid Ar (2004), </a:t>
             </a:r>
             <a:r>
-              <a:rPr lang="de-AT" sz="2400" dirty="0" err="1"/>
+              <a:rPr lang="de-AT" dirty="0" err="1"/>
               <a:t>Macoas</a:t>
             </a:r>
             <a:r>
-              <a:rPr lang="de-AT" sz="2400" dirty="0"/>
+              <a:rPr lang="de-AT" dirty="0"/>
               <a:t> et al, </a:t>
             </a:r>
             <a:r>
-              <a:rPr lang="de-AT" sz="2400" dirty="0" err="1"/>
+              <a:rPr lang="de-AT" dirty="0" err="1"/>
               <a:t>doi</a:t>
             </a:r>
             <a:r>
-              <a:rPr lang="de-AT" sz="2400" dirty="0"/>
+              <a:rPr lang="de-AT" dirty="0"/>
               <a:t>: </a:t>
             </a:r>
             <a:r>
-              <a:rPr lang="de-AT" sz="2400" b="0" i="0" u="sng" dirty="0">
+              <a:rPr lang="de-AT" b="0" i="0" u="sng" dirty="0">
                 <a:effectLst/>
                 <a:latin typeface="Roboto" panose="02000000000000000000" pitchFamily="2" charset="0"/>
                 <a:hlinkClick r:id="rId17" tooltip="DOI URL"/>
               </a:rPr>
               <a:t>https://doi.org/10.1021/jp037840v</a:t>
             </a:r>
-            <a:endParaRPr lang="de-AT" sz="2400" b="0" i="0" dirty="0">
+            <a:endParaRPr lang="de-AT" b="0" i="0" u="sng" dirty="0">
+              <a:effectLst/>
+              <a:latin typeface="Roboto" panose="02000000000000000000" pitchFamily="2" charset="0"/>
+            </a:endParaRPr>
+          </a:p>
+          <a:p>
+            <a:r>
+              <a:rPr lang="de-AT" u="sng" dirty="0">
+                <a:latin typeface="Roboto" panose="02000000000000000000" pitchFamily="2" charset="0"/>
+              </a:rPr>
+              <a:t>[</a:t>
+            </a:r>
+            <a:endParaRPr lang="de-AT" b="0" i="0" dirty="0">
               <a:effectLst/>
               <a:latin typeface="ElsevierSans"/>
             </a:endParaRPr>
@@ -10515,7 +10877,7 @@
           <p:nvPr>
             <p:extLst>
               <p:ext uri="{D42A27DB-BD31-4B8C-83A1-F6EECF244321}">
-                <p14:modId xmlns:p14="http://schemas.microsoft.com/office/powerpoint/2010/main" val="3925103717"/>
+                <p14:modId xmlns:p14="http://schemas.microsoft.com/office/powerpoint/2010/main" val="1661930228"/>
               </p:ext>
             </p:extLst>
           </p:nvPr>
@@ -11393,7 +11755,7 @@
                             <a:schemeClr val="tx1"/>
                           </a:solidFill>
                         </a:rPr>
-                        <a:t> [2]</a:t>
+                        <a:t> [3]</a:t>
                       </a:r>
                       <a:endParaRPr lang="de-DE" sz="1800" kern="1200" dirty="0">
                         <a:solidFill>
@@ -11593,7 +11955,7 @@
         </p:blipFill>
         <p:spPr>
           <a:xfrm>
-            <a:off x="33368180" y="16823676"/>
+            <a:off x="33349118" y="16823676"/>
             <a:ext cx="8151931" cy="5360608"/>
           </a:xfrm>
           <a:prstGeom prst="rect">
@@ -11616,13 +11978,13 @@
           <p:nvPr>
             <p:extLst>
               <p:ext uri="{D42A27DB-BD31-4B8C-83A1-F6EECF244321}">
-                <p14:modId xmlns:p14="http://schemas.microsoft.com/office/powerpoint/2010/main" val="2266003030"/>
+                <p14:modId xmlns:p14="http://schemas.microsoft.com/office/powerpoint/2010/main" val="3495621052"/>
               </p:ext>
             </p:extLst>
           </p:nvPr>
         </p:nvGraphicFramePr>
         <p:xfrm>
-          <a:off x="32891083" y="24022129"/>
+          <a:off x="32692042" y="24022129"/>
           <a:ext cx="9461595" cy="2621336"/>
         </p:xfrm>
         <a:graphic>
@@ -12186,7 +12548,7 @@
                       </a:r>
                       <a:r>
                         <a:rPr lang="de-DE" sz="1800" dirty="0"/>
-                        <a:t> [3]</a:t>
+                        <a:t> [4]</a:t>
                       </a:r>
                     </a:p>
                   </a:txBody>
@@ -12320,7 +12682,7 @@
             </p:nvSpPr>
             <p:spPr>
               <a:xfrm>
-                <a:off x="13447081" y="22503382"/>
+                <a:off x="13150252" y="22184284"/>
                 <a:ext cx="8961986" cy="707886"/>
               </a:xfrm>
               <a:prstGeom prst="rect">
@@ -12399,7 +12761,7 @@
             </p:nvSpPr>
             <p:spPr>
               <a:xfrm>
-                <a:off x="13447081" y="22503382"/>
+                <a:off x="13150252" y="22184284"/>
                 <a:ext cx="8961986" cy="707886"/>
               </a:xfrm>
               <a:prstGeom prst="rect">
@@ -12408,7 +12770,7 @@
               <a:blipFill>
                 <a:blip r:embed="rId20"/>
                 <a:stretch>
-                  <a:fillRect l="-707" t="-1754" r="-1273" b="-14035"/>
+                  <a:fillRect l="-708" t="-1754" r="-1275" b="-14035"/>
                 </a:stretch>
               </a:blipFill>
             </p:spPr>
@@ -12585,7 +12947,7 @@
             <p:spPr>
               <a:xfrm>
                 <a:off x="34199802" y="4997758"/>
-                <a:ext cx="7719707" cy="3105337"/>
+                <a:ext cx="7719707" cy="3474669"/>
               </a:xfrm>
               <a:prstGeom prst="rect">
                 <a:avLst/>
@@ -12599,198 +12961,22 @@
               <a:lstStyle/>
               <a:p>
                 <a:r>
-                  <a:rPr lang="de-DE" sz="2400" dirty="0"/>
-                  <a:t>In </a:t>
-                </a:r>
-                <a:r>
-                  <a:rPr lang="de-DE" sz="2400" dirty="0" err="1"/>
-                  <a:t>order</a:t>
-                </a:r>
-                <a:r>
-                  <a:rPr lang="de-DE" sz="2400" dirty="0"/>
-                  <a:t> </a:t>
-                </a:r>
-                <a:r>
-                  <a:rPr lang="de-DE" sz="2400" dirty="0" err="1"/>
-                  <a:t>for</a:t>
-                </a:r>
-                <a:r>
-                  <a:rPr lang="de-DE" sz="2400" dirty="0"/>
-                  <a:t> a </a:t>
-                </a:r>
-                <a:r>
-                  <a:rPr lang="de-DE" sz="2400" dirty="0" err="1"/>
-                  <a:t>vibration</a:t>
-                </a:r>
-                <a:r>
-                  <a:rPr lang="de-DE" sz="2400" dirty="0"/>
-                  <a:t> </a:t>
-                </a:r>
-                <a:r>
-                  <a:rPr lang="de-DE" sz="2400" dirty="0" err="1"/>
-                  <a:t>to</a:t>
-                </a:r>
-                <a:r>
-                  <a:rPr lang="de-DE" sz="2400" dirty="0"/>
-                  <a:t> </a:t>
-                </a:r>
-                <a:r>
-                  <a:rPr lang="de-DE" sz="2400" dirty="0" err="1"/>
-                  <a:t>be</a:t>
-                </a:r>
-                <a:r>
-                  <a:rPr lang="de-DE" sz="2400" dirty="0"/>
-                  <a:t> IR </a:t>
-                </a:r>
-                <a:r>
-                  <a:rPr lang="de-DE" sz="2400" dirty="0" err="1"/>
-                  <a:t>active</a:t>
-                </a:r>
-                <a:r>
-                  <a:rPr lang="de-DE" sz="2400" dirty="0"/>
-                  <a:t> </a:t>
-                </a:r>
-                <a:r>
-                  <a:rPr lang="de-DE" sz="2400" dirty="0" err="1"/>
-                  <a:t>the</a:t>
-                </a:r>
-                <a:r>
-                  <a:rPr lang="de-DE" sz="2400" dirty="0"/>
-                  <a:t> </a:t>
-                </a:r>
-                <a:r>
-                  <a:rPr lang="de-DE" sz="2400" dirty="0" err="1"/>
-                  <a:t>dipole</a:t>
-                </a:r>
-                <a:r>
-                  <a:rPr lang="de-DE" sz="2400" dirty="0"/>
-                  <a:t> </a:t>
-                </a:r>
-                <a:r>
-                  <a:rPr lang="de-DE" sz="2400" dirty="0" err="1"/>
-                  <a:t>moment</a:t>
-                </a:r>
-                <a:r>
-                  <a:rPr lang="de-DE" sz="2400" dirty="0"/>
-                  <a:t> </a:t>
-                </a:r>
-                <a:r>
-                  <a:rPr lang="de-DE" sz="2400" dirty="0" err="1"/>
-                  <a:t>must</a:t>
-                </a:r>
-                <a:r>
-                  <a:rPr lang="de-DE" sz="2400" dirty="0"/>
-                  <a:t> </a:t>
-                </a:r>
-                <a:r>
-                  <a:rPr lang="de-DE" sz="2400" dirty="0" err="1"/>
-                  <a:t>change</a:t>
-                </a:r>
-                <a:r>
-                  <a:rPr lang="de-DE" sz="2400" dirty="0"/>
-                  <a:t>. The </a:t>
-                </a:r>
-                <a:r>
-                  <a:rPr lang="de-DE" sz="2400" dirty="0" err="1"/>
-                  <a:t>plot</a:t>
-                </a:r>
-                <a:r>
-                  <a:rPr lang="de-DE" sz="2400" dirty="0"/>
-                  <a:t> on </a:t>
-                </a:r>
-                <a:r>
-                  <a:rPr lang="de-DE" sz="2400" dirty="0" err="1"/>
-                  <a:t>the</a:t>
-                </a:r>
-                <a:r>
-                  <a:rPr lang="de-DE" sz="2400" dirty="0"/>
-                  <a:t> </a:t>
-                </a:r>
-                <a:r>
-                  <a:rPr lang="de-DE" sz="2400" dirty="0" err="1"/>
-                  <a:t>left</a:t>
-                </a:r>
-                <a:r>
-                  <a:rPr lang="de-DE" sz="2400" dirty="0"/>
-                  <a:t> </a:t>
-                </a:r>
-                <a:r>
-                  <a:rPr lang="de-DE" sz="2400" dirty="0" err="1"/>
-                  <a:t>side</a:t>
-                </a:r>
-                <a:r>
-                  <a:rPr lang="de-DE" sz="2400" dirty="0"/>
-                  <a:t> </a:t>
-                </a:r>
-                <a:r>
-                  <a:rPr lang="de-DE" sz="2400" dirty="0" err="1"/>
-                  <a:t>displays</a:t>
-                </a:r>
-                <a:r>
-                  <a:rPr lang="de-DE" sz="2400" dirty="0"/>
-                  <a:t> </a:t>
-                </a:r>
-                <a:r>
-                  <a:rPr lang="de-DE" sz="2400" dirty="0" err="1"/>
-                  <a:t>the</a:t>
-                </a:r>
-                <a:r>
-                  <a:rPr lang="de-DE" sz="2400" dirty="0"/>
-                  <a:t> </a:t>
-                </a:r>
-                <a:r>
-                  <a:rPr lang="de-DE" sz="2400" dirty="0" err="1"/>
-                  <a:t>change</a:t>
-                </a:r>
-                <a:r>
-                  <a:rPr lang="de-DE" sz="2400" dirty="0"/>
-                  <a:t> in </a:t>
-                </a:r>
-                <a:r>
-                  <a:rPr lang="de-DE" sz="2400" dirty="0" err="1"/>
-                  <a:t>the</a:t>
-                </a:r>
-                <a:r>
-                  <a:rPr lang="de-DE" sz="2400" dirty="0"/>
-                  <a:t> </a:t>
-                </a:r>
-                <a:r>
-                  <a:rPr lang="de-DE" sz="2400" dirty="0" err="1"/>
-                  <a:t>dipole</a:t>
-                </a:r>
-                <a:r>
-                  <a:rPr lang="de-DE" sz="2400" dirty="0"/>
-                  <a:t> </a:t>
-                </a:r>
-                <a:r>
-                  <a:rPr lang="de-DE" sz="2400" dirty="0" err="1"/>
-                  <a:t>moment</a:t>
-                </a:r>
-                <a:r>
-                  <a:rPr lang="de-DE" sz="2400" dirty="0"/>
-                  <a:t> </a:t>
-                </a:r>
-                <a:r>
-                  <a:rPr lang="de-DE" sz="2400" dirty="0" err="1"/>
-                  <a:t>components</a:t>
-                </a:r>
-                <a:r>
-                  <a:rPr lang="de-DE" sz="2400" dirty="0"/>
-                  <a:t> </a:t>
+                  <a:rPr lang="en-GB" sz="2400" noProof="0" dirty="0"/>
+                  <a:t>In order for a vibration to be IR active the dipole moment must change. The plot on the left side displays the change in the dipole moment components </a:t>
                 </a:r>
                 <a14:m>
                   <m:oMath xmlns:m="http://schemas.openxmlformats.org/officeDocument/2006/math">
                     <m:sSub>
                       <m:sSubPr>
                         <m:ctrlPr>
-                          <a:rPr lang="de-AT" sz="2400" b="0" i="1" smtClean="0">
+                          <a:rPr lang="en-GB" sz="2400" b="0" i="1" noProof="0" smtClean="0">
                             <a:latin typeface="Cambria Math" panose="02040503050406030204" pitchFamily="18" charset="0"/>
                           </a:rPr>
                         </m:ctrlPr>
                       </m:sSubPr>
                       <m:e>
                         <m:r>
-                          <a:rPr lang="de-AT" sz="2400" b="0" i="1" smtClean="0">
+                          <a:rPr lang="en-GB" sz="2400" b="0" i="1" noProof="0" smtClean="0">
                             <a:latin typeface="Cambria Math" panose="02040503050406030204" pitchFamily="18" charset="0"/>
                           </a:rPr>
                           <m:t>𝜇</m:t>
@@ -12798,7 +12984,7 @@
                       </m:e>
                       <m:sub>
                         <m:r>
-                          <a:rPr lang="de-AT" sz="2400" b="0" i="1" smtClean="0">
+                          <a:rPr lang="en-GB" sz="2400" b="0" i="1" noProof="0" smtClean="0">
                             <a:latin typeface="Cambria Math" panose="02040503050406030204" pitchFamily="18" charset="0"/>
                           </a:rPr>
                           <m:t>𝑥</m:t>
@@ -12806,7 +12992,7 @@
                       </m:sub>
                     </m:sSub>
                     <m:r>
-                      <a:rPr lang="de-AT" sz="2400" b="0" i="1" smtClean="0">
+                      <a:rPr lang="en-GB" sz="2400" b="0" i="1" noProof="0" smtClean="0">
                         <a:latin typeface="Cambria Math" panose="02040503050406030204" pitchFamily="18" charset="0"/>
                       </a:rPr>
                       <m:t>,</m:t>
@@ -12814,14 +13000,14 @@
                     <m:sSub>
                       <m:sSubPr>
                         <m:ctrlPr>
-                          <a:rPr lang="de-AT" sz="2400" b="0" i="1" smtClean="0">
+                          <a:rPr lang="en-GB" sz="2400" b="0" i="1" noProof="0" smtClean="0">
                             <a:latin typeface="Cambria Math" panose="02040503050406030204" pitchFamily="18" charset="0"/>
                           </a:rPr>
                         </m:ctrlPr>
                       </m:sSubPr>
                       <m:e>
                         <m:r>
-                          <a:rPr lang="de-AT" sz="2400" b="0" i="1" smtClean="0">
+                          <a:rPr lang="en-GB" sz="2400" b="0" i="1" noProof="0" smtClean="0">
                             <a:latin typeface="Cambria Math" panose="02040503050406030204" pitchFamily="18" charset="0"/>
                           </a:rPr>
                           <m:t>𝜇</m:t>
@@ -12829,7 +13015,7 @@
                       </m:e>
                       <m:sub>
                         <m:r>
-                          <a:rPr lang="de-AT" sz="2400" b="0" i="1" smtClean="0">
+                          <a:rPr lang="en-GB" sz="2400" b="0" i="1" noProof="0" smtClean="0">
                             <a:latin typeface="Cambria Math" panose="02040503050406030204" pitchFamily="18" charset="0"/>
                           </a:rPr>
                           <m:t>𝑦</m:t>
@@ -12837,7 +13023,7 @@
                       </m:sub>
                     </m:sSub>
                     <m:r>
-                      <a:rPr lang="de-AT" sz="2400" b="0" i="1" smtClean="0">
+                      <a:rPr lang="en-GB" sz="2400" b="0" i="1" noProof="0" smtClean="0">
                         <a:latin typeface="Cambria Math" panose="02040503050406030204" pitchFamily="18" charset="0"/>
                       </a:rPr>
                       <m:t>,</m:t>
@@ -12845,14 +13031,14 @@
                     <m:sSub>
                       <m:sSubPr>
                         <m:ctrlPr>
-                          <a:rPr lang="de-AT" sz="2400" b="0" i="1" smtClean="0">
+                          <a:rPr lang="en-GB" sz="2400" b="0" i="1" noProof="0" smtClean="0">
                             <a:latin typeface="Cambria Math" panose="02040503050406030204" pitchFamily="18" charset="0"/>
                           </a:rPr>
                         </m:ctrlPr>
                       </m:sSubPr>
                       <m:e>
                         <m:r>
-                          <a:rPr lang="de-AT" sz="2400" b="0" i="1" smtClean="0">
+                          <a:rPr lang="en-GB" sz="2400" b="0" i="1" noProof="0" smtClean="0">
                             <a:latin typeface="Cambria Math" panose="02040503050406030204" pitchFamily="18" charset="0"/>
                           </a:rPr>
                           <m:t>𝜇</m:t>
@@ -12860,7 +13046,7 @@
                       </m:e>
                       <m:sub>
                         <m:r>
-                          <a:rPr lang="de-AT" sz="2400" b="0" i="1" smtClean="0">
+                          <a:rPr lang="en-GB" sz="2400" b="0" i="1" noProof="0" smtClean="0">
                             <a:latin typeface="Cambria Math" panose="02040503050406030204" pitchFamily="18" charset="0"/>
                           </a:rPr>
                           <m:t>𝑧</m:t>
@@ -12870,30 +13056,22 @@
                   </m:oMath>
                 </a14:m>
                 <a:r>
-                  <a:rPr lang="de-DE" sz="2400" dirty="0"/>
-                  <a:t>. The </a:t>
-                </a:r>
-                <a:r>
-                  <a:rPr lang="de-DE" sz="2400" dirty="0" err="1"/>
-                  <a:t>component</a:t>
-                </a:r>
-                <a:r>
-                  <a:rPr lang="de-DE" sz="2400" dirty="0"/>
-                  <a:t> </a:t>
+                  <a:rPr lang="en-GB" sz="2400" noProof="0" dirty="0"/>
+                  <a:t>. The component </a:t>
                 </a:r>
                 <a14:m>
                   <m:oMath xmlns:m="http://schemas.openxmlformats.org/officeDocument/2006/math">
                     <m:sSub>
                       <m:sSubPr>
                         <m:ctrlPr>
-                          <a:rPr lang="de-AT" sz="2400" b="0" i="1" smtClean="0">
+                          <a:rPr lang="en-GB" sz="2400" b="0" i="1" noProof="0" smtClean="0">
                             <a:latin typeface="Cambria Math" panose="02040503050406030204" pitchFamily="18" charset="0"/>
                           </a:rPr>
                         </m:ctrlPr>
                       </m:sSubPr>
                       <m:e>
                         <m:r>
-                          <a:rPr lang="de-AT" sz="2400" b="0" i="1" smtClean="0">
+                          <a:rPr lang="en-GB" sz="2400" b="0" i="1" noProof="0" smtClean="0">
                             <a:latin typeface="Cambria Math" panose="02040503050406030204" pitchFamily="18" charset="0"/>
                           </a:rPr>
                           <m:t>𝜇</m:t>
@@ -12901,7 +13079,7 @@
                       </m:e>
                       <m:sub>
                         <m:r>
-                          <a:rPr lang="de-AT" sz="2400" b="0" i="1" smtClean="0">
+                          <a:rPr lang="en-GB" sz="2400" b="0" i="1" noProof="0" smtClean="0">
                             <a:latin typeface="Cambria Math" panose="02040503050406030204" pitchFamily="18" charset="0"/>
                           </a:rPr>
                           <m:t>𝑦</m:t>
@@ -12911,121 +13089,12 @@
                   </m:oMath>
                 </a14:m>
                 <a:r>
-                  <a:rPr lang="de-DE" sz="2400" dirty="0"/>
-                  <a:t> </a:t>
+                  <a:rPr lang="en-GB" sz="2400" noProof="0" dirty="0"/>
+                  <a:t> is zero, this is a result of the orientation of the molecule in the coordinate system.</a:t>
                 </a:r>
-                <a:r>
-                  <a:rPr lang="de-DE" sz="2400" dirty="0" err="1"/>
-                  <a:t>is</a:t>
-                </a:r>
-                <a:r>
-                  <a:rPr lang="de-DE" sz="2400" dirty="0"/>
-                  <a:t> </a:t>
-                </a:r>
-                <a:r>
-                  <a:rPr lang="de-DE" sz="2400" dirty="0" err="1"/>
-                  <a:t>zero</a:t>
-                </a:r>
-                <a:r>
-                  <a:rPr lang="de-DE" sz="2400" dirty="0"/>
-                  <a:t> </a:t>
-                </a:r>
-                <a:r>
-                  <a:rPr lang="de-DE" sz="2400" dirty="0" err="1"/>
-                  <a:t>this</a:t>
-                </a:r>
-                <a:r>
-                  <a:rPr lang="de-DE" sz="2400" dirty="0"/>
-                  <a:t> </a:t>
-                </a:r>
-                <a:r>
-                  <a:rPr lang="de-DE" sz="2400" dirty="0" err="1"/>
-                  <a:t>is</a:t>
-                </a:r>
-                <a:r>
-                  <a:rPr lang="de-DE" sz="2400" dirty="0"/>
-                  <a:t> a </a:t>
-                </a:r>
-                <a:r>
-                  <a:rPr lang="de-DE" sz="2400" dirty="0" err="1"/>
-                  <a:t>result</a:t>
-                </a:r>
-                <a:r>
-                  <a:rPr lang="de-DE" sz="2400" dirty="0"/>
-                  <a:t> </a:t>
-                </a:r>
-                <a:r>
-                  <a:rPr lang="de-DE" sz="2400" dirty="0" err="1"/>
-                  <a:t>of</a:t>
-                </a:r>
-                <a:r>
-                  <a:rPr lang="de-DE" sz="2400" dirty="0"/>
-                  <a:t> </a:t>
-                </a:r>
-                <a:r>
-                  <a:rPr lang="de-DE" sz="2400" dirty="0" err="1"/>
-                  <a:t>the</a:t>
-                </a:r>
-                <a:r>
-                  <a:rPr lang="de-DE" sz="2400" dirty="0"/>
-                  <a:t> </a:t>
-                </a:r>
-                <a:r>
-                  <a:rPr lang="de-DE" sz="2400" dirty="0" err="1"/>
-                  <a:t>orientation</a:t>
-                </a:r>
-                <a:r>
-                  <a:rPr lang="de-DE" sz="2400" dirty="0"/>
-                  <a:t> </a:t>
-                </a:r>
-                <a:r>
-                  <a:rPr lang="de-DE" sz="2400" dirty="0" err="1"/>
-                  <a:t>of</a:t>
-                </a:r>
-                <a:r>
-                  <a:rPr lang="de-DE" sz="2400" dirty="0"/>
-                  <a:t> </a:t>
-                </a:r>
-                <a:r>
-                  <a:rPr lang="de-DE" sz="2400" dirty="0" err="1"/>
-                  <a:t>the</a:t>
-                </a:r>
-                <a:r>
-                  <a:rPr lang="de-DE" sz="2400" dirty="0"/>
-                  <a:t> </a:t>
-                </a:r>
-                <a:r>
-                  <a:rPr lang="de-DE" sz="2400" dirty="0" err="1"/>
-                  <a:t>molecule</a:t>
-                </a:r>
-                <a:r>
-                  <a:rPr lang="de-DE" sz="2400" dirty="0"/>
-                  <a:t> in </a:t>
-                </a:r>
-                <a:r>
-                  <a:rPr lang="de-DE" sz="2400" dirty="0" err="1"/>
-                  <a:t>the</a:t>
-                </a:r>
-                <a:r>
-                  <a:rPr lang="de-DE" sz="2400" dirty="0"/>
-                  <a:t> </a:t>
-                </a:r>
-                <a:r>
-                  <a:rPr lang="de-DE" sz="2400" dirty="0" err="1"/>
-                  <a:t>coordinate</a:t>
-                </a:r>
-                <a:r>
-                  <a:rPr lang="de-DE" sz="2400" dirty="0"/>
-                  <a:t> </a:t>
-                </a:r>
-                <a:r>
-                  <a:rPr lang="de-DE" sz="2400" dirty="0" err="1"/>
-                  <a:t>system</a:t>
-                </a:r>
-                <a:r>
-                  <a:rPr lang="de-DE" sz="2400" dirty="0"/>
-                  <a:t>.</a:t>
-                </a:r>
+              </a:p>
+              <a:p>
+                <a:endParaRPr lang="en-GB" sz="2400" noProof="0" dirty="0"/>
               </a:p>
               <a:p>
                 <a14:m>
@@ -13033,14 +13102,14 @@
                     <m:sSub>
                       <m:sSubPr>
                         <m:ctrlPr>
-                          <a:rPr lang="de-AT" sz="2400" b="0" i="1" smtClean="0">
+                          <a:rPr lang="en-GB" sz="2400" b="0" i="1" noProof="0" smtClean="0">
                             <a:latin typeface="Cambria Math" panose="02040503050406030204" pitchFamily="18" charset="0"/>
                           </a:rPr>
                         </m:ctrlPr>
                       </m:sSubPr>
                       <m:e>
                         <m:r>
-                          <a:rPr lang="de-AT" sz="2400" b="0" i="1" smtClean="0">
+                          <a:rPr lang="en-GB" sz="2400" b="0" i="1" noProof="0" smtClean="0">
                             <a:latin typeface="Cambria Math" panose="02040503050406030204" pitchFamily="18" charset="0"/>
                           </a:rPr>
                           <m:t>𝜇</m:t>
@@ -13048,7 +13117,7 @@
                       </m:e>
                       <m:sub>
                         <m:r>
-                          <a:rPr lang="de-AT" sz="2400" b="0" i="1" smtClean="0">
+                          <a:rPr lang="en-GB" sz="2400" b="0" i="1" noProof="0" smtClean="0">
                             <a:latin typeface="Cambria Math" panose="02040503050406030204" pitchFamily="18" charset="0"/>
                           </a:rPr>
                           <m:t>𝑡𝑜𝑡𝑎𝑙</m:t>
@@ -13058,168 +13127,8 @@
                   </m:oMath>
                 </a14:m>
                 <a:r>
-                  <a:rPr lang="de-DE" sz="2400" dirty="0"/>
-                  <a:t> </a:t>
-                </a:r>
-                <a:r>
-                  <a:rPr lang="de-DE" sz="2400" dirty="0" err="1"/>
-                  <a:t>shows</a:t>
-                </a:r>
-                <a:r>
-                  <a:rPr lang="de-DE" sz="2400" dirty="0"/>
-                  <a:t> a </a:t>
-                </a:r>
-                <a:r>
-                  <a:rPr lang="de-DE" sz="2400" dirty="0" err="1"/>
-                  <a:t>overall</a:t>
-                </a:r>
-                <a:r>
-                  <a:rPr lang="de-DE" sz="2400" dirty="0"/>
-                  <a:t> </a:t>
-                </a:r>
-                <a:r>
-                  <a:rPr lang="de-DE" sz="2400" dirty="0" err="1"/>
-                  <a:t>change</a:t>
-                </a:r>
-                <a:r>
-                  <a:rPr lang="de-DE" sz="2400" dirty="0"/>
-                  <a:t> in </a:t>
-                </a:r>
-                <a:r>
-                  <a:rPr lang="de-DE" sz="2400" dirty="0" err="1"/>
-                  <a:t>the</a:t>
-                </a:r>
-                <a:r>
-                  <a:rPr lang="de-DE" sz="2400" dirty="0"/>
-                  <a:t> </a:t>
-                </a:r>
-                <a:r>
-                  <a:rPr lang="de-DE" sz="2400" dirty="0" err="1"/>
-                  <a:t>dipole</a:t>
-                </a:r>
-                <a:r>
-                  <a:rPr lang="de-DE" sz="2400" dirty="0"/>
-                  <a:t> </a:t>
-                </a:r>
-                <a:r>
-                  <a:rPr lang="de-DE" sz="2400" dirty="0" err="1"/>
-                  <a:t>moment</a:t>
-                </a:r>
-                <a:r>
-                  <a:rPr lang="de-DE" sz="2400" dirty="0"/>
-                  <a:t> </a:t>
-                </a:r>
-                <a:r>
-                  <a:rPr lang="de-DE" sz="2400" dirty="0" err="1"/>
-                  <a:t>which</a:t>
-                </a:r>
-                <a:r>
-                  <a:rPr lang="de-DE" sz="2400" dirty="0"/>
-                  <a:t> </a:t>
-                </a:r>
-                <a:r>
-                  <a:rPr lang="de-DE" sz="2400" dirty="0" err="1"/>
-                  <a:t>is</a:t>
-                </a:r>
-                <a:r>
-                  <a:rPr lang="de-DE" sz="2400" dirty="0"/>
-                  <a:t> </a:t>
-                </a:r>
-                <a:r>
-                  <a:rPr lang="de-DE" sz="2400" dirty="0" err="1"/>
-                  <a:t>expected</a:t>
-                </a:r>
-                <a:r>
-                  <a:rPr lang="de-DE" sz="2400" dirty="0"/>
-                  <a:t> </a:t>
-                </a:r>
-                <a:r>
-                  <a:rPr lang="de-DE" sz="2400" dirty="0" err="1"/>
-                  <a:t>as</a:t>
-                </a:r>
-                <a:r>
-                  <a:rPr lang="de-DE" sz="2400" dirty="0"/>
-                  <a:t> </a:t>
-                </a:r>
-                <a:r>
-                  <a:rPr lang="de-DE" sz="2400" dirty="0" err="1"/>
-                  <a:t>the</a:t>
-                </a:r>
-                <a:r>
-                  <a:rPr lang="de-DE" sz="2400" dirty="0"/>
-                  <a:t> </a:t>
-                </a:r>
-                <a:r>
-                  <a:rPr lang="de-DE" sz="2400" dirty="0" err="1"/>
-                  <a:t>change</a:t>
-                </a:r>
-                <a:r>
-                  <a:rPr lang="de-DE" sz="2400" dirty="0"/>
-                  <a:t> in </a:t>
-                </a:r>
-                <a:r>
-                  <a:rPr lang="de-DE" sz="2400" dirty="0" err="1"/>
-                  <a:t>the</a:t>
-                </a:r>
-                <a:r>
-                  <a:rPr lang="de-DE" sz="2400" dirty="0"/>
-                  <a:t> </a:t>
-                </a:r>
-                <a:r>
-                  <a:rPr lang="de-DE" sz="2400" dirty="0" err="1"/>
-                  <a:t>bond</a:t>
-                </a:r>
-                <a:r>
-                  <a:rPr lang="de-DE" sz="2400" dirty="0"/>
-                  <a:t> </a:t>
-                </a:r>
-                <a:r>
-                  <a:rPr lang="de-DE" sz="2400" dirty="0" err="1"/>
-                  <a:t>length</a:t>
-                </a:r>
-                <a:r>
-                  <a:rPr lang="de-DE" sz="2400" dirty="0"/>
-                  <a:t> alters </a:t>
-                </a:r>
-                <a:r>
-                  <a:rPr lang="de-DE" sz="2400" dirty="0" err="1"/>
-                  <a:t>the</a:t>
-                </a:r>
-                <a:r>
-                  <a:rPr lang="de-DE" sz="2400" dirty="0"/>
-                  <a:t> </a:t>
-                </a:r>
-                <a:r>
-                  <a:rPr lang="de-DE" sz="2400" dirty="0" err="1"/>
-                  <a:t>distribution</a:t>
-                </a:r>
-                <a:r>
-                  <a:rPr lang="de-DE" sz="2400" dirty="0"/>
-                  <a:t> </a:t>
-                </a:r>
-                <a:r>
-                  <a:rPr lang="de-DE" sz="2400" dirty="0" err="1"/>
-                  <a:t>of</a:t>
-                </a:r>
-                <a:r>
-                  <a:rPr lang="de-DE" sz="2400" dirty="0"/>
-                  <a:t> </a:t>
-                </a:r>
-                <a:r>
-                  <a:rPr lang="de-DE" sz="2400" dirty="0" err="1"/>
-                  <a:t>electron</a:t>
-                </a:r>
-                <a:r>
-                  <a:rPr lang="de-DE" sz="2400" dirty="0"/>
-                  <a:t> </a:t>
-                </a:r>
-                <a:r>
-                  <a:rPr lang="de-DE" sz="2400" dirty="0" err="1"/>
-                  <a:t>density</a:t>
-                </a:r>
-                <a:r>
-                  <a:rPr lang="de-DE" sz="2400" dirty="0"/>
-                  <a:t>.</a:t>
+                  <a:rPr lang="en-GB" sz="2400" noProof="0" dirty="0"/>
+                  <a:t> shows an overall change in the dipole moment which is expected as the change in the bond length alters the distribution of electron density.</a:t>
                 </a:r>
               </a:p>
             </p:txBody>
@@ -13243,7 +13152,7 @@
             <p:spPr>
               <a:xfrm>
                 <a:off x="34199802" y="4997758"/>
-                <a:ext cx="7719707" cy="3105337"/>
+                <a:ext cx="7719707" cy="3474669"/>
               </a:xfrm>
               <a:prstGeom prst="rect">
                 <a:avLst/>
@@ -13251,7 +13160,7 @@
               <a:blipFill>
                 <a:blip r:embed="rId22"/>
                 <a:stretch>
-                  <a:fillRect l="-1149" t="-1633" r="-1314" b="-4082"/>
+                  <a:fillRect l="-1149" t="-1455" r="-985" b="-2909"/>
                 </a:stretch>
               </a:blipFill>
             </p:spPr>
@@ -13270,8 +13179,8 @@
           </p:sp>
         </mc:Fallback>
       </mc:AlternateContent>
-      <mc:AlternateContent xmlns:mc="http://schemas.openxmlformats.org/markup-compatibility/2006">
-        <mc:Choice xmlns:a14="http://schemas.microsoft.com/office/drawing/2010/main" Requires="a14">
+      <mc:AlternateContent xmlns:mc="http://schemas.openxmlformats.org/markup-compatibility/2006" xmlns:a14="http://schemas.microsoft.com/office/drawing/2010/main">
+        <mc:Choice Requires="a14">
           <p:sp>
             <p:nvSpPr>
               <p:cNvPr id="53" name="Textfeld 52">
@@ -13286,7 +13195,7 @@
             </p:nvSpPr>
             <p:spPr>
               <a:xfrm>
-                <a:off x="32784010" y="22099139"/>
+                <a:off x="32608119" y="22099139"/>
                 <a:ext cx="8961986" cy="1015663"/>
               </a:xfrm>
               <a:prstGeom prst="rect">
@@ -13360,13 +13269,13 @@
                 </a14:m>
                 <a:r>
                   <a:rPr lang="en-US" sz="2000" noProof="1"/>
-                  <a:t> (black dots), the harmonic fit (red) and the first five wave functions shifted by their respective eigenenergies</a:t>
+                  <a:t> (black dots), the harmonic fit (red) and the first five wave functions shifted by their respective eigenenergies.</a:t>
                 </a:r>
               </a:p>
             </p:txBody>
           </p:sp>
         </mc:Choice>
-        <mc:Fallback>
+        <mc:Fallback xmlns="">
           <p:sp>
             <p:nvSpPr>
               <p:cNvPr id="53" name="Textfeld 52">
@@ -13383,7 +13292,7 @@
             </p:nvSpPr>
             <p:spPr>
               <a:xfrm>
-                <a:off x="32784010" y="22099139"/>
+                <a:off x="32608119" y="22099139"/>
                 <a:ext cx="8961986" cy="1015663"/>
               </a:xfrm>
               <a:prstGeom prst="rect">
@@ -13445,7 +13354,7 @@
             </a:r>
             <a:r>
               <a:rPr lang="en-US" sz="2000" noProof="1"/>
-              <a:t>The total dipole moment as well the components along x,y,z plotted against the distance</a:t>
+              <a:t>The total dipole moment as well the components along x,y,z plotted against the distance between O-H.</a:t>
             </a:r>
           </a:p>
         </p:txBody>
@@ -13467,7 +13376,7 @@
         <p:spPr>
           <a:xfrm>
             <a:off x="22636975" y="14896578"/>
-            <a:ext cx="0" cy="13875809"/>
+            <a:ext cx="0" cy="13848461"/>
           </a:xfrm>
           <a:prstGeom prst="line">
             <a:avLst/>
@@ -13502,7 +13411,7 @@
         </p:nvSpPr>
         <p:spPr>
           <a:xfrm>
-            <a:off x="955739" y="23670598"/>
+            <a:off x="955739" y="25181572"/>
             <a:ext cx="10639846" cy="461665"/>
           </a:xfrm>
           <a:prstGeom prst="rect">
@@ -14584,158 +14493,26 @@
               <a:lstStyle/>
               <a:p>
                 <a:r>
-                  <a:rPr lang="de-DE" sz="2400" dirty="0"/>
-                  <a:t>The </a:t>
+                  <a:rPr lang="en-GB" sz="2400" noProof="0"/>
+                  <a:t>The figure below shows the potential energy against the bond distance. </a:t>
                 </a:r>
                 <a:r>
-                  <a:rPr lang="de-DE" sz="2400" dirty="0" err="1"/>
-                  <a:t>figure</a:t>
-                </a:r>
-                <a:r>
-                  <a:rPr lang="de-DE" sz="2400" dirty="0"/>
-                  <a:t> </a:t>
-                </a:r>
-                <a:r>
-                  <a:rPr lang="de-DE" sz="2400" dirty="0" err="1"/>
-                  <a:t>below</a:t>
-                </a:r>
-                <a:r>
-                  <a:rPr lang="de-DE" sz="2400" dirty="0"/>
-                  <a:t> </a:t>
-                </a:r>
-                <a:r>
-                  <a:rPr lang="de-DE" sz="2400" dirty="0" err="1"/>
-                  <a:t>shows</a:t>
-                </a:r>
-                <a:r>
-                  <a:rPr lang="de-DE" sz="2400" dirty="0"/>
-                  <a:t> </a:t>
-                </a:r>
-                <a:r>
-                  <a:rPr lang="de-DE" sz="2400" dirty="0" err="1"/>
-                  <a:t>the</a:t>
-                </a:r>
-                <a:r>
-                  <a:rPr lang="de-DE" sz="2400" dirty="0"/>
-                  <a:t> potential </a:t>
-                </a:r>
-                <a:r>
-                  <a:rPr lang="de-DE" sz="2400" dirty="0" err="1"/>
-                  <a:t>energy</a:t>
-                </a:r>
-                <a:r>
-                  <a:rPr lang="de-DE" sz="2400" dirty="0"/>
-                  <a:t> </a:t>
-                </a:r>
-                <a:r>
-                  <a:rPr lang="de-DE" sz="2400" dirty="0" err="1"/>
-                  <a:t>against</a:t>
-                </a:r>
-                <a:r>
-                  <a:rPr lang="de-DE" sz="2400" dirty="0"/>
-                  <a:t> </a:t>
-                </a:r>
-                <a:r>
-                  <a:rPr lang="de-DE" sz="2400" dirty="0" err="1"/>
-                  <a:t>the</a:t>
-                </a:r>
-                <a:r>
-                  <a:rPr lang="de-DE" sz="2400" dirty="0"/>
-                  <a:t> </a:t>
-                </a:r>
-                <a:r>
-                  <a:rPr lang="de-DE" sz="2400" dirty="0" err="1"/>
-                  <a:t>bond</a:t>
-                </a:r>
-                <a:r>
-                  <a:rPr lang="de-DE" sz="2400" dirty="0"/>
-                  <a:t> </a:t>
-                </a:r>
-                <a:r>
-                  <a:rPr lang="de-DE" sz="2400" dirty="0" err="1"/>
-                  <a:t>distance</a:t>
-                </a:r>
-                <a:r>
-                  <a:rPr lang="de-DE" sz="2400" dirty="0"/>
-                  <a:t>. The </a:t>
-                </a:r>
-                <a:r>
-                  <a:rPr lang="de-DE" sz="2400" dirty="0" err="1"/>
-                  <a:t>red</a:t>
-                </a:r>
-                <a:r>
-                  <a:rPr lang="de-DE" sz="2400" dirty="0"/>
-                  <a:t> </a:t>
-                </a:r>
-                <a:r>
-                  <a:rPr lang="de-DE" sz="2400" dirty="0" err="1"/>
-                  <a:t>curve</a:t>
-                </a:r>
-                <a:r>
-                  <a:rPr lang="de-DE" sz="2400" dirty="0"/>
-                  <a:t> </a:t>
-                </a:r>
-                <a:r>
-                  <a:rPr lang="de-DE" sz="2400" dirty="0" err="1"/>
-                  <a:t>shows</a:t>
-                </a:r>
-                <a:r>
-                  <a:rPr lang="de-DE" sz="2400" dirty="0"/>
-                  <a:t> </a:t>
-                </a:r>
-                <a:r>
-                  <a:rPr lang="de-DE" sz="2400" dirty="0" err="1"/>
-                  <a:t>the</a:t>
-                </a:r>
-                <a:r>
-                  <a:rPr lang="de-DE" sz="2400" dirty="0"/>
-                  <a:t> </a:t>
-                </a:r>
-                <a:r>
-                  <a:rPr lang="de-DE" sz="2400" dirty="0" err="1"/>
-                  <a:t>harmonic</a:t>
-                </a:r>
-                <a:r>
-                  <a:rPr lang="de-DE" sz="2400" dirty="0"/>
-                  <a:t> fit, </a:t>
-                </a:r>
-                <a:r>
-                  <a:rPr lang="de-DE" sz="2400" dirty="0" err="1"/>
-                  <a:t>the</a:t>
-                </a:r>
-                <a:r>
-                  <a:rPr lang="de-DE" sz="2400" dirty="0"/>
-                  <a:t> </a:t>
-                </a:r>
-                <a:r>
-                  <a:rPr lang="de-DE" sz="2400" dirty="0" err="1"/>
-                  <a:t>wave</a:t>
-                </a:r>
-                <a:r>
-                  <a:rPr lang="de-DE" sz="2400" dirty="0"/>
-                  <a:t> </a:t>
-                </a:r>
-                <a:r>
-                  <a:rPr lang="de-DE" sz="2400" dirty="0" err="1"/>
-                  <a:t>functions</a:t>
-                </a:r>
-                <a:r>
-                  <a:rPr lang="de-DE" sz="2400" dirty="0"/>
-                  <a:t>  </a:t>
+                  <a:rPr lang="en-GB" sz="2400" noProof="0" dirty="0"/>
+                  <a:t>The red curve shows the harmonic fit, the wave functions  </a:t>
                 </a:r>
                 <a14:m>
                   <m:oMath xmlns:m="http://schemas.openxmlformats.org/officeDocument/2006/math">
                     <m:sSub>
                       <m:sSubPr>
                         <m:ctrlPr>
-                          <a:rPr lang="de-AT" sz="2400" b="0" i="1" smtClean="0">
+                          <a:rPr lang="en-GB" sz="2400" b="0" i="1" noProof="0" smtClean="0">
                             <a:latin typeface="Cambria Math" panose="02040503050406030204" pitchFamily="18" charset="0"/>
                           </a:rPr>
                         </m:ctrlPr>
                       </m:sSubPr>
                       <m:e>
                         <m:r>
-                          <a:rPr lang="de-AT" sz="2400" b="0" i="1" smtClean="0">
+                          <a:rPr lang="en-GB" sz="2400" b="0" i="1" noProof="0" smtClean="0">
                             <a:latin typeface="Cambria Math" panose="02040503050406030204" pitchFamily="18" charset="0"/>
                           </a:rPr>
                           <m:t>𝜓</m:t>
@@ -14743,7 +14520,7 @@
                       </m:e>
                       <m:sub>
                         <m:r>
-                          <a:rPr lang="de-AT" sz="2400" b="0" i="1" smtClean="0">
+                          <a:rPr lang="en-GB" sz="2400" b="0" i="1" noProof="0" smtClean="0">
                             <a:latin typeface="Cambria Math" panose="02040503050406030204" pitchFamily="18" charset="0"/>
                           </a:rPr>
                           <m:t>0</m:t>
@@ -14751,7 +14528,7 @@
                       </m:sub>
                     </m:sSub>
                     <m:r>
-                      <a:rPr lang="de-AT" sz="2400" b="0" i="1" smtClean="0">
+                      <a:rPr lang="en-GB" sz="2400" b="0" i="1" noProof="0" smtClean="0">
                         <a:latin typeface="Cambria Math" panose="02040503050406030204" pitchFamily="18" charset="0"/>
                       </a:rPr>
                       <m:t>−</m:t>
@@ -14759,14 +14536,14 @@
                     <m:sSub>
                       <m:sSubPr>
                         <m:ctrlPr>
-                          <a:rPr lang="de-AT" sz="2400" b="0" i="1" smtClean="0">
+                          <a:rPr lang="en-GB" sz="2400" b="0" i="1" noProof="0" smtClean="0">
                             <a:latin typeface="Cambria Math" panose="02040503050406030204" pitchFamily="18" charset="0"/>
                           </a:rPr>
                         </m:ctrlPr>
                       </m:sSubPr>
                       <m:e>
                         <m:r>
-                          <a:rPr lang="de-AT" sz="2400" b="0" i="1" smtClean="0">
+                          <a:rPr lang="en-GB" sz="2400" b="0" i="1" noProof="0" smtClean="0">
                             <a:latin typeface="Cambria Math" panose="02040503050406030204" pitchFamily="18" charset="0"/>
                           </a:rPr>
                           <m:t>𝜓</m:t>
@@ -14774,7 +14551,7 @@
                       </m:e>
                       <m:sub>
                         <m:r>
-                          <a:rPr lang="de-AT" sz="2400" b="0" i="1" smtClean="0">
+                          <a:rPr lang="en-GB" sz="2400" b="0" i="1" noProof="0" smtClean="0">
                             <a:latin typeface="Cambria Math" panose="02040503050406030204" pitchFamily="18" charset="0"/>
                           </a:rPr>
                           <m:t>4</m:t>
@@ -14784,71 +14561,19 @@
                   </m:oMath>
                 </a14:m>
                 <a:r>
-                  <a:rPr lang="de-DE" sz="2400" dirty="0"/>
-                  <a:t> </a:t>
+                  <a:rPr lang="en-GB" sz="2400" noProof="0" dirty="0"/>
+                  <a:t> are the eigenstates obtained by </a:t>
                 </a:r>
                 <a:r>
-                  <a:rPr lang="de-DE" sz="2400" dirty="0" err="1"/>
-                  <a:t>are</a:t>
+                  <a:rPr lang="en-GB" sz="2400" b="1" noProof="0" dirty="0" err="1"/>
+                  <a:t>Numerov‘s</a:t>
                 </a:r>
                 <a:r>
-                  <a:rPr lang="de-DE" sz="2400" dirty="0"/>
-                  <a:t> </a:t>
+                  <a:rPr lang="en-GB" sz="2400" b="1" noProof="0" dirty="0"/>
+                  <a:t> method</a:t>
                 </a:r>
                 <a:r>
-                  <a:rPr lang="de-DE" sz="2400" dirty="0" err="1"/>
-                  <a:t>the</a:t>
-                </a:r>
-                <a:r>
-                  <a:rPr lang="de-DE" sz="2400" dirty="0"/>
-                  <a:t> </a:t>
-                </a:r>
-                <a:r>
-                  <a:rPr lang="de-DE" sz="2400" dirty="0" err="1"/>
-                  <a:t>eigenstates</a:t>
-                </a:r>
-                <a:r>
-                  <a:rPr lang="de-DE" sz="2400" dirty="0"/>
-                  <a:t> </a:t>
-                </a:r>
-                <a:r>
-                  <a:rPr lang="de-DE" sz="2400" dirty="0" err="1"/>
-                  <a:t>obtained</a:t>
-                </a:r>
-                <a:r>
-                  <a:rPr lang="de-DE" sz="2400" dirty="0"/>
-                  <a:t> </a:t>
-                </a:r>
-                <a:r>
-                  <a:rPr lang="de-DE" sz="2400" dirty="0" err="1"/>
-                  <a:t>by</a:t>
-                </a:r>
-                <a:r>
-                  <a:rPr lang="de-DE" sz="2400" dirty="0"/>
-                  <a:t> </a:t>
-                </a:r>
-                <a:r>
-                  <a:rPr lang="de-DE" sz="2400" dirty="0" err="1"/>
-                  <a:t>the</a:t>
-                </a:r>
-                <a:r>
-                  <a:rPr lang="de-DE" sz="2400" dirty="0"/>
-                  <a:t> </a:t>
-                </a:r>
-                <a:r>
-                  <a:rPr lang="de-DE" sz="2400" dirty="0" err="1"/>
-                  <a:t>numerov</a:t>
-                </a:r>
-                <a:r>
-                  <a:rPr lang="de-DE" sz="2400" dirty="0"/>
-                  <a:t> </a:t>
-                </a:r>
-                <a:r>
-                  <a:rPr lang="de-DE" sz="2400" dirty="0" err="1"/>
-                  <a:t>method</a:t>
-                </a:r>
-                <a:r>
-                  <a:rPr lang="de-DE" sz="2400" dirty="0"/>
+                  <a:rPr lang="en-GB" sz="2400" noProof="0" dirty="0"/>
                   <a:t>.</a:t>
                 </a:r>
               </a:p>
@@ -14914,7 +14639,7 @@
         </p:nvSpPr>
         <p:spPr>
           <a:xfrm>
-            <a:off x="13170296" y="23323889"/>
+            <a:off x="13170295" y="23254164"/>
             <a:ext cx="8961986" cy="707886"/>
           </a:xfrm>
           <a:prstGeom prst="rect">
@@ -14930,11 +14655,19 @@
           <a:p>
             <a:r>
               <a:rPr lang="en-US" sz="2000" b="1" noProof="1"/>
-              <a:t>Tab 2: </a:t>
+              <a:t>Tab 4: </a:t>
             </a:r>
             <a:r>
               <a:rPr lang="en-US" sz="2000" noProof="1"/>
-              <a:t>Comparison of the frequencies obtained by Gaussian, the harmonic fit, and the Numervo’s method with literature calculations (CCSD/cc-pVXZ) </a:t>
+              <a:t>Comparison of the frequencies obtained by Gaussian, the harmonic fit, and the </a:t>
+            </a:r>
+            <a:r>
+              <a:rPr lang="en-US" sz="2000" b="1" noProof="1"/>
+              <a:t>Numervo’s method </a:t>
+            </a:r>
+            <a:r>
+              <a:rPr lang="en-US" sz="2000" noProof="1"/>
+              <a:t>with literature calculations (CCSD/cc-pVXZ).</a:t>
             </a:r>
           </a:p>
         </p:txBody>
@@ -14954,7 +14687,7 @@
         <p:spPr>
           <a:xfrm>
             <a:off x="12996725" y="26687050"/>
-            <a:ext cx="9106127" cy="1569660"/>
+            <a:ext cx="9412341" cy="1938992"/>
           </a:xfrm>
           <a:prstGeom prst="rect">
             <a:avLst/>
@@ -14968,240 +14701,36 @@
           <a:lstStyle/>
           <a:p>
             <a:r>
-              <a:rPr lang="de-DE" sz="2400" dirty="0"/>
+              <a:rPr lang="en-AU" sz="2400" noProof="0" dirty="0"/>
               <a:t>With 14.5 cm</a:t>
             </a:r>
             <a:r>
-              <a:rPr lang="de-DE" sz="2400" baseline="30000" dirty="0"/>
+              <a:rPr lang="en-AU" sz="2400" baseline="30000" noProof="0" dirty="0"/>
               <a:t>-1</a:t>
             </a:r>
             <a:r>
-              <a:rPr lang="de-DE" sz="2400" dirty="0"/>
+              <a:rPr lang="en-AU" sz="2400" noProof="0" dirty="0"/>
               <a:t> (1,43 %) </a:t>
             </a:r>
             <a:r>
-              <a:rPr lang="de-DE" sz="2400" dirty="0" err="1"/>
+              <a:rPr lang="en-AU" sz="2400" b="1" noProof="0" dirty="0" err="1"/>
               <a:t>Numerov‘s</a:t>
             </a:r>
             <a:r>
-              <a:rPr lang="de-DE" sz="2400" dirty="0"/>
-              <a:t> </a:t>
-            </a:r>
-            <a:r>
-              <a:rPr lang="de-DE" sz="2400" dirty="0" err="1"/>
-              <a:t>method</a:t>
-            </a:r>
-            <a:r>
-              <a:rPr lang="de-DE" sz="2400" dirty="0"/>
-              <a:t> </a:t>
-            </a:r>
-            <a:r>
-              <a:rPr lang="de-DE" sz="2400" dirty="0" err="1"/>
-              <a:t>has</a:t>
-            </a:r>
-            <a:r>
-              <a:rPr lang="de-DE" sz="2400" dirty="0"/>
-              <a:t> </a:t>
-            </a:r>
-            <a:r>
-              <a:rPr lang="de-DE" sz="2400" dirty="0" err="1"/>
-              <a:t>the</a:t>
-            </a:r>
-            <a:r>
-              <a:rPr lang="de-DE" sz="2400" dirty="0"/>
-              <a:t> </a:t>
-            </a:r>
-            <a:r>
-              <a:rPr lang="de-DE" sz="2400" dirty="0" err="1"/>
-              <a:t>smallest</a:t>
-            </a:r>
-            <a:r>
-              <a:rPr lang="de-DE" sz="2400" dirty="0"/>
-              <a:t> </a:t>
-            </a:r>
-            <a:r>
-              <a:rPr lang="de-DE" sz="2400" dirty="0" err="1"/>
-              <a:t>deviation</a:t>
-            </a:r>
-            <a:r>
-              <a:rPr lang="de-DE" sz="2400" dirty="0"/>
-              <a:t> </a:t>
-            </a:r>
-            <a:r>
-              <a:rPr lang="de-DE" sz="2400" dirty="0" err="1"/>
-              <a:t>compared</a:t>
-            </a:r>
-            <a:r>
-              <a:rPr lang="de-DE" sz="2400" dirty="0"/>
-              <a:t> </a:t>
-            </a:r>
-            <a:r>
-              <a:rPr lang="de-DE" sz="2400" dirty="0" err="1"/>
-              <a:t>to</a:t>
-            </a:r>
-            <a:r>
-              <a:rPr lang="de-DE" sz="2400" dirty="0"/>
-              <a:t> </a:t>
-            </a:r>
-            <a:r>
-              <a:rPr lang="de-DE" sz="2400" dirty="0" err="1"/>
-              <a:t>the</a:t>
-            </a:r>
-            <a:r>
-              <a:rPr lang="de-DE" sz="2400" dirty="0"/>
-              <a:t> </a:t>
-            </a:r>
-            <a:r>
-              <a:rPr lang="de-DE" sz="2400" dirty="0" err="1"/>
-              <a:t>literature</a:t>
-            </a:r>
-            <a:r>
-              <a:rPr lang="de-DE" sz="2400" dirty="0"/>
-              <a:t>. </a:t>
-            </a:r>
-            <a:r>
-              <a:rPr lang="de-DE" sz="2400" dirty="0" err="1"/>
-              <a:t>Because</a:t>
-            </a:r>
-            <a:r>
-              <a:rPr lang="de-DE" sz="2400" dirty="0"/>
-              <a:t> </a:t>
-            </a:r>
-            <a:r>
-              <a:rPr lang="de-DE" sz="2400" dirty="0" err="1"/>
-              <a:t>Numervo‘s</a:t>
-            </a:r>
-            <a:r>
-              <a:rPr lang="de-DE" sz="2400" dirty="0"/>
-              <a:t> </a:t>
-            </a:r>
-            <a:r>
-              <a:rPr lang="de-DE" sz="2400" dirty="0" err="1"/>
-              <a:t>method</a:t>
-            </a:r>
-            <a:r>
-              <a:rPr lang="de-DE" sz="2400" dirty="0"/>
-              <a:t> </a:t>
-            </a:r>
-            <a:r>
-              <a:rPr lang="de-DE" sz="2400" dirty="0" err="1"/>
-              <a:t>numerically</a:t>
-            </a:r>
-            <a:r>
-              <a:rPr lang="de-DE" sz="2400" dirty="0"/>
-              <a:t> </a:t>
-            </a:r>
-            <a:r>
-              <a:rPr lang="de-DE" sz="2400" dirty="0" err="1"/>
-              <a:t>calculates</a:t>
-            </a:r>
-            <a:r>
-              <a:rPr lang="de-DE" sz="2400" dirty="0"/>
-              <a:t> </a:t>
-            </a:r>
-            <a:r>
-              <a:rPr lang="de-DE" sz="2400" dirty="0" err="1"/>
-              <a:t>points</a:t>
-            </a:r>
-            <a:r>
-              <a:rPr lang="de-DE" sz="2400" dirty="0"/>
-              <a:t> on </a:t>
-            </a:r>
-            <a:r>
-              <a:rPr lang="de-DE" sz="2400" dirty="0" err="1"/>
-              <a:t>the</a:t>
-            </a:r>
-            <a:r>
-              <a:rPr lang="de-DE" sz="2400" dirty="0"/>
-              <a:t> PES </a:t>
-            </a:r>
-            <a:r>
-              <a:rPr lang="de-DE" sz="2400" dirty="0" err="1"/>
-              <a:t>it</a:t>
-            </a:r>
-            <a:r>
-              <a:rPr lang="de-DE" sz="2400" dirty="0"/>
-              <a:t> </a:t>
-            </a:r>
-            <a:r>
-              <a:rPr lang="de-DE" sz="2400" dirty="0" err="1"/>
-              <a:t>takes</a:t>
-            </a:r>
-            <a:r>
-              <a:rPr lang="de-DE" sz="2400" dirty="0"/>
-              <a:t> </a:t>
-            </a:r>
-            <a:r>
-              <a:rPr lang="de-DE" sz="2400" dirty="0" err="1"/>
-              <a:t>anharmonicity</a:t>
-            </a:r>
-            <a:r>
-              <a:rPr lang="de-DE" sz="2400" dirty="0"/>
-              <a:t> </a:t>
-            </a:r>
-            <a:r>
-              <a:rPr lang="de-DE" sz="2400" dirty="0" err="1"/>
-              <a:t>into</a:t>
-            </a:r>
-            <a:r>
-              <a:rPr lang="de-DE" sz="2400" dirty="0"/>
-              <a:t> </a:t>
-            </a:r>
-            <a:r>
-              <a:rPr lang="de-DE" sz="2400" dirty="0" err="1"/>
-              <a:t>account</a:t>
-            </a:r>
-            <a:r>
-              <a:rPr lang="de-DE" sz="2400" dirty="0"/>
-              <a:t>, </a:t>
-            </a:r>
-            <a:r>
-              <a:rPr lang="de-DE" sz="2400" dirty="0" err="1"/>
-              <a:t>leading</a:t>
-            </a:r>
-            <a:r>
-              <a:rPr lang="de-DE" sz="2400" dirty="0"/>
-              <a:t> </a:t>
-            </a:r>
-            <a:r>
-              <a:rPr lang="de-DE" sz="2400" dirty="0" err="1"/>
-              <a:t>to</a:t>
-            </a:r>
-            <a:r>
-              <a:rPr lang="de-DE" sz="2400" dirty="0"/>
-              <a:t> </a:t>
-            </a:r>
-            <a:r>
-              <a:rPr lang="de-DE" sz="2400" dirty="0" err="1"/>
-              <a:t>overall</a:t>
-            </a:r>
-            <a:r>
-              <a:rPr lang="de-DE" sz="2400" dirty="0"/>
-              <a:t> </a:t>
-            </a:r>
-            <a:r>
-              <a:rPr lang="de-DE" sz="2400" dirty="0" err="1"/>
-              <a:t>more</a:t>
-            </a:r>
-            <a:r>
-              <a:rPr lang="de-DE" sz="2400" dirty="0"/>
-              <a:t> </a:t>
-            </a:r>
-            <a:r>
-              <a:rPr lang="de-DE" sz="2400" dirty="0" err="1"/>
-              <a:t>precise</a:t>
-            </a:r>
-            <a:r>
-              <a:rPr lang="de-DE" sz="2400" dirty="0"/>
-              <a:t> </a:t>
-            </a:r>
-            <a:r>
-              <a:rPr lang="de-DE" sz="2400" dirty="0" err="1"/>
-              <a:t>performance</a:t>
-            </a:r>
-            <a:r>
-              <a:rPr lang="de-DE" sz="2400" dirty="0"/>
-              <a:t>.</a:t>
+              <a:rPr lang="en-AU" sz="2400" b="1" noProof="0" dirty="0"/>
+              <a:t> method </a:t>
+            </a:r>
+            <a:r>
+              <a:rPr lang="en-AU" sz="2400" noProof="0" dirty="0"/>
+              <a:t>has the smallest deviation compared to the literature. The PES along a bond stretch is best described by a Morse-Potential, Fig 3. clearly displays the deviation of the harmonic approximation.  Here, anharmonic methods like VSFC, VCI or </a:t>
+            </a:r>
+            <a:r>
+              <a:rPr lang="en-AU" sz="2400" noProof="0" dirty="0" err="1"/>
+              <a:t>Numerov</a:t>
+            </a:r>
+            <a:r>
+              <a:rPr lang="en-AU" sz="2400" noProof="0" dirty="0"/>
+              <a:t> lead to more precise results.</a:t>
             </a:r>
           </a:p>
         </p:txBody>
@@ -15349,7 +14878,7 @@
             </p:nvSpPr>
             <p:spPr>
               <a:xfrm>
-                <a:off x="34199802" y="8091429"/>
+                <a:off x="34199802" y="8471265"/>
                 <a:ext cx="8298520" cy="2366545"/>
               </a:xfrm>
               <a:prstGeom prst="rect">
@@ -15571,7 +15100,7 @@
             </p:nvSpPr>
             <p:spPr>
               <a:xfrm>
-                <a:off x="34199802" y="8091429"/>
+                <a:off x="34199802" y="8471265"/>
                 <a:ext cx="8298520" cy="2366545"/>
               </a:xfrm>
               <a:prstGeom prst="rect">
@@ -15580,7 +15109,7 @@
               <a:blipFill>
                 <a:blip r:embed="rId27"/>
                 <a:stretch>
-                  <a:fillRect l="-1069" t="-2128" b="-92021"/>
+                  <a:fillRect l="-1069" t="-2674" b="-92513"/>
                 </a:stretch>
               </a:blipFill>
             </p:spPr>
@@ -15599,8 +15128,8 @@
           </p:sp>
         </mc:Fallback>
       </mc:AlternateContent>
-      <mc:AlternateContent xmlns:mc="http://schemas.openxmlformats.org/markup-compatibility/2006">
-        <mc:Choice xmlns:a14="http://schemas.microsoft.com/office/drawing/2010/main" Requires="a14">
+      <mc:AlternateContent xmlns:mc="http://schemas.openxmlformats.org/markup-compatibility/2006" xmlns:a14="http://schemas.microsoft.com/office/drawing/2010/main">
+        <mc:Choice Requires="a14">
           <p:sp>
             <p:nvSpPr>
               <p:cNvPr id="36" name="Textfeld 35">
@@ -15631,7 +15160,7 @@
               <a:p>
                 <a:r>
                   <a:rPr lang="en-US" sz="2000" b="1" noProof="1"/>
-                  <a:t>Tab 5: </a:t>
+                  <a:t>Tab 7: </a:t>
                 </a:r>
                 <a:r>
                   <a:rPr lang="en-US" sz="2000" noProof="1"/>
@@ -15655,7 +15184,7 @@
             </p:txBody>
           </p:sp>
         </mc:Choice>
-        <mc:Fallback>
+        <mc:Fallback xmlns="">
           <p:sp>
             <p:nvSpPr>
               <p:cNvPr id="36" name="Textfeld 35">
@@ -15761,7 +15290,7 @@
                 </a14:m>
                 <a:r>
                   <a:rPr lang="en-US" sz="2400" noProof="1"/>
-                  <a:t>, in reality, anharmonicity introduces non-zero oscillator strength also for higher transitions</a:t>
+                  <a:t>, in reality, anharmonicity introduces non-zero oscillator strength also for higher transitions.</a:t>
                 </a:r>
                 <a:br>
                   <a:rPr lang="en-US" sz="2400" noProof="1"/>
@@ -15845,408 +15374,32 @@
           <a:lstStyle/>
           <a:p>
             <a:r>
-              <a:rPr lang="de-DE" sz="2400" dirty="0"/>
-              <a:t>The </a:t>
-            </a:r>
-            <a:r>
-              <a:rPr lang="de-DE" sz="2400" dirty="0" err="1"/>
-              <a:t>figures</a:t>
-            </a:r>
-            <a:r>
-              <a:rPr lang="de-DE" sz="2400" dirty="0"/>
+              <a:rPr lang="en-AU" sz="2400" noProof="0"/>
+              <a:t>The figures below show the effect of deuteration to the bond scan between O-H and O-D. </a:t>
+            </a:r>
+            <a:r>
+              <a:rPr lang="en-AU" sz="2400" noProof="0" dirty="0"/>
+              <a:t>For trans-CH</a:t>
+            </a:r>
+            <a:r>
+              <a:rPr lang="en-AU" sz="2400" baseline="-25000" noProof="0" dirty="0"/>
+              <a:t>3</a:t>
+            </a:r>
+            <a:r>
+              <a:rPr lang="en-AU" sz="2400" noProof="0" dirty="0"/>
+              <a:t>COOD the substitution was carried out in Gaussian using the</a:t>
+            </a:r>
+            <a:r>
+              <a:rPr lang="en-AU" sz="2400" b="1" noProof="0" dirty="0"/>
               <a:t> </a:t>
             </a:r>
             <a:r>
-              <a:rPr lang="de-DE" sz="2400" dirty="0" err="1"/>
-              <a:t>below</a:t>
-            </a:r>
-            <a:r>
-              <a:rPr lang="de-DE" sz="2400" dirty="0"/>
-              <a:t> </a:t>
-            </a:r>
-            <a:r>
-              <a:rPr lang="de-DE" sz="2400" dirty="0" err="1"/>
-              <a:t>show</a:t>
-            </a:r>
-            <a:r>
-              <a:rPr lang="de-DE" sz="2400" dirty="0"/>
-              <a:t> </a:t>
-            </a:r>
-            <a:r>
-              <a:rPr lang="de-DE" sz="2400" dirty="0" err="1"/>
-              <a:t>the</a:t>
-            </a:r>
-            <a:r>
-              <a:rPr lang="de-DE" sz="2400" dirty="0"/>
-              <a:t> </a:t>
-            </a:r>
-            <a:r>
-              <a:rPr lang="de-DE" sz="2400" dirty="0" err="1"/>
-              <a:t>effect</a:t>
-            </a:r>
-            <a:r>
-              <a:rPr lang="de-DE" sz="2400" dirty="0"/>
-              <a:t> </a:t>
-            </a:r>
-            <a:r>
-              <a:rPr lang="de-DE" sz="2400" dirty="0" err="1"/>
-              <a:t>of</a:t>
-            </a:r>
-            <a:r>
-              <a:rPr lang="de-DE" sz="2400" dirty="0"/>
-              <a:t> </a:t>
-            </a:r>
-            <a:r>
-              <a:rPr lang="de-DE" sz="2400" dirty="0" err="1"/>
-              <a:t>deuteration</a:t>
-            </a:r>
-            <a:r>
-              <a:rPr lang="de-DE" sz="2400" dirty="0"/>
-              <a:t> </a:t>
-            </a:r>
-            <a:r>
-              <a:rPr lang="de-DE" sz="2400" dirty="0" err="1"/>
-              <a:t>to</a:t>
-            </a:r>
-            <a:r>
-              <a:rPr lang="de-DE" sz="2400" dirty="0"/>
-              <a:t> </a:t>
-            </a:r>
-            <a:r>
-              <a:rPr lang="de-DE" sz="2400" dirty="0" err="1"/>
-              <a:t>the</a:t>
-            </a:r>
-            <a:r>
-              <a:rPr lang="de-DE" sz="2400" dirty="0"/>
-              <a:t> </a:t>
-            </a:r>
-            <a:r>
-              <a:rPr lang="de-DE" sz="2400" dirty="0" err="1"/>
-              <a:t>bond</a:t>
-            </a:r>
-            <a:r>
-              <a:rPr lang="de-DE" sz="2400" dirty="0"/>
-              <a:t> </a:t>
-            </a:r>
-            <a:r>
-              <a:rPr lang="de-DE" sz="2400" dirty="0" err="1"/>
-              <a:t>scan</a:t>
-            </a:r>
-            <a:r>
-              <a:rPr lang="de-DE" sz="2400" dirty="0"/>
-              <a:t> </a:t>
-            </a:r>
-            <a:r>
-              <a:rPr lang="de-DE" sz="2400" dirty="0" err="1"/>
-              <a:t>between</a:t>
-            </a:r>
-            <a:r>
-              <a:rPr lang="de-DE" sz="2400" dirty="0"/>
-              <a:t> O-H and O-D. </a:t>
-            </a:r>
-            <a:r>
-              <a:rPr lang="de-DE" sz="2400" dirty="0" err="1"/>
-              <a:t>For</a:t>
-            </a:r>
-            <a:r>
-              <a:rPr lang="de-DE" sz="2400" dirty="0"/>
-              <a:t> trans-CH</a:t>
-            </a:r>
-            <a:r>
-              <a:rPr lang="de-DE" sz="2400" baseline="-25000" dirty="0"/>
-              <a:t>3</a:t>
-            </a:r>
-            <a:r>
-              <a:rPr lang="de-DE" sz="2400" dirty="0"/>
-              <a:t>COOD </a:t>
-            </a:r>
-            <a:r>
-              <a:rPr lang="de-DE" sz="2400" dirty="0" err="1"/>
-              <a:t>the</a:t>
-            </a:r>
-            <a:r>
-              <a:rPr lang="de-DE" sz="2400" dirty="0"/>
-              <a:t> </a:t>
-            </a:r>
-            <a:r>
-              <a:rPr lang="de-DE" sz="2400" dirty="0" err="1"/>
-              <a:t>substitution</a:t>
-            </a:r>
-            <a:r>
-              <a:rPr lang="de-DE" sz="2400" dirty="0"/>
-              <a:t> was </a:t>
-            </a:r>
-            <a:r>
-              <a:rPr lang="de-DE" sz="2400" dirty="0" err="1"/>
-              <a:t>carried</a:t>
-            </a:r>
-            <a:r>
-              <a:rPr lang="de-DE" sz="2400" dirty="0"/>
-              <a:t> out in </a:t>
-            </a:r>
-            <a:r>
-              <a:rPr lang="de-DE" sz="2400" dirty="0" err="1"/>
-              <a:t>Gaussian</a:t>
-            </a:r>
-            <a:r>
-              <a:rPr lang="de-DE" sz="2400" dirty="0"/>
-              <a:t> </a:t>
-            </a:r>
-            <a:r>
-              <a:rPr lang="de-DE" sz="2400" dirty="0" err="1"/>
-              <a:t>using</a:t>
-            </a:r>
-            <a:r>
-              <a:rPr lang="de-DE" sz="2400" dirty="0"/>
-              <a:t> </a:t>
-            </a:r>
-            <a:r>
-              <a:rPr lang="de-DE" sz="2400" dirty="0" err="1"/>
-              <a:t>the</a:t>
-            </a:r>
-            <a:r>
-              <a:rPr lang="de-DE" sz="2400" b="1" dirty="0"/>
-              <a:t> </a:t>
-            </a:r>
-            <a:r>
-              <a:rPr lang="de-DE" sz="2400" b="1" i="1" dirty="0" err="1"/>
-              <a:t>iso</a:t>
-            </a:r>
-            <a:r>
-              <a:rPr lang="de-DE" sz="2400" b="1" i="1" dirty="0"/>
-              <a:t> </a:t>
-            </a:r>
-            <a:r>
-              <a:rPr lang="de-DE" sz="2400" dirty="0" err="1"/>
-              <a:t>keyword</a:t>
-            </a:r>
-            <a:r>
-              <a:rPr lang="de-DE" sz="2400" dirty="0"/>
-              <a:t> in </a:t>
-            </a:r>
-            <a:r>
-              <a:rPr lang="de-DE" sz="2400" dirty="0" err="1"/>
-              <a:t>the</a:t>
-            </a:r>
-            <a:r>
-              <a:rPr lang="de-DE" sz="2400" dirty="0"/>
-              <a:t> Z-matrix </a:t>
-            </a:r>
-            <a:r>
-              <a:rPr lang="de-DE" sz="2400" dirty="0" err="1"/>
-              <a:t>coordinates</a:t>
-            </a:r>
-            <a:r>
-              <a:rPr lang="de-DE" sz="2400" dirty="0"/>
-              <a:t>. </a:t>
-            </a:r>
-            <a:r>
-              <a:rPr lang="de-DE" sz="2400" dirty="0" err="1"/>
-              <a:t>One</a:t>
-            </a:r>
-            <a:r>
-              <a:rPr lang="de-DE" sz="2400" dirty="0"/>
-              <a:t> </a:t>
-            </a:r>
-            <a:r>
-              <a:rPr lang="de-DE" sz="2400" dirty="0" err="1"/>
-              <a:t>thing</a:t>
-            </a:r>
-            <a:r>
-              <a:rPr lang="de-DE" sz="2400" dirty="0"/>
-              <a:t> </a:t>
-            </a:r>
-            <a:r>
-              <a:rPr lang="de-DE" sz="2400" dirty="0" err="1"/>
-              <a:t>to</a:t>
-            </a:r>
-            <a:r>
-              <a:rPr lang="de-DE" sz="2400" dirty="0"/>
-              <a:t> </a:t>
-            </a:r>
-            <a:r>
-              <a:rPr lang="de-DE" sz="2400" dirty="0" err="1"/>
-              <a:t>note</a:t>
-            </a:r>
-            <a:r>
-              <a:rPr lang="de-DE" sz="2400" dirty="0"/>
-              <a:t> </a:t>
-            </a:r>
-            <a:r>
-              <a:rPr lang="de-DE" sz="2400" dirty="0" err="1"/>
-              <a:t>here</a:t>
-            </a:r>
-            <a:r>
-              <a:rPr lang="de-DE" sz="2400" dirty="0"/>
-              <a:t> </a:t>
-            </a:r>
-            <a:r>
-              <a:rPr lang="de-DE" sz="2400" dirty="0" err="1"/>
-              <a:t>is</a:t>
-            </a:r>
-            <a:r>
-              <a:rPr lang="de-DE" sz="2400" dirty="0"/>
-              <a:t> </a:t>
-            </a:r>
-            <a:r>
-              <a:rPr lang="de-DE" sz="2400" dirty="0" err="1"/>
-              <a:t>the</a:t>
-            </a:r>
-            <a:r>
-              <a:rPr lang="de-DE" sz="2400" dirty="0"/>
-              <a:t> </a:t>
-            </a:r>
-            <a:r>
-              <a:rPr lang="de-DE" sz="2400" dirty="0" err="1"/>
-              <a:t>anharmonicity</a:t>
-            </a:r>
-            <a:r>
-              <a:rPr lang="de-DE" sz="2400" dirty="0"/>
-              <a:t> </a:t>
-            </a:r>
-            <a:r>
-              <a:rPr lang="de-DE" sz="2400" dirty="0" err="1"/>
-              <a:t>of</a:t>
-            </a:r>
-            <a:r>
-              <a:rPr lang="de-DE" sz="2400" dirty="0"/>
-              <a:t> </a:t>
-            </a:r>
-            <a:r>
-              <a:rPr lang="de-DE" sz="2400" dirty="0" err="1"/>
-              <a:t>the</a:t>
-            </a:r>
-            <a:r>
-              <a:rPr lang="de-DE" sz="2400" dirty="0"/>
-              <a:t> PES. </a:t>
-            </a:r>
-            <a:r>
-              <a:rPr lang="de-DE" sz="2400" dirty="0" err="1"/>
-              <a:t>For</a:t>
-            </a:r>
-            <a:r>
-              <a:rPr lang="de-DE" sz="2400" dirty="0"/>
-              <a:t> </a:t>
-            </a:r>
-            <a:r>
-              <a:rPr lang="de-DE" sz="2400" dirty="0" err="1"/>
-              <a:t>more</a:t>
-            </a:r>
-            <a:r>
-              <a:rPr lang="de-DE" sz="2400" dirty="0"/>
-              <a:t> </a:t>
-            </a:r>
-            <a:r>
-              <a:rPr lang="de-DE" sz="2400" dirty="0" err="1"/>
-              <a:t>complicated</a:t>
-            </a:r>
-            <a:r>
-              <a:rPr lang="de-DE" sz="2400" dirty="0"/>
-              <a:t> </a:t>
-            </a:r>
-            <a:r>
-              <a:rPr lang="de-DE" sz="2400" dirty="0" err="1"/>
-              <a:t>chemical</a:t>
-            </a:r>
-            <a:r>
-              <a:rPr lang="de-DE" sz="2400" dirty="0"/>
-              <a:t> </a:t>
-            </a:r>
-            <a:r>
-              <a:rPr lang="de-DE" sz="2400" dirty="0" err="1"/>
-              <a:t>systems</a:t>
-            </a:r>
-            <a:r>
-              <a:rPr lang="de-DE" sz="2400" dirty="0"/>
-              <a:t>, </a:t>
-            </a:r>
-            <a:r>
-              <a:rPr lang="de-DE" sz="2400" dirty="0" err="1"/>
-              <a:t>effect</a:t>
-            </a:r>
-            <a:r>
-              <a:rPr lang="de-DE" sz="2400" dirty="0"/>
-              <a:t> like </a:t>
-            </a:r>
-            <a:r>
-              <a:rPr lang="de-DE" sz="2400" dirty="0" err="1"/>
-              <a:t>mode</a:t>
-            </a:r>
-            <a:r>
-              <a:rPr lang="de-DE" sz="2400" dirty="0"/>
-              <a:t> </a:t>
-            </a:r>
-            <a:r>
-              <a:rPr lang="de-DE" sz="2400" dirty="0" err="1"/>
-              <a:t>coupling</a:t>
-            </a:r>
-            <a:r>
-              <a:rPr lang="de-DE" sz="2400" dirty="0"/>
-              <a:t> </a:t>
-            </a:r>
-            <a:r>
-              <a:rPr lang="de-DE" sz="2400" dirty="0" err="1"/>
-              <a:t>become</a:t>
-            </a:r>
-            <a:r>
-              <a:rPr lang="de-DE" sz="2400" dirty="0"/>
-              <a:t> </a:t>
-            </a:r>
-            <a:r>
-              <a:rPr lang="de-DE" sz="2400" dirty="0" err="1"/>
-              <a:t>more</a:t>
-            </a:r>
-            <a:r>
-              <a:rPr lang="de-DE" sz="2400"/>
-              <a:t> dominant, </a:t>
-            </a:r>
-            <a:r>
-              <a:rPr lang="de-DE" sz="2400" dirty="0" err="1"/>
-              <a:t>making</a:t>
-            </a:r>
-            <a:r>
-              <a:rPr lang="de-DE" sz="2400" dirty="0"/>
-              <a:t> </a:t>
-            </a:r>
-            <a:r>
-              <a:rPr lang="de-DE" sz="2400" dirty="0" err="1"/>
-              <a:t>the</a:t>
-            </a:r>
-            <a:r>
-              <a:rPr lang="de-DE" sz="2400" dirty="0"/>
-              <a:t> </a:t>
-            </a:r>
-            <a:r>
-              <a:rPr lang="de-DE" sz="2400" dirty="0" err="1"/>
-              <a:t>harmonic</a:t>
-            </a:r>
-            <a:r>
-              <a:rPr lang="de-DE" sz="2400" dirty="0"/>
-              <a:t> </a:t>
-            </a:r>
-            <a:r>
-              <a:rPr lang="de-DE" sz="2400" dirty="0" err="1"/>
-              <a:t>approximation</a:t>
-            </a:r>
-            <a:r>
-              <a:rPr lang="de-DE" sz="2400" dirty="0"/>
-              <a:t> </a:t>
-            </a:r>
-            <a:r>
-              <a:rPr lang="de-DE" sz="2400" dirty="0" err="1"/>
-              <a:t>less</a:t>
-            </a:r>
-            <a:r>
-              <a:rPr lang="de-DE" sz="2400" dirty="0"/>
-              <a:t> </a:t>
-            </a:r>
-            <a:r>
-              <a:rPr lang="de-DE" sz="2400" dirty="0" err="1"/>
-              <a:t>precise</a:t>
-            </a:r>
-            <a:r>
-              <a:rPr lang="de-DE" sz="2400" dirty="0"/>
-              <a:t>.</a:t>
+              <a:rPr lang="en-AU" sz="2400" b="1" i="1" noProof="0" dirty="0"/>
+              <a:t>iso </a:t>
+            </a:r>
+            <a:r>
+              <a:rPr lang="en-AU" sz="2400" noProof="0" dirty="0"/>
+              <a:t>keyword in the Z-matrix coordinates. One thing to note here is the anharmonicity of the PES. For more complicated chemical systems, effect like mode coupling become more dominant, making the harmonic approximation less precise.</a:t>
             </a:r>
           </a:p>
         </p:txBody>
@@ -16281,11 +15434,19 @@
           <a:p>
             <a:r>
               <a:rPr lang="en-US" sz="2000" b="1" noProof="1"/>
-              <a:t>Tab 3: </a:t>
+              <a:t>Tab 5: </a:t>
             </a:r>
             <a:r>
               <a:rPr lang="en-US" sz="2000" noProof="1"/>
-              <a:t>Comparison of the frequencies obtained by Gaussian, the harmonic fit, and the Numervo’s method with experimental data (FTIR) for trans-CH</a:t>
+              <a:t>Comparison of the frequencies obtained by Gaussian, the harmonic fit, and the </a:t>
+            </a:r>
+            <a:r>
+              <a:rPr lang="en-US" sz="2000" b="1" noProof="1"/>
+              <a:t>Numervo’s method </a:t>
+            </a:r>
+            <a:r>
+              <a:rPr lang="en-US" sz="2000" noProof="1"/>
+              <a:t>with experimental data (FTIR) for trans-CH</a:t>
             </a:r>
             <a:r>
               <a:rPr lang="en-US" sz="2000" baseline="-25000" noProof="1"/>
@@ -16293,7 +15454,7 @@
             </a:r>
             <a:r>
               <a:rPr lang="en-US" sz="2000" noProof="1"/>
-              <a:t>COOH</a:t>
+              <a:t>COOH.</a:t>
             </a:r>
           </a:p>
         </p:txBody>
@@ -16327,285 +15488,46 @@
           <a:lstStyle/>
           <a:p>
             <a:r>
-              <a:rPr lang="de-DE" sz="2400" dirty="0" err="1"/>
-              <a:t>Regarding</a:t>
-            </a:r>
-            <a:r>
-              <a:rPr lang="de-DE" sz="2400" dirty="0"/>
-              <a:t> </a:t>
-            </a:r>
-            <a:r>
-              <a:rPr lang="de-DE" sz="2400" dirty="0" err="1"/>
-              <a:t>the</a:t>
-            </a:r>
-            <a:r>
-              <a:rPr lang="de-DE" sz="2400" dirty="0"/>
-              <a:t> </a:t>
-            </a:r>
-            <a:r>
-              <a:rPr lang="de-DE" sz="2400" dirty="0" err="1"/>
-              <a:t>fundamential</a:t>
-            </a:r>
-            <a:r>
-              <a:rPr lang="de-DE" sz="2400" dirty="0"/>
-              <a:t> </a:t>
-            </a:r>
-            <a:r>
-              <a:rPr lang="de-DE" sz="2400" dirty="0" err="1"/>
-              <a:t>frequency</a:t>
-            </a:r>
-            <a:r>
-              <a:rPr lang="de-DE" sz="2400" dirty="0"/>
-              <a:t> </a:t>
-            </a:r>
-            <a:r>
-              <a:rPr lang="de-DE" sz="2400" dirty="0" err="1"/>
-              <a:t>again</a:t>
-            </a:r>
-            <a:r>
-              <a:rPr lang="de-DE" sz="2400" dirty="0"/>
-              <a:t> </a:t>
-            </a:r>
-            <a:r>
-              <a:rPr lang="de-DE" sz="2400" dirty="0" err="1"/>
-              <a:t>the</a:t>
-            </a:r>
-            <a:r>
-              <a:rPr lang="de-DE" sz="2400" dirty="0"/>
-              <a:t> </a:t>
-            </a:r>
-            <a:r>
-              <a:rPr lang="de-DE" sz="2400" dirty="0" err="1"/>
+              <a:rPr lang="en-AU" sz="2400" noProof="0" dirty="0"/>
+              <a:t>Regarding the fundamental frequency, again the </a:t>
+            </a:r>
+            <a:r>
+              <a:rPr lang="en-AU" sz="2400" b="1" noProof="0" dirty="0" err="1"/>
               <a:t>Numerov</a:t>
             </a:r>
             <a:r>
-              <a:rPr lang="de-DE" sz="2400" dirty="0"/>
-              <a:t> </a:t>
-            </a:r>
-            <a:r>
-              <a:rPr lang="de-DE" sz="2400" dirty="0" err="1"/>
-              <a:t>method</a:t>
-            </a:r>
-            <a:r>
-              <a:rPr lang="de-DE" sz="2400" dirty="0"/>
-              <a:t>  </a:t>
-            </a:r>
-            <a:r>
-              <a:rPr lang="de-DE" sz="2400" dirty="0" err="1"/>
-              <a:t>with</a:t>
-            </a:r>
-            <a:r>
-              <a:rPr lang="de-DE" sz="2400" dirty="0"/>
-              <a:t> 15.88 cm</a:t>
-            </a:r>
-            <a:r>
-              <a:rPr lang="de-DE" sz="2400" baseline="30000" dirty="0"/>
+              <a:rPr lang="en-AU" sz="2400" b="1" noProof="0" dirty="0"/>
+              <a:t> method  </a:t>
+            </a:r>
+            <a:r>
+              <a:rPr lang="en-AU" sz="2400" noProof="0" dirty="0"/>
+              <a:t>with 15.88 cm</a:t>
+            </a:r>
+            <a:r>
+              <a:rPr lang="en-AU" sz="2400" baseline="30000" noProof="0" dirty="0"/>
               <a:t>-1 </a:t>
             </a:r>
             <a:r>
-              <a:rPr lang="de-DE" sz="2400" dirty="0"/>
-              <a:t>(0,44 %) </a:t>
-            </a:r>
-            <a:r>
-              <a:rPr lang="de-DE" sz="2400" dirty="0" err="1"/>
-              <a:t>shows</a:t>
-            </a:r>
-            <a:r>
-              <a:rPr lang="de-DE" sz="2400" dirty="0"/>
-              <a:t> </a:t>
-            </a:r>
-            <a:r>
-              <a:rPr lang="de-DE" sz="2400" dirty="0" err="1"/>
-              <a:t>the</a:t>
-            </a:r>
-            <a:r>
-              <a:rPr lang="de-DE" sz="2400" dirty="0"/>
-              <a:t> </a:t>
-            </a:r>
-            <a:r>
-              <a:rPr lang="de-DE" sz="2400" dirty="0" err="1"/>
-              <a:t>smallest</a:t>
-            </a:r>
-            <a:r>
-              <a:rPr lang="de-DE" sz="2400" dirty="0"/>
-              <a:t> </a:t>
-            </a:r>
-            <a:r>
-              <a:rPr lang="de-DE" sz="2400" dirty="0" err="1"/>
-              <a:t>derivation</a:t>
-            </a:r>
-            <a:r>
-              <a:rPr lang="de-DE" sz="2400" dirty="0"/>
-              <a:t> </a:t>
-            </a:r>
-            <a:r>
-              <a:rPr lang="de-DE" sz="2400" dirty="0" err="1"/>
-              <a:t>to</a:t>
-            </a:r>
-            <a:r>
-              <a:rPr lang="de-DE" sz="2400" dirty="0"/>
-              <a:t> </a:t>
-            </a:r>
-            <a:r>
-              <a:rPr lang="de-DE" sz="2400" dirty="0" err="1"/>
-              <a:t>the</a:t>
-            </a:r>
-            <a:r>
-              <a:rPr lang="de-DE" sz="2400" dirty="0"/>
-              <a:t> </a:t>
-            </a:r>
-            <a:r>
-              <a:rPr lang="de-DE" sz="2400" dirty="0" err="1"/>
-              <a:t>literature</a:t>
-            </a:r>
-            <a:r>
-              <a:rPr lang="de-DE" sz="2400" dirty="0"/>
-              <a:t> </a:t>
-            </a:r>
-            <a:r>
-              <a:rPr lang="de-DE" sz="2400" dirty="0" err="1"/>
-              <a:t>data</a:t>
-            </a:r>
-            <a:r>
-              <a:rPr lang="de-DE" sz="2400" dirty="0"/>
-              <a:t>. Fig 4 </a:t>
-            </a:r>
-            <a:r>
-              <a:rPr lang="de-DE" sz="2400" dirty="0" err="1"/>
-              <a:t>shows</a:t>
-            </a:r>
-            <a:r>
-              <a:rPr lang="de-DE" sz="2400" dirty="0"/>
-              <a:t> </a:t>
-            </a:r>
-            <a:r>
-              <a:rPr lang="de-DE" sz="2400" dirty="0" err="1"/>
-              <a:t>that</a:t>
-            </a:r>
-            <a:r>
-              <a:rPr lang="de-DE" sz="2400" dirty="0"/>
-              <a:t> </a:t>
-            </a:r>
-            <a:r>
-              <a:rPr lang="de-DE" sz="2400" dirty="0" err="1"/>
-              <a:t>the</a:t>
-            </a:r>
-            <a:r>
-              <a:rPr lang="de-DE" sz="2400" dirty="0"/>
-              <a:t> PES </a:t>
-            </a:r>
-            <a:r>
-              <a:rPr lang="de-DE" sz="2400" dirty="0" err="1"/>
-              <a:t>is</a:t>
-            </a:r>
-            <a:r>
-              <a:rPr lang="de-DE" sz="2400" dirty="0"/>
-              <a:t> </a:t>
-            </a:r>
-            <a:r>
-              <a:rPr lang="de-DE" sz="2400" dirty="0" err="1"/>
-              <a:t>anharmonic</a:t>
-            </a:r>
-            <a:r>
-              <a:rPr lang="de-DE" sz="2400" dirty="0"/>
-              <a:t>, </a:t>
-            </a:r>
-            <a:r>
-              <a:rPr lang="de-DE" sz="2400" dirty="0" err="1"/>
-              <a:t>which</a:t>
-            </a:r>
-            <a:r>
-              <a:rPr lang="de-DE" sz="2400" dirty="0"/>
-              <a:t> </a:t>
-            </a:r>
-            <a:r>
-              <a:rPr lang="de-DE" sz="2400" dirty="0" err="1"/>
-              <a:t>is</a:t>
-            </a:r>
-            <a:r>
-              <a:rPr lang="de-DE" sz="2400" dirty="0"/>
-              <a:t> </a:t>
-            </a:r>
-            <a:r>
-              <a:rPr lang="de-DE" sz="2400" dirty="0" err="1"/>
-              <a:t>reflected</a:t>
-            </a:r>
-            <a:r>
-              <a:rPr lang="de-DE" sz="2400" dirty="0"/>
-              <a:t> in </a:t>
-            </a:r>
-            <a:r>
-              <a:rPr lang="de-DE" sz="2400" dirty="0" err="1"/>
-              <a:t>higher</a:t>
-            </a:r>
-            <a:r>
-              <a:rPr lang="de-DE" sz="2400" dirty="0"/>
-              <a:t> </a:t>
-            </a:r>
-            <a:r>
-              <a:rPr lang="de-DE" sz="2400" dirty="0" err="1"/>
-              <a:t>deviations</a:t>
-            </a:r>
-            <a:r>
-              <a:rPr lang="de-DE" sz="2400" dirty="0"/>
-              <a:t> </a:t>
-            </a:r>
-            <a:r>
-              <a:rPr lang="de-DE" sz="2400" dirty="0" err="1"/>
-              <a:t>of</a:t>
-            </a:r>
-            <a:r>
-              <a:rPr lang="de-DE" sz="2400" dirty="0"/>
-              <a:t> </a:t>
-            </a:r>
-            <a:r>
-              <a:rPr lang="de-DE" sz="2400" dirty="0" err="1"/>
-              <a:t>the</a:t>
-            </a:r>
-            <a:r>
-              <a:rPr lang="de-DE" sz="2400" dirty="0"/>
-              <a:t> </a:t>
-            </a:r>
-            <a:r>
-              <a:rPr lang="de-DE" sz="2400" dirty="0" err="1"/>
-              <a:t>harmonic</a:t>
-            </a:r>
-            <a:r>
-              <a:rPr lang="de-DE" sz="2400" dirty="0"/>
-              <a:t> </a:t>
-            </a:r>
-            <a:r>
-              <a:rPr lang="de-DE" sz="2400" dirty="0" err="1"/>
-              <a:t>wavenumbers</a:t>
-            </a:r>
-            <a:r>
-              <a:rPr lang="de-DE" sz="2400" dirty="0"/>
-              <a:t> </a:t>
-            </a:r>
-            <a:r>
-              <a:rPr lang="de-DE" sz="2400" dirty="0" err="1"/>
-              <a:t>with</a:t>
-            </a:r>
-            <a:r>
-              <a:rPr lang="de-DE" sz="2400" dirty="0"/>
-              <a:t> </a:t>
-            </a:r>
-            <a:r>
-              <a:rPr lang="de-DE" sz="2400" dirty="0" err="1"/>
-              <a:t>the</a:t>
-            </a:r>
-            <a:r>
-              <a:rPr lang="de-DE" sz="2400" dirty="0"/>
-              <a:t> experimental </a:t>
-            </a:r>
-            <a:r>
-              <a:rPr lang="de-DE" sz="2400" dirty="0" err="1"/>
-              <a:t>data</a:t>
-            </a:r>
-            <a:r>
-              <a:rPr lang="de-DE" sz="2400" dirty="0"/>
-              <a:t>.</a:t>
-            </a:r>
+              <a:rPr lang="en-AU" sz="2400" noProof="0" dirty="0"/>
+              <a:t>(0,44 %) shows the smallest derivation to the literature data. In reality  the overtones are not equally spaced due to anharmonicity of molecular vibration. Tab 5. shows clearly that </a:t>
+            </a:r>
+            <a:r>
+              <a:rPr lang="en-AU" sz="2400" b="1" noProof="0" dirty="0" err="1"/>
+              <a:t>Numerov‘s</a:t>
+            </a:r>
+            <a:r>
+              <a:rPr lang="en-AU" sz="2400" b="1" noProof="0" dirty="0"/>
+              <a:t> method </a:t>
+            </a:r>
+            <a:r>
+              <a:rPr lang="en-AU" sz="2400" noProof="0" dirty="0"/>
+              <a:t>shows the best fit to the </a:t>
+            </a:r>
+            <a:r>
+              <a:rPr lang="en-AU" sz="2400" noProof="0"/>
+              <a:t>literature data.</a:t>
+            </a:r>
+            <a:endParaRPr lang="en-AU" sz="2400" noProof="0" dirty="0"/>
           </a:p>
         </p:txBody>
       </p:sp>
@@ -16623,7 +15545,7 @@
         </p:nvSpPr>
         <p:spPr>
           <a:xfrm>
-            <a:off x="32783738" y="23282817"/>
+            <a:off x="32589918" y="23282817"/>
             <a:ext cx="10040134" cy="707886"/>
           </a:xfrm>
           <a:prstGeom prst="rect">
@@ -16639,11 +15561,19 @@
           <a:p>
             <a:r>
               <a:rPr lang="en-US" sz="2000" b="1" noProof="1"/>
-              <a:t>Tab 4: </a:t>
+              <a:t>Tab 6: </a:t>
             </a:r>
             <a:r>
               <a:rPr lang="en-US" sz="2000" noProof="1"/>
-              <a:t>Comparison of the frequencies obtained by Gaussian, the harmonic fit, and the Numervo’s method with experimental data (*FTIR, trans-CD</a:t>
+              <a:t>Comparison of the frequencies obtained by Gaussian, the harmonic fit, and the </a:t>
+            </a:r>
+            <a:r>
+              <a:rPr lang="en-US" sz="2000" b="1" noProof="1"/>
+              <a:t>Numervo’s method </a:t>
+            </a:r>
+            <a:r>
+              <a:rPr lang="en-US" sz="2000" noProof="1"/>
+              <a:t>with experimental data (*FTIR, trans-CD</a:t>
             </a:r>
             <a:r>
               <a:rPr lang="en-US" sz="2000" baseline="-25000" noProof="1"/>
@@ -16659,7 +15589,7 @@
             </a:r>
             <a:r>
               <a:rPr lang="en-US" sz="2000" noProof="1"/>
-              <a:t>COOD</a:t>
+              <a:t>COOD.</a:t>
             </a:r>
           </a:p>
         </p:txBody>
@@ -16678,7 +15608,7 @@
         </p:nvSpPr>
         <p:spPr>
           <a:xfrm>
-            <a:off x="32891083" y="26687050"/>
+            <a:off x="32627813" y="26687050"/>
             <a:ext cx="9461589" cy="1938992"/>
           </a:xfrm>
           <a:prstGeom prst="rect">
@@ -16693,286 +15623,30 @@
           <a:lstStyle/>
           <a:p>
             <a:r>
-              <a:rPr lang="de-DE" sz="2400" dirty="0"/>
-              <a:t>Here </a:t>
-            </a:r>
-            <a:r>
-              <a:rPr lang="de-DE" sz="2400" dirty="0" err="1"/>
-              <a:t>with</a:t>
-            </a:r>
-            <a:r>
-              <a:rPr lang="de-DE" sz="2400" dirty="0"/>
-              <a:t> a </a:t>
-            </a:r>
-            <a:r>
-              <a:rPr lang="de-DE" sz="2400" dirty="0" err="1"/>
-              <a:t>deviation</a:t>
-            </a:r>
-            <a:r>
-              <a:rPr lang="de-DE" sz="2400" dirty="0"/>
-              <a:t> </a:t>
-            </a:r>
-            <a:r>
-              <a:rPr lang="de-DE" sz="2400" dirty="0" err="1"/>
-              <a:t>of</a:t>
-            </a:r>
-            <a:r>
-              <a:rPr lang="de-DE" sz="2400" dirty="0"/>
-              <a:t> 99.58 cm</a:t>
-            </a:r>
-            <a:r>
-              <a:rPr lang="de-DE" sz="2400" baseline="30000" dirty="0"/>
-              <a:t>-1</a:t>
-            </a:r>
-            <a:r>
-              <a:rPr lang="de-DE" sz="2400" dirty="0"/>
-              <a:t>  (3.79 %) </a:t>
-            </a:r>
-            <a:r>
-              <a:rPr lang="de-DE" sz="2400" dirty="0" err="1"/>
-              <a:t>the</a:t>
-            </a:r>
-            <a:r>
-              <a:rPr lang="de-DE" sz="2400" dirty="0"/>
-              <a:t> </a:t>
-            </a:r>
-            <a:r>
-              <a:rPr lang="de-DE" sz="2400" dirty="0" err="1"/>
-              <a:t>frequencies</a:t>
-            </a:r>
-            <a:r>
-              <a:rPr lang="de-DE" sz="2400" dirty="0"/>
-              <a:t> </a:t>
-            </a:r>
-            <a:r>
-              <a:rPr lang="de-DE" sz="2400" dirty="0" err="1"/>
-              <a:t>obtained</a:t>
-            </a:r>
-            <a:r>
-              <a:rPr lang="de-DE" sz="2400" dirty="0"/>
-              <a:t> </a:t>
-            </a:r>
-            <a:r>
-              <a:rPr lang="de-DE" sz="2400" dirty="0" err="1"/>
-              <a:t>from</a:t>
-            </a:r>
-            <a:r>
-              <a:rPr lang="de-DE" sz="2400" dirty="0"/>
-              <a:t> </a:t>
-            </a:r>
-            <a:r>
-              <a:rPr lang="de-DE" sz="2400" dirty="0" err="1"/>
-              <a:t>Gaussian</a:t>
-            </a:r>
-            <a:r>
-              <a:rPr lang="de-DE" sz="2400" dirty="0"/>
-              <a:t> perform </a:t>
-            </a:r>
-            <a:r>
-              <a:rPr lang="de-DE" sz="2400" dirty="0" err="1"/>
-              <a:t>the</a:t>
-            </a:r>
-            <a:r>
-              <a:rPr lang="de-DE" sz="2400" dirty="0"/>
-              <a:t> </a:t>
-            </a:r>
-            <a:r>
-              <a:rPr lang="de-DE" sz="2400" dirty="0" err="1"/>
-              <a:t>best</a:t>
-            </a:r>
-            <a:r>
-              <a:rPr lang="de-DE" sz="2400" dirty="0"/>
-              <a:t> in </a:t>
-            </a:r>
-            <a:r>
-              <a:rPr lang="de-DE" sz="2400" dirty="0" err="1"/>
-              <a:t>respect</a:t>
-            </a:r>
-            <a:r>
-              <a:rPr lang="de-DE" sz="2400" dirty="0"/>
-              <a:t> </a:t>
-            </a:r>
-            <a:r>
-              <a:rPr lang="de-DE" sz="2400" dirty="0" err="1"/>
-              <a:t>to</a:t>
-            </a:r>
-            <a:r>
-              <a:rPr lang="de-DE" sz="2400" dirty="0"/>
-              <a:t> </a:t>
-            </a:r>
-            <a:r>
-              <a:rPr lang="de-DE" sz="2400" dirty="0" err="1"/>
-              <a:t>the</a:t>
-            </a:r>
-            <a:r>
-              <a:rPr lang="de-DE" sz="2400" dirty="0"/>
-              <a:t> experimental </a:t>
-            </a:r>
-            <a:r>
-              <a:rPr lang="de-DE" sz="2400" dirty="0" err="1"/>
-              <a:t>data</a:t>
-            </a:r>
-            <a:r>
-              <a:rPr lang="de-DE" sz="2400" dirty="0"/>
-              <a:t>. The experimental </a:t>
-            </a:r>
-            <a:r>
-              <a:rPr lang="de-DE" sz="2400" dirty="0" err="1"/>
-              <a:t>data</a:t>
-            </a:r>
-            <a:r>
-              <a:rPr lang="de-DE" sz="2400" dirty="0"/>
-              <a:t> </a:t>
-            </a:r>
-            <a:r>
-              <a:rPr lang="de-DE" sz="2400" dirty="0" err="1"/>
-              <a:t>comes</a:t>
-            </a:r>
-            <a:r>
-              <a:rPr lang="de-DE" sz="2400" dirty="0"/>
-              <a:t> </a:t>
-            </a:r>
-            <a:r>
-              <a:rPr lang="de-DE" sz="2400" dirty="0" err="1"/>
-              <a:t>from</a:t>
-            </a:r>
-            <a:r>
-              <a:rPr lang="de-DE" sz="2400" dirty="0"/>
-              <a:t> a FTIR </a:t>
-            </a:r>
-            <a:r>
-              <a:rPr lang="de-DE" sz="2400" dirty="0" err="1"/>
-              <a:t>measurement</a:t>
-            </a:r>
-            <a:r>
-              <a:rPr lang="de-DE" sz="2400" dirty="0"/>
-              <a:t> in a  Ar </a:t>
-            </a:r>
-            <a:r>
-              <a:rPr lang="de-DE" sz="2400" dirty="0" err="1"/>
-              <a:t>matrix</a:t>
-            </a:r>
-            <a:r>
-              <a:rPr lang="de-DE" sz="2400" dirty="0"/>
-              <a:t> at 8K. The </a:t>
-            </a:r>
-            <a:r>
-              <a:rPr lang="de-DE" sz="2400" dirty="0" err="1"/>
-              <a:t>smaller</a:t>
-            </a:r>
-            <a:r>
-              <a:rPr lang="de-DE" sz="2400" dirty="0"/>
-              <a:t> </a:t>
-            </a:r>
-            <a:r>
-              <a:rPr lang="de-DE" sz="2400" dirty="0" err="1"/>
-              <a:t>deviation</a:t>
-            </a:r>
-            <a:r>
-              <a:rPr lang="de-DE" sz="2400" dirty="0"/>
-              <a:t> </a:t>
-            </a:r>
-            <a:r>
-              <a:rPr lang="de-DE" sz="2400" dirty="0" err="1"/>
-              <a:t>of</a:t>
-            </a:r>
-            <a:r>
-              <a:rPr lang="de-DE" sz="2400" dirty="0"/>
-              <a:t> </a:t>
-            </a:r>
-            <a:r>
-              <a:rPr lang="de-DE" sz="2400" dirty="0" err="1"/>
-              <a:t>the</a:t>
-            </a:r>
-            <a:r>
-              <a:rPr lang="de-DE" sz="2400" dirty="0"/>
-              <a:t> </a:t>
-            </a:r>
-            <a:r>
-              <a:rPr lang="de-DE" sz="2400" dirty="0" err="1"/>
-              <a:t>harmonic</a:t>
-            </a:r>
-            <a:r>
-              <a:rPr lang="de-DE" sz="2400" dirty="0"/>
-              <a:t> </a:t>
-            </a:r>
-            <a:r>
-              <a:rPr lang="de-DE" sz="2400" dirty="0" err="1"/>
-              <a:t>Gaussian</a:t>
-            </a:r>
-            <a:r>
-              <a:rPr lang="de-DE" sz="2400" dirty="0"/>
-              <a:t> </a:t>
-            </a:r>
-            <a:r>
-              <a:rPr lang="de-DE" sz="2400" dirty="0" err="1"/>
-              <a:t>result</a:t>
-            </a:r>
-            <a:r>
-              <a:rPr lang="de-DE" sz="2400" dirty="0"/>
-              <a:t> </a:t>
-            </a:r>
-            <a:r>
-              <a:rPr lang="de-DE" sz="2400" dirty="0" err="1"/>
-              <a:t>could</a:t>
-            </a:r>
-            <a:r>
-              <a:rPr lang="de-DE" sz="2400" dirty="0"/>
-              <a:t> </a:t>
-            </a:r>
-            <a:r>
-              <a:rPr lang="de-DE" sz="2400" dirty="0" err="1"/>
-              <a:t>be</a:t>
-            </a:r>
-            <a:r>
-              <a:rPr lang="de-DE" sz="2400" dirty="0"/>
-              <a:t> a </a:t>
-            </a:r>
-            <a:r>
-              <a:rPr lang="de-DE" sz="2400" dirty="0" err="1"/>
-              <a:t>error</a:t>
-            </a:r>
-            <a:r>
-              <a:rPr lang="de-DE" sz="2400" dirty="0"/>
-              <a:t> </a:t>
-            </a:r>
-            <a:r>
-              <a:rPr lang="de-DE" sz="2400" dirty="0" err="1"/>
-              <a:t>cancellation</a:t>
-            </a:r>
-            <a:r>
-              <a:rPr lang="de-DE" sz="2400" dirty="0"/>
-              <a:t> </a:t>
-            </a:r>
-            <a:r>
-              <a:rPr lang="de-DE" sz="2400" dirty="0" err="1"/>
-              <a:t>of</a:t>
-            </a:r>
-            <a:r>
-              <a:rPr lang="de-DE" sz="2400" dirty="0"/>
-              <a:t> </a:t>
-            </a:r>
-            <a:r>
-              <a:rPr lang="de-DE" sz="2400" dirty="0" err="1"/>
-              <a:t>error</a:t>
-            </a:r>
-            <a:r>
-              <a:rPr lang="de-DE" sz="2400" dirty="0"/>
-              <a:t> </a:t>
-            </a:r>
-            <a:r>
-              <a:rPr lang="de-DE" sz="2400" dirty="0" err="1"/>
-              <a:t>compensation</a:t>
-            </a:r>
-            <a:r>
-              <a:rPr lang="de-DE" sz="2400" dirty="0"/>
-              <a:t>.</a:t>
+              <a:rPr lang="en-AU" sz="2400" noProof="0" dirty="0"/>
+              <a:t>Here with a deviation of 99.58 cm</a:t>
+            </a:r>
+            <a:r>
+              <a:rPr lang="en-AU" sz="2400" baseline="30000" noProof="0" dirty="0"/>
+              <a:t>-1 </a:t>
+            </a:r>
+            <a:r>
+              <a:rPr lang="en-AU" sz="2400" noProof="0" dirty="0"/>
+              <a:t>(3.79 %) the frequencies obtained from Gaussian perform the best in respect to the experimental data. The experimental data comes from a FTIR measurement in an  </a:t>
+            </a:r>
+            <a:r>
+              <a:rPr lang="en-AU" sz="2400" noProof="0" dirty="0" err="1"/>
+              <a:t>Ar</a:t>
+            </a:r>
+            <a:r>
+              <a:rPr lang="en-AU" sz="2400" noProof="0" dirty="0"/>
+              <a:t> matrix at 8K. The smaller deviation of the harmonic Gaussian result could be an error cancellation of error compensation.</a:t>
             </a:r>
           </a:p>
         </p:txBody>
       </p:sp>
-      <mc:AlternateContent xmlns:mc="http://schemas.openxmlformats.org/markup-compatibility/2006">
-        <mc:Choice xmlns:a14="http://schemas.microsoft.com/office/drawing/2010/main" Requires="a14">
+      <mc:AlternateContent xmlns:mc="http://schemas.openxmlformats.org/markup-compatibility/2006" xmlns:a14="http://schemas.microsoft.com/office/drawing/2010/main">
+        <mc:Choice Requires="a14">
           <p:graphicFrame>
             <p:nvGraphicFramePr>
               <p:cNvPr id="2" name="Tabelle 1">
@@ -16988,7 +15662,7 @@
               <p:nvPr>
                 <p:extLst>
                   <p:ext uri="{D42A27DB-BD31-4B8C-83A1-F6EECF244321}">
-                    <p14:modId xmlns:p14="http://schemas.microsoft.com/office/powerpoint/2010/main" val="149713825"/>
+                    <p14:modId xmlns:p14="http://schemas.microsoft.com/office/powerpoint/2010/main" val="2654567811"/>
                   </p:ext>
                 </p:extLst>
               </p:nvPr>
@@ -18009,7 +16683,7 @@
             </a:graphic>
           </p:graphicFrame>
         </mc:Choice>
-        <mc:Fallback>
+        <mc:Fallback xmlns="">
           <p:graphicFrame>
             <p:nvGraphicFramePr>
               <p:cNvPr id="2" name="Tabelle 1">
@@ -18025,7 +16699,7 @@
               <p:nvPr>
                 <p:extLst>
                   <p:ext uri="{D42A27DB-BD31-4B8C-83A1-F6EECF244321}">
-                    <p14:modId xmlns:p14="http://schemas.microsoft.com/office/powerpoint/2010/main" val="149713825"/>
+                    <p14:modId xmlns:p14="http://schemas.microsoft.com/office/powerpoint/2010/main" val="2654567811"/>
                   </p:ext>
                 </p:extLst>
               </p:nvPr>
@@ -18747,8 +17421,8 @@
           </p:graphicFrame>
         </mc:Fallback>
       </mc:AlternateContent>
-      <mc:AlternateContent xmlns:mc="http://schemas.openxmlformats.org/markup-compatibility/2006">
-        <mc:Choice xmlns:a14="http://schemas.microsoft.com/office/drawing/2010/main" Requires="a14">
+      <mc:AlternateContent xmlns:mc="http://schemas.openxmlformats.org/markup-compatibility/2006" xmlns:a14="http://schemas.microsoft.com/office/drawing/2010/main">
+        <mc:Choice Requires="a14">
           <p:sp>
             <p:nvSpPr>
               <p:cNvPr id="4" name="Textfeld 3">
@@ -18764,7 +17438,7 @@
             <p:spPr>
               <a:xfrm>
                 <a:off x="13061782" y="9459301"/>
-                <a:ext cx="14600742" cy="400110"/>
+                <a:ext cx="13989453" cy="400110"/>
               </a:xfrm>
               <a:prstGeom prst="rect">
                 <a:avLst/>
@@ -18847,7 +17521,15 @@
                 </a14:m>
                 <a:r>
                   <a:rPr lang="de-AT" sz="2000" noProof="1"/>
-                  <a:t>, obtained by Numerov‘s method for trans-CH</a:t>
+                  <a:t>, obtained by </a:t>
+                </a:r>
+                <a:r>
+                  <a:rPr lang="de-AT" sz="2000" b="1" noProof="1"/>
+                  <a:t>Numerov‘s method </a:t>
+                </a:r>
+                <a:r>
+                  <a:rPr lang="de-AT" sz="2000" noProof="1"/>
+                  <a:t>for trans-CH</a:t>
                 </a:r>
                 <a:r>
                   <a:rPr lang="de-AT" sz="2000" baseline="-25000" noProof="1"/>
@@ -18863,14 +17545,14 @@
                 </a:r>
                 <a:r>
                   <a:rPr lang="de-AT" sz="2000" noProof="1"/>
-                  <a:t>COOD (left)</a:t>
+                  <a:t>COOD (left).</a:t>
                 </a:r>
                 <a:endParaRPr lang="en-US" sz="2000" noProof="1"/>
               </a:p>
             </p:txBody>
           </p:sp>
         </mc:Choice>
-        <mc:Fallback>
+        <mc:Fallback xmlns="">
           <p:sp>
             <p:nvSpPr>
               <p:cNvPr id="4" name="Textfeld 3">
@@ -18888,7 +17570,7 @@
             <p:spPr>
               <a:xfrm>
                 <a:off x="13061782" y="9459301"/>
-                <a:ext cx="14600742" cy="400110"/>
+                <a:ext cx="13989453" cy="400110"/>
               </a:xfrm>
               <a:prstGeom prst="rect">
                 <a:avLst/>
@@ -18896,7 +17578,7 @@
               <a:blipFill>
                 <a:blip r:embed="rId31"/>
                 <a:stretch>
-                  <a:fillRect l="-434" t="-3030" b="-27273"/>
+                  <a:fillRect l="-453" t="-3030" b="-27273"/>
                 </a:stretch>
               </a:blipFill>
             </p:spPr>
@@ -18915,8 +17597,8 @@
           </p:sp>
         </mc:Fallback>
       </mc:AlternateContent>
-      <mc:AlternateContent xmlns:mc="http://schemas.openxmlformats.org/markup-compatibility/2006">
-        <mc:Choice xmlns:a14="http://schemas.microsoft.com/office/drawing/2010/main" Requires="a14">
+      <mc:AlternateContent xmlns:mc="http://schemas.openxmlformats.org/markup-compatibility/2006" xmlns:a14="http://schemas.microsoft.com/office/drawing/2010/main">
+        <mc:Choice Requires="a14">
           <p:sp>
             <p:nvSpPr>
               <p:cNvPr id="7" name="Textfeld 6">
@@ -18931,7 +17613,7 @@
             </p:nvSpPr>
             <p:spPr>
               <a:xfrm>
-                <a:off x="19668514" y="6321505"/>
+                <a:off x="19668514" y="6350081"/>
                 <a:ext cx="7331568" cy="3057888"/>
               </a:xfrm>
               <a:prstGeom prst="rect">
@@ -18946,115 +17628,12 @@
               <a:lstStyle/>
               <a:p>
                 <a:r>
-                  <a:rPr lang="de-DE" sz="2400" dirty="0"/>
-                  <a:t>With </a:t>
-                </a:r>
-                <a:r>
-                  <a:rPr lang="de-DE" sz="2400" dirty="0" err="1"/>
-                  <a:t>the</a:t>
-                </a:r>
-                <a:r>
-                  <a:rPr lang="de-DE" sz="2400" dirty="0"/>
-                  <a:t> </a:t>
-                </a:r>
-                <a:r>
-                  <a:rPr lang="de-DE" sz="2400" dirty="0" err="1"/>
-                  <a:t>energy</a:t>
-                </a:r>
-                <a:r>
-                  <a:rPr lang="de-DE" sz="2400" dirty="0"/>
-                  <a:t> </a:t>
-                </a:r>
-                <a:r>
-                  <a:rPr lang="de-DE" sz="2400" dirty="0" err="1"/>
-                  <a:t>eigenvalues</a:t>
-                </a:r>
-                <a:r>
-                  <a:rPr lang="de-DE" sz="2400" dirty="0"/>
-                  <a:t>, </a:t>
-                </a:r>
-                <a:r>
-                  <a:rPr lang="de-DE" sz="2400" dirty="0" err="1"/>
-                  <a:t>the</a:t>
-                </a:r>
-                <a:r>
-                  <a:rPr lang="de-DE" sz="2400" dirty="0"/>
-                  <a:t> </a:t>
-                </a:r>
-                <a:r>
-                  <a:rPr lang="de-DE" sz="2400" dirty="0" err="1"/>
-                  <a:t>vibrational</a:t>
-                </a:r>
-                <a:r>
-                  <a:rPr lang="de-DE" sz="2400" dirty="0"/>
-                  <a:t> </a:t>
-                </a:r>
-                <a:r>
-                  <a:rPr lang="de-DE" sz="2400" dirty="0" err="1"/>
-                  <a:t>frequencies</a:t>
-                </a:r>
-                <a:r>
-                  <a:rPr lang="de-DE" sz="2400" dirty="0"/>
-                  <a:t> </a:t>
-                </a:r>
-                <a:r>
-                  <a:rPr lang="de-DE" sz="2400" dirty="0" err="1"/>
-                  <a:t>of</a:t>
-                </a:r>
-                <a:r>
-                  <a:rPr lang="de-DE" sz="2400" dirty="0"/>
-                  <a:t> </a:t>
-                </a:r>
-                <a:r>
-                  <a:rPr lang="de-DE" sz="2400" dirty="0" err="1"/>
-                  <a:t>both</a:t>
-                </a:r>
-                <a:r>
-                  <a:rPr lang="de-DE" sz="2400" dirty="0"/>
-                  <a:t> </a:t>
-                </a:r>
-                <a:r>
-                  <a:rPr lang="de-DE" sz="2400" dirty="0" err="1"/>
-                  <a:t>the</a:t>
-                </a:r>
-                <a:r>
-                  <a:rPr lang="de-DE" sz="2400" dirty="0"/>
-                  <a:t> fundamental and </a:t>
-                </a:r>
-                <a:r>
-                  <a:rPr lang="de-DE" sz="2400" dirty="0" err="1"/>
-                  <a:t>overtone</a:t>
-                </a:r>
-                <a:r>
-                  <a:rPr lang="de-DE" sz="2400" dirty="0"/>
-                  <a:t> </a:t>
-                </a:r>
-                <a:r>
-                  <a:rPr lang="de-DE" sz="2400" dirty="0" err="1"/>
-                  <a:t>can</a:t>
-                </a:r>
-                <a:r>
-                  <a:rPr lang="de-DE" sz="2400" dirty="0"/>
-                  <a:t> </a:t>
-                </a:r>
-                <a:r>
-                  <a:rPr lang="de-DE" sz="2400" dirty="0" err="1"/>
-                  <a:t>be</a:t>
-                </a:r>
-                <a:r>
-                  <a:rPr lang="de-DE" sz="2400" dirty="0"/>
-                  <a:t> </a:t>
-                </a:r>
-                <a:r>
-                  <a:rPr lang="de-DE" sz="2400" dirty="0" err="1"/>
-                  <a:t>calculated</a:t>
-                </a:r>
-                <a:r>
-                  <a:rPr lang="de-DE" sz="2400" dirty="0"/>
-                  <a:t>:</a:t>
+                  <a:rPr lang="en-GB" sz="2400" noProof="0"/>
+                  <a:t>With the energy eigenvalues, the vibrational frequencies of both the fundamental and overtones can be calculated:</a:t>
                 </a:r>
               </a:p>
               <a:p>
+                <a:pPr/>
                 <a14:m>
                   <m:oMathPara xmlns:m="http://schemas.openxmlformats.org/officeDocument/2006/math">
                     <m:oMathParaPr>
@@ -19064,14 +17643,14 @@
                       <m:sSub>
                         <m:sSubPr>
                           <m:ctrlPr>
-                            <a:rPr lang="de-AT" sz="2400" b="0" i="1" smtClean="0">
+                            <a:rPr lang="en-GB" sz="2400" b="0" i="1" noProof="0" smtClean="0">
                               <a:latin typeface="Cambria Math" panose="02040503050406030204" pitchFamily="18" charset="0"/>
                             </a:rPr>
                           </m:ctrlPr>
                         </m:sSubPr>
                         <m:e>
                           <m:r>
-                            <a:rPr lang="de-AT" sz="2400" b="0" i="1" smtClean="0">
+                            <a:rPr lang="en-GB" sz="2400" b="0" i="1" noProof="0" smtClean="0">
                               <a:latin typeface="Cambria Math" panose="02040503050406030204" pitchFamily="18" charset="0"/>
                             </a:rPr>
                             <m:t>𝜈</m:t>
@@ -19079,13 +17658,13 @@
                         </m:e>
                         <m:sub>
                           <m:r>
-                            <a:rPr lang="de-AT" sz="2400" b="0" i="1" smtClean="0">
+                            <a:rPr lang="en-GB" sz="2400" b="0" i="1" noProof="0" smtClean="0">
                               <a:latin typeface="Cambria Math" panose="02040503050406030204" pitchFamily="18" charset="0"/>
                             </a:rPr>
                             <m:t>𝑛</m:t>
                           </m:r>
                           <m:r>
-                            <a:rPr lang="de-AT" sz="2400" b="0" i="1" smtClean="0">
+                            <a:rPr lang="en-GB" sz="2400" b="0" i="1" noProof="0" smtClean="0">
                               <a:latin typeface="Cambria Math" panose="02040503050406030204" pitchFamily="18" charset="0"/>
                             </a:rPr>
                             <m:t>0</m:t>
@@ -19093,7 +17672,7 @@
                         </m:sub>
                       </m:sSub>
                       <m:r>
-                        <a:rPr lang="de-AT" sz="2400" b="0" i="1" smtClean="0">
+                        <a:rPr lang="en-GB" sz="2400" b="0" i="1" noProof="0" smtClean="0">
                           <a:latin typeface="Cambria Math" panose="02040503050406030204" pitchFamily="18" charset="0"/>
                         </a:rPr>
                         <m:t>=</m:t>
@@ -19101,7 +17680,7 @@
                       <m:f>
                         <m:fPr>
                           <m:ctrlPr>
-                            <a:rPr lang="de-AT" sz="2400" b="0" i="1" smtClean="0">
+                            <a:rPr lang="en-GB" sz="2400" b="0" i="1" noProof="0" smtClean="0">
                               <a:latin typeface="Cambria Math" panose="02040503050406030204" pitchFamily="18" charset="0"/>
                             </a:rPr>
                           </m:ctrlPr>
@@ -19110,14 +17689,14 @@
                           <m:sSub>
                             <m:sSubPr>
                               <m:ctrlPr>
-                                <a:rPr lang="de-AT" sz="2400" b="0" i="1" smtClean="0">
+                                <a:rPr lang="en-GB" sz="2400" b="0" i="1" noProof="0" smtClean="0">
                                   <a:latin typeface="Cambria Math" panose="02040503050406030204" pitchFamily="18" charset="0"/>
                                 </a:rPr>
                               </m:ctrlPr>
                             </m:sSubPr>
                             <m:e>
                               <m:r>
-                                <a:rPr lang="de-AT" sz="2400" b="0" i="1" smtClean="0">
+                                <a:rPr lang="en-GB" sz="2400" b="0" i="1" noProof="0" smtClean="0">
                                   <a:latin typeface="Cambria Math" panose="02040503050406030204" pitchFamily="18" charset="0"/>
                                 </a:rPr>
                                 <m:t>𝐸</m:t>
@@ -19125,7 +17704,7 @@
                             </m:e>
                             <m:sub>
                               <m:r>
-                                <a:rPr lang="de-AT" sz="2400" b="0" i="1" smtClean="0">
+                                <a:rPr lang="en-GB" sz="2400" b="0" i="1" noProof="0" smtClean="0">
                                   <a:latin typeface="Cambria Math" panose="02040503050406030204" pitchFamily="18" charset="0"/>
                                 </a:rPr>
                                 <m:t>𝑛</m:t>
@@ -19133,7 +17712,7 @@
                             </m:sub>
                           </m:sSub>
                           <m:r>
-                            <a:rPr lang="de-AT" sz="2400" b="0" i="1" smtClean="0">
+                            <a:rPr lang="en-GB" sz="2400" b="0" i="1" noProof="0" smtClean="0">
                               <a:latin typeface="Cambria Math" panose="02040503050406030204" pitchFamily="18" charset="0"/>
                             </a:rPr>
                             <m:t>−</m:t>
@@ -19141,14 +17720,14 @@
                           <m:sSub>
                             <m:sSubPr>
                               <m:ctrlPr>
-                                <a:rPr lang="de-AT" sz="2400" b="0" i="1" smtClean="0">
+                                <a:rPr lang="en-GB" sz="2400" b="0" i="1" noProof="0" smtClean="0">
                                   <a:latin typeface="Cambria Math" panose="02040503050406030204" pitchFamily="18" charset="0"/>
                                 </a:rPr>
                               </m:ctrlPr>
                             </m:sSubPr>
                             <m:e>
                               <m:r>
-                                <a:rPr lang="de-AT" sz="2400" b="0" i="1" smtClean="0">
+                                <a:rPr lang="en-GB" sz="2400" b="0" i="1" noProof="0" smtClean="0">
                                   <a:latin typeface="Cambria Math" panose="02040503050406030204" pitchFamily="18" charset="0"/>
                                 </a:rPr>
                                 <m:t>𝐸</m:t>
@@ -19156,7 +17735,7 @@
                             </m:e>
                             <m:sub>
                               <m:r>
-                                <a:rPr lang="de-AT" sz="2400" b="0" i="1" smtClean="0">
+                                <a:rPr lang="en-GB" sz="2400" b="0" i="1" noProof="0" smtClean="0">
                                   <a:latin typeface="Cambria Math" panose="02040503050406030204" pitchFamily="18" charset="0"/>
                                 </a:rPr>
                                 <m:t>0</m:t>
@@ -19166,7 +17745,7 @@
                         </m:num>
                         <m:den>
                           <m:r>
-                            <a:rPr lang="de-AT" sz="2400" b="0" i="1" smtClean="0">
+                            <a:rPr lang="en-GB" sz="2400" b="0" i="1" noProof="0" smtClean="0">
                               <a:latin typeface="Cambria Math" panose="02040503050406030204" pitchFamily="18" charset="0"/>
                             </a:rPr>
                             <m:t>h</m:t>
@@ -19176,63 +17755,16 @@
                     </m:oMath>
                   </m:oMathPara>
                 </a14:m>
-                <a:endParaRPr lang="de-DE" sz="2400" dirty="0"/>
+                <a:endParaRPr lang="en-GB" sz="2400" noProof="0" dirty="0"/>
               </a:p>
               <a:p>
                 <a:r>
-                  <a:rPr lang="de-DE" sz="2400" dirty="0"/>
-                  <a:t>The </a:t>
-                </a:r>
-                <a:r>
-                  <a:rPr lang="de-DE" sz="2400" dirty="0" err="1"/>
-                  <a:t>following</a:t>
-                </a:r>
-                <a:r>
-                  <a:rPr lang="de-DE" sz="2400" dirty="0"/>
-                  <a:t> </a:t>
-                </a:r>
-                <a:r>
-                  <a:rPr lang="de-DE" sz="2400" dirty="0" err="1"/>
-                  <a:t>table</a:t>
-                </a:r>
-                <a:r>
-                  <a:rPr lang="de-DE" sz="2400" dirty="0"/>
-                  <a:t> </a:t>
-                </a:r>
-                <a:r>
-                  <a:rPr lang="de-DE" sz="2400" dirty="0" err="1"/>
-                  <a:t>displays</a:t>
-                </a:r>
-                <a:r>
-                  <a:rPr lang="de-DE" sz="2400" dirty="0"/>
-                  <a:t> </a:t>
-                </a:r>
-                <a:r>
-                  <a:rPr lang="de-DE" sz="2400" dirty="0" err="1"/>
-                  <a:t>the</a:t>
-                </a:r>
-                <a:r>
-                  <a:rPr lang="de-DE" sz="2400" dirty="0"/>
-                  <a:t> </a:t>
-                </a:r>
-                <a:r>
-                  <a:rPr lang="de-DE" sz="2400" dirty="0" err="1"/>
-                  <a:t>Overlap</a:t>
-                </a:r>
-                <a:r>
-                  <a:rPr lang="de-DE" sz="2400" dirty="0"/>
-                  <a:t> </a:t>
-                </a:r>
-                <a:r>
-                  <a:rPr lang="de-DE" sz="2400" dirty="0" err="1"/>
-                  <a:t>matrix</a:t>
-                </a:r>
-                <a:r>
-                  <a:rPr lang="de-DE" sz="2400" dirty="0"/>
-                  <a:t>:</a:t>
+                  <a:rPr lang="en-GB" sz="2400" noProof="0" dirty="0"/>
+                  <a:t>The following table displays the Overlap matrix:</a:t>
                 </a:r>
               </a:p>
               <a:p>
+                <a:pPr/>
                 <a14:m>
                   <m:oMathPara xmlns:m="http://schemas.openxmlformats.org/officeDocument/2006/math">
                     <m:oMathParaPr>
@@ -19242,14 +17774,14 @@
                       <m:sSub>
                         <m:sSubPr>
                           <m:ctrlPr>
-                            <a:rPr lang="de-AT" sz="2400" b="0" i="1" smtClean="0">
+                            <a:rPr lang="en-GB" sz="2400" b="0" i="1" noProof="0" smtClean="0">
                               <a:latin typeface="Cambria Math" panose="02040503050406030204" pitchFamily="18" charset="0"/>
                             </a:rPr>
                           </m:ctrlPr>
                         </m:sSubPr>
                         <m:e>
                           <m:r>
-                            <a:rPr lang="de-AT" sz="2400" b="0" i="1" smtClean="0">
+                            <a:rPr lang="en-GB" sz="2400" b="0" i="1" noProof="0" smtClean="0">
                               <a:latin typeface="Cambria Math" panose="02040503050406030204" pitchFamily="18" charset="0"/>
                             </a:rPr>
                             <m:t>𝑆</m:t>
@@ -19257,7 +17789,7 @@
                         </m:e>
                         <m:sub>
                           <m:r>
-                            <a:rPr lang="de-AT" sz="2400" b="0" i="1" smtClean="0">
+                            <a:rPr lang="en-GB" sz="2400" b="0" i="1" noProof="0" smtClean="0">
                               <a:latin typeface="Cambria Math" panose="02040503050406030204" pitchFamily="18" charset="0"/>
                             </a:rPr>
                             <m:t>𝑖𝑗</m:t>
@@ -19265,7 +17797,7 @@
                         </m:sub>
                       </m:sSub>
                       <m:r>
-                        <a:rPr lang="de-AT" sz="2400" b="0" i="1" smtClean="0">
+                        <a:rPr lang="en-GB" sz="2400" b="0" i="1" noProof="0" smtClean="0">
                           <a:latin typeface="Cambria Math" panose="02040503050406030204" pitchFamily="18" charset="0"/>
                         </a:rPr>
                         <m:t>=</m:t>
@@ -19273,7 +17805,7 @@
                       <m:nary>
                         <m:naryPr>
                           <m:ctrlPr>
-                            <a:rPr lang="de-AT" sz="2400" b="0" i="1" smtClean="0">
+                            <a:rPr lang="en-GB" sz="2400" b="0" i="1" noProof="0" smtClean="0">
                               <a:latin typeface="Cambria Math" panose="02040503050406030204" pitchFamily="18" charset="0"/>
                             </a:rPr>
                           </m:ctrlPr>
@@ -19283,13 +17815,13 @@
                             <m:rPr>
                               <m:brk m:alnAt="23"/>
                             </m:rPr>
-                            <a:rPr lang="de-AT" sz="2400" b="0" i="1" smtClean="0">
+                            <a:rPr lang="en-GB" sz="2400" b="0" i="1" noProof="0" smtClean="0">
                               <a:latin typeface="Cambria Math" panose="02040503050406030204" pitchFamily="18" charset="0"/>
                             </a:rPr>
                             <m:t>−</m:t>
                           </m:r>
                           <m:r>
-                            <a:rPr lang="de-AT" sz="2400" b="0" i="1" smtClean="0">
+                            <a:rPr lang="en-GB" sz="2400" b="0" i="1" noProof="0" smtClean="0">
                               <a:latin typeface="Cambria Math" panose="02040503050406030204" pitchFamily="18" charset="0"/>
                             </a:rPr>
                             <m:t>∞</m:t>
@@ -19297,7 +17829,7 @@
                         </m:sub>
                         <m:sup>
                           <m:r>
-                            <a:rPr lang="de-AT" sz="2400" b="0" i="1" smtClean="0">
+                            <a:rPr lang="en-GB" sz="2400" b="0" i="1" noProof="0" smtClean="0">
                               <a:latin typeface="Cambria Math" panose="02040503050406030204" pitchFamily="18" charset="0"/>
                             </a:rPr>
                             <m:t>∞</m:t>
@@ -19307,14 +17839,14 @@
                           <m:sSub>
                             <m:sSubPr>
                               <m:ctrlPr>
-                                <a:rPr lang="de-AT" sz="2400" b="0" i="1" smtClean="0">
+                                <a:rPr lang="en-GB" sz="2400" b="0" i="1" noProof="0" smtClean="0">
                                   <a:latin typeface="Cambria Math" panose="02040503050406030204" pitchFamily="18" charset="0"/>
                                 </a:rPr>
                               </m:ctrlPr>
                             </m:sSubPr>
                             <m:e>
                               <m:r>
-                                <a:rPr lang="de-AT" sz="2400" b="0" i="1" smtClean="0">
+                                <a:rPr lang="en-GB" sz="2400" b="0" i="1" noProof="0" smtClean="0">
                                   <a:latin typeface="Cambria Math" panose="02040503050406030204" pitchFamily="18" charset="0"/>
                                 </a:rPr>
                                 <m:t>𝜓</m:t>
@@ -19322,7 +17854,7 @@
                             </m:e>
                             <m:sub>
                               <m:r>
-                                <a:rPr lang="de-AT" sz="2400" b="0" i="1" smtClean="0">
+                                <a:rPr lang="en-GB" sz="2400" b="0" i="1" noProof="0" smtClean="0">
                                   <a:latin typeface="Cambria Math" panose="02040503050406030204" pitchFamily="18" charset="0"/>
                                 </a:rPr>
                                 <m:t>𝑖</m:t>
@@ -19332,14 +17864,14 @@
                           <m:d>
                             <m:dPr>
                               <m:ctrlPr>
-                                <a:rPr lang="de-AT" sz="2400" b="0" i="1" smtClean="0">
+                                <a:rPr lang="en-GB" sz="2400" b="0" i="1" noProof="0" smtClean="0">
                                   <a:latin typeface="Cambria Math" panose="02040503050406030204" pitchFamily="18" charset="0"/>
                                 </a:rPr>
                               </m:ctrlPr>
                             </m:dPr>
                             <m:e>
                               <m:r>
-                                <a:rPr lang="de-AT" sz="2400" b="0" i="1" smtClean="0">
+                                <a:rPr lang="en-GB" sz="2400" b="0" i="1" noProof="0" smtClean="0">
                                   <a:latin typeface="Cambria Math" panose="02040503050406030204" pitchFamily="18" charset="0"/>
                                 </a:rPr>
                                 <m:t>𝑥</m:t>
@@ -19349,14 +17881,14 @@
                           <m:sSub>
                             <m:sSubPr>
                               <m:ctrlPr>
-                                <a:rPr lang="de-AT" sz="2400" b="0" i="1" smtClean="0">
+                                <a:rPr lang="en-GB" sz="2400" b="0" i="1" noProof="0" smtClean="0">
                                   <a:latin typeface="Cambria Math" panose="02040503050406030204" pitchFamily="18" charset="0"/>
                                 </a:rPr>
                               </m:ctrlPr>
                             </m:sSubPr>
                             <m:e>
                               <m:r>
-                                <a:rPr lang="de-AT" sz="2400" b="0" i="1" smtClean="0">
+                                <a:rPr lang="en-GB" sz="2400" b="0" i="1" noProof="0" smtClean="0">
                                   <a:latin typeface="Cambria Math" panose="02040503050406030204" pitchFamily="18" charset="0"/>
                                 </a:rPr>
                                 <m:t>𝜓</m:t>
@@ -19364,7 +17896,7 @@
                             </m:e>
                             <m:sub>
                               <m:r>
-                                <a:rPr lang="de-AT" sz="2400" b="0" i="1" smtClean="0">
+                                <a:rPr lang="en-GB" sz="2400" b="0" i="1" noProof="0" smtClean="0">
                                   <a:latin typeface="Cambria Math" panose="02040503050406030204" pitchFamily="18" charset="0"/>
                                 </a:rPr>
                                 <m:t>𝑗</m:t>
@@ -19374,14 +17906,14 @@
                           <m:d>
                             <m:dPr>
                               <m:ctrlPr>
-                                <a:rPr lang="de-AT" sz="2400" b="0" i="1" smtClean="0">
+                                <a:rPr lang="en-GB" sz="2400" b="0" i="1" noProof="0" smtClean="0">
                                   <a:latin typeface="Cambria Math" panose="02040503050406030204" pitchFamily="18" charset="0"/>
                                 </a:rPr>
                               </m:ctrlPr>
                             </m:dPr>
                             <m:e>
                               <m:r>
-                                <a:rPr lang="de-AT" sz="2400" b="0" i="1" smtClean="0">
+                                <a:rPr lang="en-GB" sz="2400" b="0" i="1" noProof="0" smtClean="0">
                                   <a:latin typeface="Cambria Math" panose="02040503050406030204" pitchFamily="18" charset="0"/>
                                 </a:rPr>
                                 <m:t>𝑥</m:t>
@@ -19389,7 +17921,7 @@
                             </m:e>
                           </m:d>
                           <m:r>
-                            <a:rPr lang="de-AT" sz="2400" b="0" i="1" smtClean="0">
+                            <a:rPr lang="en-GB" sz="2400" b="0" i="1" noProof="0" smtClean="0">
                               <a:latin typeface="Cambria Math" panose="02040503050406030204" pitchFamily="18" charset="0"/>
                             </a:rPr>
                             <m:t>𝑑𝑥</m:t>
@@ -19399,12 +17931,12 @@
                     </m:oMath>
                   </m:oMathPara>
                 </a14:m>
-                <a:endParaRPr lang="de-DE" sz="2400" dirty="0"/>
+                <a:endParaRPr lang="en-GB" sz="2400" noProof="0" dirty="0"/>
               </a:p>
             </p:txBody>
           </p:sp>
         </mc:Choice>
-        <mc:Fallback>
+        <mc:Fallback xmlns="">
           <p:sp>
             <p:nvSpPr>
               <p:cNvPr id="7" name="Textfeld 6">
@@ -19421,7 +17953,7 @@
             </p:nvSpPr>
             <p:spPr>
               <a:xfrm>
-                <a:off x="19668514" y="6321505"/>
+                <a:off x="19668514" y="6350081"/>
                 <a:ext cx="7331568" cy="3057888"/>
               </a:xfrm>
               <a:prstGeom prst="rect">
@@ -19430,7 +17962,7 @@
               <a:blipFill>
                 <a:blip r:embed="rId32"/>
                 <a:stretch>
-                  <a:fillRect l="-1211" t="-1653" r="-1038" b="-71488"/>
+                  <a:fillRect l="-1211" t="-1660" b="-71784"/>
                 </a:stretch>
               </a:blipFill>
             </p:spPr>
@@ -19449,6 +17981,58 @@
           </p:sp>
         </mc:Fallback>
       </mc:AlternateContent>
+      <p:sp>
+        <p:nvSpPr>
+          <p:cNvPr id="16" name="Bogen 15">
+            <a:extLst>
+              <a:ext uri="{FF2B5EF4-FFF2-40B4-BE49-F238E27FC236}">
+                <a16:creationId xmlns:a16="http://schemas.microsoft.com/office/drawing/2014/main" id="{2DC771B6-2162-B3C0-D13E-1FE46CA6E8E3}"/>
+              </a:ext>
+            </a:extLst>
+          </p:cNvPr>
+          <p:cNvSpPr/>
+          <p:nvPr/>
+        </p:nvSpPr>
+        <p:spPr>
+          <a:xfrm rot="1249468">
+            <a:off x="17595225" y="6615731"/>
+            <a:ext cx="97553" cy="129051"/>
+          </a:xfrm>
+          <a:prstGeom prst="arc">
+            <a:avLst>
+              <a:gd name="adj1" fmla="val 16551361"/>
+              <a:gd name="adj2" fmla="val 2493407"/>
+            </a:avLst>
+          </a:prstGeom>
+          <a:ln w="6350">
+            <a:solidFill>
+              <a:srgbClr val="C00000"/>
+            </a:solidFill>
+          </a:ln>
+        </p:spPr>
+        <p:style>
+          <a:lnRef idx="2">
+            <a:schemeClr val="accent1"/>
+          </a:lnRef>
+          <a:fillRef idx="0">
+            <a:schemeClr val="accent1"/>
+          </a:fillRef>
+          <a:effectRef idx="1">
+            <a:schemeClr val="accent1"/>
+          </a:effectRef>
+          <a:fontRef idx="minor">
+            <a:schemeClr val="tx1"/>
+          </a:fontRef>
+        </p:style>
+        <p:txBody>
+          <a:bodyPr rtlCol="0" anchor="ctr"/>
+          <a:lstStyle/>
+          <a:p>
+            <a:pPr algn="ctr"/>
+            <a:endParaRPr lang="de-DE"/>
+          </a:p>
+        </p:txBody>
+      </p:sp>
     </p:spTree>
     <p:extLst>
       <p:ext uri="{BB962C8B-B14F-4D97-AF65-F5344CB8AC3E}">
